--- a/MySlides/Session6_ParallelProgramming_Specx.pptx
+++ b/MySlides/Session6_ParallelProgramming_Specx.pptx
@@ -15,6 +15,15 @@
     <p:sldId id="263" r:id="rId10"/>
     <p:sldId id="264" r:id="rId11"/>
     <p:sldId id="265" r:id="rId12"/>
+    <p:sldId id="266" r:id="rId13"/>
+    <p:sldId id="267" r:id="rId14"/>
+    <p:sldId id="268" r:id="rId15"/>
+    <p:sldId id="269" r:id="rId16"/>
+    <p:sldId id="270" r:id="rId17"/>
+    <p:sldId id="271" r:id="rId18"/>
+    <p:sldId id="272" r:id="rId19"/>
+    <p:sldId id="273" r:id="rId20"/>
+    <p:sldId id="274" r:id="rId21"/>
   </p:sldIdLst>
   <p:sldSz cx="10080625" cy="5670550"/>
   <p:notesSz cx="7559675" cy="10691813"/>
@@ -2063,7 +2072,7 @@
         <p:spPr>
           <a:xfrm>
             <a:off x="0" y="5400000"/>
-            <a:ext cx="10075680" cy="265680"/>
+            <a:ext cx="10074960" cy="264960"/>
           </a:xfrm>
           <a:prstGeom prst="rect">
             <a:avLst/>
@@ -2091,7 +2100,7 @@
         <p:spPr>
           <a:xfrm>
             <a:off x="0" y="0"/>
-            <a:ext cx="10075680" cy="1210680"/>
+            <a:ext cx="10074960" cy="1209960"/>
           </a:xfrm>
           <a:prstGeom prst="rect">
             <a:avLst/>
@@ -2123,7 +2132,7 @@
         <p:spPr>
           <a:xfrm>
             <a:off x="3420000" y="5400000"/>
-            <a:ext cx="3235680" cy="265680"/>
+            <a:ext cx="3234960" cy="264960"/>
           </a:xfrm>
           <a:prstGeom prst="rect">
             <a:avLst/>
@@ -2171,7 +2180,7 @@
                 </a:solidFill>
                 <a:latin typeface="Source Sans Pro Black"/>
               </a:rPr>
-              <a:t> </a:t>
+              <a:t>&lt;footer&gt;</a:t>
             </a:r>
             <a:endParaRPr b="0" lang="fr-CH" sz="1800" spc="-1" strike="noStrike">
               <a:latin typeface="Times New Roman"/>
@@ -2192,7 +2201,7 @@
         <p:spPr>
           <a:xfrm>
             <a:off x="360000" y="5400000"/>
-            <a:ext cx="2875680" cy="265680"/>
+            <a:ext cx="2874960" cy="264960"/>
           </a:xfrm>
           <a:prstGeom prst="rect">
             <a:avLst/>
@@ -2218,7 +2227,7 @@
               <a:rPr b="0" lang="fr-CH" sz="1400" spc="-1" strike="noStrike">
                 <a:latin typeface="Times New Roman"/>
               </a:rPr>
-              <a:t> </a:t>
+              <a:t>&lt;date/time&gt;</a:t>
             </a:r>
             <a:endParaRPr b="0" lang="fr-CH" sz="1400" spc="-1" strike="noStrike">
               <a:latin typeface="Times New Roman"/>
@@ -2502,7 +2511,7 @@
         <p:spPr>
           <a:xfrm>
             <a:off x="0" y="0"/>
-            <a:ext cx="10155240" cy="4315680"/>
+            <a:ext cx="10154520" cy="4314960"/>
           </a:xfrm>
           <a:prstGeom prst="rect">
             <a:avLst/>
@@ -2521,7 +2530,7 @@
         <p:spPr>
           <a:xfrm>
             <a:off x="714600" y="4392000"/>
-            <a:ext cx="9355680" cy="715680"/>
+            <a:ext cx="9354960" cy="714960"/>
           </a:xfrm>
           <a:prstGeom prst="rect">
             <a:avLst/>
@@ -2603,7 +2612,7 @@
         <p:spPr>
           <a:xfrm>
             <a:off x="3240000" y="5055120"/>
-            <a:ext cx="3448800" cy="270360"/>
+            <a:ext cx="3448080" cy="269640"/>
           </a:xfrm>
           <a:custGeom>
             <a:avLst/>
@@ -2725,9 +2734,63 @@
           <a:chExt cx="0" cy="0"/>
         </a:xfrm>
       </p:grpSpPr>
+      <p:sp>
+        <p:nvSpPr>
+          <p:cNvPr id="80" name="PlaceHolder 12"/>
+          <p:cNvSpPr/>
+          <p:nvPr/>
+        </p:nvSpPr>
+        <p:spPr>
+          <a:xfrm>
+            <a:off x="354960" y="226080"/>
+            <a:ext cx="9354960" cy="713880"/>
+          </a:xfrm>
+          <a:prstGeom prst="rect">
+            <a:avLst/>
+          </a:prstGeom>
+          <a:noFill/>
+          <a:ln w="0">
+            <a:noFill/>
+          </a:ln>
+        </p:spPr>
+        <p:style>
+          <a:lnRef idx="0"/>
+          <a:fillRef idx="0"/>
+          <a:effectRef idx="0"/>
+          <a:fontRef idx="minor"/>
+        </p:style>
+        <p:txBody>
+          <a:bodyPr lIns="0" rIns="0" tIns="0" bIns="0" anchor="ctr">
+            <a:noAutofit/>
+          </a:bodyPr>
+          <a:p>
+            <a:pPr>
+              <a:lnSpc>
+                <a:spcPct val="100000"/>
+              </a:lnSpc>
+              <a:buNone/>
+              <a:tabLst>
+                <a:tab algn="l" pos="0"/>
+              </a:tabLst>
+            </a:pPr>
+            <a:r>
+              <a:rPr b="1" lang="en-US" sz="2700" spc="-1" strike="noStrike">
+                <a:solidFill>
+                  <a:srgbClr val="ffffff"/>
+                </a:solidFill>
+                <a:latin typeface="Source Sans Pro Black"/>
+              </a:rPr>
+              <a:t>SPECX: Runtime Interface</a:t>
+            </a:r>
+            <a:endParaRPr b="0" lang="fr-CH" sz="2700" spc="-1" strike="noStrike">
+              <a:latin typeface="Arial"/>
+            </a:endParaRPr>
+          </a:p>
+        </p:txBody>
+      </p:sp>
       <p:pic>
         <p:nvPicPr>
-          <p:cNvPr id="62" name="" descr=""/>
+          <p:cNvPr id="81" name="" descr=""/>
           <p:cNvPicPr/>
           <p:nvPr/>
         </p:nvPicPr>
@@ -2737,8 +2800,2812 @@
         </p:blipFill>
         <p:spPr>
           <a:xfrm>
+            <a:off x="8994960" y="61200"/>
+            <a:ext cx="1015920" cy="1015920"/>
+          </a:xfrm>
+          <a:prstGeom prst="rect">
+            <a:avLst/>
+          </a:prstGeom>
+          <a:ln w="0">
+            <a:noFill/>
+          </a:ln>
+        </p:spPr>
+      </p:pic>
+      <p:sp>
+        <p:nvSpPr>
+          <p:cNvPr id="82" name=""/>
+          <p:cNvSpPr/>
+          <p:nvPr/>
+        </p:nvSpPr>
+        <p:spPr>
+          <a:xfrm>
+            <a:off x="252000" y="1270440"/>
+            <a:ext cx="9359640" cy="3824640"/>
+          </a:xfrm>
+          <a:prstGeom prst="rect">
+            <a:avLst/>
+          </a:prstGeom>
+          <a:noFill/>
+          <a:ln w="0">
+            <a:noFill/>
+          </a:ln>
+        </p:spPr>
+        <p:style>
+          <a:lnRef idx="0"/>
+          <a:fillRef idx="0"/>
+          <a:effectRef idx="0"/>
+          <a:fontRef idx="minor"/>
+        </p:style>
+        <p:txBody>
+          <a:bodyPr lIns="90000" rIns="90000" tIns="45000" bIns="45000" anchor="t">
+            <a:noAutofit/>
+          </a:bodyPr>
+          <a:p>
+            <a:pPr>
+              <a:lnSpc>
+                <a:spcPct val="100000"/>
+              </a:lnSpc>
+              <a:buNone/>
+            </a:pPr>
+            <a:endParaRPr b="0" lang="fr-CH" sz="1400" spc="-1" strike="noStrike">
+              <a:latin typeface="Arial"/>
+            </a:endParaRPr>
+          </a:p>
+          <a:p>
+            <a:pPr>
+              <a:lnSpc>
+                <a:spcPct val="100000"/>
+              </a:lnSpc>
+              <a:buNone/>
+            </a:pPr>
+            <a:endParaRPr b="0" lang="fr-CH" sz="1400" spc="-1" strike="noStrike">
+              <a:latin typeface="Arial"/>
+            </a:endParaRPr>
+          </a:p>
+          <a:p>
+            <a:pPr marL="216000" indent="-216000">
+              <a:lnSpc>
+                <a:spcPct val="100000"/>
+              </a:lnSpc>
+              <a:buClr>
+                <a:srgbClr val="000000"/>
+              </a:buClr>
+              <a:buSzPct val="45000"/>
+              <a:buFont typeface="Wingdings" charset="2"/>
+              <a:buChar char=""/>
+            </a:pPr>
+            <a:r>
+              <a:rPr b="0" lang="fr-CH" sz="1400" spc="-1" strike="noStrike">
+                <a:latin typeface="Times New Roman"/>
+              </a:rPr>
+              <a:t>void </a:t>
+            </a:r>
+            <a:r>
+              <a:rPr b="1" lang="fr-CH" sz="1400" spc="-1" strike="noStrike">
+                <a:solidFill>
+                  <a:srgbClr val="2a6099"/>
+                </a:solidFill>
+                <a:latin typeface="Times New Roman"/>
+              </a:rPr>
+              <a:t>waitAllTasks</a:t>
+            </a:r>
+            <a:r>
+              <a:rPr b="0" lang="fr-CH" sz="1400" spc="-1" strike="noStrike">
+                <a:latin typeface="Times New Roman"/>
+              </a:rPr>
+              <a:t>()</a:t>
+            </a:r>
+            <a:endParaRPr b="0" lang="fr-CH" sz="1400" spc="-1" strike="noStrike">
+              <a:latin typeface="Arial"/>
+            </a:endParaRPr>
+          </a:p>
+          <a:p>
+            <a:pPr lvl="2" marL="648000" indent="-216000">
+              <a:lnSpc>
+                <a:spcPct val="100000"/>
+              </a:lnSpc>
+              <a:buClr>
+                <a:srgbClr val="000000"/>
+              </a:buClr>
+              <a:buSzPct val="45000"/>
+              <a:buFont typeface="Wingdings" charset="2"/>
+              <a:buChar char=""/>
+            </a:pPr>
+            <a:r>
+              <a:rPr b="0" i="1" lang="en-US" sz="1400" spc="-1" strike="noStrike">
+                <a:latin typeface="Times New Roman"/>
+              </a:rPr>
+              <a:t>This method is a blocking call which waits until all the tasks that have been pushed to the runtime up to this point have finished.</a:t>
+            </a:r>
+            <a:endParaRPr b="0" lang="fr-CH" sz="1400" spc="-1" strike="noStrike">
+              <a:latin typeface="Arial"/>
+            </a:endParaRPr>
+          </a:p>
+          <a:p>
+            <a:pPr>
+              <a:lnSpc>
+                <a:spcPct val="100000"/>
+              </a:lnSpc>
+              <a:buNone/>
+            </a:pPr>
+            <a:endParaRPr b="0" lang="fr-CH" sz="1400" spc="-1" strike="noStrike">
+              <a:latin typeface="Arial"/>
+            </a:endParaRPr>
+          </a:p>
+          <a:p>
+            <a:pPr marL="216000" indent="-216000">
+              <a:lnSpc>
+                <a:spcPct val="100000"/>
+              </a:lnSpc>
+              <a:buClr>
+                <a:srgbClr val="000000"/>
+              </a:buClr>
+              <a:buSzPct val="45000"/>
+              <a:buFont typeface="Wingdings" charset="2"/>
+              <a:buChar char=""/>
+            </a:pPr>
+            <a:r>
+              <a:rPr b="0" lang="fr-CH" sz="1400" spc="-1" strike="noStrike">
+                <a:latin typeface="Times New Roman"/>
+              </a:rPr>
+              <a:t>void</a:t>
+            </a:r>
+            <a:r>
+              <a:rPr b="1" lang="fr-CH" sz="1400" spc="-1" strike="noStrike">
+                <a:solidFill>
+                  <a:srgbClr val="2a6099"/>
+                </a:solidFill>
+                <a:latin typeface="Times New Roman"/>
+              </a:rPr>
+              <a:t> waitRemain</a:t>
+            </a:r>
+            <a:r>
+              <a:rPr b="0" lang="fr-CH" sz="1400" spc="-1" strike="noStrike">
+                <a:latin typeface="Times New Roman"/>
+              </a:rPr>
+              <a:t>(const long int windowSize)</a:t>
+            </a:r>
+            <a:endParaRPr b="0" lang="fr-CH" sz="1400" spc="-1" strike="noStrike">
+              <a:latin typeface="Arial"/>
+            </a:endParaRPr>
+          </a:p>
+          <a:p>
+            <a:pPr lvl="2" marL="648000" indent="-216000">
+              <a:lnSpc>
+                <a:spcPct val="100000"/>
+              </a:lnSpc>
+              <a:buClr>
+                <a:srgbClr val="000000"/>
+              </a:buClr>
+              <a:buSzPct val="45000"/>
+              <a:buFont typeface="Wingdings" charset="2"/>
+              <a:buChar char=""/>
+            </a:pPr>
+            <a:r>
+              <a:rPr b="0" i="1" lang="en-US" sz="1400" spc="-1" strike="noStrike">
+                <a:latin typeface="Times New Roman"/>
+              </a:rPr>
+              <a:t>This method is a blocking call which waits until the number of still unprocessed tasks becomes less than or equal to windowSize.</a:t>
+            </a:r>
+            <a:endParaRPr b="0" lang="fr-CH" sz="1400" spc="-1" strike="noStrike">
+              <a:latin typeface="Arial"/>
+            </a:endParaRPr>
+          </a:p>
+          <a:p>
+            <a:pPr>
+              <a:lnSpc>
+                <a:spcPct val="100000"/>
+              </a:lnSpc>
+              <a:buNone/>
+            </a:pPr>
+            <a:endParaRPr b="0" lang="fr-CH" sz="1400" spc="-1" strike="noStrike">
+              <a:latin typeface="Arial"/>
+            </a:endParaRPr>
+          </a:p>
+          <a:p>
+            <a:pPr marL="216000" indent="-216000">
+              <a:lnSpc>
+                <a:spcPct val="100000"/>
+              </a:lnSpc>
+              <a:buClr>
+                <a:srgbClr val="000000"/>
+              </a:buClr>
+              <a:buSzPct val="45000"/>
+              <a:buFont typeface="Wingdings" charset="2"/>
+              <a:buChar char=""/>
+            </a:pPr>
+            <a:r>
+              <a:rPr b="0" lang="fr-CH" sz="1400" spc="-1" strike="noStrike">
+                <a:latin typeface="Times New Roman"/>
+              </a:rPr>
+              <a:t>void</a:t>
+            </a:r>
+            <a:r>
+              <a:rPr b="1" lang="fr-CH" sz="1400" spc="-1" strike="noStrike">
+                <a:solidFill>
+                  <a:srgbClr val="2a6099"/>
+                </a:solidFill>
+                <a:latin typeface="Times New Roman"/>
+              </a:rPr>
+              <a:t> stopAllThreads</a:t>
+            </a:r>
+            <a:r>
+              <a:rPr b="0" lang="fr-CH" sz="1400" spc="-1" strike="noStrike">
+                <a:latin typeface="Times New Roman"/>
+              </a:rPr>
+              <a:t>()</a:t>
+            </a:r>
+            <a:endParaRPr b="0" lang="fr-CH" sz="1400" spc="-1" strike="noStrike">
+              <a:latin typeface="Arial"/>
+            </a:endParaRPr>
+          </a:p>
+          <a:p>
+            <a:pPr lvl="2" marL="648000" indent="-216000">
+              <a:lnSpc>
+                <a:spcPct val="100000"/>
+              </a:lnSpc>
+              <a:buClr>
+                <a:srgbClr val="000000"/>
+              </a:buClr>
+              <a:buSzPct val="45000"/>
+              <a:buFont typeface="Wingdings" charset="2"/>
+              <a:buChar char=""/>
+            </a:pPr>
+            <a:r>
+              <a:rPr b="0" i="1" lang="en-US" sz="1400" spc="-1" strike="noStrike">
+                <a:latin typeface="Times New Roman"/>
+              </a:rPr>
+              <a:t>This method is a blocking call which causes the runtime threads to exit. The method expects all tasks to have already finished, therefore you should always call waitAllTasks() before calling this method.</a:t>
+            </a:r>
+            <a:endParaRPr b="0" lang="fr-CH" sz="1400" spc="-1" strike="noStrike">
+              <a:latin typeface="Arial"/>
+            </a:endParaRPr>
+          </a:p>
+          <a:p>
+            <a:pPr>
+              <a:lnSpc>
+                <a:spcPct val="100000"/>
+              </a:lnSpc>
+              <a:buNone/>
+            </a:pPr>
+            <a:endParaRPr b="0" lang="fr-CH" sz="1400" spc="-1" strike="noStrike">
+              <a:latin typeface="Arial"/>
+            </a:endParaRPr>
+          </a:p>
+          <a:p>
+            <a:pPr marL="216000" indent="-216000">
+              <a:lnSpc>
+                <a:spcPct val="100000"/>
+              </a:lnSpc>
+              <a:buClr>
+                <a:srgbClr val="000000"/>
+              </a:buClr>
+              <a:buSzPct val="45000"/>
+              <a:buFont typeface="Wingdings" charset="2"/>
+              <a:buChar char=""/>
+            </a:pPr>
+            <a:r>
+              <a:rPr b="0" lang="fr-CH" sz="1400" spc="-1" strike="noStrike">
+                <a:latin typeface="Times New Roman"/>
+              </a:rPr>
+              <a:t>int </a:t>
+            </a:r>
+            <a:r>
+              <a:rPr b="1" lang="fr-CH" sz="1400" spc="-1" strike="noStrike">
+                <a:solidFill>
+                  <a:srgbClr val="2a6099"/>
+                </a:solidFill>
+                <a:latin typeface="Times New Roman"/>
+              </a:rPr>
+              <a:t>getNbThreads</a:t>
+            </a:r>
+            <a:r>
+              <a:rPr b="0" lang="fr-CH" sz="1400" spc="-1" strike="noStrike">
+                <a:latin typeface="Times New Roman"/>
+              </a:rPr>
+              <a:t>()</a:t>
+            </a:r>
+            <a:endParaRPr b="0" lang="fr-CH" sz="1400" spc="-1" strike="noStrike">
+              <a:latin typeface="Arial"/>
+            </a:endParaRPr>
+          </a:p>
+          <a:p>
+            <a:pPr lvl="2" marL="648000" indent="-216000">
+              <a:lnSpc>
+                <a:spcPct val="100000"/>
+              </a:lnSpc>
+              <a:buClr>
+                <a:srgbClr val="000000"/>
+              </a:buClr>
+              <a:buSzPct val="45000"/>
+              <a:buFont typeface="Wingdings" charset="2"/>
+              <a:buChar char=""/>
+            </a:pPr>
+            <a:r>
+              <a:rPr b="0" i="1" lang="en-US" sz="1400" spc="-1" strike="noStrike">
+                <a:latin typeface="Times New Roman"/>
+              </a:rPr>
+              <a:t>This method returns the size of the runtime thread pool (in number of threads).</a:t>
+            </a:r>
+            <a:endParaRPr b="0" lang="fr-CH" sz="1400" spc="-1" strike="noStrike">
+              <a:latin typeface="Arial"/>
+            </a:endParaRPr>
+          </a:p>
+          <a:p>
+            <a:pPr>
+              <a:lnSpc>
+                <a:spcPct val="100000"/>
+              </a:lnSpc>
+              <a:buNone/>
+            </a:pPr>
+            <a:endParaRPr b="0" lang="fr-CH" sz="1400" spc="-1" strike="noStrike">
+              <a:latin typeface="Arial"/>
+            </a:endParaRPr>
+          </a:p>
+          <a:p>
+            <a:pPr marL="216000" indent="-216000">
+              <a:lnSpc>
+                <a:spcPct val="100000"/>
+              </a:lnSpc>
+              <a:buClr>
+                <a:srgbClr val="000000"/>
+              </a:buClr>
+              <a:buSzPct val="45000"/>
+              <a:buFont typeface="Wingdings" charset="2"/>
+              <a:buChar char=""/>
+            </a:pPr>
+            <a:r>
+              <a:rPr b="0" lang="fr-CH" sz="1400" spc="-1" strike="noStrike">
+                <a:latin typeface="Times New Roman"/>
+              </a:rPr>
+              <a:t>void </a:t>
+            </a:r>
+            <a:r>
+              <a:rPr b="1" lang="fr-CH" sz="1400" spc="-1" strike="noStrike">
+                <a:solidFill>
+                  <a:srgbClr val="2a6099"/>
+                </a:solidFill>
+                <a:latin typeface="Times New Roman"/>
+              </a:rPr>
+              <a:t>generateDot</a:t>
+            </a:r>
+            <a:r>
+              <a:rPr b="0" lang="fr-CH" sz="1400" spc="-1" strike="noStrike">
+                <a:latin typeface="Times New Roman"/>
+              </a:rPr>
+              <a:t>(const std::string&amp; outputFilename, bool printAccesses)</a:t>
+            </a:r>
+            <a:endParaRPr b="0" lang="fr-CH" sz="1400" spc="-1" strike="noStrike">
+              <a:latin typeface="Arial"/>
+            </a:endParaRPr>
+          </a:p>
+          <a:p>
+            <a:pPr lvl="2" marL="648000" indent="-216000">
+              <a:lnSpc>
+                <a:spcPct val="100000"/>
+              </a:lnSpc>
+              <a:buClr>
+                <a:srgbClr val="000000"/>
+              </a:buClr>
+              <a:buSzPct val="45000"/>
+              <a:buFont typeface="Wingdings" charset="2"/>
+              <a:buChar char=""/>
+            </a:pPr>
+            <a:r>
+              <a:rPr b="0" i="1" lang="en-US" sz="1400" spc="-1" strike="noStrike">
+                <a:latin typeface="Times New Roman"/>
+              </a:rPr>
+              <a:t>This method will generate the task graph corresponding to the execution in dot format.</a:t>
+            </a:r>
+            <a:endParaRPr b="0" lang="fr-CH" sz="1400" spc="-1" strike="noStrike">
+              <a:latin typeface="Arial"/>
+            </a:endParaRPr>
+          </a:p>
+        </p:txBody>
+      </p:sp>
+    </p:spTree>
+  </p:cSld>
+  <mc:AlternateContent>
+    <mc:Choice Requires="p14">
+      <p:transition spd="slow" p14:dur="2000"/>
+    </mc:Choice>
+    <mc:Fallback>
+      <p:transition spd="slow"/>
+    </mc:Fallback>
+  </mc:AlternateContent>
+</p:sld>
+</file>
+
+<file path=ppt/slides/slide11.xml><?xml version="1.0" encoding="utf-8"?>
+<p:sld xmlns:a="http://schemas.openxmlformats.org/drawingml/2006/main" xmlns:p="http://schemas.openxmlformats.org/presentationml/2006/main" xmlns:r="http://schemas.openxmlformats.org/officeDocument/2006/relationships" xmlns:p14="http://schemas.microsoft.com/office/powerpoint/2010/main" xmlns:p15="http://schemas.microsoft.com/office/powerpoint/2012/main" xmlns:mc="http://schemas.openxmlformats.org/markup-compatibility/2006">
+  <p:cSld>
+    <p:spTree>
+      <p:nvGrpSpPr>
+        <p:cNvPr id="1" name=""/>
+        <p:cNvGrpSpPr/>
+        <p:nvPr/>
+      </p:nvGrpSpPr>
+      <p:grpSpPr>
+        <a:xfrm>
+          <a:off x="0" y="0"/>
+          <a:ext cx="0" cy="0"/>
+          <a:chOff x="0" y="0"/>
+          <a:chExt cx="0" cy="0"/>
+        </a:xfrm>
+      </p:grpSpPr>
+      <p:sp>
+        <p:nvSpPr>
+          <p:cNvPr id="83" name="PlaceHolder 4"/>
+          <p:cNvSpPr/>
+          <p:nvPr/>
+        </p:nvSpPr>
+        <p:spPr>
+          <a:xfrm>
+            <a:off x="354960" y="226080"/>
+            <a:ext cx="9354960" cy="713880"/>
+          </a:xfrm>
+          <a:prstGeom prst="rect">
+            <a:avLst/>
+          </a:prstGeom>
+          <a:noFill/>
+          <a:ln w="0">
+            <a:noFill/>
+          </a:ln>
+        </p:spPr>
+        <p:style>
+          <a:lnRef idx="0"/>
+          <a:fillRef idx="0"/>
+          <a:effectRef idx="0"/>
+          <a:fontRef idx="minor"/>
+        </p:style>
+        <p:txBody>
+          <a:bodyPr lIns="0" rIns="0" tIns="0" bIns="0" anchor="ctr">
+            <a:noAutofit/>
+          </a:bodyPr>
+          <a:p>
+            <a:pPr>
+              <a:lnSpc>
+                <a:spcPct val="100000"/>
+              </a:lnSpc>
+              <a:buNone/>
+              <a:tabLst>
+                <a:tab algn="l" pos="0"/>
+              </a:tabLst>
+            </a:pPr>
+            <a:r>
+              <a:rPr b="1" lang="en-US" sz="2700" spc="-1" strike="noStrike">
+                <a:solidFill>
+                  <a:srgbClr val="ffffff"/>
+                </a:solidFill>
+                <a:latin typeface="Source Sans Pro Black"/>
+              </a:rPr>
+              <a:t>SPECX: Data Dependency Interface</a:t>
+            </a:r>
+            <a:endParaRPr b="0" lang="fr-CH" sz="2700" spc="-1" strike="noStrike">
+              <a:latin typeface="Arial"/>
+            </a:endParaRPr>
+          </a:p>
+        </p:txBody>
+      </p:sp>
+      <p:pic>
+        <p:nvPicPr>
+          <p:cNvPr id="84" name="" descr=""/>
+          <p:cNvPicPr/>
+          <p:nvPr/>
+        </p:nvPicPr>
+        <p:blipFill>
+          <a:blip r:embed="rId1"/>
+          <a:stretch/>
+        </p:blipFill>
+        <p:spPr>
+          <a:xfrm>
+            <a:off x="8994960" y="61200"/>
+            <a:ext cx="1015920" cy="1015920"/>
+          </a:xfrm>
+          <a:prstGeom prst="rect">
+            <a:avLst/>
+          </a:prstGeom>
+          <a:ln w="0">
+            <a:noFill/>
+          </a:ln>
+        </p:spPr>
+      </p:pic>
+      <p:sp>
+        <p:nvSpPr>
+          <p:cNvPr id="85" name=""/>
+          <p:cNvSpPr/>
+          <p:nvPr/>
+        </p:nvSpPr>
+        <p:spPr>
+          <a:xfrm>
+            <a:off x="143280" y="1393200"/>
+            <a:ext cx="9763200" cy="3673800"/>
+          </a:xfrm>
+          <a:prstGeom prst="rect">
+            <a:avLst/>
+          </a:prstGeom>
+          <a:noFill/>
+          <a:ln w="0">
+            <a:noFill/>
+          </a:ln>
+        </p:spPr>
+        <p:style>
+          <a:lnRef idx="0"/>
+          <a:fillRef idx="0"/>
+          <a:effectRef idx="0"/>
+          <a:fontRef idx="minor"/>
+        </p:style>
+        <p:txBody>
+          <a:bodyPr lIns="90000" rIns="90000" tIns="45000" bIns="45000" anchor="t">
+            <a:noAutofit/>
+          </a:bodyPr>
+          <a:p>
+            <a:pPr>
+              <a:lnSpc>
+                <a:spcPct val="100000"/>
+              </a:lnSpc>
+              <a:buNone/>
+            </a:pPr>
+            <a:r>
+              <a:rPr b="0" lang="en-US" sz="1400" spc="-1" strike="noStrike">
+                <a:latin typeface="Times New Roman"/>
+              </a:rPr>
+              <a:t>The data dependency interface forms a collection of objects that can be used to express data dependencies.</a:t>
+            </a:r>
+            <a:endParaRPr b="0" lang="fr-CH" sz="1400" spc="-1" strike="noStrike">
+              <a:latin typeface="Arial"/>
+            </a:endParaRPr>
+          </a:p>
+          <a:p>
+            <a:pPr>
+              <a:lnSpc>
+                <a:spcPct val="100000"/>
+              </a:lnSpc>
+              <a:buNone/>
+            </a:pPr>
+            <a:endParaRPr b="0" lang="fr-CH" sz="1400" spc="-1" strike="noStrike">
+              <a:latin typeface="Arial"/>
+            </a:endParaRPr>
+          </a:p>
+          <a:p>
+            <a:pPr>
+              <a:lnSpc>
+                <a:spcPct val="100000"/>
+              </a:lnSpc>
+              <a:buNone/>
+            </a:pPr>
+            <a:r>
+              <a:rPr b="1" lang="fr-CH" sz="1400" spc="-1" strike="noStrike">
+                <a:latin typeface="Times New Roman"/>
+              </a:rPr>
+              <a:t>Data dependency objects : </a:t>
+            </a:r>
+            <a:r>
+              <a:rPr b="0" lang="en-US" sz="1400" spc="-1" strike="noStrike">
+                <a:latin typeface="Times New Roman"/>
+              </a:rPr>
+              <a:t>Specifying data dependencies boils down to constructing the relevant data dependency objects from the data lvalues.</a:t>
+            </a:r>
+            <a:endParaRPr b="0" lang="fr-CH" sz="1400" spc="-1" strike="noStrike">
+              <a:latin typeface="Arial"/>
+            </a:endParaRPr>
+          </a:p>
+          <a:p>
+            <a:pPr>
+              <a:lnSpc>
+                <a:spcPct val="100000"/>
+              </a:lnSpc>
+              <a:buNone/>
+            </a:pPr>
+            <a:endParaRPr b="0" lang="fr-CH" sz="1400" spc="-1" strike="noStrike">
+              <a:latin typeface="Arial"/>
+            </a:endParaRPr>
+          </a:p>
+          <a:p>
+            <a:pPr marL="360000">
+              <a:lnSpc>
+                <a:spcPct val="100000"/>
+              </a:lnSpc>
+              <a:buNone/>
+            </a:pPr>
+            <a:r>
+              <a:rPr b="1" lang="fr-CH" sz="1400" spc="-1" strike="noStrike">
+                <a:latin typeface="Times New Roman"/>
+              </a:rPr>
+              <a:t>Scalar data</a:t>
+            </a:r>
+            <a:endParaRPr b="0" lang="fr-CH" sz="1400" spc="-1" strike="noStrike">
+              <a:latin typeface="Arial"/>
+            </a:endParaRPr>
+          </a:p>
+          <a:p>
+            <a:pPr marL="360000">
+              <a:lnSpc>
+                <a:spcPct val="100000"/>
+              </a:lnSpc>
+              <a:buNone/>
+            </a:pPr>
+            <a:endParaRPr b="0" lang="fr-CH" sz="1400" spc="-1" strike="noStrike">
+              <a:latin typeface="Arial"/>
+            </a:endParaRPr>
+          </a:p>
+          <a:p>
+            <a:pPr marL="720000" indent="-216000">
+              <a:lnSpc>
+                <a:spcPct val="100000"/>
+              </a:lnSpc>
+              <a:buClr>
+                <a:srgbClr val="000000"/>
+              </a:buClr>
+              <a:buSzPct val="45000"/>
+              <a:buFont typeface="Wingdings" charset="2"/>
+              <a:buChar char=""/>
+            </a:pPr>
+            <a:r>
+              <a:rPr b="1" lang="en-US" sz="1400" spc="-1" strike="noStrike">
+                <a:solidFill>
+                  <a:srgbClr val="2a6099"/>
+                </a:solidFill>
+                <a:latin typeface="Times New Roman"/>
+                <a:ea typeface="Microsoft YaHei"/>
+              </a:rPr>
+              <a:t>SpRead(</a:t>
+            </a:r>
+            <a:r>
+              <a:rPr b="0" lang="en-US" sz="1400" spc="-1" strike="noStrike">
+                <a:latin typeface="Times New Roman"/>
+                <a:ea typeface="Microsoft YaHei"/>
+              </a:rPr>
+              <a:t>x)  </a:t>
+            </a:r>
+            <a:r>
+              <a:rPr b="0" i="1" lang="en-US" sz="1400" spc="-1" strike="noStrike">
+                <a:latin typeface="Times New Roman"/>
+                <a:ea typeface="Microsoft YaHei"/>
+              </a:rPr>
+              <a:t>//Specifies a read dependency on x. Reads are ordered by the runtime with respect to writes, maybe-writes, commutative writes and atomic writes.</a:t>
+            </a:r>
+            <a:endParaRPr b="0" lang="fr-CH" sz="1400" spc="-1" strike="noStrike">
+              <a:latin typeface="Arial"/>
+            </a:endParaRPr>
+          </a:p>
+          <a:p>
+            <a:pPr>
+              <a:lnSpc>
+                <a:spcPct val="100000"/>
+              </a:lnSpc>
+              <a:buNone/>
+            </a:pPr>
+            <a:endParaRPr b="0" lang="fr-CH" sz="1400" spc="-1" strike="noStrike">
+              <a:latin typeface="Arial"/>
+            </a:endParaRPr>
+          </a:p>
+          <a:p>
+            <a:pPr marL="720000" indent="-216000">
+              <a:lnSpc>
+                <a:spcPct val="100000"/>
+              </a:lnSpc>
+              <a:buClr>
+                <a:srgbClr val="000000"/>
+              </a:buClr>
+              <a:buSzPct val="45000"/>
+              <a:buFont typeface="Wingdings" charset="2"/>
+              <a:buChar char=""/>
+            </a:pPr>
+            <a:r>
+              <a:rPr b="1" lang="en-US" sz="1400" spc="-1" strike="noStrike">
+                <a:solidFill>
+                  <a:srgbClr val="2a6099"/>
+                </a:solidFill>
+                <a:latin typeface="Times New Roman"/>
+                <a:ea typeface="Microsoft YaHei"/>
+              </a:rPr>
+              <a:t>SpWrite</a:t>
+            </a:r>
+            <a:r>
+              <a:rPr b="0" lang="en-US" sz="1400" spc="-1" strike="noStrike">
+                <a:latin typeface="Times New Roman"/>
+                <a:ea typeface="Microsoft YaHei"/>
+              </a:rPr>
+              <a:t>(x) </a:t>
+            </a:r>
+            <a:r>
+              <a:rPr b="0" i="1" lang="en-US" sz="1400" spc="-1" strike="noStrike">
+                <a:latin typeface="Times New Roman"/>
+                <a:ea typeface="Microsoft YaHei"/>
+              </a:rPr>
+              <a:t>//Specifies a write dependency on x indicating that the data x will be written to with 100% certainty. Multiple successive write requests to given data x will be fulfilled one after the other in the order they were emitted in at runtime. Writes are ordered by the runtime with respect to reads, writes, maybe-writes, commutative writes and atomic writes.</a:t>
+            </a:r>
+            <a:endParaRPr b="0" lang="fr-CH" sz="1400" spc="-1" strike="noStrike">
+              <a:latin typeface="Arial"/>
+            </a:endParaRPr>
+          </a:p>
+          <a:p>
+            <a:pPr>
+              <a:lnSpc>
+                <a:spcPct val="100000"/>
+              </a:lnSpc>
+              <a:buNone/>
+            </a:pPr>
+            <a:endParaRPr b="0" lang="fr-CH" sz="1400" spc="-1" strike="noStrike">
+              <a:latin typeface="Arial"/>
+            </a:endParaRPr>
+          </a:p>
+          <a:p>
+            <a:pPr marL="720000" indent="-216000">
+              <a:lnSpc>
+                <a:spcPct val="100000"/>
+              </a:lnSpc>
+              <a:buClr>
+                <a:srgbClr val="000000"/>
+              </a:buClr>
+              <a:buSzPct val="45000"/>
+              <a:buFont typeface="Wingdings" charset="2"/>
+              <a:buChar char=""/>
+            </a:pPr>
+            <a:r>
+              <a:rPr b="1" lang="en-US" sz="1400" spc="-1" strike="noStrike">
+                <a:solidFill>
+                  <a:srgbClr val="2a6099"/>
+                </a:solidFill>
+                <a:latin typeface="Times New Roman"/>
+                <a:ea typeface="Microsoft YaHei"/>
+              </a:rPr>
+              <a:t>SpMaybeWrite</a:t>
+            </a:r>
+            <a:r>
+              <a:rPr b="0" lang="en-US" sz="1400" spc="-1" strike="noStrike">
+                <a:latin typeface="Times New Roman"/>
+                <a:ea typeface="Microsoft YaHei"/>
+              </a:rPr>
+              <a:t>(x) </a:t>
+            </a:r>
+            <a:r>
+              <a:rPr b="0" i="1" lang="en-US" sz="1400" spc="-1" strike="noStrike">
+                <a:latin typeface="Times New Roman"/>
+                <a:ea typeface="Microsoft YaHei"/>
+              </a:rPr>
+              <a:t>//Specifies a maybe-write dependency indicating that the data x might be written to, i.e. it will not always be the case (writes might occur with a certain probability).</a:t>
+            </a:r>
+            <a:endParaRPr b="0" lang="fr-CH" sz="1400" spc="-1" strike="noStrike">
+              <a:latin typeface="Arial"/>
+            </a:endParaRPr>
+          </a:p>
+        </p:txBody>
+      </p:sp>
+    </p:spTree>
+  </p:cSld>
+  <mc:AlternateContent>
+    <mc:Choice Requires="p14">
+      <p:transition spd="slow" p14:dur="2000"/>
+    </mc:Choice>
+    <mc:Fallback>
+      <p:transition spd="slow"/>
+    </mc:Fallback>
+  </mc:AlternateContent>
+</p:sld>
+</file>
+
+<file path=ppt/slides/slide12.xml><?xml version="1.0" encoding="utf-8"?>
+<p:sld xmlns:a="http://schemas.openxmlformats.org/drawingml/2006/main" xmlns:p="http://schemas.openxmlformats.org/presentationml/2006/main" xmlns:r="http://schemas.openxmlformats.org/officeDocument/2006/relationships" xmlns:p14="http://schemas.microsoft.com/office/powerpoint/2010/main" xmlns:p15="http://schemas.microsoft.com/office/powerpoint/2012/main" xmlns:mc="http://schemas.openxmlformats.org/markup-compatibility/2006">
+  <p:cSld>
+    <p:spTree>
+      <p:nvGrpSpPr>
+        <p:cNvPr id="1" name=""/>
+        <p:cNvGrpSpPr/>
+        <p:nvPr/>
+      </p:nvGrpSpPr>
+      <p:grpSpPr>
+        <a:xfrm>
+          <a:off x="0" y="0"/>
+          <a:ext cx="0" cy="0"/>
+          <a:chOff x="0" y="0"/>
+          <a:chExt cx="0" cy="0"/>
+        </a:xfrm>
+      </p:grpSpPr>
+      <p:sp>
+        <p:nvSpPr>
+          <p:cNvPr id="86" name="PlaceHolder 8"/>
+          <p:cNvSpPr/>
+          <p:nvPr/>
+        </p:nvSpPr>
+        <p:spPr>
+          <a:xfrm>
+            <a:off x="354960" y="226080"/>
+            <a:ext cx="9354960" cy="713880"/>
+          </a:xfrm>
+          <a:prstGeom prst="rect">
+            <a:avLst/>
+          </a:prstGeom>
+          <a:noFill/>
+          <a:ln w="0">
+            <a:noFill/>
+          </a:ln>
+        </p:spPr>
+        <p:style>
+          <a:lnRef idx="0"/>
+          <a:fillRef idx="0"/>
+          <a:effectRef idx="0"/>
+          <a:fontRef idx="minor"/>
+        </p:style>
+        <p:txBody>
+          <a:bodyPr lIns="0" rIns="0" tIns="0" bIns="0" anchor="ctr">
+            <a:noAutofit/>
+          </a:bodyPr>
+          <a:p>
+            <a:pPr>
+              <a:lnSpc>
+                <a:spcPct val="100000"/>
+              </a:lnSpc>
+              <a:buNone/>
+              <a:tabLst>
+                <a:tab algn="l" pos="0"/>
+              </a:tabLst>
+            </a:pPr>
+            <a:r>
+              <a:rPr b="1" lang="en-US" sz="2700" spc="-1" strike="noStrike">
+                <a:solidFill>
+                  <a:srgbClr val="ffffff"/>
+                </a:solidFill>
+                <a:latin typeface="Source Sans Pro Black"/>
+              </a:rPr>
+              <a:t>SPECX: Data Dependency Interface</a:t>
+            </a:r>
+            <a:endParaRPr b="0" lang="fr-CH" sz="2700" spc="-1" strike="noStrike">
+              <a:latin typeface="Arial"/>
+            </a:endParaRPr>
+          </a:p>
+        </p:txBody>
+      </p:sp>
+      <p:pic>
+        <p:nvPicPr>
+          <p:cNvPr id="87" name="" descr=""/>
+          <p:cNvPicPr/>
+          <p:nvPr/>
+        </p:nvPicPr>
+        <p:blipFill>
+          <a:blip r:embed="rId1"/>
+          <a:stretch/>
+        </p:blipFill>
+        <p:spPr>
+          <a:xfrm>
+            <a:off x="8994960" y="61200"/>
+            <a:ext cx="1015920" cy="1015920"/>
+          </a:xfrm>
+          <a:prstGeom prst="rect">
+            <a:avLst/>
+          </a:prstGeom>
+          <a:ln w="0">
+            <a:noFill/>
+          </a:ln>
+        </p:spPr>
+      </p:pic>
+      <p:sp>
+        <p:nvSpPr>
+          <p:cNvPr id="88" name=""/>
+          <p:cNvSpPr/>
+          <p:nvPr/>
+        </p:nvSpPr>
+        <p:spPr>
+          <a:xfrm>
+            <a:off x="180000" y="1841400"/>
+            <a:ext cx="9719640" cy="3234960"/>
+          </a:xfrm>
+          <a:prstGeom prst="rect">
+            <a:avLst/>
+          </a:prstGeom>
+          <a:noFill/>
+          <a:ln w="0">
+            <a:noFill/>
+          </a:ln>
+        </p:spPr>
+        <p:style>
+          <a:lnRef idx="0"/>
+          <a:fillRef idx="0"/>
+          <a:effectRef idx="0"/>
+          <a:fontRef idx="minor"/>
+        </p:style>
+        <p:txBody>
+          <a:bodyPr lIns="90000" rIns="90000" tIns="45000" bIns="45000" anchor="t">
+            <a:noAutofit/>
+          </a:bodyPr>
+          <a:p>
+            <a:pPr marL="216000" indent="-216000" algn="just">
+              <a:lnSpc>
+                <a:spcPct val="100000"/>
+              </a:lnSpc>
+              <a:buClr>
+                <a:srgbClr val="000000"/>
+              </a:buClr>
+              <a:buSzPct val="45000"/>
+              <a:buFont typeface="Wingdings" charset="2"/>
+              <a:buChar char=""/>
+            </a:pPr>
+            <a:r>
+              <a:rPr b="1" lang="fr-CH" sz="1400" spc="-1" strike="noStrike">
+                <a:solidFill>
+                  <a:srgbClr val="2a6099"/>
+                </a:solidFill>
+                <a:latin typeface="Times New Roman"/>
+              </a:rPr>
+              <a:t>SpCommutativeWrite</a:t>
+            </a:r>
+            <a:r>
+              <a:rPr b="0" lang="fr-CH" sz="1400" spc="-1" strike="noStrike">
+                <a:latin typeface="Times New Roman"/>
+              </a:rPr>
+              <a:t>(x)        </a:t>
+            </a:r>
+            <a:r>
+              <a:rPr b="0" i="1" lang="fr-CH" sz="1400" spc="-1" strike="noStrike">
+                <a:latin typeface="Times New Roman"/>
+              </a:rPr>
+              <a:t> //Specifies a commutative write dependency on x, i.e. writes that can be performed in any order.</a:t>
+            </a:r>
+            <a:endParaRPr b="0" lang="fr-CH" sz="1400" spc="-1" strike="noStrike">
+              <a:latin typeface="Arial"/>
+            </a:endParaRPr>
+          </a:p>
+          <a:p>
+            <a:pPr algn="just">
+              <a:lnSpc>
+                <a:spcPct val="100000"/>
+              </a:lnSpc>
+              <a:buNone/>
+            </a:pPr>
+            <a:endParaRPr b="0" lang="fr-CH" sz="1400" spc="-1" strike="noStrike">
+              <a:latin typeface="Arial"/>
+            </a:endParaRPr>
+          </a:p>
+          <a:p>
+            <a:pPr marL="216000" indent="-216000" algn="just">
+              <a:lnSpc>
+                <a:spcPct val="100000"/>
+              </a:lnSpc>
+              <a:buClr>
+                <a:srgbClr val="000000"/>
+              </a:buClr>
+              <a:buSzPct val="45000"/>
+              <a:buFont typeface="Wingdings" charset="2"/>
+              <a:buChar char=""/>
+            </a:pPr>
+            <a:r>
+              <a:rPr b="0" i="1" lang="en-US" sz="1400" spc="-1" strike="noStrike">
+                <a:latin typeface="Times New Roman"/>
+              </a:rPr>
+              <a:t>Multiple successive commutative write requests will be fulfilled one after the other in any order : while a commutative write request cw1 on data x is currently being serviced, all immediately following commutative write request on data x will be put on hold.</a:t>
+            </a:r>
+            <a:endParaRPr b="0" lang="fr-CH" sz="1400" spc="-1" strike="noStrike">
+              <a:latin typeface="Arial"/>
+            </a:endParaRPr>
+          </a:p>
+          <a:p>
+            <a:pPr algn="just">
+              <a:lnSpc>
+                <a:spcPct val="100000"/>
+              </a:lnSpc>
+              <a:buNone/>
+            </a:pPr>
+            <a:endParaRPr b="0" lang="fr-CH" sz="1400" spc="-1" strike="noStrike">
+              <a:latin typeface="Arial"/>
+            </a:endParaRPr>
+          </a:p>
+          <a:p>
+            <a:pPr algn="just">
+              <a:lnSpc>
+                <a:spcPct val="100000"/>
+              </a:lnSpc>
+              <a:buNone/>
+            </a:pPr>
+            <a:endParaRPr b="0" lang="fr-CH" sz="1400" spc="-1" strike="noStrike">
+              <a:latin typeface="Arial"/>
+            </a:endParaRPr>
+          </a:p>
+          <a:p>
+            <a:pPr marL="216000" indent="-216000" algn="just">
+              <a:lnSpc>
+                <a:spcPct val="100000"/>
+              </a:lnSpc>
+              <a:buClr>
+                <a:srgbClr val="000000"/>
+              </a:buClr>
+              <a:buSzPct val="45000"/>
+              <a:buFont typeface="Wingdings" charset="2"/>
+              <a:buChar char=""/>
+            </a:pPr>
+            <a:r>
+              <a:rPr b="1" lang="fr-CH" sz="1400" spc="-1" strike="noStrike">
+                <a:solidFill>
+                  <a:srgbClr val="2a6099"/>
+                </a:solidFill>
+                <a:latin typeface="Times New Roman"/>
+              </a:rPr>
+              <a:t>SpAtomicWrite</a:t>
+            </a:r>
+            <a:r>
+              <a:rPr b="0" lang="fr-CH" sz="1400" spc="-1" strike="noStrike">
+                <a:latin typeface="Times New Roman"/>
+              </a:rPr>
+              <a:t>(x)                    </a:t>
+            </a:r>
+            <a:r>
+              <a:rPr b="0" i="1" lang="fr-CH" sz="1400" spc="-1" strike="noStrike">
+                <a:latin typeface="Times New Roman"/>
+              </a:rPr>
+              <a:t>//Specifies an atomic </a:t>
+            </a:r>
+            <a:r>
+              <a:rPr b="0" i="1" lang="en-US" sz="1400" spc="-1" strike="noStrike">
+                <a:latin typeface="Times New Roman"/>
+              </a:rPr>
+              <a:t>write</a:t>
+            </a:r>
+            <a:r>
+              <a:rPr b="0" i="1" lang="fr-CH" sz="1400" spc="-1" strike="noStrike">
+                <a:latin typeface="Times New Roman"/>
+              </a:rPr>
+              <a:t> dependency on x.</a:t>
+            </a:r>
+            <a:endParaRPr b="0" lang="fr-CH" sz="1400" spc="-1" strike="noStrike">
+              <a:latin typeface="Arial"/>
+            </a:endParaRPr>
+          </a:p>
+          <a:p>
+            <a:pPr algn="just">
+              <a:lnSpc>
+                <a:spcPct val="100000"/>
+              </a:lnSpc>
+              <a:buNone/>
+            </a:pPr>
+            <a:endParaRPr b="0" lang="fr-CH" sz="1400" spc="-1" strike="noStrike">
+              <a:latin typeface="Arial"/>
+            </a:endParaRPr>
+          </a:p>
+          <a:p>
+            <a:pPr marL="216000" indent="-216000" algn="just">
+              <a:lnSpc>
+                <a:spcPct val="100000"/>
+              </a:lnSpc>
+              <a:buClr>
+                <a:srgbClr val="000000"/>
+              </a:buClr>
+              <a:buSzPct val="45000"/>
+              <a:buFont typeface="Wingdings" charset="2"/>
+              <a:buChar char=""/>
+            </a:pPr>
+            <a:r>
+              <a:rPr b="0" i="1" lang="en-US" sz="1400" spc="-1" strike="noStrike">
+                <a:latin typeface="Times New Roman"/>
+              </a:rPr>
+              <a:t>Atomic write requests are always fulfilled by default, i.e. an atomic write request awr2 on data x immediately following another atomic write request awr1 on data x does not have to wait for awr1 to be fulfilled in order to be serviced. </a:t>
+            </a:r>
+            <a:endParaRPr b="0" lang="fr-CH" sz="1400" spc="-1" strike="noStrike">
+              <a:latin typeface="Arial"/>
+            </a:endParaRPr>
+          </a:p>
+          <a:p>
+            <a:pPr algn="just">
+              <a:lnSpc>
+                <a:spcPct val="100000"/>
+              </a:lnSpc>
+              <a:buNone/>
+            </a:pPr>
+            <a:endParaRPr b="0" lang="fr-CH" sz="1400" spc="-1" strike="noStrike">
+              <a:latin typeface="Arial"/>
+            </a:endParaRPr>
+          </a:p>
+          <a:p>
+            <a:pPr marL="216000" indent="-216000" algn="just">
+              <a:lnSpc>
+                <a:spcPct val="100000"/>
+              </a:lnSpc>
+              <a:buClr>
+                <a:srgbClr val="000000"/>
+              </a:buClr>
+              <a:buSzPct val="45000"/>
+              <a:buFont typeface="Wingdings" charset="2"/>
+              <a:buChar char=""/>
+            </a:pPr>
+            <a:r>
+              <a:rPr b="0" i="1" lang="en-US" sz="1400" spc="-1" strike="noStrike">
+                <a:latin typeface="Times New Roman"/>
+              </a:rPr>
+              <a:t>Multiple successive atomic writes will be performed in any order. The atomic writes will be committed to memory in whatever order they will be committed at runtime, the point is that the Specx runtime does not enforce an order on the atomic writes.</a:t>
+            </a:r>
+            <a:endParaRPr b="0" lang="fr-CH" sz="1400" spc="-1" strike="noStrike">
+              <a:latin typeface="Arial"/>
+            </a:endParaRPr>
+          </a:p>
+          <a:p>
+            <a:pPr>
+              <a:lnSpc>
+                <a:spcPct val="100000"/>
+              </a:lnSpc>
+              <a:buNone/>
+            </a:pPr>
+            <a:endParaRPr b="0" lang="fr-CH" sz="1400" spc="-1" strike="noStrike">
+              <a:latin typeface="Arial"/>
+            </a:endParaRPr>
+          </a:p>
+          <a:p>
+            <a:pPr>
+              <a:lnSpc>
+                <a:spcPct val="100000"/>
+              </a:lnSpc>
+              <a:buNone/>
+            </a:pPr>
+            <a:endParaRPr b="0" lang="fr-CH" sz="1400" spc="-1" strike="noStrike">
+              <a:latin typeface="Arial"/>
+            </a:endParaRPr>
+          </a:p>
+        </p:txBody>
+      </p:sp>
+    </p:spTree>
+  </p:cSld>
+  <mc:AlternateContent>
+    <mc:Choice Requires="p14">
+      <p:transition spd="slow" p14:dur="2000"/>
+    </mc:Choice>
+    <mc:Fallback>
+      <p:transition spd="slow"/>
+    </mc:Fallback>
+  </mc:AlternateContent>
+</p:sld>
+</file>
+
+<file path=ppt/slides/slide13.xml><?xml version="1.0" encoding="utf-8"?>
+<p:sld xmlns:a="http://schemas.openxmlformats.org/drawingml/2006/main" xmlns:p="http://schemas.openxmlformats.org/presentationml/2006/main" xmlns:r="http://schemas.openxmlformats.org/officeDocument/2006/relationships" xmlns:p14="http://schemas.microsoft.com/office/powerpoint/2010/main" xmlns:p15="http://schemas.microsoft.com/office/powerpoint/2012/main" xmlns:mc="http://schemas.openxmlformats.org/markup-compatibility/2006">
+  <p:cSld>
+    <p:spTree>
+      <p:nvGrpSpPr>
+        <p:cNvPr id="1" name=""/>
+        <p:cNvGrpSpPr/>
+        <p:nvPr/>
+      </p:nvGrpSpPr>
+      <p:grpSpPr>
+        <a:xfrm>
+          <a:off x="0" y="0"/>
+          <a:ext cx="0" cy="0"/>
+          <a:chOff x="0" y="0"/>
+          <a:chExt cx="0" cy="0"/>
+        </a:xfrm>
+      </p:grpSpPr>
+      <p:sp>
+        <p:nvSpPr>
+          <p:cNvPr id="89" name="PlaceHolder 6"/>
+          <p:cNvSpPr/>
+          <p:nvPr/>
+        </p:nvSpPr>
+        <p:spPr>
+          <a:xfrm>
+            <a:off x="354960" y="226080"/>
+            <a:ext cx="9354960" cy="713880"/>
+          </a:xfrm>
+          <a:prstGeom prst="rect">
+            <a:avLst/>
+          </a:prstGeom>
+          <a:noFill/>
+          <a:ln w="0">
+            <a:noFill/>
+          </a:ln>
+        </p:spPr>
+        <p:style>
+          <a:lnRef idx="0"/>
+          <a:fillRef idx="0"/>
+          <a:effectRef idx="0"/>
+          <a:fontRef idx="minor"/>
+        </p:style>
+        <p:txBody>
+          <a:bodyPr lIns="0" rIns="0" tIns="0" bIns="0" anchor="ctr">
+            <a:noAutofit/>
+          </a:bodyPr>
+          <a:p>
+            <a:pPr>
+              <a:lnSpc>
+                <a:spcPct val="100000"/>
+              </a:lnSpc>
+              <a:buNone/>
+              <a:tabLst>
+                <a:tab algn="l" pos="0"/>
+              </a:tabLst>
+            </a:pPr>
+            <a:r>
+              <a:rPr b="1" lang="en-US" sz="2700" spc="-1" strike="noStrike">
+                <a:solidFill>
+                  <a:srgbClr val="ffffff"/>
+                </a:solidFill>
+                <a:latin typeface="Source Sans Pro Black"/>
+              </a:rPr>
+              <a:t>SPECX: Data Dependency Interface</a:t>
+            </a:r>
+            <a:endParaRPr b="0" lang="fr-CH" sz="2700" spc="-1" strike="noStrike">
+              <a:latin typeface="Arial"/>
+            </a:endParaRPr>
+          </a:p>
+        </p:txBody>
+      </p:sp>
+      <p:pic>
+        <p:nvPicPr>
+          <p:cNvPr id="90" name="" descr=""/>
+          <p:cNvPicPr/>
+          <p:nvPr/>
+        </p:nvPicPr>
+        <p:blipFill>
+          <a:blip r:embed="rId1"/>
+          <a:stretch/>
+        </p:blipFill>
+        <p:spPr>
+          <a:xfrm>
+            <a:off x="8994960" y="61200"/>
+            <a:ext cx="1015920" cy="1015920"/>
+          </a:xfrm>
+          <a:prstGeom prst="rect">
+            <a:avLst/>
+          </a:prstGeom>
+          <a:ln w="0">
+            <a:noFill/>
+          </a:ln>
+        </p:spPr>
+      </p:pic>
+      <p:sp>
+        <p:nvSpPr>
+          <p:cNvPr id="91" name=""/>
+          <p:cNvSpPr/>
+          <p:nvPr/>
+        </p:nvSpPr>
+        <p:spPr>
+          <a:xfrm>
+            <a:off x="257400" y="1349280"/>
+            <a:ext cx="9534600" cy="3798360"/>
+          </a:xfrm>
+          <a:prstGeom prst="rect">
+            <a:avLst/>
+          </a:prstGeom>
+          <a:noFill/>
+          <a:ln w="0">
+            <a:noFill/>
+          </a:ln>
+        </p:spPr>
+        <p:style>
+          <a:lnRef idx="0"/>
+          <a:fillRef idx="0"/>
+          <a:effectRef idx="0"/>
+          <a:fontRef idx="minor"/>
+        </p:style>
+        <p:txBody>
+          <a:bodyPr lIns="90000" rIns="90000" tIns="45000" bIns="45000" anchor="t">
+            <a:noAutofit/>
+          </a:bodyPr>
+          <a:p>
+            <a:pPr>
+              <a:lnSpc>
+                <a:spcPct val="100000"/>
+              </a:lnSpc>
+              <a:buNone/>
+            </a:pPr>
+            <a:r>
+              <a:rPr b="1" lang="fr-CH" sz="1400" spc="-1" strike="noStrike">
+                <a:latin typeface="Times New Roman"/>
+              </a:rPr>
+              <a:t>Non scalar data</a:t>
+            </a:r>
+            <a:endParaRPr b="0" lang="fr-CH" sz="1400" spc="-1" strike="noStrike">
+              <a:latin typeface="Arial"/>
+            </a:endParaRPr>
+          </a:p>
+          <a:p>
+            <a:pPr>
+              <a:lnSpc>
+                <a:spcPct val="100000"/>
+              </a:lnSpc>
+              <a:buNone/>
+            </a:pPr>
+            <a:endParaRPr b="0" lang="fr-CH" sz="1400" spc="-1" strike="noStrike">
+              <a:latin typeface="Arial"/>
+            </a:endParaRPr>
+          </a:p>
+          <a:p>
+            <a:pPr>
+              <a:lnSpc>
+                <a:spcPct val="100000"/>
+              </a:lnSpc>
+              <a:buNone/>
+            </a:pPr>
+            <a:r>
+              <a:rPr b="0" lang="fr-CH" sz="1400" spc="-1" strike="noStrike">
+                <a:latin typeface="Times New Roman"/>
+              </a:rPr>
+              <a:t>We also </a:t>
+            </a:r>
+            <a:r>
+              <a:rPr b="0" lang="en-US" sz="1400" spc="-1" strike="noStrike">
+                <a:latin typeface="Times New Roman"/>
+              </a:rPr>
+              <a:t>provide</a:t>
+            </a:r>
+            <a:r>
+              <a:rPr b="0" lang="fr-CH" sz="1400" spc="-1" strike="noStrike">
+                <a:latin typeface="Times New Roman"/>
+              </a:rPr>
+              <a:t> </a:t>
+            </a:r>
+            <a:r>
+              <a:rPr b="0" lang="en-US" sz="1400" spc="-1" strike="noStrike">
+                <a:latin typeface="Times New Roman"/>
+              </a:rPr>
+              <a:t>analogous</a:t>
+            </a:r>
+            <a:r>
+              <a:rPr b="0" lang="fr-CH" sz="1400" spc="-1" strike="noStrike">
+                <a:latin typeface="Times New Roman"/>
+              </a:rPr>
+              <a:t> contructors for </a:t>
+            </a:r>
+            <a:r>
+              <a:rPr b="0" lang="en-US" sz="1400" spc="-1" strike="noStrike">
+                <a:latin typeface="Times New Roman"/>
+              </a:rPr>
+              <a:t>aggregates</a:t>
+            </a:r>
+            <a:r>
+              <a:rPr b="0" lang="fr-CH" sz="1400" spc="-1" strike="noStrike">
+                <a:latin typeface="Times New Roman"/>
+              </a:rPr>
+              <a:t> of data values </a:t>
+            </a:r>
+            <a:r>
+              <a:rPr b="0" lang="en-US" sz="1400" spc="-1" strike="noStrike">
+                <a:latin typeface="Times New Roman"/>
+              </a:rPr>
+              <a:t>from</a:t>
+            </a:r>
+            <a:r>
+              <a:rPr b="0" lang="fr-CH" sz="1400" spc="-1" strike="noStrike">
+                <a:latin typeface="Times New Roman"/>
+              </a:rPr>
+              <a:t> </a:t>
+            </a:r>
+            <a:r>
+              <a:rPr b="0" lang="en-US" sz="1400" spc="-1" strike="noStrike">
+                <a:latin typeface="Times New Roman"/>
+              </a:rPr>
+              <a:t>arrays</a:t>
+            </a:r>
+            <a:r>
+              <a:rPr b="0" lang="fr-CH" sz="1400" spc="-1" strike="noStrike">
+                <a:latin typeface="Times New Roman"/>
+              </a:rPr>
+              <a:t> :</a:t>
+            </a:r>
+            <a:endParaRPr b="0" lang="fr-CH" sz="1400" spc="-1" strike="noStrike">
+              <a:latin typeface="Arial"/>
+            </a:endParaRPr>
+          </a:p>
+          <a:p>
+            <a:pPr>
+              <a:lnSpc>
+                <a:spcPct val="100000"/>
+              </a:lnSpc>
+              <a:buNone/>
+            </a:pPr>
+            <a:endParaRPr b="0" lang="fr-CH" sz="1400" spc="-1" strike="noStrike">
+              <a:latin typeface="Arial"/>
+            </a:endParaRPr>
+          </a:p>
+          <a:p>
+            <a:pPr marL="360000" indent="-216000">
+              <a:lnSpc>
+                <a:spcPct val="100000"/>
+              </a:lnSpc>
+              <a:buClr>
+                <a:srgbClr val="000000"/>
+              </a:buClr>
+              <a:buSzPct val="45000"/>
+              <a:buFont typeface="Wingdings" charset="2"/>
+              <a:buChar char=""/>
+            </a:pPr>
+            <a:r>
+              <a:rPr b="1" lang="fr-CH" sz="1400" spc="-1" strike="noStrike">
+                <a:solidFill>
+                  <a:srgbClr val="2a6099"/>
+                </a:solidFill>
+                <a:latin typeface="Times New Roman"/>
+              </a:rPr>
+              <a:t>SpReadArray </a:t>
+            </a:r>
+            <a:r>
+              <a:rPr b="0" lang="fr-CH" sz="1400" spc="-1" strike="noStrike">
+                <a:latin typeface="Times New Roman"/>
+              </a:rPr>
+              <a:t>                           (&lt;XTy&gt; *x, &lt;ViewTy&gt; view)</a:t>
+            </a:r>
+            <a:endParaRPr b="0" lang="fr-CH" sz="1400" spc="-1" strike="noStrike">
+              <a:latin typeface="Arial"/>
+            </a:endParaRPr>
+          </a:p>
+          <a:p>
+            <a:pPr marL="360000" indent="-216000">
+              <a:lnSpc>
+                <a:spcPct val="100000"/>
+              </a:lnSpc>
+              <a:buClr>
+                <a:srgbClr val="000000"/>
+              </a:buClr>
+              <a:buSzPct val="45000"/>
+              <a:buFont typeface="Wingdings" charset="2"/>
+              <a:buChar char=""/>
+            </a:pPr>
+            <a:r>
+              <a:rPr b="1" lang="fr-CH" sz="1400" spc="-1" strike="noStrike">
+                <a:solidFill>
+                  <a:srgbClr val="2a6099"/>
+                </a:solidFill>
+                <a:latin typeface="Times New Roman"/>
+              </a:rPr>
+              <a:t>SpWriteArray  </a:t>
+            </a:r>
+            <a:r>
+              <a:rPr b="0" lang="fr-CH" sz="1400" spc="-1" strike="noStrike">
+                <a:latin typeface="Times New Roman"/>
+              </a:rPr>
+              <a:t>                         (&lt;XTy&gt; *x, &lt;ViewTy&gt; view)</a:t>
+            </a:r>
+            <a:endParaRPr b="0" lang="fr-CH" sz="1400" spc="-1" strike="noStrike">
+              <a:latin typeface="Arial"/>
+            </a:endParaRPr>
+          </a:p>
+          <a:p>
+            <a:pPr marL="360000" indent="-216000">
+              <a:lnSpc>
+                <a:spcPct val="100000"/>
+              </a:lnSpc>
+              <a:buClr>
+                <a:srgbClr val="000000"/>
+              </a:buClr>
+              <a:buSzPct val="45000"/>
+              <a:buFont typeface="Wingdings" charset="2"/>
+              <a:buChar char=""/>
+            </a:pPr>
+            <a:r>
+              <a:rPr b="1" lang="fr-CH" sz="1400" spc="-1" strike="noStrike">
+                <a:solidFill>
+                  <a:srgbClr val="2a6099"/>
+                </a:solidFill>
+                <a:latin typeface="Times New Roman"/>
+              </a:rPr>
+              <a:t>SpMaybeWriteArray  </a:t>
+            </a:r>
+            <a:r>
+              <a:rPr b="0" lang="fr-CH" sz="1400" spc="-1" strike="noStrike">
+                <a:latin typeface="Times New Roman"/>
+              </a:rPr>
+              <a:t>             (&lt;XTy&gt; *x, &lt;ViewTy&gt; view)</a:t>
+            </a:r>
+            <a:endParaRPr b="0" lang="fr-CH" sz="1400" spc="-1" strike="noStrike">
+              <a:latin typeface="Arial"/>
+            </a:endParaRPr>
+          </a:p>
+          <a:p>
+            <a:pPr marL="360000" indent="-216000">
+              <a:lnSpc>
+                <a:spcPct val="100000"/>
+              </a:lnSpc>
+              <a:buClr>
+                <a:srgbClr val="000000"/>
+              </a:buClr>
+              <a:buSzPct val="45000"/>
+              <a:buFont typeface="Wingdings" charset="2"/>
+              <a:buChar char=""/>
+            </a:pPr>
+            <a:r>
+              <a:rPr b="1" lang="fr-CH" sz="1400" spc="-1" strike="noStrike">
+                <a:solidFill>
+                  <a:srgbClr val="2a6099"/>
+                </a:solidFill>
+                <a:latin typeface="Times New Roman"/>
+              </a:rPr>
+              <a:t>SpCommutativeWriteArray  </a:t>
+            </a:r>
+            <a:r>
+              <a:rPr b="0" lang="fr-CH" sz="1400" spc="-1" strike="noStrike">
+                <a:latin typeface="Times New Roman"/>
+              </a:rPr>
+              <a:t> (&lt;XTy&gt; *x, &lt;ViewTy&gt; view)</a:t>
+            </a:r>
+            <a:endParaRPr b="0" lang="fr-CH" sz="1400" spc="-1" strike="noStrike">
+              <a:latin typeface="Arial"/>
+            </a:endParaRPr>
+          </a:p>
+          <a:p>
+            <a:pPr marL="360000" indent="-216000">
+              <a:lnSpc>
+                <a:spcPct val="100000"/>
+              </a:lnSpc>
+              <a:buClr>
+                <a:srgbClr val="000000"/>
+              </a:buClr>
+              <a:buSzPct val="45000"/>
+              <a:buFont typeface="Wingdings" charset="2"/>
+              <a:buChar char=""/>
+            </a:pPr>
+            <a:r>
+              <a:rPr b="1" lang="fr-CH" sz="1400" spc="-1" strike="noStrike">
+                <a:solidFill>
+                  <a:srgbClr val="2a6099"/>
+                </a:solidFill>
+                <a:latin typeface="Times New Roman"/>
+              </a:rPr>
+              <a:t>SpAtomicWriteArray </a:t>
+            </a:r>
+            <a:r>
+              <a:rPr b="0" lang="fr-CH" sz="1400" spc="-1" strike="noStrike">
+                <a:latin typeface="Times New Roman"/>
+              </a:rPr>
+              <a:t>             (&lt;XTy&gt; *x, &lt;ViewTy&gt; view)</a:t>
+            </a:r>
+            <a:endParaRPr b="0" lang="fr-CH" sz="1400" spc="-1" strike="noStrike">
+              <a:latin typeface="Arial"/>
+            </a:endParaRPr>
+          </a:p>
+          <a:p>
+            <a:pPr>
+              <a:lnSpc>
+                <a:spcPct val="100000"/>
+              </a:lnSpc>
+              <a:buNone/>
+            </a:pPr>
+            <a:endParaRPr b="0" lang="fr-CH" sz="1400" spc="-1" strike="noStrike">
+              <a:latin typeface="Arial"/>
+            </a:endParaRPr>
+          </a:p>
+          <a:p>
+            <a:pPr>
+              <a:lnSpc>
+                <a:spcPct val="100000"/>
+              </a:lnSpc>
+              <a:buNone/>
+            </a:pPr>
+            <a:endParaRPr b="0" lang="fr-CH" sz="1400" spc="-1" strike="noStrike">
+              <a:latin typeface="Arial"/>
+            </a:endParaRPr>
+          </a:p>
+          <a:p>
+            <a:pPr>
+              <a:lnSpc>
+                <a:spcPct val="100000"/>
+              </a:lnSpc>
+              <a:buNone/>
+            </a:pPr>
+            <a:r>
+              <a:rPr b="1" lang="fr-CH" sz="1400" spc="-1" strike="noStrike">
+                <a:latin typeface="Times New Roman"/>
+              </a:rPr>
+              <a:t>Wrapper objects for callables</a:t>
+            </a:r>
+            <a:endParaRPr b="0" lang="fr-CH" sz="1400" spc="-1" strike="noStrike">
+              <a:latin typeface="Arial"/>
+            </a:endParaRPr>
+          </a:p>
+          <a:p>
+            <a:pPr>
+              <a:lnSpc>
+                <a:spcPct val="100000"/>
+              </a:lnSpc>
+              <a:buNone/>
+            </a:pPr>
+            <a:endParaRPr b="0" lang="fr-CH" sz="1400" spc="-1" strike="noStrike">
+              <a:latin typeface="Arial"/>
+            </a:endParaRPr>
+          </a:p>
+          <a:p>
+            <a:pPr>
+              <a:lnSpc>
+                <a:spcPct val="100000"/>
+              </a:lnSpc>
+              <a:buNone/>
+            </a:pPr>
+            <a:r>
+              <a:rPr b="0" lang="en-US" sz="1400" spc="-1" strike="noStrike">
+                <a:latin typeface="Times New Roman"/>
+              </a:rPr>
+              <a:t>We provide two wrapper objects for callables whose purpose is to tag a callable to inform the runtime system of whether it should interpret the given callable as CPU or GPU code:</a:t>
+            </a:r>
+            <a:endParaRPr b="0" lang="fr-CH" sz="1400" spc="-1" strike="noStrike">
+              <a:latin typeface="Arial"/>
+            </a:endParaRPr>
+          </a:p>
+          <a:p>
+            <a:pPr>
+              <a:lnSpc>
+                <a:spcPct val="100000"/>
+              </a:lnSpc>
+              <a:buNone/>
+            </a:pPr>
+            <a:endParaRPr b="0" lang="fr-CH" sz="1400" spc="-1" strike="noStrike">
+              <a:latin typeface="Arial"/>
+            </a:endParaRPr>
+          </a:p>
+          <a:p>
+            <a:pPr marL="360000" indent="-216000">
+              <a:lnSpc>
+                <a:spcPct val="100000"/>
+              </a:lnSpc>
+              <a:buClr>
+                <a:srgbClr val="000000"/>
+              </a:buClr>
+              <a:buSzPct val="45000"/>
+              <a:buFont typeface="Wingdings" charset="2"/>
+              <a:buChar char=""/>
+            </a:pPr>
+            <a:r>
+              <a:rPr b="1" lang="fr-CH" sz="1400" spc="-1" strike="noStrike">
+                <a:solidFill>
+                  <a:srgbClr val="2a6099"/>
+                </a:solidFill>
+                <a:latin typeface="Times New Roman"/>
+              </a:rPr>
+              <a:t>SpCpuCode         </a:t>
+            </a:r>
+            <a:r>
+              <a:rPr b="0" lang="fr-CH" sz="1400" spc="-1" strike="noStrike">
+                <a:latin typeface="Times New Roman"/>
+              </a:rPr>
+              <a:t>                     (&lt;CallableTy&gt; c)</a:t>
+            </a:r>
+            <a:endParaRPr b="0" lang="fr-CH" sz="1400" spc="-1" strike="noStrike">
+              <a:latin typeface="Arial"/>
+            </a:endParaRPr>
+          </a:p>
+          <a:p>
+            <a:pPr marL="360000" indent="-216000">
+              <a:lnSpc>
+                <a:spcPct val="100000"/>
+              </a:lnSpc>
+              <a:buClr>
+                <a:srgbClr val="000000"/>
+              </a:buClr>
+              <a:buSzPct val="45000"/>
+              <a:buFont typeface="Wingdings" charset="2"/>
+              <a:buChar char=""/>
+            </a:pPr>
+            <a:r>
+              <a:rPr b="1" lang="fr-CH" sz="1400" spc="-1" strike="noStrike">
+                <a:solidFill>
+                  <a:srgbClr val="2a6099"/>
+                </a:solidFill>
+                <a:latin typeface="Times New Roman"/>
+              </a:rPr>
+              <a:t>SpGpuCode      </a:t>
+            </a:r>
+            <a:r>
+              <a:rPr b="0" lang="fr-CH" sz="1400" spc="-1" strike="noStrike">
+                <a:latin typeface="Times New Roman"/>
+              </a:rPr>
+              <a:t>                        (&lt;CallableTy&gt; c)</a:t>
+            </a:r>
+            <a:endParaRPr b="0" lang="fr-CH" sz="1400" spc="-1" strike="noStrike">
+              <a:latin typeface="Arial"/>
+            </a:endParaRPr>
+          </a:p>
+        </p:txBody>
+      </p:sp>
+    </p:spTree>
+  </p:cSld>
+  <mc:AlternateContent>
+    <mc:Choice Requires="p14">
+      <p:transition spd="slow" p14:dur="2000"/>
+    </mc:Choice>
+    <mc:Fallback>
+      <p:transition spd="slow"/>
+    </mc:Fallback>
+  </mc:AlternateContent>
+</p:sld>
+</file>
+
+<file path=ppt/slides/slide14.xml><?xml version="1.0" encoding="utf-8"?>
+<p:sld xmlns:a="http://schemas.openxmlformats.org/drawingml/2006/main" xmlns:p="http://schemas.openxmlformats.org/presentationml/2006/main" xmlns:r="http://schemas.openxmlformats.org/officeDocument/2006/relationships" xmlns:p14="http://schemas.microsoft.com/office/powerpoint/2010/main" xmlns:p15="http://schemas.microsoft.com/office/powerpoint/2012/main" xmlns:mc="http://schemas.openxmlformats.org/markup-compatibility/2006">
+  <p:cSld>
+    <p:spTree>
+      <p:nvGrpSpPr>
+        <p:cNvPr id="1" name=""/>
+        <p:cNvGrpSpPr/>
+        <p:nvPr/>
+      </p:nvGrpSpPr>
+      <p:grpSpPr>
+        <a:xfrm>
+          <a:off x="0" y="0"/>
+          <a:ext cx="0" cy="0"/>
+          <a:chOff x="0" y="0"/>
+          <a:chExt cx="0" cy="0"/>
+        </a:xfrm>
+      </p:grpSpPr>
+      <p:sp>
+        <p:nvSpPr>
+          <p:cNvPr id="92" name="PlaceHolder 5"/>
+          <p:cNvSpPr/>
+          <p:nvPr/>
+        </p:nvSpPr>
+        <p:spPr>
+          <a:xfrm>
+            <a:off x="354960" y="226080"/>
+            <a:ext cx="9354960" cy="713880"/>
+          </a:xfrm>
+          <a:prstGeom prst="rect">
+            <a:avLst/>
+          </a:prstGeom>
+          <a:noFill/>
+          <a:ln w="0">
+            <a:noFill/>
+          </a:ln>
+        </p:spPr>
+        <p:style>
+          <a:lnRef idx="0"/>
+          <a:fillRef idx="0"/>
+          <a:effectRef idx="0"/>
+          <a:fontRef idx="minor"/>
+        </p:style>
+        <p:txBody>
+          <a:bodyPr lIns="0" rIns="0" tIns="0" bIns="0" anchor="ctr">
+            <a:noAutofit/>
+          </a:bodyPr>
+          <a:p>
+            <a:pPr>
+              <a:lnSpc>
+                <a:spcPct val="100000"/>
+              </a:lnSpc>
+              <a:buNone/>
+              <a:tabLst>
+                <a:tab algn="l" pos="0"/>
+              </a:tabLst>
+            </a:pPr>
+            <a:r>
+              <a:rPr b="1" lang="en-US" sz="2700" spc="-1" strike="noStrike">
+                <a:solidFill>
+                  <a:srgbClr val="ffffff"/>
+                </a:solidFill>
+                <a:latin typeface="Source Sans Pro Black"/>
+              </a:rPr>
+              <a:t>SPECX: Task Viewer Interface </a:t>
+            </a:r>
+            <a:endParaRPr b="0" lang="fr-CH" sz="2700" spc="-1" strike="noStrike">
+              <a:latin typeface="Arial"/>
+            </a:endParaRPr>
+          </a:p>
+        </p:txBody>
+      </p:sp>
+      <p:pic>
+        <p:nvPicPr>
+          <p:cNvPr id="93" name="" descr=""/>
+          <p:cNvPicPr/>
+          <p:nvPr/>
+        </p:nvPicPr>
+        <p:blipFill>
+          <a:blip r:embed="rId1"/>
+          <a:stretch/>
+        </p:blipFill>
+        <p:spPr>
+          <a:xfrm>
+            <a:off x="8994960" y="61200"/>
+            <a:ext cx="1015920" cy="1015920"/>
+          </a:xfrm>
+          <a:prstGeom prst="rect">
+            <a:avLst/>
+          </a:prstGeom>
+          <a:ln w="0">
+            <a:noFill/>
+          </a:ln>
+        </p:spPr>
+      </p:pic>
+      <p:sp>
+        <p:nvSpPr>
+          <p:cNvPr id="94" name=""/>
+          <p:cNvSpPr/>
+          <p:nvPr/>
+        </p:nvSpPr>
+        <p:spPr>
+          <a:xfrm>
+            <a:off x="278280" y="1620000"/>
+            <a:ext cx="6381360" cy="346320"/>
+          </a:xfrm>
+          <a:prstGeom prst="rect">
+            <a:avLst/>
+          </a:prstGeom>
+          <a:noFill/>
+          <a:ln w="0">
+            <a:noFill/>
+          </a:ln>
+        </p:spPr>
+        <p:style>
+          <a:lnRef idx="0"/>
+          <a:fillRef idx="0"/>
+          <a:effectRef idx="0"/>
+          <a:fontRef idx="minor"/>
+        </p:style>
+        <p:txBody>
+          <a:bodyPr lIns="90000" rIns="90000" tIns="45000" bIns="45000" anchor="t">
+            <a:noAutofit/>
+          </a:bodyPr>
+          <a:p>
+            <a:pPr>
+              <a:lnSpc>
+                <a:spcPct val="100000"/>
+              </a:lnSpc>
+              <a:buNone/>
+            </a:pPr>
+            <a:r>
+              <a:rPr b="0" lang="en-US" sz="1400" spc="-1" strike="noStrike">
+                <a:latin typeface="Times New Roman"/>
+              </a:rPr>
+              <a:t>Main methods available on task objects returned by task calls</a:t>
+            </a:r>
+            <a:endParaRPr b="0" lang="fr-CH" sz="1400" spc="-1" strike="noStrike">
+              <a:latin typeface="Arial"/>
+            </a:endParaRPr>
+          </a:p>
+        </p:txBody>
+      </p:sp>
+      <p:sp>
+        <p:nvSpPr>
+          <p:cNvPr id="95" name=""/>
+          <p:cNvSpPr/>
+          <p:nvPr/>
+        </p:nvSpPr>
+        <p:spPr>
+          <a:xfrm>
+            <a:off x="948240" y="2124000"/>
+            <a:ext cx="8951400" cy="2252160"/>
+          </a:xfrm>
+          <a:prstGeom prst="rect">
+            <a:avLst/>
+          </a:prstGeom>
+          <a:noFill/>
+          <a:ln w="0">
+            <a:noFill/>
+          </a:ln>
+        </p:spPr>
+        <p:style>
+          <a:lnRef idx="0"/>
+          <a:fillRef idx="0"/>
+          <a:effectRef idx="0"/>
+          <a:fontRef idx="minor"/>
+        </p:style>
+        <p:txBody>
+          <a:bodyPr lIns="90000" rIns="90000" tIns="45000" bIns="45000" anchor="t">
+            <a:noAutofit/>
+          </a:bodyPr>
+          <a:p>
+            <a:pPr algn="just">
+              <a:lnSpc>
+                <a:spcPct val="100000"/>
+              </a:lnSpc>
+              <a:buNone/>
+            </a:pPr>
+            <a:r>
+              <a:rPr b="1" lang="en-US" sz="1400" spc="-1" strike="noStrike">
+                <a:latin typeface="Times New Roman"/>
+              </a:rPr>
+              <a:t>bool </a:t>
+            </a:r>
+            <a:r>
+              <a:rPr b="1" lang="en-US" sz="1400" spc="-1" strike="noStrike">
+                <a:solidFill>
+                  <a:srgbClr val="2a6099"/>
+                </a:solidFill>
+                <a:latin typeface="Times New Roman"/>
+              </a:rPr>
+              <a:t>isOver</a:t>
+            </a:r>
+            <a:r>
+              <a:rPr b="1" lang="en-US" sz="1400" spc="-1" strike="noStrike">
+                <a:latin typeface="Times New Roman"/>
+              </a:rPr>
+              <a:t>()      </a:t>
+            </a:r>
+            <a:r>
+              <a:rPr b="1" i="1" lang="en-US" sz="1400" spc="-1" strike="noStrike">
+                <a:latin typeface="Times New Roman"/>
+              </a:rPr>
+              <a:t> /</a:t>
+            </a:r>
+            <a:r>
+              <a:rPr b="0" i="1" lang="en-US" sz="1400" spc="-1" strike="noStrike">
+                <a:latin typeface="Times New Roman"/>
+              </a:rPr>
+              <a:t>/Returns true if the task has finished executing.</a:t>
+            </a:r>
+            <a:endParaRPr b="0" lang="fr-CH" sz="1400" spc="-1" strike="noStrike">
+              <a:latin typeface="Arial"/>
+            </a:endParaRPr>
+          </a:p>
+          <a:p>
+            <a:pPr algn="just">
+              <a:lnSpc>
+                <a:spcPct val="100000"/>
+              </a:lnSpc>
+              <a:buNone/>
+            </a:pPr>
+            <a:endParaRPr b="0" lang="fr-CH" sz="1400" spc="-1" strike="noStrike">
+              <a:latin typeface="Arial"/>
+            </a:endParaRPr>
+          </a:p>
+          <a:p>
+            <a:pPr algn="just">
+              <a:lnSpc>
+                <a:spcPct val="100000"/>
+              </a:lnSpc>
+              <a:buNone/>
+            </a:pPr>
+            <a:r>
+              <a:rPr b="1" lang="en-US" sz="1400" spc="-1" strike="noStrike">
+                <a:latin typeface="Times New Roman"/>
+              </a:rPr>
+              <a:t>void </a:t>
+            </a:r>
+            <a:r>
+              <a:rPr b="1" lang="en-US" sz="1400" spc="-1" strike="noStrike">
+                <a:solidFill>
+                  <a:srgbClr val="2a6099"/>
+                </a:solidFill>
+                <a:latin typeface="Times New Roman"/>
+              </a:rPr>
+              <a:t>wait</a:t>
+            </a:r>
+            <a:r>
+              <a:rPr b="1" lang="en-US" sz="1400" spc="-1" strike="noStrike">
+                <a:latin typeface="Times New Roman"/>
+              </a:rPr>
+              <a:t>(</a:t>
+            </a:r>
+            <a:r>
+              <a:rPr b="0" lang="en-US" sz="1400" spc="-1" strike="noStrike">
+                <a:latin typeface="Times New Roman"/>
+              </a:rPr>
+              <a:t>)           </a:t>
+            </a:r>
+            <a:r>
+              <a:rPr b="0" i="1" lang="en-US" sz="1400" spc="-1" strike="noStrike">
+                <a:latin typeface="Times New Roman"/>
+              </a:rPr>
+              <a:t>//This method is a blocking call which waits until the task is finished.</a:t>
+            </a:r>
+            <a:endParaRPr b="0" lang="fr-CH" sz="1400" spc="-1" strike="noStrike">
+              <a:latin typeface="Arial"/>
+            </a:endParaRPr>
+          </a:p>
+          <a:p>
+            <a:pPr algn="just">
+              <a:lnSpc>
+                <a:spcPct val="100000"/>
+              </a:lnSpc>
+              <a:buNone/>
+            </a:pPr>
+            <a:endParaRPr b="0" lang="fr-CH" sz="1400" spc="-1" strike="noStrike">
+              <a:latin typeface="Arial"/>
+            </a:endParaRPr>
+          </a:p>
+          <a:p>
+            <a:pPr algn="just">
+              <a:lnSpc>
+                <a:spcPct val="100000"/>
+              </a:lnSpc>
+              <a:buNone/>
+            </a:pPr>
+            <a:r>
+              <a:rPr b="1" lang="fr-CH" sz="1400" spc="-1" strike="noStrike">
+                <a:latin typeface="Times New Roman"/>
+              </a:rPr>
+              <a:t>&lt;ReturnType&gt; </a:t>
+            </a:r>
+            <a:r>
+              <a:rPr b="1" lang="fr-CH" sz="1400" spc="-1" strike="noStrike">
+                <a:solidFill>
+                  <a:srgbClr val="2a6099"/>
+                </a:solidFill>
+                <a:latin typeface="Times New Roman"/>
+              </a:rPr>
+              <a:t>getValue</a:t>
+            </a:r>
+            <a:r>
+              <a:rPr b="1" lang="fr-CH" sz="1400" spc="-1" strike="noStrike">
+                <a:latin typeface="Times New Roman"/>
+              </a:rPr>
+              <a:t>()     </a:t>
+            </a:r>
+            <a:r>
+              <a:rPr b="0" i="1" lang="en-US" sz="1400" spc="-1" strike="noStrike">
+                <a:latin typeface="Times New Roman"/>
+              </a:rPr>
+              <a:t>// This method is a blocking call which retrieves the result value of the task.</a:t>
+            </a:r>
+            <a:endParaRPr b="0" lang="fr-CH" sz="1400" spc="-1" strike="noStrike">
+              <a:latin typeface="Arial"/>
+            </a:endParaRPr>
+          </a:p>
+          <a:p>
+            <a:pPr algn="just">
+              <a:lnSpc>
+                <a:spcPct val="100000"/>
+              </a:lnSpc>
+              <a:buNone/>
+            </a:pPr>
+            <a:endParaRPr b="0" lang="fr-CH" sz="1400" spc="-1" strike="noStrike">
+              <a:latin typeface="Arial"/>
+            </a:endParaRPr>
+          </a:p>
+          <a:p>
+            <a:pPr algn="just">
+              <a:lnSpc>
+                <a:spcPct val="100000"/>
+              </a:lnSpc>
+              <a:buNone/>
+            </a:pPr>
+            <a:r>
+              <a:rPr b="1" lang="fr-CH" sz="1400" spc="-1" strike="noStrike">
+                <a:latin typeface="Times New Roman"/>
+              </a:rPr>
+              <a:t>void </a:t>
+            </a:r>
+            <a:r>
+              <a:rPr b="1" lang="fr-CH" sz="1400" spc="-1" strike="noStrike">
+                <a:solidFill>
+                  <a:srgbClr val="2a6099"/>
+                </a:solidFill>
+                <a:latin typeface="Times New Roman"/>
+              </a:rPr>
+              <a:t>setTaskName</a:t>
+            </a:r>
+            <a:r>
+              <a:rPr b="1" lang="fr-CH" sz="1400" spc="-1" strike="noStrike">
+                <a:latin typeface="Times New Roman"/>
+              </a:rPr>
+              <a:t>(const std::string&amp; inTaskName)</a:t>
+            </a:r>
+            <a:r>
+              <a:rPr b="0" lang="fr-CH" sz="1400" spc="-1" strike="noStrike">
+                <a:latin typeface="Times New Roman"/>
+              </a:rPr>
+              <a:t>  </a:t>
+            </a:r>
+            <a:r>
+              <a:rPr b="0" i="1" lang="fr-CH" sz="1400" spc="-1" strike="noStrike">
+                <a:latin typeface="Times New Roman"/>
+              </a:rPr>
+              <a:t> </a:t>
+            </a:r>
+            <a:r>
+              <a:rPr b="0" i="1" lang="en-US" sz="1400" spc="-1" strike="noStrike">
+                <a:latin typeface="Times New Roman"/>
+              </a:rPr>
+              <a:t>//Assigns the name in TaskName to the task. </a:t>
+            </a:r>
+            <a:endParaRPr b="0" lang="fr-CH" sz="1400" spc="-1" strike="noStrike">
+              <a:latin typeface="Arial"/>
+            </a:endParaRPr>
+          </a:p>
+          <a:p>
+            <a:pPr algn="just">
+              <a:lnSpc>
+                <a:spcPct val="100000"/>
+              </a:lnSpc>
+              <a:buNone/>
+            </a:pPr>
+            <a:r>
+              <a:rPr b="0" i="1" lang="en-US" sz="1400" spc="-1" strike="noStrike">
+                <a:latin typeface="Times New Roman"/>
+              </a:rPr>
+              <a:t>                                                                                           </a:t>
+            </a:r>
+            <a:r>
+              <a:rPr b="0" i="1" lang="en-US" sz="1400" spc="-1" strike="noStrike">
+                <a:latin typeface="Times New Roman"/>
+              </a:rPr>
+              <a:t>// This change will be reflected in debug printouts, task graph</a:t>
+            </a:r>
+            <a:endParaRPr b="0" lang="fr-CH" sz="1400" spc="-1" strike="noStrike">
+              <a:latin typeface="Arial"/>
+            </a:endParaRPr>
+          </a:p>
+          <a:p>
+            <a:pPr algn="just">
+              <a:lnSpc>
+                <a:spcPct val="100000"/>
+              </a:lnSpc>
+              <a:buNone/>
+            </a:pPr>
+            <a:r>
+              <a:rPr b="0" i="1" lang="en-US" sz="1400" spc="-1" strike="noStrike">
+                <a:latin typeface="Times New Roman"/>
+              </a:rPr>
+              <a:t>                                                                                           </a:t>
+            </a:r>
+            <a:r>
+              <a:rPr b="0" i="1" lang="en-US" sz="1400" spc="-1" strike="noStrike">
+                <a:latin typeface="Times New Roman"/>
+              </a:rPr>
+              <a:t>// and trace generation output.</a:t>
+            </a:r>
+            <a:endParaRPr b="0" lang="fr-CH" sz="1400" spc="-1" strike="noStrike">
+              <a:latin typeface="Arial"/>
+            </a:endParaRPr>
+          </a:p>
+          <a:p>
+            <a:pPr algn="just">
+              <a:lnSpc>
+                <a:spcPct val="100000"/>
+              </a:lnSpc>
+              <a:buNone/>
+            </a:pPr>
+            <a:endParaRPr b="0" lang="fr-CH" sz="1400" spc="-1" strike="noStrike">
+              <a:latin typeface="Arial"/>
+            </a:endParaRPr>
+          </a:p>
+          <a:p>
+            <a:pPr algn="just">
+              <a:lnSpc>
+                <a:spcPct val="100000"/>
+              </a:lnSpc>
+              <a:buNone/>
+            </a:pPr>
+            <a:r>
+              <a:rPr b="1" lang="en-US" sz="1400" spc="-1" strike="noStrike">
+                <a:latin typeface="Times New Roman"/>
+              </a:rPr>
+              <a:t>std::string </a:t>
+            </a:r>
+            <a:r>
+              <a:rPr b="1" lang="en-US" sz="1400" spc="-1" strike="noStrike">
+                <a:solidFill>
+                  <a:srgbClr val="2a6099"/>
+                </a:solidFill>
+                <a:latin typeface="Times New Roman"/>
+              </a:rPr>
+              <a:t>getTaskName</a:t>
+            </a:r>
+            <a:r>
+              <a:rPr b="1" lang="en-US" sz="1400" spc="-1" strike="noStrike">
+                <a:latin typeface="Times New Roman"/>
+              </a:rPr>
+              <a:t>()</a:t>
+            </a:r>
+            <a:r>
+              <a:rPr b="0" lang="en-US" sz="1400" spc="-1" strike="noStrike">
+                <a:latin typeface="Times New Roman"/>
+              </a:rPr>
+              <a:t>    </a:t>
+            </a:r>
+            <a:r>
+              <a:rPr b="0" i="1" lang="en-US" sz="1400" spc="-1" strike="noStrike">
+                <a:latin typeface="Times New Roman"/>
+              </a:rPr>
+              <a:t>//Retrieves the name of the task.</a:t>
+            </a:r>
+            <a:endParaRPr b="0" lang="fr-CH" sz="1400" spc="-1" strike="noStrike">
+              <a:latin typeface="Arial"/>
+            </a:endParaRPr>
+          </a:p>
+        </p:txBody>
+      </p:sp>
+      <p:sp>
+        <p:nvSpPr>
+          <p:cNvPr id="96" name=""/>
+          <p:cNvSpPr/>
+          <p:nvPr/>
+        </p:nvSpPr>
+        <p:spPr>
+          <a:xfrm>
+            <a:off x="344520" y="4824000"/>
+            <a:ext cx="8727120" cy="346320"/>
+          </a:xfrm>
+          <a:prstGeom prst="rect">
+            <a:avLst/>
+          </a:prstGeom>
+          <a:noFill/>
+          <a:ln w="0">
+            <a:noFill/>
+          </a:ln>
+        </p:spPr>
+        <p:style>
+          <a:lnRef idx="0"/>
+          <a:fillRef idx="0"/>
+          <a:effectRef idx="0"/>
+          <a:fontRef idx="minor"/>
+        </p:style>
+        <p:txBody>
+          <a:bodyPr lIns="90000" rIns="90000" tIns="45000" bIns="45000" anchor="t">
+            <a:noAutofit/>
+          </a:bodyPr>
+          <a:p>
+            <a:pPr>
+              <a:lnSpc>
+                <a:spcPct val="100000"/>
+              </a:lnSpc>
+              <a:buNone/>
+            </a:pPr>
+            <a:r>
+              <a:rPr b="0" i="1" lang="en-US" sz="1400" spc="-1" strike="noStrike">
+                <a:latin typeface="Times New Roman"/>
+              </a:rPr>
+              <a:t>Nota: Speculative versions of tasks will have an apostrophe appended to their name.</a:t>
+            </a:r>
+            <a:endParaRPr b="0" lang="fr-CH" sz="1400" spc="-1" strike="noStrike">
+              <a:latin typeface="Arial"/>
+            </a:endParaRPr>
+          </a:p>
+        </p:txBody>
+      </p:sp>
+    </p:spTree>
+  </p:cSld>
+  <mc:AlternateContent>
+    <mc:Choice Requires="p14">
+      <p:transition spd="slow" p14:dur="2000"/>
+    </mc:Choice>
+    <mc:Fallback>
+      <p:transition spd="slow"/>
+    </mc:Fallback>
+  </mc:AlternateContent>
+</p:sld>
+</file>
+
+<file path=ppt/slides/slide15.xml><?xml version="1.0" encoding="utf-8"?>
+<p:sld xmlns:a="http://schemas.openxmlformats.org/drawingml/2006/main" xmlns:p="http://schemas.openxmlformats.org/presentationml/2006/main" xmlns:r="http://schemas.openxmlformats.org/officeDocument/2006/relationships" xmlns:p14="http://schemas.microsoft.com/office/powerpoint/2010/main" xmlns:p15="http://schemas.microsoft.com/office/powerpoint/2012/main" xmlns:mc="http://schemas.openxmlformats.org/markup-compatibility/2006">
+  <p:cSld>
+    <p:spTree>
+      <p:nvGrpSpPr>
+        <p:cNvPr id="1" name=""/>
+        <p:cNvGrpSpPr/>
+        <p:nvPr/>
+      </p:nvGrpSpPr>
+      <p:grpSpPr>
+        <a:xfrm>
+          <a:off x="0" y="0"/>
+          <a:ext cx="0" cy="0"/>
+          <a:chOff x="0" y="0"/>
+          <a:chExt cx="0" cy="0"/>
+        </a:xfrm>
+      </p:grpSpPr>
+      <p:sp>
+        <p:nvSpPr>
+          <p:cNvPr id="97" name="PlaceHolder 13"/>
+          <p:cNvSpPr/>
+          <p:nvPr/>
+        </p:nvSpPr>
+        <p:spPr>
+          <a:xfrm>
+            <a:off x="349560" y="226080"/>
+            <a:ext cx="9354960" cy="713880"/>
+          </a:xfrm>
+          <a:prstGeom prst="rect">
+            <a:avLst/>
+          </a:prstGeom>
+          <a:noFill/>
+          <a:ln w="0">
+            <a:noFill/>
+          </a:ln>
+        </p:spPr>
+        <p:style>
+          <a:lnRef idx="0"/>
+          <a:fillRef idx="0"/>
+          <a:effectRef idx="0"/>
+          <a:fontRef idx="minor"/>
+        </p:style>
+        <p:txBody>
+          <a:bodyPr lIns="0" rIns="0" tIns="0" bIns="0" anchor="ctr">
+            <a:noAutofit/>
+          </a:bodyPr>
+          <a:p>
+            <a:pPr>
+              <a:lnSpc>
+                <a:spcPct val="100000"/>
+              </a:lnSpc>
+              <a:buNone/>
+              <a:tabLst>
+                <a:tab algn="l" pos="0"/>
+              </a:tabLst>
+            </a:pPr>
+            <a:r>
+              <a:rPr b="1" lang="en-US" sz="2700" spc="-1" strike="noStrike">
+                <a:solidFill>
+                  <a:srgbClr val="ffffff"/>
+                </a:solidFill>
+                <a:latin typeface="Source Sans Pro Black"/>
+              </a:rPr>
+              <a:t>SPECX: Exemples </a:t>
+            </a:r>
+            <a:endParaRPr b="0" lang="fr-CH" sz="2700" spc="-1" strike="noStrike">
+              <a:latin typeface="Arial"/>
+            </a:endParaRPr>
+          </a:p>
+        </p:txBody>
+      </p:sp>
+      <p:pic>
+        <p:nvPicPr>
+          <p:cNvPr id="98" name="" descr=""/>
+          <p:cNvPicPr/>
+          <p:nvPr/>
+        </p:nvPicPr>
+        <p:blipFill>
+          <a:blip r:embed="rId1"/>
+          <a:stretch/>
+        </p:blipFill>
+        <p:spPr>
+          <a:xfrm>
+            <a:off x="8989560" y="61200"/>
+            <a:ext cx="1015920" cy="1015920"/>
+          </a:xfrm>
+          <a:prstGeom prst="rect">
+            <a:avLst/>
+          </a:prstGeom>
+          <a:ln w="0">
+            <a:noFill/>
+          </a:ln>
+        </p:spPr>
+      </p:pic>
+    </p:spTree>
+  </p:cSld>
+  <mc:AlternateContent>
+    <mc:Choice Requires="p14">
+      <p:transition spd="slow" p14:dur="2000"/>
+    </mc:Choice>
+    <mc:Fallback>
+      <p:transition spd="slow"/>
+    </mc:Fallback>
+  </mc:AlternateContent>
+</p:sld>
+</file>
+
+<file path=ppt/slides/slide16.xml><?xml version="1.0" encoding="utf-8"?>
+<p:sld xmlns:a="http://schemas.openxmlformats.org/drawingml/2006/main" xmlns:p="http://schemas.openxmlformats.org/presentationml/2006/main" xmlns:r="http://schemas.openxmlformats.org/officeDocument/2006/relationships" xmlns:p14="http://schemas.microsoft.com/office/powerpoint/2010/main" xmlns:p15="http://schemas.microsoft.com/office/powerpoint/2012/main" xmlns:mc="http://schemas.openxmlformats.org/markup-compatibility/2006">
+  <p:cSld>
+    <p:spTree>
+      <p:nvGrpSpPr>
+        <p:cNvPr id="1" name=""/>
+        <p:cNvGrpSpPr/>
+        <p:nvPr/>
+      </p:nvGrpSpPr>
+      <p:grpSpPr>
+        <a:xfrm>
+          <a:off x="0" y="0"/>
+          <a:ext cx="0" cy="0"/>
+          <a:chOff x="0" y="0"/>
+          <a:chExt cx="0" cy="0"/>
+        </a:xfrm>
+      </p:grpSpPr>
+    </p:spTree>
+  </p:cSld>
+  <mc:AlternateContent>
+    <mc:Choice Requires="p14">
+      <p:transition spd="slow" p14:dur="2000"/>
+    </mc:Choice>
+    <mc:Fallback>
+      <p:transition spd="slow"/>
+    </mc:Fallback>
+  </mc:AlternateContent>
+</p:sld>
+</file>
+
+<file path=ppt/slides/slide17.xml><?xml version="1.0" encoding="utf-8"?>
+<p:sld xmlns:a="http://schemas.openxmlformats.org/drawingml/2006/main" xmlns:p="http://schemas.openxmlformats.org/presentationml/2006/main" xmlns:r="http://schemas.openxmlformats.org/officeDocument/2006/relationships" xmlns:p14="http://schemas.microsoft.com/office/powerpoint/2010/main" xmlns:p15="http://schemas.microsoft.com/office/powerpoint/2012/main" xmlns:mc="http://schemas.openxmlformats.org/markup-compatibility/2006">
+  <p:cSld>
+    <p:spTree>
+      <p:nvGrpSpPr>
+        <p:cNvPr id="1" name=""/>
+        <p:cNvGrpSpPr/>
+        <p:nvPr/>
+      </p:nvGrpSpPr>
+      <p:grpSpPr>
+        <a:xfrm>
+          <a:off x="0" y="0"/>
+          <a:ext cx="0" cy="0"/>
+          <a:chOff x="0" y="0"/>
+          <a:chExt cx="0" cy="0"/>
+        </a:xfrm>
+      </p:grpSpPr>
+    </p:spTree>
+  </p:cSld>
+  <mc:AlternateContent>
+    <mc:Choice Requires="p14">
+      <p:transition spd="slow" p14:dur="2000"/>
+    </mc:Choice>
+    <mc:Fallback>
+      <p:transition spd="slow"/>
+    </mc:Fallback>
+  </mc:AlternateContent>
+</p:sld>
+</file>
+
+<file path=ppt/slides/slide18.xml><?xml version="1.0" encoding="utf-8"?>
+<p:sld xmlns:a="http://schemas.openxmlformats.org/drawingml/2006/main" xmlns:p="http://schemas.openxmlformats.org/presentationml/2006/main" xmlns:r="http://schemas.openxmlformats.org/officeDocument/2006/relationships" xmlns:p14="http://schemas.microsoft.com/office/powerpoint/2010/main" xmlns:p15="http://schemas.microsoft.com/office/powerpoint/2012/main" xmlns:mc="http://schemas.openxmlformats.org/markup-compatibility/2006">
+  <p:cSld>
+    <p:spTree>
+      <p:nvGrpSpPr>
+        <p:cNvPr id="1" name=""/>
+        <p:cNvGrpSpPr/>
+        <p:nvPr/>
+      </p:nvGrpSpPr>
+      <p:grpSpPr>
+        <a:xfrm>
+          <a:off x="0" y="0"/>
+          <a:ext cx="0" cy="0"/>
+          <a:chOff x="0" y="0"/>
+          <a:chExt cx="0" cy="0"/>
+        </a:xfrm>
+      </p:grpSpPr>
+      <p:sp>
+        <p:nvSpPr>
+          <p:cNvPr id="99" name="PlaceHolder 1"/>
+          <p:cNvSpPr>
+            <a:spLocks noGrp="1"/>
+          </p:cNvSpPr>
+          <p:nvPr>
+            <p:ph type="title"/>
+          </p:nvPr>
+        </p:nvSpPr>
+        <p:spPr>
+          <a:xfrm>
+            <a:off x="360000" y="225720"/>
+            <a:ext cx="9354960" cy="713880"/>
+          </a:xfrm>
+          <a:prstGeom prst="rect">
+            <a:avLst/>
+          </a:prstGeom>
+          <a:noFill/>
+          <a:ln w="0">
+            <a:noFill/>
+          </a:ln>
+        </p:spPr>
+        <p:txBody>
+          <a:bodyPr lIns="0" rIns="0" tIns="0" bIns="0" anchor="ctr">
+            <a:noAutofit/>
+          </a:bodyPr>
+          <a:p>
+            <a:pPr>
+              <a:lnSpc>
+                <a:spcPct val="100000"/>
+              </a:lnSpc>
+              <a:buNone/>
+              <a:tabLst>
+                <a:tab algn="l" pos="0"/>
+              </a:tabLst>
+            </a:pPr>
+            <a:r>
+              <a:rPr b="1" lang="en-US" sz="2700" spc="-1" strike="noStrike">
+                <a:solidFill>
+                  <a:srgbClr val="ffffff"/>
+                </a:solidFill>
+                <a:latin typeface="Source Sans Pro Black"/>
+              </a:rPr>
+              <a:t>SPECX: Future Developments</a:t>
+            </a:r>
+            <a:endParaRPr b="0" lang="fr-CH" sz="2700" spc="-1" strike="noStrike">
+              <a:latin typeface="Arial"/>
+            </a:endParaRPr>
+          </a:p>
+        </p:txBody>
+      </p:sp>
+      <p:sp>
+        <p:nvSpPr>
+          <p:cNvPr id="100" name="PlaceHolder 2"/>
+          <p:cNvSpPr>
+            <a:spLocks noGrp="1"/>
+          </p:cNvSpPr>
+          <p:nvPr>
+            <p:ph/>
+          </p:nvPr>
+        </p:nvSpPr>
+        <p:spPr>
+          <a:xfrm>
+            <a:off x="360000" y="1800000"/>
+            <a:ext cx="9354960" cy="3417840"/>
+          </a:xfrm>
+          <a:prstGeom prst="rect">
+            <a:avLst/>
+          </a:prstGeom>
+          <a:noFill/>
+          <a:ln w="0">
+            <a:noFill/>
+          </a:ln>
+        </p:spPr>
+        <p:txBody>
+          <a:bodyPr lIns="0" rIns="0" tIns="0" bIns="0" anchor="t">
+            <a:normAutofit/>
+          </a:bodyPr>
+          <a:p>
+            <a:pPr marL="432000">
+              <a:lnSpc>
+                <a:spcPct val="100000"/>
+              </a:lnSpc>
+              <a:spcAft>
+                <a:spcPts val="1057"/>
+              </a:spcAft>
+              <a:buNone/>
+              <a:tabLst>
+                <a:tab algn="l" pos="0"/>
+              </a:tabLst>
+            </a:pPr>
+            <a:r>
+              <a:rPr b="1" lang="en-US" sz="2000" spc="-1" strike="noStrike">
+                <a:solidFill>
+                  <a:srgbClr val="2c3e50"/>
+                </a:solidFill>
+                <a:latin typeface="Arial"/>
+              </a:rPr>
+              <a:t>Future developments</a:t>
+            </a:r>
+            <a:endParaRPr b="0" lang="fr-CH" sz="2000" spc="-1" strike="noStrike">
+              <a:latin typeface="Arial"/>
+            </a:endParaRPr>
+          </a:p>
+          <a:p>
+            <a:pPr marL="720000" indent="-324000">
+              <a:lnSpc>
+                <a:spcPct val="100000"/>
+              </a:lnSpc>
+              <a:spcAft>
+                <a:spcPts val="1057"/>
+              </a:spcAft>
+              <a:buClr>
+                <a:srgbClr val="2c3e50"/>
+              </a:buClr>
+              <a:buSzPct val="45000"/>
+              <a:buFont typeface="Wingdings" charset="2"/>
+              <a:buChar char=""/>
+              <a:tabLst>
+                <a:tab algn="l" pos="0"/>
+              </a:tabLst>
+            </a:pPr>
+            <a:r>
+              <a:rPr b="0" lang="en-US" sz="1400" spc="-1" strike="noStrike">
+                <a:solidFill>
+                  <a:srgbClr val="2c3e50"/>
+                </a:solidFill>
+                <a:latin typeface="Arial"/>
+              </a:rPr>
+              <a:t>The main objective is to reduce the calculation times, </a:t>
+            </a:r>
+            <a:endParaRPr b="0" lang="fr-CH" sz="1400" spc="-1" strike="noStrike">
+              <a:latin typeface="Arial"/>
+            </a:endParaRPr>
+          </a:p>
+          <a:p>
+            <a:pPr marL="720000" indent="-324000">
+              <a:lnSpc>
+                <a:spcPct val="100000"/>
+              </a:lnSpc>
+              <a:spcAft>
+                <a:spcPts val="1057"/>
+              </a:spcAft>
+              <a:buClr>
+                <a:srgbClr val="2c3e50"/>
+              </a:buClr>
+              <a:buSzPct val="45000"/>
+              <a:buFont typeface="Wingdings" charset="2"/>
+              <a:buChar char=""/>
+              <a:tabLst>
+                <a:tab algn="l" pos="0"/>
+              </a:tabLst>
+            </a:pPr>
+            <a:r>
+              <a:rPr b="0" lang="en-US" sz="1400" spc="-1" strike="noStrike">
+                <a:solidFill>
+                  <a:srgbClr val="2c3e50"/>
+                </a:solidFill>
+                <a:latin typeface="Arial"/>
+              </a:rPr>
+              <a:t>To manage the use of the different calculation resources, the different typical workloads, in particular in the case of multicore machines equipped with several acceleration machines.</a:t>
+            </a:r>
+            <a:endParaRPr b="0" lang="fr-CH" sz="1400" spc="-1" strike="noStrike">
+              <a:latin typeface="Arial"/>
+            </a:endParaRPr>
+          </a:p>
+          <a:p>
+            <a:pPr marL="720000" indent="-324000">
+              <a:lnSpc>
+                <a:spcPct val="100000"/>
+              </a:lnSpc>
+              <a:spcAft>
+                <a:spcPts val="1057"/>
+              </a:spcAft>
+              <a:buClr>
+                <a:srgbClr val="2c3e50"/>
+              </a:buClr>
+              <a:buSzPct val="45000"/>
+              <a:buFont typeface="Wingdings" charset="2"/>
+              <a:buChar char=""/>
+              <a:tabLst>
+                <a:tab algn="l" pos="0"/>
+              </a:tabLst>
+            </a:pPr>
+            <a:r>
+              <a:rPr b="0" lang="en-US" sz="1400" spc="-1" strike="noStrike">
+                <a:solidFill>
+                  <a:srgbClr val="000000"/>
+                </a:solidFill>
+                <a:latin typeface="Arial"/>
+              </a:rPr>
+              <a:t>Plan to separate thread management from execution. </a:t>
+            </a:r>
+            <a:r>
+              <a:rPr b="0" lang="en-US" sz="1400" spc="-1" strike="noStrike">
+                <a:latin typeface="Times New Roman"/>
+                <a:ea typeface="Microsoft YaHei"/>
+              </a:rPr>
+              <a:t>To change the prototype of the predicate, to be able to consider additional data or different to make the decision.</a:t>
+            </a:r>
+            <a:endParaRPr b="0" lang="fr-CH" sz="1400" spc="-1" strike="noStrike">
+              <a:latin typeface="Arial"/>
+            </a:endParaRPr>
+          </a:p>
+          <a:p>
+            <a:pPr marL="720000" indent="-324000">
+              <a:lnSpc>
+                <a:spcPct val="100000"/>
+              </a:lnSpc>
+              <a:spcAft>
+                <a:spcPts val="1057"/>
+              </a:spcAft>
+              <a:buClr>
+                <a:srgbClr val="2c3e50"/>
+              </a:buClr>
+              <a:buSzPct val="45000"/>
+              <a:buFont typeface="Wingdings" charset="2"/>
+              <a:buChar char=""/>
+              <a:tabLst>
+                <a:tab algn="l" pos="0"/>
+              </a:tabLst>
+            </a:pPr>
+            <a:r>
+              <a:rPr b="0" lang="en-US" sz="1400" spc="-1" strike="noStrike">
+                <a:latin typeface="Times New Roman"/>
+                <a:ea typeface="Microsoft YaHei"/>
+              </a:rPr>
+              <a:t>Develop decision graphs to optimize available hybrid resources (CPU, GPU, GPGPU, TPU,...) to increase computational speed for given problems.</a:t>
+            </a:r>
+            <a:endParaRPr b="0" lang="fr-CH" sz="1400" spc="-1" strike="noStrike">
+              <a:latin typeface="Arial"/>
+            </a:endParaRPr>
+          </a:p>
+          <a:p>
+            <a:pPr marL="720000" indent="-324000">
+              <a:lnSpc>
+                <a:spcPct val="100000"/>
+              </a:lnSpc>
+              <a:spcAft>
+                <a:spcPts val="1057"/>
+              </a:spcAft>
+              <a:buClr>
+                <a:srgbClr val="2c3e50"/>
+              </a:buClr>
+              <a:buSzPct val="45000"/>
+              <a:buFont typeface="Wingdings" charset="2"/>
+              <a:buChar char=""/>
+              <a:tabLst>
+                <a:tab algn="l" pos="0"/>
+              </a:tabLst>
+            </a:pPr>
+            <a:r>
+              <a:rPr b="0" lang="en-US" sz="1300" spc="-1" strike="noStrike">
+                <a:latin typeface="Times New Roman"/>
+                <a:ea typeface="Microsoft YaHei"/>
+              </a:rPr>
+              <a:t>To provide effective and high -performance tools to the user.</a:t>
+            </a:r>
+            <a:endParaRPr b="0" lang="fr-CH" sz="1300" spc="-1" strike="noStrike">
+              <a:latin typeface="Arial"/>
+            </a:endParaRPr>
+          </a:p>
+          <a:p>
+            <a:pPr>
+              <a:lnSpc>
+                <a:spcPct val="100000"/>
+              </a:lnSpc>
+              <a:spcAft>
+                <a:spcPts val="1057"/>
+              </a:spcAft>
+              <a:buNone/>
+              <a:tabLst>
+                <a:tab algn="l" pos="0"/>
+              </a:tabLst>
+            </a:pPr>
+            <a:endParaRPr b="0" lang="fr-CH" sz="1300" spc="-1" strike="noStrike">
+              <a:latin typeface="Arial"/>
+            </a:endParaRPr>
+          </a:p>
+          <a:p>
+            <a:pPr marL="432000">
+              <a:lnSpc>
+                <a:spcPct val="100000"/>
+              </a:lnSpc>
+              <a:spcAft>
+                <a:spcPts val="1057"/>
+              </a:spcAft>
+              <a:buNone/>
+              <a:tabLst>
+                <a:tab algn="l" pos="0"/>
+              </a:tabLst>
+            </a:pPr>
+            <a:r>
+              <a:rPr b="0" lang="en-US" sz="1400" spc="-1" strike="noStrike">
+                <a:solidFill>
+                  <a:srgbClr val="2c3e50"/>
+                </a:solidFill>
+                <a:latin typeface="Times New Roman"/>
+                <a:ea typeface="Microsoft YaHei"/>
+              </a:rPr>
+              <a:t> </a:t>
+            </a:r>
+            <a:endParaRPr b="0" lang="fr-CH" sz="1400" spc="-1" strike="noStrike">
+              <a:latin typeface="Arial"/>
+            </a:endParaRPr>
+          </a:p>
+        </p:txBody>
+      </p:sp>
+      <p:pic>
+        <p:nvPicPr>
+          <p:cNvPr id="101" name="" descr=""/>
+          <p:cNvPicPr/>
+          <p:nvPr/>
+        </p:nvPicPr>
+        <p:blipFill>
+          <a:blip r:embed="rId1"/>
+          <a:stretch/>
+        </p:blipFill>
+        <p:spPr>
+          <a:xfrm>
+            <a:off x="7055280" y="4106880"/>
+            <a:ext cx="2302560" cy="930960"/>
+          </a:xfrm>
+          <a:prstGeom prst="rect">
+            <a:avLst/>
+          </a:prstGeom>
+          <a:ln w="0">
+            <a:noFill/>
+          </a:ln>
+        </p:spPr>
+      </p:pic>
+    </p:spTree>
+  </p:cSld>
+  <mc:AlternateContent>
+    <mc:Choice Requires="p14">
+      <p:transition spd="slow" p14:dur="2000"/>
+    </mc:Choice>
+    <mc:Fallback>
+      <p:transition spd="slow"/>
+    </mc:Fallback>
+  </mc:AlternateContent>
+</p:sld>
+</file>
+
+<file path=ppt/slides/slide19.xml><?xml version="1.0" encoding="utf-8"?>
+<p:sld xmlns:a="http://schemas.openxmlformats.org/drawingml/2006/main" xmlns:p="http://schemas.openxmlformats.org/presentationml/2006/main" xmlns:r="http://schemas.openxmlformats.org/officeDocument/2006/relationships" xmlns:p14="http://schemas.microsoft.com/office/powerpoint/2010/main" xmlns:p15="http://schemas.microsoft.com/office/powerpoint/2012/main" xmlns:mc="http://schemas.openxmlformats.org/markup-compatibility/2006">
+  <p:cSld>
+    <p:spTree>
+      <p:nvGrpSpPr>
+        <p:cNvPr id="1" name=""/>
+        <p:cNvGrpSpPr/>
+        <p:nvPr/>
+      </p:nvGrpSpPr>
+      <p:grpSpPr>
+        <a:xfrm>
+          <a:off x="0" y="0"/>
+          <a:ext cx="0" cy="0"/>
+          <a:chOff x="0" y="0"/>
+          <a:chExt cx="0" cy="0"/>
+        </a:xfrm>
+      </p:grpSpPr>
+      <p:pic>
+        <p:nvPicPr>
+          <p:cNvPr id="102" name="" descr=""/>
+          <p:cNvPicPr/>
+          <p:nvPr/>
+        </p:nvPicPr>
+        <p:blipFill>
+          <a:blip r:embed="rId1"/>
+          <a:stretch/>
+        </p:blipFill>
+        <p:spPr>
+          <a:xfrm>
             <a:off x="7943760" y="4543200"/>
-            <a:ext cx="1879920" cy="839160"/>
+            <a:ext cx="1879200" cy="838440"/>
           </a:xfrm>
           <a:prstGeom prst="rect">
             <a:avLst/>
@@ -2750,7 +5617,7 @@
       </p:pic>
       <p:pic>
         <p:nvPicPr>
-          <p:cNvPr id="63" name="" descr=""/>
+          <p:cNvPr id="103" name="" descr=""/>
           <p:cNvPicPr/>
           <p:nvPr/>
         </p:nvPicPr>
@@ -2761,7 +5628,7 @@
         <p:spPr>
           <a:xfrm>
             <a:off x="2120400" y="2340000"/>
-            <a:ext cx="1477080" cy="1820160"/>
+            <a:ext cx="1476360" cy="1819440"/>
           </a:xfrm>
           <a:prstGeom prst="rect">
             <a:avLst/>
@@ -2773,14 +5640,14 @@
       </p:pic>
       <p:sp>
         <p:nvSpPr>
-          <p:cNvPr id="64" name=""/>
+          <p:cNvPr id="104" name=""/>
           <p:cNvSpPr/>
           <p:nvPr/>
         </p:nvSpPr>
         <p:spPr>
           <a:xfrm>
             <a:off x="4174560" y="3054960"/>
-            <a:ext cx="3202920" cy="362520"/>
+            <a:ext cx="3202200" cy="361800"/>
           </a:xfrm>
           <a:custGeom>
             <a:avLst/>
@@ -2915,7 +5782,7 @@
         <p:spPr>
           <a:xfrm>
             <a:off x="360000" y="225720"/>
-            <a:ext cx="9355680" cy="714600"/>
+            <a:ext cx="9354960" cy="713880"/>
           </a:xfrm>
           <a:prstGeom prst="rect">
             <a:avLst/>
@@ -2966,8 +5833,8 @@
         </p:nvSpPr>
         <p:spPr>
           <a:xfrm>
-            <a:off x="3636000" y="1629000"/>
-            <a:ext cx="6261480" cy="3587400"/>
+            <a:off x="3636000" y="2205000"/>
+            <a:ext cx="6260760" cy="2331000"/>
           </a:xfrm>
           <a:prstGeom prst="rect">
             <a:avLst/>
@@ -2979,7 +5846,7 @@
         </p:spPr>
         <p:txBody>
           <a:bodyPr lIns="0" rIns="0" tIns="0" bIns="0" anchor="t">
-            <a:normAutofit/>
+            <a:normAutofit fontScale="99000"/>
           </a:bodyPr>
           <a:p>
             <a:pPr>
@@ -3002,7 +5869,7 @@
                 <a:latin typeface="Liberation Serif;Times New Roman"/>
                 <a:ea typeface="Songti SC"/>
               </a:rPr>
-              <a:t>S</a:t>
+              <a:t>P</a:t>
             </a:r>
             <a:r>
               <a:rPr b="1" lang="en-US" sz="1600" spc="-1" strike="noStrike">
@@ -3012,14 +5879,95 @@
                 <a:latin typeface="Liberation Serif;Times New Roman"/>
                 <a:ea typeface="Songti SC"/>
               </a:rPr>
-              <a:t>PECX</a:t>
+              <a:t>rogramming </a:t>
+            </a:r>
+            <a:r>
+              <a:rPr b="1" lang="en-US" sz="1600" spc="-1" strike="noStrike">
+                <a:solidFill>
+                  <a:srgbClr val="c9211e"/>
+                </a:solidFill>
+                <a:latin typeface="Liberation Serif;Times New Roman"/>
+                <a:ea typeface="Songti SC"/>
+              </a:rPr>
+              <a:t>I</a:t>
+            </a:r>
+            <a:r>
+              <a:rPr b="1" lang="en-US" sz="1600" spc="-1" strike="noStrike">
+                <a:solidFill>
+                  <a:srgbClr val="000000"/>
+                </a:solidFill>
+                <a:latin typeface="Liberation Serif;Times New Roman"/>
+                <a:ea typeface="Songti SC"/>
+              </a:rPr>
+              <a:t>nterface for </a:t>
+            </a:r>
+            <a:r>
+              <a:rPr b="1" lang="en-US" sz="1600" spc="-1" strike="noStrike">
+                <a:solidFill>
+                  <a:srgbClr val="c9211e"/>
+                </a:solidFill>
+                <a:latin typeface="Liberation Serif;Times New Roman"/>
+                <a:ea typeface="Songti SC"/>
+              </a:rPr>
+              <a:t>p</a:t>
+            </a:r>
+            <a:r>
+              <a:rPr b="1" lang="en-US" sz="1600" spc="-1" strike="noStrike">
+                <a:solidFill>
+                  <a:srgbClr val="000000"/>
+                </a:solidFill>
+                <a:latin typeface="Liberation Serif;Times New Roman"/>
+                <a:ea typeface="Songti SC"/>
+              </a:rPr>
+              <a:t>arallel </a:t>
+            </a:r>
+            <a:r>
+              <a:rPr b="1" lang="en-US" sz="1600" spc="-1" strike="noStrike">
+                <a:solidFill>
+                  <a:srgbClr val="c9211e"/>
+                </a:solidFill>
+                <a:latin typeface="Liberation Serif;Times New Roman"/>
+                <a:ea typeface="Songti SC"/>
+              </a:rPr>
+              <a:t>c</a:t>
+            </a:r>
+            <a:r>
+              <a:rPr b="1" lang="en-US" sz="1600" spc="-1" strike="noStrike">
+                <a:solidFill>
+                  <a:srgbClr val="000000"/>
+                </a:solidFill>
+                <a:latin typeface="Liberation Serif;Times New Roman"/>
+                <a:ea typeface="Songti SC"/>
+              </a:rPr>
+              <a:t>omputing With</a:t>
+            </a:r>
+            <a:r>
+              <a:rPr b="1" lang="en-US" sz="1600" spc="-1" strike="noStrike">
+                <a:solidFill>
+                  <a:srgbClr val="c9211e"/>
+                </a:solidFill>
+                <a:latin typeface="Liberation Serif;Times New Roman"/>
+                <a:ea typeface="Songti SC"/>
+              </a:rPr>
+              <a:t> S</a:t>
+            </a:r>
+            <a:r>
+              <a:rPr b="1" lang="en-US" sz="1600" spc="-1" strike="noStrike">
+                <a:solidFill>
+                  <a:srgbClr val="000000"/>
+                </a:solidFill>
+                <a:latin typeface="Liberation Serif;Times New Roman"/>
+                <a:ea typeface="Songti SC"/>
+              </a:rPr>
+              <a:t>PECX </a:t>
             </a:r>
             <a:endParaRPr b="0" lang="fr-CH" sz="1600" spc="-1" strike="noStrike">
               <a:latin typeface="Arial"/>
-            </a:endParaRPr>
-          </a:p>
-          <a:p>
-            <a:pPr>
+              <a:ea typeface="Microsoft YaHei"/>
+            </a:endParaRPr>
+          </a:p>
+          <a:p>
+            <a:pPr marL="360000">
               <a:lnSpc>
                 <a:spcPct val="100000"/>
               </a:lnSpc>
@@ -3037,15 +5985,17 @@
                   <a:srgbClr val="000000"/>
                 </a:solidFill>
                 <a:latin typeface="Liberation Serif;Times New Roman"/>
-              </a:rPr>
-              <a:t>Why ?</a:t>
-            </a:r>
-            <a:endParaRPr b="0" lang="fr-CH" sz="1400" spc="-1" strike="noStrike">
-              <a:latin typeface="Arial"/>
-            </a:endParaRPr>
-          </a:p>
-          <a:p>
-            <a:pPr>
+                <a:ea typeface="Songti SC"/>
+              </a:rPr>
+              <a:t>What is SPECX ?</a:t>
+            </a:r>
+            <a:endParaRPr b="0" lang="fr-CH" sz="1400" spc="-1" strike="noStrike">
+              <a:latin typeface="Arial"/>
+              <a:ea typeface="Microsoft YaHei"/>
+            </a:endParaRPr>
+          </a:p>
+          <a:p>
+            <a:pPr marL="360000">
               <a:lnSpc>
                 <a:spcPct val="100000"/>
               </a:lnSpc>
@@ -3057,12 +6007,23 @@
                 <a:tab algn="l" pos="0"/>
               </a:tabLst>
             </a:pPr>
-            <a:endParaRPr b="0" lang="fr-CH" sz="1400" spc="-1" strike="noStrike">
-              <a:latin typeface="Arial"/>
-            </a:endParaRPr>
-          </a:p>
-          <a:p>
-            <a:pPr>
+            <a:r>
+              <a:rPr b="0" lang="en-US" sz="1400" spc="-1" strike="noStrike">
+                <a:solidFill>
+                  <a:srgbClr val="000000"/>
+                </a:solidFill>
+                <a:latin typeface="Liberation Serif;Times New Roman"/>
+                <a:ea typeface="Songti SC"/>
+              </a:rPr>
+              <a:t>Runtime Interface</a:t>
+            </a:r>
+            <a:endParaRPr b="0" lang="fr-CH" sz="1400" spc="-1" strike="noStrike">
+              <a:latin typeface="Arial"/>
+              <a:ea typeface="Microsoft YaHei"/>
+            </a:endParaRPr>
+          </a:p>
+          <a:p>
+            <a:pPr marL="360000">
               <a:lnSpc>
                 <a:spcPct val="100000"/>
               </a:lnSpc>
@@ -3074,12 +6035,23 @@
                 <a:tab algn="l" pos="0"/>
               </a:tabLst>
             </a:pPr>
-            <a:endParaRPr b="0" lang="fr-CH" sz="1600" spc="-1" strike="noStrike">
-              <a:latin typeface="Arial"/>
-            </a:endParaRPr>
-          </a:p>
-          <a:p>
-            <a:pPr>
+            <a:r>
+              <a:rPr b="0" lang="en-US" sz="1400" spc="-1" strike="noStrike">
+                <a:solidFill>
+                  <a:srgbClr val="000000"/>
+                </a:solidFill>
+                <a:latin typeface="Liberation Serif;Times New Roman"/>
+                <a:ea typeface="Songti SC"/>
+              </a:rPr>
+              <a:t>Data Dependency Interface</a:t>
+            </a:r>
+            <a:endParaRPr b="0" lang="fr-CH" sz="1400" spc="-1" strike="noStrike">
+              <a:latin typeface="Arial"/>
+              <a:ea typeface="Microsoft YaHei"/>
+            </a:endParaRPr>
+          </a:p>
+          <a:p>
+            <a:pPr marL="360000">
               <a:lnSpc>
                 <a:spcPct val="100000"/>
               </a:lnSpc>
@@ -3091,12 +6063,163 @@
                 <a:tab algn="l" pos="0"/>
               </a:tabLst>
             </a:pPr>
+            <a:r>
+              <a:rPr b="0" lang="en-US" sz="1400" spc="-1" strike="noStrike">
+                <a:solidFill>
+                  <a:srgbClr val="000000"/>
+                </a:solidFill>
+                <a:latin typeface="Liberation Serif;Times New Roman"/>
+                <a:ea typeface="Songti SC"/>
+              </a:rPr>
+              <a:t>Task Viewer Interface </a:t>
+            </a:r>
+            <a:endParaRPr b="0" lang="fr-CH" sz="1400" spc="-1" strike="noStrike">
+              <a:latin typeface="Arial"/>
+              <a:ea typeface="Microsoft YaHei"/>
+            </a:endParaRPr>
+          </a:p>
+          <a:p>
+            <a:pPr marL="360000">
+              <a:lnSpc>
+                <a:spcPct val="100000"/>
+              </a:lnSpc>
+              <a:spcAft>
+                <a:spcPts val="1057"/>
+              </a:spcAft>
+              <a:buNone/>
+              <a:tabLst>
+                <a:tab algn="l" pos="0"/>
+              </a:tabLst>
+            </a:pPr>
+            <a:r>
+              <a:rPr b="0" lang="en-US" sz="1400" spc="-1" strike="noStrike">
+                <a:solidFill>
+                  <a:srgbClr val="000000"/>
+                </a:solidFill>
+                <a:latin typeface="Liberation Serif;Times New Roman"/>
+                <a:ea typeface="Songti SC"/>
+              </a:rPr>
+              <a:t>Future Developments</a:t>
+            </a:r>
+            <a:endParaRPr b="0" lang="fr-CH" sz="1400" spc="-1" strike="noStrike">
+              <a:latin typeface="Arial"/>
+              <a:ea typeface="Microsoft YaHei"/>
+            </a:endParaRPr>
+          </a:p>
+          <a:p>
+            <a:pPr>
+              <a:lnSpc>
+                <a:spcPct val="100000"/>
+              </a:lnSpc>
+              <a:spcAft>
+                <a:spcPts val="1057"/>
+              </a:spcAft>
+              <a:buNone/>
+              <a:tabLst>
+                <a:tab algn="l" pos="0"/>
+              </a:tabLst>
+            </a:pPr>
+            <a:r>
+              <a:rPr b="1" lang="en-US" sz="1400" spc="-1" strike="noStrike">
+                <a:solidFill>
+                  <a:srgbClr val="c9211e"/>
+                </a:solidFill>
+                <a:latin typeface="Liberation Serif;Times New Roman"/>
+                <a:ea typeface="Songti SC"/>
+              </a:rPr>
+              <a:t>A</a:t>
+            </a:r>
+            <a:r>
+              <a:rPr b="1" lang="en-US" sz="1400" spc="-1" strike="noStrike">
+                <a:solidFill>
+                  <a:srgbClr val="000000"/>
+                </a:solidFill>
+                <a:latin typeface="Liberation Serif;Times New Roman"/>
+                <a:ea typeface="Songti SC"/>
+              </a:rPr>
+              <a:t>PI </a:t>
+            </a:r>
+            <a:r>
+              <a:rPr b="1" lang="en-US" sz="1400" spc="-1" strike="noStrike">
+                <a:solidFill>
+                  <a:srgbClr val="c9211e"/>
+                </a:solidFill>
+                <a:latin typeface="Liberation Serif;Times New Roman"/>
+                <a:ea typeface="Songti SC"/>
+              </a:rPr>
+              <a:t>E</a:t>
+            </a:r>
+            <a:r>
+              <a:rPr b="1" lang="en-US" sz="1400" spc="-1" strike="noStrike">
+                <a:solidFill>
+                  <a:srgbClr val="000000"/>
+                </a:solidFill>
+                <a:latin typeface="Liberation Serif;Times New Roman"/>
+                <a:ea typeface="Songti SC"/>
+              </a:rPr>
+              <a:t>xamples</a:t>
+            </a:r>
+            <a:endParaRPr b="0" lang="fr-CH" sz="1400" spc="-1" strike="noStrike">
+              <a:latin typeface="Arial"/>
+              <a:ea typeface="Microsoft YaHei"/>
+            </a:endParaRPr>
+          </a:p>
+          <a:p>
+            <a:pPr>
+              <a:lnSpc>
+                <a:spcPct val="100000"/>
+              </a:lnSpc>
+              <a:spcAft>
+                <a:spcPts val="1057"/>
+              </a:spcAft>
+              <a:buNone/>
+              <a:tabLst>
+                <a:tab algn="l" pos="0"/>
+              </a:tabLst>
+            </a:pPr>
+            <a:endParaRPr b="0" lang="fr-CH" sz="1400" spc="-1" strike="noStrike">
+              <a:latin typeface="Arial"/>
+              <a:ea typeface="Microsoft YaHei"/>
+            </a:endParaRPr>
+          </a:p>
+          <a:p>
+            <a:pPr>
+              <a:lnSpc>
+                <a:spcPct val="100000"/>
+              </a:lnSpc>
+              <a:spcAft>
+                <a:spcPts val="1057"/>
+              </a:spcAft>
+              <a:buNone/>
+              <a:tabLst>
+                <a:tab algn="l" pos="0"/>
+              </a:tabLst>
+            </a:pPr>
             <a:endParaRPr b="0" lang="fr-CH" sz="1600" spc="-1" strike="noStrike">
               <a:latin typeface="Arial"/>
-            </a:endParaRPr>
-          </a:p>
-          <a:p>
-            <a:pPr marL="259200">
+              <a:ea typeface="Microsoft YaHei"/>
+            </a:endParaRPr>
+          </a:p>
+          <a:p>
+            <a:pPr>
+              <a:lnSpc>
+                <a:spcPct val="100000"/>
+              </a:lnSpc>
+              <a:spcAft>
+                <a:spcPts val="1057"/>
+              </a:spcAft>
+              <a:buNone/>
+              <a:tabLst>
+                <a:tab algn="l" pos="0"/>
+              </a:tabLst>
+            </a:pPr>
+            <a:endParaRPr b="0" lang="fr-CH" sz="1600" spc="-1" strike="noStrike">
+              <a:latin typeface="Arial"/>
+              <a:ea typeface="Microsoft YaHei"/>
+            </a:endParaRPr>
+          </a:p>
+          <a:p>
+            <a:pPr>
               <a:lnSpc>
                 <a:spcPct val="115000"/>
               </a:lnSpc>
@@ -3110,10 +6233,11 @@
             </a:pPr>
             <a:endParaRPr b="0" lang="fr-CH" sz="2000" spc="-1" strike="noStrike">
               <a:latin typeface="Arial"/>
-            </a:endParaRPr>
-          </a:p>
-          <a:p>
-            <a:pPr marL="259200">
+              <a:ea typeface="Microsoft YaHei"/>
+            </a:endParaRPr>
+          </a:p>
+          <a:p>
+            <a:pPr>
               <a:lnSpc>
                 <a:spcPct val="115000"/>
               </a:lnSpc>
@@ -3127,10 +6251,11 @@
             </a:pPr>
             <a:endParaRPr b="0" lang="fr-CH" sz="2000" spc="-1" strike="noStrike">
               <a:latin typeface="Arial"/>
-            </a:endParaRPr>
-          </a:p>
-          <a:p>
-            <a:pPr marL="259200">
+              <a:ea typeface="Microsoft YaHei"/>
+            </a:endParaRPr>
+          </a:p>
+          <a:p>
+            <a:pPr>
               <a:lnSpc>
                 <a:spcPct val="115000"/>
               </a:lnSpc>
@@ -3144,10 +6269,11 @@
             </a:pPr>
             <a:endParaRPr b="0" lang="fr-CH" sz="2000" spc="-1" strike="noStrike">
               <a:latin typeface="Arial"/>
-            </a:endParaRPr>
-          </a:p>
-          <a:p>
-            <a:pPr marL="11520">
+              <a:ea typeface="Microsoft YaHei"/>
+            </a:endParaRPr>
+          </a:p>
+          <a:p>
+            <a:pPr>
               <a:lnSpc>
                 <a:spcPct val="100000"/>
               </a:lnSpc>
@@ -3161,10 +6287,11 @@
             </a:pPr>
             <a:endParaRPr b="0" lang="fr-CH" sz="1600" spc="-1" strike="noStrike">
               <a:latin typeface="Arial"/>
-            </a:endParaRPr>
-          </a:p>
-          <a:p>
-            <a:pPr marL="11520">
+              <a:ea typeface="Microsoft YaHei"/>
+            </a:endParaRPr>
+          </a:p>
+          <a:p>
+            <a:pPr>
               <a:lnSpc>
                 <a:spcPct val="100000"/>
               </a:lnSpc>
@@ -3178,10 +6305,11 @@
             </a:pPr>
             <a:endParaRPr b="0" lang="fr-CH" sz="1600" spc="-1" strike="noStrike">
               <a:latin typeface="Arial"/>
-            </a:endParaRPr>
-          </a:p>
-          <a:p>
-            <a:pPr marL="11520">
+              <a:ea typeface="Microsoft YaHei"/>
+            </a:endParaRPr>
+          </a:p>
+          <a:p>
+            <a:pPr>
               <a:lnSpc>
                 <a:spcPct val="115000"/>
               </a:lnSpc>
@@ -3195,10 +6323,11 @@
             </a:pPr>
             <a:endParaRPr b="0" lang="fr-CH" sz="1400" spc="-1" strike="noStrike">
               <a:latin typeface="Arial"/>
-            </a:endParaRPr>
-          </a:p>
-          <a:p>
-            <a:pPr marL="11520">
+              <a:ea typeface="Microsoft YaHei"/>
+            </a:endParaRPr>
+          </a:p>
+          <a:p>
+            <a:pPr>
               <a:lnSpc>
                 <a:spcPct val="115000"/>
               </a:lnSpc>
@@ -3212,6 +6341,7 @@
             </a:pPr>
             <a:endParaRPr b="0" lang="fr-CH" sz="1400" spc="-1" strike="noStrike">
               <a:latin typeface="Arial"/>
+              <a:ea typeface="Microsoft YaHei"/>
             </a:endParaRPr>
           </a:p>
         </p:txBody>
@@ -3229,7 +6359,7 @@
         <p:spPr>
           <a:xfrm>
             <a:off x="1189440" y="2287800"/>
-            <a:ext cx="1194480" cy="2647080"/>
+            <a:ext cx="1193760" cy="2646360"/>
           </a:xfrm>
           <a:prstGeom prst="rect">
             <a:avLst/>
@@ -3248,7 +6378,7 @@
         <p:spPr>
           <a:xfrm>
             <a:off x="1599120" y="2103840"/>
-            <a:ext cx="1416600" cy="477000"/>
+            <a:ext cx="1415880" cy="476280"/>
           </a:xfrm>
           <a:custGeom>
             <a:avLst/>
@@ -3359,7 +6489,7 @@
         <p:spPr>
           <a:xfrm>
             <a:off x="8460000" y="1296000"/>
-            <a:ext cx="1496160" cy="489960"/>
+            <a:ext cx="1495440" cy="489240"/>
           </a:xfrm>
           <a:prstGeom prst="rect">
             <a:avLst/>
@@ -3559,7 +6689,7 @@
         <p:spPr>
           <a:xfrm>
             <a:off x="2628000" y="2952000"/>
-            <a:ext cx="5234400" cy="715680"/>
+            <a:ext cx="5233680" cy="714960"/>
           </a:xfrm>
           <a:prstGeom prst="rect">
             <a:avLst/>
@@ -3592,12 +6722,42 @@
             <a:r>
               <a:rPr b="1" lang="en-US" sz="2200" spc="-1" strike="noStrike">
                 <a:solidFill>
-                  <a:srgbClr val="000000"/>
+                  <a:srgbClr val="c9211e"/>
                 </a:solidFill>
                 <a:latin typeface="Liberation Serif;Times New Roman"/>
                 <a:ea typeface="Songti SC"/>
               </a:rPr>
-              <a:t>SPECX</a:t>
+              <a:t>W</a:t>
+            </a:r>
+            <a:r>
+              <a:rPr b="1" lang="en-US" sz="2200" spc="-1" strike="noStrike">
+                <a:solidFill>
+                  <a:srgbClr val="000000"/>
+                </a:solidFill>
+                <a:latin typeface="Liberation Serif;Times New Roman"/>
+                <a:ea typeface="Songti SC"/>
+              </a:rPr>
+              <a:t>hat is </a:t>
+            </a:r>
+            <a:r>
+              <a:rPr b="1" lang="en-US" sz="2200" spc="-1" strike="noStrike">
+                <a:solidFill>
+                  <a:srgbClr val="c9211e"/>
+                </a:solidFill>
+                <a:latin typeface="Liberation Serif;Times New Roman"/>
+                <a:ea typeface="Songti SC"/>
+              </a:rPr>
+              <a:t>S</a:t>
+            </a:r>
+            <a:r>
+              <a:rPr b="1" lang="en-US" sz="2200" spc="-1" strike="noStrike">
+                <a:solidFill>
+                  <a:srgbClr val="000000"/>
+                </a:solidFill>
+                <a:latin typeface="Liberation Serif;Times New Roman"/>
+                <a:ea typeface="Songti SC"/>
+              </a:rPr>
+              <a:t>PECX?</a:t>
             </a:r>
             <a:endParaRPr b="0" lang="fr-CH" sz="2200" spc="-1" strike="noStrike">
               <a:latin typeface="Arial"/>
@@ -3655,8 +6815,54 @@
         </p:blipFill>
         <p:spPr>
           <a:xfrm>
-            <a:off x="3240000" y="2484000"/>
-            <a:ext cx="1423080" cy="1406880"/>
+            <a:off x="2412000" y="2484000"/>
+            <a:ext cx="1422360" cy="1406160"/>
+          </a:xfrm>
+          <a:prstGeom prst="rect">
+            <a:avLst/>
+          </a:prstGeom>
+          <a:ln w="0">
+            <a:noFill/>
+          </a:ln>
+        </p:spPr>
+      </p:pic>
+      <p:pic>
+        <p:nvPicPr>
+          <p:cNvPr id="52" name="" descr=""/>
+          <p:cNvPicPr/>
+          <p:nvPr/>
+        </p:nvPicPr>
+        <p:blipFill>
+          <a:blip r:embed="rId2"/>
+          <a:stretch/>
+        </p:blipFill>
+        <p:spPr>
+          <a:xfrm>
+            <a:off x="7325640" y="2509560"/>
+            <a:ext cx="1166040" cy="1116720"/>
+          </a:xfrm>
+          <a:prstGeom prst="rect">
+            <a:avLst/>
+          </a:prstGeom>
+          <a:ln w="0">
+            <a:noFill/>
+          </a:ln>
+        </p:spPr>
+      </p:pic>
+      <p:pic>
+        <p:nvPicPr>
+          <p:cNvPr id="53" name="Cycles- 1" descr=""/>
+          <p:cNvPicPr/>
+          <p:nvPr/>
+        </p:nvPicPr>
+        <p:blipFill>
+          <a:blip r:embed="rId3"/>
+          <a:stretch/>
+        </p:blipFill>
+        <p:spPr>
+          <a:xfrm>
+            <a:off x="7063560" y="2193480"/>
+            <a:ext cx="1711800" cy="1685880"/>
           </a:xfrm>
           <a:prstGeom prst="rect">
             <a:avLst/>
@@ -3698,7 +6904,7 @@
       </p:grpSpPr>
       <p:sp>
         <p:nvSpPr>
-          <p:cNvPr id="52" name="PlaceHolder 1"/>
+          <p:cNvPr id="54" name="PlaceHolder 1"/>
           <p:cNvSpPr>
             <a:spLocks noGrp="1"/>
           </p:cNvSpPr>
@@ -3709,7 +6915,7 @@
         <p:spPr>
           <a:xfrm>
             <a:off x="360000" y="225720"/>
-            <a:ext cx="9355680" cy="714600"/>
+            <a:ext cx="9354960" cy="713880"/>
           </a:xfrm>
           <a:prstGeom prst="rect">
             <a:avLst/>
@@ -3750,7 +6956,7 @@
       </p:sp>
       <p:sp>
         <p:nvSpPr>
-          <p:cNvPr id="53" name="PlaceHolder 2"/>
+          <p:cNvPr id="55" name="PlaceHolder 2"/>
           <p:cNvSpPr>
             <a:spLocks noGrp="1"/>
           </p:cNvSpPr>
@@ -3761,7 +6967,7 @@
         <p:spPr>
           <a:xfrm>
             <a:off x="360000" y="1485000"/>
-            <a:ext cx="9355680" cy="1750680"/>
+            <a:ext cx="9354960" cy="1749960"/>
           </a:xfrm>
           <a:prstGeom prst="rect">
             <a:avLst/>
@@ -3938,14 +7144,14 @@
       </p:sp>
       <p:sp>
         <p:nvSpPr>
-          <p:cNvPr id="54" name=""/>
+          <p:cNvPr id="56" name=""/>
           <p:cNvSpPr/>
           <p:nvPr/>
         </p:nvSpPr>
         <p:spPr>
           <a:xfrm>
             <a:off x="720000" y="3420000"/>
-            <a:ext cx="9175680" cy="1750680"/>
+            <a:ext cx="9174960" cy="1749960"/>
           </a:xfrm>
           <a:prstGeom prst="rect">
             <a:avLst/>
@@ -4098,6 +7304,29 @@
           </a:p>
         </p:txBody>
       </p:sp>
+      <p:pic>
+        <p:nvPicPr>
+          <p:cNvPr id="57" name="" descr=""/>
+          <p:cNvPicPr/>
+          <p:nvPr/>
+        </p:nvPicPr>
+        <p:blipFill>
+          <a:blip r:embed="rId1"/>
+          <a:stretch/>
+        </p:blipFill>
+        <p:spPr>
+          <a:xfrm>
+            <a:off x="8421480" y="1450080"/>
+            <a:ext cx="1298520" cy="1197000"/>
+          </a:xfrm>
+          <a:prstGeom prst="rect">
+            <a:avLst/>
+          </a:prstGeom>
+          <a:ln w="10800">
+            <a:noFill/>
+          </a:ln>
+        </p:spPr>
+      </p:pic>
     </p:spTree>
   </p:cSld>
   <mc:AlternateContent>
@@ -4130,7 +7359,7 @@
       </p:grpSpPr>
       <p:sp>
         <p:nvSpPr>
-          <p:cNvPr id="55" name="PlaceHolder 1"/>
+          <p:cNvPr id="58" name="PlaceHolder 1"/>
           <p:cNvSpPr>
             <a:spLocks noGrp="1"/>
           </p:cNvSpPr>
@@ -4141,7 +7370,7 @@
         <p:spPr>
           <a:xfrm>
             <a:off x="360000" y="225720"/>
-            <a:ext cx="9355680" cy="714600"/>
+            <a:ext cx="9354960" cy="713880"/>
           </a:xfrm>
           <a:prstGeom prst="rect">
             <a:avLst/>
@@ -4182,7 +7411,7 @@
       </p:sp>
       <p:sp>
         <p:nvSpPr>
-          <p:cNvPr id="56" name="PlaceHolder 2"/>
+          <p:cNvPr id="59" name="PlaceHolder 2"/>
           <p:cNvSpPr>
             <a:spLocks noGrp="1"/>
           </p:cNvSpPr>
@@ -4193,7 +7422,7 @@
         <p:spPr>
           <a:xfrm>
             <a:off x="110880" y="1296000"/>
-            <a:ext cx="3667680" cy="4102560"/>
+            <a:ext cx="3666960" cy="4101840"/>
           </a:xfrm>
           <a:prstGeom prst="rect">
             <a:avLst/>
@@ -4402,7 +7631,7 @@
       </p:sp>
       <p:pic>
         <p:nvPicPr>
-          <p:cNvPr id="57" name="" descr=""/>
+          <p:cNvPr id="60" name="" descr=""/>
           <p:cNvPicPr/>
           <p:nvPr/>
         </p:nvPicPr>
@@ -4413,7 +7642,7 @@
         <p:spPr>
           <a:xfrm>
             <a:off x="4135680" y="1836000"/>
-            <a:ext cx="5834880" cy="3451680"/>
+            <a:ext cx="5834160" cy="3450960"/>
           </a:xfrm>
           <a:prstGeom prst="rect">
             <a:avLst/>
@@ -4428,7 +7657,7 @@
       </p:pic>
       <p:pic>
         <p:nvPicPr>
-          <p:cNvPr id="58" name="" descr=""/>
+          <p:cNvPr id="61" name="" descr=""/>
           <p:cNvPicPr/>
           <p:nvPr/>
         </p:nvPicPr>
@@ -4439,7 +7668,7 @@
         <p:spPr>
           <a:xfrm>
             <a:off x="9000000" y="60840"/>
-            <a:ext cx="1016640" cy="1016640"/>
+            <a:ext cx="1015920" cy="1015920"/>
           </a:xfrm>
           <a:prstGeom prst="rect">
             <a:avLst/>
@@ -4481,18 +7710,14 @@
       </p:grpSpPr>
       <p:sp>
         <p:nvSpPr>
-          <p:cNvPr id="59" name="PlaceHolder 1"/>
-          <p:cNvSpPr>
-            <a:spLocks noGrp="1"/>
-          </p:cNvSpPr>
-          <p:nvPr>
-            <p:ph type="title"/>
-          </p:nvPr>
-        </p:nvSpPr>
-        <p:spPr>
-          <a:xfrm>
-            <a:off x="360000" y="225720"/>
-            <a:ext cx="9355680" cy="714600"/>
+          <p:cNvPr id="62" name="PlaceHolder 3"/>
+          <p:cNvSpPr/>
+          <p:nvPr/>
+        </p:nvSpPr>
+        <p:spPr>
+          <a:xfrm>
+            <a:off x="354960" y="226080"/>
+            <a:ext cx="9354960" cy="713880"/>
           </a:xfrm>
           <a:prstGeom prst="rect">
             <a:avLst/>
@@ -4502,6 +7727,12 @@
             <a:noFill/>
           </a:ln>
         </p:spPr>
+        <p:style>
+          <a:lnRef idx="0"/>
+          <a:fillRef idx="0"/>
+          <a:effectRef idx="0"/>
+          <a:fontRef idx="minor"/>
+        </p:style>
         <p:txBody>
           <a:bodyPr lIns="0" rIns="0" tIns="0" bIns="0" anchor="ctr">
             <a:noAutofit/>
@@ -4523,266 +7754,9 @@
                 </a:solidFill>
                 <a:latin typeface="Source Sans Pro Black"/>
               </a:rPr>
-              <a:t>SPECX</a:t>
+              <a:t>SPECX: Runtime Interface</a:t>
             </a:r>
             <a:endParaRPr b="0" lang="fr-CH" sz="2700" spc="-1" strike="noStrike">
-              <a:latin typeface="Arial"/>
-            </a:endParaRPr>
-          </a:p>
-        </p:txBody>
-      </p:sp>
-      <p:sp>
-        <p:nvSpPr>
-          <p:cNvPr id="60" name="PlaceHolder 2"/>
-          <p:cNvSpPr>
-            <a:spLocks noGrp="1"/>
-          </p:cNvSpPr>
-          <p:nvPr>
-            <p:ph/>
-          </p:nvPr>
-        </p:nvSpPr>
-        <p:spPr>
-          <a:xfrm>
-            <a:off x="360000" y="1800000"/>
-            <a:ext cx="9355680" cy="3418560"/>
-          </a:xfrm>
-          <a:prstGeom prst="rect">
-            <a:avLst/>
-          </a:prstGeom>
-          <a:noFill/>
-          <a:ln w="0">
-            <a:noFill/>
-          </a:ln>
-        </p:spPr>
-        <p:txBody>
-          <a:bodyPr lIns="0" rIns="0" tIns="0" bIns="0" anchor="t">
-            <a:normAutofit/>
-          </a:bodyPr>
-          <a:p>
-            <a:pPr marL="432000">
-              <a:lnSpc>
-                <a:spcPct val="100000"/>
-              </a:lnSpc>
-              <a:spcAft>
-                <a:spcPts val="1057"/>
-              </a:spcAft>
-              <a:buNone/>
-              <a:tabLst>
-                <a:tab algn="l" pos="0"/>
-              </a:tabLst>
-            </a:pPr>
-            <a:r>
-              <a:rPr b="1" lang="en-US" sz="2000" spc="-1" strike="noStrike">
-                <a:solidFill>
-                  <a:srgbClr val="2c3e50"/>
-                </a:solidFill>
-                <a:latin typeface="Arial"/>
-              </a:rPr>
-              <a:t>Future developments</a:t>
-            </a:r>
-            <a:endParaRPr b="0" lang="fr-CH" sz="2000" spc="-1" strike="noStrike">
-              <a:latin typeface="Arial"/>
-            </a:endParaRPr>
-          </a:p>
-          <a:p>
-            <a:pPr marL="720000" indent="-324000">
-              <a:lnSpc>
-                <a:spcPct val="100000"/>
-              </a:lnSpc>
-              <a:spcAft>
-                <a:spcPts val="1057"/>
-              </a:spcAft>
-              <a:buClr>
-                <a:srgbClr val="2c3e50"/>
-              </a:buClr>
-              <a:buSzPct val="45000"/>
-              <a:buFont typeface="Wingdings" charset="2"/>
-              <a:buChar char=""/>
-              <a:tabLst>
-                <a:tab algn="l" pos="0"/>
-              </a:tabLst>
-            </a:pPr>
-            <a:r>
-              <a:rPr b="0" lang="en-US" sz="1400" spc="-1" strike="noStrike">
-                <a:solidFill>
-                  <a:srgbClr val="2c3e50"/>
-                </a:solidFill>
-                <a:latin typeface="Arial"/>
-              </a:rPr>
-              <a:t>The main objective is to reduce the calculation times, </a:t>
-            </a:r>
-            <a:endParaRPr b="0" lang="fr-CH" sz="1400" spc="-1" strike="noStrike">
-              <a:latin typeface="Arial"/>
-            </a:endParaRPr>
-          </a:p>
-          <a:p>
-            <a:pPr marL="720000" indent="-324000">
-              <a:lnSpc>
-                <a:spcPct val="100000"/>
-              </a:lnSpc>
-              <a:spcAft>
-                <a:spcPts val="1057"/>
-              </a:spcAft>
-              <a:buClr>
-                <a:srgbClr val="2c3e50"/>
-              </a:buClr>
-              <a:buSzPct val="45000"/>
-              <a:buFont typeface="Wingdings" charset="2"/>
-              <a:buChar char=""/>
-              <a:tabLst>
-                <a:tab algn="l" pos="0"/>
-              </a:tabLst>
-            </a:pPr>
-            <a:r>
-              <a:rPr b="0" lang="en-US" sz="1400" spc="-1" strike="noStrike">
-                <a:solidFill>
-                  <a:srgbClr val="2c3e50"/>
-                </a:solidFill>
-                <a:latin typeface="Arial"/>
-              </a:rPr>
-              <a:t>To manage the use of the different calculation resources, the different typical workloads, in particular in the case of multicore machines equipped with several acceleration machines.</a:t>
-            </a:r>
-            <a:endParaRPr b="0" lang="fr-CH" sz="1400" spc="-1" strike="noStrike">
-              <a:latin typeface="Arial"/>
-            </a:endParaRPr>
-          </a:p>
-          <a:p>
-            <a:pPr marL="720000" indent="-324000">
-              <a:lnSpc>
-                <a:spcPct val="100000"/>
-              </a:lnSpc>
-              <a:spcAft>
-                <a:spcPts val="1057"/>
-              </a:spcAft>
-              <a:buClr>
-                <a:srgbClr val="2c3e50"/>
-              </a:buClr>
-              <a:buSzPct val="45000"/>
-              <a:buFont typeface="Wingdings" charset="2"/>
-              <a:buChar char=""/>
-              <a:tabLst>
-                <a:tab algn="l" pos="0"/>
-              </a:tabLst>
-            </a:pPr>
-            <a:r>
-              <a:rPr b="0" lang="en-US" sz="1400" spc="-1" strike="noStrike">
-                <a:solidFill>
-                  <a:srgbClr val="000000"/>
-                </a:solidFill>
-                <a:latin typeface="Arial"/>
-              </a:rPr>
-              <a:t>Plan to separate thread management from execution. </a:t>
-            </a:r>
-            <a:r>
-              <a:rPr b="0" lang="en-US" sz="1400" spc="-1" strike="noStrike">
-                <a:latin typeface="Times New Roman"/>
-                <a:ea typeface="Microsoft YaHei"/>
-              </a:rPr>
-              <a:t>To change the prototype of the predicate, to be able to consider additional data or different to make the decision.</a:t>
-            </a:r>
-            <a:endParaRPr b="0" lang="fr-CH" sz="1400" spc="-1" strike="noStrike">
-              <a:latin typeface="Arial"/>
-            </a:endParaRPr>
-          </a:p>
-          <a:p>
-            <a:pPr marL="720000" indent="-324000">
-              <a:lnSpc>
-                <a:spcPct val="100000"/>
-              </a:lnSpc>
-              <a:spcAft>
-                <a:spcPts val="1057"/>
-              </a:spcAft>
-              <a:buClr>
-                <a:srgbClr val="2c3e50"/>
-              </a:buClr>
-              <a:buSzPct val="45000"/>
-              <a:buFont typeface="Wingdings" charset="2"/>
-              <a:buChar char=""/>
-              <a:tabLst>
-                <a:tab algn="l" pos="0"/>
-              </a:tabLst>
-            </a:pPr>
-            <a:r>
-              <a:rPr b="0" lang="en-US" sz="1400" spc="-1" strike="noStrike">
-                <a:latin typeface="Times New Roman"/>
-                <a:ea typeface="Microsoft YaHei"/>
-              </a:rPr>
-              <a:t>Develop decision graphs to optimize available hybrid resources (CPU, GPU, GPGPU, TPU,...) to increase computational speed for given problems.</a:t>
-            </a:r>
-            <a:endParaRPr b="0" lang="fr-CH" sz="1400" spc="-1" strike="noStrike">
-              <a:latin typeface="Arial"/>
-            </a:endParaRPr>
-          </a:p>
-          <a:p>
-            <a:pPr marL="720000" indent="-324000">
-              <a:lnSpc>
-                <a:spcPct val="100000"/>
-              </a:lnSpc>
-              <a:spcAft>
-                <a:spcPts val="1057"/>
-              </a:spcAft>
-              <a:buClr>
-                <a:srgbClr val="2c3e50"/>
-              </a:buClr>
-              <a:buSzPct val="45000"/>
-              <a:buFont typeface="Wingdings" charset="2"/>
-              <a:buChar char=""/>
-              <a:tabLst>
-                <a:tab algn="l" pos="0"/>
-              </a:tabLst>
-            </a:pPr>
-            <a:r>
-              <a:rPr b="0" lang="en-US" sz="1300" spc="-1" strike="noStrike">
-                <a:latin typeface="Times New Roman"/>
-                <a:ea typeface="Microsoft YaHei"/>
-              </a:rPr>
-              <a:t>To provide effective and high -performance tools to the user.</a:t>
-            </a:r>
-            <a:endParaRPr b="0" lang="fr-CH" sz="1300" spc="-1" strike="noStrike">
-              <a:latin typeface="Arial"/>
-            </a:endParaRPr>
-          </a:p>
-          <a:p>
-            <a:pPr>
-              <a:lnSpc>
-                <a:spcPct val="100000"/>
-              </a:lnSpc>
-              <a:spcAft>
-                <a:spcPts val="1057"/>
-              </a:spcAft>
-              <a:buNone/>
-              <a:tabLst>
-                <a:tab algn="l" pos="0"/>
-              </a:tabLst>
-            </a:pPr>
-            <a:endParaRPr b="0" lang="fr-CH" sz="1300" spc="-1" strike="noStrike">
-              <a:latin typeface="Arial"/>
-            </a:endParaRPr>
-          </a:p>
-          <a:p>
-            <a:pPr marL="432000">
-              <a:lnSpc>
-                <a:spcPct val="100000"/>
-              </a:lnSpc>
-              <a:spcAft>
-                <a:spcPts val="1057"/>
-              </a:spcAft>
-              <a:buNone/>
-              <a:tabLst>
-                <a:tab algn="l" pos="0"/>
-              </a:tabLst>
-            </a:pPr>
-            <a:r>
-              <a:rPr b="0" lang="en-US" sz="1400" spc="-1" strike="noStrike">
-                <a:solidFill>
-                  <a:srgbClr val="2c3e50"/>
-                </a:solidFill>
-                <a:latin typeface="Times New Roman"/>
-                <a:ea typeface="Microsoft YaHei"/>
-              </a:rPr>
-              <a:t> </a:t>
-            </a:r>
-            <a:endParaRPr b="0" lang="fr-CH" sz="1400" spc="-1" strike="noStrike">
               <a:latin typeface="Arial"/>
             </a:endParaRPr>
           </a:p>
@@ -4790,7 +7764,7 @@
       </p:sp>
       <p:pic>
         <p:nvPicPr>
-          <p:cNvPr id="61" name="" descr=""/>
+          <p:cNvPr id="63" name="" descr=""/>
           <p:cNvPicPr/>
           <p:nvPr/>
         </p:nvPicPr>
@@ -4800,8 +7774,8 @@
         </p:blipFill>
         <p:spPr>
           <a:xfrm>
-            <a:off x="7055280" y="4106880"/>
-            <a:ext cx="2303280" cy="931680"/>
+            <a:off x="8994960" y="61200"/>
+            <a:ext cx="1015920" cy="1015920"/>
           </a:xfrm>
           <a:prstGeom prst="rect">
             <a:avLst/>
@@ -4811,6 +7785,211 @@
           </a:ln>
         </p:spPr>
       </p:pic>
+      <p:sp>
+        <p:nvSpPr>
+          <p:cNvPr id="64" name=""/>
+          <p:cNvSpPr/>
+          <p:nvPr/>
+        </p:nvSpPr>
+        <p:spPr>
+          <a:xfrm>
+            <a:off x="360000" y="2034360"/>
+            <a:ext cx="9539640" cy="2645280"/>
+          </a:xfrm>
+          <a:prstGeom prst="rect">
+            <a:avLst/>
+          </a:prstGeom>
+          <a:noFill/>
+          <a:ln w="0">
+            <a:noFill/>
+          </a:ln>
+        </p:spPr>
+        <p:style>
+          <a:lnRef idx="0"/>
+          <a:fillRef idx="0"/>
+          <a:effectRef idx="0"/>
+          <a:fontRef idx="minor"/>
+        </p:style>
+        <p:txBody>
+          <a:bodyPr lIns="90000" rIns="90000" tIns="45000" bIns="45000" anchor="t">
+            <a:noAutofit/>
+          </a:bodyPr>
+          <a:p>
+            <a:pPr>
+              <a:lnSpc>
+                <a:spcPct val="100000"/>
+              </a:lnSpc>
+              <a:buNone/>
+            </a:pPr>
+            <a:r>
+              <a:rPr b="0" lang="en-US" sz="1400" spc="-1" strike="noStrike">
+                <a:latin typeface="Times New Roman"/>
+              </a:rPr>
+              <a:t>The runtime's functionality is exposed through a class called </a:t>
+            </a:r>
+            <a:r>
+              <a:rPr b="1" lang="en-US" sz="1400" spc="-1" strike="noStrike">
+                <a:solidFill>
+                  <a:srgbClr val="2a6099"/>
+                </a:solidFill>
+                <a:latin typeface="Times New Roman"/>
+              </a:rPr>
+              <a:t>SpRuntime</a:t>
+            </a:r>
+            <a:r>
+              <a:rPr b="0" lang="en-US" sz="1400" spc="-1" strike="noStrike">
+                <a:latin typeface="Times New Roman"/>
+              </a:rPr>
+              <a:t>. </a:t>
+            </a:r>
+            <a:endParaRPr b="0" lang="fr-CH" sz="1400" spc="-1" strike="noStrike">
+              <a:latin typeface="Arial"/>
+            </a:endParaRPr>
+          </a:p>
+          <a:p>
+            <a:pPr>
+              <a:lnSpc>
+                <a:spcPct val="100000"/>
+              </a:lnSpc>
+              <a:buNone/>
+            </a:pPr>
+            <a:endParaRPr b="0" lang="fr-CH" sz="1400" spc="-1" strike="noStrike">
+              <a:latin typeface="Arial"/>
+            </a:endParaRPr>
+          </a:p>
+          <a:p>
+            <a:pPr>
+              <a:lnSpc>
+                <a:spcPct val="100000"/>
+              </a:lnSpc>
+              <a:buNone/>
+            </a:pPr>
+            <a:r>
+              <a:rPr b="0" lang="en-US" sz="1400" spc="-1" strike="noStrike">
+                <a:latin typeface="Times New Roman"/>
+              </a:rPr>
+              <a:t>This class provides task creation, task graph and trace generation facilities.</a:t>
+            </a:r>
+            <a:endParaRPr b="0" lang="fr-CH" sz="1400" spc="-1" strike="noStrike">
+              <a:latin typeface="Arial"/>
+            </a:endParaRPr>
+          </a:p>
+          <a:p>
+            <a:pPr>
+              <a:lnSpc>
+                <a:spcPct val="100000"/>
+              </a:lnSpc>
+              <a:buNone/>
+            </a:pPr>
+            <a:endParaRPr b="0" lang="fr-CH" sz="1400" spc="-1" strike="noStrike">
+              <a:latin typeface="Arial"/>
+            </a:endParaRPr>
+          </a:p>
+          <a:p>
+            <a:pPr>
+              <a:lnSpc>
+                <a:spcPct val="100000"/>
+              </a:lnSpc>
+              <a:buNone/>
+            </a:pPr>
+            <a:r>
+              <a:rPr b="0" lang="en-US" sz="1400" spc="-1" strike="noStrike">
+                <a:latin typeface="Times New Roman"/>
+              </a:rPr>
+              <a:t>The </a:t>
+            </a:r>
+            <a:r>
+              <a:rPr b="1" lang="en-US" sz="1400" spc="-1" strike="noStrike">
+                <a:solidFill>
+                  <a:srgbClr val="2a6099"/>
+                </a:solidFill>
+                <a:latin typeface="Times New Roman"/>
+              </a:rPr>
+              <a:t>SpRuntime</a:t>
+            </a:r>
+            <a:r>
+              <a:rPr b="0" lang="en-US" sz="1400" spc="-1" strike="noStrike">
+                <a:latin typeface="Times New Roman"/>
+              </a:rPr>
+              <a:t> class is templated on a non type parameter that can be used to specify which speculation model you want to use.</a:t>
+            </a:r>
+            <a:endParaRPr b="0" lang="fr-CH" sz="1400" spc="-1" strike="noStrike">
+              <a:latin typeface="Arial"/>
+            </a:endParaRPr>
+          </a:p>
+          <a:p>
+            <a:pPr>
+              <a:lnSpc>
+                <a:spcPct val="100000"/>
+              </a:lnSpc>
+              <a:buNone/>
+            </a:pPr>
+            <a:endParaRPr b="0" lang="fr-CH" sz="1400" spc="-1" strike="noStrike">
+              <a:latin typeface="Arial"/>
+            </a:endParaRPr>
+          </a:p>
+          <a:p>
+            <a:pPr>
+              <a:lnSpc>
+                <a:spcPct val="100000"/>
+              </a:lnSpc>
+              <a:buNone/>
+            </a:pPr>
+            <a:r>
+              <a:rPr b="0" lang="en-US" sz="1400" spc="-1" strike="noStrike">
+                <a:latin typeface="Times New Roman"/>
+              </a:rPr>
+              <a:t>The runtime's contructor takes as a parameter the number of threads it should spawn.</a:t>
+            </a:r>
+            <a:endParaRPr b="0" lang="fr-CH" sz="1400" spc="-1" strike="noStrike">
+              <a:latin typeface="Arial"/>
+            </a:endParaRPr>
+          </a:p>
+          <a:p>
+            <a:pPr>
+              <a:lnSpc>
+                <a:spcPct val="100000"/>
+              </a:lnSpc>
+              <a:buNone/>
+            </a:pPr>
+            <a:endParaRPr b="0" lang="fr-CH" sz="1400" spc="-1" strike="noStrike">
+              <a:latin typeface="Arial"/>
+            </a:endParaRPr>
+          </a:p>
+          <a:p>
+            <a:pPr>
+              <a:lnSpc>
+                <a:spcPct val="100000"/>
+              </a:lnSpc>
+              <a:buNone/>
+            </a:pPr>
+            <a:r>
+              <a:rPr b="0" lang="en-US" sz="1400" spc="-1" strike="noStrike">
+                <a:latin typeface="Times New Roman"/>
+              </a:rPr>
+              <a:t>By default the parameter is initialized to the number indicated by the </a:t>
+            </a:r>
+            <a:r>
+              <a:rPr b="1" lang="en-US" sz="1400" spc="-1" strike="noStrike">
+                <a:solidFill>
+                  <a:srgbClr val="2a6099"/>
+                </a:solidFill>
+                <a:latin typeface="Times New Roman"/>
+              </a:rPr>
+              <a:t>OMP_NUM_THREADS</a:t>
+            </a:r>
+            <a:r>
+              <a:rPr b="0" lang="en-US" sz="1400" spc="-1" strike="noStrike">
+                <a:latin typeface="Times New Roman"/>
+              </a:rPr>
+              <a:t> environment variable.</a:t>
+            </a:r>
+            <a:endParaRPr b="0" lang="fr-CH" sz="1400" spc="-1" strike="noStrike">
+              <a:latin typeface="Arial"/>
+            </a:endParaRPr>
+          </a:p>
+        </p:txBody>
+      </p:sp>
     </p:spTree>
   </p:cSld>
   <mc:AlternateContent>
@@ -4841,6 +8020,626 @@
           <a:chExt cx="0" cy="0"/>
         </a:xfrm>
       </p:grpSpPr>
+      <p:sp>
+        <p:nvSpPr>
+          <p:cNvPr id="65" name="PlaceHolder 9"/>
+          <p:cNvSpPr/>
+          <p:nvPr/>
+        </p:nvSpPr>
+        <p:spPr>
+          <a:xfrm>
+            <a:off x="354960" y="226080"/>
+            <a:ext cx="9354960" cy="713880"/>
+          </a:xfrm>
+          <a:prstGeom prst="rect">
+            <a:avLst/>
+          </a:prstGeom>
+          <a:noFill/>
+          <a:ln w="0">
+            <a:noFill/>
+          </a:ln>
+        </p:spPr>
+        <p:style>
+          <a:lnRef idx="0"/>
+          <a:fillRef idx="0"/>
+          <a:effectRef idx="0"/>
+          <a:fontRef idx="minor"/>
+        </p:style>
+        <p:txBody>
+          <a:bodyPr lIns="0" rIns="0" tIns="0" bIns="0" anchor="ctr">
+            <a:noAutofit/>
+          </a:bodyPr>
+          <a:p>
+            <a:pPr>
+              <a:lnSpc>
+                <a:spcPct val="100000"/>
+              </a:lnSpc>
+              <a:buNone/>
+              <a:tabLst>
+                <a:tab algn="l" pos="0"/>
+              </a:tabLst>
+            </a:pPr>
+            <a:r>
+              <a:rPr b="1" lang="en-US" sz="2700" spc="-1" strike="noStrike">
+                <a:solidFill>
+                  <a:srgbClr val="ffffff"/>
+                </a:solidFill>
+                <a:latin typeface="Source Sans Pro Black"/>
+              </a:rPr>
+              <a:t>SPECX: Runtime Interface</a:t>
+            </a:r>
+            <a:endParaRPr b="0" lang="fr-CH" sz="2700" spc="-1" strike="noStrike">
+              <a:latin typeface="Arial"/>
+            </a:endParaRPr>
+          </a:p>
+        </p:txBody>
+      </p:sp>
+      <p:pic>
+        <p:nvPicPr>
+          <p:cNvPr id="66" name="" descr=""/>
+          <p:cNvPicPr/>
+          <p:nvPr/>
+        </p:nvPicPr>
+        <p:blipFill>
+          <a:blip r:embed="rId1"/>
+          <a:stretch/>
+        </p:blipFill>
+        <p:spPr>
+          <a:xfrm>
+            <a:off x="8994960" y="61200"/>
+            <a:ext cx="1015920" cy="1015920"/>
+          </a:xfrm>
+          <a:prstGeom prst="rect">
+            <a:avLst/>
+          </a:prstGeom>
+          <a:ln w="0">
+            <a:noFill/>
+          </a:ln>
+        </p:spPr>
+      </p:pic>
+      <p:sp>
+        <p:nvSpPr>
+          <p:cNvPr id="67" name=""/>
+          <p:cNvSpPr/>
+          <p:nvPr/>
+        </p:nvSpPr>
+        <p:spPr>
+          <a:xfrm>
+            <a:off x="336240" y="2772000"/>
+            <a:ext cx="9743400" cy="876240"/>
+          </a:xfrm>
+          <a:prstGeom prst="rect">
+            <a:avLst/>
+          </a:prstGeom>
+          <a:noFill/>
+          <a:ln w="0">
+            <a:noFill/>
+          </a:ln>
+        </p:spPr>
+        <p:style>
+          <a:lnRef idx="0"/>
+          <a:fillRef idx="0"/>
+          <a:effectRef idx="0"/>
+          <a:fontRef idx="minor"/>
+        </p:style>
+        <p:txBody>
+          <a:bodyPr lIns="90000" rIns="90000" tIns="45000" bIns="45000" anchor="t">
+            <a:noAutofit/>
+          </a:bodyPr>
+          <a:p>
+            <a:pPr>
+              <a:lnSpc>
+                <a:spcPct val="100000"/>
+              </a:lnSpc>
+              <a:buNone/>
+            </a:pPr>
+            <a:r>
+              <a:rPr b="0" lang="fr-CH" sz="1400" spc="-1" strike="noStrike">
+                <a:latin typeface="Times New Roman"/>
+              </a:rPr>
+              <a:t>The inPriority parameter specifies a priority for the task. </a:t>
+            </a:r>
+            <a:endParaRPr b="0" lang="fr-CH" sz="1400" spc="-1" strike="noStrike">
+              <a:latin typeface="Arial"/>
+            </a:endParaRPr>
+          </a:p>
+          <a:p>
+            <a:pPr>
+              <a:lnSpc>
+                <a:spcPct val="100000"/>
+              </a:lnSpc>
+              <a:buNone/>
+            </a:pPr>
+            <a:endParaRPr b="0" lang="fr-CH" sz="1400" spc="-1" strike="noStrike">
+              <a:latin typeface="Arial"/>
+            </a:endParaRPr>
+          </a:p>
+          <a:p>
+            <a:pPr>
+              <a:lnSpc>
+                <a:spcPct val="100000"/>
+              </a:lnSpc>
+              <a:buNone/>
+            </a:pPr>
+            <a:r>
+              <a:rPr b="0" lang="fr-CH" sz="1400" spc="-1" strike="noStrike">
+                <a:latin typeface="Times New Roman"/>
+              </a:rPr>
+              <a:t>The inProbability parameter is an object used to specify the probability with which the task may write to its maybe-written data dependencies. </a:t>
+            </a:r>
+            <a:endParaRPr b="0" lang="fr-CH" sz="1400" spc="-1" strike="noStrike">
+              <a:latin typeface="Arial"/>
+            </a:endParaRPr>
+          </a:p>
+        </p:txBody>
+      </p:sp>
+      <p:sp>
+        <p:nvSpPr>
+          <p:cNvPr id="68" name=""/>
+          <p:cNvSpPr/>
+          <p:nvPr/>
+        </p:nvSpPr>
+        <p:spPr>
+          <a:xfrm>
+            <a:off x="914760" y="1566000"/>
+            <a:ext cx="9056880" cy="1097640"/>
+          </a:xfrm>
+          <a:prstGeom prst="rect">
+            <a:avLst/>
+          </a:prstGeom>
+          <a:noFill/>
+          <a:ln w="0">
+            <a:noFill/>
+          </a:ln>
+        </p:spPr>
+        <p:style>
+          <a:lnRef idx="0"/>
+          <a:fillRef idx="0"/>
+          <a:effectRef idx="0"/>
+          <a:fontRef idx="minor"/>
+        </p:style>
+        <p:txBody>
+          <a:bodyPr lIns="90000" rIns="90000" tIns="45000" bIns="45000" anchor="t">
+            <a:noAutofit/>
+          </a:bodyPr>
+          <a:p>
+            <a:pPr>
+              <a:lnSpc>
+                <a:spcPct val="100000"/>
+              </a:lnSpc>
+              <a:buNone/>
+            </a:pPr>
+            <a:r>
+              <a:rPr b="0" lang="fr-CH" sz="1400" spc="-1" strike="noStrike">
+                <a:latin typeface="Times New Roman"/>
+              </a:rPr>
+              <a:t>auto </a:t>
+            </a:r>
+            <a:r>
+              <a:rPr b="1" lang="fr-CH" sz="1400" spc="-1" strike="noStrike">
+                <a:latin typeface="Times New Roman"/>
+              </a:rPr>
+              <a:t>task</a:t>
+            </a:r>
+            <a:r>
+              <a:rPr b="0" lang="fr-CH" sz="1400" spc="-1" strike="noStrike">
+                <a:latin typeface="Times New Roman"/>
+              </a:rPr>
+              <a:t>([optional] </a:t>
+            </a:r>
+            <a:r>
+              <a:rPr b="1" lang="fr-CH" sz="1400" spc="-1" strike="noStrike">
+                <a:solidFill>
+                  <a:srgbClr val="2a6099"/>
+                </a:solidFill>
+                <a:latin typeface="Times New Roman"/>
+              </a:rPr>
+              <a:t>SpPriority</a:t>
+            </a:r>
+            <a:r>
+              <a:rPr b="0" lang="fr-CH" sz="1400" spc="-1" strike="noStrike">
+                <a:latin typeface="Times New Roman"/>
+              </a:rPr>
+              <a:t> inPriority, [optional]</a:t>
+            </a:r>
+            <a:r>
+              <a:rPr b="1" lang="fr-CH" sz="1400" spc="-1" strike="noStrike">
+                <a:solidFill>
+                  <a:srgbClr val="2a6099"/>
+                </a:solidFill>
+                <a:latin typeface="Times New Roman"/>
+              </a:rPr>
+              <a:t> SpProbability</a:t>
+            </a:r>
+            <a:r>
+              <a:rPr b="0" lang="fr-CH" sz="1400" spc="-1" strike="noStrike">
+                <a:latin typeface="Times New Roman"/>
+              </a:rPr>
+              <a:t> inProbability,</a:t>
+            </a:r>
+            <a:endParaRPr b="0" lang="fr-CH" sz="1400" spc="-1" strike="noStrike">
+              <a:latin typeface="Arial"/>
+            </a:endParaRPr>
+          </a:p>
+          <a:p>
+            <a:pPr>
+              <a:lnSpc>
+                <a:spcPct val="100000"/>
+              </a:lnSpc>
+              <a:buNone/>
+            </a:pPr>
+            <a:r>
+              <a:rPr b="0" lang="fr-CH" sz="1400" spc="-1" strike="noStrike">
+                <a:latin typeface="Times New Roman"/>
+              </a:rPr>
+              <a:t>[optional] &lt;DataDependencyTy&gt; do..., &lt;CallableTy&gt; c)</a:t>
+            </a:r>
+            <a:r>
+              <a:rPr b="1" lang="fr-CH" sz="1400" spc="-1" strike="noStrike">
+                <a:solidFill>
+                  <a:srgbClr val="ff0000"/>
+                </a:solidFill>
+                <a:latin typeface="Times New Roman"/>
+              </a:rPr>
+              <a:t> (1)</a:t>
+            </a:r>
+            <a:endParaRPr b="0" lang="fr-CH" sz="1400" spc="-1" strike="noStrike">
+              <a:latin typeface="Arial"/>
+            </a:endParaRPr>
+          </a:p>
+          <a:p>
+            <a:pPr>
+              <a:lnSpc>
+                <a:spcPct val="100000"/>
+              </a:lnSpc>
+              <a:buNone/>
+            </a:pPr>
+            <a:endParaRPr b="0" lang="fr-CH" sz="1400" spc="-1" strike="noStrike">
+              <a:latin typeface="Arial"/>
+            </a:endParaRPr>
+          </a:p>
+          <a:p>
+            <a:pPr>
+              <a:lnSpc>
+                <a:spcPct val="100000"/>
+              </a:lnSpc>
+              <a:buNone/>
+            </a:pPr>
+            <a:r>
+              <a:rPr b="0" lang="fr-CH" sz="1400" spc="-1" strike="noStrike">
+                <a:latin typeface="Times New Roman"/>
+              </a:rPr>
+              <a:t>auto </a:t>
+            </a:r>
+            <a:r>
+              <a:rPr b="1" lang="fr-CH" sz="1400" spc="-1" strike="noStrike">
+                <a:latin typeface="Times New Roman"/>
+              </a:rPr>
+              <a:t>task</a:t>
+            </a:r>
+            <a:r>
+              <a:rPr b="0" lang="fr-CH" sz="1400" spc="-1" strike="noStrike">
+                <a:latin typeface="Times New Roman"/>
+              </a:rPr>
+              <a:t>([optional] </a:t>
+            </a:r>
+            <a:r>
+              <a:rPr b="1" lang="fr-CH" sz="1400" spc="-1" strike="noStrike">
+                <a:solidFill>
+                  <a:srgbClr val="2a6099"/>
+                </a:solidFill>
+                <a:latin typeface="Times New Roman"/>
+              </a:rPr>
+              <a:t>SpPriority</a:t>
+            </a:r>
+            <a:r>
+              <a:rPr b="0" lang="fr-CH" sz="1400" spc="-1" strike="noStrike">
+                <a:latin typeface="Times New Roman"/>
+              </a:rPr>
+              <a:t> inPriority, [optional]</a:t>
+            </a:r>
+            <a:r>
+              <a:rPr b="1" lang="fr-CH" sz="1400" spc="-1" strike="noStrike">
+                <a:solidFill>
+                  <a:srgbClr val="2a6099"/>
+                </a:solidFill>
+                <a:latin typeface="Times New Roman"/>
+              </a:rPr>
+              <a:t> SpProbability</a:t>
+            </a:r>
+            <a:r>
+              <a:rPr b="0" lang="fr-CH" sz="1400" spc="-1" strike="noStrike">
+                <a:latin typeface="Times New Roman"/>
+              </a:rPr>
+              <a:t> inProbability,</a:t>
+            </a:r>
+            <a:endParaRPr b="0" lang="fr-CH" sz="1400" spc="-1" strike="noStrike">
+              <a:latin typeface="Arial"/>
+            </a:endParaRPr>
+          </a:p>
+          <a:p>
+            <a:pPr>
+              <a:lnSpc>
+                <a:spcPct val="100000"/>
+              </a:lnSpc>
+              <a:buNone/>
+            </a:pPr>
+            <a:r>
+              <a:rPr b="0" lang="fr-CH" sz="1400" spc="-1" strike="noStrike">
+                <a:latin typeface="Times New Roman"/>
+              </a:rPr>
+              <a:t>[optional] &lt;DataDependencyTy&gt; do..., </a:t>
+            </a:r>
+            <a:r>
+              <a:rPr b="1" lang="fr-CH" sz="1400" spc="-1" strike="noStrike">
+                <a:solidFill>
+                  <a:srgbClr val="2a6099"/>
+                </a:solidFill>
+                <a:latin typeface="Times New Roman"/>
+              </a:rPr>
+              <a:t>SpCpuCode</a:t>
+            </a:r>
+            <a:r>
+              <a:rPr b="0" lang="fr-CH" sz="1400" spc="-1" strike="noStrike">
+                <a:latin typeface="Times New Roman"/>
+              </a:rPr>
+              <a:t>(&lt;CallableTy&gt; c1), [optional]</a:t>
+            </a:r>
+            <a:r>
+              <a:rPr b="1" lang="fr-CH" sz="1400" spc="-1" strike="noStrike">
+                <a:solidFill>
+                  <a:srgbClr val="2a6099"/>
+                </a:solidFill>
+                <a:latin typeface="Times New Roman"/>
+              </a:rPr>
+              <a:t> SpGpuCode</a:t>
+            </a:r>
+            <a:r>
+              <a:rPr b="0" lang="fr-CH" sz="1400" spc="-1" strike="noStrike">
+                <a:latin typeface="Times New Roman"/>
+              </a:rPr>
+              <a:t>(&lt;CallableTy&gt; c2)) </a:t>
+            </a:r>
+            <a:r>
+              <a:rPr b="1" lang="fr-CH" sz="1400" spc="-1" strike="noStrike">
+                <a:solidFill>
+                  <a:srgbClr val="ff0000"/>
+                </a:solidFill>
+                <a:latin typeface="Times New Roman"/>
+              </a:rPr>
+              <a:t>(2)</a:t>
+            </a:r>
+            <a:endParaRPr b="0" lang="fr-CH" sz="1400" spc="-1" strike="noStrike">
+              <a:latin typeface="Arial"/>
+            </a:endParaRPr>
+          </a:p>
+        </p:txBody>
+      </p:sp>
+      <p:sp>
+        <p:nvSpPr>
+          <p:cNvPr id="69" name=""/>
+          <p:cNvSpPr/>
+          <p:nvPr/>
+        </p:nvSpPr>
+        <p:spPr>
+          <a:xfrm>
+            <a:off x="360000" y="1242000"/>
+            <a:ext cx="4715640" cy="359640"/>
+          </a:xfrm>
+          <a:prstGeom prst="rect">
+            <a:avLst/>
+          </a:prstGeom>
+          <a:noFill/>
+          <a:ln w="0">
+            <a:noFill/>
+          </a:ln>
+        </p:spPr>
+        <p:style>
+          <a:lnRef idx="0"/>
+          <a:fillRef idx="0"/>
+          <a:effectRef idx="0"/>
+          <a:fontRef idx="minor"/>
+        </p:style>
+        <p:txBody>
+          <a:bodyPr lIns="90000" rIns="90000" tIns="45000" bIns="45000" anchor="t">
+            <a:noAutofit/>
+          </a:bodyPr>
+          <a:p>
+            <a:pPr>
+              <a:lnSpc>
+                <a:spcPct val="100000"/>
+              </a:lnSpc>
+              <a:buNone/>
+            </a:pPr>
+            <a:r>
+              <a:rPr b="0" lang="en-US" sz="1400" spc="-1" strike="noStrike">
+                <a:latin typeface="Times New Roman"/>
+              </a:rPr>
+              <a:t>This method creates a new task and injects it into the runtime. </a:t>
+            </a:r>
+            <a:endParaRPr b="0" lang="fr-CH" sz="1400" spc="-1" strike="noStrike">
+              <a:latin typeface="Arial"/>
+            </a:endParaRPr>
+          </a:p>
+        </p:txBody>
+      </p:sp>
+      <p:sp>
+        <p:nvSpPr>
+          <p:cNvPr id="70" name=""/>
+          <p:cNvSpPr/>
+          <p:nvPr/>
+        </p:nvSpPr>
+        <p:spPr>
+          <a:xfrm>
+            <a:off x="372240" y="3729600"/>
+            <a:ext cx="9455400" cy="1465920"/>
+          </a:xfrm>
+          <a:prstGeom prst="rect">
+            <a:avLst/>
+          </a:prstGeom>
+          <a:noFill/>
+          <a:ln w="0">
+            <a:noFill/>
+          </a:ln>
+        </p:spPr>
+        <p:style>
+          <a:lnRef idx="0"/>
+          <a:fillRef idx="0"/>
+          <a:effectRef idx="0"/>
+          <a:fontRef idx="minor"/>
+        </p:style>
+        <p:txBody>
+          <a:bodyPr lIns="90000" rIns="90000" tIns="45000" bIns="45000" anchor="t">
+            <a:noAutofit/>
+          </a:bodyPr>
+          <a:p>
+            <a:pPr algn="just">
+              <a:lnSpc>
+                <a:spcPct val="100000"/>
+              </a:lnSpc>
+              <a:buNone/>
+            </a:pPr>
+            <a:r>
+              <a:rPr b="0" lang="en-US" sz="1400" spc="-1" strike="noStrike">
+                <a:latin typeface="Times New Roman"/>
+              </a:rPr>
+              <a:t>In overload </a:t>
+            </a:r>
+            <a:r>
+              <a:rPr b="1" lang="en-US" sz="1400" spc="-1" strike="noStrike">
+                <a:solidFill>
+                  <a:srgbClr val="ff0000"/>
+                </a:solidFill>
+                <a:latin typeface="Times New Roman"/>
+              </a:rPr>
+              <a:t>(1)</a:t>
+            </a:r>
+            <a:r>
+              <a:rPr b="0" lang="en-US" sz="1400" spc="-1" strike="noStrike">
+                <a:latin typeface="Times New Roman"/>
+              </a:rPr>
+              <a:t> the callable is passed as is to the task call. It will implicitly be interpreted by the runtime as CPU code.</a:t>
+            </a:r>
+            <a:endParaRPr b="0" lang="fr-CH" sz="1400" spc="-1" strike="noStrike">
+              <a:latin typeface="Arial"/>
+            </a:endParaRPr>
+          </a:p>
+          <a:p>
+            <a:pPr algn="just">
+              <a:lnSpc>
+                <a:spcPct val="100000"/>
+              </a:lnSpc>
+              <a:buNone/>
+            </a:pPr>
+            <a:endParaRPr b="0" lang="fr-CH" sz="1400" spc="-1" strike="noStrike">
+              <a:latin typeface="Arial"/>
+            </a:endParaRPr>
+          </a:p>
+          <a:p>
+            <a:pPr algn="just">
+              <a:lnSpc>
+                <a:spcPct val="100000"/>
+              </a:lnSpc>
+              <a:buNone/>
+            </a:pPr>
+            <a:r>
+              <a:rPr b="0" lang="en-US" sz="1400" spc="-1" strike="noStrike">
+                <a:latin typeface="Times New Roman"/>
+              </a:rPr>
+              <a:t>In overload </a:t>
+            </a:r>
+            <a:r>
+              <a:rPr b="1" lang="en-US" sz="1400" spc="-1" strike="noStrike">
+                <a:solidFill>
+                  <a:srgbClr val="ff0000"/>
+                </a:solidFill>
+                <a:latin typeface="Times New Roman"/>
+              </a:rPr>
+              <a:t>(2)</a:t>
+            </a:r>
+            <a:r>
+              <a:rPr b="0" lang="en-US" sz="1400" spc="-1" strike="noStrike">
+                <a:latin typeface="Times New Roman"/>
+              </a:rPr>
+              <a:t> the callable c1 is explictly tagged as CPU code by being wrapped inside a SpCpuCode object.</a:t>
+            </a:r>
+            <a:endParaRPr b="0" lang="fr-CH" sz="1400" spc="-1" strike="noStrike">
+              <a:latin typeface="Arial"/>
+            </a:endParaRPr>
+          </a:p>
+          <a:p>
+            <a:pPr algn="just">
+              <a:lnSpc>
+                <a:spcPct val="100000"/>
+              </a:lnSpc>
+              <a:buNone/>
+            </a:pPr>
+            <a:endParaRPr b="0" lang="fr-CH" sz="1400" spc="-1" strike="noStrike">
+              <a:latin typeface="Arial"/>
+            </a:endParaRPr>
+          </a:p>
+          <a:p>
+            <a:pPr algn="just">
+              <a:lnSpc>
+                <a:spcPct val="100000"/>
+              </a:lnSpc>
+              <a:buNone/>
+            </a:pPr>
+            <a:r>
+              <a:rPr b="0" lang="en-US" sz="1400" spc="-1" strike="noStrike">
+                <a:latin typeface="Times New Roman"/>
+              </a:rPr>
+              <a:t>Overload</a:t>
+            </a:r>
+            <a:r>
+              <a:rPr b="1" lang="en-US" sz="1400" spc="-1" strike="noStrike">
+                <a:solidFill>
+                  <a:srgbClr val="ff0000"/>
+                </a:solidFill>
+                <a:latin typeface="Times New Roman"/>
+              </a:rPr>
+              <a:t> (2)</a:t>
+            </a:r>
+            <a:r>
+              <a:rPr b="0" lang="en-US" sz="1400" spc="-1" strike="noStrike">
+                <a:latin typeface="Times New Roman"/>
+              </a:rPr>
+              <a:t> additionally permits the user to provide a GPU version of the code </a:t>
+            </a:r>
+            <a:endParaRPr b="0" lang="fr-CH" sz="1400" spc="-1" strike="noStrike">
+              <a:latin typeface="Arial"/>
+            </a:endParaRPr>
+          </a:p>
+          <a:p>
+            <a:pPr algn="just">
+              <a:lnSpc>
+                <a:spcPct val="100000"/>
+              </a:lnSpc>
+              <a:buNone/>
+            </a:pPr>
+            <a:endParaRPr b="0" lang="fr-CH" sz="1400" spc="-1" strike="noStrike">
+              <a:latin typeface="Arial"/>
+            </a:endParaRPr>
+          </a:p>
+          <a:p>
+            <a:pPr algn="just">
+              <a:lnSpc>
+                <a:spcPct val="100000"/>
+              </a:lnSpc>
+              <a:buNone/>
+            </a:pPr>
+            <a:r>
+              <a:rPr b="0" lang="en-US" sz="1400" spc="-1" strike="noStrike">
+                <a:latin typeface="Times New Roman"/>
+              </a:rPr>
+              <a:t>When both CPU and GPU versions of the code are provided, the runtime will decide at runtime which one of the two to execute.</a:t>
+            </a:r>
+            <a:endParaRPr b="0" lang="fr-CH" sz="1400" spc="-1" strike="noStrike">
+              <a:latin typeface="Arial"/>
+            </a:endParaRPr>
+          </a:p>
+        </p:txBody>
+      </p:sp>
     </p:spTree>
   </p:cSld>
   <mc:AlternateContent>
@@ -4871,6 +8670,476 @@
           <a:chExt cx="0" cy="0"/>
         </a:xfrm>
       </p:grpSpPr>
+      <p:sp>
+        <p:nvSpPr>
+          <p:cNvPr id="71" name="PlaceHolder 10"/>
+          <p:cNvSpPr/>
+          <p:nvPr/>
+        </p:nvSpPr>
+        <p:spPr>
+          <a:xfrm>
+            <a:off x="354960" y="226080"/>
+            <a:ext cx="9354960" cy="713880"/>
+          </a:xfrm>
+          <a:prstGeom prst="rect">
+            <a:avLst/>
+          </a:prstGeom>
+          <a:noFill/>
+          <a:ln w="0">
+            <a:noFill/>
+          </a:ln>
+        </p:spPr>
+        <p:style>
+          <a:lnRef idx="0"/>
+          <a:fillRef idx="0"/>
+          <a:effectRef idx="0"/>
+          <a:fontRef idx="minor"/>
+        </p:style>
+        <p:txBody>
+          <a:bodyPr lIns="0" rIns="0" tIns="0" bIns="0" anchor="ctr">
+            <a:noAutofit/>
+          </a:bodyPr>
+          <a:p>
+            <a:pPr>
+              <a:lnSpc>
+                <a:spcPct val="100000"/>
+              </a:lnSpc>
+              <a:buNone/>
+              <a:tabLst>
+                <a:tab algn="l" pos="0"/>
+              </a:tabLst>
+            </a:pPr>
+            <a:r>
+              <a:rPr b="1" lang="en-US" sz="2700" spc="-1" strike="noStrike">
+                <a:solidFill>
+                  <a:srgbClr val="ffffff"/>
+                </a:solidFill>
+                <a:latin typeface="Source Sans Pro Black"/>
+              </a:rPr>
+              <a:t>SPECX: Runtime Interface</a:t>
+            </a:r>
+            <a:endParaRPr b="0" lang="fr-CH" sz="2700" spc="-1" strike="noStrike">
+              <a:latin typeface="Arial"/>
+            </a:endParaRPr>
+          </a:p>
+        </p:txBody>
+      </p:sp>
+      <p:pic>
+        <p:nvPicPr>
+          <p:cNvPr id="72" name="" descr=""/>
+          <p:cNvPicPr/>
+          <p:nvPr/>
+        </p:nvPicPr>
+        <p:blipFill>
+          <a:blip r:embed="rId1"/>
+          <a:stretch/>
+        </p:blipFill>
+        <p:spPr>
+          <a:xfrm>
+            <a:off x="8994960" y="61200"/>
+            <a:ext cx="1015920" cy="1015920"/>
+          </a:xfrm>
+          <a:prstGeom prst="rect">
+            <a:avLst/>
+          </a:prstGeom>
+          <a:ln w="0">
+            <a:noFill/>
+          </a:ln>
+        </p:spPr>
+      </p:pic>
+      <p:sp>
+        <p:nvSpPr>
+          <p:cNvPr id="73" name=""/>
+          <p:cNvSpPr/>
+          <p:nvPr/>
+        </p:nvSpPr>
+        <p:spPr>
+          <a:xfrm>
+            <a:off x="137880" y="1302840"/>
+            <a:ext cx="8910000" cy="2055600"/>
+          </a:xfrm>
+          <a:prstGeom prst="rect">
+            <a:avLst/>
+          </a:prstGeom>
+          <a:noFill/>
+          <a:ln w="0">
+            <a:noFill/>
+          </a:ln>
+        </p:spPr>
+        <p:style>
+          <a:lnRef idx="0"/>
+          <a:fillRef idx="0"/>
+          <a:effectRef idx="0"/>
+          <a:fontRef idx="minor"/>
+        </p:style>
+        <p:txBody>
+          <a:bodyPr lIns="90000" rIns="90000" tIns="45000" bIns="45000" anchor="t">
+            <a:noAutofit/>
+          </a:bodyPr>
+          <a:p>
+            <a:pPr>
+              <a:lnSpc>
+                <a:spcPct val="100000"/>
+              </a:lnSpc>
+              <a:buNone/>
+            </a:pPr>
+            <a:r>
+              <a:rPr b="0" lang="fr-CH" sz="1400" spc="-1" strike="noStrike">
+                <a:latin typeface="Times New Roman"/>
+              </a:rPr>
+              <a:t>Type1 v1; Type2 v2;</a:t>
+            </a:r>
+            <a:endParaRPr b="0" lang="fr-CH" sz="1400" spc="-1" strike="noStrike">
+              <a:latin typeface="Arial"/>
+            </a:endParaRPr>
+          </a:p>
+          <a:p>
+            <a:pPr>
+              <a:lnSpc>
+                <a:spcPct val="100000"/>
+              </a:lnSpc>
+              <a:buNone/>
+            </a:pPr>
+            <a:r>
+              <a:rPr b="0" lang="fr-CH" sz="1400" spc="-1" strike="noStrike">
+                <a:latin typeface="Times New Roman"/>
+              </a:rPr>
+              <a:t> </a:t>
+            </a:r>
+            <a:endParaRPr b="0" lang="fr-CH" sz="1400" spc="-1" strike="noStrike">
+              <a:latin typeface="Arial"/>
+            </a:endParaRPr>
+          </a:p>
+          <a:p>
+            <a:pPr>
+              <a:lnSpc>
+                <a:spcPct val="100000"/>
+              </a:lnSpc>
+              <a:buNone/>
+            </a:pPr>
+            <a:r>
+              <a:rPr b="0" lang="fr-CH" sz="1400" spc="-1" strike="noStrike">
+                <a:latin typeface="Times New Roman"/>
+              </a:rPr>
+              <a:t>runtime.task(</a:t>
+            </a:r>
+            <a:r>
+              <a:rPr b="1" lang="fr-CH" sz="1400" spc="-1" strike="noStrike">
+                <a:solidFill>
+                  <a:srgbClr val="2a6099"/>
+                </a:solidFill>
+                <a:latin typeface="Times New Roman"/>
+              </a:rPr>
+              <a:t>SpRead</a:t>
+            </a:r>
+            <a:r>
+              <a:rPr b="0" lang="fr-CH" sz="1400" spc="-1" strike="noStrike">
+                <a:latin typeface="Times New Roman"/>
+              </a:rPr>
+              <a:t>(v1), </a:t>
+            </a:r>
+            <a:r>
+              <a:rPr b="1" lang="fr-CH" sz="1400" spc="-1" strike="noStrike">
+                <a:solidFill>
+                  <a:srgbClr val="2a6099"/>
+                </a:solidFill>
+                <a:latin typeface="Times New Roman"/>
+              </a:rPr>
+              <a:t>SpWrite</a:t>
+            </a:r>
+            <a:r>
+              <a:rPr b="0" lang="fr-CH" sz="1400" spc="-1" strike="noStrike">
+                <a:latin typeface="Times New Roman"/>
+              </a:rPr>
+              <a:t>(v2), [] (const Type1 &amp;paramV1, Type2 &amp;paramV2) </a:t>
+            </a:r>
+            <a:endParaRPr b="0" lang="fr-CH" sz="1400" spc="-1" strike="noStrike">
+              <a:latin typeface="Arial"/>
+            </a:endParaRPr>
+          </a:p>
+          <a:p>
+            <a:pPr>
+              <a:lnSpc>
+                <a:spcPct val="100000"/>
+              </a:lnSpc>
+              <a:buNone/>
+            </a:pPr>
+            <a:r>
+              <a:rPr b="0" lang="fr-CH" sz="1400" spc="-1" strike="noStrike">
+                <a:latin typeface="Times New Roman"/>
+              </a:rPr>
+              <a:t>{</a:t>
+            </a:r>
+            <a:endParaRPr b="0" lang="fr-CH" sz="1400" spc="-1" strike="noStrike">
+              <a:latin typeface="Arial"/>
+            </a:endParaRPr>
+          </a:p>
+          <a:p>
+            <a:pPr>
+              <a:lnSpc>
+                <a:spcPct val="100000"/>
+              </a:lnSpc>
+              <a:buNone/>
+            </a:pPr>
+            <a:r>
+              <a:rPr b="0" lang="fr-CH" sz="1400" spc="-1" strike="noStrike">
+                <a:latin typeface="Times New Roman"/>
+              </a:rPr>
+              <a:t>    </a:t>
+            </a:r>
+            <a:r>
+              <a:rPr b="0" lang="fr-CH" sz="1400" spc="-1" strike="noStrike">
+                <a:latin typeface="Times New Roman"/>
+              </a:rPr>
+              <a:t>if(paramV1.test()) {</a:t>
+            </a:r>
+            <a:endParaRPr b="0" lang="fr-CH" sz="1400" spc="-1" strike="noStrike">
+              <a:latin typeface="Arial"/>
+            </a:endParaRPr>
+          </a:p>
+          <a:p>
+            <a:pPr>
+              <a:lnSpc>
+                <a:spcPct val="100000"/>
+              </a:lnSpc>
+              <a:buNone/>
+            </a:pPr>
+            <a:r>
+              <a:rPr b="0" lang="fr-CH" sz="1400" spc="-1" strike="noStrike">
+                <a:latin typeface="Times New Roman"/>
+              </a:rPr>
+              <a:t>        </a:t>
+            </a:r>
+            <a:r>
+              <a:rPr b="0" lang="fr-CH" sz="1400" spc="-1" strike="noStrike">
+                <a:latin typeface="Times New Roman"/>
+              </a:rPr>
+              <a:t>paramV2.set(1);</a:t>
+            </a:r>
+            <a:endParaRPr b="0" lang="fr-CH" sz="1400" spc="-1" strike="noStrike">
+              <a:latin typeface="Arial"/>
+            </a:endParaRPr>
+          </a:p>
+          <a:p>
+            <a:pPr>
+              <a:lnSpc>
+                <a:spcPct val="100000"/>
+              </a:lnSpc>
+              <a:buNone/>
+            </a:pPr>
+            <a:r>
+              <a:rPr b="0" lang="fr-CH" sz="1400" spc="-1" strike="noStrike">
+                <a:latin typeface="Times New Roman"/>
+              </a:rPr>
+              <a:t>    </a:t>
+            </a:r>
+            <a:r>
+              <a:rPr b="0" lang="fr-CH" sz="1400" spc="-1" strike="noStrike">
+                <a:latin typeface="Times New Roman"/>
+              </a:rPr>
+              <a:t>}else {</a:t>
+            </a:r>
+            <a:endParaRPr b="0" lang="fr-CH" sz="1400" spc="-1" strike="noStrike">
+              <a:latin typeface="Arial"/>
+            </a:endParaRPr>
+          </a:p>
+          <a:p>
+            <a:pPr>
+              <a:lnSpc>
+                <a:spcPct val="100000"/>
+              </a:lnSpc>
+              <a:buNone/>
+            </a:pPr>
+            <a:r>
+              <a:rPr b="0" lang="fr-CH" sz="1400" spc="-1" strike="noStrike">
+                <a:latin typeface="Times New Roman"/>
+              </a:rPr>
+              <a:t>        </a:t>
+            </a:r>
+            <a:r>
+              <a:rPr b="0" lang="fr-CH" sz="1400" spc="-1" strike="noStrike">
+                <a:latin typeface="Times New Roman"/>
+              </a:rPr>
+              <a:t>paramV2.set(2);</a:t>
+            </a:r>
+            <a:endParaRPr b="0" lang="fr-CH" sz="1400" spc="-1" strike="noStrike">
+              <a:latin typeface="Arial"/>
+            </a:endParaRPr>
+          </a:p>
+          <a:p>
+            <a:pPr>
+              <a:lnSpc>
+                <a:spcPct val="100000"/>
+              </a:lnSpc>
+              <a:buNone/>
+            </a:pPr>
+            <a:r>
+              <a:rPr b="0" lang="fr-CH" sz="1400" spc="-1" strike="noStrike">
+                <a:latin typeface="Times New Roman"/>
+              </a:rPr>
+              <a:t>    </a:t>
+            </a:r>
+            <a:r>
+              <a:rPr b="0" lang="fr-CH" sz="1400" spc="-1" strike="noStrike">
+                <a:latin typeface="Times New Roman"/>
+              </a:rPr>
+              <a:t>}</a:t>
+            </a:r>
+            <a:endParaRPr b="0" lang="fr-CH" sz="1400" spc="-1" strike="noStrike">
+              <a:latin typeface="Arial"/>
+            </a:endParaRPr>
+          </a:p>
+          <a:p>
+            <a:pPr>
+              <a:lnSpc>
+                <a:spcPct val="100000"/>
+              </a:lnSpc>
+              <a:buNone/>
+            </a:pPr>
+            <a:r>
+              <a:rPr b="0" lang="fr-CH" sz="1400" spc="-1" strike="noStrike">
+                <a:latin typeface="Times New Roman"/>
+              </a:rPr>
+              <a:t>}); </a:t>
+            </a:r>
+            <a:endParaRPr b="0" lang="fr-CH" sz="1400" spc="-1" strike="noStrike">
+              <a:latin typeface="Arial"/>
+            </a:endParaRPr>
+          </a:p>
+        </p:txBody>
+      </p:sp>
+      <p:sp>
+        <p:nvSpPr>
+          <p:cNvPr id="74" name=""/>
+          <p:cNvSpPr/>
+          <p:nvPr/>
+        </p:nvSpPr>
+        <p:spPr>
+          <a:xfrm>
+            <a:off x="649800" y="3564000"/>
+            <a:ext cx="9213840" cy="1662480"/>
+          </a:xfrm>
+          <a:prstGeom prst="rect">
+            <a:avLst/>
+          </a:prstGeom>
+          <a:noFill/>
+          <a:ln w="0">
+            <a:noFill/>
+          </a:ln>
+        </p:spPr>
+        <p:style>
+          <a:lnRef idx="0"/>
+          <a:fillRef idx="0"/>
+          <a:effectRef idx="0"/>
+          <a:fontRef idx="minor"/>
+        </p:style>
+        <p:txBody>
+          <a:bodyPr lIns="90000" rIns="90000" tIns="45000" bIns="45000" anchor="t">
+            <a:noAutofit/>
+          </a:bodyPr>
+          <a:p>
+            <a:pPr>
+              <a:lnSpc>
+                <a:spcPct val="100000"/>
+              </a:lnSpc>
+              <a:buNone/>
+            </a:pPr>
+            <a:r>
+              <a:rPr b="0" lang="en-US" sz="1400" spc="-1" strike="noStrike">
+                <a:latin typeface="Times New Roman"/>
+              </a:rPr>
+              <a:t>Parameters corresponding to a SpRead data dependency object should be declared const. </a:t>
+            </a:r>
+            <a:endParaRPr b="0" lang="fr-CH" sz="1400" spc="-1" strike="noStrike">
+              <a:latin typeface="Arial"/>
+            </a:endParaRPr>
+          </a:p>
+          <a:p>
+            <a:pPr>
+              <a:lnSpc>
+                <a:spcPct val="100000"/>
+              </a:lnSpc>
+              <a:buNone/>
+            </a:pPr>
+            <a:endParaRPr b="0" lang="fr-CH" sz="1400" spc="-1" strike="noStrike">
+              <a:latin typeface="Arial"/>
+            </a:endParaRPr>
+          </a:p>
+          <a:p>
+            <a:pPr>
+              <a:lnSpc>
+                <a:spcPct val="100000"/>
+              </a:lnSpc>
+              <a:buNone/>
+            </a:pPr>
+            <a:r>
+              <a:rPr b="0" lang="en-US" sz="1400" spc="-1" strike="noStrike">
+                <a:latin typeface="Times New Roman"/>
+              </a:rPr>
+              <a:t>Code inside the callable must be referring to parameter names rather than the original variable names. </a:t>
+            </a:r>
+            <a:endParaRPr b="0" lang="fr-CH" sz="1400" spc="-1" strike="noStrike">
+              <a:latin typeface="Arial"/>
+            </a:endParaRPr>
+          </a:p>
+          <a:p>
+            <a:pPr>
+              <a:lnSpc>
+                <a:spcPct val="100000"/>
+              </a:lnSpc>
+              <a:buNone/>
+            </a:pPr>
+            <a:endParaRPr b="0" lang="fr-CH" sz="1400" spc="-1" strike="noStrike">
+              <a:latin typeface="Arial"/>
+            </a:endParaRPr>
+          </a:p>
+          <a:p>
+            <a:pPr>
+              <a:lnSpc>
+                <a:spcPct val="100000"/>
+              </a:lnSpc>
+              <a:buNone/>
+            </a:pPr>
+            <a:r>
+              <a:rPr b="0" lang="en-US" sz="1400" spc="-1" strike="noStrike">
+                <a:latin typeface="Times New Roman"/>
+              </a:rPr>
+              <a:t>In the example given above, code in the lambda body is referring to the names paramV1 and paramV2 to refer to v1 and v2 data values rather than v1 and v2. </a:t>
+            </a:r>
+            <a:endParaRPr b="0" lang="fr-CH" sz="1400" spc="-1" strike="noStrike">
+              <a:latin typeface="Arial"/>
+            </a:endParaRPr>
+          </a:p>
+          <a:p>
+            <a:pPr>
+              <a:lnSpc>
+                <a:spcPct val="100000"/>
+              </a:lnSpc>
+              <a:buNone/>
+            </a:pPr>
+            <a:endParaRPr b="0" lang="fr-CH" sz="1400" spc="-1" strike="noStrike">
+              <a:latin typeface="Arial"/>
+            </a:endParaRPr>
+          </a:p>
+          <a:p>
+            <a:pPr>
+              <a:lnSpc>
+                <a:spcPct val="100000"/>
+              </a:lnSpc>
+              <a:buNone/>
+            </a:pPr>
+            <a:r>
+              <a:rPr b="0" lang="en-US" sz="1400" spc="-1" strike="noStrike">
+                <a:latin typeface="Times New Roman"/>
+              </a:rPr>
+              <a:t>You should not capture v1 and v2 by reference and work with v1 and v2 directly.</a:t>
+            </a:r>
+            <a:endParaRPr b="0" lang="fr-CH" sz="1400" spc="-1" strike="noStrike">
+              <a:latin typeface="Arial"/>
+            </a:endParaRPr>
+          </a:p>
+        </p:txBody>
+      </p:sp>
     </p:spTree>
   </p:cSld>
   <mc:AlternateContent>
@@ -4901,6 +9170,270 @@
           <a:chExt cx="0" cy="0"/>
         </a:xfrm>
       </p:grpSpPr>
+      <p:sp>
+        <p:nvSpPr>
+          <p:cNvPr id="75" name="PlaceHolder 11"/>
+          <p:cNvSpPr/>
+          <p:nvPr/>
+        </p:nvSpPr>
+        <p:spPr>
+          <a:xfrm>
+            <a:off x="354960" y="226080"/>
+            <a:ext cx="9354960" cy="713880"/>
+          </a:xfrm>
+          <a:prstGeom prst="rect">
+            <a:avLst/>
+          </a:prstGeom>
+          <a:noFill/>
+          <a:ln w="0">
+            <a:noFill/>
+          </a:ln>
+        </p:spPr>
+        <p:style>
+          <a:lnRef idx="0"/>
+          <a:fillRef idx="0"/>
+          <a:effectRef idx="0"/>
+          <a:fontRef idx="minor"/>
+        </p:style>
+        <p:txBody>
+          <a:bodyPr lIns="0" rIns="0" tIns="0" bIns="0" anchor="ctr">
+            <a:noAutofit/>
+          </a:bodyPr>
+          <a:p>
+            <a:pPr>
+              <a:lnSpc>
+                <a:spcPct val="100000"/>
+              </a:lnSpc>
+              <a:buNone/>
+              <a:tabLst>
+                <a:tab algn="l" pos="0"/>
+              </a:tabLst>
+            </a:pPr>
+            <a:r>
+              <a:rPr b="1" lang="en-US" sz="2700" spc="-1" strike="noStrike">
+                <a:solidFill>
+                  <a:srgbClr val="ffffff"/>
+                </a:solidFill>
+                <a:latin typeface="Source Sans Pro Black"/>
+              </a:rPr>
+              <a:t>SPECX: Runtime Interface</a:t>
+            </a:r>
+            <a:endParaRPr b="0" lang="fr-CH" sz="2700" spc="-1" strike="noStrike">
+              <a:latin typeface="Arial"/>
+            </a:endParaRPr>
+          </a:p>
+        </p:txBody>
+      </p:sp>
+      <p:pic>
+        <p:nvPicPr>
+          <p:cNvPr id="76" name="" descr=""/>
+          <p:cNvPicPr/>
+          <p:nvPr/>
+        </p:nvPicPr>
+        <p:blipFill>
+          <a:blip r:embed="rId1"/>
+          <a:stretch/>
+        </p:blipFill>
+        <p:spPr>
+          <a:xfrm>
+            <a:off x="8994960" y="61200"/>
+            <a:ext cx="1015920" cy="1015920"/>
+          </a:xfrm>
+          <a:prstGeom prst="rect">
+            <a:avLst/>
+          </a:prstGeom>
+          <a:ln w="0">
+            <a:noFill/>
+          </a:ln>
+        </p:spPr>
+      </p:pic>
+      <p:sp>
+        <p:nvSpPr>
+          <p:cNvPr id="77" name=""/>
+          <p:cNvSpPr/>
+          <p:nvPr/>
+        </p:nvSpPr>
+        <p:spPr>
+          <a:xfrm>
+            <a:off x="360000" y="1993320"/>
+            <a:ext cx="8297280" cy="346320"/>
+          </a:xfrm>
+          <a:prstGeom prst="rect">
+            <a:avLst/>
+          </a:prstGeom>
+          <a:noFill/>
+          <a:ln w="0">
+            <a:noFill/>
+          </a:ln>
+        </p:spPr>
+        <p:style>
+          <a:lnRef idx="0"/>
+          <a:fillRef idx="0"/>
+          <a:effectRef idx="0"/>
+          <a:fontRef idx="minor"/>
+        </p:style>
+        <p:txBody>
+          <a:bodyPr lIns="90000" rIns="90000" tIns="45000" bIns="45000" anchor="t">
+            <a:noAutofit/>
+          </a:bodyPr>
+          <a:p>
+            <a:pPr>
+              <a:lnSpc>
+                <a:spcPct val="100000"/>
+              </a:lnSpc>
+              <a:buNone/>
+            </a:pPr>
+            <a:r>
+              <a:rPr b="0" lang="fr-CH" sz="1400" spc="-1" strike="noStrike">
+                <a:latin typeface="Times New Roman"/>
+              </a:rPr>
+              <a:t>void </a:t>
+            </a:r>
+            <a:r>
+              <a:rPr b="1" lang="fr-CH" sz="1400" spc="-1" strike="noStrike">
+                <a:solidFill>
+                  <a:srgbClr val="2a6099"/>
+                </a:solidFill>
+                <a:latin typeface="Times New Roman"/>
+              </a:rPr>
+              <a:t>setSpeculationTest</a:t>
+            </a:r>
+            <a:r>
+              <a:rPr b="0" lang="fr-CH" sz="1400" spc="-1" strike="noStrike">
+                <a:latin typeface="Times New Roman"/>
+              </a:rPr>
+              <a:t>(std::function&lt;bool(int,const SpProbability&amp;)&gt; inFormula)</a:t>
+            </a:r>
+            <a:endParaRPr b="0" lang="fr-CH" sz="1400" spc="-1" strike="noStrike">
+              <a:latin typeface="Arial"/>
+            </a:endParaRPr>
+          </a:p>
+        </p:txBody>
+      </p:sp>
+      <p:sp>
+        <p:nvSpPr>
+          <p:cNvPr id="78" name=""/>
+          <p:cNvSpPr/>
+          <p:nvPr/>
+        </p:nvSpPr>
+        <p:spPr>
+          <a:xfrm>
+            <a:off x="540000" y="2665440"/>
+            <a:ext cx="9269280" cy="1114200"/>
+          </a:xfrm>
+          <a:prstGeom prst="rect">
+            <a:avLst/>
+          </a:prstGeom>
+          <a:noFill/>
+          <a:ln w="0">
+            <a:noFill/>
+          </a:ln>
+        </p:spPr>
+        <p:style>
+          <a:lnRef idx="0"/>
+          <a:fillRef idx="0"/>
+          <a:effectRef idx="0"/>
+          <a:fontRef idx="minor"/>
+        </p:style>
+        <p:txBody>
+          <a:bodyPr lIns="90000" rIns="90000" tIns="45000" bIns="45000" anchor="t">
+            <a:noAutofit/>
+          </a:bodyPr>
+          <a:p>
+            <a:pPr>
+              <a:lnSpc>
+                <a:spcPct val="100000"/>
+              </a:lnSpc>
+              <a:buNone/>
+            </a:pPr>
+            <a:r>
+              <a:rPr b="0" lang="en-US" sz="1400" spc="-1" strike="noStrike">
+                <a:latin typeface="Times New Roman"/>
+              </a:rPr>
+              <a:t>This method sets a predicate function that will be called by the runtime whenever a speculative task is ready to be put in the queue of ready tasks . </a:t>
+            </a:r>
+            <a:endParaRPr b="0" lang="fr-CH" sz="1400" spc="-1" strike="noStrike">
+              <a:latin typeface="Arial"/>
+            </a:endParaRPr>
+          </a:p>
+          <a:p>
+            <a:pPr>
+              <a:lnSpc>
+                <a:spcPct val="100000"/>
+              </a:lnSpc>
+              <a:buNone/>
+            </a:pPr>
+            <a:endParaRPr b="0" lang="fr-CH" sz="1400" spc="-1" strike="noStrike">
+              <a:latin typeface="Arial"/>
+            </a:endParaRPr>
+          </a:p>
+          <a:p>
+            <a:pPr>
+              <a:lnSpc>
+                <a:spcPct val="100000"/>
+              </a:lnSpc>
+              <a:buNone/>
+            </a:pPr>
+            <a:r>
+              <a:rPr b="0" lang="en-US" sz="1400" spc="-1" strike="noStrike">
+                <a:latin typeface="Times New Roman"/>
+              </a:rPr>
+              <a:t>The predicate returns a boolean. Reciprocally a return value of false means the speculative task and all of its dependent speculative tasks should be disabled.</a:t>
+            </a:r>
+            <a:endParaRPr b="0" lang="fr-CH" sz="1400" spc="-1" strike="noStrike">
+              <a:latin typeface="Arial"/>
+            </a:endParaRPr>
+          </a:p>
+        </p:txBody>
+      </p:sp>
+      <p:sp>
+        <p:nvSpPr>
+          <p:cNvPr id="79" name=""/>
+          <p:cNvSpPr/>
+          <p:nvPr/>
+        </p:nvSpPr>
+        <p:spPr>
+          <a:xfrm>
+            <a:off x="1210680" y="4140000"/>
+            <a:ext cx="8688960" cy="483480"/>
+          </a:xfrm>
+          <a:prstGeom prst="rect">
+            <a:avLst/>
+          </a:prstGeom>
+          <a:noFill/>
+          <a:ln w="0">
+            <a:noFill/>
+          </a:ln>
+        </p:spPr>
+        <p:style>
+          <a:lnRef idx="0"/>
+          <a:fillRef idx="0"/>
+          <a:effectRef idx="0"/>
+          <a:fontRef idx="minor"/>
+        </p:style>
+        <p:txBody>
+          <a:bodyPr lIns="90000" rIns="90000" tIns="45000" bIns="45000" anchor="t">
+            <a:noAutofit/>
+          </a:bodyPr>
+          <a:p>
+            <a:pPr algn="just">
+              <a:lnSpc>
+                <a:spcPct val="100000"/>
+              </a:lnSpc>
+              <a:buNone/>
+            </a:pPr>
+            <a:r>
+              <a:rPr b="0" lang="en-US" sz="1400" spc="-1" strike="noStrike">
+                <a:latin typeface="Times New Roman"/>
+              </a:rPr>
+              <a:t>If no speculation test is set in the runtime, the default behavior is that a speculative task and all its dependent speculative tasks will only be enabled if at the time the predicate is called no other tasks are ready to run.</a:t>
+            </a:r>
+            <a:endParaRPr b="0" lang="fr-CH" sz="1400" spc="-1" strike="noStrike">
+              <a:latin typeface="Arial"/>
+            </a:endParaRPr>
+          </a:p>
+        </p:txBody>
+      </p:sp>
     </p:spTree>
   </p:cSld>
   <mc:AlternateContent>

--- a/MySlides/Session6_ParallelProgramming_Specx.pptx
+++ b/MySlides/Session6_ParallelProgramming_Specx.pptx
@@ -2072,7 +2072,7 @@
         <p:spPr>
           <a:xfrm>
             <a:off x="0" y="5400000"/>
-            <a:ext cx="10074960" cy="264960"/>
+            <a:ext cx="10074600" cy="264600"/>
           </a:xfrm>
           <a:prstGeom prst="rect">
             <a:avLst/>
@@ -2100,7 +2100,7 @@
         <p:spPr>
           <a:xfrm>
             <a:off x="0" y="0"/>
-            <a:ext cx="10074960" cy="1209960"/>
+            <a:ext cx="10074600" cy="1209600"/>
           </a:xfrm>
           <a:prstGeom prst="rect">
             <a:avLst/>
@@ -2132,7 +2132,7 @@
         <p:spPr>
           <a:xfrm>
             <a:off x="3420000" y="5400000"/>
-            <a:ext cx="3234960" cy="264960"/>
+            <a:ext cx="3234600" cy="264600"/>
           </a:xfrm>
           <a:prstGeom prst="rect">
             <a:avLst/>
@@ -2201,7 +2201,7 @@
         <p:spPr>
           <a:xfrm>
             <a:off x="360000" y="5400000"/>
-            <a:ext cx="2874960" cy="264960"/>
+            <a:ext cx="2874600" cy="264600"/>
           </a:xfrm>
           <a:prstGeom prst="rect">
             <a:avLst/>
@@ -2511,7 +2511,7 @@
         <p:spPr>
           <a:xfrm>
             <a:off x="0" y="0"/>
-            <a:ext cx="10154520" cy="4314960"/>
+            <a:ext cx="10154160" cy="4314600"/>
           </a:xfrm>
           <a:prstGeom prst="rect">
             <a:avLst/>
@@ -2530,7 +2530,7 @@
         <p:spPr>
           <a:xfrm>
             <a:off x="714600" y="4392000"/>
-            <a:ext cx="9354960" cy="714960"/>
+            <a:ext cx="9354600" cy="714600"/>
           </a:xfrm>
           <a:prstGeom prst="rect">
             <a:avLst/>
@@ -2612,7 +2612,7 @@
         <p:spPr>
           <a:xfrm>
             <a:off x="3240000" y="5055120"/>
-            <a:ext cx="3448080" cy="269640"/>
+            <a:ext cx="3447720" cy="269280"/>
           </a:xfrm>
           <a:custGeom>
             <a:avLst/>
@@ -2736,14 +2736,14 @@
       </p:grpSpPr>
       <p:sp>
         <p:nvSpPr>
-          <p:cNvPr id="80" name="PlaceHolder 12"/>
+          <p:cNvPr id="78" name="PlaceHolder 12"/>
           <p:cNvSpPr/>
           <p:nvPr/>
         </p:nvSpPr>
         <p:spPr>
           <a:xfrm>
             <a:off x="354960" y="226080"/>
-            <a:ext cx="9354960" cy="713880"/>
+            <a:ext cx="9354600" cy="713520"/>
           </a:xfrm>
           <a:prstGeom prst="rect">
             <a:avLst/>
@@ -2779,6 +2779,7 @@
                   <a:srgbClr val="ffffff"/>
                 </a:solidFill>
                 <a:latin typeface="Source Sans Pro Black"/>
+                <a:ea typeface="DejaVu Sans"/>
               </a:rPr>
               <a:t>SPECX: Runtime Interface</a:t>
             </a:r>
@@ -2788,39 +2789,16 @@
           </a:p>
         </p:txBody>
       </p:sp>
-      <p:pic>
-        <p:nvPicPr>
-          <p:cNvPr id="81" name="" descr=""/>
-          <p:cNvPicPr/>
+      <p:sp>
+        <p:nvSpPr>
+          <p:cNvPr id="79" name=""/>
+          <p:cNvSpPr/>
           <p:nvPr/>
-        </p:nvPicPr>
-        <p:blipFill>
-          <a:blip r:embed="rId1"/>
-          <a:stretch/>
-        </p:blipFill>
+        </p:nvSpPr>
         <p:spPr>
           <a:xfrm>
-            <a:off x="8994960" y="61200"/>
-            <a:ext cx="1015920" cy="1015920"/>
-          </a:xfrm>
-          <a:prstGeom prst="rect">
-            <a:avLst/>
-          </a:prstGeom>
-          <a:ln w="0">
-            <a:noFill/>
-          </a:ln>
-        </p:spPr>
-      </p:pic>
-      <p:sp>
-        <p:nvSpPr>
-          <p:cNvPr id="82" name=""/>
-          <p:cNvSpPr/>
-          <p:nvPr/>
-        </p:nvSpPr>
-        <p:spPr>
-          <a:xfrm>
-            <a:off x="252000" y="1270440"/>
-            <a:ext cx="9359640" cy="3824640"/>
+            <a:off x="1917720" y="1414440"/>
+            <a:ext cx="7982280" cy="3824280"/>
           </a:xfrm>
           <a:prstGeom prst="rect">
             <a:avLst/>
@@ -2852,17 +2830,6 @@
             </a:endParaRPr>
           </a:p>
           <a:p>
-            <a:pPr>
-              <a:lnSpc>
-                <a:spcPct val="100000"/>
-              </a:lnSpc>
-              <a:buNone/>
-            </a:pPr>
-            <a:endParaRPr b="0" lang="fr-CH" sz="1400" spc="-1" strike="noStrike">
-              <a:latin typeface="Arial"/>
-            </a:endParaRPr>
-          </a:p>
-          <a:p>
             <a:pPr marL="216000" indent="-216000">
               <a:lnSpc>
                 <a:spcPct val="100000"/>
@@ -2876,7 +2843,11 @@
             </a:pPr>
             <a:r>
               <a:rPr b="0" lang="fr-CH" sz="1400" spc="-1" strike="noStrike">
-                <a:latin typeface="Times New Roman"/>
+                <a:solidFill>
+                  <a:srgbClr val="000000"/>
+                </a:solidFill>
+                <a:latin typeface="Times New Roman"/>
+                <a:ea typeface="DejaVu Sans"/>
               </a:rPr>
               <a:t>void </a:t>
             </a:r>
@@ -2886,12 +2857,17 @@
                   <a:srgbClr val="2a6099"/>
                 </a:solidFill>
                 <a:latin typeface="Times New Roman"/>
+                <a:ea typeface="DejaVu Sans"/>
               </a:rPr>
               <a:t>waitAllTasks</a:t>
             </a:r>
             <a:r>
               <a:rPr b="0" lang="fr-CH" sz="1400" spc="-1" strike="noStrike">
-                <a:latin typeface="Times New Roman"/>
+                <a:solidFill>
+                  <a:srgbClr val="000000"/>
+                </a:solidFill>
+                <a:latin typeface="Times New Roman"/>
+                <a:ea typeface="DejaVu Sans"/>
               </a:rPr>
               <a:t>()</a:t>
             </a:r>
@@ -2913,9 +2889,13 @@
             </a:pPr>
             <a:r>
               <a:rPr b="0" i="1" lang="en-US" sz="1400" spc="-1" strike="noStrike">
-                <a:latin typeface="Times New Roman"/>
-              </a:rPr>
-              <a:t>This method is a blocking call which waits until all the tasks that have been pushed to the runtime up to this point have finished.</a:t>
+                <a:solidFill>
+                  <a:srgbClr val="000000"/>
+                </a:solidFill>
+                <a:latin typeface="Times New Roman"/>
+                <a:ea typeface="DejaVu Sans"/>
+              </a:rPr>
+              <a:t>Waits until all the tasks that have been pushed to the runtime up to this point have finished.</a:t>
             </a:r>
             <a:endParaRPr b="0" lang="fr-CH" sz="1400" spc="-1" strike="noStrike">
               <a:latin typeface="Arial"/>
@@ -2946,7 +2926,11 @@
             </a:pPr>
             <a:r>
               <a:rPr b="0" lang="fr-CH" sz="1400" spc="-1" strike="noStrike">
-                <a:latin typeface="Times New Roman"/>
+                <a:solidFill>
+                  <a:srgbClr val="000000"/>
+                </a:solidFill>
+                <a:latin typeface="Times New Roman"/>
+                <a:ea typeface="DejaVu Sans"/>
               </a:rPr>
               <a:t>void</a:t>
             </a:r>
@@ -2956,12 +2940,17 @@
                   <a:srgbClr val="2a6099"/>
                 </a:solidFill>
                 <a:latin typeface="Times New Roman"/>
+                <a:ea typeface="DejaVu Sans"/>
               </a:rPr>
               <a:t> waitRemain</a:t>
             </a:r>
             <a:r>
               <a:rPr b="0" lang="fr-CH" sz="1400" spc="-1" strike="noStrike">
-                <a:latin typeface="Times New Roman"/>
+                <a:solidFill>
+                  <a:srgbClr val="000000"/>
+                </a:solidFill>
+                <a:latin typeface="Times New Roman"/>
+                <a:ea typeface="DejaVu Sans"/>
               </a:rPr>
               <a:t>(const long int windowSize)</a:t>
             </a:r>
@@ -2983,9 +2972,13 @@
             </a:pPr>
             <a:r>
               <a:rPr b="0" i="1" lang="en-US" sz="1400" spc="-1" strike="noStrike">
-                <a:latin typeface="Times New Roman"/>
-              </a:rPr>
-              <a:t>This method is a blocking call which waits until the number of still unprocessed tasks becomes less than or equal to windowSize.</a:t>
+                <a:solidFill>
+                  <a:srgbClr val="000000"/>
+                </a:solidFill>
+                <a:latin typeface="Times New Roman"/>
+                <a:ea typeface="DejaVu Sans"/>
+              </a:rPr>
+              <a:t>Waits until the number of still unprocessed tasks becomes less than or equal to windowSize.</a:t>
             </a:r>
             <a:endParaRPr b="0" lang="fr-CH" sz="1400" spc="-1" strike="noStrike">
               <a:latin typeface="Arial"/>
@@ -3016,7 +3009,11 @@
             </a:pPr>
             <a:r>
               <a:rPr b="0" lang="fr-CH" sz="1400" spc="-1" strike="noStrike">
-                <a:latin typeface="Times New Roman"/>
+                <a:solidFill>
+                  <a:srgbClr val="000000"/>
+                </a:solidFill>
+                <a:latin typeface="Times New Roman"/>
+                <a:ea typeface="DejaVu Sans"/>
               </a:rPr>
               <a:t>void</a:t>
             </a:r>
@@ -3026,12 +3023,17 @@
                   <a:srgbClr val="2a6099"/>
                 </a:solidFill>
                 <a:latin typeface="Times New Roman"/>
+                <a:ea typeface="DejaVu Sans"/>
               </a:rPr>
               <a:t> stopAllThreads</a:t>
             </a:r>
             <a:r>
               <a:rPr b="0" lang="fr-CH" sz="1400" spc="-1" strike="noStrike">
-                <a:latin typeface="Times New Roman"/>
+                <a:solidFill>
+                  <a:srgbClr val="000000"/>
+                </a:solidFill>
+                <a:latin typeface="Times New Roman"/>
+                <a:ea typeface="DejaVu Sans"/>
               </a:rPr>
               <a:t>()</a:t>
             </a:r>
@@ -3053,27 +3055,20 @@
             </a:pPr>
             <a:r>
               <a:rPr b="0" i="1" lang="en-US" sz="1400" spc="-1" strike="noStrike">
-                <a:latin typeface="Times New Roman"/>
-              </a:rPr>
-              <a:t>This method is a blocking call which causes the runtime threads to exit. The method expects all tasks to have already finished, therefore you should always call waitAllTasks() before calling this method.</a:t>
-            </a:r>
-            <a:endParaRPr b="0" lang="fr-CH" sz="1400" spc="-1" strike="noStrike">
-              <a:latin typeface="Arial"/>
-            </a:endParaRPr>
-          </a:p>
-          <a:p>
-            <a:pPr>
-              <a:lnSpc>
-                <a:spcPct val="100000"/>
-              </a:lnSpc>
-              <a:buNone/>
-            </a:pPr>
-            <a:endParaRPr b="0" lang="fr-CH" sz="1400" spc="-1" strike="noStrike">
-              <a:latin typeface="Arial"/>
-            </a:endParaRPr>
-          </a:p>
-          <a:p>
-            <a:pPr marL="216000" indent="-216000">
+                <a:solidFill>
+                  <a:srgbClr val="000000"/>
+                </a:solidFill>
+                <a:latin typeface="Times New Roman"/>
+                <a:ea typeface="DejaVu Sans"/>
+              </a:rPr>
+              <a:t>The method expects all tasks to have already finished, therefore you should always </a:t>
+            </a:r>
+            <a:endParaRPr b="0" lang="fr-CH" sz="1400" spc="-1" strike="noStrike">
+              <a:latin typeface="Arial"/>
+            </a:endParaRPr>
+          </a:p>
+          <a:p>
+            <a:pPr lvl="2" marL="648000" indent="-216000">
               <a:lnSpc>
                 <a:spcPct val="100000"/>
               </a:lnSpc>
@@ -3085,32 +3080,42 @@
               <a:buChar char=""/>
             </a:pPr>
             <a:r>
-              <a:rPr b="0" lang="fr-CH" sz="1400" spc="-1" strike="noStrike">
-                <a:latin typeface="Times New Roman"/>
-              </a:rPr>
-              <a:t>int </a:t>
-            </a:r>
-            <a:r>
-              <a:rPr b="1" lang="fr-CH" sz="1400" spc="-1" strike="noStrike">
-                <a:solidFill>
-                  <a:srgbClr val="2a6099"/>
-                </a:solidFill>
-                <a:latin typeface="Times New Roman"/>
-              </a:rPr>
-              <a:t>getNbThreads</a:t>
-            </a:r>
-            <a:r>
-              <a:rPr b="0" lang="fr-CH" sz="1400" spc="-1" strike="noStrike">
-                <a:latin typeface="Times New Roman"/>
-              </a:rPr>
-              <a:t>()</a:t>
-            </a:r>
-            <a:endParaRPr b="0" lang="fr-CH" sz="1400" spc="-1" strike="noStrike">
-              <a:latin typeface="Arial"/>
-            </a:endParaRPr>
-          </a:p>
-          <a:p>
-            <a:pPr lvl="2" marL="648000" indent="-216000">
+              <a:rPr b="1" i="1" lang="en-US" sz="1400" spc="-1" strike="noStrike">
+                <a:solidFill>
+                  <a:srgbClr val="000000"/>
+                </a:solidFill>
+                <a:latin typeface="Times New Roman"/>
+                <a:ea typeface="DejaVu Sans"/>
+              </a:rPr>
+              <a:t>call waitAllTasks() before</a:t>
+            </a:r>
+            <a:r>
+              <a:rPr b="0" i="1" lang="en-US" sz="1400" spc="-1" strike="noStrike">
+                <a:solidFill>
+                  <a:srgbClr val="000000"/>
+                </a:solidFill>
+                <a:latin typeface="Times New Roman"/>
+                <a:ea typeface="DejaVu Sans"/>
+              </a:rPr>
+              <a:t> calling this method.</a:t>
+            </a:r>
+            <a:endParaRPr b="0" lang="fr-CH" sz="1400" spc="-1" strike="noStrike">
+              <a:latin typeface="Arial"/>
+            </a:endParaRPr>
+          </a:p>
+          <a:p>
+            <a:pPr>
+              <a:lnSpc>
+                <a:spcPct val="100000"/>
+              </a:lnSpc>
+              <a:buNone/>
+            </a:pPr>
+            <a:endParaRPr b="0" lang="fr-CH" sz="1400" spc="-1" strike="noStrike">
+              <a:latin typeface="Arial"/>
+            </a:endParaRPr>
+          </a:p>
+          <a:p>
+            <a:pPr marL="216000" indent="-216000">
               <a:lnSpc>
                 <a:spcPct val="100000"/>
               </a:lnSpc>
@@ -3122,28 +3127,41 @@
               <a:buChar char=""/>
             </a:pPr>
             <a:r>
-              <a:rPr b="0" i="1" lang="en-US" sz="1400" spc="-1" strike="noStrike">
-                <a:latin typeface="Times New Roman"/>
-              </a:rPr>
-              <a:t>This method returns the size of the runtime thread pool (in number of threads).</a:t>
-            </a:r>
-            <a:endParaRPr b="0" lang="fr-CH" sz="1400" spc="-1" strike="noStrike">
-              <a:latin typeface="Arial"/>
-            </a:endParaRPr>
-          </a:p>
-          <a:p>
-            <a:pPr>
-              <a:lnSpc>
-                <a:spcPct val="100000"/>
-              </a:lnSpc>
-              <a:buNone/>
-            </a:pPr>
-            <a:endParaRPr b="0" lang="fr-CH" sz="1400" spc="-1" strike="noStrike">
-              <a:latin typeface="Arial"/>
-            </a:endParaRPr>
-          </a:p>
-          <a:p>
-            <a:pPr marL="216000" indent="-216000">
+              <a:rPr b="0" lang="fr-CH" sz="1400" spc="-1" strike="noStrike">
+                <a:solidFill>
+                  <a:srgbClr val="000000"/>
+                </a:solidFill>
+                <a:latin typeface="Times New Roman"/>
+                <a:ea typeface="DejaVu Sans"/>
+              </a:rPr>
+              <a:t>int </a:t>
+            </a:r>
+            <a:r>
+              <a:rPr b="1" lang="fr-CH" sz="1400" spc="-1" strike="noStrike">
+                <a:solidFill>
+                  <a:srgbClr val="2a6099"/>
+                </a:solidFill>
+                <a:latin typeface="Times New Roman"/>
+                <a:ea typeface="DejaVu Sans"/>
+              </a:rPr>
+              <a:t>getNbThreads</a:t>
+            </a:r>
+            <a:r>
+              <a:rPr b="0" lang="fr-CH" sz="1400" spc="-1" strike="noStrike">
+                <a:solidFill>
+                  <a:srgbClr val="000000"/>
+                </a:solidFill>
+                <a:latin typeface="Times New Roman"/>
+                <a:ea typeface="DejaVu Sans"/>
+              </a:rPr>
+              <a:t>()</a:t>
+            </a:r>
+            <a:endParaRPr b="0" lang="fr-CH" sz="1400" spc="-1" strike="noStrike">
+              <a:latin typeface="Arial"/>
+            </a:endParaRPr>
+          </a:p>
+          <a:p>
+            <a:pPr lvl="2" marL="648000" indent="-216000">
               <a:lnSpc>
                 <a:spcPct val="100000"/>
               </a:lnSpc>
@@ -3155,32 +3173,32 @@
               <a:buChar char=""/>
             </a:pPr>
             <a:r>
-              <a:rPr b="0" lang="fr-CH" sz="1400" spc="-1" strike="noStrike">
-                <a:latin typeface="Times New Roman"/>
-              </a:rPr>
-              <a:t>void </a:t>
-            </a:r>
-            <a:r>
-              <a:rPr b="1" lang="fr-CH" sz="1400" spc="-1" strike="noStrike">
-                <a:solidFill>
-                  <a:srgbClr val="2a6099"/>
-                </a:solidFill>
-                <a:latin typeface="Times New Roman"/>
-              </a:rPr>
-              <a:t>generateDot</a:t>
-            </a:r>
-            <a:r>
-              <a:rPr b="0" lang="fr-CH" sz="1400" spc="-1" strike="noStrike">
-                <a:latin typeface="Times New Roman"/>
-              </a:rPr>
-              <a:t>(const std::string&amp; outputFilename, bool printAccesses)</a:t>
-            </a:r>
-            <a:endParaRPr b="0" lang="fr-CH" sz="1400" spc="-1" strike="noStrike">
-              <a:latin typeface="Arial"/>
-            </a:endParaRPr>
-          </a:p>
-          <a:p>
-            <a:pPr lvl="2" marL="648000" indent="-216000">
+              <a:rPr b="0" i="1" lang="en-US" sz="1400" spc="-1" strike="noStrike">
+                <a:solidFill>
+                  <a:srgbClr val="000000"/>
+                </a:solidFill>
+                <a:latin typeface="Times New Roman"/>
+                <a:ea typeface="DejaVu Sans"/>
+              </a:rPr>
+              <a:t>Returns the size of the runtime thread pool (in number of threads).</a:t>
+            </a:r>
+            <a:endParaRPr b="0" lang="fr-CH" sz="1400" spc="-1" strike="noStrike">
+              <a:latin typeface="Arial"/>
+            </a:endParaRPr>
+          </a:p>
+          <a:p>
+            <a:pPr>
+              <a:lnSpc>
+                <a:spcPct val="100000"/>
+              </a:lnSpc>
+              <a:buNone/>
+            </a:pPr>
+            <a:endParaRPr b="0" lang="fr-CH" sz="1400" spc="-1" strike="noStrike">
+              <a:latin typeface="Arial"/>
+            </a:endParaRPr>
+          </a:p>
+          <a:p>
+            <a:pPr marL="216000" indent="-216000">
               <a:lnSpc>
                 <a:spcPct val="100000"/>
               </a:lnSpc>
@@ -3192,17 +3210,113 @@
               <a:buChar char=""/>
             </a:pPr>
             <a:r>
+              <a:rPr b="0" lang="fr-CH" sz="1400" spc="-1" strike="noStrike">
+                <a:solidFill>
+                  <a:srgbClr val="000000"/>
+                </a:solidFill>
+                <a:latin typeface="Times New Roman"/>
+                <a:ea typeface="DejaVu Sans"/>
+              </a:rPr>
+              <a:t>void </a:t>
+            </a:r>
+            <a:r>
+              <a:rPr b="1" lang="fr-CH" sz="1400" spc="-1" strike="noStrike">
+                <a:solidFill>
+                  <a:srgbClr val="2a6099"/>
+                </a:solidFill>
+                <a:latin typeface="Times New Roman"/>
+                <a:ea typeface="DejaVu Sans"/>
+              </a:rPr>
+              <a:t>generateDot</a:t>
+            </a:r>
+            <a:r>
+              <a:rPr b="0" lang="fr-CH" sz="1400" spc="-1" strike="noStrike">
+                <a:solidFill>
+                  <a:srgbClr val="000000"/>
+                </a:solidFill>
+                <a:latin typeface="Times New Roman"/>
+                <a:ea typeface="DejaVu Sans"/>
+              </a:rPr>
+              <a:t>(const std::string&amp; outputFilename, bool printAccesses)</a:t>
+            </a:r>
+            <a:endParaRPr b="0" lang="fr-CH" sz="1400" spc="-1" strike="noStrike">
+              <a:latin typeface="Arial"/>
+            </a:endParaRPr>
+          </a:p>
+          <a:p>
+            <a:pPr lvl="2" marL="648000" indent="-216000">
+              <a:lnSpc>
+                <a:spcPct val="100000"/>
+              </a:lnSpc>
+              <a:buClr>
+                <a:srgbClr val="000000"/>
+              </a:buClr>
+              <a:buSzPct val="45000"/>
+              <a:buFont typeface="Wingdings" charset="2"/>
+              <a:buChar char=""/>
+            </a:pPr>
+            <a:r>
               <a:rPr b="0" i="1" lang="en-US" sz="1400" spc="-1" strike="noStrike">
-                <a:latin typeface="Times New Roman"/>
-              </a:rPr>
-              <a:t>This method will generate the task graph corresponding to the execution in dot format.</a:t>
-            </a:r>
-            <a:endParaRPr b="0" lang="fr-CH" sz="1400" spc="-1" strike="noStrike">
-              <a:latin typeface="Arial"/>
-            </a:endParaRPr>
-          </a:p>
-        </p:txBody>
-      </p:sp>
+                <a:solidFill>
+                  <a:srgbClr val="000000"/>
+                </a:solidFill>
+                <a:latin typeface="Times New Roman"/>
+                <a:ea typeface="DejaVu Sans"/>
+              </a:rPr>
+              <a:t>Generate the task graph corresponding to the execution in dot format.</a:t>
+            </a:r>
+            <a:endParaRPr b="0" lang="fr-CH" sz="1400" spc="-1" strike="noStrike">
+              <a:latin typeface="Arial"/>
+            </a:endParaRPr>
+          </a:p>
+        </p:txBody>
+      </p:sp>
+      <p:pic>
+        <p:nvPicPr>
+          <p:cNvPr id="80" name="" descr=""/>
+          <p:cNvPicPr/>
+          <p:nvPr/>
+        </p:nvPicPr>
+        <p:blipFill>
+          <a:blip r:embed="rId1"/>
+          <a:stretch/>
+        </p:blipFill>
+        <p:spPr>
+          <a:xfrm>
+            <a:off x="72360" y="1260000"/>
+            <a:ext cx="1082520" cy="720000"/>
+          </a:xfrm>
+          <a:prstGeom prst="rect">
+            <a:avLst/>
+          </a:prstGeom>
+          <a:ln w="0">
+            <a:noFill/>
+          </a:ln>
+        </p:spPr>
+      </p:pic>
+      <p:pic>
+        <p:nvPicPr>
+          <p:cNvPr id="81" name="" descr=""/>
+          <p:cNvPicPr/>
+          <p:nvPr/>
+        </p:nvPicPr>
+        <p:blipFill>
+          <a:blip r:embed="rId2"/>
+          <a:stretch/>
+        </p:blipFill>
+        <p:spPr>
+          <a:xfrm>
+            <a:off x="46440" y="3456000"/>
+            <a:ext cx="1789560" cy="1257840"/>
+          </a:xfrm>
+          <a:prstGeom prst="rect">
+            <a:avLst/>
+          </a:prstGeom>
+          <a:ln w="10800">
+            <a:noFill/>
+          </a:ln>
+        </p:spPr>
+      </p:pic>
     </p:spTree>
   </p:cSld>
   <mc:AlternateContent>
@@ -3235,14 +3349,14 @@
       </p:grpSpPr>
       <p:sp>
         <p:nvSpPr>
-          <p:cNvPr id="83" name="PlaceHolder 4"/>
+          <p:cNvPr id="82" name="PlaceHolder 4"/>
           <p:cNvSpPr/>
           <p:nvPr/>
         </p:nvSpPr>
         <p:spPr>
           <a:xfrm>
             <a:off x="354960" y="226080"/>
-            <a:ext cx="9354960" cy="713880"/>
+            <a:ext cx="9354600" cy="713520"/>
           </a:xfrm>
           <a:prstGeom prst="rect">
             <a:avLst/>
@@ -3278,6 +3392,7 @@
                   <a:srgbClr val="ffffff"/>
                 </a:solidFill>
                 <a:latin typeface="Source Sans Pro Black"/>
+                <a:ea typeface="DejaVu Sans"/>
               </a:rPr>
               <a:t>SPECX: Data Dependency Interface</a:t>
             </a:r>
@@ -3287,39 +3402,16 @@
           </a:p>
         </p:txBody>
       </p:sp>
-      <p:pic>
-        <p:nvPicPr>
-          <p:cNvPr id="84" name="" descr=""/>
-          <p:cNvPicPr/>
+      <p:sp>
+        <p:nvSpPr>
+          <p:cNvPr id="83" name=""/>
+          <p:cNvSpPr/>
           <p:nvPr/>
-        </p:nvPicPr>
-        <p:blipFill>
-          <a:blip r:embed="rId1"/>
-          <a:stretch/>
-        </p:blipFill>
+        </p:nvSpPr>
         <p:spPr>
           <a:xfrm>
-            <a:off x="8994960" y="61200"/>
-            <a:ext cx="1015920" cy="1015920"/>
-          </a:xfrm>
-          <a:prstGeom prst="rect">
-            <a:avLst/>
-          </a:prstGeom>
-          <a:ln w="0">
-            <a:noFill/>
-          </a:ln>
-        </p:spPr>
-      </p:pic>
-      <p:sp>
-        <p:nvSpPr>
-          <p:cNvPr id="85" name=""/>
-          <p:cNvSpPr/>
-          <p:nvPr/>
-        </p:nvSpPr>
-        <p:spPr>
-          <a:xfrm>
-            <a:off x="143280" y="1393200"/>
-            <a:ext cx="9763200" cy="3673800"/>
+            <a:off x="72000" y="1609200"/>
+            <a:ext cx="9906120" cy="3673440"/>
           </a:xfrm>
           <a:prstGeom prst="rect">
             <a:avLst/>
@@ -3348,9 +3440,33 @@
             </a:pPr>
             <a:r>
               <a:rPr b="0" lang="en-US" sz="1400" spc="-1" strike="noStrike">
-                <a:latin typeface="Times New Roman"/>
-              </a:rPr>
-              <a:t>The data dependency interface forms a collection of objects that can be used to express data dependencies.</a:t>
+                <a:solidFill>
+                  <a:srgbClr val="000000"/>
+                </a:solidFill>
+                <a:latin typeface="Times New Roman"/>
+                <a:ea typeface="DejaVu Sans"/>
+              </a:rPr>
+              <a:t>The</a:t>
+            </a:r>
+            <a:r>
+              <a:rPr b="1" lang="en-US" sz="1400" spc="-1" strike="noStrike">
+                <a:solidFill>
+                  <a:srgbClr val="000000"/>
+                </a:solidFill>
+                <a:latin typeface="Times New Roman"/>
+                <a:ea typeface="DejaVu Sans"/>
+              </a:rPr>
+              <a:t> data dependency interface </a:t>
+            </a:r>
+            <a:r>
+              <a:rPr b="0" lang="en-US" sz="1400" spc="-1" strike="noStrike">
+                <a:solidFill>
+                  <a:srgbClr val="000000"/>
+                </a:solidFill>
+                <a:latin typeface="Times New Roman"/>
+                <a:ea typeface="DejaVu Sans"/>
+              </a:rPr>
+              <a:t>forms a collection of objects that can be used to express data dependencies.</a:t>
             </a:r>
             <a:endParaRPr b="0" lang="fr-CH" sz="1400" spc="-1" strike="noStrike">
               <a:latin typeface="Arial"/>
@@ -3374,29 +3490,37 @@
               </a:lnSpc>
               <a:buNone/>
             </a:pPr>
+            <a:endParaRPr b="0" lang="fr-CH" sz="1400" spc="-1" strike="noStrike">
+              <a:latin typeface="Arial"/>
+            </a:endParaRPr>
+          </a:p>
+          <a:p>
+            <a:pPr marL="360000">
+              <a:lnSpc>
+                <a:spcPct val="100000"/>
+              </a:lnSpc>
+              <a:buNone/>
+            </a:pPr>
+            <a:r>
+              <a:rPr b="1" lang="en-US" sz="1400" spc="-1" strike="noStrike">
+                <a:solidFill>
+                  <a:srgbClr val="000000"/>
+                </a:solidFill>
+                <a:latin typeface="Times New Roman"/>
+                <a:ea typeface="DejaVu Sans"/>
+              </a:rPr>
+              <a:t>Scalar</a:t>
+            </a:r>
             <a:r>
               <a:rPr b="1" lang="fr-CH" sz="1400" spc="-1" strike="noStrike">
-                <a:latin typeface="Times New Roman"/>
-              </a:rPr>
-              <a:t>Data dependency objects : </a:t>
-            </a:r>
-            <a:r>
-              <a:rPr b="0" lang="en-US" sz="1400" spc="-1" strike="noStrike">
-                <a:latin typeface="Times New Roman"/>
-              </a:rPr>
-              <a:t>Specifying data dependencies boils down to constructing the relevant data dependency objects from the data lvalues.</a:t>
-            </a:r>
-            <a:endParaRPr b="0" lang="fr-CH" sz="1400" spc="-1" strike="noStrike">
-              <a:latin typeface="Arial"/>
-            </a:endParaRPr>
-          </a:p>
-          <a:p>
-            <a:pPr>
-              <a:lnSpc>
-                <a:spcPct val="100000"/>
-              </a:lnSpc>
-              <a:buNone/>
-            </a:pPr>
+                <a:solidFill>
+                  <a:srgbClr val="000000"/>
+                </a:solidFill>
+                <a:latin typeface="Times New Roman"/>
+                <a:ea typeface="DejaVu Sans"/>
+              </a:rPr>
+              <a:t> data</a:t>
+            </a:r>
             <a:endParaRPr b="0" lang="fr-CH" sz="1400" spc="-1" strike="noStrike">
               <a:latin typeface="Arial"/>
             </a:endParaRPr>
@@ -3408,29 +3532,12 @@
               </a:lnSpc>
               <a:buNone/>
             </a:pPr>
-            <a:r>
-              <a:rPr b="1" lang="fr-CH" sz="1400" spc="-1" strike="noStrike">
-                <a:latin typeface="Times New Roman"/>
-              </a:rPr>
-              <a:t>Scalar data</a:t>
-            </a:r>
-            <a:endParaRPr b="0" lang="fr-CH" sz="1400" spc="-1" strike="noStrike">
-              <a:latin typeface="Arial"/>
-            </a:endParaRPr>
-          </a:p>
-          <a:p>
-            <a:pPr marL="360000">
-              <a:lnSpc>
-                <a:spcPct val="100000"/>
-              </a:lnSpc>
-              <a:buNone/>
-            </a:pPr>
-            <a:endParaRPr b="0" lang="fr-CH" sz="1400" spc="-1" strike="noStrike">
-              <a:latin typeface="Arial"/>
-            </a:endParaRPr>
-          </a:p>
-          <a:p>
-            <a:pPr marL="720000" indent="-216000">
+            <a:endParaRPr b="0" lang="fr-CH" sz="1400" spc="-1" strike="noStrike">
+              <a:latin typeface="Arial"/>
+            </a:endParaRPr>
+          </a:p>
+          <a:p>
+            <a:pPr marL="720000" indent="-216000" algn="just">
               <a:lnSpc>
                 <a:spcPct val="100000"/>
               </a:lnSpc>
@@ -3453,6 +3560,9 @@
             </a:r>
             <a:r>
               <a:rPr b="0" lang="en-US" sz="1400" spc="-1" strike="noStrike">
+                <a:solidFill>
+                  <a:srgbClr val="000000"/>
+                </a:solidFill>
                 <a:latin typeface="Times New Roman"/>
                 <a:ea typeface="Microsoft YaHei"/>
               </a:rPr>
@@ -3460,28 +3570,31 @@
             </a:r>
             <a:r>
               <a:rPr b="0" i="1" lang="en-US" sz="1400" spc="-1" strike="noStrike">
+                <a:solidFill>
+                  <a:srgbClr val="000000"/>
+                </a:solidFill>
                 <a:latin typeface="Times New Roman"/>
                 <a:ea typeface="Microsoft YaHei"/>
               </a:rPr>
-              <a:t>//Specifies a read dependency on x. Reads are ordered by the runtime with respect to writes, maybe-writes, commutative writes and atomic writes.</a:t>
-            </a:r>
-            <a:endParaRPr b="0" lang="fr-CH" sz="1400" spc="-1" strike="noStrike">
-              <a:latin typeface="Arial"/>
-            </a:endParaRPr>
-          </a:p>
-          <a:p>
-            <a:pPr>
-              <a:lnSpc>
-                <a:spcPct val="100000"/>
-              </a:lnSpc>
-              <a:buNone/>
-            </a:pPr>
-            <a:endParaRPr b="0" lang="fr-CH" sz="1400" spc="-1" strike="noStrike">
-              <a:latin typeface="Arial"/>
-            </a:endParaRPr>
-          </a:p>
-          <a:p>
-            <a:pPr marL="720000" indent="-216000">
+              <a:t>//Reads are ordered by the runtime with respect to writes, maybe-writes, commutative writes and atomic writes.</a:t>
+            </a:r>
+            <a:endParaRPr b="0" lang="fr-CH" sz="1400" spc="-1" strike="noStrike">
+              <a:latin typeface="Arial"/>
+            </a:endParaRPr>
+          </a:p>
+          <a:p>
+            <a:pPr algn="just">
+              <a:lnSpc>
+                <a:spcPct val="100000"/>
+              </a:lnSpc>
+              <a:buNone/>
+            </a:pPr>
+            <a:endParaRPr b="0" lang="fr-CH" sz="1400" spc="-1" strike="noStrike">
+              <a:latin typeface="Arial"/>
+            </a:endParaRPr>
+          </a:p>
+          <a:p>
+            <a:pPr marL="720000" indent="-216000" algn="just">
               <a:lnSpc>
                 <a:spcPct val="100000"/>
               </a:lnSpc>
@@ -3504,6 +3617,9 @@
             </a:r>
             <a:r>
               <a:rPr b="0" lang="en-US" sz="1400" spc="-1" strike="noStrike">
+                <a:solidFill>
+                  <a:srgbClr val="000000"/>
+                </a:solidFill>
                 <a:latin typeface="Times New Roman"/>
                 <a:ea typeface="Microsoft YaHei"/>
               </a:rPr>
@@ -3511,28 +3627,20 @@
             </a:r>
             <a:r>
               <a:rPr b="0" i="1" lang="en-US" sz="1400" spc="-1" strike="noStrike">
+                <a:solidFill>
+                  <a:srgbClr val="000000"/>
+                </a:solidFill>
                 <a:latin typeface="Times New Roman"/>
                 <a:ea typeface="Microsoft YaHei"/>
               </a:rPr>
-              <a:t>//Specifies a write dependency on x indicating that the data x will be written to with 100% certainty. Multiple successive write requests to given data x will be fulfilled one after the other in the order they were emitted in at runtime. Writes are ordered by the runtime with respect to reads, writes, maybe-writes, commutative writes and atomic writes.</a:t>
-            </a:r>
-            <a:endParaRPr b="0" lang="fr-CH" sz="1400" spc="-1" strike="noStrike">
-              <a:latin typeface="Arial"/>
-            </a:endParaRPr>
-          </a:p>
-          <a:p>
-            <a:pPr>
-              <a:lnSpc>
-                <a:spcPct val="100000"/>
-              </a:lnSpc>
-              <a:buNone/>
-            </a:pPr>
-            <a:endParaRPr b="0" lang="fr-CH" sz="1400" spc="-1" strike="noStrike">
-              <a:latin typeface="Arial"/>
-            </a:endParaRPr>
-          </a:p>
-          <a:p>
-            <a:pPr marL="720000" indent="-216000">
+              <a:t>//Specifies a write dependency on x indicating that the data x will be written to with 100% certainty. </a:t>
+            </a:r>
+            <a:endParaRPr b="0" lang="fr-CH" sz="1400" spc="-1" strike="noStrike">
+              <a:latin typeface="Arial"/>
+            </a:endParaRPr>
+          </a:p>
+          <a:p>
+            <a:pPr marL="720000" indent="-216000" algn="just">
               <a:lnSpc>
                 <a:spcPct val="100000"/>
               </a:lnSpc>
@@ -3544,6 +3652,95 @@
               <a:buChar char=""/>
             </a:pPr>
             <a:r>
+              <a:rPr b="0" i="1" lang="en-US" sz="1400" spc="-1" strike="noStrike">
+                <a:solidFill>
+                  <a:srgbClr val="000000"/>
+                </a:solidFill>
+                <a:latin typeface="Times New Roman"/>
+                <a:ea typeface="Microsoft YaHei"/>
+              </a:rPr>
+              <a:t>Multiple successive write requests to given data x will be fulfilled one after the other in the order </a:t>
+            </a:r>
+            <a:endParaRPr b="0" lang="fr-CH" sz="1400" spc="-1" strike="noStrike">
+              <a:latin typeface="Arial"/>
+            </a:endParaRPr>
+          </a:p>
+          <a:p>
+            <a:pPr marL="720000" indent="-216000" algn="just">
+              <a:lnSpc>
+                <a:spcPct val="100000"/>
+              </a:lnSpc>
+              <a:buClr>
+                <a:srgbClr val="000000"/>
+              </a:buClr>
+              <a:buSzPct val="45000"/>
+              <a:buFont typeface="Wingdings" charset="2"/>
+              <a:buChar char=""/>
+            </a:pPr>
+            <a:r>
+              <a:rPr b="0" i="1" lang="en-US" sz="1400" spc="-1" strike="noStrike">
+                <a:solidFill>
+                  <a:srgbClr val="000000"/>
+                </a:solidFill>
+                <a:latin typeface="Times New Roman"/>
+                <a:ea typeface="Microsoft YaHei"/>
+              </a:rPr>
+              <a:t>they were emitted in at runtime. </a:t>
+            </a:r>
+            <a:endParaRPr b="0" lang="fr-CH" sz="1400" spc="-1" strike="noStrike">
+              <a:latin typeface="Arial"/>
+            </a:endParaRPr>
+          </a:p>
+          <a:p>
+            <a:pPr marL="720000" indent="-216000" algn="just">
+              <a:lnSpc>
+                <a:spcPct val="100000"/>
+              </a:lnSpc>
+              <a:buClr>
+                <a:srgbClr val="000000"/>
+              </a:buClr>
+              <a:buSzPct val="45000"/>
+              <a:buFont typeface="Wingdings" charset="2"/>
+              <a:buChar char=""/>
+            </a:pPr>
+            <a:r>
+              <a:rPr b="0" i="1" lang="en-US" sz="1400" spc="-1" strike="noStrike">
+                <a:solidFill>
+                  <a:srgbClr val="000000"/>
+                </a:solidFill>
+                <a:latin typeface="Times New Roman"/>
+                <a:ea typeface="Microsoft YaHei"/>
+              </a:rPr>
+              <a:t>Writes are ordered by the runtime with respect to reads, writes, maybe-writes, commutative writes and atomic writes.</a:t>
+            </a:r>
+            <a:endParaRPr b="0" lang="fr-CH" sz="1400" spc="-1" strike="noStrike">
+              <a:latin typeface="Arial"/>
+            </a:endParaRPr>
+          </a:p>
+          <a:p>
+            <a:pPr algn="just">
+              <a:lnSpc>
+                <a:spcPct val="100000"/>
+              </a:lnSpc>
+              <a:buNone/>
+            </a:pPr>
+            <a:endParaRPr b="0" lang="fr-CH" sz="1400" spc="-1" strike="noStrike">
+              <a:latin typeface="Arial"/>
+            </a:endParaRPr>
+          </a:p>
+          <a:p>
+            <a:pPr marL="720000" indent="-216000" algn="just">
+              <a:lnSpc>
+                <a:spcPct val="100000"/>
+              </a:lnSpc>
+              <a:buClr>
+                <a:srgbClr val="000000"/>
+              </a:buClr>
+              <a:buSzPct val="45000"/>
+              <a:buFont typeface="Wingdings" charset="2"/>
+              <a:buChar char=""/>
+            </a:pPr>
+            <a:r>
               <a:rPr b="1" lang="en-US" sz="1400" spc="-1" strike="noStrike">
                 <a:solidFill>
                   <a:srgbClr val="2a6099"/>
@@ -3555,6 +3752,9 @@
             </a:r>
             <a:r>
               <a:rPr b="0" lang="en-US" sz="1400" spc="-1" strike="noStrike">
+                <a:solidFill>
+                  <a:srgbClr val="000000"/>
+                </a:solidFill>
                 <a:latin typeface="Times New Roman"/>
                 <a:ea typeface="Microsoft YaHei"/>
               </a:rPr>
@@ -3562,6 +3762,9 @@
             </a:r>
             <a:r>
               <a:rPr b="0" i="1" lang="en-US" sz="1400" spc="-1" strike="noStrike">
+                <a:solidFill>
+                  <a:srgbClr val="000000"/>
+                </a:solidFill>
                 <a:latin typeface="Times New Roman"/>
                 <a:ea typeface="Microsoft YaHei"/>
               </a:rPr>
@@ -3605,14 +3808,14 @@
       </p:grpSpPr>
       <p:sp>
         <p:nvSpPr>
-          <p:cNvPr id="86" name="PlaceHolder 8"/>
+          <p:cNvPr id="84" name="PlaceHolder 8"/>
           <p:cNvSpPr/>
           <p:nvPr/>
         </p:nvSpPr>
         <p:spPr>
           <a:xfrm>
             <a:off x="354960" y="226080"/>
-            <a:ext cx="9354960" cy="713880"/>
+            <a:ext cx="9354600" cy="713520"/>
           </a:xfrm>
           <a:prstGeom prst="rect">
             <a:avLst/>
@@ -3648,6 +3851,7 @@
                   <a:srgbClr val="ffffff"/>
                 </a:solidFill>
                 <a:latin typeface="Source Sans Pro Black"/>
+                <a:ea typeface="DejaVu Sans"/>
               </a:rPr>
               <a:t>SPECX: Data Dependency Interface</a:t>
             </a:r>
@@ -3657,39 +3861,16 @@
           </a:p>
         </p:txBody>
       </p:sp>
-      <p:pic>
-        <p:nvPicPr>
-          <p:cNvPr id="87" name="" descr=""/>
-          <p:cNvPicPr/>
+      <p:sp>
+        <p:nvSpPr>
+          <p:cNvPr id="85" name=""/>
+          <p:cNvSpPr/>
           <p:nvPr/>
-        </p:nvPicPr>
-        <p:blipFill>
-          <a:blip r:embed="rId1"/>
-          <a:stretch/>
-        </p:blipFill>
+        </p:nvSpPr>
         <p:spPr>
           <a:xfrm>
-            <a:off x="8994960" y="61200"/>
-            <a:ext cx="1015920" cy="1015920"/>
-          </a:xfrm>
-          <a:prstGeom prst="rect">
-            <a:avLst/>
-          </a:prstGeom>
-          <a:ln w="0">
-            <a:noFill/>
-          </a:ln>
-        </p:spPr>
-      </p:pic>
-      <p:sp>
-        <p:nvSpPr>
-          <p:cNvPr id="88" name=""/>
-          <p:cNvSpPr/>
-          <p:nvPr/>
-        </p:nvSpPr>
-        <p:spPr>
-          <a:xfrm>
-            <a:off x="180000" y="1841400"/>
-            <a:ext cx="9719640" cy="3234960"/>
+            <a:off x="180000" y="2129400"/>
+            <a:ext cx="9719280" cy="3234600"/>
           </a:xfrm>
           <a:prstGeom prst="rect">
             <a:avLst/>
@@ -3722,37 +3903,25 @@
               <a:buChar char=""/>
             </a:pPr>
             <a:r>
-              <a:rPr b="1" lang="fr-CH" sz="1400" spc="-1" strike="noStrike">
+              <a:rPr b="1" lang="en-US" sz="1400" spc="-1" strike="noStrike">
                 <a:solidFill>
                   <a:srgbClr val="2a6099"/>
                 </a:solidFill>
                 <a:latin typeface="Times New Roman"/>
+                <a:ea typeface="DejaVu Sans"/>
               </a:rPr>
               <a:t>SpCommutativeWrite</a:t>
             </a:r>
             <a:r>
-              <a:rPr b="0" lang="fr-CH" sz="1400" spc="-1" strike="noStrike">
-                <a:latin typeface="Times New Roman"/>
-              </a:rPr>
-              <a:t>(x)        </a:t>
-            </a:r>
-            <a:r>
-              <a:rPr b="0" i="1" lang="fr-CH" sz="1400" spc="-1" strike="noStrike">
-                <a:latin typeface="Times New Roman"/>
-              </a:rPr>
-              <a:t> //Specifies a commutative write dependency on x, i.e. writes that can be performed in any order.</a:t>
-            </a:r>
-            <a:endParaRPr b="0" lang="fr-CH" sz="1400" spc="-1" strike="noStrike">
-              <a:latin typeface="Arial"/>
-            </a:endParaRPr>
-          </a:p>
-          <a:p>
-            <a:pPr algn="just">
-              <a:lnSpc>
-                <a:spcPct val="100000"/>
-              </a:lnSpc>
-              <a:buNone/>
-            </a:pPr>
+              <a:rPr b="0" lang="en-US" sz="1400" spc="-1" strike="noStrike">
+                <a:solidFill>
+                  <a:srgbClr val="000000"/>
+                </a:solidFill>
+                <a:latin typeface="Times New Roman"/>
+                <a:ea typeface="DejaVu Sans"/>
+              </a:rPr>
+              <a:t>(x)  </a:t>
+            </a:r>
             <a:endParaRPr b="0" lang="fr-CH" sz="1400" spc="-1" strike="noStrike">
               <a:latin typeface="Arial"/>
             </a:endParaRPr>
@@ -3770,39 +3939,21 @@
               <a:buChar char=""/>
             </a:pPr>
             <a:r>
-              <a:rPr b="0" i="1" lang="en-US" sz="1400" spc="-1" strike="noStrike">
-                <a:latin typeface="Times New Roman"/>
-              </a:rPr>
-              <a:t>Multiple successive commutative write requests will be fulfilled one after the other in any order : while a commutative write request cw1 on data x is currently being serviced, all immediately following commutative write request on data x will be put on hold.</a:t>
-            </a:r>
-            <a:endParaRPr b="0" lang="fr-CH" sz="1400" spc="-1" strike="noStrike">
-              <a:latin typeface="Arial"/>
-            </a:endParaRPr>
-          </a:p>
-          <a:p>
-            <a:pPr algn="just">
-              <a:lnSpc>
-                <a:spcPct val="100000"/>
-              </a:lnSpc>
-              <a:buNone/>
-            </a:pPr>
-            <a:endParaRPr b="0" lang="fr-CH" sz="1400" spc="-1" strike="noStrike">
-              <a:latin typeface="Arial"/>
-            </a:endParaRPr>
-          </a:p>
-          <a:p>
-            <a:pPr algn="just">
-              <a:lnSpc>
-                <a:spcPct val="100000"/>
-              </a:lnSpc>
-              <a:buNone/>
-            </a:pPr>
-            <a:endParaRPr b="0" lang="fr-CH" sz="1400" spc="-1" strike="noStrike">
-              <a:latin typeface="Arial"/>
-            </a:endParaRPr>
-          </a:p>
-          <a:p>
-            <a:pPr marL="216000" indent="-216000" algn="just">
+              <a:rPr b="0" lang="en-US" sz="1400" spc="-1" strike="noStrike">
+                <a:solidFill>
+                  <a:srgbClr val="000000"/>
+                </a:solidFill>
+                <a:latin typeface="Times New Roman"/>
+                <a:ea typeface="DejaVu Sans"/>
+              </a:rPr>
+              <a:t>     </a:t>
+            </a:r>
+            <a:endParaRPr b="0" lang="fr-CH" sz="1400" spc="-1" strike="noStrike">
+              <a:latin typeface="Arial"/>
+            </a:endParaRPr>
+          </a:p>
+          <a:p>
+            <a:pPr lvl="1" marL="432000" indent="-216000" algn="just">
               <a:lnSpc>
                 <a:spcPct val="100000"/>
               </a:lnSpc>
@@ -3814,49 +3965,15 @@
               <a:buChar char=""/>
             </a:pPr>
             <a:r>
-              <a:rPr b="1" lang="fr-CH" sz="1400" spc="-1" strike="noStrike">
-                <a:solidFill>
-                  <a:srgbClr val="2a6099"/>
-                </a:solidFill>
-                <a:latin typeface="Times New Roman"/>
-              </a:rPr>
-              <a:t>SpAtomicWrite</a:t>
-            </a:r>
-            <a:r>
-              <a:rPr b="0" lang="fr-CH" sz="1400" spc="-1" strike="noStrike">
-                <a:latin typeface="Times New Roman"/>
-              </a:rPr>
-              <a:t>(x)                    </a:t>
-            </a:r>
-            <a:r>
-              <a:rPr b="0" i="1" lang="fr-CH" sz="1400" spc="-1" strike="noStrike">
-                <a:latin typeface="Times New Roman"/>
-              </a:rPr>
-              <a:t>//Specifies an atomic </a:t>
-            </a:r>
-            <a:r>
               <a:rPr b="0" i="1" lang="en-US" sz="1400" spc="-1" strike="noStrike">
-                <a:latin typeface="Times New Roman"/>
-              </a:rPr>
-              <a:t>write</a:t>
-            </a:r>
-            <a:r>
-              <a:rPr b="0" i="1" lang="fr-CH" sz="1400" spc="-1" strike="noStrike">
-                <a:latin typeface="Times New Roman"/>
-              </a:rPr>
-              <a:t> dependency on x.</a:t>
-            </a:r>
-            <a:endParaRPr b="0" lang="fr-CH" sz="1400" spc="-1" strike="noStrike">
-              <a:latin typeface="Arial"/>
-            </a:endParaRPr>
-          </a:p>
-          <a:p>
-            <a:pPr algn="just">
-              <a:lnSpc>
-                <a:spcPct val="100000"/>
-              </a:lnSpc>
-              <a:buNone/>
-            </a:pPr>
+                <a:solidFill>
+                  <a:srgbClr val="000000"/>
+                </a:solidFill>
+                <a:latin typeface="Times New Roman"/>
+                <a:ea typeface="DejaVu Sans"/>
+              </a:rPr>
+              <a:t>Multiple successive commutative write requests will be fulfilled one after the other in any order </a:t>
+            </a:r>
             <a:endParaRPr b="0" lang="fr-CH" sz="1400" spc="-1" strike="noStrike">
               <a:latin typeface="Arial"/>
             </a:endParaRPr>
@@ -3873,23 +3990,6 @@
               <a:buFont typeface="Wingdings" charset="2"/>
               <a:buChar char=""/>
             </a:pPr>
-            <a:r>
-              <a:rPr b="0" i="1" lang="en-US" sz="1400" spc="-1" strike="noStrike">
-                <a:latin typeface="Times New Roman"/>
-              </a:rPr>
-              <a:t>Atomic write requests are always fulfilled by default, i.e. an atomic write request awr2 on data x immediately following another atomic write request awr1 on data x does not have to wait for awr1 to be fulfilled in order to be serviced. </a:t>
-            </a:r>
-            <a:endParaRPr b="0" lang="fr-CH" sz="1400" spc="-1" strike="noStrike">
-              <a:latin typeface="Arial"/>
-            </a:endParaRPr>
-          </a:p>
-          <a:p>
-            <a:pPr algn="just">
-              <a:lnSpc>
-                <a:spcPct val="100000"/>
-              </a:lnSpc>
-              <a:buNone/>
-            </a:pPr>
             <a:endParaRPr b="0" lang="fr-CH" sz="1400" spc="-1" strike="noStrike">
               <a:latin typeface="Arial"/>
             </a:endParaRPr>
@@ -3906,9 +4006,149 @@
               <a:buFont typeface="Wingdings" charset="2"/>
               <a:buChar char=""/>
             </a:pPr>
+            <a:endParaRPr b="0" lang="fr-CH" sz="1400" spc="-1" strike="noStrike">
+              <a:latin typeface="Arial"/>
+            </a:endParaRPr>
+          </a:p>
+          <a:p>
+            <a:pPr marL="216000" indent="-216000" algn="just">
+              <a:lnSpc>
+                <a:spcPct val="100000"/>
+              </a:lnSpc>
+              <a:buClr>
+                <a:srgbClr val="000000"/>
+              </a:buClr>
+              <a:buSzPct val="45000"/>
+              <a:buFont typeface="Wingdings" charset="2"/>
+              <a:buChar char=""/>
+            </a:pPr>
+            <a:endParaRPr b="0" lang="fr-CH" sz="1400" spc="-1" strike="noStrike">
+              <a:latin typeface="Arial"/>
+            </a:endParaRPr>
+          </a:p>
+          <a:p>
+            <a:pPr marL="216000" indent="-216000" algn="just">
+              <a:lnSpc>
+                <a:spcPct val="100000"/>
+              </a:lnSpc>
+              <a:buClr>
+                <a:srgbClr val="000000"/>
+              </a:buClr>
+              <a:buSzPct val="45000"/>
+              <a:buFont typeface="Wingdings" charset="2"/>
+              <a:buChar char=""/>
+            </a:pPr>
+            <a:r>
+              <a:rPr b="1" lang="fr-CH" sz="1400" spc="-1" strike="noStrike">
+                <a:solidFill>
+                  <a:srgbClr val="2a6099"/>
+                </a:solidFill>
+                <a:latin typeface="Times New Roman"/>
+                <a:ea typeface="DejaVu Sans"/>
+              </a:rPr>
+              <a:t>SpAtomicWrite</a:t>
+            </a:r>
+            <a:r>
+              <a:rPr b="0" lang="fr-CH" sz="1400" spc="-1" strike="noStrike">
+                <a:solidFill>
+                  <a:srgbClr val="000000"/>
+                </a:solidFill>
+                <a:latin typeface="Times New Roman"/>
+                <a:ea typeface="DejaVu Sans"/>
+              </a:rPr>
+              <a:t>(x)</a:t>
+            </a:r>
+            <a:endParaRPr b="0" lang="fr-CH" sz="1400" spc="-1" strike="noStrike">
+              <a:latin typeface="Arial"/>
+            </a:endParaRPr>
+          </a:p>
+          <a:p>
+            <a:pPr marL="216000" indent="-216000" algn="just">
+              <a:lnSpc>
+                <a:spcPct val="100000"/>
+              </a:lnSpc>
+              <a:buClr>
+                <a:srgbClr val="000000"/>
+              </a:buClr>
+              <a:buSzPct val="45000"/>
+              <a:buFont typeface="Wingdings" charset="2"/>
+              <a:buChar char=""/>
+            </a:pPr>
+            <a:r>
+              <a:rPr b="0" lang="fr-CH" sz="1400" spc="-1" strike="noStrike">
+                <a:solidFill>
+                  <a:srgbClr val="000000"/>
+                </a:solidFill>
+                <a:latin typeface="Times New Roman"/>
+                <a:ea typeface="DejaVu Sans"/>
+              </a:rPr>
+              <a:t>	</a:t>
+            </a:r>
+            <a:endParaRPr b="0" lang="fr-CH" sz="1400" spc="-1" strike="noStrike">
+              <a:latin typeface="Arial"/>
+            </a:endParaRPr>
+          </a:p>
+          <a:p>
+            <a:pPr lvl="1" marL="432000" indent="-216000" algn="just">
+              <a:lnSpc>
+                <a:spcPct val="100000"/>
+              </a:lnSpc>
+              <a:buClr>
+                <a:srgbClr val="000000"/>
+              </a:buClr>
+              <a:buSzPct val="45000"/>
+              <a:buFont typeface="Wingdings" charset="2"/>
+              <a:buChar char=""/>
+            </a:pPr>
             <a:r>
               <a:rPr b="0" i="1" lang="en-US" sz="1400" spc="-1" strike="noStrike">
-                <a:latin typeface="Times New Roman"/>
+                <a:solidFill>
+                  <a:srgbClr val="000000"/>
+                </a:solidFill>
+                <a:latin typeface="Times New Roman"/>
+                <a:ea typeface="DejaVu Sans"/>
+              </a:rPr>
+              <a:t>Atomic write requests are always fulfilled by default, i.e. an atomic write request awr2 on data x immediately following another atomic write request awr1 on data x does not have to wait for awr1 to be fulfilled in order to be serviced. </a:t>
+            </a:r>
+            <a:endParaRPr b="0" lang="fr-CH" sz="1400" spc="-1" strike="noStrike">
+              <a:latin typeface="Arial"/>
+            </a:endParaRPr>
+          </a:p>
+          <a:p>
+            <a:pPr marL="216000" indent="-216000" algn="just">
+              <a:lnSpc>
+                <a:spcPct val="100000"/>
+              </a:lnSpc>
+              <a:buClr>
+                <a:srgbClr val="000000"/>
+              </a:buClr>
+              <a:buSzPct val="45000"/>
+              <a:buFont typeface="Wingdings" charset="2"/>
+              <a:buChar char=""/>
+            </a:pPr>
+            <a:endParaRPr b="0" lang="fr-CH" sz="1400" spc="-1" strike="noStrike">
+              <a:latin typeface="Arial"/>
+            </a:endParaRPr>
+          </a:p>
+          <a:p>
+            <a:pPr lvl="1" marL="432000" indent="-216000" algn="just">
+              <a:lnSpc>
+                <a:spcPct val="100000"/>
+              </a:lnSpc>
+              <a:buClr>
+                <a:srgbClr val="000000"/>
+              </a:buClr>
+              <a:buSzPct val="45000"/>
+              <a:buFont typeface="Wingdings" charset="2"/>
+              <a:buChar char=""/>
+            </a:pPr>
+            <a:r>
+              <a:rPr b="0" i="1" lang="en-US" sz="1400" spc="-1" strike="noStrike">
+                <a:solidFill>
+                  <a:srgbClr val="000000"/>
+                </a:solidFill>
+                <a:latin typeface="Times New Roman"/>
+                <a:ea typeface="DejaVu Sans"/>
               </a:rPr>
               <a:t>Multiple successive atomic writes will be performed in any order. The atomic writes will be committed to memory in whatever order they will be committed at runtime, the point is that the Specx runtime does not enforce an order on the atomic writes.</a:t>
             </a:r>
@@ -3940,6 +4180,29 @@
           </a:p>
         </p:txBody>
       </p:sp>
+      <p:pic>
+        <p:nvPicPr>
+          <p:cNvPr id="86" name="" descr=""/>
+          <p:cNvPicPr/>
+          <p:nvPr/>
+        </p:nvPicPr>
+        <p:blipFill>
+          <a:blip r:embed="rId1"/>
+          <a:stretch/>
+        </p:blipFill>
+        <p:spPr>
+          <a:xfrm>
+            <a:off x="72720" y="1260000"/>
+            <a:ext cx="1082520" cy="720000"/>
+          </a:xfrm>
+          <a:prstGeom prst="rect">
+            <a:avLst/>
+          </a:prstGeom>
+          <a:ln w="0">
+            <a:noFill/>
+          </a:ln>
+        </p:spPr>
+      </p:pic>
     </p:spTree>
   </p:cSld>
   <mc:AlternateContent>
@@ -3972,14 +4235,14 @@
       </p:grpSpPr>
       <p:sp>
         <p:nvSpPr>
-          <p:cNvPr id="89" name="PlaceHolder 6"/>
+          <p:cNvPr id="87" name="PlaceHolder 6"/>
           <p:cNvSpPr/>
           <p:nvPr/>
         </p:nvSpPr>
         <p:spPr>
           <a:xfrm>
             <a:off x="354960" y="226080"/>
-            <a:ext cx="9354960" cy="713880"/>
+            <a:ext cx="9354600" cy="713520"/>
           </a:xfrm>
           <a:prstGeom prst="rect">
             <a:avLst/>
@@ -4015,6 +4278,7 @@
                   <a:srgbClr val="ffffff"/>
                 </a:solidFill>
                 <a:latin typeface="Source Sans Pro Black"/>
+                <a:ea typeface="DejaVu Sans"/>
               </a:rPr>
               <a:t>SPECX: Data Dependency Interface</a:t>
             </a:r>
@@ -4024,39 +4288,16 @@
           </a:p>
         </p:txBody>
       </p:sp>
-      <p:pic>
-        <p:nvPicPr>
-          <p:cNvPr id="90" name="" descr=""/>
-          <p:cNvPicPr/>
-          <p:nvPr/>
-        </p:nvPicPr>
-        <p:blipFill>
-          <a:blip r:embed="rId1"/>
-          <a:stretch/>
-        </p:blipFill>
-        <p:spPr>
-          <a:xfrm>
-            <a:off x="8994960" y="61200"/>
-            <a:ext cx="1015920" cy="1015920"/>
-          </a:xfrm>
-          <a:prstGeom prst="rect">
-            <a:avLst/>
-          </a:prstGeom>
-          <a:ln w="0">
-            <a:noFill/>
-          </a:ln>
-        </p:spPr>
-      </p:pic>
-      <p:sp>
-        <p:nvSpPr>
-          <p:cNvPr id="91" name=""/>
+      <p:sp>
+        <p:nvSpPr>
+          <p:cNvPr id="88" name=""/>
           <p:cNvSpPr/>
           <p:nvPr/>
         </p:nvSpPr>
         <p:spPr>
           <a:xfrm>
             <a:off x="257400" y="1349280"/>
-            <a:ext cx="9534600" cy="3798360"/>
+            <a:ext cx="9534240" cy="3798000"/>
           </a:xfrm>
           <a:prstGeom prst="rect">
             <a:avLst/>
@@ -4085,9 +4326,33 @@
             </a:pPr>
             <a:r>
               <a:rPr b="1" lang="fr-CH" sz="1400" spc="-1" strike="noStrike">
-                <a:latin typeface="Times New Roman"/>
-              </a:rPr>
-              <a:t>Non scalar data</a:t>
+                <a:solidFill>
+                  <a:srgbClr val="000000"/>
+                </a:solidFill>
+                <a:latin typeface="Times New Roman"/>
+                <a:ea typeface="DejaVu Sans"/>
+              </a:rPr>
+              <a:t>Non </a:t>
+            </a:r>
+            <a:r>
+              <a:rPr b="1" lang="en-US" sz="1400" spc="-1" strike="noStrike">
+                <a:solidFill>
+                  <a:srgbClr val="000000"/>
+                </a:solidFill>
+                <a:latin typeface="Times New Roman"/>
+                <a:ea typeface="DejaVu Sans"/>
+              </a:rPr>
+              <a:t>scalar</a:t>
+            </a:r>
+            <a:r>
+              <a:rPr b="1" lang="fr-CH" sz="1400" spc="-1" strike="noStrike">
+                <a:solidFill>
+                  <a:srgbClr val="000000"/>
+                </a:solidFill>
+                <a:latin typeface="Times New Roman"/>
+                <a:ea typeface="DejaVu Sans"/>
+              </a:rPr>
+              <a:t> data</a:t>
             </a:r>
             <a:endParaRPr b="0" lang="fr-CH" sz="1400" spc="-1" strike="noStrike">
               <a:latin typeface="Arial"/>
@@ -4113,67 +4378,111 @@
             </a:pPr>
             <a:r>
               <a:rPr b="0" lang="fr-CH" sz="1400" spc="-1" strike="noStrike">
-                <a:latin typeface="Times New Roman"/>
+                <a:solidFill>
+                  <a:srgbClr val="000000"/>
+                </a:solidFill>
+                <a:latin typeface="Times New Roman"/>
+                <a:ea typeface="DejaVu Sans"/>
               </a:rPr>
               <a:t>We also </a:t>
             </a:r>
             <a:r>
               <a:rPr b="0" lang="en-US" sz="1400" spc="-1" strike="noStrike">
-                <a:latin typeface="Times New Roman"/>
+                <a:solidFill>
+                  <a:srgbClr val="000000"/>
+                </a:solidFill>
+                <a:latin typeface="Times New Roman"/>
+                <a:ea typeface="DejaVu Sans"/>
               </a:rPr>
               <a:t>provide</a:t>
             </a:r>
             <a:r>
               <a:rPr b="0" lang="fr-CH" sz="1400" spc="-1" strike="noStrike">
-                <a:latin typeface="Times New Roman"/>
+                <a:solidFill>
+                  <a:srgbClr val="000000"/>
+                </a:solidFill>
+                <a:latin typeface="Times New Roman"/>
+                <a:ea typeface="DejaVu Sans"/>
               </a:rPr>
               <a:t> </a:t>
             </a:r>
             <a:r>
               <a:rPr b="0" lang="en-US" sz="1400" spc="-1" strike="noStrike">
-                <a:latin typeface="Times New Roman"/>
+                <a:solidFill>
+                  <a:srgbClr val="000000"/>
+                </a:solidFill>
+                <a:latin typeface="Times New Roman"/>
+                <a:ea typeface="DejaVu Sans"/>
               </a:rPr>
               <a:t>analogous</a:t>
             </a:r>
             <a:r>
               <a:rPr b="0" lang="fr-CH" sz="1400" spc="-1" strike="noStrike">
-                <a:latin typeface="Times New Roman"/>
+                <a:solidFill>
+                  <a:srgbClr val="000000"/>
+                </a:solidFill>
+                <a:latin typeface="Times New Roman"/>
+                <a:ea typeface="DejaVu Sans"/>
               </a:rPr>
               <a:t> contructors for </a:t>
             </a:r>
             <a:r>
               <a:rPr b="0" lang="en-US" sz="1400" spc="-1" strike="noStrike">
-                <a:latin typeface="Times New Roman"/>
+                <a:solidFill>
+                  <a:srgbClr val="000000"/>
+                </a:solidFill>
+                <a:latin typeface="Times New Roman"/>
+                <a:ea typeface="DejaVu Sans"/>
               </a:rPr>
               <a:t>aggregates</a:t>
             </a:r>
             <a:r>
               <a:rPr b="0" lang="fr-CH" sz="1400" spc="-1" strike="noStrike">
-                <a:latin typeface="Times New Roman"/>
+                <a:solidFill>
+                  <a:srgbClr val="000000"/>
+                </a:solidFill>
+                <a:latin typeface="Times New Roman"/>
+                <a:ea typeface="DejaVu Sans"/>
               </a:rPr>
               <a:t> of data values </a:t>
             </a:r>
             <a:r>
               <a:rPr b="0" lang="en-US" sz="1400" spc="-1" strike="noStrike">
-                <a:latin typeface="Times New Roman"/>
+                <a:solidFill>
+                  <a:srgbClr val="000000"/>
+                </a:solidFill>
+                <a:latin typeface="Times New Roman"/>
+                <a:ea typeface="DejaVu Sans"/>
               </a:rPr>
               <a:t>from</a:t>
             </a:r>
             <a:r>
               <a:rPr b="0" lang="fr-CH" sz="1400" spc="-1" strike="noStrike">
-                <a:latin typeface="Times New Roman"/>
+                <a:solidFill>
+                  <a:srgbClr val="000000"/>
+                </a:solidFill>
+                <a:latin typeface="Times New Roman"/>
+                <a:ea typeface="DejaVu Sans"/>
               </a:rPr>
               <a:t> </a:t>
             </a:r>
             <a:r>
               <a:rPr b="0" lang="en-US" sz="1400" spc="-1" strike="noStrike">
-                <a:latin typeface="Times New Roman"/>
+                <a:solidFill>
+                  <a:srgbClr val="000000"/>
+                </a:solidFill>
+                <a:latin typeface="Times New Roman"/>
+                <a:ea typeface="DejaVu Sans"/>
               </a:rPr>
               <a:t>arrays</a:t>
             </a:r>
             <a:r>
               <a:rPr b="0" lang="fr-CH" sz="1400" spc="-1" strike="noStrike">
-                <a:latin typeface="Times New Roman"/>
+                <a:solidFill>
+                  <a:srgbClr val="000000"/>
+                </a:solidFill>
+                <a:latin typeface="Times New Roman"/>
+                <a:ea typeface="DejaVu Sans"/>
               </a:rPr>
               <a:t> :</a:t>
             </a:r>
@@ -4210,12 +4519,17 @@
                   <a:srgbClr val="2a6099"/>
                 </a:solidFill>
                 <a:latin typeface="Times New Roman"/>
+                <a:ea typeface="DejaVu Sans"/>
               </a:rPr>
               <a:t>SpReadArray </a:t>
             </a:r>
             <a:r>
               <a:rPr b="0" lang="fr-CH" sz="1400" spc="-1" strike="noStrike">
-                <a:latin typeface="Times New Roman"/>
+                <a:solidFill>
+                  <a:srgbClr val="000000"/>
+                </a:solidFill>
+                <a:latin typeface="Times New Roman"/>
+                <a:ea typeface="DejaVu Sans"/>
               </a:rPr>
               <a:t>                           (&lt;XTy&gt; *x, &lt;ViewTy&gt; view)</a:t>
             </a:r>
@@ -4241,12 +4555,17 @@
                   <a:srgbClr val="2a6099"/>
                 </a:solidFill>
                 <a:latin typeface="Times New Roman"/>
+                <a:ea typeface="DejaVu Sans"/>
               </a:rPr>
               <a:t>SpWriteArray  </a:t>
             </a:r>
             <a:r>
               <a:rPr b="0" lang="fr-CH" sz="1400" spc="-1" strike="noStrike">
-                <a:latin typeface="Times New Roman"/>
+                <a:solidFill>
+                  <a:srgbClr val="000000"/>
+                </a:solidFill>
+                <a:latin typeface="Times New Roman"/>
+                <a:ea typeface="DejaVu Sans"/>
               </a:rPr>
               <a:t>                         (&lt;XTy&gt; *x, &lt;ViewTy&gt; view)</a:t>
             </a:r>
@@ -4272,12 +4591,17 @@
                   <a:srgbClr val="2a6099"/>
                 </a:solidFill>
                 <a:latin typeface="Times New Roman"/>
+                <a:ea typeface="DejaVu Sans"/>
               </a:rPr>
               <a:t>SpMaybeWriteArray  </a:t>
             </a:r>
             <a:r>
               <a:rPr b="0" lang="fr-CH" sz="1400" spc="-1" strike="noStrike">
-                <a:latin typeface="Times New Roman"/>
+                <a:solidFill>
+                  <a:srgbClr val="000000"/>
+                </a:solidFill>
+                <a:latin typeface="Times New Roman"/>
+                <a:ea typeface="DejaVu Sans"/>
               </a:rPr>
               <a:t>             (&lt;XTy&gt; *x, &lt;ViewTy&gt; view)</a:t>
             </a:r>
@@ -4303,12 +4627,17 @@
                   <a:srgbClr val="2a6099"/>
                 </a:solidFill>
                 <a:latin typeface="Times New Roman"/>
+                <a:ea typeface="DejaVu Sans"/>
               </a:rPr>
               <a:t>SpCommutativeWriteArray  </a:t>
             </a:r>
             <a:r>
               <a:rPr b="0" lang="fr-CH" sz="1400" spc="-1" strike="noStrike">
-                <a:latin typeface="Times New Roman"/>
+                <a:solidFill>
+                  <a:srgbClr val="000000"/>
+                </a:solidFill>
+                <a:latin typeface="Times New Roman"/>
+                <a:ea typeface="DejaVu Sans"/>
               </a:rPr>
               <a:t> (&lt;XTy&gt; *x, &lt;ViewTy&gt; view)</a:t>
             </a:r>
@@ -4334,12 +4663,17 @@
                   <a:srgbClr val="2a6099"/>
                 </a:solidFill>
                 <a:latin typeface="Times New Roman"/>
+                <a:ea typeface="DejaVu Sans"/>
               </a:rPr>
               <a:t>SpAtomicWriteArray </a:t>
             </a:r>
             <a:r>
               <a:rPr b="0" lang="fr-CH" sz="1400" spc="-1" strike="noStrike">
-                <a:latin typeface="Times New Roman"/>
+                <a:solidFill>
+                  <a:srgbClr val="000000"/>
+                </a:solidFill>
+                <a:latin typeface="Times New Roman"/>
+                <a:ea typeface="DejaVu Sans"/>
               </a:rPr>
               <a:t>             (&lt;XTy&gt; *x, &lt;ViewTy&gt; view)</a:t>
             </a:r>
@@ -4377,8 +4711,12 @@
               <a:buNone/>
             </a:pPr>
             <a:r>
-              <a:rPr b="1" lang="fr-CH" sz="1400" spc="-1" strike="noStrike">
-                <a:latin typeface="Times New Roman"/>
+              <a:rPr b="1" lang="en-US" sz="1400" spc="-1" strike="noStrike">
+                <a:solidFill>
+                  <a:srgbClr val="000000"/>
+                </a:solidFill>
+                <a:latin typeface="Times New Roman"/>
+                <a:ea typeface="DejaVu Sans"/>
               </a:rPr>
               <a:t>Wrapper objects for callables</a:t>
             </a:r>
@@ -4406,7 +4744,11 @@
             </a:pPr>
             <a:r>
               <a:rPr b="0" lang="en-US" sz="1400" spc="-1" strike="noStrike">
-                <a:latin typeface="Times New Roman"/>
+                <a:solidFill>
+                  <a:srgbClr val="000000"/>
+                </a:solidFill>
+                <a:latin typeface="Times New Roman"/>
+                <a:ea typeface="DejaVu Sans"/>
               </a:rPr>
               <a:t>We provide two wrapper objects for callables whose purpose is to tag a callable to inform the runtime system of whether it should interpret the given callable as CPU or GPU code:</a:t>
             </a:r>
@@ -4443,12 +4785,17 @@
                   <a:srgbClr val="2a6099"/>
                 </a:solidFill>
                 <a:latin typeface="Times New Roman"/>
+                <a:ea typeface="DejaVu Sans"/>
               </a:rPr>
               <a:t>SpCpuCode         </a:t>
             </a:r>
             <a:r>
               <a:rPr b="0" lang="fr-CH" sz="1400" spc="-1" strike="noStrike">
-                <a:latin typeface="Times New Roman"/>
+                <a:solidFill>
+                  <a:srgbClr val="000000"/>
+                </a:solidFill>
+                <a:latin typeface="Times New Roman"/>
+                <a:ea typeface="DejaVu Sans"/>
               </a:rPr>
               <a:t>                     (&lt;CallableTy&gt; c)</a:t>
             </a:r>
@@ -4474,12 +4821,17 @@
                   <a:srgbClr val="2a6099"/>
                 </a:solidFill>
                 <a:latin typeface="Times New Roman"/>
+                <a:ea typeface="DejaVu Sans"/>
               </a:rPr>
               <a:t>SpGpuCode      </a:t>
             </a:r>
             <a:r>
               <a:rPr b="0" lang="fr-CH" sz="1400" spc="-1" strike="noStrike">
-                <a:latin typeface="Times New Roman"/>
+                <a:solidFill>
+                  <a:srgbClr val="000000"/>
+                </a:solidFill>
+                <a:latin typeface="Times New Roman"/>
+                <a:ea typeface="DejaVu Sans"/>
               </a:rPr>
               <a:t>                        (&lt;CallableTy&gt; c)</a:t>
             </a:r>
@@ -4521,14 +4873,14 @@
       </p:grpSpPr>
       <p:sp>
         <p:nvSpPr>
-          <p:cNvPr id="92" name="PlaceHolder 5"/>
+          <p:cNvPr id="89" name="PlaceHolder 5"/>
           <p:cNvSpPr/>
           <p:nvPr/>
         </p:nvSpPr>
         <p:spPr>
           <a:xfrm>
             <a:off x="354960" y="226080"/>
-            <a:ext cx="9354960" cy="713880"/>
+            <a:ext cx="9354600" cy="713520"/>
           </a:xfrm>
           <a:prstGeom prst="rect">
             <a:avLst/>
@@ -4564,6 +4916,7 @@
                   <a:srgbClr val="ffffff"/>
                 </a:solidFill>
                 <a:latin typeface="Source Sans Pro Black"/>
+                <a:ea typeface="DejaVu Sans"/>
               </a:rPr>
               <a:t>SPECX: Task Viewer Interface </a:t>
             </a:r>
@@ -4573,39 +4926,16 @@
           </a:p>
         </p:txBody>
       </p:sp>
-      <p:pic>
-        <p:nvPicPr>
-          <p:cNvPr id="93" name="" descr=""/>
-          <p:cNvPicPr/>
-          <p:nvPr/>
-        </p:nvPicPr>
-        <p:blipFill>
-          <a:blip r:embed="rId1"/>
-          <a:stretch/>
-        </p:blipFill>
-        <p:spPr>
-          <a:xfrm>
-            <a:off x="8994960" y="61200"/>
-            <a:ext cx="1015920" cy="1015920"/>
-          </a:xfrm>
-          <a:prstGeom prst="rect">
-            <a:avLst/>
-          </a:prstGeom>
-          <a:ln w="0">
-            <a:noFill/>
-          </a:ln>
-        </p:spPr>
-      </p:pic>
-      <p:sp>
-        <p:nvSpPr>
-          <p:cNvPr id="94" name=""/>
+      <p:sp>
+        <p:nvSpPr>
+          <p:cNvPr id="90" name=""/>
           <p:cNvSpPr/>
           <p:nvPr/>
         </p:nvSpPr>
         <p:spPr>
           <a:xfrm>
             <a:off x="278280" y="1620000"/>
-            <a:ext cx="6381360" cy="346320"/>
+            <a:ext cx="6381000" cy="345960"/>
           </a:xfrm>
           <a:prstGeom prst="rect">
             <a:avLst/>
@@ -4634,7 +4964,11 @@
             </a:pPr>
             <a:r>
               <a:rPr b="0" lang="en-US" sz="1400" spc="-1" strike="noStrike">
-                <a:latin typeface="Times New Roman"/>
+                <a:solidFill>
+                  <a:srgbClr val="000000"/>
+                </a:solidFill>
+                <a:latin typeface="Times New Roman"/>
+                <a:ea typeface="DejaVu Sans"/>
               </a:rPr>
               <a:t>Main methods available on task objects returned by task calls</a:t>
             </a:r>
@@ -4646,14 +4980,14 @@
       </p:sp>
       <p:sp>
         <p:nvSpPr>
-          <p:cNvPr id="95" name=""/>
+          <p:cNvPr id="91" name=""/>
           <p:cNvSpPr/>
           <p:nvPr/>
         </p:nvSpPr>
         <p:spPr>
           <a:xfrm>
             <a:off x="948240" y="2124000"/>
-            <a:ext cx="8951400" cy="2252160"/>
+            <a:ext cx="8951040" cy="2251800"/>
           </a:xfrm>
           <a:prstGeom prst="rect">
             <a:avLst/>
@@ -4682,7 +5016,11 @@
             </a:pPr>
             <a:r>
               <a:rPr b="1" lang="en-US" sz="1400" spc="-1" strike="noStrike">
-                <a:latin typeface="Times New Roman"/>
+                <a:solidFill>
+                  <a:srgbClr val="000000"/>
+                </a:solidFill>
+                <a:latin typeface="Times New Roman"/>
+                <a:ea typeface="DejaVu Sans"/>
               </a:rPr>
               <a:t>bool </a:t>
             </a:r>
@@ -4692,24 +5030,37 @@
                   <a:srgbClr val="2a6099"/>
                 </a:solidFill>
                 <a:latin typeface="Times New Roman"/>
+                <a:ea typeface="DejaVu Sans"/>
               </a:rPr>
               <a:t>isOver</a:t>
             </a:r>
             <a:r>
               <a:rPr b="1" lang="en-US" sz="1400" spc="-1" strike="noStrike">
-                <a:latin typeface="Times New Roman"/>
+                <a:solidFill>
+                  <a:srgbClr val="000000"/>
+                </a:solidFill>
+                <a:latin typeface="Times New Roman"/>
+                <a:ea typeface="DejaVu Sans"/>
               </a:rPr>
               <a:t>()      </a:t>
             </a:r>
             <a:r>
               <a:rPr b="1" i="1" lang="en-US" sz="1400" spc="-1" strike="noStrike">
-                <a:latin typeface="Times New Roman"/>
+                <a:solidFill>
+                  <a:srgbClr val="000000"/>
+                </a:solidFill>
+                <a:latin typeface="Times New Roman"/>
+                <a:ea typeface="DejaVu Sans"/>
               </a:rPr>
               <a:t> /</a:t>
             </a:r>
             <a:r>
               <a:rPr b="0" i="1" lang="en-US" sz="1400" spc="-1" strike="noStrike">
-                <a:latin typeface="Times New Roman"/>
+                <a:solidFill>
+                  <a:srgbClr val="000000"/>
+                </a:solidFill>
+                <a:latin typeface="Times New Roman"/>
+                <a:ea typeface="DejaVu Sans"/>
               </a:rPr>
               <a:t>/Returns true if the task has finished executing.</a:t>
             </a:r>
@@ -4737,7 +5088,11 @@
             </a:pPr>
             <a:r>
               <a:rPr b="1" lang="en-US" sz="1400" spc="-1" strike="noStrike">
-                <a:latin typeface="Times New Roman"/>
+                <a:solidFill>
+                  <a:srgbClr val="000000"/>
+                </a:solidFill>
+                <a:latin typeface="Times New Roman"/>
+                <a:ea typeface="DejaVu Sans"/>
               </a:rPr>
               <a:t>void </a:t>
             </a:r>
@@ -4747,24 +5102,37 @@
                   <a:srgbClr val="2a6099"/>
                 </a:solidFill>
                 <a:latin typeface="Times New Roman"/>
+                <a:ea typeface="DejaVu Sans"/>
               </a:rPr>
               <a:t>wait</a:t>
             </a:r>
             <a:r>
               <a:rPr b="1" lang="en-US" sz="1400" spc="-1" strike="noStrike">
-                <a:latin typeface="Times New Roman"/>
+                <a:solidFill>
+                  <a:srgbClr val="000000"/>
+                </a:solidFill>
+                <a:latin typeface="Times New Roman"/>
+                <a:ea typeface="DejaVu Sans"/>
               </a:rPr>
               <a:t>(</a:t>
             </a:r>
             <a:r>
               <a:rPr b="0" lang="en-US" sz="1400" spc="-1" strike="noStrike">
-                <a:latin typeface="Times New Roman"/>
+                <a:solidFill>
+                  <a:srgbClr val="000000"/>
+                </a:solidFill>
+                <a:latin typeface="Times New Roman"/>
+                <a:ea typeface="DejaVu Sans"/>
               </a:rPr>
               <a:t>)           </a:t>
             </a:r>
             <a:r>
               <a:rPr b="0" i="1" lang="en-US" sz="1400" spc="-1" strike="noStrike">
-                <a:latin typeface="Times New Roman"/>
+                <a:solidFill>
+                  <a:srgbClr val="000000"/>
+                </a:solidFill>
+                <a:latin typeface="Times New Roman"/>
+                <a:ea typeface="DejaVu Sans"/>
               </a:rPr>
               <a:t>//This method is a blocking call which waits until the task is finished.</a:t>
             </a:r>
@@ -4792,7 +5160,11 @@
             </a:pPr>
             <a:r>
               <a:rPr b="1" lang="fr-CH" sz="1400" spc="-1" strike="noStrike">
-                <a:latin typeface="Times New Roman"/>
+                <a:solidFill>
+                  <a:srgbClr val="000000"/>
+                </a:solidFill>
+                <a:latin typeface="Times New Roman"/>
+                <a:ea typeface="DejaVu Sans"/>
               </a:rPr>
               <a:t>&lt;ReturnType&gt; </a:t>
             </a:r>
@@ -4802,18 +5174,27 @@
                   <a:srgbClr val="2a6099"/>
                 </a:solidFill>
                 <a:latin typeface="Times New Roman"/>
+                <a:ea typeface="DejaVu Sans"/>
               </a:rPr>
               <a:t>getValue</a:t>
             </a:r>
             <a:r>
               <a:rPr b="1" lang="fr-CH" sz="1400" spc="-1" strike="noStrike">
-                <a:latin typeface="Times New Roman"/>
+                <a:solidFill>
+                  <a:srgbClr val="000000"/>
+                </a:solidFill>
+                <a:latin typeface="Times New Roman"/>
+                <a:ea typeface="DejaVu Sans"/>
               </a:rPr>
               <a:t>()     </a:t>
             </a:r>
             <a:r>
               <a:rPr b="0" i="1" lang="en-US" sz="1400" spc="-1" strike="noStrike">
-                <a:latin typeface="Times New Roman"/>
+                <a:solidFill>
+                  <a:srgbClr val="000000"/>
+                </a:solidFill>
+                <a:latin typeface="Times New Roman"/>
+                <a:ea typeface="DejaVu Sans"/>
               </a:rPr>
               <a:t>// This method is a blocking call which retrieves the result value of the task.</a:t>
             </a:r>
@@ -4841,7 +5222,11 @@
             </a:pPr>
             <a:r>
               <a:rPr b="1" lang="fr-CH" sz="1400" spc="-1" strike="noStrike">
-                <a:latin typeface="Times New Roman"/>
+                <a:solidFill>
+                  <a:srgbClr val="000000"/>
+                </a:solidFill>
+                <a:latin typeface="Times New Roman"/>
+                <a:ea typeface="DejaVu Sans"/>
               </a:rPr>
               <a:t>void </a:t>
             </a:r>
@@ -4851,30 +5236,47 @@
                   <a:srgbClr val="2a6099"/>
                 </a:solidFill>
                 <a:latin typeface="Times New Roman"/>
+                <a:ea typeface="DejaVu Sans"/>
               </a:rPr>
               <a:t>setTaskName</a:t>
             </a:r>
             <a:r>
               <a:rPr b="1" lang="fr-CH" sz="1400" spc="-1" strike="noStrike">
-                <a:latin typeface="Times New Roman"/>
+                <a:solidFill>
+                  <a:srgbClr val="000000"/>
+                </a:solidFill>
+                <a:latin typeface="Times New Roman"/>
+                <a:ea typeface="DejaVu Sans"/>
               </a:rPr>
               <a:t>(const std::string&amp; inTaskName)</a:t>
             </a:r>
             <a:r>
               <a:rPr b="0" lang="fr-CH" sz="1400" spc="-1" strike="noStrike">
-                <a:latin typeface="Times New Roman"/>
+                <a:solidFill>
+                  <a:srgbClr val="000000"/>
+                </a:solidFill>
+                <a:latin typeface="Times New Roman"/>
+                <a:ea typeface="DejaVu Sans"/>
               </a:rPr>
               <a:t>  </a:t>
             </a:r>
             <a:r>
               <a:rPr b="0" i="1" lang="fr-CH" sz="1400" spc="-1" strike="noStrike">
-                <a:latin typeface="Times New Roman"/>
+                <a:solidFill>
+                  <a:srgbClr val="000000"/>
+                </a:solidFill>
+                <a:latin typeface="Times New Roman"/>
+                <a:ea typeface="DejaVu Sans"/>
               </a:rPr>
               <a:t> </a:t>
             </a:r>
             <a:r>
               <a:rPr b="0" i="1" lang="en-US" sz="1400" spc="-1" strike="noStrike">
-                <a:latin typeface="Times New Roman"/>
+                <a:solidFill>
+                  <a:srgbClr val="000000"/>
+                </a:solidFill>
+                <a:latin typeface="Times New Roman"/>
+                <a:ea typeface="DejaVu Sans"/>
               </a:rPr>
               <a:t>//Assigns the name in TaskName to the task. </a:t>
             </a:r>
@@ -4891,13 +5293,21 @@
             </a:pPr>
             <a:r>
               <a:rPr b="0" i="1" lang="en-US" sz="1400" spc="-1" strike="noStrike">
-                <a:latin typeface="Times New Roman"/>
+                <a:solidFill>
+                  <a:srgbClr val="000000"/>
+                </a:solidFill>
+                <a:latin typeface="Times New Roman"/>
+                <a:ea typeface="DejaVu Sans"/>
               </a:rPr>
               <a:t>                                                                                           </a:t>
             </a:r>
             <a:r>
               <a:rPr b="0" i="1" lang="en-US" sz="1400" spc="-1" strike="noStrike">
-                <a:latin typeface="Times New Roman"/>
+                <a:solidFill>
+                  <a:srgbClr val="000000"/>
+                </a:solidFill>
+                <a:latin typeface="Times New Roman"/>
+                <a:ea typeface="DejaVu Sans"/>
               </a:rPr>
               <a:t>// This change will be reflected in debug printouts, task graph</a:t>
             </a:r>
@@ -4914,13 +5324,21 @@
             </a:pPr>
             <a:r>
               <a:rPr b="0" i="1" lang="en-US" sz="1400" spc="-1" strike="noStrike">
-                <a:latin typeface="Times New Roman"/>
+                <a:solidFill>
+                  <a:srgbClr val="000000"/>
+                </a:solidFill>
+                <a:latin typeface="Times New Roman"/>
+                <a:ea typeface="DejaVu Sans"/>
               </a:rPr>
               <a:t>                                                                                           </a:t>
             </a:r>
             <a:r>
               <a:rPr b="0" i="1" lang="en-US" sz="1400" spc="-1" strike="noStrike">
-                <a:latin typeface="Times New Roman"/>
+                <a:solidFill>
+                  <a:srgbClr val="000000"/>
+                </a:solidFill>
+                <a:latin typeface="Times New Roman"/>
+                <a:ea typeface="DejaVu Sans"/>
               </a:rPr>
               <a:t>// and trace generation output.</a:t>
             </a:r>
@@ -4948,7 +5366,11 @@
             </a:pPr>
             <a:r>
               <a:rPr b="1" lang="en-US" sz="1400" spc="-1" strike="noStrike">
-                <a:latin typeface="Times New Roman"/>
+                <a:solidFill>
+                  <a:srgbClr val="000000"/>
+                </a:solidFill>
+                <a:latin typeface="Times New Roman"/>
+                <a:ea typeface="DejaVu Sans"/>
               </a:rPr>
               <a:t>std::string </a:t>
             </a:r>
@@ -4958,24 +5380,37 @@
                   <a:srgbClr val="2a6099"/>
                 </a:solidFill>
                 <a:latin typeface="Times New Roman"/>
+                <a:ea typeface="DejaVu Sans"/>
               </a:rPr>
               <a:t>getTaskName</a:t>
             </a:r>
             <a:r>
               <a:rPr b="1" lang="en-US" sz="1400" spc="-1" strike="noStrike">
-                <a:latin typeface="Times New Roman"/>
+                <a:solidFill>
+                  <a:srgbClr val="000000"/>
+                </a:solidFill>
+                <a:latin typeface="Times New Roman"/>
+                <a:ea typeface="DejaVu Sans"/>
               </a:rPr>
               <a:t>()</a:t>
             </a:r>
             <a:r>
               <a:rPr b="0" lang="en-US" sz="1400" spc="-1" strike="noStrike">
-                <a:latin typeface="Times New Roman"/>
+                <a:solidFill>
+                  <a:srgbClr val="000000"/>
+                </a:solidFill>
+                <a:latin typeface="Times New Roman"/>
+                <a:ea typeface="DejaVu Sans"/>
               </a:rPr>
               <a:t>    </a:t>
             </a:r>
             <a:r>
               <a:rPr b="0" i="1" lang="en-US" sz="1400" spc="-1" strike="noStrike">
-                <a:latin typeface="Times New Roman"/>
+                <a:solidFill>
+                  <a:srgbClr val="000000"/>
+                </a:solidFill>
+                <a:latin typeface="Times New Roman"/>
+                <a:ea typeface="DejaVu Sans"/>
               </a:rPr>
               <a:t>//Retrieves the name of the task.</a:t>
             </a:r>
@@ -4987,14 +5422,14 @@
       </p:sp>
       <p:sp>
         <p:nvSpPr>
-          <p:cNvPr id="96" name=""/>
+          <p:cNvPr id="92" name=""/>
           <p:cNvSpPr/>
           <p:nvPr/>
         </p:nvSpPr>
         <p:spPr>
           <a:xfrm>
             <a:off x="344520" y="4824000"/>
-            <a:ext cx="8727120" cy="346320"/>
+            <a:ext cx="8726760" cy="345960"/>
           </a:xfrm>
           <a:prstGeom prst="rect">
             <a:avLst/>
@@ -5023,7 +5458,11 @@
             </a:pPr>
             <a:r>
               <a:rPr b="0" i="1" lang="en-US" sz="1400" spc="-1" strike="noStrike">
-                <a:latin typeface="Times New Roman"/>
+                <a:solidFill>
+                  <a:srgbClr val="000000"/>
+                </a:solidFill>
+                <a:latin typeface="Times New Roman"/>
+                <a:ea typeface="DejaVu Sans"/>
               </a:rPr>
               <a:t>Nota: Speculative versions of tasks will have an apostrophe appended to their name.</a:t>
             </a:r>
@@ -5065,14 +5504,14 @@
       </p:grpSpPr>
       <p:sp>
         <p:nvSpPr>
-          <p:cNvPr id="97" name="PlaceHolder 13"/>
+          <p:cNvPr id="93" name="PlaceHolder 13"/>
           <p:cNvSpPr/>
           <p:nvPr/>
         </p:nvSpPr>
         <p:spPr>
           <a:xfrm>
             <a:off x="349560" y="226080"/>
-            <a:ext cx="9354960" cy="713880"/>
+            <a:ext cx="9354600" cy="713520"/>
           </a:xfrm>
           <a:prstGeom prst="rect">
             <a:avLst/>
@@ -5108,6 +5547,7 @@
                   <a:srgbClr val="ffffff"/>
                 </a:solidFill>
                 <a:latin typeface="Source Sans Pro Black"/>
+                <a:ea typeface="DejaVu Sans"/>
               </a:rPr>
               <a:t>SPECX: Exemples </a:t>
             </a:r>
@@ -5119,7 +5559,7 @@
       </p:sp>
       <p:pic>
         <p:nvPicPr>
-          <p:cNvPr id="98" name="" descr=""/>
+          <p:cNvPr id="94" name="" descr=""/>
           <p:cNvPicPr/>
           <p:nvPr/>
         </p:nvPicPr>
@@ -5130,7 +5570,7 @@
         <p:spPr>
           <a:xfrm>
             <a:off x="8989560" y="61200"/>
-            <a:ext cx="1015920" cy="1015920"/>
+            <a:ext cx="1015560" cy="1015560"/>
           </a:xfrm>
           <a:prstGeom prst="rect">
             <a:avLst/>
@@ -5232,7 +5672,7 @@
       </p:grpSpPr>
       <p:sp>
         <p:nvSpPr>
-          <p:cNvPr id="99" name="PlaceHolder 1"/>
+          <p:cNvPr id="95" name="PlaceHolder 1"/>
           <p:cNvSpPr>
             <a:spLocks noGrp="1"/>
           </p:cNvSpPr>
@@ -5243,7 +5683,7 @@
         <p:spPr>
           <a:xfrm>
             <a:off x="360000" y="225720"/>
-            <a:ext cx="9354960" cy="713880"/>
+            <a:ext cx="9354600" cy="713520"/>
           </a:xfrm>
           <a:prstGeom prst="rect">
             <a:avLst/>
@@ -5274,7 +5714,7 @@
                 </a:solidFill>
                 <a:latin typeface="Source Sans Pro Black"/>
               </a:rPr>
-              <a:t>SPECX: Future Developments</a:t>
+              <a:t>SPECX</a:t>
             </a:r>
             <a:endParaRPr b="0" lang="fr-CH" sz="2700" spc="-1" strike="noStrike">
               <a:latin typeface="Arial"/>
@@ -5284,7 +5724,7 @@
       </p:sp>
       <p:sp>
         <p:nvSpPr>
-          <p:cNvPr id="100" name="PlaceHolder 2"/>
+          <p:cNvPr id="96" name="PlaceHolder 2"/>
           <p:cNvSpPr>
             <a:spLocks noGrp="1"/>
           </p:cNvSpPr>
@@ -5294,8 +5734,8 @@
         </p:nvSpPr>
         <p:spPr>
           <a:xfrm>
-            <a:off x="360000" y="1800000"/>
-            <a:ext cx="9354960" cy="3417840"/>
+            <a:off x="360000" y="1548000"/>
+            <a:ext cx="9360000" cy="3600000"/>
           </a:xfrm>
           <a:prstGeom prst="rect">
             <a:avLst/>
@@ -5331,6 +5771,23 @@
               </a:rPr>
               <a:t>Future developments</a:t>
             </a:r>
+            <a:endParaRPr b="0" lang="fr-CH" sz="2000" spc="-1" strike="noStrike">
+              <a:latin typeface="Arial"/>
+            </a:endParaRPr>
+          </a:p>
+          <a:p>
+            <a:pPr marL="432000">
+              <a:lnSpc>
+                <a:spcPct val="100000"/>
+              </a:lnSpc>
+              <a:spcAft>
+                <a:spcPts val="1057"/>
+              </a:spcAft>
+              <a:buNone/>
+              <a:tabLst>
+                <a:tab algn="l" pos="0"/>
+              </a:tabLst>
+            </a:pPr>
             <a:endParaRPr b="0" lang="fr-CH" sz="2000" spc="-1" strike="noStrike">
               <a:latin typeface="Arial"/>
             </a:endParaRPr>
@@ -5358,7 +5815,7 @@
                 <a:solidFill>
                   <a:srgbClr val="2c3e50"/>
                 </a:solidFill>
-                <a:latin typeface="Arial"/>
+                <a:latin typeface="Times New Roman"/>
               </a:rPr>
               <a:t>The main objective is to reduce the calculation times, </a:t>
             </a:r>
@@ -5389,7 +5846,7 @@
                 <a:solidFill>
                   <a:srgbClr val="2c3e50"/>
                 </a:solidFill>
-                <a:latin typeface="Arial"/>
+                <a:latin typeface="Times New Roman"/>
               </a:rPr>
               <a:t>To manage the use of the different calculation resources, the different typical workloads, in particular in the case of multicore machines equipped with several acceleration machines.</a:t>
             </a:r>
@@ -5420,7 +5877,7 @@
                 <a:solidFill>
                   <a:srgbClr val="000000"/>
                 </a:solidFill>
-                <a:latin typeface="Arial"/>
+                <a:latin typeface="Times New Roman"/>
               </a:rPr>
               <a:t>Plan to separate thread management from execution. </a:t>
             </a:r>
@@ -5483,18 +5940,18 @@
               </a:tabLst>
             </a:pPr>
             <a:r>
-              <a:rPr b="0" lang="en-US" sz="1300" spc="-1" strike="noStrike">
+              <a:rPr b="0" lang="en-US" sz="1400" spc="-1" strike="noStrike">
                 <a:latin typeface="Times New Roman"/>
                 <a:ea typeface="Microsoft YaHei"/>
               </a:rPr>
               <a:t>To provide effective and high -performance tools to the user.</a:t>
             </a:r>
-            <a:endParaRPr b="0" lang="fr-CH" sz="1300" spc="-1" strike="noStrike">
-              <a:latin typeface="Arial"/>
-            </a:endParaRPr>
-          </a:p>
-          <a:p>
-            <a:pPr>
+            <a:endParaRPr b="0" lang="fr-CH" sz="1400" spc="-1" strike="noStrike">
+              <a:latin typeface="Arial"/>
+            </a:endParaRPr>
+          </a:p>
+          <a:p>
+            <a:pPr marL="432000">
               <a:lnSpc>
                 <a:spcPct val="100000"/>
               </a:lnSpc>
@@ -5506,23 +5963,6 @@
                 <a:tab algn="l" pos="0"/>
               </a:tabLst>
             </a:pPr>
-            <a:endParaRPr b="0" lang="fr-CH" sz="1300" spc="-1" strike="noStrike">
-              <a:latin typeface="Arial"/>
-            </a:endParaRPr>
-          </a:p>
-          <a:p>
-            <a:pPr marL="432000">
-              <a:lnSpc>
-                <a:spcPct val="100000"/>
-              </a:lnSpc>
-              <a:spcAft>
-                <a:spcPts val="1057"/>
-              </a:spcAft>
-              <a:buNone/>
-              <a:tabLst>
-                <a:tab algn="l" pos="0"/>
-              </a:tabLst>
-            </a:pPr>
             <a:r>
               <a:rPr b="0" lang="en-US" sz="1400" spc="-1" strike="noStrike">
                 <a:solidFill>
@@ -5541,7 +5981,7 @@
       </p:sp>
       <p:pic>
         <p:nvPicPr>
-          <p:cNvPr id="101" name="" descr=""/>
+          <p:cNvPr id="97" name="" descr=""/>
           <p:cNvPicPr/>
           <p:nvPr/>
         </p:nvPicPr>
@@ -5552,7 +5992,7 @@
         <p:spPr>
           <a:xfrm>
             <a:off x="7055280" y="4106880"/>
-            <a:ext cx="2302560" cy="930960"/>
+            <a:ext cx="2302200" cy="930600"/>
           </a:xfrm>
           <a:prstGeom prst="rect">
             <a:avLst/>
@@ -5594,7 +6034,7 @@
       </p:grpSpPr>
       <p:pic>
         <p:nvPicPr>
-          <p:cNvPr id="102" name="" descr=""/>
+          <p:cNvPr id="98" name="" descr=""/>
           <p:cNvPicPr/>
           <p:nvPr/>
         </p:nvPicPr>
@@ -5605,7 +6045,7 @@
         <p:spPr>
           <a:xfrm>
             <a:off x="7943760" y="4543200"/>
-            <a:ext cx="1879200" cy="838440"/>
+            <a:ext cx="1878840" cy="838080"/>
           </a:xfrm>
           <a:prstGeom prst="rect">
             <a:avLst/>
@@ -5617,7 +6057,7 @@
       </p:pic>
       <p:pic>
         <p:nvPicPr>
-          <p:cNvPr id="103" name="" descr=""/>
+          <p:cNvPr id="99" name="" descr=""/>
           <p:cNvPicPr/>
           <p:nvPr/>
         </p:nvPicPr>
@@ -5628,7 +6068,7 @@
         <p:spPr>
           <a:xfrm>
             <a:off x="2120400" y="2340000"/>
-            <a:ext cx="1476360" cy="1819440"/>
+            <a:ext cx="1476000" cy="1819080"/>
           </a:xfrm>
           <a:prstGeom prst="rect">
             <a:avLst/>
@@ -5640,14 +6080,14 @@
       </p:pic>
       <p:sp>
         <p:nvSpPr>
-          <p:cNvPr id="104" name=""/>
+          <p:cNvPr id="100" name=""/>
           <p:cNvSpPr/>
           <p:nvPr/>
         </p:nvSpPr>
         <p:spPr>
           <a:xfrm>
             <a:off x="4174560" y="3054960"/>
-            <a:ext cx="3202200" cy="361800"/>
+            <a:ext cx="3201840" cy="361440"/>
           </a:xfrm>
           <a:custGeom>
             <a:avLst/>
@@ -5782,7 +6222,7 @@
         <p:spPr>
           <a:xfrm>
             <a:off x="360000" y="225720"/>
-            <a:ext cx="9354960" cy="713880"/>
+            <a:ext cx="9354600" cy="713520"/>
           </a:xfrm>
           <a:prstGeom prst="rect">
             <a:avLst/>
@@ -5834,7 +6274,7 @@
         <p:spPr>
           <a:xfrm>
             <a:off x="3636000" y="2205000"/>
-            <a:ext cx="6260760" cy="2331000"/>
+            <a:ext cx="6260400" cy="2330640"/>
           </a:xfrm>
           <a:prstGeom prst="rect">
             <a:avLst/>
@@ -5963,7 +6403,6 @@
             </a:r>
             <a:endParaRPr b="0" lang="fr-CH" sz="1600" spc="-1" strike="noStrike">
               <a:latin typeface="Arial"/>
-              <a:ea typeface="Microsoft YaHei"/>
             </a:endParaRPr>
           </a:p>
           <a:p>
@@ -5991,7 +6430,6 @@
             </a:r>
             <a:endParaRPr b="0" lang="fr-CH" sz="1400" spc="-1" strike="noStrike">
               <a:latin typeface="Arial"/>
-              <a:ea typeface="Microsoft YaHei"/>
             </a:endParaRPr>
           </a:p>
           <a:p>
@@ -6019,7 +6457,6 @@
             </a:r>
             <a:endParaRPr b="0" lang="fr-CH" sz="1400" spc="-1" strike="noStrike">
               <a:latin typeface="Arial"/>
-              <a:ea typeface="Microsoft YaHei"/>
             </a:endParaRPr>
           </a:p>
           <a:p>
@@ -6047,7 +6484,6 @@
             </a:r>
             <a:endParaRPr b="0" lang="fr-CH" sz="1400" spc="-1" strike="noStrike">
               <a:latin typeface="Arial"/>
-              <a:ea typeface="Microsoft YaHei"/>
             </a:endParaRPr>
           </a:p>
           <a:p>
@@ -6075,7 +6511,6 @@
             </a:r>
             <a:endParaRPr b="0" lang="fr-CH" sz="1400" spc="-1" strike="noStrike">
               <a:latin typeface="Arial"/>
-              <a:ea typeface="Microsoft YaHei"/>
             </a:endParaRPr>
           </a:p>
           <a:p>
@@ -6103,11 +6538,10 @@
             </a:r>
             <a:endParaRPr b="0" lang="fr-CH" sz="1400" spc="-1" strike="noStrike">
               <a:latin typeface="Arial"/>
-              <a:ea typeface="Microsoft YaHei"/>
-            </a:endParaRPr>
-          </a:p>
-          <a:p>
-            <a:pPr>
+            </a:endParaRPr>
+          </a:p>
+          <a:p>
+            <a:pPr marL="360000">
               <a:lnSpc>
                 <a:spcPct val="100000"/>
               </a:lnSpc>
@@ -6161,11 +6595,10 @@
             </a:r>
             <a:endParaRPr b="0" lang="fr-CH" sz="1400" spc="-1" strike="noStrike">
               <a:latin typeface="Arial"/>
-              <a:ea typeface="Microsoft YaHei"/>
-            </a:endParaRPr>
-          </a:p>
-          <a:p>
-            <a:pPr>
+            </a:endParaRPr>
+          </a:p>
+          <a:p>
+            <a:pPr marL="360000">
               <a:lnSpc>
                 <a:spcPct val="100000"/>
               </a:lnSpc>
@@ -6179,11 +6612,10 @@
             </a:pPr>
             <a:endParaRPr b="0" lang="fr-CH" sz="1400" spc="-1" strike="noStrike">
               <a:latin typeface="Arial"/>
-              <a:ea typeface="Microsoft YaHei"/>
-            </a:endParaRPr>
-          </a:p>
-          <a:p>
-            <a:pPr>
+            </a:endParaRPr>
+          </a:p>
+          <a:p>
+            <a:pPr marL="360000">
               <a:lnSpc>
                 <a:spcPct val="100000"/>
               </a:lnSpc>
@@ -6197,11 +6629,10 @@
             </a:pPr>
             <a:endParaRPr b="0" lang="fr-CH" sz="1600" spc="-1" strike="noStrike">
               <a:latin typeface="Arial"/>
-              <a:ea typeface="Microsoft YaHei"/>
-            </a:endParaRPr>
-          </a:p>
-          <a:p>
-            <a:pPr>
+            </a:endParaRPr>
+          </a:p>
+          <a:p>
+            <a:pPr marL="360000">
               <a:lnSpc>
                 <a:spcPct val="100000"/>
               </a:lnSpc>
@@ -6215,11 +6646,10 @@
             </a:pPr>
             <a:endParaRPr b="0" lang="fr-CH" sz="1600" spc="-1" strike="noStrike">
               <a:latin typeface="Arial"/>
-              <a:ea typeface="Microsoft YaHei"/>
-            </a:endParaRPr>
-          </a:p>
-          <a:p>
-            <a:pPr>
+            </a:endParaRPr>
+          </a:p>
+          <a:p>
+            <a:pPr marL="360000">
               <a:lnSpc>
                 <a:spcPct val="115000"/>
               </a:lnSpc>
@@ -6233,11 +6663,10 @@
             </a:pPr>
             <a:endParaRPr b="0" lang="fr-CH" sz="2000" spc="-1" strike="noStrike">
               <a:latin typeface="Arial"/>
-              <a:ea typeface="Microsoft YaHei"/>
-            </a:endParaRPr>
-          </a:p>
-          <a:p>
-            <a:pPr>
+            </a:endParaRPr>
+          </a:p>
+          <a:p>
+            <a:pPr marL="360000">
               <a:lnSpc>
                 <a:spcPct val="115000"/>
               </a:lnSpc>
@@ -6251,11 +6680,10 @@
             </a:pPr>
             <a:endParaRPr b="0" lang="fr-CH" sz="2000" spc="-1" strike="noStrike">
               <a:latin typeface="Arial"/>
-              <a:ea typeface="Microsoft YaHei"/>
-            </a:endParaRPr>
-          </a:p>
-          <a:p>
-            <a:pPr>
+            </a:endParaRPr>
+          </a:p>
+          <a:p>
+            <a:pPr marL="360000">
               <a:lnSpc>
                 <a:spcPct val="115000"/>
               </a:lnSpc>
@@ -6269,11 +6697,10 @@
             </a:pPr>
             <a:endParaRPr b="0" lang="fr-CH" sz="2000" spc="-1" strike="noStrike">
               <a:latin typeface="Arial"/>
-              <a:ea typeface="Microsoft YaHei"/>
-            </a:endParaRPr>
-          </a:p>
-          <a:p>
-            <a:pPr>
+            </a:endParaRPr>
+          </a:p>
+          <a:p>
+            <a:pPr marL="360000">
               <a:lnSpc>
                 <a:spcPct val="100000"/>
               </a:lnSpc>
@@ -6287,11 +6714,10 @@
             </a:pPr>
             <a:endParaRPr b="0" lang="fr-CH" sz="1600" spc="-1" strike="noStrike">
               <a:latin typeface="Arial"/>
-              <a:ea typeface="Microsoft YaHei"/>
-            </a:endParaRPr>
-          </a:p>
-          <a:p>
-            <a:pPr>
+            </a:endParaRPr>
+          </a:p>
+          <a:p>
+            <a:pPr marL="360000">
               <a:lnSpc>
                 <a:spcPct val="100000"/>
               </a:lnSpc>
@@ -6305,11 +6731,10 @@
             </a:pPr>
             <a:endParaRPr b="0" lang="fr-CH" sz="1600" spc="-1" strike="noStrike">
               <a:latin typeface="Arial"/>
-              <a:ea typeface="Microsoft YaHei"/>
-            </a:endParaRPr>
-          </a:p>
-          <a:p>
-            <a:pPr>
+            </a:endParaRPr>
+          </a:p>
+          <a:p>
+            <a:pPr marL="360000">
               <a:lnSpc>
                 <a:spcPct val="115000"/>
               </a:lnSpc>
@@ -6323,11 +6748,10 @@
             </a:pPr>
             <a:endParaRPr b="0" lang="fr-CH" sz="1400" spc="-1" strike="noStrike">
               <a:latin typeface="Arial"/>
-              <a:ea typeface="Microsoft YaHei"/>
-            </a:endParaRPr>
-          </a:p>
-          <a:p>
-            <a:pPr>
+            </a:endParaRPr>
+          </a:p>
+          <a:p>
+            <a:pPr marL="360000">
               <a:lnSpc>
                 <a:spcPct val="115000"/>
               </a:lnSpc>
@@ -6341,7 +6765,6 @@
             </a:pPr>
             <a:endParaRPr b="0" lang="fr-CH" sz="1400" spc="-1" strike="noStrike">
               <a:latin typeface="Arial"/>
-              <a:ea typeface="Microsoft YaHei"/>
             </a:endParaRPr>
           </a:p>
         </p:txBody>
@@ -6359,7 +6782,7 @@
         <p:spPr>
           <a:xfrm>
             <a:off x="1189440" y="2287800"/>
-            <a:ext cx="1193760" cy="2646360"/>
+            <a:ext cx="1193400" cy="2646000"/>
           </a:xfrm>
           <a:prstGeom prst="rect">
             <a:avLst/>
@@ -6378,7 +6801,7 @@
         <p:spPr>
           <a:xfrm>
             <a:off x="1599120" y="2103840"/>
-            <a:ext cx="1415880" cy="476280"/>
+            <a:ext cx="1415520" cy="475920"/>
           </a:xfrm>
           <a:custGeom>
             <a:avLst/>
@@ -6489,7 +6912,7 @@
         <p:spPr>
           <a:xfrm>
             <a:off x="8460000" y="1296000"/>
-            <a:ext cx="1495440" cy="489240"/>
+            <a:ext cx="1495080" cy="488880"/>
           </a:xfrm>
           <a:prstGeom prst="rect">
             <a:avLst/>
@@ -6689,7 +7112,7 @@
         <p:spPr>
           <a:xfrm>
             <a:off x="2628000" y="2952000"/>
-            <a:ext cx="5233680" cy="714960"/>
+            <a:ext cx="5233320" cy="714600"/>
           </a:xfrm>
           <a:prstGeom prst="rect">
             <a:avLst/>
@@ -6816,7 +7239,7 @@
         <p:spPr>
           <a:xfrm>
             <a:off x="2412000" y="2484000"/>
-            <a:ext cx="1422360" cy="1406160"/>
+            <a:ext cx="1422000" cy="1405800"/>
           </a:xfrm>
           <a:prstGeom prst="rect">
             <a:avLst/>
@@ -6839,7 +7262,7 @@
         <p:spPr>
           <a:xfrm>
             <a:off x="7325640" y="2509560"/>
-            <a:ext cx="1166040" cy="1116720"/>
+            <a:ext cx="1165680" cy="1116360"/>
           </a:xfrm>
           <a:prstGeom prst="rect">
             <a:avLst/>
@@ -6862,7 +7285,7 @@
         <p:spPr>
           <a:xfrm>
             <a:off x="7063560" y="2193480"/>
-            <a:ext cx="1711800" cy="1685880"/>
+            <a:ext cx="1711440" cy="1685520"/>
           </a:xfrm>
           <a:prstGeom prst="rect">
             <a:avLst/>
@@ -6915,7 +7338,7 @@
         <p:spPr>
           <a:xfrm>
             <a:off x="360000" y="225720"/>
-            <a:ext cx="9354960" cy="713880"/>
+            <a:ext cx="9354600" cy="713520"/>
           </a:xfrm>
           <a:prstGeom prst="rect">
             <a:avLst/>
@@ -6967,7 +7390,7 @@
         <p:spPr>
           <a:xfrm>
             <a:off x="360000" y="1485000"/>
-            <a:ext cx="9354960" cy="1749960"/>
+            <a:ext cx="9354600" cy="1749600"/>
           </a:xfrm>
           <a:prstGeom prst="rect">
             <a:avLst/>
@@ -7151,7 +7574,7 @@
         <p:spPr>
           <a:xfrm>
             <a:off x="720000" y="3420000"/>
-            <a:ext cx="9174960" cy="1749960"/>
+            <a:ext cx="9174600" cy="1749600"/>
           </a:xfrm>
           <a:prstGeom prst="rect">
             <a:avLst/>
@@ -7317,7 +7740,7 @@
         <p:spPr>
           <a:xfrm>
             <a:off x="8421480" y="1450080"/>
-            <a:ext cx="1298520" cy="1197000"/>
+            <a:ext cx="1298160" cy="1196640"/>
           </a:xfrm>
           <a:prstGeom prst="rect">
             <a:avLst/>
@@ -7370,7 +7793,7 @@
         <p:spPr>
           <a:xfrm>
             <a:off x="360000" y="225720"/>
-            <a:ext cx="9354960" cy="713880"/>
+            <a:ext cx="9354600" cy="713520"/>
           </a:xfrm>
           <a:prstGeom prst="rect">
             <a:avLst/>
@@ -7422,7 +7845,7 @@
         <p:spPr>
           <a:xfrm>
             <a:off x="110880" y="1296000"/>
-            <a:ext cx="3666960" cy="4101840"/>
+            <a:ext cx="3666600" cy="4101480"/>
           </a:xfrm>
           <a:prstGeom prst="rect">
             <a:avLst/>
@@ -7642,7 +8065,7 @@
         <p:spPr>
           <a:xfrm>
             <a:off x="4135680" y="1836000"/>
-            <a:ext cx="5834160" cy="3450960"/>
+            <a:ext cx="5833800" cy="3450600"/>
           </a:xfrm>
           <a:prstGeom prst="rect">
             <a:avLst/>
@@ -7652,29 +8075,6 @@
               <a:srgbClr val="3465a4"/>
             </a:solidFill>
             <a:round/>
-          </a:ln>
-        </p:spPr>
-      </p:pic>
-      <p:pic>
-        <p:nvPicPr>
-          <p:cNvPr id="61" name="" descr=""/>
-          <p:cNvPicPr/>
-          <p:nvPr/>
-        </p:nvPicPr>
-        <p:blipFill>
-          <a:blip r:embed="rId2"/>
-          <a:stretch/>
-        </p:blipFill>
-        <p:spPr>
-          <a:xfrm>
-            <a:off x="9000000" y="60840"/>
-            <a:ext cx="1015920" cy="1015920"/>
-          </a:xfrm>
-          <a:prstGeom prst="rect">
-            <a:avLst/>
-          </a:prstGeom>
-          <a:ln w="0">
-            <a:noFill/>
           </a:ln>
         </p:spPr>
       </p:pic>
@@ -7710,14 +8110,14 @@
       </p:grpSpPr>
       <p:sp>
         <p:nvSpPr>
-          <p:cNvPr id="62" name="PlaceHolder 3"/>
+          <p:cNvPr id="61" name="PlaceHolder 3"/>
           <p:cNvSpPr/>
           <p:nvPr/>
         </p:nvSpPr>
         <p:spPr>
           <a:xfrm>
             <a:off x="354960" y="226080"/>
-            <a:ext cx="9354960" cy="713880"/>
+            <a:ext cx="9354600" cy="713520"/>
           </a:xfrm>
           <a:prstGeom prst="rect">
             <a:avLst/>
@@ -7753,6 +8153,7 @@
                   <a:srgbClr val="ffffff"/>
                 </a:solidFill>
                 <a:latin typeface="Source Sans Pro Black"/>
+                <a:ea typeface="DejaVu Sans"/>
               </a:rPr>
               <a:t>SPECX: Runtime Interface</a:t>
             </a:r>
@@ -7762,39 +8163,16 @@
           </a:p>
         </p:txBody>
       </p:sp>
-      <p:pic>
-        <p:nvPicPr>
-          <p:cNvPr id="63" name="" descr=""/>
-          <p:cNvPicPr/>
+      <p:sp>
+        <p:nvSpPr>
+          <p:cNvPr id="62" name=""/>
+          <p:cNvSpPr/>
           <p:nvPr/>
-        </p:nvPicPr>
-        <p:blipFill>
-          <a:blip r:embed="rId1"/>
-          <a:stretch/>
-        </p:blipFill>
+        </p:nvSpPr>
         <p:spPr>
           <a:xfrm>
-            <a:off x="8994960" y="61200"/>
-            <a:ext cx="1015920" cy="1015920"/>
-          </a:xfrm>
-          <a:prstGeom prst="rect">
-            <a:avLst/>
-          </a:prstGeom>
-          <a:ln w="0">
-            <a:noFill/>
-          </a:ln>
-        </p:spPr>
-      </p:pic>
-      <p:sp>
-        <p:nvSpPr>
-          <p:cNvPr id="64" name=""/>
-          <p:cNvSpPr/>
-          <p:nvPr/>
-        </p:nvSpPr>
-        <p:spPr>
-          <a:xfrm>
-            <a:off x="360000" y="2034360"/>
-            <a:ext cx="9539640" cy="2645280"/>
+            <a:off x="180000" y="2250360"/>
+            <a:ext cx="9719280" cy="1925640"/>
           </a:xfrm>
           <a:prstGeom prst="rect">
             <a:avLst/>
@@ -7815,6 +8193,184 @@
             <a:noAutofit/>
           </a:bodyPr>
           <a:p>
+            <a:pPr marL="216000" indent="-216000">
+              <a:lnSpc>
+                <a:spcPct val="100000"/>
+              </a:lnSpc>
+              <a:buClr>
+                <a:srgbClr val="000000"/>
+              </a:buClr>
+              <a:buSzPct val="45000"/>
+              <a:buFont typeface="Wingdings" charset="2"/>
+              <a:buChar char=""/>
+            </a:pPr>
+            <a:r>
+              <a:rPr b="0" lang="en-US" sz="1400" spc="-1" strike="noStrike">
+                <a:solidFill>
+                  <a:srgbClr val="000000"/>
+                </a:solidFill>
+                <a:latin typeface="Times New Roman"/>
+                <a:ea typeface="DejaVu Sans"/>
+              </a:rPr>
+              <a:t>The </a:t>
+            </a:r>
+            <a:r>
+              <a:rPr b="1" lang="en-US" sz="1400" spc="-1" strike="noStrike">
+                <a:solidFill>
+                  <a:srgbClr val="000000"/>
+                </a:solidFill>
+                <a:latin typeface="Times New Roman"/>
+                <a:ea typeface="DejaVu Sans"/>
+              </a:rPr>
+              <a:t>runtime's functionality</a:t>
+            </a:r>
+            <a:r>
+              <a:rPr b="0" lang="en-US" sz="1400" spc="-1" strike="noStrike">
+                <a:solidFill>
+                  <a:srgbClr val="000000"/>
+                </a:solidFill>
+                <a:latin typeface="Times New Roman"/>
+                <a:ea typeface="DejaVu Sans"/>
+              </a:rPr>
+              <a:t> provides task creation, task graph and trace generation facilities.</a:t>
+            </a:r>
+            <a:endParaRPr b="0" lang="fr-CH" sz="1400" spc="-1" strike="noStrike">
+              <a:latin typeface="Arial"/>
+            </a:endParaRPr>
+          </a:p>
+          <a:p>
+            <a:pPr marL="216000" indent="-216000">
+              <a:lnSpc>
+                <a:spcPct val="100000"/>
+              </a:lnSpc>
+              <a:buClr>
+                <a:srgbClr val="000000"/>
+              </a:buClr>
+              <a:buSzPct val="45000"/>
+              <a:buFont typeface="Wingdings" charset="2"/>
+              <a:buChar char=""/>
+            </a:pPr>
+            <a:endParaRPr b="0" lang="fr-CH" sz="1400" spc="-1" strike="noStrike">
+              <a:latin typeface="Arial"/>
+            </a:endParaRPr>
+          </a:p>
+          <a:p>
+            <a:pPr marL="216000" indent="-216000">
+              <a:lnSpc>
+                <a:spcPct val="100000"/>
+              </a:lnSpc>
+              <a:buClr>
+                <a:srgbClr val="000000"/>
+              </a:buClr>
+              <a:buSzPct val="45000"/>
+              <a:buFont typeface="Wingdings" charset="2"/>
+              <a:buChar char=""/>
+            </a:pPr>
+            <a:r>
+              <a:rPr b="0" lang="en-US" sz="1400" spc="-1" strike="noStrike">
+                <a:solidFill>
+                  <a:srgbClr val="000000"/>
+                </a:solidFill>
+                <a:latin typeface="Times New Roman"/>
+                <a:ea typeface="DejaVu Sans"/>
+              </a:rPr>
+              <a:t>Can be used to specify which speculation model you want to use.</a:t>
+            </a:r>
+            <a:endParaRPr b="0" lang="fr-CH" sz="1400" spc="-1" strike="noStrike">
+              <a:latin typeface="Arial"/>
+            </a:endParaRPr>
+          </a:p>
+          <a:p>
+            <a:pPr marL="216000" indent="-216000">
+              <a:lnSpc>
+                <a:spcPct val="100000"/>
+              </a:lnSpc>
+              <a:buClr>
+                <a:srgbClr val="000000"/>
+              </a:buClr>
+              <a:buSzPct val="45000"/>
+              <a:buFont typeface="Wingdings" charset="2"/>
+              <a:buChar char=""/>
+            </a:pPr>
+            <a:endParaRPr b="0" lang="fr-CH" sz="1400" spc="-1" strike="noStrike">
+              <a:latin typeface="Arial"/>
+            </a:endParaRPr>
+          </a:p>
+          <a:p>
+            <a:pPr marL="216000" indent="-216000">
+              <a:lnSpc>
+                <a:spcPct val="100000"/>
+              </a:lnSpc>
+              <a:buClr>
+                <a:srgbClr val="000000"/>
+              </a:buClr>
+              <a:buSzPct val="45000"/>
+              <a:buFont typeface="Wingdings" charset="2"/>
+              <a:buChar char=""/>
+            </a:pPr>
+            <a:r>
+              <a:rPr b="0" lang="en-US" sz="1400" spc="-1" strike="noStrike">
+                <a:solidFill>
+                  <a:srgbClr val="000000"/>
+                </a:solidFill>
+                <a:latin typeface="Times New Roman"/>
+                <a:ea typeface="DejaVu Sans"/>
+              </a:rPr>
+              <a:t>The runtime's constructor takes as a parameter the number of threads it should spawn.</a:t>
+            </a:r>
+            <a:endParaRPr b="0" lang="fr-CH" sz="1400" spc="-1" strike="noStrike">
+              <a:latin typeface="Arial"/>
+            </a:endParaRPr>
+          </a:p>
+          <a:p>
+            <a:pPr marL="216000" indent="-216000">
+              <a:lnSpc>
+                <a:spcPct val="100000"/>
+              </a:lnSpc>
+              <a:buClr>
+                <a:srgbClr val="000000"/>
+              </a:buClr>
+              <a:buSzPct val="45000"/>
+              <a:buFont typeface="Wingdings" charset="2"/>
+              <a:buChar char=""/>
+            </a:pPr>
+            <a:endParaRPr b="0" lang="fr-CH" sz="1400" spc="-1" strike="noStrike">
+              <a:latin typeface="Arial"/>
+            </a:endParaRPr>
+          </a:p>
+          <a:p>
+            <a:pPr marL="216000" indent="-216000">
+              <a:lnSpc>
+                <a:spcPct val="100000"/>
+              </a:lnSpc>
+              <a:buClr>
+                <a:srgbClr val="000000"/>
+              </a:buClr>
+              <a:buSzPct val="45000"/>
+              <a:buFont typeface="Wingdings" charset="2"/>
+              <a:buChar char=""/>
+            </a:pPr>
+            <a:endParaRPr b="0" lang="fr-CH" sz="1400" spc="-1" strike="noStrike">
+              <a:latin typeface="Arial"/>
+            </a:endParaRPr>
+          </a:p>
+          <a:p>
+            <a:pPr marL="216000" indent="-216000">
+              <a:lnSpc>
+                <a:spcPct val="100000"/>
+              </a:lnSpc>
+              <a:buClr>
+                <a:srgbClr val="000000"/>
+              </a:buClr>
+              <a:buSzPct val="45000"/>
+              <a:buFont typeface="Wingdings" charset="2"/>
+              <a:buChar char=""/>
+            </a:pPr>
+            <a:endParaRPr b="0" lang="fr-CH" sz="1400" spc="-1" strike="noStrike">
+              <a:latin typeface="Arial"/>
+            </a:endParaRPr>
+          </a:p>
+          <a:p>
             <a:pPr>
               <a:lnSpc>
                 <a:spcPct val="100000"/>
@@ -7822,165 +8378,32 @@
               <a:buNone/>
             </a:pPr>
             <a:r>
-              <a:rPr b="0" lang="en-US" sz="1400" spc="-1" strike="noStrike">
-                <a:latin typeface="Times New Roman"/>
-              </a:rPr>
-              <a:t>The runtime's functionality is exposed through a class called </a:t>
-            </a:r>
-            <a:r>
-              <a:rPr b="1" lang="en-US" sz="1400" spc="-1" strike="noStrike">
+              <a:rPr b="0" i="1" lang="en-US" sz="1400" spc="-1" strike="noStrike">
+                <a:solidFill>
+                  <a:srgbClr val="000000"/>
+                </a:solidFill>
+                <a:latin typeface="Times New Roman"/>
+                <a:ea typeface="DejaVu Sans"/>
+              </a:rPr>
+              <a:t>By default the parameter is initialized to the number indicated by the </a:t>
+            </a:r>
+            <a:r>
+              <a:rPr b="1" i="1" lang="en-US" sz="1400" spc="-1" strike="noStrike">
                 <a:solidFill>
                   <a:srgbClr val="2a6099"/>
                 </a:solidFill>
                 <a:latin typeface="Times New Roman"/>
-              </a:rPr>
-              <a:t>SpRuntime</a:t>
-            </a:r>
-            <a:r>
-              <a:rPr b="0" lang="en-US" sz="1400" spc="-1" strike="noStrike">
-                <a:latin typeface="Times New Roman"/>
-              </a:rPr>
-              <a:t>. </a:t>
-            </a:r>
-            <a:endParaRPr b="0" lang="fr-CH" sz="1400" spc="-1" strike="noStrike">
-              <a:latin typeface="Arial"/>
-            </a:endParaRPr>
-          </a:p>
-          <a:p>
-            <a:pPr>
-              <a:lnSpc>
-                <a:spcPct val="100000"/>
-              </a:lnSpc>
-              <a:buNone/>
-            </a:pPr>
-            <a:endParaRPr b="0" lang="fr-CH" sz="1400" spc="-1" strike="noStrike">
-              <a:latin typeface="Arial"/>
-            </a:endParaRPr>
-          </a:p>
-          <a:p>
-            <a:pPr>
-              <a:lnSpc>
-                <a:spcPct val="100000"/>
-              </a:lnSpc>
-              <a:buNone/>
-            </a:pPr>
-            <a:r>
-              <a:rPr b="0" lang="en-US" sz="1400" spc="-1" strike="noStrike">
-                <a:latin typeface="Times New Roman"/>
-              </a:rPr>
-              <a:t>This class provides task creation, task graph and trace generation facilities.</a:t>
-            </a:r>
-            <a:endParaRPr b="0" lang="fr-CH" sz="1400" spc="-1" strike="noStrike">
-              <a:latin typeface="Arial"/>
-            </a:endParaRPr>
-          </a:p>
-          <a:p>
-            <a:pPr>
-              <a:lnSpc>
-                <a:spcPct val="100000"/>
-              </a:lnSpc>
-              <a:buNone/>
-            </a:pPr>
-            <a:endParaRPr b="0" lang="fr-CH" sz="1400" spc="-1" strike="noStrike">
-              <a:latin typeface="Arial"/>
-            </a:endParaRPr>
-          </a:p>
-          <a:p>
-            <a:pPr>
-              <a:lnSpc>
-                <a:spcPct val="100000"/>
-              </a:lnSpc>
-              <a:buNone/>
-            </a:pPr>
-            <a:r>
-              <a:rPr b="0" lang="en-US" sz="1400" spc="-1" strike="noStrike">
-                <a:latin typeface="Times New Roman"/>
-              </a:rPr>
-              <a:t>The </a:t>
-            </a:r>
-            <a:r>
-              <a:rPr b="1" lang="en-US" sz="1400" spc="-1" strike="noStrike">
-                <a:solidFill>
-                  <a:srgbClr val="2a6099"/>
-                </a:solidFill>
-                <a:latin typeface="Times New Roman"/>
-              </a:rPr>
-              <a:t>SpRuntime</a:t>
-            </a:r>
-            <a:r>
-              <a:rPr b="0" lang="en-US" sz="1400" spc="-1" strike="noStrike">
-                <a:latin typeface="Times New Roman"/>
-              </a:rPr>
-              <a:t> class is templated on a non type parameter that can be used to specify which speculation model you want to use.</a:t>
-            </a:r>
-            <a:endParaRPr b="0" lang="fr-CH" sz="1400" spc="-1" strike="noStrike">
-              <a:latin typeface="Arial"/>
-            </a:endParaRPr>
-          </a:p>
-          <a:p>
-            <a:pPr>
-              <a:lnSpc>
-                <a:spcPct val="100000"/>
-              </a:lnSpc>
-              <a:buNone/>
-            </a:pPr>
-            <a:endParaRPr b="0" lang="fr-CH" sz="1400" spc="-1" strike="noStrike">
-              <a:latin typeface="Arial"/>
-            </a:endParaRPr>
-          </a:p>
-          <a:p>
-            <a:pPr>
-              <a:lnSpc>
-                <a:spcPct val="100000"/>
-              </a:lnSpc>
-              <a:buNone/>
-            </a:pPr>
-            <a:r>
-              <a:rPr b="0" lang="en-US" sz="1400" spc="-1" strike="noStrike">
-                <a:latin typeface="Times New Roman"/>
-              </a:rPr>
-              <a:t>The runtime's contructor takes as a parameter the number of threads it should spawn.</a:t>
-            </a:r>
-            <a:endParaRPr b="0" lang="fr-CH" sz="1400" spc="-1" strike="noStrike">
-              <a:latin typeface="Arial"/>
-            </a:endParaRPr>
-          </a:p>
-          <a:p>
-            <a:pPr>
-              <a:lnSpc>
-                <a:spcPct val="100000"/>
-              </a:lnSpc>
-              <a:buNone/>
-            </a:pPr>
-            <a:endParaRPr b="0" lang="fr-CH" sz="1400" spc="-1" strike="noStrike">
-              <a:latin typeface="Arial"/>
-            </a:endParaRPr>
-          </a:p>
-          <a:p>
-            <a:pPr>
-              <a:lnSpc>
-                <a:spcPct val="100000"/>
-              </a:lnSpc>
-              <a:buNone/>
-            </a:pPr>
-            <a:r>
-              <a:rPr b="0" lang="en-US" sz="1400" spc="-1" strike="noStrike">
-                <a:latin typeface="Times New Roman"/>
-              </a:rPr>
-              <a:t>By default the parameter is initialized to the number indicated by the </a:t>
-            </a:r>
-            <a:r>
-              <a:rPr b="1" lang="en-US" sz="1400" spc="-1" strike="noStrike">
-                <a:solidFill>
-                  <a:srgbClr val="2a6099"/>
-                </a:solidFill>
-                <a:latin typeface="Times New Roman"/>
+                <a:ea typeface="DejaVu Sans"/>
               </a:rPr>
               <a:t>OMP_NUM_THREADS</a:t>
             </a:r>
             <a:r>
-              <a:rPr b="0" lang="en-US" sz="1400" spc="-1" strike="noStrike">
-                <a:latin typeface="Times New Roman"/>
+              <a:rPr b="0" i="1" lang="en-US" sz="1400" spc="-1" strike="noStrike">
+                <a:solidFill>
+                  <a:srgbClr val="000000"/>
+                </a:solidFill>
+                <a:latin typeface="Times New Roman"/>
+                <a:ea typeface="DejaVu Sans"/>
               </a:rPr>
               <a:t> environment variable.</a:t>
             </a:r>
@@ -8022,14 +8445,14 @@
       </p:grpSpPr>
       <p:sp>
         <p:nvSpPr>
-          <p:cNvPr id="65" name="PlaceHolder 9"/>
+          <p:cNvPr id="63" name="PlaceHolder 9"/>
           <p:cNvSpPr/>
           <p:nvPr/>
         </p:nvSpPr>
         <p:spPr>
           <a:xfrm>
             <a:off x="354960" y="226080"/>
-            <a:ext cx="9354960" cy="713880"/>
+            <a:ext cx="9354600" cy="713520"/>
           </a:xfrm>
           <a:prstGeom prst="rect">
             <a:avLst/>
@@ -8065,6 +8488,7 @@
                   <a:srgbClr val="ffffff"/>
                 </a:solidFill>
                 <a:latin typeface="Source Sans Pro Black"/>
+                <a:ea typeface="DejaVu Sans"/>
               </a:rPr>
               <a:t>SPECX: Runtime Interface</a:t>
             </a:r>
@@ -8074,39 +8498,16 @@
           </a:p>
         </p:txBody>
       </p:sp>
-      <p:pic>
-        <p:nvPicPr>
-          <p:cNvPr id="66" name="" descr=""/>
-          <p:cNvPicPr/>
+      <p:sp>
+        <p:nvSpPr>
+          <p:cNvPr id="64" name=""/>
+          <p:cNvSpPr/>
           <p:nvPr/>
-        </p:nvPicPr>
-        <p:blipFill>
-          <a:blip r:embed="rId1"/>
-          <a:stretch/>
-        </p:blipFill>
+        </p:nvSpPr>
         <p:spPr>
           <a:xfrm>
-            <a:off x="8994960" y="61200"/>
-            <a:ext cx="1015920" cy="1015920"/>
-          </a:xfrm>
-          <a:prstGeom prst="rect">
-            <a:avLst/>
-          </a:prstGeom>
-          <a:ln w="0">
-            <a:noFill/>
-          </a:ln>
-        </p:spPr>
-      </p:pic>
-      <p:sp>
-        <p:nvSpPr>
-          <p:cNvPr id="67" name=""/>
-          <p:cNvSpPr/>
-          <p:nvPr/>
-        </p:nvSpPr>
-        <p:spPr>
-          <a:xfrm>
-            <a:off x="336240" y="2772000"/>
-            <a:ext cx="9743400" cy="876240"/>
+            <a:off x="624960" y="4248000"/>
+            <a:ext cx="8987040" cy="875880"/>
           </a:xfrm>
           <a:prstGeom prst="rect">
             <a:avLst/>
@@ -8134,10 +8535,34 @@
               <a:buNone/>
             </a:pPr>
             <a:r>
-              <a:rPr b="0" lang="fr-CH" sz="1400" spc="-1" strike="noStrike">
-                <a:latin typeface="Times New Roman"/>
-              </a:rPr>
-              <a:t>The inPriority parameter specifies a priority for the task. </a:t>
+              <a:rPr b="0" lang="en-US" sz="1400" spc="-1" strike="noStrike">
+                <a:solidFill>
+                  <a:srgbClr val="000000"/>
+                </a:solidFill>
+                <a:latin typeface="Times New Roman"/>
+                <a:ea typeface="DejaVu Sans"/>
+              </a:rPr>
+              <a:t>The</a:t>
+            </a:r>
+            <a:r>
+              <a:rPr b="0" lang="en-US" sz="1400" spc="-1" strike="noStrike">
+                <a:solidFill>
+                  <a:srgbClr val="158466"/>
+                </a:solidFill>
+                <a:latin typeface="Times New Roman"/>
+                <a:ea typeface="DejaVu Sans"/>
+              </a:rPr>
+              <a:t> inPriority</a:t>
+            </a:r>
+            <a:r>
+              <a:rPr b="0" lang="en-US" sz="1400" spc="-1" strike="noStrike">
+                <a:solidFill>
+                  <a:srgbClr val="000000"/>
+                </a:solidFill>
+                <a:latin typeface="Times New Roman"/>
+                <a:ea typeface="DejaVu Sans"/>
+              </a:rPr>
+              <a:t> parameter specifies a priority for the task. </a:t>
             </a:r>
             <a:endParaRPr b="0" lang="fr-CH" sz="1400" spc="-1" strike="noStrike">
               <a:latin typeface="Arial"/>
@@ -8162,27 +8587,51 @@
               <a:buNone/>
             </a:pPr>
             <a:r>
-              <a:rPr b="0" lang="fr-CH" sz="1400" spc="-1" strike="noStrike">
-                <a:latin typeface="Times New Roman"/>
-              </a:rPr>
-              <a:t>The inProbability parameter is an object used to specify the probability with which the task may write to its maybe-written data dependencies. </a:t>
-            </a:r>
-            <a:endParaRPr b="0" lang="fr-CH" sz="1400" spc="-1" strike="noStrike">
-              <a:latin typeface="Arial"/>
-            </a:endParaRPr>
-          </a:p>
-        </p:txBody>
-      </p:sp>
-      <p:sp>
-        <p:nvSpPr>
-          <p:cNvPr id="68" name=""/>
+              <a:rPr b="0" lang="en-US" sz="1400" spc="-1" strike="noStrike">
+                <a:solidFill>
+                  <a:srgbClr val="000000"/>
+                </a:solidFill>
+                <a:latin typeface="Times New Roman"/>
+                <a:ea typeface="DejaVu Sans"/>
+              </a:rPr>
+              <a:t>The</a:t>
+            </a:r>
+            <a:r>
+              <a:rPr b="0" lang="en-US" sz="1400" spc="-1" strike="noStrike">
+                <a:solidFill>
+                  <a:srgbClr val="158466"/>
+                </a:solidFill>
+                <a:latin typeface="Times New Roman"/>
+                <a:ea typeface="DejaVu Sans"/>
+              </a:rPr>
+              <a:t> inProbability</a:t>
+            </a:r>
+            <a:r>
+              <a:rPr b="0" lang="en-US" sz="1400" spc="-1" strike="noStrike">
+                <a:solidFill>
+                  <a:srgbClr val="000000"/>
+                </a:solidFill>
+                <a:latin typeface="Times New Roman"/>
+                <a:ea typeface="DejaVu Sans"/>
+              </a:rPr>
+              <a:t> parameter is an object used to specify the probability with which the task may write to its maybe-written data dependencies. </a:t>
+            </a:r>
+            <a:endParaRPr b="0" lang="fr-CH" sz="1400" spc="-1" strike="noStrike">
+              <a:latin typeface="Arial"/>
+            </a:endParaRPr>
+          </a:p>
+        </p:txBody>
+      </p:sp>
+      <p:sp>
+        <p:nvSpPr>
+          <p:cNvPr id="65" name=""/>
           <p:cNvSpPr/>
           <p:nvPr/>
         </p:nvSpPr>
         <p:spPr>
           <a:xfrm>
-            <a:off x="914760" y="1566000"/>
-            <a:ext cx="9056880" cy="1097640"/>
+            <a:off x="590760" y="1566000"/>
+            <a:ext cx="9056520" cy="1097280"/>
           </a:xfrm>
           <a:prstGeom prst="rect">
             <a:avLst/>
@@ -8211,19 +8660,31 @@
             </a:pPr>
             <a:r>
               <a:rPr b="0" lang="fr-CH" sz="1400" spc="-1" strike="noStrike">
-                <a:latin typeface="Times New Roman"/>
+                <a:solidFill>
+                  <a:srgbClr val="000000"/>
+                </a:solidFill>
+                <a:latin typeface="Times New Roman"/>
+                <a:ea typeface="DejaVu Sans"/>
               </a:rPr>
               <a:t>auto </a:t>
             </a:r>
             <a:r>
               <a:rPr b="1" lang="fr-CH" sz="1400" spc="-1" strike="noStrike">
-                <a:latin typeface="Times New Roman"/>
+                <a:solidFill>
+                  <a:srgbClr val="000000"/>
+                </a:solidFill>
+                <a:latin typeface="Times New Roman"/>
+                <a:ea typeface="DejaVu Sans"/>
               </a:rPr>
               <a:t>task</a:t>
             </a:r>
             <a:r>
               <a:rPr b="0" lang="fr-CH" sz="1400" spc="-1" strike="noStrike">
-                <a:latin typeface="Times New Roman"/>
+                <a:solidFill>
+                  <a:srgbClr val="000000"/>
+                </a:solidFill>
+                <a:latin typeface="Times New Roman"/>
+                <a:ea typeface="DejaVu Sans"/>
               </a:rPr>
               <a:t>([optional] </a:t>
             </a:r>
@@ -8233,14 +8694,39 @@
                   <a:srgbClr val="2a6099"/>
                 </a:solidFill>
                 <a:latin typeface="Times New Roman"/>
+                <a:ea typeface="DejaVu Sans"/>
               </a:rPr>
               <a:t>SpPriority</a:t>
             </a:r>
             <a:r>
               <a:rPr b="0" lang="fr-CH" sz="1400" spc="-1" strike="noStrike">
-                <a:latin typeface="Times New Roman"/>
-              </a:rPr>
-              <a:t> inPriority, [optional]</a:t>
+                <a:solidFill>
+                  <a:srgbClr val="000000"/>
+                </a:solidFill>
+                <a:latin typeface="Times New Roman"/>
+                <a:ea typeface="DejaVu Sans"/>
+              </a:rPr>
+              <a:t> </a:t>
+            </a:r>
+            <a:r>
+              <a:rPr b="0" lang="fr-CH" sz="1400" spc="-1" strike="noStrike">
+                <a:solidFill>
+                  <a:srgbClr val="158466"/>
+                </a:solidFill>
+                <a:latin typeface="Times New Roman"/>
+                <a:ea typeface="DejaVu Sans"/>
+              </a:rPr>
+              <a:t>inPriority</a:t>
+            </a:r>
+            <a:r>
+              <a:rPr b="0" lang="fr-CH" sz="1400" spc="-1" strike="noStrike">
+                <a:solidFill>
+                  <a:srgbClr val="000000"/>
+                </a:solidFill>
+                <a:latin typeface="Times New Roman"/>
+                <a:ea typeface="DejaVu Sans"/>
+              </a:rPr>
+              <a:t>, [optional]</a:t>
             </a:r>
             <a:r>
               <a:rPr b="1" lang="fr-CH" sz="1400" spc="-1" strike="noStrike">
@@ -8248,14 +8734,29 @@
                   <a:srgbClr val="2a6099"/>
                 </a:solidFill>
                 <a:latin typeface="Times New Roman"/>
+                <a:ea typeface="DejaVu Sans"/>
               </a:rPr>
               <a:t> SpProbability</a:t>
             </a:r>
             <a:r>
               <a:rPr b="0" lang="fr-CH" sz="1400" spc="-1" strike="noStrike">
-                <a:latin typeface="Times New Roman"/>
-              </a:rPr>
-              <a:t> inProbability,</a:t>
+                <a:solidFill>
+                  <a:srgbClr val="158466"/>
+                </a:solidFill>
+                <a:latin typeface="Times New Roman"/>
+                <a:ea typeface="DejaVu Sans"/>
+              </a:rPr>
+              <a:t> inProbabilit</a:t>
+            </a:r>
+            <a:r>
+              <a:rPr b="0" lang="fr-CH" sz="1400" spc="-1" strike="noStrike">
+                <a:solidFill>
+                  <a:srgbClr val="000000"/>
+                </a:solidFill>
+                <a:latin typeface="Times New Roman"/>
+                <a:ea typeface="DejaVu Sans"/>
+              </a:rPr>
+              <a:t>y,</a:t>
             </a:r>
             <a:endParaRPr b="0" lang="fr-CH" sz="1400" spc="-1" strike="noStrike">
               <a:latin typeface="Arial"/>
@@ -8270,7 +8771,11 @@
             </a:pPr>
             <a:r>
               <a:rPr b="0" lang="fr-CH" sz="1400" spc="-1" strike="noStrike">
-                <a:latin typeface="Times New Roman"/>
+                <a:solidFill>
+                  <a:srgbClr val="000000"/>
+                </a:solidFill>
+                <a:latin typeface="Times New Roman"/>
+                <a:ea typeface="DejaVu Sans"/>
               </a:rPr>
               <a:t>[optional] &lt;DataDependencyTy&gt; do..., &lt;CallableTy&gt; c)</a:t>
             </a:r>
@@ -8280,6 +8785,7 @@
                   <a:srgbClr val="ff0000"/>
                 </a:solidFill>
                 <a:latin typeface="Times New Roman"/>
+                <a:ea typeface="DejaVu Sans"/>
               </a:rPr>
               <a:t> (1)</a:t>
             </a:r>
@@ -8307,19 +8813,31 @@
             </a:pPr>
             <a:r>
               <a:rPr b="0" lang="fr-CH" sz="1400" spc="-1" strike="noStrike">
-                <a:latin typeface="Times New Roman"/>
+                <a:solidFill>
+                  <a:srgbClr val="000000"/>
+                </a:solidFill>
+                <a:latin typeface="Times New Roman"/>
+                <a:ea typeface="DejaVu Sans"/>
               </a:rPr>
               <a:t>auto </a:t>
             </a:r>
             <a:r>
               <a:rPr b="1" lang="fr-CH" sz="1400" spc="-1" strike="noStrike">
-                <a:latin typeface="Times New Roman"/>
+                <a:solidFill>
+                  <a:srgbClr val="000000"/>
+                </a:solidFill>
+                <a:latin typeface="Times New Roman"/>
+                <a:ea typeface="DejaVu Sans"/>
               </a:rPr>
               <a:t>task</a:t>
             </a:r>
             <a:r>
               <a:rPr b="0" lang="fr-CH" sz="1400" spc="-1" strike="noStrike">
-                <a:latin typeface="Times New Roman"/>
+                <a:solidFill>
+                  <a:srgbClr val="000000"/>
+                </a:solidFill>
+                <a:latin typeface="Times New Roman"/>
+                <a:ea typeface="DejaVu Sans"/>
               </a:rPr>
               <a:t>([optional] </a:t>
             </a:r>
@@ -8329,14 +8847,29 @@
                   <a:srgbClr val="2a6099"/>
                 </a:solidFill>
                 <a:latin typeface="Times New Roman"/>
+                <a:ea typeface="DejaVu Sans"/>
               </a:rPr>
               <a:t>SpPriority</a:t>
             </a:r>
             <a:r>
               <a:rPr b="0" lang="fr-CH" sz="1400" spc="-1" strike="noStrike">
-                <a:latin typeface="Times New Roman"/>
-              </a:rPr>
-              <a:t> inPriority, [optional]</a:t>
+                <a:solidFill>
+                  <a:srgbClr val="158466"/>
+                </a:solidFill>
+                <a:latin typeface="Times New Roman"/>
+                <a:ea typeface="DejaVu Sans"/>
+              </a:rPr>
+              <a:t> inPriority</a:t>
+            </a:r>
+            <a:r>
+              <a:rPr b="0" lang="fr-CH" sz="1400" spc="-1" strike="noStrike">
+                <a:solidFill>
+                  <a:srgbClr val="000000"/>
+                </a:solidFill>
+                <a:latin typeface="Times New Roman"/>
+                <a:ea typeface="DejaVu Sans"/>
+              </a:rPr>
+              <a:t>, [optional]</a:t>
             </a:r>
             <a:r>
               <a:rPr b="1" lang="fr-CH" sz="1400" spc="-1" strike="noStrike">
@@ -8344,14 +8877,29 @@
                   <a:srgbClr val="2a6099"/>
                 </a:solidFill>
                 <a:latin typeface="Times New Roman"/>
+                <a:ea typeface="DejaVu Sans"/>
               </a:rPr>
               <a:t> SpProbability</a:t>
             </a:r>
             <a:r>
               <a:rPr b="0" lang="fr-CH" sz="1400" spc="-1" strike="noStrike">
-                <a:latin typeface="Times New Roman"/>
-              </a:rPr>
-              <a:t> inProbability,</a:t>
+                <a:solidFill>
+                  <a:srgbClr val="158466"/>
+                </a:solidFill>
+                <a:latin typeface="Times New Roman"/>
+                <a:ea typeface="DejaVu Sans"/>
+              </a:rPr>
+              <a:t> inProbability</a:t>
+            </a:r>
+            <a:r>
+              <a:rPr b="0" lang="fr-CH" sz="1400" spc="-1" strike="noStrike">
+                <a:solidFill>
+                  <a:srgbClr val="000000"/>
+                </a:solidFill>
+                <a:latin typeface="Times New Roman"/>
+                <a:ea typeface="DejaVu Sans"/>
+              </a:rPr>
+              <a:t>,</a:t>
             </a:r>
             <a:endParaRPr b="0" lang="fr-CH" sz="1400" spc="-1" strike="noStrike">
               <a:latin typeface="Arial"/>
@@ -8366,7 +8914,11 @@
             </a:pPr>
             <a:r>
               <a:rPr b="0" lang="fr-CH" sz="1400" spc="-1" strike="noStrike">
-                <a:latin typeface="Times New Roman"/>
+                <a:solidFill>
+                  <a:srgbClr val="000000"/>
+                </a:solidFill>
+                <a:latin typeface="Times New Roman"/>
+                <a:ea typeface="DejaVu Sans"/>
               </a:rPr>
               <a:t>[optional] &lt;DataDependencyTy&gt; do..., </a:t>
             </a:r>
@@ -8376,12 +8928,17 @@
                   <a:srgbClr val="2a6099"/>
                 </a:solidFill>
                 <a:latin typeface="Times New Roman"/>
+                <a:ea typeface="DejaVu Sans"/>
               </a:rPr>
               <a:t>SpCpuCode</a:t>
             </a:r>
             <a:r>
               <a:rPr b="0" lang="fr-CH" sz="1400" spc="-1" strike="noStrike">
-                <a:latin typeface="Times New Roman"/>
+                <a:solidFill>
+                  <a:srgbClr val="000000"/>
+                </a:solidFill>
+                <a:latin typeface="Times New Roman"/>
+                <a:ea typeface="DejaVu Sans"/>
               </a:rPr>
               <a:t>(&lt;CallableTy&gt; c1), [optional]</a:t>
             </a:r>
@@ -8391,12 +8948,17 @@
                   <a:srgbClr val="2a6099"/>
                 </a:solidFill>
                 <a:latin typeface="Times New Roman"/>
+                <a:ea typeface="DejaVu Sans"/>
               </a:rPr>
               <a:t> SpGpuCode</a:t>
             </a:r>
             <a:r>
               <a:rPr b="0" lang="fr-CH" sz="1400" spc="-1" strike="noStrike">
-                <a:latin typeface="Times New Roman"/>
+                <a:solidFill>
+                  <a:srgbClr val="000000"/>
+                </a:solidFill>
+                <a:latin typeface="Times New Roman"/>
+                <a:ea typeface="DejaVu Sans"/>
               </a:rPr>
               <a:t>(&lt;CallableTy&gt; c2)) </a:t>
             </a:r>
@@ -8406,6 +8968,7 @@
                   <a:srgbClr val="ff0000"/>
                 </a:solidFill>
                 <a:latin typeface="Times New Roman"/>
+                <a:ea typeface="DejaVu Sans"/>
               </a:rPr>
               <a:t>(2)</a:t>
             </a:r>
@@ -8417,14 +8980,14 @@
       </p:sp>
       <p:sp>
         <p:nvSpPr>
-          <p:cNvPr id="69" name=""/>
+          <p:cNvPr id="66" name=""/>
           <p:cNvSpPr/>
           <p:nvPr/>
         </p:nvSpPr>
         <p:spPr>
           <a:xfrm>
-            <a:off x="360000" y="1242000"/>
-            <a:ext cx="4715640" cy="359640"/>
+            <a:off x="36000" y="1242000"/>
+            <a:ext cx="4715280" cy="359280"/>
           </a:xfrm>
           <a:prstGeom prst="rect">
             <a:avLst/>
@@ -8453,7 +9016,11 @@
             </a:pPr>
             <a:r>
               <a:rPr b="0" lang="en-US" sz="1400" spc="-1" strike="noStrike">
-                <a:latin typeface="Times New Roman"/>
+                <a:solidFill>
+                  <a:srgbClr val="000000"/>
+                </a:solidFill>
+                <a:latin typeface="Times New Roman"/>
+                <a:ea typeface="DejaVu Sans"/>
               </a:rPr>
               <a:t>This method creates a new task and injects it into the runtime. </a:t>
             </a:r>
@@ -8465,14 +9032,14 @@
       </p:sp>
       <p:sp>
         <p:nvSpPr>
-          <p:cNvPr id="70" name=""/>
+          <p:cNvPr id="67" name=""/>
           <p:cNvSpPr/>
           <p:nvPr/>
         </p:nvSpPr>
         <p:spPr>
           <a:xfrm>
-            <a:off x="372240" y="3729600"/>
-            <a:ext cx="9455400" cy="1465920"/>
+            <a:off x="1416240" y="2890440"/>
+            <a:ext cx="7871760" cy="1465560"/>
           </a:xfrm>
           <a:prstGeom prst="rect">
             <a:avLst/>
@@ -8500,25 +9067,66 @@
               <a:buNone/>
             </a:pPr>
             <a:r>
+              <a:rPr b="1" lang="en-US" sz="1400" spc="-1" strike="noStrike">
+                <a:solidFill>
+                  <a:srgbClr val="ff0000"/>
+                </a:solidFill>
+                <a:latin typeface="Times New Roman"/>
+                <a:ea typeface="DejaVu Sans"/>
+              </a:rPr>
+              <a:t>(1)</a:t>
+            </a:r>
+            <a:r>
               <a:rPr b="0" lang="en-US" sz="1400" spc="-1" strike="noStrike">
-                <a:latin typeface="Times New Roman"/>
-              </a:rPr>
-              <a:t>In overload </a:t>
-            </a:r>
+                <a:solidFill>
+                  <a:srgbClr val="000000"/>
+                </a:solidFill>
+                <a:latin typeface="Times New Roman"/>
+                <a:ea typeface="DejaVu Sans"/>
+              </a:rPr>
+              <a:t> the callable is passed as is to the task call. It will implicitly be interpreted by the runtime as CPU code.</a:t>
+            </a:r>
+            <a:endParaRPr b="0" lang="fr-CH" sz="1400" spc="-1" strike="noStrike">
+              <a:latin typeface="Arial"/>
+            </a:endParaRPr>
+          </a:p>
+          <a:p>
+            <a:pPr algn="just">
+              <a:lnSpc>
+                <a:spcPct val="100000"/>
+              </a:lnSpc>
+              <a:buNone/>
+            </a:pPr>
+            <a:endParaRPr b="0" lang="fr-CH" sz="1400" spc="-1" strike="noStrike">
+              <a:latin typeface="Arial"/>
+            </a:endParaRPr>
+          </a:p>
+          <a:p>
+            <a:pPr algn="just">
+              <a:lnSpc>
+                <a:spcPct val="100000"/>
+              </a:lnSpc>
+              <a:buNone/>
+            </a:pPr>
             <a:r>
               <a:rPr b="1" lang="en-US" sz="1400" spc="-1" strike="noStrike">
                 <a:solidFill>
                   <a:srgbClr val="ff0000"/>
                 </a:solidFill>
                 <a:latin typeface="Times New Roman"/>
-              </a:rPr>
-              <a:t>(1)</a:t>
+                <a:ea typeface="DejaVu Sans"/>
+              </a:rPr>
+              <a:t>(2)</a:t>
             </a:r>
             <a:r>
               <a:rPr b="0" lang="en-US" sz="1400" spc="-1" strike="noStrike">
-                <a:latin typeface="Times New Roman"/>
-              </a:rPr>
-              <a:t> the callable is passed as is to the task call. It will implicitly be interpreted by the runtime as CPU code.</a:t>
+                <a:solidFill>
+                  <a:srgbClr val="000000"/>
+                </a:solidFill>
+                <a:latin typeface="Times New Roman"/>
+                <a:ea typeface="DejaVu Sans"/>
+              </a:rPr>
+              <a:t> the callable c1 is explicitly tagged as CPU code by being wrapped inside a SpCpuCode object.</a:t>
             </a:r>
             <a:endParaRPr b="0" lang="fr-CH" sz="1400" spc="-1" strike="noStrike">
               <a:latin typeface="Arial"/>
@@ -8544,9 +9152,13 @@
             </a:pPr>
             <a:r>
               <a:rPr b="0" lang="en-US" sz="1400" spc="-1" strike="noStrike">
-                <a:latin typeface="Times New Roman"/>
-              </a:rPr>
-              <a:t>In overload </a:t>
+                <a:solidFill>
+                  <a:srgbClr val="000000"/>
+                </a:solidFill>
+                <a:latin typeface="Times New Roman"/>
+                <a:ea typeface="DejaVu Sans"/>
+              </a:rPr>
+              <a:t>Overload</a:t>
             </a:r>
             <a:r>
               <a:rPr b="1" lang="en-US" sz="1400" spc="-1" strike="noStrike">
@@ -8554,14 +9166,19 @@
                   <a:srgbClr val="ff0000"/>
                 </a:solidFill>
                 <a:latin typeface="Times New Roman"/>
-              </a:rPr>
-              <a:t>(2)</a:t>
+                <a:ea typeface="DejaVu Sans"/>
+              </a:rPr>
+              <a:t> (2)</a:t>
             </a:r>
             <a:r>
               <a:rPr b="0" lang="en-US" sz="1400" spc="-1" strike="noStrike">
-                <a:latin typeface="Times New Roman"/>
-              </a:rPr>
-              <a:t> the callable c1 is explictly tagged as CPU code by being wrapped inside a SpCpuCode object.</a:t>
+                <a:solidFill>
+                  <a:srgbClr val="000000"/>
+                </a:solidFill>
+                <a:latin typeface="Times New Roman"/>
+                <a:ea typeface="DejaVu Sans"/>
+              </a:rPr>
+              <a:t> additionally permits the user to provide a GPU version of the code </a:t>
             </a:r>
             <a:endParaRPr b="0" lang="fr-CH" sz="1400" spc="-1" strike="noStrike">
               <a:latin typeface="Arial"/>
@@ -8587,52 +9204,13 @@
             </a:pPr>
             <a:r>
               <a:rPr b="0" lang="en-US" sz="1400" spc="-1" strike="noStrike">
-                <a:latin typeface="Times New Roman"/>
-              </a:rPr>
-              <a:t>Overload</a:t>
-            </a:r>
-            <a:r>
-              <a:rPr b="1" lang="en-US" sz="1400" spc="-1" strike="noStrike">
-                <a:solidFill>
-                  <a:srgbClr val="ff0000"/>
-                </a:solidFill>
-                <a:latin typeface="Times New Roman"/>
-              </a:rPr>
-              <a:t> (2)</a:t>
-            </a:r>
-            <a:r>
-              <a:rPr b="0" lang="en-US" sz="1400" spc="-1" strike="noStrike">
-                <a:latin typeface="Times New Roman"/>
-              </a:rPr>
-              <a:t> additionally permits the user to provide a GPU version of the code </a:t>
-            </a:r>
-            <a:endParaRPr b="0" lang="fr-CH" sz="1400" spc="-1" strike="noStrike">
-              <a:latin typeface="Arial"/>
-            </a:endParaRPr>
-          </a:p>
-          <a:p>
-            <a:pPr algn="just">
-              <a:lnSpc>
-                <a:spcPct val="100000"/>
-              </a:lnSpc>
-              <a:buNone/>
-            </a:pPr>
-            <a:endParaRPr b="0" lang="fr-CH" sz="1400" spc="-1" strike="noStrike">
-              <a:latin typeface="Arial"/>
-            </a:endParaRPr>
-          </a:p>
-          <a:p>
-            <a:pPr algn="just">
-              <a:lnSpc>
-                <a:spcPct val="100000"/>
-              </a:lnSpc>
-              <a:buNone/>
-            </a:pPr>
-            <a:r>
-              <a:rPr b="0" lang="en-US" sz="1400" spc="-1" strike="noStrike">
-                <a:latin typeface="Times New Roman"/>
-              </a:rPr>
-              <a:t>When both CPU and GPU versions of the code are provided, the runtime will decide at runtime which one of the two to execute.</a:t>
+                <a:solidFill>
+                  <a:srgbClr val="000000"/>
+                </a:solidFill>
+                <a:latin typeface="Times New Roman"/>
+                <a:ea typeface="DejaVu Sans"/>
+              </a:rPr>
+              <a:t>.</a:t>
             </a:r>
             <a:endParaRPr b="0" lang="fr-CH" sz="1400" spc="-1" strike="noStrike">
               <a:latin typeface="Arial"/>
@@ -8672,14 +9250,14 @@
       </p:grpSpPr>
       <p:sp>
         <p:nvSpPr>
-          <p:cNvPr id="71" name="PlaceHolder 10"/>
+          <p:cNvPr id="68" name="PlaceHolder 10"/>
           <p:cNvSpPr/>
           <p:nvPr/>
         </p:nvSpPr>
         <p:spPr>
           <a:xfrm>
             <a:off x="354960" y="226080"/>
-            <a:ext cx="9354960" cy="713880"/>
+            <a:ext cx="9354600" cy="713520"/>
           </a:xfrm>
           <a:prstGeom prst="rect">
             <a:avLst/>
@@ -8715,6 +9293,7 @@
                   <a:srgbClr val="ffffff"/>
                 </a:solidFill>
                 <a:latin typeface="Source Sans Pro Black"/>
+                <a:ea typeface="DejaVu Sans"/>
               </a:rPr>
               <a:t>SPECX: Runtime Interface</a:t>
             </a:r>
@@ -8724,39 +9303,16 @@
           </a:p>
         </p:txBody>
       </p:sp>
-      <p:pic>
-        <p:nvPicPr>
-          <p:cNvPr id="72" name="" descr=""/>
-          <p:cNvPicPr/>
+      <p:sp>
+        <p:nvSpPr>
+          <p:cNvPr id="69" name=""/>
+          <p:cNvSpPr/>
           <p:nvPr/>
-        </p:nvPicPr>
-        <p:blipFill>
-          <a:blip r:embed="rId1"/>
-          <a:stretch/>
-        </p:blipFill>
+        </p:nvSpPr>
         <p:spPr>
           <a:xfrm>
-            <a:off x="8994960" y="61200"/>
-            <a:ext cx="1015920" cy="1015920"/>
-          </a:xfrm>
-          <a:prstGeom prst="rect">
-            <a:avLst/>
-          </a:prstGeom>
-          <a:ln w="0">
-            <a:noFill/>
-          </a:ln>
-        </p:spPr>
-      </p:pic>
-      <p:sp>
-        <p:nvSpPr>
-          <p:cNvPr id="73" name=""/>
-          <p:cNvSpPr/>
-          <p:nvPr/>
-        </p:nvSpPr>
-        <p:spPr>
-          <a:xfrm>
-            <a:off x="137880" y="1302840"/>
-            <a:ext cx="8910000" cy="2055600"/>
+            <a:off x="4169880" y="1302840"/>
+            <a:ext cx="5622120" cy="2055240"/>
           </a:xfrm>
           <a:prstGeom prst="rect">
             <a:avLst/>
@@ -8784,10 +9340,44 @@
               <a:buNone/>
             </a:pPr>
             <a:r>
+              <a:rPr b="1" lang="fr-CH" sz="1400" spc="-1" strike="noStrike">
+                <a:solidFill>
+                  <a:srgbClr val="158466"/>
+                </a:solidFill>
+                <a:latin typeface="Times New Roman"/>
+                <a:ea typeface="DejaVu Sans"/>
+              </a:rPr>
+              <a:t>Type1</a:t>
+            </a:r>
+            <a:r>
               <a:rPr b="0" lang="fr-CH" sz="1400" spc="-1" strike="noStrike">
-                <a:latin typeface="Times New Roman"/>
-              </a:rPr>
-              <a:t>Type1 v1; Type2 v2;</a:t>
+                <a:solidFill>
+                  <a:srgbClr val="000000"/>
+                </a:solidFill>
+                <a:latin typeface="Times New Roman"/>
+                <a:ea typeface="DejaVu Sans"/>
+              </a:rPr>
+              <a:t> v1; </a:t>
+            </a:r>
+            <a:r>
+              <a:rPr b="1" lang="fr-CH" sz="1400" spc="-1" strike="noStrike">
+                <a:solidFill>
+                  <a:srgbClr val="158466"/>
+                </a:solidFill>
+                <a:latin typeface="Times New Roman"/>
+                <a:ea typeface="DejaVu Sans"/>
+              </a:rPr>
+              <a:t>Type2</a:t>
+            </a:r>
+            <a:r>
+              <a:rPr b="0" lang="fr-CH" sz="1400" spc="-1" strike="noStrike">
+                <a:solidFill>
+                  <a:srgbClr val="000000"/>
+                </a:solidFill>
+                <a:latin typeface="Times New Roman"/>
+                <a:ea typeface="DejaVu Sans"/>
+              </a:rPr>
+              <a:t> v2;</a:t>
             </a:r>
             <a:endParaRPr b="0" lang="fr-CH" sz="1400" spc="-1" strike="noStrike">
               <a:latin typeface="Arial"/>
@@ -8802,7 +9392,11 @@
             </a:pPr>
             <a:r>
               <a:rPr b="0" lang="fr-CH" sz="1400" spc="-1" strike="noStrike">
-                <a:latin typeface="Times New Roman"/>
+                <a:solidFill>
+                  <a:srgbClr val="000000"/>
+                </a:solidFill>
+                <a:latin typeface="Times New Roman"/>
+                <a:ea typeface="DejaVu Sans"/>
               </a:rPr>
               <a:t> </a:t>
             </a:r>
@@ -8818,10 +9412,24 @@
               <a:buNone/>
             </a:pPr>
             <a:r>
+              <a:rPr b="1" lang="fr-CH" sz="1400" spc="-1" strike="noStrike">
+                <a:solidFill>
+                  <a:srgbClr val="ff0000"/>
+                </a:solidFill>
+                <a:latin typeface="Times New Roman"/>
+                <a:ea typeface="DejaVu Sans"/>
+              </a:rPr>
+              <a:t>runtime.task</a:t>
+            </a:r>
+            <a:r>
               <a:rPr b="0" lang="fr-CH" sz="1400" spc="-1" strike="noStrike">
-                <a:latin typeface="Times New Roman"/>
-              </a:rPr>
-              <a:t>runtime.task(</a:t>
+                <a:solidFill>
+                  <a:srgbClr val="000000"/>
+                </a:solidFill>
+                <a:latin typeface="Times New Roman"/>
+                <a:ea typeface="DejaVu Sans"/>
+              </a:rPr>
+              <a:t> ( </a:t>
             </a:r>
             <a:r>
               <a:rPr b="1" lang="fr-CH" sz="1400" spc="-1" strike="noStrike">
@@ -8829,12 +9437,17 @@
                   <a:srgbClr val="2a6099"/>
                 </a:solidFill>
                 <a:latin typeface="Times New Roman"/>
+                <a:ea typeface="DejaVu Sans"/>
               </a:rPr>
               <a:t>SpRead</a:t>
             </a:r>
             <a:r>
               <a:rPr b="0" lang="fr-CH" sz="1400" spc="-1" strike="noStrike">
-                <a:latin typeface="Times New Roman"/>
+                <a:solidFill>
+                  <a:srgbClr val="000000"/>
+                </a:solidFill>
+                <a:latin typeface="Times New Roman"/>
+                <a:ea typeface="DejaVu Sans"/>
               </a:rPr>
               <a:t>(v1), </a:t>
             </a:r>
@@ -8844,17 +9457,170 @@
                   <a:srgbClr val="2a6099"/>
                 </a:solidFill>
                 <a:latin typeface="Times New Roman"/>
+                <a:ea typeface="DejaVu Sans"/>
               </a:rPr>
               <a:t>SpWrite</a:t>
             </a:r>
             <a:r>
               <a:rPr b="0" lang="fr-CH" sz="1400" spc="-1" strike="noStrike">
-                <a:latin typeface="Times New Roman"/>
-              </a:rPr>
-              <a:t>(v2), [] (const Type1 &amp;paramV1, Type2 &amp;paramV2) </a:t>
-            </a:r>
-            <a:endParaRPr b="0" lang="fr-CH" sz="1400" spc="-1" strike="noStrike">
-              <a:latin typeface="Arial"/>
+                <a:solidFill>
+                  <a:srgbClr val="000000"/>
+                </a:solidFill>
+                <a:latin typeface="Times New Roman"/>
+                <a:ea typeface="DejaVu Sans"/>
+              </a:rPr>
+              <a:t>(v2),       </a:t>
+            </a:r>
+            <a:endParaRPr b="0" lang="fr-CH" sz="1400" spc="-1" strike="noStrike">
+              <a:latin typeface="Arial"/>
+            </a:endParaRPr>
+          </a:p>
+          <a:p>
+            <a:pPr marL="360000">
+              <a:lnSpc>
+                <a:spcPct val="100000"/>
+              </a:lnSpc>
+              <a:buNone/>
+            </a:pPr>
+            <a:r>
+              <a:rPr b="1" lang="fr-CH" sz="1400" spc="-1" strike="noStrike">
+                <a:solidFill>
+                  <a:srgbClr val="000000"/>
+                </a:solidFill>
+                <a:latin typeface="Times New Roman"/>
+                <a:ea typeface="DejaVu Sans"/>
+              </a:rPr>
+              <a:t>[ ] </a:t>
+            </a:r>
+            <a:r>
+              <a:rPr b="0" lang="fr-CH" sz="1400" spc="-1" strike="noStrike">
+                <a:solidFill>
+                  <a:srgbClr val="000000"/>
+                </a:solidFill>
+                <a:latin typeface="Times New Roman"/>
+                <a:ea typeface="DejaVu Sans"/>
+              </a:rPr>
+              <a:t>(</a:t>
+            </a:r>
+            <a:r>
+              <a:rPr b="1" lang="fr-CH" sz="1400" spc="-1" strike="noStrike">
+                <a:solidFill>
+                  <a:srgbClr val="158466"/>
+                </a:solidFill>
+                <a:latin typeface="Times New Roman"/>
+                <a:ea typeface="DejaVu Sans"/>
+              </a:rPr>
+              <a:t>const Type1</a:t>
+            </a:r>
+            <a:r>
+              <a:rPr b="0" lang="fr-CH" sz="1400" spc="-1" strike="noStrike">
+                <a:solidFill>
+                  <a:srgbClr val="000000"/>
+                </a:solidFill>
+                <a:latin typeface="Times New Roman"/>
+                <a:ea typeface="DejaVu Sans"/>
+              </a:rPr>
+              <a:t> &amp;paramV1, </a:t>
+            </a:r>
+            <a:r>
+              <a:rPr b="1" lang="fr-CH" sz="1400" spc="-1" strike="noStrike">
+                <a:solidFill>
+                  <a:srgbClr val="158466"/>
+                </a:solidFill>
+                <a:latin typeface="Times New Roman"/>
+                <a:ea typeface="DejaVu Sans"/>
+              </a:rPr>
+              <a:t>Type2</a:t>
+            </a:r>
+            <a:r>
+              <a:rPr b="0" lang="fr-CH" sz="1400" spc="-1" strike="noStrike">
+                <a:solidFill>
+                  <a:srgbClr val="000000"/>
+                </a:solidFill>
+                <a:latin typeface="Times New Roman"/>
+                <a:ea typeface="DejaVu Sans"/>
+              </a:rPr>
+              <a:t> &amp;paramV2) </a:t>
+            </a:r>
+            <a:endParaRPr b="0" lang="fr-CH" sz="1400" spc="-1" strike="noStrike">
+              <a:latin typeface="Arial"/>
+              <a:ea typeface="Microsoft YaHei"/>
+            </a:endParaRPr>
+          </a:p>
+          <a:p>
+            <a:pPr marL="360000">
+              <a:lnSpc>
+                <a:spcPct val="100000"/>
+              </a:lnSpc>
+              <a:buNone/>
+            </a:pPr>
+            <a:r>
+              <a:rPr b="0" lang="fr-CH" sz="1400" spc="-1" strike="noStrike">
+                <a:solidFill>
+                  <a:srgbClr val="000000"/>
+                </a:solidFill>
+                <a:latin typeface="Times New Roman"/>
+                <a:ea typeface="DejaVu Sans"/>
+              </a:rPr>
+              <a:t>{</a:t>
+            </a:r>
+            <a:endParaRPr b="0" lang="fr-CH" sz="1400" spc="-1" strike="noStrike">
+              <a:latin typeface="Arial"/>
+              <a:ea typeface="Microsoft YaHei"/>
+            </a:endParaRPr>
+          </a:p>
+          <a:p>
+            <a:pPr marL="360000">
+              <a:lnSpc>
+                <a:spcPct val="100000"/>
+              </a:lnSpc>
+              <a:buNone/>
+            </a:pPr>
+            <a:r>
+              <a:rPr b="0" lang="fr-CH" sz="1400" spc="-1" strike="noStrike">
+                <a:solidFill>
+                  <a:srgbClr val="000000"/>
+                </a:solidFill>
+                <a:latin typeface="Times New Roman"/>
+                <a:ea typeface="DejaVu Sans"/>
+              </a:rPr>
+              <a:t>    </a:t>
+            </a:r>
+            <a:r>
+              <a:rPr b="0" lang="fr-CH" sz="1400" spc="-1" strike="noStrike">
+                <a:solidFill>
+                  <a:srgbClr val="000000"/>
+                </a:solidFill>
+                <a:latin typeface="Times New Roman"/>
+                <a:ea typeface="DejaVu Sans"/>
+              </a:rPr>
+              <a:t>If (paramV1.test()) { paramV2.set(1); } else { paramV2.set(2); }</a:t>
+            </a:r>
+            <a:endParaRPr b="0" lang="fr-CH" sz="1400" spc="-1" strike="noStrike">
+              <a:latin typeface="Arial"/>
+              <a:ea typeface="Microsoft YaHei"/>
+            </a:endParaRPr>
+          </a:p>
+          <a:p>
+            <a:pPr marL="360000">
+              <a:lnSpc>
+                <a:spcPct val="100000"/>
+              </a:lnSpc>
+              <a:buNone/>
+            </a:pPr>
+            <a:r>
+              <a:rPr b="0" lang="fr-CH" sz="1400" spc="-1" strike="noStrike">
+                <a:solidFill>
+                  <a:srgbClr val="000000"/>
+                </a:solidFill>
+                <a:latin typeface="Times New Roman"/>
+                <a:ea typeface="DejaVu Sans"/>
+              </a:rPr>
+              <a:t>}</a:t>
+            </a:r>
+            <a:endParaRPr b="0" lang="fr-CH" sz="1400" spc="-1" strike="noStrike">
+              <a:latin typeface="Arial"/>
+              <a:ea typeface="Microsoft YaHei"/>
             </a:endParaRPr>
           </a:p>
           <a:p>
@@ -8866,158 +9632,30 @@
             </a:pPr>
             <a:r>
               <a:rPr b="0" lang="fr-CH" sz="1400" spc="-1" strike="noStrike">
-                <a:latin typeface="Times New Roman"/>
-              </a:rPr>
-              <a:t>{</a:t>
-            </a:r>
-            <a:endParaRPr b="0" lang="fr-CH" sz="1400" spc="-1" strike="noStrike">
-              <a:latin typeface="Arial"/>
-            </a:endParaRPr>
-          </a:p>
-          <a:p>
-            <a:pPr>
-              <a:lnSpc>
-                <a:spcPct val="100000"/>
-              </a:lnSpc>
-              <a:buNone/>
-            </a:pPr>
-            <a:r>
-              <a:rPr b="0" lang="fr-CH" sz="1400" spc="-1" strike="noStrike">
-                <a:latin typeface="Times New Roman"/>
-              </a:rPr>
-              <a:t>    </a:t>
-            </a:r>
-            <a:r>
-              <a:rPr b="0" lang="fr-CH" sz="1400" spc="-1" strike="noStrike">
-                <a:latin typeface="Times New Roman"/>
-              </a:rPr>
-              <a:t>if(paramV1.test()) {</a:t>
-            </a:r>
-            <a:endParaRPr b="0" lang="fr-CH" sz="1400" spc="-1" strike="noStrike">
-              <a:latin typeface="Arial"/>
-            </a:endParaRPr>
-          </a:p>
-          <a:p>
-            <a:pPr>
-              <a:lnSpc>
-                <a:spcPct val="100000"/>
-              </a:lnSpc>
-              <a:buNone/>
-            </a:pPr>
-            <a:r>
-              <a:rPr b="0" lang="fr-CH" sz="1400" spc="-1" strike="noStrike">
-                <a:latin typeface="Times New Roman"/>
-              </a:rPr>
-              <a:t>        </a:t>
-            </a:r>
-            <a:r>
-              <a:rPr b="0" lang="fr-CH" sz="1400" spc="-1" strike="noStrike">
-                <a:latin typeface="Times New Roman"/>
-              </a:rPr>
-              <a:t>paramV2.set(1);</a:t>
-            </a:r>
-            <a:endParaRPr b="0" lang="fr-CH" sz="1400" spc="-1" strike="noStrike">
-              <a:latin typeface="Arial"/>
-            </a:endParaRPr>
-          </a:p>
-          <a:p>
-            <a:pPr>
-              <a:lnSpc>
-                <a:spcPct val="100000"/>
-              </a:lnSpc>
-              <a:buNone/>
-            </a:pPr>
-            <a:r>
-              <a:rPr b="0" lang="fr-CH" sz="1400" spc="-1" strike="noStrike">
-                <a:latin typeface="Times New Roman"/>
-              </a:rPr>
-              <a:t>    </a:t>
-            </a:r>
-            <a:r>
-              <a:rPr b="0" lang="fr-CH" sz="1400" spc="-1" strike="noStrike">
-                <a:latin typeface="Times New Roman"/>
-              </a:rPr>
-              <a:t>}else {</a:t>
-            </a:r>
-            <a:endParaRPr b="0" lang="fr-CH" sz="1400" spc="-1" strike="noStrike">
-              <a:latin typeface="Arial"/>
-            </a:endParaRPr>
-          </a:p>
-          <a:p>
-            <a:pPr>
-              <a:lnSpc>
-                <a:spcPct val="100000"/>
-              </a:lnSpc>
-              <a:buNone/>
-            </a:pPr>
-            <a:r>
-              <a:rPr b="0" lang="fr-CH" sz="1400" spc="-1" strike="noStrike">
-                <a:latin typeface="Times New Roman"/>
-              </a:rPr>
-              <a:t>        </a:t>
-            </a:r>
-            <a:r>
-              <a:rPr b="0" lang="fr-CH" sz="1400" spc="-1" strike="noStrike">
-                <a:latin typeface="Times New Roman"/>
-              </a:rPr>
-              <a:t>paramV2.set(2);</a:t>
-            </a:r>
-            <a:endParaRPr b="0" lang="fr-CH" sz="1400" spc="-1" strike="noStrike">
-              <a:latin typeface="Arial"/>
-            </a:endParaRPr>
-          </a:p>
-          <a:p>
-            <a:pPr>
-              <a:lnSpc>
-                <a:spcPct val="100000"/>
-              </a:lnSpc>
-              <a:buNone/>
-            </a:pPr>
-            <a:r>
-              <a:rPr b="0" lang="fr-CH" sz="1400" spc="-1" strike="noStrike">
-                <a:latin typeface="Times New Roman"/>
-              </a:rPr>
-              <a:t>    </a:t>
-            </a:r>
-            <a:r>
-              <a:rPr b="0" lang="fr-CH" sz="1400" spc="-1" strike="noStrike">
-                <a:latin typeface="Times New Roman"/>
-              </a:rPr>
-              <a:t>}</a:t>
-            </a:r>
-            <a:endParaRPr b="0" lang="fr-CH" sz="1400" spc="-1" strike="noStrike">
-              <a:latin typeface="Arial"/>
-            </a:endParaRPr>
-          </a:p>
-          <a:p>
-            <a:pPr>
-              <a:lnSpc>
-                <a:spcPct val="100000"/>
-              </a:lnSpc>
-              <a:buNone/>
-            </a:pPr>
-            <a:r>
-              <a:rPr b="0" lang="fr-CH" sz="1400" spc="-1" strike="noStrike">
-                <a:latin typeface="Times New Roman"/>
-              </a:rPr>
-              <a:t>}); </a:t>
-            </a:r>
-            <a:endParaRPr b="0" lang="fr-CH" sz="1400" spc="-1" strike="noStrike">
-              <a:latin typeface="Arial"/>
-            </a:endParaRPr>
-          </a:p>
-        </p:txBody>
-      </p:sp>
-      <p:sp>
-        <p:nvSpPr>
-          <p:cNvPr id="74" name=""/>
+                <a:solidFill>
+                  <a:srgbClr val="000000"/>
+                </a:solidFill>
+                <a:latin typeface="Times New Roman"/>
+                <a:ea typeface="DejaVu Sans"/>
+              </a:rPr>
+              <a:t>); </a:t>
+            </a:r>
+            <a:endParaRPr b="0" lang="fr-CH" sz="1400" spc="-1" strike="noStrike">
+              <a:latin typeface="Arial"/>
+            </a:endParaRPr>
+          </a:p>
+        </p:txBody>
+      </p:sp>
+      <p:sp>
+        <p:nvSpPr>
+          <p:cNvPr id="70" name=""/>
           <p:cNvSpPr/>
           <p:nvPr/>
         </p:nvSpPr>
         <p:spPr>
           <a:xfrm>
-            <a:off x="649800" y="3564000"/>
-            <a:ext cx="9213840" cy="1662480"/>
+            <a:off x="613800" y="3204000"/>
+            <a:ext cx="9213480" cy="1662120"/>
           </a:xfrm>
           <a:prstGeom prst="rect">
             <a:avLst/>
@@ -9038,43 +9676,86 @@
             <a:noAutofit/>
           </a:bodyPr>
           <a:p>
-            <a:pPr>
-              <a:lnSpc>
-                <a:spcPct val="100000"/>
-              </a:lnSpc>
-              <a:buNone/>
+            <a:pPr marL="216000" indent="-216000">
+              <a:lnSpc>
+                <a:spcPct val="100000"/>
+              </a:lnSpc>
+              <a:buClr>
+                <a:srgbClr val="000000"/>
+              </a:buClr>
+              <a:buSzPct val="45000"/>
+              <a:buFont typeface="Wingdings" charset="2"/>
+              <a:buChar char=""/>
             </a:pPr>
             <a:r>
               <a:rPr b="0" lang="en-US" sz="1400" spc="-1" strike="noStrike">
-                <a:latin typeface="Times New Roman"/>
-              </a:rPr>
-              <a:t>Parameters corresponding to a SpRead data dependency object should be declared const. </a:t>
-            </a:r>
-            <a:endParaRPr b="0" lang="fr-CH" sz="1400" spc="-1" strike="noStrike">
-              <a:latin typeface="Arial"/>
-            </a:endParaRPr>
-          </a:p>
-          <a:p>
-            <a:pPr>
-              <a:lnSpc>
-                <a:spcPct val="100000"/>
-              </a:lnSpc>
-              <a:buNone/>
-            </a:pPr>
-            <a:endParaRPr b="0" lang="fr-CH" sz="1400" spc="-1" strike="noStrike">
-              <a:latin typeface="Arial"/>
-            </a:endParaRPr>
-          </a:p>
-          <a:p>
-            <a:pPr>
-              <a:lnSpc>
-                <a:spcPct val="100000"/>
-              </a:lnSpc>
-              <a:buNone/>
-            </a:pPr>
+                <a:solidFill>
+                  <a:srgbClr val="000000"/>
+                </a:solidFill>
+                <a:latin typeface="Times New Roman"/>
+                <a:ea typeface="DejaVu Sans"/>
+              </a:rPr>
+              <a:t>Parameters corresponding to a </a:t>
+            </a:r>
+            <a:r>
+              <a:rPr b="1" lang="en-US" sz="1400" spc="-1" strike="noStrike">
+                <a:solidFill>
+                  <a:srgbClr val="2a6099"/>
+                </a:solidFill>
+                <a:latin typeface="Times New Roman"/>
+                <a:ea typeface="DejaVu Sans"/>
+              </a:rPr>
+              <a:t>SpRead </a:t>
+            </a:r>
             <a:r>
               <a:rPr b="0" lang="en-US" sz="1400" spc="-1" strike="noStrike">
-                <a:latin typeface="Times New Roman"/>
+                <a:solidFill>
+                  <a:srgbClr val="000000"/>
+                </a:solidFill>
+                <a:latin typeface="Times New Roman"/>
+                <a:ea typeface="DejaVu Sans"/>
+              </a:rPr>
+              <a:t>data dependency object should be declared const. </a:t>
+            </a:r>
+            <a:endParaRPr b="0" lang="fr-CH" sz="1400" spc="-1" strike="noStrike">
+              <a:latin typeface="Arial"/>
+            </a:endParaRPr>
+          </a:p>
+          <a:p>
+            <a:pPr marL="216000" indent="-216000">
+              <a:lnSpc>
+                <a:spcPct val="100000"/>
+              </a:lnSpc>
+              <a:buClr>
+                <a:srgbClr val="000000"/>
+              </a:buClr>
+              <a:buSzPct val="45000"/>
+              <a:buFont typeface="Wingdings" charset="2"/>
+              <a:buChar char=""/>
+            </a:pPr>
+            <a:endParaRPr b="0" lang="fr-CH" sz="1400" spc="-1" strike="noStrike">
+              <a:latin typeface="Arial"/>
+            </a:endParaRPr>
+          </a:p>
+          <a:p>
+            <a:pPr marL="216000" indent="-216000">
+              <a:lnSpc>
+                <a:spcPct val="100000"/>
+              </a:lnSpc>
+              <a:buClr>
+                <a:srgbClr val="000000"/>
+              </a:buClr>
+              <a:buSzPct val="45000"/>
+              <a:buFont typeface="Wingdings" charset="2"/>
+              <a:buChar char=""/>
+            </a:pPr>
+            <a:r>
+              <a:rPr b="0" lang="en-US" sz="1400" spc="-1" strike="noStrike">
+                <a:solidFill>
+                  <a:srgbClr val="000000"/>
+                </a:solidFill>
+                <a:latin typeface="Times New Roman"/>
+                <a:ea typeface="DejaVu Sans"/>
               </a:rPr>
               <a:t>Code inside the callable must be referring to parameter names rather than the original variable names. </a:t>
             </a:r>
@@ -9083,26 +9764,40 @@
             </a:endParaRPr>
           </a:p>
           <a:p>
-            <a:pPr>
-              <a:lnSpc>
-                <a:spcPct val="100000"/>
-              </a:lnSpc>
-              <a:buNone/>
-            </a:pPr>
-            <a:endParaRPr b="0" lang="fr-CH" sz="1400" spc="-1" strike="noStrike">
-              <a:latin typeface="Arial"/>
-            </a:endParaRPr>
-          </a:p>
-          <a:p>
-            <a:pPr>
-              <a:lnSpc>
-                <a:spcPct val="100000"/>
-              </a:lnSpc>
-              <a:buNone/>
+            <a:pPr marL="216000" indent="-216000">
+              <a:lnSpc>
+                <a:spcPct val="100000"/>
+              </a:lnSpc>
+              <a:buClr>
+                <a:srgbClr val="000000"/>
+              </a:buClr>
+              <a:buSzPct val="45000"/>
+              <a:buFont typeface="Wingdings" charset="2"/>
+              <a:buChar char=""/>
+            </a:pPr>
+            <a:endParaRPr b="0" lang="fr-CH" sz="1400" spc="-1" strike="noStrike">
+              <a:latin typeface="Arial"/>
+            </a:endParaRPr>
+          </a:p>
+          <a:p>
+            <a:pPr marL="216000" indent="-216000">
+              <a:lnSpc>
+                <a:spcPct val="100000"/>
+              </a:lnSpc>
+              <a:buClr>
+                <a:srgbClr val="000000"/>
+              </a:buClr>
+              <a:buSzPct val="45000"/>
+              <a:buFont typeface="Wingdings" charset="2"/>
+              <a:buChar char=""/>
             </a:pPr>
             <a:r>
               <a:rPr b="0" lang="en-US" sz="1400" spc="-1" strike="noStrike">
-                <a:latin typeface="Times New Roman"/>
+                <a:solidFill>
+                  <a:srgbClr val="000000"/>
+                </a:solidFill>
+                <a:latin typeface="Times New Roman"/>
+                <a:ea typeface="DejaVu Sans"/>
               </a:rPr>
               <a:t>In the example given above, code in the lambda body is referring to the names paramV1 and paramV2 to refer to v1 and v2 data values rather than v1 and v2. </a:t>
             </a:r>
@@ -9111,26 +9806,40 @@
             </a:endParaRPr>
           </a:p>
           <a:p>
-            <a:pPr>
-              <a:lnSpc>
-                <a:spcPct val="100000"/>
-              </a:lnSpc>
-              <a:buNone/>
-            </a:pPr>
-            <a:endParaRPr b="0" lang="fr-CH" sz="1400" spc="-1" strike="noStrike">
-              <a:latin typeface="Arial"/>
-            </a:endParaRPr>
-          </a:p>
-          <a:p>
-            <a:pPr>
-              <a:lnSpc>
-                <a:spcPct val="100000"/>
-              </a:lnSpc>
-              <a:buNone/>
+            <a:pPr marL="216000" indent="-216000">
+              <a:lnSpc>
+                <a:spcPct val="100000"/>
+              </a:lnSpc>
+              <a:buClr>
+                <a:srgbClr val="000000"/>
+              </a:buClr>
+              <a:buSzPct val="45000"/>
+              <a:buFont typeface="Wingdings" charset="2"/>
+              <a:buChar char=""/>
+            </a:pPr>
+            <a:endParaRPr b="0" lang="fr-CH" sz="1400" spc="-1" strike="noStrike">
+              <a:latin typeface="Arial"/>
+            </a:endParaRPr>
+          </a:p>
+          <a:p>
+            <a:pPr marL="216000" indent="-216000">
+              <a:lnSpc>
+                <a:spcPct val="100000"/>
+              </a:lnSpc>
+              <a:buClr>
+                <a:srgbClr val="000000"/>
+              </a:buClr>
+              <a:buSzPct val="45000"/>
+              <a:buFont typeface="Wingdings" charset="2"/>
+              <a:buChar char=""/>
             </a:pPr>
             <a:r>
               <a:rPr b="0" lang="en-US" sz="1400" spc="-1" strike="noStrike">
-                <a:latin typeface="Times New Roman"/>
+                <a:solidFill>
+                  <a:srgbClr val="000000"/>
+                </a:solidFill>
+                <a:latin typeface="Times New Roman"/>
+                <a:ea typeface="DejaVu Sans"/>
               </a:rPr>
               <a:t>You should not capture v1 and v2 by reference and work with v1 and v2 directly.</a:t>
             </a:r>
@@ -9140,6 +9849,71 @@
           </a:p>
         </p:txBody>
       </p:sp>
+      <p:sp>
+        <p:nvSpPr>
+          <p:cNvPr id="71" name=""/>
+          <p:cNvSpPr txBox="1"/>
+          <p:nvPr/>
+        </p:nvSpPr>
+        <p:spPr>
+          <a:xfrm>
+            <a:off x="5472000" y="5040000"/>
+            <a:ext cx="4500000" cy="286920"/>
+          </a:xfrm>
+          <a:prstGeom prst="rect">
+            <a:avLst/>
+          </a:prstGeom>
+          <a:noFill/>
+          <a:ln w="0">
+            <a:noFill/>
+          </a:ln>
+        </p:spPr>
+        <p:txBody>
+          <a:bodyPr lIns="90000" rIns="90000" tIns="45000" bIns="45000" anchor="t">
+            <a:noAutofit/>
+          </a:bodyPr>
+          <a:p>
+            <a:r>
+              <a:rPr b="0" i="1" lang="en-US" sz="1200" spc="-1" strike="noStrike">
+                <a:latin typeface="Times New Roman"/>
+              </a:rPr>
+              <a:t>Def: A callable objects is something that can be called like a function</a:t>
+            </a:r>
+            <a:r>
+              <a:rPr b="0" lang="en-US" sz="1400" spc="-1" strike="noStrike">
+                <a:latin typeface="Times New Roman"/>
+              </a:rPr>
+              <a:t>.</a:t>
+            </a:r>
+            <a:endParaRPr b="0" lang="fr-CH" sz="1400" spc="-1" strike="noStrike">
+              <a:latin typeface="Times New Roman"/>
+            </a:endParaRPr>
+          </a:p>
+        </p:txBody>
+      </p:sp>
+      <p:pic>
+        <p:nvPicPr>
+          <p:cNvPr id="72" name="" descr=""/>
+          <p:cNvPicPr/>
+          <p:nvPr/>
+        </p:nvPicPr>
+        <p:blipFill>
+          <a:blip r:embed="rId1"/>
+          <a:stretch/>
+        </p:blipFill>
+        <p:spPr>
+          <a:xfrm>
+            <a:off x="720000" y="1584000"/>
+            <a:ext cx="1927800" cy="1355040"/>
+          </a:xfrm>
+          <a:prstGeom prst="rect">
+            <a:avLst/>
+          </a:prstGeom>
+          <a:ln w="10800">
+            <a:noFill/>
+          </a:ln>
+        </p:spPr>
+      </p:pic>
     </p:spTree>
   </p:cSld>
   <mc:AlternateContent>
@@ -9172,14 +9946,14 @@
       </p:grpSpPr>
       <p:sp>
         <p:nvSpPr>
-          <p:cNvPr id="75" name="PlaceHolder 11"/>
+          <p:cNvPr id="73" name="PlaceHolder 11"/>
           <p:cNvSpPr/>
           <p:nvPr/>
         </p:nvSpPr>
         <p:spPr>
           <a:xfrm>
             <a:off x="354960" y="226080"/>
-            <a:ext cx="9354960" cy="713880"/>
+            <a:ext cx="9354600" cy="713520"/>
           </a:xfrm>
           <a:prstGeom prst="rect">
             <a:avLst/>
@@ -9215,6 +9989,7 @@
                   <a:srgbClr val="ffffff"/>
                 </a:solidFill>
                 <a:latin typeface="Source Sans Pro Black"/>
+                <a:ea typeface="DejaVu Sans"/>
               </a:rPr>
               <a:t>SPECX: Runtime Interface</a:t>
             </a:r>
@@ -9224,39 +9999,16 @@
           </a:p>
         </p:txBody>
       </p:sp>
-      <p:pic>
-        <p:nvPicPr>
-          <p:cNvPr id="76" name="" descr=""/>
-          <p:cNvPicPr/>
+      <p:sp>
+        <p:nvSpPr>
+          <p:cNvPr id="74" name=""/>
+          <p:cNvSpPr/>
           <p:nvPr/>
-        </p:nvPicPr>
-        <p:blipFill>
-          <a:blip r:embed="rId1"/>
-          <a:stretch/>
-        </p:blipFill>
+        </p:nvSpPr>
         <p:spPr>
           <a:xfrm>
-            <a:off x="8994960" y="61200"/>
-            <a:ext cx="1015920" cy="1015920"/>
-          </a:xfrm>
-          <a:prstGeom prst="rect">
-            <a:avLst/>
-          </a:prstGeom>
-          <a:ln w="0">
-            <a:noFill/>
-          </a:ln>
-        </p:spPr>
-      </p:pic>
-      <p:sp>
-        <p:nvSpPr>
-          <p:cNvPr id="77" name=""/>
-          <p:cNvSpPr/>
-          <p:nvPr/>
-        </p:nvSpPr>
-        <p:spPr>
-          <a:xfrm>
-            <a:off x="360000" y="1993320"/>
-            <a:ext cx="8297280" cy="346320"/>
+            <a:off x="360000" y="2173320"/>
+            <a:ext cx="8296920" cy="345960"/>
           </a:xfrm>
           <a:prstGeom prst="rect">
             <a:avLst/>
@@ -9285,7 +10037,11 @@
             </a:pPr>
             <a:r>
               <a:rPr b="0" lang="fr-CH" sz="1400" spc="-1" strike="noStrike">
-                <a:latin typeface="Times New Roman"/>
+                <a:solidFill>
+                  <a:srgbClr val="000000"/>
+                </a:solidFill>
+                <a:latin typeface="Times New Roman"/>
+                <a:ea typeface="DejaVu Sans"/>
               </a:rPr>
               <a:t>void </a:t>
             </a:r>
@@ -9295,12 +10051,17 @@
                   <a:srgbClr val="2a6099"/>
                 </a:solidFill>
                 <a:latin typeface="Times New Roman"/>
+                <a:ea typeface="DejaVu Sans"/>
               </a:rPr>
               <a:t>setSpeculationTest</a:t>
             </a:r>
             <a:r>
               <a:rPr b="0" lang="fr-CH" sz="1400" spc="-1" strike="noStrike">
-                <a:latin typeface="Times New Roman"/>
+                <a:solidFill>
+                  <a:srgbClr val="000000"/>
+                </a:solidFill>
+                <a:latin typeface="Times New Roman"/>
+                <a:ea typeface="DejaVu Sans"/>
               </a:rPr>
               <a:t>(std::function&lt;bool(int,const SpProbability&amp;)&gt; inFormula)</a:t>
             </a:r>
@@ -9312,14 +10073,14 @@
       </p:sp>
       <p:sp>
         <p:nvSpPr>
-          <p:cNvPr id="78" name=""/>
+          <p:cNvPr id="75" name=""/>
           <p:cNvSpPr/>
           <p:nvPr/>
         </p:nvSpPr>
         <p:spPr>
           <a:xfrm>
-            <a:off x="540000" y="2665440"/>
-            <a:ext cx="9269280" cy="1114200"/>
+            <a:off x="540000" y="2845440"/>
+            <a:ext cx="9268920" cy="1113840"/>
           </a:xfrm>
           <a:prstGeom prst="rect">
             <a:avLst/>
@@ -9348,7 +10109,11 @@
             </a:pPr>
             <a:r>
               <a:rPr b="0" lang="en-US" sz="1400" spc="-1" strike="noStrike">
-                <a:latin typeface="Times New Roman"/>
+                <a:solidFill>
+                  <a:srgbClr val="000000"/>
+                </a:solidFill>
+                <a:latin typeface="Times New Roman"/>
+                <a:ea typeface="DejaVu Sans"/>
               </a:rPr>
               <a:t>This method sets a predicate function that will be called by the runtime whenever a speculative task is ready to be put in the queue of ready tasks . </a:t>
             </a:r>
@@ -9376,7 +10141,11 @@
             </a:pPr>
             <a:r>
               <a:rPr b="0" lang="en-US" sz="1400" spc="-1" strike="noStrike">
-                <a:latin typeface="Times New Roman"/>
+                <a:solidFill>
+                  <a:srgbClr val="000000"/>
+                </a:solidFill>
+                <a:latin typeface="Times New Roman"/>
+                <a:ea typeface="DejaVu Sans"/>
               </a:rPr>
               <a:t>The predicate returns a boolean. Reciprocally a return value of false means the speculative task and all of its dependent speculative tasks should be disabled.</a:t>
             </a:r>
@@ -9388,14 +10157,14 @@
       </p:sp>
       <p:sp>
         <p:nvSpPr>
-          <p:cNvPr id="79" name=""/>
+          <p:cNvPr id="76" name=""/>
           <p:cNvSpPr/>
           <p:nvPr/>
         </p:nvSpPr>
         <p:spPr>
           <a:xfrm>
-            <a:off x="1210680" y="4140000"/>
-            <a:ext cx="8688960" cy="483480"/>
+            <a:off x="1210680" y="4320000"/>
+            <a:ext cx="8688600" cy="483120"/>
           </a:xfrm>
           <a:prstGeom prst="rect">
             <a:avLst/>
@@ -9424,7 +10193,11 @@
             </a:pPr>
             <a:r>
               <a:rPr b="0" lang="en-US" sz="1400" spc="-1" strike="noStrike">
-                <a:latin typeface="Times New Roman"/>
+                <a:solidFill>
+                  <a:srgbClr val="000000"/>
+                </a:solidFill>
+                <a:latin typeface="Times New Roman"/>
+                <a:ea typeface="DejaVu Sans"/>
               </a:rPr>
               <a:t>If no speculation test is set in the runtime, the default behavior is that a speculative task and all its dependent speculative tasks will only be enabled if at the time the predicate is called no other tasks are ready to run.</a:t>
             </a:r>
@@ -9434,6 +10207,29 @@
           </a:p>
         </p:txBody>
       </p:sp>
+      <p:pic>
+        <p:nvPicPr>
+          <p:cNvPr id="77" name="" descr=""/>
+          <p:cNvPicPr/>
+          <p:nvPr/>
+        </p:nvPicPr>
+        <p:blipFill>
+          <a:blip r:embed="rId1"/>
+          <a:stretch/>
+        </p:blipFill>
+        <p:spPr>
+          <a:xfrm>
+            <a:off x="72000" y="1260000"/>
+            <a:ext cx="1082520" cy="720000"/>
+          </a:xfrm>
+          <a:prstGeom prst="rect">
+            <a:avLst/>
+          </a:prstGeom>
+          <a:ln w="0">
+            <a:noFill/>
+          </a:ln>
+        </p:spPr>
+      </p:pic>
     </p:spTree>
   </p:cSld>
   <mc:AlternateContent>

--- a/MySlides/Session6_ParallelProgramming_Specx.pptx
+++ b/MySlides/Session6_ParallelProgramming_Specx.pptx
@@ -24,6 +24,10 @@
     <p:sldId id="272" r:id="rId19"/>
     <p:sldId id="273" r:id="rId20"/>
     <p:sldId id="274" r:id="rId21"/>
+    <p:sldId id="275" r:id="rId22"/>
+    <p:sldId id="276" r:id="rId23"/>
+    <p:sldId id="277" r:id="rId24"/>
+    <p:sldId id="278" r:id="rId25"/>
   </p:sldIdLst>
   <p:sldSz cx="10080625" cy="5670550"/>
   <p:notesSz cx="7559675" cy="10691813"/>
@@ -2597,7 +2601,7 @@
               </a:rPr>
               <a:t>ROGRAMMING... </a:t>
             </a:r>
-            <a:endParaRPr b="0" lang="fr-CH" sz="2700" spc="-1" strike="noStrike">
+            <a:endParaRPr b="0" lang="en-US" sz="2700" spc="-1" strike="noStrike">
               <a:latin typeface="Arial"/>
             </a:endParaRPr>
           </a:p>
@@ -2698,7 +2702,7 @@
               </a:rPr>
               <a:t>Copyright 2023 Patrick Lemoine. All rights reserved.</a:t>
             </a:r>
-            <a:endParaRPr b="0" lang="fr-CH" sz="1200" spc="-1" strike="noStrike">
+            <a:endParaRPr b="0" lang="en-US" sz="1200" spc="-1" strike="noStrike">
               <a:latin typeface="Arial"/>
             </a:endParaRPr>
           </a:p>
@@ -2783,7 +2787,7 @@
               </a:rPr>
               <a:t>SPECX: Runtime Interface</a:t>
             </a:r>
-            <a:endParaRPr b="0" lang="fr-CH" sz="2700" spc="-1" strike="noStrike">
+            <a:endParaRPr b="0" lang="en-US" sz="2700" spc="-1" strike="noStrike">
               <a:latin typeface="Arial"/>
             </a:endParaRPr>
           </a:p>
@@ -2825,7 +2829,7 @@
               </a:lnSpc>
               <a:buNone/>
             </a:pPr>
-            <a:endParaRPr b="0" lang="fr-CH" sz="1400" spc="-1" strike="noStrike">
+            <a:endParaRPr b="0" lang="en-US" sz="1400" spc="-1" strike="noStrike">
               <a:latin typeface="Arial"/>
             </a:endParaRPr>
           </a:p>
@@ -2842,7 +2846,7 @@
               <a:buChar char=""/>
             </a:pPr>
             <a:r>
-              <a:rPr b="0" lang="fr-CH" sz="1400" spc="-1" strike="noStrike">
+              <a:rPr b="0" lang="en-US" sz="1400" spc="-1" strike="noStrike">
                 <a:solidFill>
                   <a:srgbClr val="000000"/>
                 </a:solidFill>
@@ -2852,7 +2856,7 @@
               <a:t>void </a:t>
             </a:r>
             <a:r>
-              <a:rPr b="1" lang="fr-CH" sz="1400" spc="-1" strike="noStrike">
+              <a:rPr b="1" lang="en-US" sz="1400" spc="-1" strike="noStrike">
                 <a:solidFill>
                   <a:srgbClr val="2a6099"/>
                 </a:solidFill>
@@ -2862,7 +2866,7 @@
               <a:t>waitAllTasks</a:t>
             </a:r>
             <a:r>
-              <a:rPr b="0" lang="fr-CH" sz="1400" spc="-1" strike="noStrike">
+              <a:rPr b="0" lang="en-US" sz="1400" spc="-1" strike="noStrike">
                 <a:solidFill>
                   <a:srgbClr val="000000"/>
                 </a:solidFill>
@@ -2871,7 +2875,7 @@
               </a:rPr>
               <a:t>()</a:t>
             </a:r>
-            <a:endParaRPr b="0" lang="fr-CH" sz="1400" spc="-1" strike="noStrike">
+            <a:endParaRPr b="0" lang="en-US" sz="1400" spc="-1" strike="noStrike">
               <a:latin typeface="Arial"/>
             </a:endParaRPr>
           </a:p>
@@ -2897,7 +2901,7 @@
               </a:rPr>
               <a:t>Waits until all the tasks that have been pushed to the runtime up to this point have finished.</a:t>
             </a:r>
-            <a:endParaRPr b="0" lang="fr-CH" sz="1400" spc="-1" strike="noStrike">
+            <a:endParaRPr b="0" lang="en-US" sz="1400" spc="-1" strike="noStrike">
               <a:latin typeface="Arial"/>
             </a:endParaRPr>
           </a:p>
@@ -2908,7 +2912,7 @@
               </a:lnSpc>
               <a:buNone/>
             </a:pPr>
-            <a:endParaRPr b="0" lang="fr-CH" sz="1400" spc="-1" strike="noStrike">
+            <a:endParaRPr b="0" lang="en-US" sz="1400" spc="-1" strike="noStrike">
               <a:latin typeface="Arial"/>
             </a:endParaRPr>
           </a:p>
@@ -2925,7 +2929,7 @@
               <a:buChar char=""/>
             </a:pPr>
             <a:r>
-              <a:rPr b="0" lang="fr-CH" sz="1400" spc="-1" strike="noStrike">
+              <a:rPr b="0" lang="en-US" sz="1400" spc="-1" strike="noStrike">
                 <a:solidFill>
                   <a:srgbClr val="000000"/>
                 </a:solidFill>
@@ -2935,7 +2939,7 @@
               <a:t>void</a:t>
             </a:r>
             <a:r>
-              <a:rPr b="1" lang="fr-CH" sz="1400" spc="-1" strike="noStrike">
+              <a:rPr b="1" lang="en-US" sz="1400" spc="-1" strike="noStrike">
                 <a:solidFill>
                   <a:srgbClr val="2a6099"/>
                 </a:solidFill>
@@ -2945,7 +2949,7 @@
               <a:t> waitRemain</a:t>
             </a:r>
             <a:r>
-              <a:rPr b="0" lang="fr-CH" sz="1400" spc="-1" strike="noStrike">
+              <a:rPr b="0" lang="en-US" sz="1400" spc="-1" strike="noStrike">
                 <a:solidFill>
                   <a:srgbClr val="000000"/>
                 </a:solidFill>
@@ -2954,7 +2958,7 @@
               </a:rPr>
               <a:t>(const long int windowSize)</a:t>
             </a:r>
-            <a:endParaRPr b="0" lang="fr-CH" sz="1400" spc="-1" strike="noStrike">
+            <a:endParaRPr b="0" lang="en-US" sz="1400" spc="-1" strike="noStrike">
               <a:latin typeface="Arial"/>
             </a:endParaRPr>
           </a:p>
@@ -2980,7 +2984,7 @@
               </a:rPr>
               <a:t>Waits until the number of still unprocessed tasks becomes less than or equal to windowSize.</a:t>
             </a:r>
-            <a:endParaRPr b="0" lang="fr-CH" sz="1400" spc="-1" strike="noStrike">
+            <a:endParaRPr b="0" lang="en-US" sz="1400" spc="-1" strike="noStrike">
               <a:latin typeface="Arial"/>
             </a:endParaRPr>
           </a:p>
@@ -2991,7 +2995,7 @@
               </a:lnSpc>
               <a:buNone/>
             </a:pPr>
-            <a:endParaRPr b="0" lang="fr-CH" sz="1400" spc="-1" strike="noStrike">
+            <a:endParaRPr b="0" lang="en-US" sz="1400" spc="-1" strike="noStrike">
               <a:latin typeface="Arial"/>
             </a:endParaRPr>
           </a:p>
@@ -3008,7 +3012,7 @@
               <a:buChar char=""/>
             </a:pPr>
             <a:r>
-              <a:rPr b="0" lang="fr-CH" sz="1400" spc="-1" strike="noStrike">
+              <a:rPr b="0" lang="en-US" sz="1400" spc="-1" strike="noStrike">
                 <a:solidFill>
                   <a:srgbClr val="000000"/>
                 </a:solidFill>
@@ -3018,7 +3022,7 @@
               <a:t>void</a:t>
             </a:r>
             <a:r>
-              <a:rPr b="1" lang="fr-CH" sz="1400" spc="-1" strike="noStrike">
+              <a:rPr b="1" lang="en-US" sz="1400" spc="-1" strike="noStrike">
                 <a:solidFill>
                   <a:srgbClr val="2a6099"/>
                 </a:solidFill>
@@ -3028,7 +3032,7 @@
               <a:t> stopAllThreads</a:t>
             </a:r>
             <a:r>
-              <a:rPr b="0" lang="fr-CH" sz="1400" spc="-1" strike="noStrike">
+              <a:rPr b="0" lang="en-US" sz="1400" spc="-1" strike="noStrike">
                 <a:solidFill>
                   <a:srgbClr val="000000"/>
                 </a:solidFill>
@@ -3037,7 +3041,7 @@
               </a:rPr>
               <a:t>()</a:t>
             </a:r>
-            <a:endParaRPr b="0" lang="fr-CH" sz="1400" spc="-1" strike="noStrike">
+            <a:endParaRPr b="0" lang="en-US" sz="1400" spc="-1" strike="noStrike">
               <a:latin typeface="Arial"/>
             </a:endParaRPr>
           </a:p>
@@ -3063,7 +3067,7 @@
               </a:rPr>
               <a:t>The method expects all tasks to have already finished, therefore you should always </a:t>
             </a:r>
-            <a:endParaRPr b="0" lang="fr-CH" sz="1400" spc="-1" strike="noStrike">
+            <a:endParaRPr b="0" lang="en-US" sz="1400" spc="-1" strike="noStrike">
               <a:latin typeface="Arial"/>
             </a:endParaRPr>
           </a:p>
@@ -3099,7 +3103,7 @@
               </a:rPr>
               <a:t> calling this method.</a:t>
             </a:r>
-            <a:endParaRPr b="0" lang="fr-CH" sz="1400" spc="-1" strike="noStrike">
+            <a:endParaRPr b="0" lang="en-US" sz="1400" spc="-1" strike="noStrike">
               <a:latin typeface="Arial"/>
             </a:endParaRPr>
           </a:p>
@@ -3110,7 +3114,7 @@
               </a:lnSpc>
               <a:buNone/>
             </a:pPr>
-            <a:endParaRPr b="0" lang="fr-CH" sz="1400" spc="-1" strike="noStrike">
+            <a:endParaRPr b="0" lang="en-US" sz="1400" spc="-1" strike="noStrike">
               <a:latin typeface="Arial"/>
             </a:endParaRPr>
           </a:p>
@@ -3127,7 +3131,7 @@
               <a:buChar char=""/>
             </a:pPr>
             <a:r>
-              <a:rPr b="0" lang="fr-CH" sz="1400" spc="-1" strike="noStrike">
+              <a:rPr b="0" lang="en-US" sz="1400" spc="-1" strike="noStrike">
                 <a:solidFill>
                   <a:srgbClr val="000000"/>
                 </a:solidFill>
@@ -3137,7 +3141,7 @@
               <a:t>int </a:t>
             </a:r>
             <a:r>
-              <a:rPr b="1" lang="fr-CH" sz="1400" spc="-1" strike="noStrike">
+              <a:rPr b="1" lang="en-US" sz="1400" spc="-1" strike="noStrike">
                 <a:solidFill>
                   <a:srgbClr val="2a6099"/>
                 </a:solidFill>
@@ -3147,7 +3151,7 @@
               <a:t>getNbThreads</a:t>
             </a:r>
             <a:r>
-              <a:rPr b="0" lang="fr-CH" sz="1400" spc="-1" strike="noStrike">
+              <a:rPr b="0" lang="en-US" sz="1400" spc="-1" strike="noStrike">
                 <a:solidFill>
                   <a:srgbClr val="000000"/>
                 </a:solidFill>
@@ -3156,7 +3160,7 @@
               </a:rPr>
               <a:t>()</a:t>
             </a:r>
-            <a:endParaRPr b="0" lang="fr-CH" sz="1400" spc="-1" strike="noStrike">
+            <a:endParaRPr b="0" lang="en-US" sz="1400" spc="-1" strike="noStrike">
               <a:latin typeface="Arial"/>
             </a:endParaRPr>
           </a:p>
@@ -3182,7 +3186,7 @@
               </a:rPr>
               <a:t>Returns the size of the runtime thread pool (in number of threads).</a:t>
             </a:r>
-            <a:endParaRPr b="0" lang="fr-CH" sz="1400" spc="-1" strike="noStrike">
+            <a:endParaRPr b="0" lang="en-US" sz="1400" spc="-1" strike="noStrike">
               <a:latin typeface="Arial"/>
             </a:endParaRPr>
           </a:p>
@@ -3193,7 +3197,7 @@
               </a:lnSpc>
               <a:buNone/>
             </a:pPr>
-            <a:endParaRPr b="0" lang="fr-CH" sz="1400" spc="-1" strike="noStrike">
+            <a:endParaRPr b="0" lang="en-US" sz="1400" spc="-1" strike="noStrike">
               <a:latin typeface="Arial"/>
             </a:endParaRPr>
           </a:p>
@@ -3210,7 +3214,7 @@
               <a:buChar char=""/>
             </a:pPr>
             <a:r>
-              <a:rPr b="0" lang="fr-CH" sz="1400" spc="-1" strike="noStrike">
+              <a:rPr b="0" lang="en-US" sz="1400" spc="-1" strike="noStrike">
                 <a:solidFill>
                   <a:srgbClr val="000000"/>
                 </a:solidFill>
@@ -3220,7 +3224,7 @@
               <a:t>void </a:t>
             </a:r>
             <a:r>
-              <a:rPr b="1" lang="fr-CH" sz="1400" spc="-1" strike="noStrike">
+              <a:rPr b="1" lang="en-US" sz="1400" spc="-1" strike="noStrike">
                 <a:solidFill>
                   <a:srgbClr val="2a6099"/>
                 </a:solidFill>
@@ -3230,7 +3234,7 @@
               <a:t>generateDot</a:t>
             </a:r>
             <a:r>
-              <a:rPr b="0" lang="fr-CH" sz="1400" spc="-1" strike="noStrike">
+              <a:rPr b="0" lang="en-US" sz="1400" spc="-1" strike="noStrike">
                 <a:solidFill>
                   <a:srgbClr val="000000"/>
                 </a:solidFill>
@@ -3239,7 +3243,7 @@
               </a:rPr>
               <a:t>(const std::string&amp; outputFilename, bool printAccesses)</a:t>
             </a:r>
-            <a:endParaRPr b="0" lang="fr-CH" sz="1400" spc="-1" strike="noStrike">
+            <a:endParaRPr b="0" lang="en-US" sz="1400" spc="-1" strike="noStrike">
               <a:latin typeface="Arial"/>
             </a:endParaRPr>
           </a:p>
@@ -3265,7 +3269,7 @@
               </a:rPr>
               <a:t>Generate the task graph corresponding to the execution in dot format.</a:t>
             </a:r>
-            <a:endParaRPr b="0" lang="fr-CH" sz="1400" spc="-1" strike="noStrike">
+            <a:endParaRPr b="0" lang="en-US" sz="1400" spc="-1" strike="noStrike">
               <a:latin typeface="Arial"/>
             </a:endParaRPr>
           </a:p>
@@ -3396,7 +3400,7 @@
               </a:rPr>
               <a:t>SPECX: Data Dependency Interface</a:t>
             </a:r>
-            <a:endParaRPr b="0" lang="fr-CH" sz="2700" spc="-1" strike="noStrike">
+            <a:endParaRPr b="0" lang="en-US" sz="2700" spc="-1" strike="noStrike">
               <a:latin typeface="Arial"/>
             </a:endParaRPr>
           </a:p>
@@ -3468,7 +3472,7 @@
               </a:rPr>
               <a:t>forms a collection of objects that can be used to express data dependencies.</a:t>
             </a:r>
-            <a:endParaRPr b="0" lang="fr-CH" sz="1400" spc="-1" strike="noStrike">
+            <a:endParaRPr b="0" lang="en-US" sz="1400" spc="-1" strike="noStrike">
               <a:latin typeface="Arial"/>
             </a:endParaRPr>
           </a:p>
@@ -3479,7 +3483,7 @@
               </a:lnSpc>
               <a:buNone/>
             </a:pPr>
-            <a:endParaRPr b="0" lang="fr-CH" sz="1400" spc="-1" strike="noStrike">
+            <a:endParaRPr b="0" lang="en-US" sz="1400" spc="-1" strike="noStrike">
               <a:latin typeface="Arial"/>
             </a:endParaRPr>
           </a:p>
@@ -3490,7 +3494,7 @@
               </a:lnSpc>
               <a:buNone/>
             </a:pPr>
-            <a:endParaRPr b="0" lang="fr-CH" sz="1400" spc="-1" strike="noStrike">
+            <a:endParaRPr b="0" lang="en-US" sz="1400" spc="-1" strike="noStrike">
               <a:latin typeface="Arial"/>
             </a:endParaRPr>
           </a:p>
@@ -3509,19 +3513,9 @@
                 <a:latin typeface="Times New Roman"/>
                 <a:ea typeface="DejaVu Sans"/>
               </a:rPr>
-              <a:t>Scalar</a:t>
-            </a:r>
-            <a:r>
-              <a:rPr b="1" lang="fr-CH" sz="1400" spc="-1" strike="noStrike">
-                <a:solidFill>
-                  <a:srgbClr val="000000"/>
-                </a:solidFill>
-                <a:latin typeface="Times New Roman"/>
-                <a:ea typeface="DejaVu Sans"/>
-              </a:rPr>
-              <a:t> data</a:t>
-            </a:r>
-            <a:endParaRPr b="0" lang="fr-CH" sz="1400" spc="-1" strike="noStrike">
+              <a:t>Scalar data</a:t>
+            </a:r>
+            <a:endParaRPr b="0" lang="en-US" sz="1400" spc="-1" strike="noStrike">
               <a:latin typeface="Arial"/>
             </a:endParaRPr>
           </a:p>
@@ -3532,7 +3526,7 @@
               </a:lnSpc>
               <a:buNone/>
             </a:pPr>
-            <a:endParaRPr b="0" lang="fr-CH" sz="1400" spc="-1" strike="noStrike">
+            <a:endParaRPr b="0" lang="en-US" sz="1400" spc="-1" strike="noStrike">
               <a:latin typeface="Arial"/>
             </a:endParaRPr>
           </a:p>
@@ -3578,7 +3572,7 @@
               </a:rPr>
               <a:t>//Reads are ordered by the runtime with respect to writes, maybe-writes, commutative writes and atomic writes.</a:t>
             </a:r>
-            <a:endParaRPr b="0" lang="fr-CH" sz="1400" spc="-1" strike="noStrike">
+            <a:endParaRPr b="0" lang="en-US" sz="1400" spc="-1" strike="noStrike">
               <a:latin typeface="Arial"/>
             </a:endParaRPr>
           </a:p>
@@ -3589,7 +3583,7 @@
               </a:lnSpc>
               <a:buNone/>
             </a:pPr>
-            <a:endParaRPr b="0" lang="fr-CH" sz="1400" spc="-1" strike="noStrike">
+            <a:endParaRPr b="0" lang="en-US" sz="1400" spc="-1" strike="noStrike">
               <a:latin typeface="Arial"/>
             </a:endParaRPr>
           </a:p>
@@ -3635,7 +3629,7 @@
               </a:rPr>
               <a:t>//Specifies a write dependency on x indicating that the data x will be written to with 100% certainty. </a:t>
             </a:r>
-            <a:endParaRPr b="0" lang="fr-CH" sz="1400" spc="-1" strike="noStrike">
+            <a:endParaRPr b="0" lang="en-US" sz="1400" spc="-1" strike="noStrike">
               <a:latin typeface="Arial"/>
             </a:endParaRPr>
           </a:p>
@@ -3661,7 +3655,7 @@
               </a:rPr>
               <a:t>Multiple successive write requests to given data x will be fulfilled one after the other in the order </a:t>
             </a:r>
-            <a:endParaRPr b="0" lang="fr-CH" sz="1400" spc="-1" strike="noStrike">
+            <a:endParaRPr b="0" lang="en-US" sz="1400" spc="-1" strike="noStrike">
               <a:latin typeface="Arial"/>
             </a:endParaRPr>
           </a:p>
@@ -3687,7 +3681,7 @@
               </a:rPr>
               <a:t>they were emitted in at runtime. </a:t>
             </a:r>
-            <a:endParaRPr b="0" lang="fr-CH" sz="1400" spc="-1" strike="noStrike">
+            <a:endParaRPr b="0" lang="en-US" sz="1400" spc="-1" strike="noStrike">
               <a:latin typeface="Arial"/>
             </a:endParaRPr>
           </a:p>
@@ -3713,7 +3707,7 @@
               </a:rPr>
               <a:t>Writes are ordered by the runtime with respect to reads, writes, maybe-writes, commutative writes and atomic writes.</a:t>
             </a:r>
-            <a:endParaRPr b="0" lang="fr-CH" sz="1400" spc="-1" strike="noStrike">
+            <a:endParaRPr b="0" lang="en-US" sz="1400" spc="-1" strike="noStrike">
               <a:latin typeface="Arial"/>
             </a:endParaRPr>
           </a:p>
@@ -3724,7 +3718,7 @@
               </a:lnSpc>
               <a:buNone/>
             </a:pPr>
-            <a:endParaRPr b="0" lang="fr-CH" sz="1400" spc="-1" strike="noStrike">
+            <a:endParaRPr b="0" lang="en-US" sz="1400" spc="-1" strike="noStrike">
               <a:latin typeface="Arial"/>
             </a:endParaRPr>
           </a:p>
@@ -3770,7 +3764,7 @@
               </a:rPr>
               <a:t>//Specifies a maybe-write dependency indicating that the data x might be written to, i.e. it will not always be the case (writes might occur with a certain probability).</a:t>
             </a:r>
-            <a:endParaRPr b="0" lang="fr-CH" sz="1400" spc="-1" strike="noStrike">
+            <a:endParaRPr b="0" lang="en-US" sz="1400" spc="-1" strike="noStrike">
               <a:latin typeface="Arial"/>
             </a:endParaRPr>
           </a:p>
@@ -3855,7 +3849,7 @@
               </a:rPr>
               <a:t>SPECX: Data Dependency Interface</a:t>
             </a:r>
-            <a:endParaRPr b="0" lang="fr-CH" sz="2700" spc="-1" strike="noStrike">
+            <a:endParaRPr b="0" lang="en-US" sz="2700" spc="-1" strike="noStrike">
               <a:latin typeface="Arial"/>
             </a:endParaRPr>
           </a:p>
@@ -3922,7 +3916,7 @@
               </a:rPr>
               <a:t>(x)  </a:t>
             </a:r>
-            <a:endParaRPr b="0" lang="fr-CH" sz="1400" spc="-1" strike="noStrike">
+            <a:endParaRPr b="0" lang="en-US" sz="1400" spc="-1" strike="noStrike">
               <a:latin typeface="Arial"/>
             </a:endParaRPr>
           </a:p>
@@ -3948,7 +3942,7 @@
               </a:rPr>
               <a:t>     </a:t>
             </a:r>
-            <a:endParaRPr b="0" lang="fr-CH" sz="1400" spc="-1" strike="noStrike">
+            <a:endParaRPr b="0" lang="en-US" sz="1400" spc="-1" strike="noStrike">
               <a:latin typeface="Arial"/>
             </a:endParaRPr>
           </a:p>
@@ -3974,7 +3968,7 @@
               </a:rPr>
               <a:t>Multiple successive commutative write requests will be fulfilled one after the other in any order </a:t>
             </a:r>
-            <a:endParaRPr b="0" lang="fr-CH" sz="1400" spc="-1" strike="noStrike">
+            <a:endParaRPr b="0" lang="en-US" sz="1400" spc="-1" strike="noStrike">
               <a:latin typeface="Arial"/>
             </a:endParaRPr>
           </a:p>
@@ -3990,7 +3984,7 @@
               <a:buFont typeface="Wingdings" charset="2"/>
               <a:buChar char=""/>
             </a:pPr>
-            <a:endParaRPr b="0" lang="fr-CH" sz="1400" spc="-1" strike="noStrike">
+            <a:endParaRPr b="0" lang="en-US" sz="1400" spc="-1" strike="noStrike">
               <a:latin typeface="Arial"/>
             </a:endParaRPr>
           </a:p>
@@ -4006,7 +4000,7 @@
               <a:buFont typeface="Wingdings" charset="2"/>
               <a:buChar char=""/>
             </a:pPr>
-            <a:endParaRPr b="0" lang="fr-CH" sz="1400" spc="-1" strike="noStrike">
+            <a:endParaRPr b="0" lang="en-US" sz="1400" spc="-1" strike="noStrike">
               <a:latin typeface="Arial"/>
             </a:endParaRPr>
           </a:p>
@@ -4022,7 +4016,7 @@
               <a:buFont typeface="Wingdings" charset="2"/>
               <a:buChar char=""/>
             </a:pPr>
-            <a:endParaRPr b="0" lang="fr-CH" sz="1400" spc="-1" strike="noStrike">
+            <a:endParaRPr b="0" lang="en-US" sz="1400" spc="-1" strike="noStrike">
               <a:latin typeface="Arial"/>
             </a:endParaRPr>
           </a:p>
@@ -4039,7 +4033,7 @@
               <a:buChar char=""/>
             </a:pPr>
             <a:r>
-              <a:rPr b="1" lang="fr-CH" sz="1400" spc="-1" strike="noStrike">
+              <a:rPr b="1" lang="en-US" sz="1400" spc="-1" strike="noStrike">
                 <a:solidFill>
                   <a:srgbClr val="2a6099"/>
                 </a:solidFill>
@@ -4049,7 +4043,7 @@
               <a:t>SpAtomicWrite</a:t>
             </a:r>
             <a:r>
-              <a:rPr b="0" lang="fr-CH" sz="1400" spc="-1" strike="noStrike">
+              <a:rPr b="0" lang="en-US" sz="1400" spc="-1" strike="noStrike">
                 <a:solidFill>
                   <a:srgbClr val="000000"/>
                 </a:solidFill>
@@ -4058,7 +4052,7 @@
               </a:rPr>
               <a:t>(x)</a:t>
             </a:r>
-            <a:endParaRPr b="0" lang="fr-CH" sz="1400" spc="-1" strike="noStrike">
+            <a:endParaRPr b="0" lang="en-US" sz="1400" spc="-1" strike="noStrike">
               <a:latin typeface="Arial"/>
             </a:endParaRPr>
           </a:p>
@@ -4075,7 +4069,7 @@
               <a:buChar char=""/>
             </a:pPr>
             <a:r>
-              <a:rPr b="0" lang="fr-CH" sz="1400" spc="-1" strike="noStrike">
+              <a:rPr b="0" lang="en-US" sz="1400" spc="-1" strike="noStrike">
                 <a:solidFill>
                   <a:srgbClr val="000000"/>
                 </a:solidFill>
@@ -4084,7 +4078,7 @@
               </a:rPr>
               <a:t>	</a:t>
             </a:r>
-            <a:endParaRPr b="0" lang="fr-CH" sz="1400" spc="-1" strike="noStrike">
+            <a:endParaRPr b="0" lang="en-US" sz="1400" spc="-1" strike="noStrike">
               <a:latin typeface="Arial"/>
             </a:endParaRPr>
           </a:p>
@@ -4110,7 +4104,7 @@
               </a:rPr>
               <a:t>Atomic write requests are always fulfilled by default, i.e. an atomic write request awr2 on data x immediately following another atomic write request awr1 on data x does not have to wait for awr1 to be fulfilled in order to be serviced. </a:t>
             </a:r>
-            <a:endParaRPr b="0" lang="fr-CH" sz="1400" spc="-1" strike="noStrike">
+            <a:endParaRPr b="0" lang="en-US" sz="1400" spc="-1" strike="noStrike">
               <a:latin typeface="Arial"/>
             </a:endParaRPr>
           </a:p>
@@ -4126,7 +4120,7 @@
               <a:buFont typeface="Wingdings" charset="2"/>
               <a:buChar char=""/>
             </a:pPr>
-            <a:endParaRPr b="0" lang="fr-CH" sz="1400" spc="-1" strike="noStrike">
+            <a:endParaRPr b="0" lang="en-US" sz="1400" spc="-1" strike="noStrike">
               <a:latin typeface="Arial"/>
             </a:endParaRPr>
           </a:p>
@@ -4152,7 +4146,7 @@
               </a:rPr>
               <a:t>Multiple successive atomic writes will be performed in any order. The atomic writes will be committed to memory in whatever order they will be committed at runtime, the point is that the Specx runtime does not enforce an order on the atomic writes.</a:t>
             </a:r>
-            <a:endParaRPr b="0" lang="fr-CH" sz="1400" spc="-1" strike="noStrike">
+            <a:endParaRPr b="0" lang="en-US" sz="1400" spc="-1" strike="noStrike">
               <a:latin typeface="Arial"/>
             </a:endParaRPr>
           </a:p>
@@ -4163,7 +4157,7 @@
               </a:lnSpc>
               <a:buNone/>
             </a:pPr>
-            <a:endParaRPr b="0" lang="fr-CH" sz="1400" spc="-1" strike="noStrike">
+            <a:endParaRPr b="0" lang="en-US" sz="1400" spc="-1" strike="noStrike">
               <a:latin typeface="Arial"/>
             </a:endParaRPr>
           </a:p>
@@ -4174,7 +4168,7 @@
               </a:lnSpc>
               <a:buNone/>
             </a:pPr>
-            <a:endParaRPr b="0" lang="fr-CH" sz="1400" spc="-1" strike="noStrike">
+            <a:endParaRPr b="0" lang="en-US" sz="1400" spc="-1" strike="noStrike">
               <a:latin typeface="Arial"/>
             </a:endParaRPr>
           </a:p>
@@ -4282,7 +4276,7 @@
               </a:rPr>
               <a:t>SPECX: Data Dependency Interface</a:t>
             </a:r>
-            <a:endParaRPr b="0" lang="fr-CH" sz="2700" spc="-1" strike="noStrike">
+            <a:endParaRPr b="0" lang="en-US" sz="2700" spc="-1" strike="noStrike">
               <a:latin typeface="Arial"/>
             </a:endParaRPr>
           </a:p>
@@ -4325,36 +4319,48 @@
               <a:buNone/>
             </a:pPr>
             <a:r>
-              <a:rPr b="1" lang="fr-CH" sz="1400" spc="-1" strike="noStrike">
+              <a:rPr b="1" lang="en-US" sz="1400" spc="-1" strike="noStrike">
                 <a:solidFill>
                   <a:srgbClr val="000000"/>
                 </a:solidFill>
                 <a:latin typeface="Times New Roman"/>
                 <a:ea typeface="DejaVu Sans"/>
               </a:rPr>
-              <a:t>Non </a:t>
-            </a:r>
-            <a:r>
-              <a:rPr b="1" lang="en-US" sz="1400" spc="-1" strike="noStrike">
+              <a:t>Non scalar data</a:t>
+            </a:r>
+            <a:endParaRPr b="0" lang="en-US" sz="1400" spc="-1" strike="noStrike">
+              <a:latin typeface="Arial"/>
+            </a:endParaRPr>
+          </a:p>
+          <a:p>
+            <a:pPr>
+              <a:lnSpc>
+                <a:spcPct val="100000"/>
+              </a:lnSpc>
+              <a:buNone/>
+            </a:pPr>
+            <a:endParaRPr b="0" lang="en-US" sz="1400" spc="-1" strike="noStrike">
+              <a:latin typeface="Arial"/>
+            </a:endParaRPr>
+          </a:p>
+          <a:p>
+            <a:pPr>
+              <a:lnSpc>
+                <a:spcPct val="100000"/>
+              </a:lnSpc>
+              <a:buNone/>
+            </a:pPr>
+            <a:r>
+              <a:rPr b="0" lang="en-US" sz="1400" spc="-1" strike="noStrike">
                 <a:solidFill>
                   <a:srgbClr val="000000"/>
                 </a:solidFill>
                 <a:latin typeface="Times New Roman"/>
                 <a:ea typeface="DejaVu Sans"/>
               </a:rPr>
-              <a:t>scalar</a:t>
-            </a:r>
-            <a:r>
-              <a:rPr b="1" lang="fr-CH" sz="1400" spc="-1" strike="noStrike">
-                <a:solidFill>
-                  <a:srgbClr val="000000"/>
-                </a:solidFill>
-                <a:latin typeface="Times New Roman"/>
-                <a:ea typeface="DejaVu Sans"/>
-              </a:rPr>
-              <a:t> data</a:t>
-            </a:r>
-            <a:endParaRPr b="0" lang="fr-CH" sz="1400" spc="-1" strike="noStrike">
+              <a:t>We also provide analogous contructors for aggregates of data values from arrays :</a:t>
+            </a:r>
+            <a:endParaRPr b="0" lang="en-US" sz="1400" spc="-1" strike="noStrike">
               <a:latin typeface="Arial"/>
             </a:endParaRPr>
           </a:p>
@@ -4365,139 +4371,7 @@
               </a:lnSpc>
               <a:buNone/>
             </a:pPr>
-            <a:endParaRPr b="0" lang="fr-CH" sz="1400" spc="-1" strike="noStrike">
-              <a:latin typeface="Arial"/>
-            </a:endParaRPr>
-          </a:p>
-          <a:p>
-            <a:pPr>
-              <a:lnSpc>
-                <a:spcPct val="100000"/>
-              </a:lnSpc>
-              <a:buNone/>
-            </a:pPr>
-            <a:r>
-              <a:rPr b="0" lang="fr-CH" sz="1400" spc="-1" strike="noStrike">
-                <a:solidFill>
-                  <a:srgbClr val="000000"/>
-                </a:solidFill>
-                <a:latin typeface="Times New Roman"/>
-                <a:ea typeface="DejaVu Sans"/>
-              </a:rPr>
-              <a:t>We also </a:t>
-            </a:r>
-            <a:r>
-              <a:rPr b="0" lang="en-US" sz="1400" spc="-1" strike="noStrike">
-                <a:solidFill>
-                  <a:srgbClr val="000000"/>
-                </a:solidFill>
-                <a:latin typeface="Times New Roman"/>
-                <a:ea typeface="DejaVu Sans"/>
-              </a:rPr>
-              <a:t>provide</a:t>
-            </a:r>
-            <a:r>
-              <a:rPr b="0" lang="fr-CH" sz="1400" spc="-1" strike="noStrike">
-                <a:solidFill>
-                  <a:srgbClr val="000000"/>
-                </a:solidFill>
-                <a:latin typeface="Times New Roman"/>
-                <a:ea typeface="DejaVu Sans"/>
-              </a:rPr>
-              <a:t> </a:t>
-            </a:r>
-            <a:r>
-              <a:rPr b="0" lang="en-US" sz="1400" spc="-1" strike="noStrike">
-                <a:solidFill>
-                  <a:srgbClr val="000000"/>
-                </a:solidFill>
-                <a:latin typeface="Times New Roman"/>
-                <a:ea typeface="DejaVu Sans"/>
-              </a:rPr>
-              <a:t>analogous</a:t>
-            </a:r>
-            <a:r>
-              <a:rPr b="0" lang="fr-CH" sz="1400" spc="-1" strike="noStrike">
-                <a:solidFill>
-                  <a:srgbClr val="000000"/>
-                </a:solidFill>
-                <a:latin typeface="Times New Roman"/>
-                <a:ea typeface="DejaVu Sans"/>
-              </a:rPr>
-              <a:t> contructors for </a:t>
-            </a:r>
-            <a:r>
-              <a:rPr b="0" lang="en-US" sz="1400" spc="-1" strike="noStrike">
-                <a:solidFill>
-                  <a:srgbClr val="000000"/>
-                </a:solidFill>
-                <a:latin typeface="Times New Roman"/>
-                <a:ea typeface="DejaVu Sans"/>
-              </a:rPr>
-              <a:t>aggregates</a:t>
-            </a:r>
-            <a:r>
-              <a:rPr b="0" lang="fr-CH" sz="1400" spc="-1" strike="noStrike">
-                <a:solidFill>
-                  <a:srgbClr val="000000"/>
-                </a:solidFill>
-                <a:latin typeface="Times New Roman"/>
-                <a:ea typeface="DejaVu Sans"/>
-              </a:rPr>
-              <a:t> of data values </a:t>
-            </a:r>
-            <a:r>
-              <a:rPr b="0" lang="en-US" sz="1400" spc="-1" strike="noStrike">
-                <a:solidFill>
-                  <a:srgbClr val="000000"/>
-                </a:solidFill>
-                <a:latin typeface="Times New Roman"/>
-                <a:ea typeface="DejaVu Sans"/>
-              </a:rPr>
-              <a:t>from</a:t>
-            </a:r>
-            <a:r>
-              <a:rPr b="0" lang="fr-CH" sz="1400" spc="-1" strike="noStrike">
-                <a:solidFill>
-                  <a:srgbClr val="000000"/>
-                </a:solidFill>
-                <a:latin typeface="Times New Roman"/>
-                <a:ea typeface="DejaVu Sans"/>
-              </a:rPr>
-              <a:t> </a:t>
-            </a:r>
-            <a:r>
-              <a:rPr b="0" lang="en-US" sz="1400" spc="-1" strike="noStrike">
-                <a:solidFill>
-                  <a:srgbClr val="000000"/>
-                </a:solidFill>
-                <a:latin typeface="Times New Roman"/>
-                <a:ea typeface="DejaVu Sans"/>
-              </a:rPr>
-              <a:t>arrays</a:t>
-            </a:r>
-            <a:r>
-              <a:rPr b="0" lang="fr-CH" sz="1400" spc="-1" strike="noStrike">
-                <a:solidFill>
-                  <a:srgbClr val="000000"/>
-                </a:solidFill>
-                <a:latin typeface="Times New Roman"/>
-                <a:ea typeface="DejaVu Sans"/>
-              </a:rPr>
-              <a:t> :</a:t>
-            </a:r>
-            <a:endParaRPr b="0" lang="fr-CH" sz="1400" spc="-1" strike="noStrike">
-              <a:latin typeface="Arial"/>
-            </a:endParaRPr>
-          </a:p>
-          <a:p>
-            <a:pPr>
-              <a:lnSpc>
-                <a:spcPct val="100000"/>
-              </a:lnSpc>
-              <a:buNone/>
-            </a:pPr>
-            <a:endParaRPr b="0" lang="fr-CH" sz="1400" spc="-1" strike="noStrike">
+            <a:endParaRPr b="0" lang="en-US" sz="1400" spc="-1" strike="noStrike">
               <a:latin typeface="Arial"/>
             </a:endParaRPr>
           </a:p>
@@ -4514,7 +4388,7 @@
               <a:buChar char=""/>
             </a:pPr>
             <a:r>
-              <a:rPr b="1" lang="fr-CH" sz="1400" spc="-1" strike="noStrike">
+              <a:rPr b="1" lang="en-US" sz="1400" spc="-1" strike="noStrike">
                 <a:solidFill>
                   <a:srgbClr val="2a6099"/>
                 </a:solidFill>
@@ -4524,7 +4398,7 @@
               <a:t>SpReadArray </a:t>
             </a:r>
             <a:r>
-              <a:rPr b="0" lang="fr-CH" sz="1400" spc="-1" strike="noStrike">
+              <a:rPr b="0" lang="en-US" sz="1400" spc="-1" strike="noStrike">
                 <a:solidFill>
                   <a:srgbClr val="000000"/>
                 </a:solidFill>
@@ -4533,7 +4407,7 @@
               </a:rPr>
               <a:t>                           (&lt;XTy&gt; *x, &lt;ViewTy&gt; view)</a:t>
             </a:r>
-            <a:endParaRPr b="0" lang="fr-CH" sz="1400" spc="-1" strike="noStrike">
+            <a:endParaRPr b="0" lang="en-US" sz="1400" spc="-1" strike="noStrike">
               <a:latin typeface="Arial"/>
             </a:endParaRPr>
           </a:p>
@@ -4550,7 +4424,7 @@
               <a:buChar char=""/>
             </a:pPr>
             <a:r>
-              <a:rPr b="1" lang="fr-CH" sz="1400" spc="-1" strike="noStrike">
+              <a:rPr b="1" lang="en-US" sz="1400" spc="-1" strike="noStrike">
                 <a:solidFill>
                   <a:srgbClr val="2a6099"/>
                 </a:solidFill>
@@ -4560,7 +4434,7 @@
               <a:t>SpWriteArray  </a:t>
             </a:r>
             <a:r>
-              <a:rPr b="0" lang="fr-CH" sz="1400" spc="-1" strike="noStrike">
+              <a:rPr b="0" lang="en-US" sz="1400" spc="-1" strike="noStrike">
                 <a:solidFill>
                   <a:srgbClr val="000000"/>
                 </a:solidFill>
@@ -4569,7 +4443,7 @@
               </a:rPr>
               <a:t>                         (&lt;XTy&gt; *x, &lt;ViewTy&gt; view)</a:t>
             </a:r>
-            <a:endParaRPr b="0" lang="fr-CH" sz="1400" spc="-1" strike="noStrike">
+            <a:endParaRPr b="0" lang="en-US" sz="1400" spc="-1" strike="noStrike">
               <a:latin typeface="Arial"/>
             </a:endParaRPr>
           </a:p>
@@ -4586,7 +4460,7 @@
               <a:buChar char=""/>
             </a:pPr>
             <a:r>
-              <a:rPr b="1" lang="fr-CH" sz="1400" spc="-1" strike="noStrike">
+              <a:rPr b="1" lang="en-US" sz="1400" spc="-1" strike="noStrike">
                 <a:solidFill>
                   <a:srgbClr val="2a6099"/>
                 </a:solidFill>
@@ -4596,7 +4470,7 @@
               <a:t>SpMaybeWriteArray  </a:t>
             </a:r>
             <a:r>
-              <a:rPr b="0" lang="fr-CH" sz="1400" spc="-1" strike="noStrike">
+              <a:rPr b="0" lang="en-US" sz="1400" spc="-1" strike="noStrike">
                 <a:solidFill>
                   <a:srgbClr val="000000"/>
                 </a:solidFill>
@@ -4605,7 +4479,7 @@
               </a:rPr>
               <a:t>             (&lt;XTy&gt; *x, &lt;ViewTy&gt; view)</a:t>
             </a:r>
-            <a:endParaRPr b="0" lang="fr-CH" sz="1400" spc="-1" strike="noStrike">
+            <a:endParaRPr b="0" lang="en-US" sz="1400" spc="-1" strike="noStrike">
               <a:latin typeface="Arial"/>
             </a:endParaRPr>
           </a:p>
@@ -4622,7 +4496,7 @@
               <a:buChar char=""/>
             </a:pPr>
             <a:r>
-              <a:rPr b="1" lang="fr-CH" sz="1400" spc="-1" strike="noStrike">
+              <a:rPr b="1" lang="en-US" sz="1400" spc="-1" strike="noStrike">
                 <a:solidFill>
                   <a:srgbClr val="2a6099"/>
                 </a:solidFill>
@@ -4632,7 +4506,7 @@
               <a:t>SpCommutativeWriteArray  </a:t>
             </a:r>
             <a:r>
-              <a:rPr b="0" lang="fr-CH" sz="1400" spc="-1" strike="noStrike">
+              <a:rPr b="0" lang="en-US" sz="1400" spc="-1" strike="noStrike">
                 <a:solidFill>
                   <a:srgbClr val="000000"/>
                 </a:solidFill>
@@ -4641,7 +4515,7 @@
               </a:rPr>
               <a:t> (&lt;XTy&gt; *x, &lt;ViewTy&gt; view)</a:t>
             </a:r>
-            <a:endParaRPr b="0" lang="fr-CH" sz="1400" spc="-1" strike="noStrike">
+            <a:endParaRPr b="0" lang="en-US" sz="1400" spc="-1" strike="noStrike">
               <a:latin typeface="Arial"/>
             </a:endParaRPr>
           </a:p>
@@ -4658,7 +4532,7 @@
               <a:buChar char=""/>
             </a:pPr>
             <a:r>
-              <a:rPr b="1" lang="fr-CH" sz="1400" spc="-1" strike="noStrike">
+              <a:rPr b="1" lang="en-US" sz="1400" spc="-1" strike="noStrike">
                 <a:solidFill>
                   <a:srgbClr val="2a6099"/>
                 </a:solidFill>
@@ -4668,7 +4542,7 @@
               <a:t>SpAtomicWriteArray </a:t>
             </a:r>
             <a:r>
-              <a:rPr b="0" lang="fr-CH" sz="1400" spc="-1" strike="noStrike">
+              <a:rPr b="0" lang="en-US" sz="1400" spc="-1" strike="noStrike">
                 <a:solidFill>
                   <a:srgbClr val="000000"/>
                 </a:solidFill>
@@ -4677,7 +4551,7 @@
               </a:rPr>
               <a:t>             (&lt;XTy&gt; *x, &lt;ViewTy&gt; view)</a:t>
             </a:r>
-            <a:endParaRPr b="0" lang="fr-CH" sz="1400" spc="-1" strike="noStrike">
+            <a:endParaRPr b="0" lang="en-US" sz="1400" spc="-1" strike="noStrike">
               <a:latin typeface="Arial"/>
             </a:endParaRPr>
           </a:p>
@@ -4688,7 +4562,7 @@
               </a:lnSpc>
               <a:buNone/>
             </a:pPr>
-            <a:endParaRPr b="0" lang="fr-CH" sz="1400" spc="-1" strike="noStrike">
+            <a:endParaRPr b="0" lang="en-US" sz="1400" spc="-1" strike="noStrike">
               <a:latin typeface="Arial"/>
             </a:endParaRPr>
           </a:p>
@@ -4699,7 +4573,7 @@
               </a:lnSpc>
               <a:buNone/>
             </a:pPr>
-            <a:endParaRPr b="0" lang="fr-CH" sz="1400" spc="-1" strike="noStrike">
+            <a:endParaRPr b="0" lang="en-US" sz="1400" spc="-1" strike="noStrike">
               <a:latin typeface="Arial"/>
             </a:endParaRPr>
           </a:p>
@@ -4720,7 +4594,7 @@
               </a:rPr>
               <a:t>Wrapper objects for callables</a:t>
             </a:r>
-            <a:endParaRPr b="0" lang="fr-CH" sz="1400" spc="-1" strike="noStrike">
+            <a:endParaRPr b="0" lang="en-US" sz="1400" spc="-1" strike="noStrike">
               <a:latin typeface="Arial"/>
             </a:endParaRPr>
           </a:p>
@@ -4731,7 +4605,7 @@
               </a:lnSpc>
               <a:buNone/>
             </a:pPr>
-            <a:endParaRPr b="0" lang="fr-CH" sz="1400" spc="-1" strike="noStrike">
+            <a:endParaRPr b="0" lang="en-US" sz="1400" spc="-1" strike="noStrike">
               <a:latin typeface="Arial"/>
             </a:endParaRPr>
           </a:p>
@@ -4752,7 +4626,7 @@
               </a:rPr>
               <a:t>We provide two wrapper objects for callables whose purpose is to tag a callable to inform the runtime system of whether it should interpret the given callable as CPU or GPU code:</a:t>
             </a:r>
-            <a:endParaRPr b="0" lang="fr-CH" sz="1400" spc="-1" strike="noStrike">
+            <a:endParaRPr b="0" lang="en-US" sz="1400" spc="-1" strike="noStrike">
               <a:latin typeface="Arial"/>
             </a:endParaRPr>
           </a:p>
@@ -4763,7 +4637,7 @@
               </a:lnSpc>
               <a:buNone/>
             </a:pPr>
-            <a:endParaRPr b="0" lang="fr-CH" sz="1400" spc="-1" strike="noStrike">
+            <a:endParaRPr b="0" lang="en-US" sz="1400" spc="-1" strike="noStrike">
               <a:latin typeface="Arial"/>
             </a:endParaRPr>
           </a:p>
@@ -4780,7 +4654,7 @@
               <a:buChar char=""/>
             </a:pPr>
             <a:r>
-              <a:rPr b="1" lang="fr-CH" sz="1400" spc="-1" strike="noStrike">
+              <a:rPr b="1" lang="en-US" sz="1400" spc="-1" strike="noStrike">
                 <a:solidFill>
                   <a:srgbClr val="2a6099"/>
                 </a:solidFill>
@@ -4790,7 +4664,7 @@
               <a:t>SpCpuCode         </a:t>
             </a:r>
             <a:r>
-              <a:rPr b="0" lang="fr-CH" sz="1400" spc="-1" strike="noStrike">
+              <a:rPr b="0" lang="en-US" sz="1400" spc="-1" strike="noStrike">
                 <a:solidFill>
                   <a:srgbClr val="000000"/>
                 </a:solidFill>
@@ -4799,7 +4673,7 @@
               </a:rPr>
               <a:t>                     (&lt;CallableTy&gt; c)</a:t>
             </a:r>
-            <a:endParaRPr b="0" lang="fr-CH" sz="1400" spc="-1" strike="noStrike">
+            <a:endParaRPr b="0" lang="en-US" sz="1400" spc="-1" strike="noStrike">
               <a:latin typeface="Arial"/>
             </a:endParaRPr>
           </a:p>
@@ -4816,7 +4690,7 @@
               <a:buChar char=""/>
             </a:pPr>
             <a:r>
-              <a:rPr b="1" lang="fr-CH" sz="1400" spc="-1" strike="noStrike">
+              <a:rPr b="1" lang="en-US" sz="1400" spc="-1" strike="noStrike">
                 <a:solidFill>
                   <a:srgbClr val="2a6099"/>
                 </a:solidFill>
@@ -4826,7 +4700,7 @@
               <a:t>SpGpuCode      </a:t>
             </a:r>
             <a:r>
-              <a:rPr b="0" lang="fr-CH" sz="1400" spc="-1" strike="noStrike">
+              <a:rPr b="0" lang="en-US" sz="1400" spc="-1" strike="noStrike">
                 <a:solidFill>
                   <a:srgbClr val="000000"/>
                 </a:solidFill>
@@ -4835,7 +4709,7 @@
               </a:rPr>
               <a:t>                        (&lt;CallableTy&gt; c)</a:t>
             </a:r>
-            <a:endParaRPr b="0" lang="fr-CH" sz="1400" spc="-1" strike="noStrike">
+            <a:endParaRPr b="0" lang="en-US" sz="1400" spc="-1" strike="noStrike">
               <a:latin typeface="Arial"/>
             </a:endParaRPr>
           </a:p>
@@ -4920,7 +4794,7 @@
               </a:rPr>
               <a:t>SPECX: Task Viewer Interface </a:t>
             </a:r>
-            <a:endParaRPr b="0" lang="fr-CH" sz="2700" spc="-1" strike="noStrike">
+            <a:endParaRPr b="0" lang="en-US" sz="2700" spc="-1" strike="noStrike">
               <a:latin typeface="Arial"/>
             </a:endParaRPr>
           </a:p>
@@ -4972,7 +4846,7 @@
               </a:rPr>
               <a:t>Main methods available on task objects returned by task calls</a:t>
             </a:r>
-            <a:endParaRPr b="0" lang="fr-CH" sz="1400" spc="-1" strike="noStrike">
+            <a:endParaRPr b="0" lang="en-US" sz="1400" spc="-1" strike="noStrike">
               <a:latin typeface="Arial"/>
             </a:endParaRPr>
           </a:p>
@@ -5064,7 +4938,7 @@
               </a:rPr>
               <a:t>/Returns true if the task has finished executing.</a:t>
             </a:r>
-            <a:endParaRPr b="0" lang="fr-CH" sz="1400" spc="-1" strike="noStrike">
+            <a:endParaRPr b="0" lang="en-US" sz="1400" spc="-1" strike="noStrike">
               <a:latin typeface="Arial"/>
             </a:endParaRPr>
           </a:p>
@@ -5075,7 +4949,7 @@
               </a:lnSpc>
               <a:buNone/>
             </a:pPr>
-            <a:endParaRPr b="0" lang="fr-CH" sz="1400" spc="-1" strike="noStrike">
+            <a:endParaRPr b="0" lang="en-US" sz="1400" spc="-1" strike="noStrike">
               <a:latin typeface="Arial"/>
             </a:endParaRPr>
           </a:p>
@@ -5136,7 +5010,7 @@
               </a:rPr>
               <a:t>//This method is a blocking call which waits until the task is finished.</a:t>
             </a:r>
-            <a:endParaRPr b="0" lang="fr-CH" sz="1400" spc="-1" strike="noStrike">
+            <a:endParaRPr b="0" lang="en-US" sz="1400" spc="-1" strike="noStrike">
               <a:latin typeface="Arial"/>
             </a:endParaRPr>
           </a:p>
@@ -5147,7 +5021,7 @@
               </a:lnSpc>
               <a:buNone/>
             </a:pPr>
-            <a:endParaRPr b="0" lang="fr-CH" sz="1400" spc="-1" strike="noStrike">
+            <a:endParaRPr b="0" lang="en-US" sz="1400" spc="-1" strike="noStrike">
               <a:latin typeface="Arial"/>
             </a:endParaRPr>
           </a:p>
@@ -5159,7 +5033,7 @@
               <a:buNone/>
             </a:pPr>
             <a:r>
-              <a:rPr b="1" lang="fr-CH" sz="1400" spc="-1" strike="noStrike">
+              <a:rPr b="1" lang="en-US" sz="1400" spc="-1" strike="noStrike">
                 <a:solidFill>
                   <a:srgbClr val="000000"/>
                 </a:solidFill>
@@ -5169,7 +5043,7 @@
               <a:t>&lt;ReturnType&gt; </a:t>
             </a:r>
             <a:r>
-              <a:rPr b="1" lang="fr-CH" sz="1400" spc="-1" strike="noStrike">
+              <a:rPr b="1" lang="en-US" sz="1400" spc="-1" strike="noStrike">
                 <a:solidFill>
                   <a:srgbClr val="2a6099"/>
                 </a:solidFill>
@@ -5179,7 +5053,7 @@
               <a:t>getValue</a:t>
             </a:r>
             <a:r>
-              <a:rPr b="1" lang="fr-CH" sz="1400" spc="-1" strike="noStrike">
+              <a:rPr b="1" lang="en-US" sz="1400" spc="-1" strike="noStrike">
                 <a:solidFill>
                   <a:srgbClr val="000000"/>
                 </a:solidFill>
@@ -5198,7 +5072,7 @@
               </a:rPr>
               <a:t>// This method is a blocking call which retrieves the result value of the task.</a:t>
             </a:r>
-            <a:endParaRPr b="0" lang="fr-CH" sz="1400" spc="-1" strike="noStrike">
+            <a:endParaRPr b="0" lang="en-US" sz="1400" spc="-1" strike="noStrike">
               <a:latin typeface="Arial"/>
             </a:endParaRPr>
           </a:p>
@@ -5209,7 +5083,7 @@
               </a:lnSpc>
               <a:buNone/>
             </a:pPr>
-            <a:endParaRPr b="0" lang="fr-CH" sz="1400" spc="-1" strike="noStrike">
+            <a:endParaRPr b="0" lang="en-US" sz="1400" spc="-1" strike="noStrike">
               <a:latin typeface="Arial"/>
             </a:endParaRPr>
           </a:p>
@@ -5221,7 +5095,7 @@
               <a:buNone/>
             </a:pPr>
             <a:r>
-              <a:rPr b="1" lang="fr-CH" sz="1400" spc="-1" strike="noStrike">
+              <a:rPr b="1" lang="en-US" sz="1400" spc="-1" strike="noStrike">
                 <a:solidFill>
                   <a:srgbClr val="000000"/>
                 </a:solidFill>
@@ -5231,7 +5105,7 @@
               <a:t>void </a:t>
             </a:r>
             <a:r>
-              <a:rPr b="1" lang="fr-CH" sz="1400" spc="-1" strike="noStrike">
+              <a:rPr b="1" lang="en-US" sz="1400" spc="-1" strike="noStrike">
                 <a:solidFill>
                   <a:srgbClr val="2a6099"/>
                 </a:solidFill>
@@ -5241,7 +5115,7 @@
               <a:t>setTaskName</a:t>
             </a:r>
             <a:r>
-              <a:rPr b="1" lang="fr-CH" sz="1400" spc="-1" strike="noStrike">
+              <a:rPr b="1" lang="en-US" sz="1400" spc="-1" strike="noStrike">
                 <a:solidFill>
                   <a:srgbClr val="000000"/>
                 </a:solidFill>
@@ -5251,7 +5125,7 @@
               <a:t>(const std::string&amp; inTaskName)</a:t>
             </a:r>
             <a:r>
-              <a:rPr b="0" lang="fr-CH" sz="1400" spc="-1" strike="noStrike">
+              <a:rPr b="0" lang="en-US" sz="1400" spc="-1" strike="noStrike">
                 <a:solidFill>
                   <a:srgbClr val="000000"/>
                 </a:solidFill>
@@ -5261,15 +5135,26 @@
               <a:t>  </a:t>
             </a:r>
             <a:r>
-              <a:rPr b="0" i="1" lang="fr-CH" sz="1400" spc="-1" strike="noStrike">
+              <a:rPr b="0" i="1" lang="en-US" sz="1400" spc="-1" strike="noStrike">
                 <a:solidFill>
                   <a:srgbClr val="000000"/>
                 </a:solidFill>
                 <a:latin typeface="Times New Roman"/>
                 <a:ea typeface="DejaVu Sans"/>
               </a:rPr>
-              <a:t> </a:t>
-            </a:r>
+              <a:t> //Assigns the name in TaskName to the task. </a:t>
+            </a:r>
+            <a:endParaRPr b="0" lang="en-US" sz="1400" spc="-1" strike="noStrike">
+              <a:latin typeface="Arial"/>
+            </a:endParaRPr>
+          </a:p>
+          <a:p>
+            <a:pPr algn="just">
+              <a:lnSpc>
+                <a:spcPct val="100000"/>
+              </a:lnSpc>
+              <a:buNone/>
+            </a:pPr>
             <a:r>
               <a:rPr b="0" i="1" lang="en-US" sz="1400" spc="-1" strike="noStrike">
                 <a:solidFill>
@@ -5278,9 +5163,19 @@
                 <a:latin typeface="Times New Roman"/>
                 <a:ea typeface="DejaVu Sans"/>
               </a:rPr>
-              <a:t>//Assigns the name in TaskName to the task. </a:t>
-            </a:r>
-            <a:endParaRPr b="0" lang="fr-CH" sz="1400" spc="-1" strike="noStrike">
+              <a:t>                                                                                           </a:t>
+            </a:r>
+            <a:r>
+              <a:rPr b="0" i="1" lang="en-US" sz="1400" spc="-1" strike="noStrike">
+                <a:solidFill>
+                  <a:srgbClr val="000000"/>
+                </a:solidFill>
+                <a:latin typeface="Times New Roman"/>
+                <a:ea typeface="DejaVu Sans"/>
+              </a:rPr>
+              <a:t>// This change will be reflected in debug printouts, task graph</a:t>
+            </a:r>
+            <a:endParaRPr b="0" lang="en-US" sz="1400" spc="-1" strike="noStrike">
               <a:latin typeface="Arial"/>
             </a:endParaRPr>
           </a:p>
@@ -5309,9 +5204,9 @@
                 <a:latin typeface="Times New Roman"/>
                 <a:ea typeface="DejaVu Sans"/>
               </a:rPr>
-              <a:t>// This change will be reflected in debug printouts, task graph</a:t>
-            </a:r>
-            <a:endParaRPr b="0" lang="fr-CH" sz="1400" spc="-1" strike="noStrike">
+              <a:t>// and trace generation output.</a:t>
+            </a:r>
+            <a:endParaRPr b="0" lang="en-US" sz="1400" spc="-1" strike="noStrike">
               <a:latin typeface="Arial"/>
             </a:endParaRPr>
           </a:p>
@@ -5322,6 +5217,57 @@
               </a:lnSpc>
               <a:buNone/>
             </a:pPr>
+            <a:endParaRPr b="0" lang="en-US" sz="1400" spc="-1" strike="noStrike">
+              <a:latin typeface="Arial"/>
+            </a:endParaRPr>
+          </a:p>
+          <a:p>
+            <a:pPr algn="just">
+              <a:lnSpc>
+                <a:spcPct val="100000"/>
+              </a:lnSpc>
+              <a:buNone/>
+            </a:pPr>
+            <a:r>
+              <a:rPr b="1" lang="en-US" sz="1400" spc="-1" strike="noStrike">
+                <a:solidFill>
+                  <a:srgbClr val="000000"/>
+                </a:solidFill>
+                <a:latin typeface="Times New Roman"/>
+                <a:ea typeface="DejaVu Sans"/>
+              </a:rPr>
+              <a:t>std::string </a:t>
+            </a:r>
+            <a:r>
+              <a:rPr b="1" lang="en-US" sz="1400" spc="-1" strike="noStrike">
+                <a:solidFill>
+                  <a:srgbClr val="2a6099"/>
+                </a:solidFill>
+                <a:latin typeface="Times New Roman"/>
+                <a:ea typeface="DejaVu Sans"/>
+              </a:rPr>
+              <a:t>getTaskName</a:t>
+            </a:r>
+            <a:r>
+              <a:rPr b="1" lang="en-US" sz="1400" spc="-1" strike="noStrike">
+                <a:solidFill>
+                  <a:srgbClr val="000000"/>
+                </a:solidFill>
+                <a:latin typeface="Times New Roman"/>
+                <a:ea typeface="DejaVu Sans"/>
+              </a:rPr>
+              <a:t>()</a:t>
+            </a:r>
+            <a:r>
+              <a:rPr b="0" lang="en-US" sz="1400" spc="-1" strike="noStrike">
+                <a:solidFill>
+                  <a:srgbClr val="000000"/>
+                </a:solidFill>
+                <a:latin typeface="Times New Roman"/>
+                <a:ea typeface="DejaVu Sans"/>
+              </a:rPr>
+              <a:t>    </a:t>
+            </a:r>
             <a:r>
               <a:rPr b="0" i="1" lang="en-US" sz="1400" spc="-1" strike="noStrike">
                 <a:solidFill>
@@ -5330,91 +5276,9 @@
                 <a:latin typeface="Times New Roman"/>
                 <a:ea typeface="DejaVu Sans"/>
               </a:rPr>
-              <a:t>                                                                                           </a:t>
-            </a:r>
-            <a:r>
-              <a:rPr b="0" i="1" lang="en-US" sz="1400" spc="-1" strike="noStrike">
-                <a:solidFill>
-                  <a:srgbClr val="000000"/>
-                </a:solidFill>
-                <a:latin typeface="Times New Roman"/>
-                <a:ea typeface="DejaVu Sans"/>
-              </a:rPr>
-              <a:t>// and trace generation output.</a:t>
-            </a:r>
-            <a:endParaRPr b="0" lang="fr-CH" sz="1400" spc="-1" strike="noStrike">
-              <a:latin typeface="Arial"/>
-            </a:endParaRPr>
-          </a:p>
-          <a:p>
-            <a:pPr algn="just">
-              <a:lnSpc>
-                <a:spcPct val="100000"/>
-              </a:lnSpc>
-              <a:buNone/>
-            </a:pPr>
-            <a:endParaRPr b="0" lang="fr-CH" sz="1400" spc="-1" strike="noStrike">
-              <a:latin typeface="Arial"/>
-            </a:endParaRPr>
-          </a:p>
-          <a:p>
-            <a:pPr algn="just">
-              <a:lnSpc>
-                <a:spcPct val="100000"/>
-              </a:lnSpc>
-              <a:buNone/>
-            </a:pPr>
-            <a:r>
-              <a:rPr b="1" lang="en-US" sz="1400" spc="-1" strike="noStrike">
-                <a:solidFill>
-                  <a:srgbClr val="000000"/>
-                </a:solidFill>
-                <a:latin typeface="Times New Roman"/>
-                <a:ea typeface="DejaVu Sans"/>
-              </a:rPr>
-              <a:t>std::string </a:t>
-            </a:r>
-            <a:r>
-              <a:rPr b="1" lang="en-US" sz="1400" spc="-1" strike="noStrike">
-                <a:solidFill>
-                  <a:srgbClr val="2a6099"/>
-                </a:solidFill>
-                <a:latin typeface="Times New Roman"/>
-                <a:ea typeface="DejaVu Sans"/>
-              </a:rPr>
-              <a:t>getTaskName</a:t>
-            </a:r>
-            <a:r>
-              <a:rPr b="1" lang="en-US" sz="1400" spc="-1" strike="noStrike">
-                <a:solidFill>
-                  <a:srgbClr val="000000"/>
-                </a:solidFill>
-                <a:latin typeface="Times New Roman"/>
-                <a:ea typeface="DejaVu Sans"/>
-              </a:rPr>
-              <a:t>()</a:t>
-            </a:r>
-            <a:r>
-              <a:rPr b="0" lang="en-US" sz="1400" spc="-1" strike="noStrike">
-                <a:solidFill>
-                  <a:srgbClr val="000000"/>
-                </a:solidFill>
-                <a:latin typeface="Times New Roman"/>
-                <a:ea typeface="DejaVu Sans"/>
-              </a:rPr>
-              <a:t>    </a:t>
-            </a:r>
-            <a:r>
-              <a:rPr b="0" i="1" lang="en-US" sz="1400" spc="-1" strike="noStrike">
-                <a:solidFill>
-                  <a:srgbClr val="000000"/>
-                </a:solidFill>
-                <a:latin typeface="Times New Roman"/>
-                <a:ea typeface="DejaVu Sans"/>
-              </a:rPr>
               <a:t>//Retrieves the name of the task.</a:t>
             </a:r>
-            <a:endParaRPr b="0" lang="fr-CH" sz="1400" spc="-1" strike="noStrike">
+            <a:endParaRPr b="0" lang="en-US" sz="1400" spc="-1" strike="noStrike">
               <a:latin typeface="Arial"/>
             </a:endParaRPr>
           </a:p>
@@ -5466,7 +5330,7 @@
               </a:rPr>
               <a:t>Nota: Speculative versions of tasks will have an apostrophe appended to their name.</a:t>
             </a:r>
-            <a:endParaRPr b="0" lang="fr-CH" sz="1400" spc="-1" strike="noStrike">
+            <a:endParaRPr b="0" lang="en-US" sz="1400" spc="-1" strike="noStrike">
               <a:latin typeface="Arial"/>
             </a:endParaRPr>
           </a:p>
@@ -5549,9 +5413,9 @@
                 <a:latin typeface="Source Sans Pro Black"/>
                 <a:ea typeface="DejaVu Sans"/>
               </a:rPr>
-              <a:t>SPECX: Exemples </a:t>
-            </a:r>
-            <a:endParaRPr b="0" lang="fr-CH" sz="2700" spc="-1" strike="noStrike">
+              <a:t>SPECX: Exemple Heap Buffer</a:t>
+            </a:r>
+            <a:endParaRPr b="0" lang="en-US" sz="2700" spc="-1" strike="noStrike">
               <a:latin typeface="Arial"/>
             </a:endParaRPr>
           </a:p>
@@ -5571,6 +5435,758 @@
           <a:xfrm>
             <a:off x="8989560" y="61200"/>
             <a:ext cx="1015560" cy="1015560"/>
+          </a:xfrm>
+          <a:prstGeom prst="rect">
+            <a:avLst/>
+          </a:prstGeom>
+          <a:ln w="0">
+            <a:noFill/>
+          </a:ln>
+        </p:spPr>
+      </p:pic>
+      <p:sp>
+        <p:nvSpPr>
+          <p:cNvPr id="95" name=""/>
+          <p:cNvSpPr txBox="1"/>
+          <p:nvPr/>
+        </p:nvSpPr>
+        <p:spPr>
+          <a:xfrm>
+            <a:off x="147240" y="1203840"/>
+            <a:ext cx="4640760" cy="4160160"/>
+          </a:xfrm>
+          <a:prstGeom prst="rect">
+            <a:avLst/>
+          </a:prstGeom>
+          <a:noFill/>
+          <a:ln w="0">
+            <a:noFill/>
+          </a:ln>
+        </p:spPr>
+        <p:txBody>
+          <a:bodyPr lIns="90000" rIns="90000" tIns="45000" bIns="45000" anchor="t">
+            <a:noAutofit/>
+          </a:bodyPr>
+          <a:p>
+            <a:r>
+              <a:rPr b="0" lang="en-US" sz="1000" spc="-1" strike="noStrike">
+                <a:solidFill>
+                  <a:srgbClr val="808080"/>
+                </a:solidFill>
+                <a:latin typeface="Times New Roman"/>
+              </a:rPr>
+              <a:t>#include &lt;iostream&gt;</a:t>
+            </a:r>
+            <a:endParaRPr b="0" lang="en-US" sz="1000" spc="-1" strike="noStrike">
+              <a:latin typeface="Times New Roman"/>
+            </a:endParaRPr>
+          </a:p>
+          <a:p>
+            <a:endParaRPr b="0" lang="en-US" sz="1000" spc="-1" strike="noStrike">
+              <a:latin typeface="Times New Roman"/>
+            </a:endParaRPr>
+          </a:p>
+          <a:p>
+            <a:r>
+              <a:rPr b="0" lang="en-US" sz="1000" spc="-1" strike="noStrike">
+                <a:solidFill>
+                  <a:srgbClr val="808080"/>
+                </a:solidFill>
+                <a:latin typeface="Times New Roman"/>
+              </a:rPr>
+              <a:t>#include "Data/SpDataAccessMode.hpp"</a:t>
+            </a:r>
+            <a:endParaRPr b="0" lang="en-US" sz="1000" spc="-1" strike="noStrike">
+              <a:latin typeface="Times New Roman"/>
+            </a:endParaRPr>
+          </a:p>
+          <a:p>
+            <a:r>
+              <a:rPr b="0" lang="en-US" sz="1000" spc="-1" strike="noStrike">
+                <a:solidFill>
+                  <a:srgbClr val="808080"/>
+                </a:solidFill>
+                <a:latin typeface="Times New Roman"/>
+              </a:rPr>
+              <a:t>#include "Utils/SpUtils.hpp"</a:t>
+            </a:r>
+            <a:endParaRPr b="0" lang="en-US" sz="1000" spc="-1" strike="noStrike">
+              <a:latin typeface="Times New Roman"/>
+            </a:endParaRPr>
+          </a:p>
+          <a:p>
+            <a:r>
+              <a:rPr b="0" lang="en-US" sz="1000" spc="-1" strike="noStrike">
+                <a:solidFill>
+                  <a:srgbClr val="808080"/>
+                </a:solidFill>
+                <a:latin typeface="Times New Roman"/>
+              </a:rPr>
+              <a:t>#include "Task/SpTask.hpp"</a:t>
+            </a:r>
+            <a:endParaRPr b="0" lang="en-US" sz="1000" spc="-1" strike="noStrike">
+              <a:latin typeface="Times New Roman"/>
+            </a:endParaRPr>
+          </a:p>
+          <a:p>
+            <a:r>
+              <a:rPr b="0" lang="en-US" sz="1000" spc="-1" strike="noStrike">
+                <a:solidFill>
+                  <a:srgbClr val="808080"/>
+                </a:solidFill>
+                <a:latin typeface="Times New Roman"/>
+              </a:rPr>
+              <a:t>#include "Legacy/SpRuntime.hpp"</a:t>
+            </a:r>
+            <a:endParaRPr b="0" lang="en-US" sz="1000" spc="-1" strike="noStrike">
+              <a:latin typeface="Times New Roman"/>
+            </a:endParaRPr>
+          </a:p>
+          <a:p>
+            <a:r>
+              <a:rPr b="0" lang="en-US" sz="1000" spc="-1" strike="noStrike">
+                <a:solidFill>
+                  <a:srgbClr val="808080"/>
+                </a:solidFill>
+                <a:latin typeface="Times New Roman"/>
+              </a:rPr>
+              <a:t>#include "Utils/SpBufferDataView.hpp"</a:t>
+            </a:r>
+            <a:endParaRPr b="0" lang="en-US" sz="1000" spc="-1" strike="noStrike">
+              <a:latin typeface="Times New Roman"/>
+            </a:endParaRPr>
+          </a:p>
+          <a:p>
+            <a:r>
+              <a:rPr b="0" lang="en-US" sz="1000" spc="-1" strike="noStrike">
+                <a:solidFill>
+                  <a:srgbClr val="808080"/>
+                </a:solidFill>
+                <a:latin typeface="Times New Roman"/>
+              </a:rPr>
+              <a:t>#include "Utils/SpHeapBuffer.hpp"</a:t>
+            </a:r>
+            <a:endParaRPr b="0" lang="en-US" sz="1000" spc="-1" strike="noStrike">
+              <a:latin typeface="Times New Roman"/>
+            </a:endParaRPr>
+          </a:p>
+          <a:p>
+            <a:r>
+              <a:rPr b="0" lang="en-US" sz="1000" spc="-1" strike="noStrike">
+                <a:solidFill>
+                  <a:srgbClr val="808080"/>
+                </a:solidFill>
+                <a:latin typeface="Times New Roman"/>
+              </a:rPr>
+              <a:t>#include "Utils/small_vector.hpp"</a:t>
+            </a:r>
+            <a:endParaRPr b="0" lang="en-US" sz="1000" spc="-1" strike="noStrike">
+              <a:latin typeface="Times New Roman"/>
+            </a:endParaRPr>
+          </a:p>
+          <a:p>
+            <a:endParaRPr b="0" lang="en-US" sz="1000" spc="-1" strike="noStrike">
+              <a:latin typeface="Times New Roman"/>
+            </a:endParaRPr>
+          </a:p>
+          <a:p>
+            <a:r>
+              <a:rPr b="0" lang="en-US" sz="1000" spc="-1" strike="noStrike">
+                <a:latin typeface="Times New Roman"/>
+              </a:rPr>
+              <a:t>int main(){</a:t>
+            </a:r>
+            <a:endParaRPr b="0" lang="en-US" sz="1000" spc="-1" strike="noStrike">
+              <a:latin typeface="Times New Roman"/>
+            </a:endParaRPr>
+          </a:p>
+          <a:p>
+            <a:r>
+              <a:rPr b="0" lang="en-US" sz="1000" spc="-1" strike="noStrike">
+                <a:latin typeface="Times New Roman"/>
+              </a:rPr>
+              <a:t>    </a:t>
+            </a:r>
+            <a:r>
+              <a:rPr b="0" lang="en-US" sz="1000" spc="-1" strike="noStrike">
+                <a:latin typeface="Times New Roman"/>
+              </a:rPr>
+              <a:t>const int NumThreads =</a:t>
+            </a:r>
+            <a:r>
+              <a:rPr b="1" lang="en-US" sz="1000" spc="-1" strike="noStrike">
+                <a:solidFill>
+                  <a:srgbClr val="ff0000"/>
+                </a:solidFill>
+                <a:latin typeface="Times New Roman"/>
+              </a:rPr>
+              <a:t> SpUtils::DefaultNumThreads</a:t>
+            </a:r>
+            <a:r>
+              <a:rPr b="0" lang="en-US" sz="1000" spc="-1" strike="noStrike">
+                <a:latin typeface="Times New Roman"/>
+              </a:rPr>
+              <a:t>();</a:t>
+            </a:r>
+            <a:endParaRPr b="0" lang="en-US" sz="1000" spc="-1" strike="noStrike">
+              <a:latin typeface="Times New Roman"/>
+            </a:endParaRPr>
+          </a:p>
+          <a:p>
+            <a:r>
+              <a:rPr b="0" lang="en-US" sz="1000" spc="-1" strike="noStrike">
+                <a:latin typeface="Times New Roman"/>
+              </a:rPr>
+              <a:t>    </a:t>
+            </a:r>
+            <a:r>
+              <a:rPr b="1" lang="en-US" sz="1000" spc="-1" strike="noStrike">
+                <a:solidFill>
+                  <a:srgbClr val="ff0000"/>
+                </a:solidFill>
+                <a:latin typeface="Times New Roman"/>
+              </a:rPr>
+              <a:t>SpRuntime</a:t>
+            </a:r>
+            <a:r>
+              <a:rPr b="0" lang="en-US" sz="1000" spc="-1" strike="noStrike">
+                <a:latin typeface="Times New Roman"/>
+              </a:rPr>
+              <a:t> runtime(NumThreads);</a:t>
+            </a:r>
+            <a:endParaRPr b="0" lang="en-US" sz="1000" spc="-1" strike="noStrike">
+              <a:latin typeface="Times New Roman"/>
+            </a:endParaRPr>
+          </a:p>
+          <a:p>
+            <a:endParaRPr b="0" lang="en-US" sz="1000" spc="-1" strike="noStrike">
+              <a:latin typeface="Times New Roman"/>
+            </a:endParaRPr>
+          </a:p>
+          <a:p>
+            <a:r>
+              <a:rPr b="0" lang="en-US" sz="1000" spc="-1" strike="noStrike">
+                <a:latin typeface="Times New Roman"/>
+              </a:rPr>
+              <a:t>    </a:t>
+            </a:r>
+            <a:r>
+              <a:rPr b="1" lang="en-US" sz="1000" spc="-1" strike="noStrike">
+                <a:solidFill>
+                  <a:srgbClr val="ff0000"/>
+                </a:solidFill>
+                <a:latin typeface="Times New Roman"/>
+              </a:rPr>
+              <a:t>SpHeapBuffer&lt;small_vector&lt;int&gt;&gt;</a:t>
+            </a:r>
+            <a:r>
+              <a:rPr b="0" lang="en-US" sz="1000" spc="-1" strike="noStrike">
+                <a:latin typeface="Times New Roman"/>
+              </a:rPr>
+              <a:t> heapBuffer;</a:t>
+            </a:r>
+            <a:endParaRPr b="0" lang="en-US" sz="1000" spc="-1" strike="noStrike">
+              <a:latin typeface="Times New Roman"/>
+            </a:endParaRPr>
+          </a:p>
+          <a:p>
+            <a:endParaRPr b="0" lang="en-US" sz="1000" spc="-1" strike="noStrike">
+              <a:latin typeface="Times New Roman"/>
+            </a:endParaRPr>
+          </a:p>
+          <a:p>
+            <a:r>
+              <a:rPr b="0" lang="en-US" sz="1000" spc="-1" strike="noStrike">
+                <a:latin typeface="Times New Roman"/>
+              </a:rPr>
+              <a:t>    </a:t>
+            </a:r>
+            <a:r>
+              <a:rPr b="0" lang="en-US" sz="1000" spc="-1" strike="noStrike">
+                <a:latin typeface="Times New Roman"/>
+              </a:rPr>
+              <a:t>for(int idx = 0 ; idx &lt; 5 ; ++idx){</a:t>
+            </a:r>
+            <a:endParaRPr b="0" lang="en-US" sz="1000" spc="-1" strike="noStrike">
+              <a:latin typeface="Times New Roman"/>
+            </a:endParaRPr>
+          </a:p>
+          <a:p>
+            <a:r>
+              <a:rPr b="0" lang="en-US" sz="1000" spc="-1" strike="noStrike">
+                <a:latin typeface="Times New Roman"/>
+              </a:rPr>
+              <a:t>        </a:t>
+            </a:r>
+            <a:r>
+              <a:rPr b="0" lang="en-US" sz="1000" spc="-1" strike="noStrike">
+                <a:latin typeface="Times New Roman"/>
+              </a:rPr>
+              <a:t>auto vectorBuffer = heapBuffer.getNewBuffer();</a:t>
+            </a:r>
+            <a:endParaRPr b="0" lang="en-US" sz="1000" spc="-1" strike="noStrike">
+              <a:latin typeface="Times New Roman"/>
+            </a:endParaRPr>
+          </a:p>
+          <a:p>
+            <a:endParaRPr b="0" lang="en-US" sz="1000" spc="-1" strike="noStrike">
+              <a:latin typeface="Times New Roman"/>
+            </a:endParaRPr>
+          </a:p>
+          <a:p>
+            <a:r>
+              <a:rPr b="0" lang="en-US" sz="1000" spc="-1" strike="noStrike">
+                <a:latin typeface="Times New Roman"/>
+              </a:rPr>
+              <a:t>     </a:t>
+            </a:r>
+            <a:r>
+              <a:rPr b="1" lang="en-US" sz="1000" spc="-1" strike="noStrike">
+                <a:latin typeface="Times New Roman"/>
+              </a:rPr>
+              <a:t>   </a:t>
+            </a:r>
+            <a:r>
+              <a:rPr b="1" lang="en-US" sz="1000" spc="-1" strike="noStrike">
+                <a:latin typeface="Times New Roman"/>
+              </a:rPr>
+              <a:t>runtime.task</a:t>
+            </a:r>
+            <a:r>
+              <a:rPr b="0" lang="en-US" sz="1000" spc="-1" strike="noStrike">
+                <a:latin typeface="Times New Roman"/>
+              </a:rPr>
+              <a:t>(</a:t>
+            </a:r>
+            <a:r>
+              <a:rPr b="1" lang="en-US" sz="1000" spc="-1" strike="noStrike">
+                <a:solidFill>
+                  <a:srgbClr val="ff0000"/>
+                </a:solidFill>
+                <a:latin typeface="Times New Roman"/>
+              </a:rPr>
+              <a:t>SpWrite</a:t>
+            </a:r>
+            <a:r>
+              <a:rPr b="0" lang="en-US" sz="1000" spc="-1" strike="noStrike">
+                <a:latin typeface="Times New Roman"/>
+              </a:rPr>
+              <a:t>(vectorBuffer.getDataDep()),</a:t>
+            </a:r>
+            <a:endParaRPr b="0" lang="en-US" sz="1000" spc="-1" strike="noStrike">
+              <a:latin typeface="Times New Roman"/>
+            </a:endParaRPr>
+          </a:p>
+          <a:p>
+            <a:r>
+              <a:rPr b="0" lang="en-US" sz="1000" spc="-1" strike="noStrike">
+                <a:latin typeface="Times New Roman"/>
+              </a:rPr>
+              <a:t>          </a:t>
+            </a:r>
+            <a:r>
+              <a:rPr b="0" lang="en-US" sz="1000" spc="-1" strike="noStrike">
+                <a:latin typeface="Times New Roman"/>
+              </a:rPr>
+              <a:t>[](SpDataBuffer&lt;small_vector&lt;int&gt;&gt; /*vector*/){</a:t>
+            </a:r>
+            <a:endParaRPr b="0" lang="en-US" sz="1000" spc="-1" strike="noStrike">
+              <a:latin typeface="Times New Roman"/>
+            </a:endParaRPr>
+          </a:p>
+          <a:p>
+            <a:r>
+              <a:rPr b="0" lang="en-US" sz="1000" spc="-1" strike="noStrike">
+                <a:latin typeface="Times New Roman"/>
+              </a:rPr>
+              <a:t>        </a:t>
+            </a:r>
+            <a:r>
+              <a:rPr b="0" lang="en-US" sz="1000" spc="-1" strike="noStrike">
+                <a:latin typeface="Times New Roman"/>
+              </a:rPr>
+              <a:t>});</a:t>
+            </a:r>
+            <a:endParaRPr b="0" lang="en-US" sz="1000" spc="-1" strike="noStrike">
+              <a:latin typeface="Times New Roman"/>
+            </a:endParaRPr>
+          </a:p>
+          <a:p>
+            <a:r>
+              <a:rPr b="0" lang="en-US" sz="1000" spc="-1" strike="noStrike">
+                <a:latin typeface="Times New Roman"/>
+              </a:rPr>
+              <a:t>        </a:t>
+            </a:r>
+            <a:endParaRPr b="0" lang="en-US" sz="1000" spc="-1" strike="noStrike">
+              <a:latin typeface="Times New Roman"/>
+            </a:endParaRPr>
+          </a:p>
+          <a:p>
+            <a:r>
+              <a:rPr b="0" lang="en-US" sz="1000" spc="-1" strike="noStrike">
+                <a:latin typeface="Times New Roman"/>
+              </a:rPr>
+              <a:t>        </a:t>
+            </a:r>
+            <a:r>
+              <a:rPr b="0" lang="en-US" sz="1000" spc="-1" strike="noStrike">
+                <a:latin typeface="Times New Roman"/>
+              </a:rPr>
+              <a:t>for(int idxSub = 0 ; idxSub &lt; 3 ; ++idxSub){</a:t>
+            </a:r>
+            <a:endParaRPr b="0" lang="en-US" sz="1000" spc="-1" strike="noStrike">
+              <a:latin typeface="Times New Roman"/>
+            </a:endParaRPr>
+          </a:p>
+          <a:p>
+            <a:r>
+              <a:rPr b="0" lang="en-US" sz="1000" spc="-1" strike="noStrike">
+                <a:latin typeface="Times New Roman"/>
+              </a:rPr>
+              <a:t>           </a:t>
+            </a:r>
+            <a:r>
+              <a:rPr b="1" lang="en-US" sz="1000" spc="-1" strike="noStrike">
+                <a:latin typeface="Times New Roman"/>
+              </a:rPr>
+              <a:t> </a:t>
+            </a:r>
+            <a:r>
+              <a:rPr b="1" lang="en-US" sz="1000" spc="-1" strike="noStrike">
+                <a:latin typeface="Times New Roman"/>
+              </a:rPr>
+              <a:t>runtime.task</a:t>
+            </a:r>
+            <a:r>
+              <a:rPr b="0" lang="en-US" sz="1000" spc="-1" strike="noStrike">
+                <a:latin typeface="Times New Roman"/>
+              </a:rPr>
+              <a:t>(</a:t>
+            </a:r>
+            <a:r>
+              <a:rPr b="1" lang="en-US" sz="1000" spc="-1" strike="noStrike">
+                <a:solidFill>
+                  <a:srgbClr val="ff0000"/>
+                </a:solidFill>
+                <a:latin typeface="Times New Roman"/>
+              </a:rPr>
+              <a:t>SpRead</a:t>
+            </a:r>
+            <a:r>
+              <a:rPr b="0" lang="en-US" sz="1000" spc="-1" strike="noStrike">
+                <a:latin typeface="Times New Roman"/>
+              </a:rPr>
+              <a:t>(vectorBuffer.getDataDep()),</a:t>
+            </a:r>
+            <a:endParaRPr b="0" lang="en-US" sz="1000" spc="-1" strike="noStrike">
+              <a:latin typeface="Times New Roman"/>
+            </a:endParaRPr>
+          </a:p>
+          <a:p>
+            <a:r>
+              <a:rPr b="0" lang="en-US" sz="1000" spc="-1" strike="noStrike">
+                <a:latin typeface="Times New Roman"/>
+              </a:rPr>
+              <a:t>                         </a:t>
+            </a:r>
+            <a:r>
+              <a:rPr b="0" lang="en-US" sz="1000" spc="-1" strike="noStrike">
+                <a:latin typeface="Times New Roman"/>
+              </a:rPr>
+              <a:t>[](const </a:t>
+            </a:r>
+            <a:r>
+              <a:rPr b="1" lang="en-US" sz="1000" spc="-1" strike="noStrike">
+                <a:solidFill>
+                  <a:srgbClr val="c9211e"/>
+                </a:solidFill>
+                <a:latin typeface="Times New Roman"/>
+              </a:rPr>
+              <a:t>SpDataBuffer</a:t>
+            </a:r>
+            <a:r>
+              <a:rPr b="0" lang="en-US" sz="1000" spc="-1" strike="noStrike">
+                <a:latin typeface="Times New Roman"/>
+              </a:rPr>
+              <a:t>&lt;small_vector&lt;int&gt;&gt; /*vector*/){</a:t>
+            </a:r>
+            <a:endParaRPr b="0" lang="en-US" sz="1000" spc="-1" strike="noStrike">
+              <a:latin typeface="Times New Roman"/>
+            </a:endParaRPr>
+          </a:p>
+          <a:p>
+            <a:r>
+              <a:rPr b="0" lang="en-US" sz="1000" spc="-1" strike="noStrike">
+                <a:latin typeface="Times New Roman"/>
+              </a:rPr>
+              <a:t>            </a:t>
+            </a:r>
+            <a:r>
+              <a:rPr b="0" lang="en-US" sz="1000" spc="-1" strike="noStrike">
+                <a:latin typeface="Times New Roman"/>
+              </a:rPr>
+              <a:t>});</a:t>
+            </a:r>
+            <a:endParaRPr b="0" lang="en-US" sz="1000" spc="-1" strike="noStrike">
+              <a:latin typeface="Times New Roman"/>
+            </a:endParaRPr>
+          </a:p>
+          <a:p>
+            <a:r>
+              <a:rPr b="0" lang="en-US" sz="1000" spc="-1" strike="noStrike">
+                <a:latin typeface="Times New Roman"/>
+              </a:rPr>
+              <a:t>        </a:t>
+            </a:r>
+            <a:r>
+              <a:rPr b="0" lang="en-US" sz="1000" spc="-1" strike="noStrike">
+                <a:latin typeface="Times New Roman"/>
+              </a:rPr>
+              <a:t>}</a:t>
+            </a:r>
+            <a:endParaRPr b="0" lang="en-US" sz="1000" spc="-1" strike="noStrike">
+              <a:latin typeface="Times New Roman"/>
+            </a:endParaRPr>
+          </a:p>
+          <a:p>
+            <a:r>
+              <a:rPr b="0" lang="en-US" sz="1000" spc="-1" strike="noStrike">
+                <a:latin typeface="Times New Roman"/>
+              </a:rPr>
+              <a:t>    </a:t>
+            </a:r>
+            <a:r>
+              <a:rPr b="0" lang="en-US" sz="1000" spc="-1" strike="noStrike">
+                <a:latin typeface="Times New Roman"/>
+              </a:rPr>
+              <a:t>}</a:t>
+            </a:r>
+            <a:endParaRPr b="0" lang="en-US" sz="1000" spc="-1" strike="noStrike">
+              <a:latin typeface="Times New Roman"/>
+            </a:endParaRPr>
+          </a:p>
+        </p:txBody>
+      </p:sp>
+      <p:sp>
+        <p:nvSpPr>
+          <p:cNvPr id="96" name=""/>
+          <p:cNvSpPr txBox="1"/>
+          <p:nvPr/>
+        </p:nvSpPr>
+        <p:spPr>
+          <a:xfrm>
+            <a:off x="5076000" y="3600000"/>
+            <a:ext cx="4640760" cy="1770840"/>
+          </a:xfrm>
+          <a:prstGeom prst="rect">
+            <a:avLst/>
+          </a:prstGeom>
+          <a:noFill/>
+          <a:ln w="0">
+            <a:noFill/>
+          </a:ln>
+        </p:spPr>
+        <p:txBody>
+          <a:bodyPr lIns="90000" rIns="90000" tIns="45000" bIns="45000" anchor="t">
+            <a:noAutofit/>
+          </a:bodyPr>
+          <a:p>
+            <a:r>
+              <a:rPr b="1" lang="en-US" sz="1000" spc="-1" strike="noStrike">
+                <a:latin typeface="Times New Roman"/>
+              </a:rPr>
+              <a:t>    </a:t>
+            </a:r>
+            <a:r>
+              <a:rPr b="1" lang="en-US" sz="1000" spc="-1" strike="noStrike">
+                <a:latin typeface="Times New Roman"/>
+              </a:rPr>
+              <a:t>runtime.waitAllTasks</a:t>
+            </a:r>
+            <a:r>
+              <a:rPr b="0" lang="en-US" sz="1000" spc="-1" strike="noStrike">
+                <a:latin typeface="Times New Roman"/>
+              </a:rPr>
+              <a:t>();</a:t>
+            </a:r>
+            <a:endParaRPr b="0" lang="en-US" sz="1000" spc="-1" strike="noStrike">
+              <a:latin typeface="Times New Roman"/>
+            </a:endParaRPr>
+          </a:p>
+          <a:p>
+            <a:endParaRPr b="0" lang="en-US" sz="1000" spc="-1" strike="noStrike">
+              <a:latin typeface="Times New Roman"/>
+            </a:endParaRPr>
+          </a:p>
+          <a:p>
+            <a:r>
+              <a:rPr b="1" lang="en-US" sz="1000" spc="-1" strike="noStrike">
+                <a:latin typeface="Times New Roman"/>
+              </a:rPr>
+              <a:t>    </a:t>
+            </a:r>
+            <a:r>
+              <a:rPr b="1" lang="en-US" sz="1000" spc="-1" strike="noStrike">
+                <a:latin typeface="Times New Roman"/>
+              </a:rPr>
+              <a:t>runtime.stopAllThread</a:t>
+            </a:r>
+            <a:r>
+              <a:rPr b="0" lang="en-US" sz="1000" spc="-1" strike="noStrike">
+                <a:latin typeface="Times New Roman"/>
+              </a:rPr>
+              <a:t>s();</a:t>
+            </a:r>
+            <a:endParaRPr b="0" lang="en-US" sz="1000" spc="-1" strike="noStrike">
+              <a:latin typeface="Times New Roman"/>
+            </a:endParaRPr>
+          </a:p>
+          <a:p>
+            <a:endParaRPr b="0" lang="en-US" sz="1000" spc="-1" strike="noStrike">
+              <a:latin typeface="Times New Roman"/>
+            </a:endParaRPr>
+          </a:p>
+          <a:p>
+            <a:r>
+              <a:rPr b="0" lang="en-US" sz="1000" spc="-1" strike="noStrike">
+                <a:latin typeface="Times New Roman"/>
+              </a:rPr>
+              <a:t>    </a:t>
+            </a:r>
+            <a:r>
+              <a:rPr b="0" lang="en-US" sz="1000" spc="-1" strike="noStrike">
+                <a:latin typeface="Times New Roman"/>
+              </a:rPr>
+              <a:t>// We generate the task graph corresponding to the execution </a:t>
+            </a:r>
+            <a:endParaRPr b="0" lang="en-US" sz="1000" spc="-1" strike="noStrike">
+              <a:latin typeface="Times New Roman"/>
+            </a:endParaRPr>
+          </a:p>
+          <a:p>
+            <a:r>
+              <a:rPr b="1" lang="en-US" sz="1000" spc="-1" strike="noStrike">
+                <a:latin typeface="Times New Roman"/>
+              </a:rPr>
+              <a:t>    </a:t>
+            </a:r>
+            <a:r>
+              <a:rPr b="1" lang="en-US" sz="1000" spc="-1" strike="noStrike">
+                <a:latin typeface="Times New Roman"/>
+              </a:rPr>
+              <a:t>runtime.generateDot</a:t>
+            </a:r>
+            <a:r>
+              <a:rPr b="0" lang="en-US" sz="1000" spc="-1" strike="noStrike">
+                <a:latin typeface="Times New Roman"/>
+              </a:rPr>
+              <a:t>("Result.dot", true);</a:t>
+            </a:r>
+            <a:endParaRPr b="0" lang="en-US" sz="1000" spc="-1" strike="noStrike">
+              <a:latin typeface="Times New Roman"/>
+            </a:endParaRPr>
+          </a:p>
+          <a:p>
+            <a:r>
+              <a:rPr b="0" lang="en-US" sz="1000" spc="-1" strike="noStrike">
+                <a:latin typeface="Times New Roman"/>
+              </a:rPr>
+              <a:t>    </a:t>
+            </a:r>
+            <a:endParaRPr b="0" lang="en-US" sz="1000" spc="-1" strike="noStrike">
+              <a:latin typeface="Times New Roman"/>
+            </a:endParaRPr>
+          </a:p>
+          <a:p>
+            <a:r>
+              <a:rPr b="0" lang="en-US" sz="1000" spc="-1" strike="noStrike">
+                <a:latin typeface="Times New Roman"/>
+              </a:rPr>
+              <a:t>    </a:t>
+            </a:r>
+            <a:r>
+              <a:rPr b="0" lang="en-US" sz="1000" spc="-1" strike="noStrike">
+                <a:latin typeface="Times New Roman"/>
+              </a:rPr>
+              <a:t>// We generate an Svg trace of the execution</a:t>
+            </a:r>
+            <a:endParaRPr b="0" lang="en-US" sz="1000" spc="-1" strike="noStrike">
+              <a:latin typeface="Times New Roman"/>
+            </a:endParaRPr>
+          </a:p>
+          <a:p>
+            <a:r>
+              <a:rPr b="0" lang="en-US" sz="1000" spc="-1" strike="noStrike">
+                <a:latin typeface="Times New Roman"/>
+              </a:rPr>
+              <a:t>    </a:t>
+            </a:r>
+            <a:r>
+              <a:rPr b="1" lang="en-US" sz="1000" spc="-1" strike="noStrike">
+                <a:latin typeface="Times New Roman"/>
+              </a:rPr>
+              <a:t>runtime.generateTrace</a:t>
+            </a:r>
+            <a:r>
+              <a:rPr b="0" lang="en-US" sz="1000" spc="-1" strike="noStrike">
+                <a:latin typeface="Times New Roman"/>
+              </a:rPr>
+              <a:t>("Result.svg");</a:t>
+            </a:r>
+            <a:endParaRPr b="0" lang="en-US" sz="1000" spc="-1" strike="noStrike">
+              <a:latin typeface="Times New Roman"/>
+            </a:endParaRPr>
+          </a:p>
+          <a:p>
+            <a:endParaRPr b="0" lang="en-US" sz="1000" spc="-1" strike="noStrike">
+              <a:latin typeface="Times New Roman"/>
+            </a:endParaRPr>
+          </a:p>
+          <a:p>
+            <a:r>
+              <a:rPr b="0" lang="en-US" sz="1000" spc="-1" strike="noStrike">
+                <a:latin typeface="Times New Roman"/>
+              </a:rPr>
+              <a:t>    </a:t>
+            </a:r>
+            <a:r>
+              <a:rPr b="0" lang="en-US" sz="1000" spc="-1" strike="noStrike">
+                <a:latin typeface="Times New Roman"/>
+              </a:rPr>
+              <a:t>return 0;</a:t>
+            </a:r>
+            <a:endParaRPr b="0" lang="en-US" sz="1000" spc="-1" strike="noStrike">
+              <a:latin typeface="Times New Roman"/>
+            </a:endParaRPr>
+          </a:p>
+          <a:p>
+            <a:r>
+              <a:rPr b="0" lang="en-US" sz="1000" spc="-1" strike="noStrike">
+                <a:latin typeface="Times New Roman"/>
+              </a:rPr>
+              <a:t>}</a:t>
+            </a:r>
+            <a:endParaRPr b="0" lang="en-US" sz="1000" spc="-1" strike="noStrike">
+              <a:latin typeface="Times New Roman"/>
+            </a:endParaRPr>
+          </a:p>
+        </p:txBody>
+      </p:sp>
+      <p:pic>
+        <p:nvPicPr>
+          <p:cNvPr id="97" name="" descr=""/>
+          <p:cNvPicPr/>
+          <p:nvPr/>
+        </p:nvPicPr>
+        <p:blipFill>
+          <a:blip r:embed="rId2"/>
+          <a:stretch/>
+        </p:blipFill>
+        <p:spPr>
+          <a:xfrm>
+            <a:off x="5184000" y="1260000"/>
+            <a:ext cx="4680000" cy="2340000"/>
           </a:xfrm>
           <a:prstGeom prst="rect">
             <a:avLst/>
@@ -5610,6 +6226,920 @@
           <a:chExt cx="0" cy="0"/>
         </a:xfrm>
       </p:grpSpPr>
+      <p:sp>
+        <p:nvSpPr>
+          <p:cNvPr id="98" name="PlaceHolder 14"/>
+          <p:cNvSpPr/>
+          <p:nvPr/>
+        </p:nvSpPr>
+        <p:spPr>
+          <a:xfrm>
+            <a:off x="344160" y="226440"/>
+            <a:ext cx="9354600" cy="713520"/>
+          </a:xfrm>
+          <a:prstGeom prst="rect">
+            <a:avLst/>
+          </a:prstGeom>
+          <a:noFill/>
+          <a:ln w="0">
+            <a:noFill/>
+          </a:ln>
+        </p:spPr>
+        <p:style>
+          <a:lnRef idx="0"/>
+          <a:fillRef idx="0"/>
+          <a:effectRef idx="0"/>
+          <a:fontRef idx="minor"/>
+        </p:style>
+        <p:txBody>
+          <a:bodyPr lIns="0" rIns="0" tIns="0" bIns="0" anchor="ctr">
+            <a:noAutofit/>
+          </a:bodyPr>
+          <a:p>
+            <a:pPr>
+              <a:lnSpc>
+                <a:spcPct val="100000"/>
+              </a:lnSpc>
+              <a:buNone/>
+              <a:tabLst>
+                <a:tab algn="l" pos="0"/>
+              </a:tabLst>
+            </a:pPr>
+            <a:r>
+              <a:rPr b="1" lang="en-US" sz="2700" spc="-1" strike="noStrike">
+                <a:solidFill>
+                  <a:srgbClr val="ffffff"/>
+                </a:solidFill>
+                <a:latin typeface="Source Sans Pro Black"/>
+                <a:ea typeface="DejaVu Sans"/>
+              </a:rPr>
+              <a:t>SPECX: Exemple Speculation Model </a:t>
+            </a:r>
+            <a:endParaRPr b="0" lang="en-US" sz="2700" spc="-1" strike="noStrike">
+              <a:latin typeface="Arial"/>
+            </a:endParaRPr>
+          </a:p>
+        </p:txBody>
+      </p:sp>
+      <p:pic>
+        <p:nvPicPr>
+          <p:cNvPr id="99" name="" descr=""/>
+          <p:cNvPicPr/>
+          <p:nvPr/>
+        </p:nvPicPr>
+        <p:blipFill>
+          <a:blip r:embed="rId1"/>
+          <a:stretch/>
+        </p:blipFill>
+        <p:spPr>
+          <a:xfrm>
+            <a:off x="8984160" y="61560"/>
+            <a:ext cx="1015560" cy="1015560"/>
+          </a:xfrm>
+          <a:prstGeom prst="rect">
+            <a:avLst/>
+          </a:prstGeom>
+          <a:ln w="0">
+            <a:noFill/>
+          </a:ln>
+        </p:spPr>
+      </p:pic>
+      <p:sp>
+        <p:nvSpPr>
+          <p:cNvPr id="100" name=""/>
+          <p:cNvSpPr txBox="1"/>
+          <p:nvPr/>
+        </p:nvSpPr>
+        <p:spPr>
+          <a:xfrm>
+            <a:off x="180000" y="1203120"/>
+            <a:ext cx="4500000" cy="4291560"/>
+          </a:xfrm>
+          <a:prstGeom prst="rect">
+            <a:avLst/>
+          </a:prstGeom>
+          <a:noFill/>
+          <a:ln w="0">
+            <a:noFill/>
+          </a:ln>
+        </p:spPr>
+        <p:txBody>
+          <a:bodyPr lIns="90000" rIns="90000" tIns="45000" bIns="45000" anchor="t">
+            <a:noAutofit/>
+          </a:bodyPr>
+          <a:p>
+            <a:r>
+              <a:rPr b="0" lang="en-US" sz="1000" spc="-1" strike="noStrike">
+                <a:solidFill>
+                  <a:srgbClr val="808080"/>
+                </a:solidFill>
+                <a:latin typeface="Times New Roman"/>
+              </a:rPr>
+              <a:t>#include "Task/SpPriority.hpp"</a:t>
+            </a:r>
+            <a:endParaRPr b="0" lang="en-US" sz="1000" spc="-1" strike="noStrike">
+              <a:latin typeface="Times New Roman"/>
+            </a:endParaRPr>
+          </a:p>
+          <a:p>
+            <a:r>
+              <a:rPr b="0" lang="en-US" sz="1000" spc="-1" strike="noStrike">
+                <a:solidFill>
+                  <a:srgbClr val="808080"/>
+                </a:solidFill>
+                <a:latin typeface="Times New Roman"/>
+              </a:rPr>
+              <a:t>#include "Task/SpProbability.hpp"</a:t>
+            </a:r>
+            <a:endParaRPr b="0" lang="en-US" sz="1000" spc="-1" strike="noStrike">
+              <a:latin typeface="Times New Roman"/>
+            </a:endParaRPr>
+          </a:p>
+          <a:p>
+            <a:r>
+              <a:rPr b="0" lang="en-US" sz="1000" spc="-1" strike="noStrike">
+                <a:solidFill>
+                  <a:srgbClr val="808080"/>
+                </a:solidFill>
+                <a:latin typeface="Times New Roman"/>
+              </a:rPr>
+              <a:t>#include "Legacy/SpRuntime.hpp" ……….</a:t>
+            </a:r>
+            <a:endParaRPr b="0" lang="en-US" sz="1000" spc="-1" strike="noStrike">
+              <a:latin typeface="Times New Roman"/>
+            </a:endParaRPr>
+          </a:p>
+          <a:p>
+            <a:endParaRPr b="0" lang="en-US" sz="1000" spc="-1" strike="noStrike">
+              <a:latin typeface="Times New Roman"/>
+            </a:endParaRPr>
+          </a:p>
+          <a:p>
+            <a:r>
+              <a:rPr b="1" lang="en-US" sz="1000" spc="-1" strike="noStrike">
+                <a:latin typeface="Times New Roman"/>
+              </a:rPr>
+              <a:t>[[maybe_unused]] const size_t seedSpeculationSuccess = 42;</a:t>
+            </a:r>
+            <a:endParaRPr b="0" lang="en-US" sz="1000" spc="-1" strike="noStrike">
+              <a:latin typeface="Times New Roman"/>
+            </a:endParaRPr>
+          </a:p>
+          <a:p>
+            <a:r>
+              <a:rPr b="1" lang="en-US" sz="1000" spc="-1" strike="noStrike">
+                <a:latin typeface="Times New Roman"/>
+              </a:rPr>
+              <a:t>[[maybe_unused]] const size_t seedSpeculationFailure = 0;</a:t>
+            </a:r>
+            <a:endParaRPr b="0" lang="en-US" sz="1000" spc="-1" strike="noStrike">
+              <a:latin typeface="Times New Roman"/>
+            </a:endParaRPr>
+          </a:p>
+          <a:p>
+            <a:r>
+              <a:rPr b="1" lang="en-US" sz="1000" spc="-1" strike="noStrike">
+                <a:latin typeface="Times New Roman"/>
+              </a:rPr>
+              <a:t>const size_t seed = </a:t>
+            </a:r>
+            <a:r>
+              <a:rPr b="1" lang="en-US" sz="1000" spc="-1" strike="noStrike">
+                <a:solidFill>
+                  <a:srgbClr val="bf0041"/>
+                </a:solidFill>
+                <a:latin typeface="Times New Roman"/>
+              </a:rPr>
+              <a:t>seedSpeculationSuccess;</a:t>
+            </a:r>
+            <a:endParaRPr b="0" lang="en-US" sz="1000" spc="-1" strike="noStrike">
+              <a:latin typeface="Times New Roman"/>
+            </a:endParaRPr>
+          </a:p>
+          <a:p>
+            <a:endParaRPr b="0" lang="en-US" sz="1000" spc="-1" strike="noStrike">
+              <a:latin typeface="Times New Roman"/>
+            </a:endParaRPr>
+          </a:p>
+          <a:p>
+            <a:r>
+              <a:rPr b="0" lang="en-US" sz="1000" spc="-1" strike="noStrike">
+                <a:latin typeface="Times New Roman"/>
+              </a:rPr>
+              <a:t>int main([[maybe_unused]] int argc, [[maybe_unused]] char *argv[]){</a:t>
+            </a:r>
+            <a:endParaRPr b="0" lang="en-US" sz="1000" spc="-1" strike="noStrike">
+              <a:latin typeface="Times New Roman"/>
+            </a:endParaRPr>
+          </a:p>
+          <a:p>
+            <a:r>
+              <a:rPr b="0" lang="en-US" sz="1000" spc="-1" strike="noStrike">
+                <a:solidFill>
+                  <a:srgbClr val="666666"/>
+                </a:solidFill>
+                <a:latin typeface="Times New Roman"/>
+              </a:rPr>
+              <a:t>// First we instantiate a runtime object and we specify that the runtime should use</a:t>
+            </a:r>
+            <a:endParaRPr b="0" lang="en-US" sz="1000" spc="-1" strike="noStrike">
+              <a:latin typeface="Times New Roman"/>
+            </a:endParaRPr>
+          </a:p>
+          <a:p>
+            <a:r>
+              <a:rPr b="0" lang="en-US" sz="1000" spc="-1" strike="noStrike">
+                <a:solidFill>
+                  <a:srgbClr val="666666"/>
+                </a:solidFill>
+                <a:latin typeface="Times New Roman"/>
+              </a:rPr>
+              <a:t>// speculation model 2.</a:t>
+            </a:r>
+            <a:endParaRPr b="0" lang="en-US" sz="1000" spc="-1" strike="noStrike">
+              <a:latin typeface="Times New Roman"/>
+            </a:endParaRPr>
+          </a:p>
+          <a:p>
+            <a:endParaRPr b="0" lang="en-US" sz="1000" spc="-1" strike="noStrike">
+              <a:latin typeface="Times New Roman"/>
+            </a:endParaRPr>
+          </a:p>
+          <a:p>
+            <a:r>
+              <a:rPr b="0" lang="en-US" sz="1000" spc="-1" strike="noStrike">
+                <a:solidFill>
+                  <a:srgbClr val="666666"/>
+                </a:solidFill>
+                <a:latin typeface="Times New Roman"/>
+              </a:rPr>
+              <a:t>/const int NumThreads = SpUtils::DefaultNumThreads();</a:t>
+            </a:r>
+            <a:endParaRPr b="0" lang="en-US" sz="1000" spc="-1" strike="noStrike">
+              <a:latin typeface="Times New Roman"/>
+            </a:endParaRPr>
+          </a:p>
+          <a:p>
+            <a:r>
+              <a:rPr b="0" lang="en-US" sz="1000" spc="-1" strike="noStrike">
+                <a:solidFill>
+                  <a:srgbClr val="666666"/>
+                </a:solidFill>
+                <a:latin typeface="Times New Roman"/>
+              </a:rPr>
+              <a:t>//SpRuntime runtime(NumThreads);</a:t>
+            </a:r>
+            <a:endParaRPr b="0" lang="en-US" sz="1000" spc="-1" strike="noStrike">
+              <a:latin typeface="Times New Roman"/>
+            </a:endParaRPr>
+          </a:p>
+          <a:p>
+            <a:endParaRPr b="0" lang="en-US" sz="1000" spc="-1" strike="noStrike">
+              <a:latin typeface="Times New Roman"/>
+            </a:endParaRPr>
+          </a:p>
+          <a:p>
+            <a:r>
+              <a:rPr b="1" lang="en-US" sz="1000" spc="-1" strike="noStrike">
+                <a:solidFill>
+                  <a:srgbClr val="ff0000"/>
+                </a:solidFill>
+                <a:latin typeface="Times New Roman"/>
+              </a:rPr>
+              <a:t>    </a:t>
+            </a:r>
+            <a:r>
+              <a:rPr b="1" lang="en-US" sz="1000" spc="-1" strike="noStrike">
+                <a:solidFill>
+                  <a:srgbClr val="ff0000"/>
+                </a:solidFill>
+                <a:latin typeface="Times New Roman"/>
+              </a:rPr>
+              <a:t>SpRuntim</a:t>
+            </a:r>
+            <a:r>
+              <a:rPr b="0" lang="en-US" sz="1000" spc="-1" strike="noStrike">
+                <a:latin typeface="Times New Roman"/>
+              </a:rPr>
+              <a:t>e&lt;</a:t>
+            </a:r>
+            <a:r>
+              <a:rPr b="0" lang="en-US" sz="1000" spc="-1" strike="noStrike">
+                <a:solidFill>
+                  <a:srgbClr val="bf0041"/>
+                </a:solidFill>
+                <a:latin typeface="Times New Roman"/>
+              </a:rPr>
+              <a:t>SpSpeculativeModel::SP_MODEL_3</a:t>
+            </a:r>
+            <a:r>
+              <a:rPr b="0" lang="en-US" sz="1000" spc="-1" strike="noStrike">
+                <a:latin typeface="Times New Roman"/>
+              </a:rPr>
+              <a:t>&gt; runtime;</a:t>
+            </a:r>
+            <a:endParaRPr b="0" lang="en-US" sz="1000" spc="-1" strike="noStrike">
+              <a:latin typeface="Times New Roman"/>
+            </a:endParaRPr>
+          </a:p>
+          <a:p>
+            <a:endParaRPr b="0" lang="en-US" sz="1000" spc="-1" strike="noStrike">
+              <a:latin typeface="Times New Roman"/>
+            </a:endParaRPr>
+          </a:p>
+          <a:p>
+            <a:pPr algn="just">
+              <a:buNone/>
+            </a:pPr>
+            <a:r>
+              <a:rPr b="0" lang="en-US" sz="1000" spc="-1" strike="noStrike">
+                <a:solidFill>
+                  <a:srgbClr val="666666"/>
+                </a:solidFill>
+                <a:latin typeface="Times New Roman"/>
+              </a:rPr>
+              <a:t>// Next we set a predicate that will be called by the runtime each time a speculative </a:t>
+            </a:r>
+            <a:endParaRPr b="0" lang="en-US" sz="1000" spc="-1" strike="noStrike">
+              <a:latin typeface="Times New Roman"/>
+            </a:endParaRPr>
+          </a:p>
+          <a:p>
+            <a:pPr algn="just">
+              <a:buNone/>
+            </a:pPr>
+            <a:r>
+              <a:rPr b="0" lang="en-US" sz="1000" spc="-1" strike="noStrike">
+                <a:solidFill>
+                  <a:srgbClr val="666666"/>
+                </a:solidFill>
+                <a:latin typeface="Times New Roman"/>
+              </a:rPr>
+              <a:t>// task becomes ready to run. It is used to decide if the speculative task should be </a:t>
+            </a:r>
+            <a:endParaRPr b="0" lang="en-US" sz="1000" spc="-1" strike="noStrike">
+              <a:latin typeface="Times New Roman"/>
+            </a:endParaRPr>
+          </a:p>
+          <a:p>
+            <a:pPr algn="just">
+              <a:buNone/>
+            </a:pPr>
+            <a:r>
+              <a:rPr b="0" lang="en-US" sz="1000" spc="-1" strike="noStrike">
+                <a:solidFill>
+                  <a:srgbClr val="666666"/>
+                </a:solidFill>
+                <a:latin typeface="Times New Roman"/>
+              </a:rPr>
+              <a:t>// allowed to run.</a:t>
+            </a:r>
+            <a:endParaRPr b="0" lang="en-US" sz="1000" spc="-1" strike="noStrike">
+              <a:latin typeface="Times New Roman"/>
+            </a:endParaRPr>
+          </a:p>
+          <a:p>
+            <a:endParaRPr b="0" lang="en-US" sz="1000" spc="-1" strike="noStrike">
+              <a:latin typeface="Times New Roman"/>
+            </a:endParaRPr>
+          </a:p>
+          <a:p>
+            <a:r>
+              <a:rPr b="0" lang="en-US" sz="1000" spc="-1" strike="noStrike">
+                <a:latin typeface="Times New Roman"/>
+              </a:rPr>
+              <a:t>    </a:t>
+            </a:r>
+            <a:r>
+              <a:rPr b="1" lang="en-US" sz="1000" spc="-1" strike="noStrike">
+                <a:solidFill>
+                  <a:srgbClr val="000000"/>
+                </a:solidFill>
+                <a:latin typeface="Times New Roman"/>
+              </a:rPr>
+              <a:t>runtime.setSpeculationTest</a:t>
+            </a:r>
+            <a:r>
+              <a:rPr b="0" lang="en-US" sz="1000" spc="-1" strike="noStrike">
+                <a:latin typeface="Times New Roman"/>
+              </a:rPr>
+              <a:t>(</a:t>
+            </a:r>
+            <a:endParaRPr b="0" lang="en-US" sz="1000" spc="-1" strike="noStrike">
+              <a:latin typeface="Times New Roman"/>
+            </a:endParaRPr>
+          </a:p>
+          <a:p>
+            <a:r>
+              <a:rPr b="0" lang="en-US" sz="1000" spc="-1" strike="noStrike">
+                <a:latin typeface="Times New Roman"/>
+              </a:rPr>
+              <a:t>    </a:t>
+            </a:r>
+            <a:r>
+              <a:rPr b="0" lang="en-US" sz="1000" spc="-1" strike="noStrike">
+                <a:latin typeface="Times New Roman"/>
+              </a:rPr>
+              <a:t>[]([[maybe_unused]] const int nbReadyTasks,</a:t>
+            </a:r>
+            <a:endParaRPr b="0" lang="en-US" sz="1000" spc="-1" strike="noStrike">
+              <a:latin typeface="Times New Roman"/>
+            </a:endParaRPr>
+          </a:p>
+          <a:p>
+            <a:r>
+              <a:rPr b="0" lang="en-US" sz="1000" spc="-1" strike="noStrike">
+                <a:latin typeface="Times New Roman"/>
+              </a:rPr>
+              <a:t>        </a:t>
+            </a:r>
+            <a:r>
+              <a:rPr b="0" lang="en-US" sz="1000" spc="-1" strike="noStrike">
+                <a:latin typeface="Times New Roman"/>
+              </a:rPr>
+              <a:t>[[maybe_unused]] const SpProbability&amp; meanProbability) -&gt; bool {</a:t>
+            </a:r>
+            <a:endParaRPr b="0" lang="en-US" sz="1000" spc="-1" strike="noStrike">
+              <a:latin typeface="Times New Roman"/>
+            </a:endParaRPr>
+          </a:p>
+          <a:p>
+            <a:r>
+              <a:rPr b="0" lang="en-US" sz="1000" spc="-1" strike="noStrike">
+                <a:latin typeface="Times New Roman"/>
+              </a:rPr>
+              <a:t>            </a:t>
+            </a:r>
+            <a:r>
+              <a:rPr b="0" lang="en-US" sz="1000" spc="-1" strike="noStrike">
+                <a:latin typeface="Times New Roman"/>
+              </a:rPr>
+              <a:t>return true; </a:t>
+            </a:r>
+            <a:r>
+              <a:rPr b="0" lang="en-US" sz="1000" spc="-1" strike="noStrike">
+                <a:solidFill>
+                  <a:srgbClr val="666666"/>
+                </a:solidFill>
+                <a:latin typeface="Times New Roman"/>
+              </a:rPr>
+              <a:t>// Here we always return true, this basically means</a:t>
+            </a:r>
+            <a:endParaRPr b="0" lang="en-US" sz="1000" spc="-1" strike="noStrike">
+              <a:latin typeface="Times New Roman"/>
+            </a:endParaRPr>
+          </a:p>
+          <a:p>
+            <a:r>
+              <a:rPr b="0" lang="en-US" sz="1000" spc="-1" strike="noStrike">
+                <a:solidFill>
+                  <a:srgbClr val="666666"/>
+                </a:solidFill>
+                <a:latin typeface="Times New Roman"/>
+              </a:rPr>
+              <a:t>                               </a:t>
+            </a:r>
+            <a:r>
+              <a:rPr b="0" lang="en-US" sz="1000" spc="-1" strike="noStrike">
+                <a:solidFill>
+                  <a:srgbClr val="666666"/>
+                </a:solidFill>
+                <a:latin typeface="Times New Roman"/>
+              </a:rPr>
+              <a:t>// that we always allow speculative tasks to run</a:t>
+            </a:r>
+            <a:endParaRPr b="0" lang="en-US" sz="1000" spc="-1" strike="noStrike">
+              <a:latin typeface="Times New Roman"/>
+            </a:endParaRPr>
+          </a:p>
+          <a:p>
+            <a:r>
+              <a:rPr b="0" lang="en-US" sz="1000" spc="-1" strike="noStrike">
+                <a:solidFill>
+                  <a:srgbClr val="666666"/>
+                </a:solidFill>
+                <a:latin typeface="Times New Roman"/>
+              </a:rPr>
+              <a:t>                               </a:t>
+            </a:r>
+            <a:r>
+              <a:rPr b="0" lang="en-US" sz="1000" spc="-1" strike="noStrike">
+                <a:solidFill>
+                  <a:srgbClr val="666666"/>
+                </a:solidFill>
+                <a:latin typeface="Times New Roman"/>
+              </a:rPr>
+              <a:t>// regardless of runtime conditions.</a:t>
+            </a:r>
+            <a:endParaRPr b="0" lang="en-US" sz="1000" spc="-1" strike="noStrike">
+              <a:latin typeface="Times New Roman"/>
+            </a:endParaRPr>
+          </a:p>
+          <a:p>
+            <a:r>
+              <a:rPr b="0" lang="en-US" sz="1000" spc="-1" strike="noStrike">
+                <a:latin typeface="Times New Roman"/>
+              </a:rPr>
+              <a:t>        </a:t>
+            </a:r>
+            <a:r>
+              <a:rPr b="0" lang="en-US" sz="1000" spc="-1" strike="noStrike">
+                <a:latin typeface="Times New Roman"/>
+              </a:rPr>
+              <a:t>}</a:t>
+            </a:r>
+            <a:endParaRPr b="0" lang="en-US" sz="1000" spc="-1" strike="noStrike">
+              <a:latin typeface="Times New Roman"/>
+            </a:endParaRPr>
+          </a:p>
+          <a:p>
+            <a:r>
+              <a:rPr b="0" lang="en-US" sz="1000" spc="-1" strike="noStrike">
+                <a:latin typeface="Times New Roman"/>
+              </a:rPr>
+              <a:t>    </a:t>
+            </a:r>
+            <a:r>
+              <a:rPr b="0" lang="en-US" sz="1000" spc="-1" strike="noStrike">
+                <a:latin typeface="Times New Roman"/>
+              </a:rPr>
+              <a:t>);</a:t>
+            </a:r>
+            <a:endParaRPr b="0" lang="en-US" sz="1000" spc="-1" strike="noStrike">
+              <a:latin typeface="Times New Roman"/>
+            </a:endParaRPr>
+          </a:p>
+          <a:p>
+            <a:endParaRPr b="0" lang="en-US" sz="1000" spc="-1" strike="noStrike">
+              <a:latin typeface="Times New Roman"/>
+            </a:endParaRPr>
+          </a:p>
+        </p:txBody>
+      </p:sp>
+      <p:sp>
+        <p:nvSpPr>
+          <p:cNvPr id="101" name=""/>
+          <p:cNvSpPr txBox="1"/>
+          <p:nvPr/>
+        </p:nvSpPr>
+        <p:spPr>
+          <a:xfrm>
+            <a:off x="5436000" y="1260000"/>
+            <a:ext cx="4644720" cy="2752920"/>
+          </a:xfrm>
+          <a:prstGeom prst="rect">
+            <a:avLst/>
+          </a:prstGeom>
+          <a:noFill/>
+          <a:ln w="0">
+            <a:noFill/>
+          </a:ln>
+        </p:spPr>
+        <p:txBody>
+          <a:bodyPr lIns="90000" rIns="90000" tIns="45000" bIns="45000" anchor="t">
+            <a:noAutofit/>
+          </a:bodyPr>
+          <a:p>
+            <a:r>
+              <a:rPr b="0" lang="en-US" sz="1000" spc="-1" strike="noStrike">
+                <a:latin typeface="Times New Roman"/>
+              </a:rPr>
+              <a:t>        </a:t>
+            </a:r>
+            <a:r>
+              <a:rPr b="0" lang="en-US" sz="1000" spc="-1" strike="noStrike">
+                <a:latin typeface="Times New Roman"/>
+              </a:rPr>
+              <a:t>}</a:t>
+            </a:r>
+            <a:endParaRPr b="0" lang="en-US" sz="1000" spc="-1" strike="noStrike">
+              <a:latin typeface="Arial"/>
+            </a:endParaRPr>
+          </a:p>
+          <a:p>
+            <a:r>
+              <a:rPr b="0" lang="en-US" sz="1000" spc="-1" strike="noStrike">
+                <a:latin typeface="Times New Roman"/>
+              </a:rPr>
+              <a:t>    </a:t>
+            </a:r>
+            <a:r>
+              <a:rPr b="0" lang="en-US" sz="1000" spc="-1" strike="noStrike">
+                <a:latin typeface="Times New Roman"/>
+              </a:rPr>
+              <a:t>);</a:t>
+            </a:r>
+            <a:endParaRPr b="0" lang="en-US" sz="1000" spc="-1" strike="noStrike">
+              <a:latin typeface="Arial"/>
+            </a:endParaRPr>
+          </a:p>
+          <a:p>
+            <a:r>
+              <a:rPr b="0" lang="en-US" sz="1000" spc="-1" strike="noStrike">
+                <a:latin typeface="Times New Roman"/>
+              </a:rPr>
+              <a:t>    </a:t>
+            </a:r>
+            <a:r>
+              <a:rPr b="0" lang="en-US" sz="1000" spc="-1" strike="noStrike">
+                <a:latin typeface="Times New Roman"/>
+              </a:rPr>
+              <a:t>int a = 41, b = 0, c = 0; int value;</a:t>
+            </a:r>
+            <a:endParaRPr b="0" lang="en-US" sz="1000" spc="-1" strike="noStrike">
+              <a:latin typeface="Arial"/>
+            </a:endParaRPr>
+          </a:p>
+          <a:p>
+            <a:r>
+              <a:rPr b="0" lang="en-US" sz="1000" spc="-1" strike="noStrike">
+                <a:latin typeface="Times New Roman"/>
+              </a:rPr>
+              <a:t>    </a:t>
+            </a:r>
+            <a:endParaRPr b="0" lang="en-US" sz="1000" spc="-1" strike="noStrike">
+              <a:latin typeface="Arial"/>
+            </a:endParaRPr>
+          </a:p>
+          <a:p>
+            <a:r>
+              <a:rPr b="0" lang="en-US" sz="1000" spc="-1" strike="noStrike">
+                <a:solidFill>
+                  <a:srgbClr val="666666"/>
+                </a:solidFill>
+                <a:latin typeface="Times New Roman"/>
+              </a:rPr>
+              <a:t>    </a:t>
+            </a:r>
+            <a:r>
+              <a:rPr b="0" lang="en-US" sz="1000" spc="-1" strike="noStrike">
+                <a:solidFill>
+                  <a:srgbClr val="666666"/>
+                </a:solidFill>
+                <a:latin typeface="Times New Roman"/>
+              </a:rPr>
+              <a:t>// We create our first task. We are specifying that the task will be reading from a. </a:t>
+            </a:r>
+            <a:endParaRPr b="0" lang="en-US" sz="1000" spc="-1" strike="noStrike">
+              <a:latin typeface="Arial"/>
+            </a:endParaRPr>
+          </a:p>
+          <a:p>
+            <a:r>
+              <a:rPr b="0" lang="en-US" sz="1000" spc="-1" strike="noStrike">
+                <a:solidFill>
+                  <a:srgbClr val="666666"/>
+                </a:solidFill>
+                <a:latin typeface="Times New Roman"/>
+              </a:rPr>
+              <a:t>    </a:t>
+            </a:r>
+            <a:r>
+              <a:rPr b="0" lang="en-US" sz="1000" spc="-1" strike="noStrike">
+                <a:solidFill>
+                  <a:srgbClr val="666666"/>
+                </a:solidFill>
+                <a:latin typeface="Times New Roman"/>
+              </a:rPr>
+              <a:t>// The task will call the lambda given as a last argument to the call.</a:t>
+            </a:r>
+            <a:endParaRPr b="0" lang="en-US" sz="1000" spc="-1" strike="noStrike">
+              <a:latin typeface="Arial"/>
+            </a:endParaRPr>
+          </a:p>
+          <a:p>
+            <a:r>
+              <a:rPr b="0" lang="en-US" sz="1000" spc="-1" strike="noStrike">
+                <a:solidFill>
+                  <a:srgbClr val="666666"/>
+                </a:solidFill>
+                <a:latin typeface="Times New Roman"/>
+              </a:rPr>
+              <a:t>    </a:t>
+            </a:r>
+            <a:r>
+              <a:rPr b="0" lang="en-US" sz="1000" spc="-1" strike="noStrike">
+                <a:solidFill>
+                  <a:srgbClr val="666666"/>
+                </a:solidFill>
+                <a:latin typeface="Times New Roman"/>
+              </a:rPr>
+              <a:t>// The return value of the task is the return value of the lambda.  </a:t>
+            </a:r>
+            <a:endParaRPr b="0" lang="en-US" sz="1000" spc="-1" strike="noStrike">
+              <a:latin typeface="Arial"/>
+            </a:endParaRPr>
+          </a:p>
+          <a:p>
+            <a:endParaRPr b="0" lang="en-US" sz="1000" spc="-1" strike="noStrike">
+              <a:latin typeface="Arial"/>
+            </a:endParaRPr>
+          </a:p>
+          <a:p>
+            <a:r>
+              <a:rPr b="0" lang="en-US" sz="1000" spc="-1" strike="noStrike">
+                <a:latin typeface="Times New Roman"/>
+              </a:rPr>
+              <a:t>    </a:t>
+            </a:r>
+            <a:r>
+              <a:rPr b="0" lang="en-US" sz="1000" spc="-1" strike="noStrike">
+                <a:latin typeface="Times New Roman"/>
+              </a:rPr>
+              <a:t>auto task1 = </a:t>
+            </a:r>
+            <a:r>
+              <a:rPr b="1" lang="en-US" sz="1000" spc="-1" strike="noStrike">
+                <a:latin typeface="Times New Roman"/>
+              </a:rPr>
+              <a:t>runtime.task</a:t>
+            </a:r>
+            <a:r>
+              <a:rPr b="0" lang="en-US" sz="1000" spc="-1" strike="noStrike">
+                <a:latin typeface="Times New Roman"/>
+              </a:rPr>
+              <a:t>(</a:t>
+            </a:r>
+            <a:r>
+              <a:rPr b="1" lang="en-US" sz="1000" spc="-1" strike="noStrike">
+                <a:solidFill>
+                  <a:srgbClr val="ff0000"/>
+                </a:solidFill>
+                <a:latin typeface="Times New Roman"/>
+              </a:rPr>
+              <a:t>SpRead</a:t>
+            </a:r>
+            <a:r>
+              <a:rPr b="0" lang="en-US" sz="1000" spc="-1" strike="noStrike">
+                <a:latin typeface="Times New Roman"/>
+              </a:rPr>
+              <a:t>(a), </a:t>
+            </a:r>
+            <a:endParaRPr b="0" lang="en-US" sz="1000" spc="-1" strike="noStrike">
+              <a:latin typeface="Arial"/>
+            </a:endParaRPr>
+          </a:p>
+          <a:p>
+            <a:r>
+              <a:rPr b="0" lang="en-US" sz="1000" spc="-1" strike="noStrike">
+                <a:latin typeface="Times New Roman"/>
+              </a:rPr>
+              <a:t>           </a:t>
+            </a:r>
+            <a:r>
+              <a:rPr b="0" lang="en-US" sz="1000" spc="-1" strike="noStrike">
+                <a:latin typeface="Times New Roman"/>
+              </a:rPr>
+              <a:t>[](const int&amp; inA) -&gt; int { return</a:t>
+            </a:r>
+            <a:r>
+              <a:rPr b="1" i="1" lang="en-US" sz="1000" spc="-1" strike="noStrike">
+                <a:latin typeface="Times New Roman"/>
+              </a:rPr>
+              <a:t> inA + 1;</a:t>
+            </a:r>
+            <a:r>
+              <a:rPr b="0" lang="en-US" sz="1000" spc="-1" strike="noStrike">
+                <a:latin typeface="Times New Roman"/>
+              </a:rPr>
+              <a:t>}</a:t>
+            </a:r>
+            <a:endParaRPr b="0" lang="en-US" sz="1000" spc="-1" strike="noStrike">
+              <a:latin typeface="Arial"/>
+            </a:endParaRPr>
+          </a:p>
+          <a:p>
+            <a:r>
+              <a:rPr b="0" lang="en-US" sz="1000" spc="-1" strike="noStrike">
+                <a:latin typeface="Times New Roman"/>
+              </a:rPr>
+              <a:t>    </a:t>
+            </a:r>
+            <a:r>
+              <a:rPr b="0" lang="en-US" sz="1000" spc="-1" strike="noStrike">
+                <a:latin typeface="Times New Roman"/>
+              </a:rPr>
+              <a:t>);</a:t>
+            </a:r>
+            <a:endParaRPr b="0" lang="en-US" sz="1000" spc="-1" strike="noStrike">
+              <a:latin typeface="Arial"/>
+            </a:endParaRPr>
+          </a:p>
+          <a:p>
+            <a:r>
+              <a:rPr b="0" lang="en-US" sz="1000" spc="-1" strike="noStrike">
+                <a:latin typeface="Times New Roman"/>
+              </a:rPr>
+              <a:t>    </a:t>
+            </a:r>
+            <a:endParaRPr b="0" lang="en-US" sz="1000" spc="-1" strike="noStrike">
+              <a:latin typeface="Arial"/>
+            </a:endParaRPr>
+          </a:p>
+          <a:p>
+            <a:r>
+              <a:rPr b="0" lang="en-US" sz="1000" spc="-1" strike="noStrike">
+                <a:solidFill>
+                  <a:srgbClr val="666666"/>
+                </a:solidFill>
+                <a:latin typeface="Times New Roman"/>
+              </a:rPr>
+              <a:t>    </a:t>
+            </a:r>
+            <a:r>
+              <a:rPr b="0" lang="en-US" sz="1000" spc="-1" strike="noStrike">
+                <a:solidFill>
+                  <a:srgbClr val="666666"/>
+                </a:solidFill>
+                <a:latin typeface="Times New Roman"/>
+              </a:rPr>
+              <a:t>// Here we set a custom name for the task.</a:t>
+            </a:r>
+            <a:endParaRPr b="0" lang="en-US" sz="1000" spc="-1" strike="noStrike">
+              <a:latin typeface="Arial"/>
+            </a:endParaRPr>
+          </a:p>
+          <a:p>
+            <a:r>
+              <a:rPr b="0" lang="en-US" sz="1000" spc="-1" strike="noStrike">
+                <a:latin typeface="Times New Roman"/>
+              </a:rPr>
+              <a:t>    </a:t>
+            </a:r>
+            <a:r>
+              <a:rPr b="0" lang="en-US" sz="1000" spc="-1" strike="noStrike">
+                <a:latin typeface="Times New Roman"/>
+              </a:rPr>
+              <a:t>task1.setTaskName("First-task");</a:t>
+            </a:r>
+            <a:endParaRPr b="0" lang="en-US" sz="1000" spc="-1" strike="noStrike">
+              <a:latin typeface="Arial"/>
+            </a:endParaRPr>
+          </a:p>
+          <a:p>
+            <a:r>
+              <a:rPr b="0" lang="en-US" sz="1000" spc="-1" strike="noStrike">
+                <a:latin typeface="Times New Roman"/>
+              </a:rPr>
+              <a:t>    </a:t>
+            </a:r>
+            <a:endParaRPr b="0" lang="en-US" sz="1000" spc="-1" strike="noStrike">
+              <a:latin typeface="Arial"/>
+            </a:endParaRPr>
+          </a:p>
+          <a:p>
+            <a:r>
+              <a:rPr b="0" lang="en-US" sz="1000" spc="-1" strike="noStrike">
+                <a:solidFill>
+                  <a:srgbClr val="666666"/>
+                </a:solidFill>
+                <a:latin typeface="Times New Roman"/>
+              </a:rPr>
+              <a:t>    </a:t>
+            </a:r>
+            <a:r>
+              <a:rPr b="0" lang="en-US" sz="1000" spc="-1" strike="noStrike">
+                <a:solidFill>
+                  <a:srgbClr val="666666"/>
+                </a:solidFill>
+                <a:latin typeface="Times New Roman"/>
+              </a:rPr>
+              <a:t>// Here we wait until task1 is finished and we retrieve its return value.</a:t>
+            </a:r>
+            <a:endParaRPr b="0" lang="en-US" sz="1000" spc="-1" strike="noStrike">
+              <a:latin typeface="Arial"/>
+            </a:endParaRPr>
+          </a:p>
+          <a:p>
+            <a:r>
+              <a:rPr b="0" lang="en-US" sz="1000" spc="-1" strike="noStrike">
+                <a:latin typeface="Times New Roman"/>
+              </a:rPr>
+              <a:t>    </a:t>
+            </a:r>
+            <a:r>
+              <a:rPr b="0" lang="en-US" sz="1000" spc="-1" strike="noStrike">
+                <a:latin typeface="Times New Roman"/>
+              </a:rPr>
+              <a:t>b = task1.getValue();</a:t>
+            </a:r>
+            <a:endParaRPr b="0" lang="en-US" sz="1000" spc="-1" strike="noStrike">
+              <a:latin typeface="Arial"/>
+            </a:endParaRPr>
+          </a:p>
+          <a:p>
+            <a:r>
+              <a:rPr b="0" lang="en-US" sz="1000" spc="-1" strike="noStrike">
+                <a:latin typeface="Arial"/>
+              </a:rPr>
+              <a:t>  </a:t>
+            </a:r>
+            <a:endParaRPr b="0" lang="en-US" sz="1000" spc="-1" strike="noStrike">
+              <a:latin typeface="Arial"/>
+            </a:endParaRPr>
+          </a:p>
+        </p:txBody>
+      </p:sp>
     </p:spTree>
   </p:cSld>
   <mc:AlternateContent>
@@ -5640,6 +7170,1231 @@
           <a:chExt cx="0" cy="0"/>
         </a:xfrm>
       </p:grpSpPr>
+      <p:sp>
+        <p:nvSpPr>
+          <p:cNvPr id="102" name="PlaceHolder 15"/>
+          <p:cNvSpPr/>
+          <p:nvPr/>
+        </p:nvSpPr>
+        <p:spPr>
+          <a:xfrm>
+            <a:off x="344160" y="226440"/>
+            <a:ext cx="9354600" cy="713520"/>
+          </a:xfrm>
+          <a:prstGeom prst="rect">
+            <a:avLst/>
+          </a:prstGeom>
+          <a:noFill/>
+          <a:ln w="0">
+            <a:noFill/>
+          </a:ln>
+        </p:spPr>
+        <p:style>
+          <a:lnRef idx="0"/>
+          <a:fillRef idx="0"/>
+          <a:effectRef idx="0"/>
+          <a:fontRef idx="minor"/>
+        </p:style>
+        <p:txBody>
+          <a:bodyPr lIns="0" rIns="0" tIns="0" bIns="0" anchor="ctr">
+            <a:noAutofit/>
+          </a:bodyPr>
+          <a:p>
+            <a:pPr>
+              <a:lnSpc>
+                <a:spcPct val="100000"/>
+              </a:lnSpc>
+              <a:buNone/>
+              <a:tabLst>
+                <a:tab algn="l" pos="0"/>
+              </a:tabLst>
+            </a:pPr>
+            <a:r>
+              <a:rPr b="1" lang="en-US" sz="2700" spc="-1" strike="noStrike">
+                <a:solidFill>
+                  <a:srgbClr val="ffffff"/>
+                </a:solidFill>
+                <a:latin typeface="Source Sans Pro Black"/>
+                <a:ea typeface="DejaVu Sans"/>
+              </a:rPr>
+              <a:t>SPECX: Exemple </a:t>
+            </a:r>
+            <a:r>
+              <a:rPr b="1" lang="en-US" sz="2700" spc="-1" strike="noStrike">
+                <a:solidFill>
+                  <a:srgbClr val="ffffff"/>
+                </a:solidFill>
+                <a:latin typeface="Source Sans Pro Black"/>
+                <a:ea typeface="DejaVu Sans"/>
+              </a:rPr>
+              <a:t>Speculation Model </a:t>
+            </a:r>
+            <a:endParaRPr b="0" lang="en-US" sz="2700" spc="-1" strike="noStrike">
+              <a:latin typeface="Arial"/>
+            </a:endParaRPr>
+          </a:p>
+        </p:txBody>
+      </p:sp>
+      <p:pic>
+        <p:nvPicPr>
+          <p:cNvPr id="103" name="" descr=""/>
+          <p:cNvPicPr/>
+          <p:nvPr/>
+        </p:nvPicPr>
+        <p:blipFill>
+          <a:blip r:embed="rId1"/>
+          <a:stretch/>
+        </p:blipFill>
+        <p:spPr>
+          <a:xfrm>
+            <a:off x="8984160" y="61560"/>
+            <a:ext cx="1015560" cy="1015560"/>
+          </a:xfrm>
+          <a:prstGeom prst="rect">
+            <a:avLst/>
+          </a:prstGeom>
+          <a:ln w="0">
+            <a:noFill/>
+          </a:ln>
+        </p:spPr>
+      </p:pic>
+      <p:sp>
+        <p:nvSpPr>
+          <p:cNvPr id="104" name=""/>
+          <p:cNvSpPr txBox="1"/>
+          <p:nvPr/>
+        </p:nvSpPr>
+        <p:spPr>
+          <a:xfrm>
+            <a:off x="0" y="1319400"/>
+            <a:ext cx="4140000" cy="4011480"/>
+          </a:xfrm>
+          <a:prstGeom prst="rect">
+            <a:avLst/>
+          </a:prstGeom>
+          <a:noFill/>
+          <a:ln w="0">
+            <a:noFill/>
+          </a:ln>
+        </p:spPr>
+        <p:txBody>
+          <a:bodyPr lIns="90000" rIns="90000" tIns="45000" bIns="45000" anchor="t">
+            <a:noAutofit/>
+          </a:bodyPr>
+          <a:p>
+            <a:r>
+              <a:rPr b="0" lang="en-US" sz="1000" spc="-1" strike="noStrike">
+                <a:solidFill>
+                  <a:srgbClr val="666666"/>
+                </a:solidFill>
+                <a:latin typeface="Times New Roman"/>
+              </a:rPr>
+              <a:t>    </a:t>
+            </a:r>
+            <a:r>
+              <a:rPr b="0" lang="en-US" sz="1000" spc="-1" strike="noStrike">
+                <a:solidFill>
+                  <a:srgbClr val="666666"/>
+                </a:solidFill>
+                <a:latin typeface="Times New Roman"/>
+              </a:rPr>
+              <a:t>// Next we create a potential task, i.e. a task which might write to</a:t>
+            </a:r>
+            <a:endParaRPr b="0" lang="en-US" sz="1000" spc="-1" strike="noStrike">
+              <a:latin typeface="Times New Roman"/>
+            </a:endParaRPr>
+          </a:p>
+          <a:p>
+            <a:r>
+              <a:rPr b="0" lang="en-US" sz="1000" spc="-1" strike="noStrike">
+                <a:solidFill>
+                  <a:srgbClr val="666666"/>
+                </a:solidFill>
+                <a:latin typeface="Times New Roman"/>
+              </a:rPr>
+              <a:t>    </a:t>
+            </a:r>
+            <a:r>
+              <a:rPr b="0" lang="en-US" sz="1000" spc="-1" strike="noStrike">
+                <a:solidFill>
+                  <a:srgbClr val="666666"/>
+                </a:solidFill>
+                <a:latin typeface="Times New Roman"/>
+              </a:rPr>
+              <a:t>// some data.</a:t>
+            </a:r>
+            <a:endParaRPr b="0" lang="en-US" sz="1000" spc="-1" strike="noStrike">
+              <a:latin typeface="Times New Roman"/>
+            </a:endParaRPr>
+          </a:p>
+          <a:p>
+            <a:r>
+              <a:rPr b="0" lang="en-US" sz="1000" spc="-1" strike="noStrike">
+                <a:solidFill>
+                  <a:srgbClr val="666666"/>
+                </a:solidFill>
+                <a:latin typeface="Times New Roman"/>
+              </a:rPr>
+              <a:t>    </a:t>
+            </a:r>
+            <a:r>
+              <a:rPr b="0" lang="en-US" sz="1000" spc="-1" strike="noStrike">
+                <a:solidFill>
+                  <a:srgbClr val="666666"/>
+                </a:solidFill>
+                <a:latin typeface="Times New Roman"/>
+              </a:rPr>
+              <a:t>// In this case the task may write to "a" with a probability of 0.5.</a:t>
+            </a:r>
+            <a:endParaRPr b="0" lang="en-US" sz="1000" spc="-1" strike="noStrike">
+              <a:latin typeface="Times New Roman"/>
+            </a:endParaRPr>
+          </a:p>
+          <a:p>
+            <a:r>
+              <a:rPr b="0" lang="en-US" sz="1000" spc="-1" strike="noStrike">
+                <a:solidFill>
+                  <a:srgbClr val="666666"/>
+                </a:solidFill>
+                <a:latin typeface="Times New Roman"/>
+              </a:rPr>
+              <a:t>    </a:t>
+            </a:r>
+            <a:r>
+              <a:rPr b="0" lang="en-US" sz="1000" spc="-1" strike="noStrike">
+                <a:solidFill>
+                  <a:srgbClr val="666666"/>
+                </a:solidFill>
+                <a:latin typeface="Times New Roman"/>
+              </a:rPr>
+              <a:t>// Subsequent tasks will be allowed to speculate over this task.</a:t>
+            </a:r>
+            <a:endParaRPr b="0" lang="en-US" sz="1000" spc="-1" strike="noStrike">
+              <a:latin typeface="Times New Roman"/>
+            </a:endParaRPr>
+          </a:p>
+          <a:p>
+            <a:r>
+              <a:rPr b="0" lang="en-US" sz="1000" spc="-1" strike="noStrike">
+                <a:solidFill>
+                  <a:srgbClr val="666666"/>
+                </a:solidFill>
+                <a:latin typeface="Times New Roman"/>
+              </a:rPr>
+              <a:t>    </a:t>
+            </a:r>
+            <a:r>
+              <a:rPr b="0" lang="en-US" sz="1000" spc="-1" strike="noStrike">
+                <a:solidFill>
+                  <a:srgbClr val="666666"/>
+                </a:solidFill>
+                <a:latin typeface="Times New Roman"/>
+              </a:rPr>
+              <a:t>// The task returns a boolean to inform the runtime of whether or </a:t>
+            </a:r>
+            <a:endParaRPr b="0" lang="en-US" sz="1000" spc="-1" strike="noStrike">
+              <a:latin typeface="Times New Roman"/>
+            </a:endParaRPr>
+          </a:p>
+          <a:p>
+            <a:r>
+              <a:rPr b="0" lang="en-US" sz="1000" spc="-1" strike="noStrike">
+                <a:solidFill>
+                  <a:srgbClr val="666666"/>
+                </a:solidFill>
+                <a:latin typeface="Times New Roman"/>
+              </a:rPr>
+              <a:t>    </a:t>
+            </a:r>
+            <a:r>
+              <a:rPr b="0" lang="en-US" sz="1000" spc="-1" strike="noStrike">
+                <a:solidFill>
+                  <a:srgbClr val="666666"/>
+                </a:solidFill>
+                <a:latin typeface="Times New Roman"/>
+              </a:rPr>
+              <a:t>// not it has written to its maybe-write data dependency a.</a:t>
+            </a:r>
+            <a:endParaRPr b="0" lang="en-US" sz="1000" spc="-1" strike="noStrike">
+              <a:latin typeface="Times New Roman"/>
+            </a:endParaRPr>
+          </a:p>
+          <a:p>
+            <a:endParaRPr b="0" lang="en-US" sz="1000" spc="-1" strike="noStrike">
+              <a:latin typeface="Times New Roman"/>
+            </a:endParaRPr>
+          </a:p>
+          <a:p>
+            <a:r>
+              <a:rPr b="0" lang="en-US" sz="1000" spc="-1" strike="noStrike">
+                <a:latin typeface="Times New Roman"/>
+              </a:rPr>
+              <a:t>    </a:t>
+            </a:r>
+            <a:r>
+              <a:rPr b="1" lang="en-US" sz="1000" spc="-1" strike="noStrike">
+                <a:latin typeface="Times New Roman"/>
+              </a:rPr>
+              <a:t>std::mt19937</a:t>
+            </a:r>
+            <a:r>
+              <a:rPr b="0" lang="en-US" sz="1000" spc="-1" strike="noStrike">
+                <a:latin typeface="Times New Roman"/>
+              </a:rPr>
+              <a:t>_64 mtEngine(seed); //</a:t>
+            </a:r>
+            <a:r>
+              <a:rPr b="0" lang="en-US" sz="1000" spc="-1" strike="noStrike">
+                <a:solidFill>
+                  <a:srgbClr val="666666"/>
+                </a:solidFill>
+                <a:latin typeface="Times New Roman"/>
+              </a:rPr>
+              <a:t>Pseudo Random generator 32 bit</a:t>
+            </a:r>
+            <a:endParaRPr b="0" lang="en-US" sz="1000" spc="-1" strike="noStrike">
+              <a:latin typeface="Times New Roman"/>
+            </a:endParaRPr>
+          </a:p>
+          <a:p>
+            <a:r>
+              <a:rPr b="0" lang="en-US" sz="1000" spc="-1" strike="noStrike">
+                <a:solidFill>
+                  <a:srgbClr val="666666"/>
+                </a:solidFill>
+                <a:latin typeface="Times New Roman"/>
+              </a:rPr>
+              <a:t>                                                             </a:t>
+            </a:r>
+            <a:r>
+              <a:rPr b="0" lang="en-US" sz="1000" spc="-1" strike="noStrike">
+                <a:solidFill>
+                  <a:srgbClr val="666666"/>
+                </a:solidFill>
+                <a:latin typeface="Times New Roman"/>
+              </a:rPr>
+              <a:t>//numbers with a state size of 19937</a:t>
+            </a:r>
+            <a:endParaRPr b="0" lang="en-US" sz="1000" spc="-1" strike="noStrike">
+              <a:latin typeface="Times New Roman"/>
+            </a:endParaRPr>
+          </a:p>
+          <a:p>
+            <a:endParaRPr b="0" lang="en-US" sz="1000" spc="-1" strike="noStrike">
+              <a:latin typeface="Times New Roman"/>
+            </a:endParaRPr>
+          </a:p>
+          <a:p>
+            <a:r>
+              <a:rPr b="0" lang="en-US" sz="1000" spc="-1" strike="noStrike">
+                <a:latin typeface="Times New Roman"/>
+              </a:rPr>
+              <a:t>   </a:t>
+            </a:r>
+            <a:r>
+              <a:rPr b="1" lang="en-US" sz="1000" spc="-1" strike="noStrike">
+                <a:latin typeface="Times New Roman"/>
+              </a:rPr>
+              <a:t> </a:t>
+            </a:r>
+            <a:r>
+              <a:rPr b="1" lang="en-US" sz="1000" spc="-1" strike="noStrike">
+                <a:latin typeface="Times New Roman"/>
+              </a:rPr>
+              <a:t>std::uniform_real_distribution&lt;double&gt;</a:t>
+            </a:r>
+            <a:r>
+              <a:rPr b="0" lang="en-US" sz="1000" spc="-1" strike="noStrike">
+                <a:latin typeface="Times New Roman"/>
+              </a:rPr>
+              <a:t> dis01(0,1); </a:t>
+            </a:r>
+            <a:r>
+              <a:rPr b="0" lang="en-US" sz="1000" spc="-1" strike="noStrike">
+                <a:solidFill>
+                  <a:srgbClr val="666666"/>
+                </a:solidFill>
+                <a:latin typeface="Times New Roman"/>
+              </a:rPr>
+              <a:t>//Produces random</a:t>
+            </a:r>
+            <a:endParaRPr b="0" lang="en-US" sz="1000" spc="-1" strike="noStrike">
+              <a:latin typeface="Times New Roman"/>
+            </a:endParaRPr>
+          </a:p>
+          <a:p>
+            <a:r>
+              <a:rPr b="0" lang="en-US" sz="1000" spc="-1" strike="noStrike">
+                <a:solidFill>
+                  <a:srgbClr val="666666"/>
+                </a:solidFill>
+                <a:latin typeface="Times New Roman"/>
+              </a:rPr>
+              <a:t>    </a:t>
+            </a:r>
+            <a:r>
+              <a:rPr b="0" lang="en-US" sz="1000" spc="-1" strike="noStrike">
+                <a:solidFill>
+                  <a:srgbClr val="666666"/>
+                </a:solidFill>
+                <a:latin typeface="Times New Roman"/>
+              </a:rPr>
+              <a:t>//floating-point values, uniformly distributes.</a:t>
+            </a:r>
+            <a:endParaRPr b="0" lang="en-US" sz="1000" spc="-1" strike="noStrike">
+              <a:latin typeface="Times New Roman"/>
+            </a:endParaRPr>
+          </a:p>
+          <a:p>
+            <a:endParaRPr b="0" lang="en-US" sz="1000" spc="-1" strike="noStrike">
+              <a:latin typeface="Times New Roman"/>
+            </a:endParaRPr>
+          </a:p>
+          <a:p>
+            <a:r>
+              <a:rPr b="0" lang="en-US" sz="1000" spc="-1" strike="noStrike">
+                <a:latin typeface="Times New Roman"/>
+              </a:rPr>
+              <a:t>    </a:t>
+            </a:r>
+            <a:r>
+              <a:rPr b="0" lang="en-US" sz="1000" spc="-1" strike="noStrike">
+                <a:latin typeface="Times New Roman"/>
+              </a:rPr>
+              <a:t>auto task2 =</a:t>
+            </a:r>
+            <a:r>
+              <a:rPr b="1" lang="en-US" sz="1000" spc="-1" strike="noStrike">
+                <a:latin typeface="Times New Roman"/>
+              </a:rPr>
+              <a:t> runtime.task</a:t>
+            </a:r>
+            <a:r>
+              <a:rPr b="0" lang="en-US" sz="1000" spc="-1" strike="noStrike">
+                <a:latin typeface="Times New Roman"/>
+              </a:rPr>
+              <a:t>(</a:t>
+            </a:r>
+            <a:endParaRPr b="0" lang="en-US" sz="1000" spc="-1" strike="noStrike">
+              <a:latin typeface="Times New Roman"/>
+            </a:endParaRPr>
+          </a:p>
+          <a:p>
+            <a:r>
+              <a:rPr b="0" lang="en-US" sz="1000" spc="-1" strike="noStrike">
+                <a:latin typeface="Times New Roman"/>
+              </a:rPr>
+              <a:t>        </a:t>
+            </a:r>
+            <a:r>
+              <a:rPr b="1" lang="en-US" sz="1000" spc="-1" strike="noStrike">
+                <a:solidFill>
+                  <a:srgbClr val="ff0000"/>
+                </a:solidFill>
+                <a:latin typeface="Times New Roman"/>
+              </a:rPr>
+              <a:t>SpPriority</a:t>
+            </a:r>
+            <a:r>
+              <a:rPr b="0" lang="en-US" sz="1000" spc="-1" strike="noStrike">
+                <a:latin typeface="Times New Roman"/>
+              </a:rPr>
+              <a:t>(0), </a:t>
+            </a:r>
+            <a:r>
+              <a:rPr b="1" lang="en-US" sz="1000" spc="-1" strike="noStrike">
+                <a:solidFill>
+                  <a:srgbClr val="ff0000"/>
+                </a:solidFill>
+                <a:latin typeface="Times New Roman"/>
+              </a:rPr>
+              <a:t>SpProbability</a:t>
+            </a:r>
+            <a:r>
+              <a:rPr b="0" lang="en-US" sz="1000" spc="-1" strike="noStrike">
+                <a:latin typeface="Times New Roman"/>
+              </a:rPr>
+              <a:t>(0.5), </a:t>
+            </a:r>
+            <a:r>
+              <a:rPr b="1" lang="en-US" sz="1000" spc="-1" strike="noStrike">
+                <a:solidFill>
+                  <a:srgbClr val="ff0000"/>
+                </a:solidFill>
+                <a:latin typeface="Times New Roman"/>
+              </a:rPr>
+              <a:t>SpRead</a:t>
+            </a:r>
+            <a:r>
+              <a:rPr b="0" lang="en-US" sz="1000" spc="-1" strike="noStrike">
+                <a:latin typeface="Times New Roman"/>
+              </a:rPr>
+              <a:t>(b),</a:t>
+            </a:r>
+            <a:r>
+              <a:rPr b="1" lang="en-US" sz="1000" spc="-1" strike="noStrike">
+                <a:solidFill>
+                  <a:srgbClr val="ff0000"/>
+                </a:solidFill>
+                <a:latin typeface="Times New Roman"/>
+              </a:rPr>
+              <a:t>SpPotentialWrite</a:t>
+            </a:r>
+            <a:r>
+              <a:rPr b="0" lang="en-US" sz="1000" spc="-1" strike="noStrike">
+                <a:latin typeface="Times New Roman"/>
+              </a:rPr>
+              <a:t>(a),</a:t>
+            </a:r>
+            <a:endParaRPr b="0" lang="en-US" sz="1000" spc="-1" strike="noStrike">
+              <a:latin typeface="Times New Roman"/>
+            </a:endParaRPr>
+          </a:p>
+          <a:p>
+            <a:r>
+              <a:rPr b="0" lang="en-US" sz="1000" spc="-1" strike="noStrike">
+                <a:latin typeface="Times New Roman"/>
+              </a:rPr>
+              <a:t>   </a:t>
+            </a:r>
+            <a:endParaRPr b="0" lang="en-US" sz="1000" spc="-1" strike="noStrike">
+              <a:latin typeface="Times New Roman"/>
+            </a:endParaRPr>
+          </a:p>
+          <a:p>
+            <a:r>
+              <a:rPr b="0" lang="en-US" sz="1000" spc="-1" strike="noStrike">
+                <a:latin typeface="Times New Roman"/>
+              </a:rPr>
+              <a:t>        </a:t>
+            </a:r>
+            <a:r>
+              <a:rPr b="1" lang="en-US" sz="1000" spc="-1" strike="noStrike">
+                <a:solidFill>
+                  <a:srgbClr val="158466"/>
+                </a:solidFill>
+                <a:latin typeface="Times New Roman"/>
+              </a:rPr>
+              <a:t>[dis01, mtEngine]</a:t>
+            </a:r>
+            <a:r>
+              <a:rPr b="0" lang="en-US" sz="1000" spc="-1" strike="noStrike">
+                <a:latin typeface="Times New Roman"/>
+              </a:rPr>
+              <a:t> (const int &amp;inB, int &amp;inA) mutable -&gt; bool</a:t>
+            </a:r>
+            <a:endParaRPr b="0" lang="en-US" sz="1000" spc="-1" strike="noStrike">
+              <a:latin typeface="Times New Roman"/>
+            </a:endParaRPr>
+          </a:p>
+          <a:p>
+            <a:endParaRPr b="0" lang="en-US" sz="1000" spc="-1" strike="noStrike">
+              <a:latin typeface="Times New Roman"/>
+            </a:endParaRPr>
+          </a:p>
+          <a:p>
+            <a:r>
+              <a:rPr b="0" lang="en-US" sz="1000" spc="-1" strike="noStrike">
+                <a:latin typeface="Times New Roman"/>
+              </a:rPr>
+              <a:t>        </a:t>
+            </a:r>
+            <a:r>
+              <a:rPr b="0" lang="en-US" sz="1000" spc="-1" strike="noStrike">
+                <a:latin typeface="Times New Roman"/>
+              </a:rPr>
+              <a:t>{</a:t>
+            </a:r>
+            <a:endParaRPr b="0" lang="en-US" sz="1000" spc="-1" strike="noStrike">
+              <a:latin typeface="Times New Roman"/>
+            </a:endParaRPr>
+          </a:p>
+          <a:p>
+            <a:endParaRPr b="0" lang="en-US" sz="1000" spc="-1" strike="noStrike">
+              <a:latin typeface="Times New Roman"/>
+            </a:endParaRPr>
+          </a:p>
+          <a:p>
+            <a:r>
+              <a:rPr b="0" lang="en-US" sz="1000" spc="-1" strike="noStrike">
+                <a:latin typeface="Times New Roman"/>
+              </a:rPr>
+              <a:t>            </a:t>
+            </a:r>
+            <a:r>
+              <a:rPr b="0" lang="en-US" sz="1000" spc="-1" strike="noStrike">
+                <a:latin typeface="Times New Roman"/>
+              </a:rPr>
+              <a:t>double val = dis01(mtEngine);</a:t>
+            </a:r>
+            <a:endParaRPr b="0" lang="en-US" sz="1000" spc="-1" strike="noStrike">
+              <a:latin typeface="Times New Roman"/>
+            </a:endParaRPr>
+          </a:p>
+          <a:p>
+            <a:endParaRPr b="0" lang="en-US" sz="1000" spc="-1" strike="noStrike">
+              <a:latin typeface="Times New Roman"/>
+            </a:endParaRPr>
+          </a:p>
+          <a:p>
+            <a:r>
+              <a:rPr b="0" lang="en-US" sz="1000" spc="-1" strike="noStrike">
+                <a:latin typeface="Times New Roman"/>
+              </a:rPr>
+              <a:t>            </a:t>
+            </a:r>
+            <a:r>
+              <a:rPr b="0" lang="en-US" sz="1000" spc="-1" strike="noStrike">
+                <a:latin typeface="Times New Roman"/>
+              </a:rPr>
+              <a:t>If( inB == 42  &amp;&amp; val &lt; 0.5) { inA = 43; return true; }</a:t>
+            </a:r>
+            <a:endParaRPr b="0" lang="en-US" sz="1000" spc="-1" strike="noStrike">
+              <a:latin typeface="Times New Roman"/>
+            </a:endParaRPr>
+          </a:p>
+          <a:p>
+            <a:endParaRPr b="0" lang="en-US" sz="1000" spc="-1" strike="noStrike">
+              <a:latin typeface="Times New Roman"/>
+            </a:endParaRPr>
+          </a:p>
+          <a:p>
+            <a:r>
+              <a:rPr b="0" lang="en-US" sz="1000" spc="-1" strike="noStrike">
+                <a:latin typeface="Times New Roman"/>
+              </a:rPr>
+              <a:t>            </a:t>
+            </a:r>
+            <a:r>
+              <a:rPr b="0" lang="en-US" sz="1000" spc="-1" strike="noStrike">
+                <a:latin typeface="Times New Roman"/>
+              </a:rPr>
+              <a:t>return false;</a:t>
+            </a:r>
+            <a:endParaRPr b="0" lang="en-US" sz="1000" spc="-1" strike="noStrike">
+              <a:latin typeface="Times New Roman"/>
+            </a:endParaRPr>
+          </a:p>
+          <a:p>
+            <a:r>
+              <a:rPr b="0" lang="en-US" sz="1000" spc="-1" strike="noStrike">
+                <a:latin typeface="Times New Roman"/>
+              </a:rPr>
+              <a:t>        </a:t>
+            </a:r>
+            <a:endParaRPr b="0" lang="en-US" sz="1000" spc="-1" strike="noStrike">
+              <a:latin typeface="Times New Roman"/>
+            </a:endParaRPr>
+          </a:p>
+          <a:p>
+            <a:r>
+              <a:rPr b="0" lang="en-US" sz="1000" spc="-1" strike="noStrike">
+                <a:latin typeface="Times New Roman"/>
+              </a:rPr>
+              <a:t>        </a:t>
+            </a:r>
+            <a:r>
+              <a:rPr b="0" lang="en-US" sz="1000" spc="-1" strike="noStrike">
+                <a:latin typeface="Times New Roman"/>
+              </a:rPr>
+              <a:t>}</a:t>
+            </a:r>
+            <a:endParaRPr b="0" lang="en-US" sz="1000" spc="-1" strike="noStrike">
+              <a:latin typeface="Times New Roman"/>
+            </a:endParaRPr>
+          </a:p>
+          <a:p>
+            <a:r>
+              <a:rPr b="0" lang="en-US" sz="1000" spc="-1" strike="noStrike">
+                <a:latin typeface="Times New Roman"/>
+              </a:rPr>
+              <a:t>    </a:t>
+            </a:r>
+            <a:r>
+              <a:rPr b="0" lang="en-US" sz="1000" spc="-1" strike="noStrike">
+                <a:latin typeface="Times New Roman"/>
+              </a:rPr>
+              <a:t>);</a:t>
+            </a:r>
+            <a:endParaRPr b="0" lang="en-US" sz="1000" spc="-1" strike="noStrike">
+              <a:latin typeface="Times New Roman"/>
+            </a:endParaRPr>
+          </a:p>
+        </p:txBody>
+      </p:sp>
+      <p:sp>
+        <p:nvSpPr>
+          <p:cNvPr id="105" name=""/>
+          <p:cNvSpPr txBox="1"/>
+          <p:nvPr/>
+        </p:nvSpPr>
+        <p:spPr>
+          <a:xfrm>
+            <a:off x="5208480" y="1224360"/>
+            <a:ext cx="4619520" cy="4011480"/>
+          </a:xfrm>
+          <a:prstGeom prst="rect">
+            <a:avLst/>
+          </a:prstGeom>
+          <a:noFill/>
+          <a:ln w="0">
+            <a:noFill/>
+          </a:ln>
+        </p:spPr>
+        <p:txBody>
+          <a:bodyPr lIns="90000" rIns="90000" tIns="45000" bIns="45000" anchor="t">
+            <a:noAutofit/>
+          </a:bodyPr>
+          <a:p>
+            <a:r>
+              <a:rPr b="0" lang="en-US" sz="1000" spc="-1" strike="noStrike">
+                <a:latin typeface="Times New Roman"/>
+              </a:rPr>
+              <a:t>  </a:t>
+            </a:r>
+            <a:r>
+              <a:rPr b="1" lang="en-US" sz="1000" spc="-1" strike="noStrike">
+                <a:latin typeface="Times New Roman"/>
+              </a:rPr>
+              <a:t>  </a:t>
+            </a:r>
+            <a:r>
+              <a:rPr b="1" lang="en-US" sz="1000" spc="-1" strike="noStrike">
+                <a:latin typeface="Times New Roman"/>
+              </a:rPr>
+              <a:t>task2.setTaskName</a:t>
+            </a:r>
+            <a:r>
+              <a:rPr b="0" lang="en-US" sz="1000" spc="-1" strike="noStrike">
+                <a:latin typeface="Times New Roman"/>
+              </a:rPr>
+              <a:t>("Second-task");</a:t>
+            </a:r>
+            <a:endParaRPr b="0" lang="en-US" sz="1000" spc="-1" strike="noStrike">
+              <a:latin typeface="Times New Roman"/>
+            </a:endParaRPr>
+          </a:p>
+          <a:p>
+            <a:r>
+              <a:rPr b="0" lang="en-US" sz="1000" spc="-1" strike="noStrike">
+                <a:latin typeface="Times New Roman"/>
+              </a:rPr>
+              <a:t>    </a:t>
+            </a:r>
+            <a:r>
+              <a:rPr b="0" lang="en-US" sz="1000" spc="-1" strike="noStrike">
+                <a:latin typeface="Times New Roman"/>
+              </a:rPr>
+              <a:t>value=task1.getValue(); printf("value task1=%i\n",value);</a:t>
+            </a:r>
+            <a:endParaRPr b="0" lang="en-US" sz="1000" spc="-1" strike="noStrike">
+              <a:latin typeface="Times New Roman"/>
+            </a:endParaRPr>
+          </a:p>
+          <a:p>
+            <a:r>
+              <a:rPr b="0" lang="en-US" sz="1000" spc="-1" strike="noStrike">
+                <a:latin typeface="Times New Roman"/>
+              </a:rPr>
+              <a:t>    </a:t>
+            </a:r>
+            <a:r>
+              <a:rPr b="0" lang="en-US" sz="1000" spc="-1" strike="noStrike">
+                <a:latin typeface="Times New Roman"/>
+              </a:rPr>
+              <a:t>value=task2.getValue();  printf("value task2=%i\n",value);</a:t>
+            </a:r>
+            <a:endParaRPr b="0" lang="en-US" sz="1000" spc="-1" strike="noStrike">
+              <a:latin typeface="Times New Roman"/>
+            </a:endParaRPr>
+          </a:p>
+          <a:p>
+            <a:endParaRPr b="0" lang="en-US" sz="1000" spc="-1" strike="noStrike">
+              <a:latin typeface="Times New Roman"/>
+            </a:endParaRPr>
+          </a:p>
+          <a:p>
+            <a:r>
+              <a:rPr b="0" lang="en-US" sz="1000" spc="-1" strike="noStrike">
+                <a:latin typeface="Times New Roman"/>
+              </a:rPr>
+              <a:t>     </a:t>
+            </a:r>
+            <a:r>
+              <a:rPr b="0" lang="en-US" sz="1000" spc="-1" strike="noStrike">
+                <a:latin typeface="Times New Roman"/>
+              </a:rPr>
+              <a:t>auto task3 =</a:t>
+            </a:r>
+            <a:r>
+              <a:rPr b="1" lang="en-US" sz="1000" spc="-1" strike="noStrike">
+                <a:latin typeface="Times New Roman"/>
+              </a:rPr>
+              <a:t>runtime.task(</a:t>
+            </a:r>
+            <a:r>
+              <a:rPr b="0" lang="en-US" sz="1000" spc="-1" strike="noStrike">
+                <a:latin typeface="Times New Roman"/>
+              </a:rPr>
+              <a:t> </a:t>
+            </a:r>
+            <a:r>
+              <a:rPr b="1" lang="en-US" sz="1000" spc="-1" strike="noStrike">
+                <a:solidFill>
+                  <a:srgbClr val="ff0000"/>
+                </a:solidFill>
+                <a:latin typeface="Times New Roman"/>
+              </a:rPr>
+              <a:t>SpRead</a:t>
+            </a:r>
+            <a:r>
+              <a:rPr b="0" lang="en-US" sz="1000" spc="-1" strike="noStrike">
+                <a:latin typeface="Times New Roman"/>
+              </a:rPr>
+              <a:t>(a),</a:t>
+            </a:r>
+            <a:r>
+              <a:rPr b="1" lang="en-US" sz="1000" spc="-1" strike="noStrike">
+                <a:solidFill>
+                  <a:srgbClr val="ff0000"/>
+                </a:solidFill>
+                <a:latin typeface="Times New Roman"/>
+              </a:rPr>
+              <a:t> SpWrite</a:t>
+            </a:r>
+            <a:r>
+              <a:rPr b="0" lang="en-US" sz="1000" spc="-1" strike="noStrike">
+                <a:latin typeface="Times New Roman"/>
+              </a:rPr>
+              <a:t>(c), </a:t>
+            </a:r>
+            <a:endParaRPr b="0" lang="en-US" sz="1000" spc="-1" strike="noStrike">
+              <a:latin typeface="Times New Roman"/>
+            </a:endParaRPr>
+          </a:p>
+          <a:p>
+            <a:r>
+              <a:rPr b="0" lang="en-US" sz="1000" spc="-1" strike="noStrike">
+                <a:latin typeface="Times New Roman"/>
+              </a:rPr>
+              <a:t>    </a:t>
+            </a:r>
+            <a:r>
+              <a:rPr b="1" lang="en-US" sz="1000" spc="-1" strike="noStrike">
+                <a:solidFill>
+                  <a:srgbClr val="158466"/>
+                </a:solidFill>
+                <a:latin typeface="Times New Roman"/>
+              </a:rPr>
+              <a:t>    </a:t>
+            </a:r>
+            <a:r>
+              <a:rPr b="1" lang="en-US" sz="1000" spc="-1" strike="noStrike">
+                <a:solidFill>
+                  <a:srgbClr val="158466"/>
+                </a:solidFill>
+                <a:latin typeface="Times New Roman"/>
+              </a:rPr>
+              <a:t>[ ]</a:t>
+            </a:r>
+            <a:r>
+              <a:rPr b="0" lang="en-US" sz="1000" spc="-1" strike="noStrike">
+                <a:latin typeface="Times New Roman"/>
+              </a:rPr>
+              <a:t> (const int &amp;inA, int &amp;inC) </a:t>
+            </a:r>
+            <a:endParaRPr b="0" lang="en-US" sz="1000" spc="-1" strike="noStrike">
+              <a:latin typeface="Times New Roman"/>
+            </a:endParaRPr>
+          </a:p>
+          <a:p>
+            <a:r>
+              <a:rPr b="0" lang="en-US" sz="1000" spc="-1" strike="noStrike">
+                <a:latin typeface="Times New Roman"/>
+              </a:rPr>
+              <a:t>       </a:t>
+            </a:r>
+            <a:r>
+              <a:rPr b="0" lang="en-US" sz="1000" spc="-1" strike="noStrike">
+                <a:latin typeface="Times New Roman"/>
+              </a:rPr>
+              <a:t>{</a:t>
+            </a:r>
+            <a:endParaRPr b="0" lang="en-US" sz="1000" spc="-1" strike="noStrike">
+              <a:latin typeface="Times New Roman"/>
+            </a:endParaRPr>
+          </a:p>
+          <a:p>
+            <a:r>
+              <a:rPr b="0" lang="en-US" sz="1000" spc="-1" strike="noStrike">
+                <a:latin typeface="Times New Roman"/>
+              </a:rPr>
+              <a:t>            </a:t>
+            </a:r>
+            <a:r>
+              <a:rPr b="0" lang="en-US" sz="1000" spc="-1" strike="noStrike">
+                <a:latin typeface="Times New Roman"/>
+              </a:rPr>
+              <a:t>if(inA == 41) { inC = 1;} else { inC = 2;}</a:t>
+            </a:r>
+            <a:endParaRPr b="0" lang="en-US" sz="1000" spc="-1" strike="noStrike">
+              <a:latin typeface="Times New Roman"/>
+            </a:endParaRPr>
+          </a:p>
+          <a:p>
+            <a:r>
+              <a:rPr b="0" lang="en-US" sz="1000" spc="-1" strike="noStrike">
+                <a:latin typeface="Times New Roman"/>
+              </a:rPr>
+              <a:t>        </a:t>
+            </a:r>
+            <a:r>
+              <a:rPr b="0" lang="en-US" sz="1000" spc="-1" strike="noStrike">
+                <a:latin typeface="Times New Roman"/>
+              </a:rPr>
+              <a:t>}</a:t>
+            </a:r>
+            <a:endParaRPr b="0" lang="en-US" sz="1000" spc="-1" strike="noStrike">
+              <a:latin typeface="Times New Roman"/>
+            </a:endParaRPr>
+          </a:p>
+          <a:p>
+            <a:r>
+              <a:rPr b="0" lang="en-US" sz="1000" spc="-1" strike="noStrike">
+                <a:latin typeface="Times New Roman"/>
+              </a:rPr>
+              <a:t>    </a:t>
+            </a:r>
+            <a:r>
+              <a:rPr b="0" lang="en-US" sz="1000" spc="-1" strike="noStrike">
+                <a:latin typeface="Times New Roman"/>
+              </a:rPr>
+              <a:t>);</a:t>
+            </a:r>
+            <a:endParaRPr b="0" lang="en-US" sz="1000" spc="-1" strike="noStrike">
+              <a:latin typeface="Times New Roman"/>
+            </a:endParaRPr>
+          </a:p>
+          <a:p>
+            <a:endParaRPr b="0" lang="en-US" sz="1000" spc="-1" strike="noStrike">
+              <a:latin typeface="Times New Roman"/>
+            </a:endParaRPr>
+          </a:p>
+          <a:p>
+            <a:r>
+              <a:rPr b="0" lang="en-US" sz="1000" spc="-1" strike="noStrike">
+                <a:latin typeface="Times New Roman"/>
+              </a:rPr>
+              <a:t>    </a:t>
+            </a:r>
+            <a:r>
+              <a:rPr b="0" lang="en-US" sz="1000" spc="-1" strike="noStrike">
+                <a:latin typeface="Times New Roman"/>
+              </a:rPr>
+              <a:t>task3.setTaskName("Final-task");</a:t>
+            </a:r>
+            <a:endParaRPr b="0" lang="en-US" sz="1000" spc="-1" strike="noStrike">
+              <a:latin typeface="Times New Roman"/>
+            </a:endParaRPr>
+          </a:p>
+          <a:p>
+            <a:endParaRPr b="0" lang="en-US" sz="1000" spc="-1" strike="noStrike">
+              <a:latin typeface="Times New Roman"/>
+            </a:endParaRPr>
+          </a:p>
+          <a:p>
+            <a:r>
+              <a:rPr b="0" lang="en-US" sz="1000" spc="-1" strike="noStrike">
+                <a:solidFill>
+                  <a:srgbClr val="666666"/>
+                </a:solidFill>
+                <a:latin typeface="Times New Roman"/>
+              </a:rPr>
+              <a:t>    </a:t>
+            </a:r>
+            <a:r>
+              <a:rPr b="0" lang="en-US" sz="1000" spc="-1" strike="noStrike">
+                <a:solidFill>
+                  <a:srgbClr val="666666"/>
+                </a:solidFill>
+                <a:latin typeface="Times New Roman"/>
+              </a:rPr>
+              <a:t>// We wait for all tasks to finish</a:t>
+            </a:r>
+            <a:endParaRPr b="0" lang="en-US" sz="1000" spc="-1" strike="noStrike">
+              <a:latin typeface="Times New Roman"/>
+            </a:endParaRPr>
+          </a:p>
+          <a:p>
+            <a:r>
+              <a:rPr b="0" lang="en-US" sz="1000" spc="-1" strike="noStrike">
+                <a:latin typeface="Times New Roman"/>
+              </a:rPr>
+              <a:t>    </a:t>
+            </a:r>
+            <a:r>
+              <a:rPr b="1" lang="en-US" sz="1000" spc="-1" strike="noStrike">
+                <a:latin typeface="Times New Roman"/>
+              </a:rPr>
+              <a:t>runtime.waitAllTasks</a:t>
+            </a:r>
+            <a:r>
+              <a:rPr b="0" lang="en-US" sz="1000" spc="-1" strike="noStrike">
+                <a:latin typeface="Times New Roman"/>
+              </a:rPr>
+              <a:t>();   </a:t>
+            </a:r>
+            <a:endParaRPr b="0" lang="en-US" sz="1000" spc="-1" strike="noStrike">
+              <a:latin typeface="Times New Roman"/>
+            </a:endParaRPr>
+          </a:p>
+          <a:p>
+            <a:endParaRPr b="0" lang="en-US" sz="1000" spc="-1" strike="noStrike">
+              <a:latin typeface="Times New Roman"/>
+            </a:endParaRPr>
+          </a:p>
+          <a:p>
+            <a:r>
+              <a:rPr b="0" lang="en-US" sz="1000" spc="-1" strike="noStrike">
+                <a:solidFill>
+                  <a:srgbClr val="666666"/>
+                </a:solidFill>
+                <a:latin typeface="Times New Roman"/>
+              </a:rPr>
+              <a:t>    </a:t>
+            </a:r>
+            <a:r>
+              <a:rPr b="0" lang="en-US" sz="1000" spc="-1" strike="noStrike">
+                <a:solidFill>
+                  <a:srgbClr val="666666"/>
+                </a:solidFill>
+                <a:latin typeface="Times New Roman"/>
+              </a:rPr>
+              <a:t>// We make all runtime threads exit</a:t>
+            </a:r>
+            <a:endParaRPr b="0" lang="en-US" sz="1000" spc="-1" strike="noStrike">
+              <a:latin typeface="Times New Roman"/>
+            </a:endParaRPr>
+          </a:p>
+          <a:p>
+            <a:r>
+              <a:rPr b="1" lang="en-US" sz="1000" spc="-1" strike="noStrike">
+                <a:latin typeface="Times New Roman"/>
+              </a:rPr>
+              <a:t>    </a:t>
+            </a:r>
+            <a:r>
+              <a:rPr b="1" lang="en-US" sz="1000" spc="-1" strike="noStrike">
+                <a:latin typeface="Times New Roman"/>
+              </a:rPr>
+              <a:t>runtime.stopAllThreads</a:t>
+            </a:r>
+            <a:r>
+              <a:rPr b="0" lang="en-US" sz="1000" spc="-1" strike="noStrike">
+                <a:latin typeface="Times New Roman"/>
+              </a:rPr>
+              <a:t>();</a:t>
+            </a:r>
+            <a:endParaRPr b="0" lang="en-US" sz="1000" spc="-1" strike="noStrike">
+              <a:latin typeface="Times New Roman"/>
+            </a:endParaRPr>
+          </a:p>
+          <a:p>
+            <a:r>
+              <a:rPr b="0" lang="en-US" sz="1000" spc="-1" strike="noStrike">
+                <a:latin typeface="Times New Roman"/>
+              </a:rPr>
+              <a:t>    </a:t>
+            </a:r>
+            <a:endParaRPr b="0" lang="en-US" sz="1000" spc="-1" strike="noStrike">
+              <a:latin typeface="Times New Roman"/>
+            </a:endParaRPr>
+          </a:p>
+          <a:p>
+            <a:r>
+              <a:rPr b="0" lang="en-US" sz="1000" spc="-1" strike="noStrike">
+                <a:latin typeface="Times New Roman"/>
+              </a:rPr>
+              <a:t>    </a:t>
+            </a:r>
+            <a:r>
+              <a:rPr b="0" lang="en-US" sz="1000" spc="-1" strike="noStrike">
+                <a:latin typeface="Times New Roman"/>
+              </a:rPr>
+              <a:t>assert((a == 41 || a == 43) &amp;&amp; b == 42 &amp;&amp; (c == 1 || c == 2) &amp;&amp; "Try again!");</a:t>
+            </a:r>
+            <a:endParaRPr b="0" lang="en-US" sz="1000" spc="-1" strike="noStrike">
+              <a:latin typeface="Times New Roman"/>
+            </a:endParaRPr>
+          </a:p>
+          <a:p>
+            <a:r>
+              <a:rPr b="0" lang="en-US" sz="1000" spc="-1" strike="noStrike">
+                <a:latin typeface="Times New Roman"/>
+              </a:rPr>
+              <a:t> </a:t>
+            </a:r>
+            <a:r>
+              <a:rPr b="0" lang="en-US" sz="1000" spc="-1" strike="noStrike">
+                <a:solidFill>
+                  <a:srgbClr val="666666"/>
+                </a:solidFill>
+                <a:latin typeface="Times New Roman"/>
+              </a:rPr>
+              <a:t>   </a:t>
+            </a:r>
+            <a:r>
+              <a:rPr b="0" lang="en-US" sz="1000" spc="-1" strike="noStrike">
+                <a:solidFill>
+                  <a:srgbClr val="666666"/>
+                </a:solidFill>
+                <a:latin typeface="Times New Roman"/>
+              </a:rPr>
+              <a:t>// We generate the task graph corresponding to the execution </a:t>
+            </a:r>
+            <a:endParaRPr b="0" lang="en-US" sz="1000" spc="-1" strike="noStrike">
+              <a:latin typeface="Times New Roman"/>
+            </a:endParaRPr>
+          </a:p>
+          <a:p>
+            <a:r>
+              <a:rPr b="0" lang="en-US" sz="1000" spc="-1" strike="noStrike">
+                <a:latin typeface="Times New Roman"/>
+              </a:rPr>
+              <a:t>   </a:t>
+            </a:r>
+            <a:r>
+              <a:rPr b="1" lang="en-US" sz="1000" spc="-1" strike="noStrike">
+                <a:solidFill>
+                  <a:srgbClr val="000000"/>
+                </a:solidFill>
+                <a:latin typeface="Times New Roman"/>
+              </a:rPr>
+              <a:t> </a:t>
+            </a:r>
+            <a:r>
+              <a:rPr b="1" lang="en-US" sz="1000" spc="-1" strike="noStrike">
+                <a:solidFill>
+                  <a:srgbClr val="000000"/>
+                </a:solidFill>
+                <a:latin typeface="Times New Roman"/>
+              </a:rPr>
+              <a:t>runtime.generateDot</a:t>
+            </a:r>
+            <a:r>
+              <a:rPr b="0" lang="en-US" sz="1000" spc="-1" strike="noStrike">
+                <a:latin typeface="Times New Roman"/>
+              </a:rPr>
+              <a:t>("Result.dot", true);</a:t>
+            </a:r>
+            <a:endParaRPr b="0" lang="en-US" sz="1000" spc="-1" strike="noStrike">
+              <a:latin typeface="Times New Roman"/>
+            </a:endParaRPr>
+          </a:p>
+          <a:p>
+            <a:r>
+              <a:rPr b="0" lang="en-US" sz="1000" spc="-1" strike="noStrike">
+                <a:latin typeface="Times New Roman"/>
+              </a:rPr>
+              <a:t>   </a:t>
+            </a:r>
+            <a:endParaRPr b="0" lang="en-US" sz="1000" spc="-1" strike="noStrike">
+              <a:latin typeface="Times New Roman"/>
+            </a:endParaRPr>
+          </a:p>
+          <a:p>
+            <a:r>
+              <a:rPr b="0" lang="en-US" sz="1000" spc="-1" strike="noStrike">
+                <a:latin typeface="Times New Roman"/>
+              </a:rPr>
+              <a:t>  </a:t>
+            </a:r>
+            <a:r>
+              <a:rPr b="0" lang="en-US" sz="1000" spc="-1" strike="noStrike">
+                <a:solidFill>
+                  <a:srgbClr val="666666"/>
+                </a:solidFill>
+                <a:latin typeface="Times New Roman"/>
+              </a:rPr>
+              <a:t>  </a:t>
+            </a:r>
+            <a:r>
+              <a:rPr b="0" lang="en-US" sz="1000" spc="-1" strike="noStrike">
+                <a:solidFill>
+                  <a:srgbClr val="666666"/>
+                </a:solidFill>
+                <a:latin typeface="Times New Roman"/>
+              </a:rPr>
+              <a:t>// We generate an Svg trace of the execution</a:t>
+            </a:r>
+            <a:endParaRPr b="0" lang="en-US" sz="1000" spc="-1" strike="noStrike">
+              <a:latin typeface="Times New Roman"/>
+            </a:endParaRPr>
+          </a:p>
+          <a:p>
+            <a:r>
+              <a:rPr b="0" lang="en-US" sz="1000" spc="-1" strike="noStrike">
+                <a:latin typeface="Times New Roman"/>
+              </a:rPr>
+              <a:t>    </a:t>
+            </a:r>
+            <a:r>
+              <a:rPr b="1" lang="en-US" sz="1000" spc="-1" strike="noStrike">
+                <a:latin typeface="Times New Roman"/>
+              </a:rPr>
+              <a:t>runtime.generateTrace</a:t>
+            </a:r>
+            <a:r>
+              <a:rPr b="0" lang="en-US" sz="1000" spc="-1" strike="noStrike">
+                <a:latin typeface="Times New Roman"/>
+              </a:rPr>
+              <a:t>("Result.svg");</a:t>
+            </a:r>
+            <a:endParaRPr b="0" lang="en-US" sz="1000" spc="-1" strike="noStrike">
+              <a:latin typeface="Times New Roman"/>
+            </a:endParaRPr>
+          </a:p>
+          <a:p>
+            <a:r>
+              <a:rPr b="0" lang="en-US" sz="1000" spc="-1" strike="noStrike">
+                <a:latin typeface="Times New Roman"/>
+              </a:rPr>
+              <a:t>    </a:t>
+            </a:r>
+            <a:endParaRPr b="0" lang="en-US" sz="1000" spc="-1" strike="noStrike">
+              <a:latin typeface="Times New Roman"/>
+            </a:endParaRPr>
+          </a:p>
+          <a:p>
+            <a:r>
+              <a:rPr b="0" lang="en-US" sz="1000" spc="-1" strike="noStrike">
+                <a:latin typeface="Times New Roman"/>
+              </a:rPr>
+              <a:t>    </a:t>
+            </a:r>
+            <a:r>
+              <a:rPr b="0" lang="en-US" sz="1000" spc="-1" strike="noStrike">
+                <a:latin typeface="Times New Roman"/>
+              </a:rPr>
+              <a:t>return 0;</a:t>
+            </a:r>
+            <a:endParaRPr b="0" lang="en-US" sz="1000" spc="-1" strike="noStrike">
+              <a:latin typeface="Times New Roman"/>
+            </a:endParaRPr>
+          </a:p>
+          <a:p>
+            <a:r>
+              <a:rPr b="0" lang="en-US" sz="1000" spc="-1" strike="noStrike">
+                <a:latin typeface="Times New Roman"/>
+              </a:rPr>
+              <a:t>}</a:t>
+            </a:r>
+            <a:endParaRPr b="0" lang="en-US" sz="1000" spc="-1" strike="noStrike">
+              <a:latin typeface="Times New Roman"/>
+            </a:endParaRPr>
+          </a:p>
+        </p:txBody>
+      </p:sp>
     </p:spTree>
   </p:cSld>
   <mc:AlternateContent>
@@ -5672,17 +8427,395 @@
       </p:grpSpPr>
       <p:sp>
         <p:nvSpPr>
-          <p:cNvPr id="95" name="PlaceHolder 1"/>
-          <p:cNvSpPr>
-            <a:spLocks noGrp="1"/>
-          </p:cNvSpPr>
-          <p:nvPr>
-            <p:ph type="title"/>
-          </p:nvPr>
+          <p:cNvPr id="106" name=""/>
+          <p:cNvSpPr txBox="1"/>
+          <p:nvPr/>
         </p:nvSpPr>
         <p:spPr>
           <a:xfrm>
-            <a:off x="360000" y="225720"/>
+            <a:off x="396000" y="1800000"/>
+            <a:ext cx="2484000" cy="2891160"/>
+          </a:xfrm>
+          <a:prstGeom prst="rect">
+            <a:avLst/>
+          </a:prstGeom>
+          <a:noFill/>
+          <a:ln w="0">
+            <a:noFill/>
+          </a:ln>
+        </p:spPr>
+        <p:txBody>
+          <a:bodyPr lIns="90000" rIns="90000" tIns="45000" bIns="45000" anchor="t">
+            <a:noAutofit/>
+          </a:bodyPr>
+          <a:p>
+            <a:r>
+              <a:rPr b="0" lang="en-US" sz="1000" spc="-1" strike="noStrike">
+                <a:latin typeface="Times New Roman"/>
+              </a:rPr>
+              <a:t>digraph G {</a:t>
+            </a:r>
+            <a:endParaRPr b="0" lang="en-US" sz="1000" spc="-1" strike="noStrike">
+              <a:latin typeface="Times New Roman"/>
+            </a:endParaRPr>
+          </a:p>
+          <a:p>
+            <a:r>
+              <a:rPr b="0" lang="en-US" sz="1000" spc="-1" strike="noStrike">
+                <a:latin typeface="Times New Roman"/>
+              </a:rPr>
+              <a:t>	</a:t>
+            </a:r>
+            <a:r>
+              <a:rPr b="0" lang="en-US" sz="1000" spc="-1" strike="noStrike">
+                <a:latin typeface="Times New Roman"/>
+              </a:rPr>
+              <a:t>0 -&gt; 2</a:t>
+            </a:r>
+            <a:endParaRPr b="0" lang="en-US" sz="1000" spc="-1" strike="noStrike">
+              <a:latin typeface="Times New Roman"/>
+            </a:endParaRPr>
+          </a:p>
+          <a:p>
+            <a:r>
+              <a:rPr b="0" lang="en-US" sz="1000" spc="-1" strike="noStrike">
+                <a:latin typeface="Times New Roman"/>
+              </a:rPr>
+              <a:t>	</a:t>
+            </a:r>
+            <a:r>
+              <a:rPr b="0" lang="en-US" sz="1000" spc="-1" strike="noStrike">
+                <a:latin typeface="Times New Roman"/>
+              </a:rPr>
+              <a:t>0 [label="First-task</a:t>
+            </a:r>
+            <a:endParaRPr b="0" lang="en-US" sz="1000" spc="-1" strike="noStrike">
+              <a:latin typeface="Times New Roman"/>
+            </a:endParaRPr>
+          </a:p>
+          <a:p>
+            <a:r>
+              <a:rPr b="0" lang="en-US" sz="1000" spc="-1" strike="noStrike">
+                <a:latin typeface="Times New Roman"/>
+              </a:rPr>
+              <a:t>READ 0x7ffe811724f0</a:t>
+            </a:r>
+            <a:endParaRPr b="0" lang="en-US" sz="1000" spc="-1" strike="noStrike">
+              <a:latin typeface="Times New Roman"/>
+            </a:endParaRPr>
+          </a:p>
+          <a:p>
+            <a:r>
+              <a:rPr b="0" lang="en-US" sz="1000" spc="-1" strike="noStrike">
+                <a:latin typeface="Times New Roman"/>
+              </a:rPr>
+              <a:t>"];</a:t>
+            </a:r>
+            <a:endParaRPr b="0" lang="en-US" sz="1000" spc="-1" strike="noStrike">
+              <a:latin typeface="Times New Roman"/>
+            </a:endParaRPr>
+          </a:p>
+          <a:p>
+            <a:r>
+              <a:rPr b="0" lang="en-US" sz="1000" spc="-1" strike="noStrike">
+                <a:latin typeface="Times New Roman"/>
+              </a:rPr>
+              <a:t>	</a:t>
+            </a:r>
+            <a:r>
+              <a:rPr b="0" lang="en-US" sz="1000" spc="-1" strike="noStrike">
+                <a:latin typeface="Times New Roman"/>
+              </a:rPr>
+              <a:t>1 -&gt; 2</a:t>
+            </a:r>
+            <a:endParaRPr b="0" lang="en-US" sz="1000" spc="-1" strike="noStrike">
+              <a:latin typeface="Times New Roman"/>
+            </a:endParaRPr>
+          </a:p>
+          <a:p>
+            <a:r>
+              <a:rPr b="0" lang="en-US" sz="1000" spc="-1" strike="noStrike">
+                <a:latin typeface="Times New Roman"/>
+              </a:rPr>
+              <a:t>	</a:t>
+            </a:r>
+            <a:r>
+              <a:rPr b="0" lang="en-US" sz="1000" spc="-1" strike="noStrike">
+                <a:latin typeface="Times New Roman"/>
+              </a:rPr>
+              <a:t>1 [label="sp-copy</a:t>
+            </a:r>
+            <a:endParaRPr b="0" lang="en-US" sz="1000" spc="-1" strike="noStrike">
+              <a:latin typeface="Times New Roman"/>
+            </a:endParaRPr>
+          </a:p>
+          <a:p>
+            <a:r>
+              <a:rPr b="0" lang="en-US" sz="1000" spc="-1" strike="noStrike">
+                <a:latin typeface="Times New Roman"/>
+              </a:rPr>
+              <a:t>WRITE 0x55f486e5efe0</a:t>
+            </a:r>
+            <a:endParaRPr b="0" lang="en-US" sz="1000" spc="-1" strike="noStrike">
+              <a:latin typeface="Times New Roman"/>
+            </a:endParaRPr>
+          </a:p>
+          <a:p>
+            <a:r>
+              <a:rPr b="0" lang="en-US" sz="1000" spc="-1" strike="noStrike">
+                <a:latin typeface="Times New Roman"/>
+              </a:rPr>
+              <a:t>READ 0x7ffe811724f0</a:t>
+            </a:r>
+            <a:endParaRPr b="0" lang="en-US" sz="1000" spc="-1" strike="noStrike">
+              <a:latin typeface="Times New Roman"/>
+            </a:endParaRPr>
+          </a:p>
+          <a:p>
+            <a:r>
+              <a:rPr b="0" lang="en-US" sz="1000" spc="-1" strike="noStrike">
+                <a:latin typeface="Times New Roman"/>
+              </a:rPr>
+              <a:t>"];</a:t>
+            </a:r>
+            <a:endParaRPr b="0" lang="en-US" sz="1000" spc="-1" strike="noStrike">
+              <a:latin typeface="Times New Roman"/>
+            </a:endParaRPr>
+          </a:p>
+          <a:p>
+            <a:r>
+              <a:rPr b="0" lang="en-US" sz="1000" spc="-1" strike="noStrike">
+                <a:latin typeface="Times New Roman"/>
+              </a:rPr>
+              <a:t>	</a:t>
+            </a:r>
+            <a:r>
+              <a:rPr b="0" lang="en-US" sz="1000" spc="-1" strike="noStrike">
+                <a:latin typeface="Times New Roman"/>
+              </a:rPr>
+              <a:t>3 [label="Final-task</a:t>
+            </a:r>
+            <a:endParaRPr b="0" lang="en-US" sz="1000" spc="-1" strike="noStrike">
+              <a:latin typeface="Times New Roman"/>
+            </a:endParaRPr>
+          </a:p>
+          <a:p>
+            <a:r>
+              <a:rPr b="0" lang="en-US" sz="1000" spc="-1" strike="noStrike">
+                <a:latin typeface="Times New Roman"/>
+              </a:rPr>
+              <a:t>READ 0x7ffe811724f0</a:t>
+            </a:r>
+            <a:endParaRPr b="0" lang="en-US" sz="1000" spc="-1" strike="noStrike">
+              <a:latin typeface="Times New Roman"/>
+            </a:endParaRPr>
+          </a:p>
+          <a:p>
+            <a:r>
+              <a:rPr b="0" lang="en-US" sz="1000" spc="-1" strike="noStrike">
+                <a:latin typeface="Times New Roman"/>
+              </a:rPr>
+              <a:t>WRITE 0x7ffe811724f8</a:t>
+            </a:r>
+            <a:endParaRPr b="0" lang="en-US" sz="1000" spc="-1" strike="noStrike">
+              <a:latin typeface="Times New Roman"/>
+            </a:endParaRPr>
+          </a:p>
+          <a:p>
+            <a:r>
+              <a:rPr b="0" lang="en-US" sz="1000" spc="-1" strike="noStrike">
+                <a:latin typeface="Times New Roman"/>
+              </a:rPr>
+              <a:t>"];</a:t>
+            </a:r>
+            <a:endParaRPr b="0" lang="en-US" sz="1000" spc="-1" strike="noStrike">
+              <a:latin typeface="Times New Roman"/>
+            </a:endParaRPr>
+          </a:p>
+          <a:p>
+            <a:r>
+              <a:rPr b="0" lang="en-US" sz="1000" spc="-1" strike="noStrike">
+                <a:latin typeface="Times New Roman"/>
+              </a:rPr>
+              <a:t>	</a:t>
+            </a:r>
+            <a:r>
+              <a:rPr b="0" lang="en-US" sz="1000" spc="-1" strike="noStrike">
+                <a:latin typeface="Times New Roman"/>
+              </a:rPr>
+              <a:t>2 -&gt; 3</a:t>
+            </a:r>
+            <a:endParaRPr b="0" lang="en-US" sz="1000" spc="-1" strike="noStrike">
+              <a:latin typeface="Times New Roman"/>
+            </a:endParaRPr>
+          </a:p>
+          <a:p>
+            <a:r>
+              <a:rPr b="0" lang="en-US" sz="1000" spc="-1" strike="noStrike">
+                <a:latin typeface="Times New Roman"/>
+              </a:rPr>
+              <a:t>	</a:t>
+            </a:r>
+            <a:r>
+              <a:rPr b="0" lang="en-US" sz="1000" spc="-1" strike="noStrike">
+                <a:latin typeface="Times New Roman"/>
+              </a:rPr>
+              <a:t>2 [label="Second-task</a:t>
+            </a:r>
+            <a:endParaRPr b="0" lang="en-US" sz="1000" spc="-1" strike="noStrike">
+              <a:latin typeface="Times New Roman"/>
+            </a:endParaRPr>
+          </a:p>
+          <a:p>
+            <a:r>
+              <a:rPr b="0" lang="en-US" sz="1000" spc="-1" strike="noStrike">
+                <a:latin typeface="Times New Roman"/>
+              </a:rPr>
+              <a:t>READ 0x7ffe811724f4</a:t>
+            </a:r>
+            <a:endParaRPr b="0" lang="en-US" sz="1000" spc="-1" strike="noStrike">
+              <a:latin typeface="Times New Roman"/>
+            </a:endParaRPr>
+          </a:p>
+          <a:p>
+            <a:r>
+              <a:rPr b="0" lang="en-US" sz="1000" spc="-1" strike="noStrike">
+                <a:latin typeface="Times New Roman"/>
+              </a:rPr>
+              <a:t>POTENTIAL_WRITE 0x7ffe811724f0</a:t>
+            </a:r>
+            <a:endParaRPr b="0" lang="en-US" sz="1000" spc="-1" strike="noStrike">
+              <a:latin typeface="Times New Roman"/>
+            </a:endParaRPr>
+          </a:p>
+          <a:p>
+            <a:r>
+              <a:rPr b="0" lang="en-US" sz="1000" spc="-1" strike="noStrike">
+                <a:latin typeface="Times New Roman"/>
+              </a:rPr>
+              <a:t>"];</a:t>
+            </a:r>
+            <a:endParaRPr b="0" lang="en-US" sz="1000" spc="-1" strike="noStrike">
+              <a:latin typeface="Times New Roman"/>
+            </a:endParaRPr>
+          </a:p>
+          <a:p>
+            <a:r>
+              <a:rPr b="0" lang="en-US" sz="1000" spc="-1" strike="noStrike">
+                <a:latin typeface="Times New Roman"/>
+              </a:rPr>
+              <a:t>}</a:t>
+            </a:r>
+            <a:endParaRPr b="0" lang="en-US" sz="1000" spc="-1" strike="noStrike">
+              <a:latin typeface="Times New Roman"/>
+            </a:endParaRPr>
+          </a:p>
+        </p:txBody>
+      </p:sp>
+      <p:sp>
+        <p:nvSpPr>
+          <p:cNvPr id="107" name=""/>
+          <p:cNvSpPr txBox="1"/>
+          <p:nvPr/>
+        </p:nvSpPr>
+        <p:spPr>
+          <a:xfrm>
+            <a:off x="216000" y="1440000"/>
+            <a:ext cx="1080000" cy="230400"/>
+          </a:xfrm>
+          <a:prstGeom prst="rect">
+            <a:avLst/>
+          </a:prstGeom>
+          <a:noFill/>
+          <a:ln w="0">
+            <a:noFill/>
+          </a:ln>
+        </p:spPr>
+        <p:txBody>
+          <a:bodyPr lIns="90000" rIns="90000" tIns="45000" bIns="45000" anchor="t">
+            <a:noAutofit/>
+          </a:bodyPr>
+          <a:p>
+            <a:r>
+              <a:rPr b="1" lang="en-US" sz="1000" spc="-1" strike="noStrike">
+                <a:latin typeface="Times New Roman"/>
+              </a:rPr>
+              <a:t>Result.dot</a:t>
+            </a:r>
+            <a:endParaRPr b="1" lang="en-US" sz="1000" spc="-1" strike="noStrike">
+              <a:latin typeface="Times New Roman"/>
+            </a:endParaRPr>
+          </a:p>
+        </p:txBody>
+      </p:sp>
+      <p:pic>
+        <p:nvPicPr>
+          <p:cNvPr id="108" name="" descr=""/>
+          <p:cNvPicPr/>
+          <p:nvPr/>
+        </p:nvPicPr>
+        <p:blipFill>
+          <a:blip r:embed="rId1"/>
+          <a:stretch/>
+        </p:blipFill>
+        <p:spPr>
+          <a:xfrm>
+            <a:off x="3780000" y="1728000"/>
+            <a:ext cx="6110640" cy="3208320"/>
+          </a:xfrm>
+          <a:prstGeom prst="rect">
+            <a:avLst/>
+          </a:prstGeom>
+          <a:ln w="0">
+            <a:noFill/>
+          </a:ln>
+        </p:spPr>
+      </p:pic>
+      <p:sp>
+        <p:nvSpPr>
+          <p:cNvPr id="109" name=""/>
+          <p:cNvSpPr txBox="1"/>
+          <p:nvPr/>
+        </p:nvSpPr>
+        <p:spPr>
+          <a:xfrm>
+            <a:off x="3816000" y="1497600"/>
+            <a:ext cx="1080000" cy="230400"/>
+          </a:xfrm>
+          <a:prstGeom prst="rect">
+            <a:avLst/>
+          </a:prstGeom>
+          <a:noFill/>
+          <a:ln w="0">
+            <a:noFill/>
+          </a:ln>
+        </p:spPr>
+        <p:txBody>
+          <a:bodyPr lIns="90000" rIns="90000" tIns="45000" bIns="45000" anchor="t">
+            <a:noAutofit/>
+          </a:bodyPr>
+          <a:p>
+            <a:r>
+              <a:rPr b="1" lang="en-US" sz="1000" spc="-1" strike="noStrike">
+                <a:latin typeface="Times New Roman"/>
+              </a:rPr>
+              <a:t>Result.svg</a:t>
+            </a:r>
+            <a:endParaRPr b="1" lang="en-US" sz="1000" spc="-1" strike="noStrike">
+              <a:latin typeface="Times New Roman"/>
+            </a:endParaRPr>
+          </a:p>
+        </p:txBody>
+      </p:sp>
+      <p:sp>
+        <p:nvSpPr>
+          <p:cNvPr id="110" name="PlaceHolder 16"/>
+          <p:cNvSpPr/>
+          <p:nvPr/>
+        </p:nvSpPr>
+        <p:spPr>
+          <a:xfrm>
+            <a:off x="338760" y="226800"/>
             <a:ext cx="9354600" cy="713520"/>
           </a:xfrm>
           <a:prstGeom prst="rect">
@@ -5693,6 +8826,12 @@
             <a:noFill/>
           </a:ln>
         </p:spPr>
+        <p:style>
+          <a:lnRef idx="0"/>
+          <a:fillRef idx="0"/>
+          <a:effectRef idx="0"/>
+          <a:fontRef idx="minor"/>
+        </p:style>
         <p:txBody>
           <a:bodyPr lIns="0" rIns="0" tIns="0" bIns="0" anchor="ctr">
             <a:noAutofit/>
@@ -5713,267 +8852,11 @@
                   <a:srgbClr val="ffffff"/>
                 </a:solidFill>
                 <a:latin typeface="Source Sans Pro Black"/>
-              </a:rPr>
-              <a:t>SPECX</a:t>
-            </a:r>
-            <a:endParaRPr b="0" lang="fr-CH" sz="2700" spc="-1" strike="noStrike">
-              <a:latin typeface="Arial"/>
-            </a:endParaRPr>
-          </a:p>
-        </p:txBody>
-      </p:sp>
-      <p:sp>
-        <p:nvSpPr>
-          <p:cNvPr id="96" name="PlaceHolder 2"/>
-          <p:cNvSpPr>
-            <a:spLocks noGrp="1"/>
-          </p:cNvSpPr>
-          <p:nvPr>
-            <p:ph/>
-          </p:nvPr>
-        </p:nvSpPr>
-        <p:spPr>
-          <a:xfrm>
-            <a:off x="360000" y="1548000"/>
-            <a:ext cx="9360000" cy="3600000"/>
-          </a:xfrm>
-          <a:prstGeom prst="rect">
-            <a:avLst/>
-          </a:prstGeom>
-          <a:noFill/>
-          <a:ln w="0">
-            <a:noFill/>
-          </a:ln>
-        </p:spPr>
-        <p:txBody>
-          <a:bodyPr lIns="0" rIns="0" tIns="0" bIns="0" anchor="t">
-            <a:normAutofit/>
-          </a:bodyPr>
-          <a:p>
-            <a:pPr marL="432000">
-              <a:lnSpc>
-                <a:spcPct val="100000"/>
-              </a:lnSpc>
-              <a:spcAft>
-                <a:spcPts val="1057"/>
-              </a:spcAft>
-              <a:buNone/>
-              <a:tabLst>
-                <a:tab algn="l" pos="0"/>
-              </a:tabLst>
-            </a:pPr>
-            <a:r>
-              <a:rPr b="1" lang="en-US" sz="2000" spc="-1" strike="noStrike">
-                <a:solidFill>
-                  <a:srgbClr val="2c3e50"/>
-                </a:solidFill>
-                <a:latin typeface="Arial"/>
-              </a:rPr>
-              <a:t>Future developments</a:t>
-            </a:r>
-            <a:endParaRPr b="0" lang="fr-CH" sz="2000" spc="-1" strike="noStrike">
-              <a:latin typeface="Arial"/>
-            </a:endParaRPr>
-          </a:p>
-          <a:p>
-            <a:pPr marL="432000">
-              <a:lnSpc>
-                <a:spcPct val="100000"/>
-              </a:lnSpc>
-              <a:spcAft>
-                <a:spcPts val="1057"/>
-              </a:spcAft>
-              <a:buNone/>
-              <a:tabLst>
-                <a:tab algn="l" pos="0"/>
-              </a:tabLst>
-            </a:pPr>
-            <a:endParaRPr b="0" lang="fr-CH" sz="2000" spc="-1" strike="noStrike">
-              <a:latin typeface="Arial"/>
-            </a:endParaRPr>
-          </a:p>
-          <a:p>
-            <a:pPr marL="720000" indent="-324000">
-              <a:lnSpc>
-                <a:spcPct val="100000"/>
-              </a:lnSpc>
-              <a:spcAft>
-                <a:spcPts val="1057"/>
-              </a:spcAft>
-              <a:buClr>
-                <a:srgbClr val="2c3e50"/>
-              </a:buClr>
-              <a:buSzPct val="45000"/>
-              <a:buFont typeface="Wingdings" charset="2"/>
-              <a:buChar char=""/>
-              <a:tabLst>
-                <a:tab algn="l" pos="0"/>
-              </a:tabLst>
-            </a:pPr>
-            <a:r>
-              <a:rPr b="0" lang="en-US" sz="1400" spc="-1" strike="noStrike">
-                <a:solidFill>
-                  <a:srgbClr val="2c3e50"/>
-                </a:solidFill>
-                <a:latin typeface="Times New Roman"/>
-              </a:rPr>
-              <a:t>The main objective is to reduce the calculation times, </a:t>
-            </a:r>
-            <a:endParaRPr b="0" lang="fr-CH" sz="1400" spc="-1" strike="noStrike">
-              <a:latin typeface="Arial"/>
-            </a:endParaRPr>
-          </a:p>
-          <a:p>
-            <a:pPr marL="720000" indent="-324000">
-              <a:lnSpc>
-                <a:spcPct val="100000"/>
-              </a:lnSpc>
-              <a:spcAft>
-                <a:spcPts val="1057"/>
-              </a:spcAft>
-              <a:buClr>
-                <a:srgbClr val="2c3e50"/>
-              </a:buClr>
-              <a:buSzPct val="45000"/>
-              <a:buFont typeface="Wingdings" charset="2"/>
-              <a:buChar char=""/>
-              <a:tabLst>
-                <a:tab algn="l" pos="0"/>
-              </a:tabLst>
-            </a:pPr>
-            <a:r>
-              <a:rPr b="0" lang="en-US" sz="1400" spc="-1" strike="noStrike">
-                <a:solidFill>
-                  <a:srgbClr val="2c3e50"/>
-                </a:solidFill>
-                <a:latin typeface="Times New Roman"/>
-              </a:rPr>
-              <a:t>To manage the use of the different calculation resources, the different typical workloads, in particular in the case of multicore machines equipped with several acceleration machines.</a:t>
-            </a:r>
-            <a:endParaRPr b="0" lang="fr-CH" sz="1400" spc="-1" strike="noStrike">
-              <a:latin typeface="Arial"/>
-            </a:endParaRPr>
-          </a:p>
-          <a:p>
-            <a:pPr marL="720000" indent="-324000">
-              <a:lnSpc>
-                <a:spcPct val="100000"/>
-              </a:lnSpc>
-              <a:spcAft>
-                <a:spcPts val="1057"/>
-              </a:spcAft>
-              <a:buClr>
-                <a:srgbClr val="2c3e50"/>
-              </a:buClr>
-              <a:buSzPct val="45000"/>
-              <a:buFont typeface="Wingdings" charset="2"/>
-              <a:buChar char=""/>
-              <a:tabLst>
-                <a:tab algn="l" pos="0"/>
-              </a:tabLst>
-            </a:pPr>
-            <a:r>
-              <a:rPr b="0" lang="en-US" sz="1400" spc="-1" strike="noStrike">
-                <a:solidFill>
-                  <a:srgbClr val="000000"/>
-                </a:solidFill>
-                <a:latin typeface="Times New Roman"/>
-              </a:rPr>
-              <a:t>Plan to separate thread management from execution. </a:t>
-            </a:r>
-            <a:r>
-              <a:rPr b="0" lang="en-US" sz="1400" spc="-1" strike="noStrike">
-                <a:latin typeface="Times New Roman"/>
-                <a:ea typeface="Microsoft YaHei"/>
-              </a:rPr>
-              <a:t>To change the prototype of the predicate, to be able to consider additional data or different to make the decision.</a:t>
-            </a:r>
-            <a:endParaRPr b="0" lang="fr-CH" sz="1400" spc="-1" strike="noStrike">
-              <a:latin typeface="Arial"/>
-            </a:endParaRPr>
-          </a:p>
-          <a:p>
-            <a:pPr marL="720000" indent="-324000">
-              <a:lnSpc>
-                <a:spcPct val="100000"/>
-              </a:lnSpc>
-              <a:spcAft>
-                <a:spcPts val="1057"/>
-              </a:spcAft>
-              <a:buClr>
-                <a:srgbClr val="2c3e50"/>
-              </a:buClr>
-              <a:buSzPct val="45000"/>
-              <a:buFont typeface="Wingdings" charset="2"/>
-              <a:buChar char=""/>
-              <a:tabLst>
-                <a:tab algn="l" pos="0"/>
-              </a:tabLst>
-            </a:pPr>
-            <a:r>
-              <a:rPr b="0" lang="en-US" sz="1400" spc="-1" strike="noStrike">
-                <a:latin typeface="Times New Roman"/>
-                <a:ea typeface="Microsoft YaHei"/>
-              </a:rPr>
-              <a:t>Develop decision graphs to optimize available hybrid resources (CPU, GPU, GPGPU, TPU,...) to increase computational speed for given problems.</a:t>
-            </a:r>
-            <a:endParaRPr b="0" lang="fr-CH" sz="1400" spc="-1" strike="noStrike">
-              <a:latin typeface="Arial"/>
-            </a:endParaRPr>
-          </a:p>
-          <a:p>
-            <a:pPr marL="720000" indent="-324000">
-              <a:lnSpc>
-                <a:spcPct val="100000"/>
-              </a:lnSpc>
-              <a:spcAft>
-                <a:spcPts val="1057"/>
-              </a:spcAft>
-              <a:buClr>
-                <a:srgbClr val="2c3e50"/>
-              </a:buClr>
-              <a:buSzPct val="45000"/>
-              <a:buFont typeface="Wingdings" charset="2"/>
-              <a:buChar char=""/>
-              <a:tabLst>
-                <a:tab algn="l" pos="0"/>
-              </a:tabLst>
-            </a:pPr>
-            <a:r>
-              <a:rPr b="0" lang="en-US" sz="1400" spc="-1" strike="noStrike">
-                <a:latin typeface="Times New Roman"/>
-                <a:ea typeface="Microsoft YaHei"/>
-              </a:rPr>
-              <a:t>To provide effective and high -performance tools to the user.</a:t>
-            </a:r>
-            <a:endParaRPr b="0" lang="fr-CH" sz="1400" spc="-1" strike="noStrike">
-              <a:latin typeface="Arial"/>
-            </a:endParaRPr>
-          </a:p>
-          <a:p>
-            <a:pPr marL="432000">
-              <a:lnSpc>
-                <a:spcPct val="100000"/>
-              </a:lnSpc>
-              <a:spcAft>
-                <a:spcPts val="1057"/>
-              </a:spcAft>
-              <a:buNone/>
-              <a:tabLst>
-                <a:tab algn="l" pos="0"/>
-              </a:tabLst>
-            </a:pPr>
-            <a:r>
-              <a:rPr b="0" lang="en-US" sz="1400" spc="-1" strike="noStrike">
-                <a:solidFill>
-                  <a:srgbClr val="2c3e50"/>
-                </a:solidFill>
-                <a:latin typeface="Times New Roman"/>
-                <a:ea typeface="Microsoft YaHei"/>
-              </a:rPr>
-              <a:t> </a:t>
-            </a:r>
-            <a:endParaRPr b="0" lang="fr-CH" sz="1400" spc="-1" strike="noStrike">
+                <a:ea typeface="DejaVu Sans"/>
+              </a:rPr>
+              <a:t>SPECX: Exemples </a:t>
+            </a:r>
+            <a:endParaRPr b="0" lang="en-US" sz="2700" spc="-1" strike="noStrike">
               <a:latin typeface="Arial"/>
             </a:endParaRPr>
           </a:p>
@@ -5981,18 +8864,18 @@
       </p:sp>
       <p:pic>
         <p:nvPicPr>
-          <p:cNvPr id="97" name="" descr=""/>
+          <p:cNvPr id="111" name="" descr=""/>
           <p:cNvPicPr/>
           <p:nvPr/>
         </p:nvPicPr>
         <p:blipFill>
-          <a:blip r:embed="rId1"/>
+          <a:blip r:embed="rId2"/>
           <a:stretch/>
         </p:blipFill>
         <p:spPr>
           <a:xfrm>
-            <a:off x="7055280" y="4106880"/>
-            <a:ext cx="2302200" cy="930600"/>
+            <a:off x="8978760" y="61920"/>
+            <a:ext cx="1015560" cy="1015560"/>
           </a:xfrm>
           <a:prstGeom prst="rect">
             <a:avLst/>
@@ -6032,89 +8915,20 @@
           <a:chExt cx="0" cy="0"/>
         </a:xfrm>
       </p:grpSpPr>
-      <p:pic>
-        <p:nvPicPr>
-          <p:cNvPr id="98" name="" descr=""/>
-          <p:cNvPicPr/>
-          <p:nvPr/>
-        </p:nvPicPr>
-        <p:blipFill>
-          <a:blip r:embed="rId1"/>
-          <a:stretch/>
-        </p:blipFill>
-        <p:spPr>
-          <a:xfrm>
-            <a:off x="7943760" y="4543200"/>
-            <a:ext cx="1878840" cy="838080"/>
-          </a:xfrm>
-          <a:prstGeom prst="rect">
-            <a:avLst/>
-          </a:prstGeom>
-          <a:ln w="10800">
-            <a:noFill/>
-          </a:ln>
-        </p:spPr>
-      </p:pic>
-      <p:pic>
-        <p:nvPicPr>
-          <p:cNvPr id="99" name="" descr=""/>
-          <p:cNvPicPr/>
-          <p:nvPr/>
-        </p:nvPicPr>
-        <p:blipFill>
-          <a:blip r:embed="rId2"/>
-          <a:stretch/>
-        </p:blipFill>
-        <p:spPr>
-          <a:xfrm>
-            <a:off x="2120400" y="2340000"/>
-            <a:ext cx="1476000" cy="1819080"/>
-          </a:xfrm>
-          <a:prstGeom prst="rect">
-            <a:avLst/>
-          </a:prstGeom>
-          <a:ln w="0">
-            <a:noFill/>
-          </a:ln>
-        </p:spPr>
-      </p:pic>
       <p:sp>
         <p:nvSpPr>
-          <p:cNvPr id="100" name=""/>
+          <p:cNvPr id="112" name="PlaceHolder 17"/>
           <p:cNvSpPr/>
           <p:nvPr/>
         </p:nvSpPr>
         <p:spPr>
           <a:xfrm>
-            <a:off x="4174560" y="3054960"/>
-            <a:ext cx="3201840" cy="361440"/>
+            <a:off x="338760" y="226800"/>
+            <a:ext cx="9354600" cy="713520"/>
           </a:xfrm>
-          <a:custGeom>
+          <a:prstGeom prst="rect">
             <a:avLst/>
-            <a:gdLst/>
-            <a:ahLst/>
-            <a:rect l="l" t="t" r="r" b="b"/>
-            <a:pathLst>
-              <a:path w="21600" h="21600">
-                <a:moveTo>
-                  <a:pt x="0" y="0"/>
-                </a:moveTo>
-                <a:lnTo>
-                  <a:pt x="21600" y="0"/>
-                </a:lnTo>
-                <a:lnTo>
-                  <a:pt x="21600" y="21600"/>
-                </a:lnTo>
-                <a:lnTo>
-                  <a:pt x="0" y="21600"/>
-                </a:lnTo>
-                <a:lnTo>
-                  <a:pt x="0" y="0"/>
-                </a:lnTo>
-                <a:close/>
-              </a:path>
-            </a:pathLst>
-          </a:custGeom>
+          </a:prstGeom>
           <a:noFill/>
           <a:ln w="0">
             <a:noFill/>
@@ -6127,7 +8941,7 @@
           <a:fontRef idx="minor"/>
         </p:style>
         <p:txBody>
-          <a:bodyPr wrap="none" lIns="90000" rIns="90000" tIns="45000" bIns="45000" anchor="t">
+          <a:bodyPr lIns="0" rIns="0" tIns="0" bIns="0" anchor="ctr">
             <a:noAutofit/>
           </a:bodyPr>
           <a:p>
@@ -6138,43 +8952,1058 @@
               <a:buNone/>
               <a:tabLst>
                 <a:tab algn="l" pos="0"/>
-                <a:tab algn="l" pos="457200"/>
-                <a:tab algn="l" pos="914400"/>
-                <a:tab algn="l" pos="1371600"/>
-                <a:tab algn="l" pos="1828800"/>
-                <a:tab algn="l" pos="2286000"/>
-                <a:tab algn="l" pos="2743200"/>
-                <a:tab algn="l" pos="3200400"/>
-                <a:tab algn="l" pos="3657600"/>
-                <a:tab algn="l" pos="4114800"/>
-                <a:tab algn="l" pos="4572000"/>
-                <a:tab algn="l" pos="5029200"/>
-                <a:tab algn="l" pos="5486400"/>
-                <a:tab algn="l" pos="5943600"/>
-                <a:tab algn="l" pos="6400800"/>
-                <a:tab algn="l" pos="6858000"/>
-                <a:tab algn="l" pos="7315200"/>
-                <a:tab algn="l" pos="7772400"/>
-                <a:tab algn="l" pos="8229600"/>
-                <a:tab algn="l" pos="8686800"/>
-                <a:tab algn="l" pos="9144000"/>
-                <a:tab algn="l" pos="9601200"/>
-                <a:tab algn="l" pos="10058400"/>
-                <a:tab algn="l" pos="10515600"/>
               </a:tabLst>
             </a:pPr>
             <a:r>
-              <a:rPr b="0" lang="en-US" sz="1800" spc="-1" strike="noStrike">
-                <a:solidFill>
-                  <a:srgbClr val="000000"/>
-                </a:solidFill>
-                <a:latin typeface="Arial"/>
-                <a:ea typeface="源ノ角ゴシック Normal"/>
-              </a:rPr>
-              <a:t>Thank you for your attention !</a:t>
-            </a:r>
-            <a:endParaRPr b="0" lang="fr-CH" sz="1800" spc="-1" strike="noStrike">
-              <a:latin typeface="Arial"/>
+              <a:rPr b="1" lang="en-US" sz="2700" spc="-1" strike="noStrike">
+                <a:solidFill>
+                  <a:srgbClr val="ffffff"/>
+                </a:solidFill>
+                <a:latin typeface="Source Sans Pro Black"/>
+                <a:ea typeface="DejaVu Sans"/>
+              </a:rPr>
+              <a:t>SPECX: Exemple VectorBuffer </a:t>
+            </a:r>
+            <a:endParaRPr b="0" lang="en-US" sz="2700" spc="-1" strike="noStrike">
+              <a:latin typeface="Arial"/>
+            </a:endParaRPr>
+          </a:p>
+        </p:txBody>
+      </p:sp>
+      <p:pic>
+        <p:nvPicPr>
+          <p:cNvPr id="113" name="" descr=""/>
+          <p:cNvPicPr/>
+          <p:nvPr/>
+        </p:nvPicPr>
+        <p:blipFill>
+          <a:blip r:embed="rId1"/>
+          <a:stretch/>
+        </p:blipFill>
+        <p:spPr>
+          <a:xfrm>
+            <a:off x="8978760" y="61920"/>
+            <a:ext cx="1015560" cy="1015560"/>
+          </a:xfrm>
+          <a:prstGeom prst="rect">
+            <a:avLst/>
+          </a:prstGeom>
+          <a:ln w="0">
+            <a:noFill/>
+          </a:ln>
+        </p:spPr>
+      </p:pic>
+      <p:sp>
+        <p:nvSpPr>
+          <p:cNvPr id="114" name=""/>
+          <p:cNvSpPr txBox="1"/>
+          <p:nvPr/>
+        </p:nvSpPr>
+        <p:spPr>
+          <a:xfrm>
+            <a:off x="36000" y="1259640"/>
+            <a:ext cx="4860000" cy="4291560"/>
+          </a:xfrm>
+          <a:prstGeom prst="rect">
+            <a:avLst/>
+          </a:prstGeom>
+          <a:noFill/>
+          <a:ln w="0">
+            <a:noFill/>
+          </a:ln>
+        </p:spPr>
+        <p:txBody>
+          <a:bodyPr lIns="90000" rIns="90000" tIns="45000" bIns="45000" anchor="t">
+            <a:noAutofit/>
+          </a:bodyPr>
+          <a:p>
+            <a:r>
+              <a:rPr b="0" lang="en-US" sz="1000" spc="-1" strike="noStrike">
+                <a:latin typeface="Times New Roman"/>
+              </a:rPr>
+              <a:t>{</a:t>
+            </a:r>
+            <a:endParaRPr b="0" lang="en-US" sz="1000" spc="-1" strike="noStrike">
+              <a:latin typeface="Times New Roman"/>
+            </a:endParaRPr>
+          </a:p>
+          <a:p>
+            <a:r>
+              <a:rPr b="0" lang="en-US" sz="1000" spc="-1" strike="noStrike">
+                <a:latin typeface="Times New Roman"/>
+              </a:rPr>
+              <a:t>        </a:t>
+            </a:r>
+            <a:r>
+              <a:rPr b="0" lang="en-US" sz="1000" spc="-1" strike="noStrike">
+                <a:latin typeface="Times New Roman"/>
+              </a:rPr>
+              <a:t>const int initVal = 1;</a:t>
+            </a:r>
+            <a:endParaRPr b="0" lang="en-US" sz="1000" spc="-1" strike="noStrike">
+              <a:latin typeface="Times New Roman"/>
+            </a:endParaRPr>
+          </a:p>
+          <a:p>
+            <a:r>
+              <a:rPr b="0" lang="en-US" sz="1000" spc="-1" strike="noStrike">
+                <a:latin typeface="Times New Roman"/>
+              </a:rPr>
+              <a:t>        </a:t>
+            </a:r>
+            <a:r>
+              <a:rPr b="0" lang="en-US" sz="1000" spc="-1" strike="noStrike">
+                <a:latin typeface="Times New Roman"/>
+              </a:rPr>
+              <a:t>int writeVal = 0;</a:t>
+            </a:r>
+            <a:endParaRPr b="0" lang="en-US" sz="1000" spc="-1" strike="noStrike">
+              <a:latin typeface="Times New Roman"/>
+            </a:endParaRPr>
+          </a:p>
+          <a:p>
+            <a:endParaRPr b="0" lang="en-US" sz="1000" spc="-1" strike="noStrike">
+              <a:latin typeface="Times New Roman"/>
+            </a:endParaRPr>
+          </a:p>
+          <a:p>
+            <a:r>
+              <a:rPr b="0" lang="en-US" sz="1000" spc="-1" strike="noStrike">
+                <a:latin typeface="Times New Roman"/>
+              </a:rPr>
+              <a:t>        </a:t>
+            </a:r>
+            <a:r>
+              <a:rPr b="0" lang="en-US" sz="1000" spc="-1" strike="noStrike">
+                <a:latin typeface="Times New Roman"/>
+              </a:rPr>
+              <a:t>NumThreads=6;</a:t>
+            </a:r>
+            <a:endParaRPr b="0" lang="en-US" sz="1000" spc="-1" strike="noStrike">
+              <a:latin typeface="Times New Roman"/>
+            </a:endParaRPr>
+          </a:p>
+          <a:p>
+            <a:r>
+              <a:rPr b="0" lang="en-US" sz="1000" spc="-1" strike="noStrike">
+                <a:latin typeface="Times New Roman"/>
+              </a:rPr>
+              <a:t>      </a:t>
+            </a:r>
+            <a:r>
+              <a:rPr b="0" lang="en-US" sz="1000" spc="-1" strike="noStrike">
+                <a:solidFill>
+                  <a:srgbClr val="ff0000"/>
+                </a:solidFill>
+                <a:latin typeface="Times New Roman"/>
+              </a:rPr>
+              <a:t> </a:t>
+            </a:r>
+            <a:r>
+              <a:rPr b="1" lang="en-US" sz="1000" spc="-1" strike="noStrike">
+                <a:solidFill>
+                  <a:srgbClr val="ff0000"/>
+                </a:solidFill>
+                <a:latin typeface="Times New Roman"/>
+              </a:rPr>
+              <a:t> </a:t>
+            </a:r>
+            <a:r>
+              <a:rPr b="1" lang="en-US" sz="1000" spc="-1" strike="noStrike">
+                <a:solidFill>
+                  <a:srgbClr val="ff0000"/>
+                </a:solidFill>
+                <a:latin typeface="Times New Roman"/>
+              </a:rPr>
+              <a:t>SpRuntime</a:t>
+            </a:r>
+            <a:r>
+              <a:rPr b="0" lang="en-US" sz="1000" spc="-1" strike="noStrike">
+                <a:latin typeface="Times New Roman"/>
+              </a:rPr>
+              <a:t> My_Runtime2(NumThreads); </a:t>
+            </a:r>
+            <a:endParaRPr b="0" lang="en-US" sz="1000" spc="-1" strike="noStrike">
+              <a:latin typeface="Times New Roman"/>
+            </a:endParaRPr>
+          </a:p>
+          <a:p>
+            <a:endParaRPr b="0" lang="en-US" sz="1000" spc="-1" strike="noStrike">
+              <a:latin typeface="Times New Roman"/>
+            </a:endParaRPr>
+          </a:p>
+          <a:p>
+            <a:r>
+              <a:rPr b="0" lang="en-US" sz="1000" spc="-1" strike="noStrike">
+                <a:latin typeface="Times New Roman"/>
+              </a:rPr>
+              <a:t>        </a:t>
+            </a:r>
+            <a:r>
+              <a:rPr b="0" lang="en-US" sz="1000" spc="-1" strike="noStrike">
+                <a:latin typeface="Times New Roman"/>
+              </a:rPr>
+              <a:t>small_vector&lt;int&gt; vs;</a:t>
+            </a:r>
+            <a:endParaRPr b="0" lang="en-US" sz="1000" spc="-1" strike="noStrike">
+              <a:latin typeface="Times New Roman"/>
+            </a:endParaRPr>
+          </a:p>
+          <a:p>
+            <a:r>
+              <a:rPr b="0" lang="en-US" sz="1000" spc="-1" strike="noStrike">
+                <a:latin typeface="Times New Roman"/>
+              </a:rPr>
+              <a:t>        </a:t>
+            </a:r>
+            <a:r>
+              <a:rPr b="0" lang="en-US" sz="1000" spc="-1" strike="noStrike">
+                <a:latin typeface="Times New Roman"/>
+              </a:rPr>
+              <a:t>std::cout &lt;&lt; "std::allocator&lt;int&gt;:"&lt;&lt; '\n'</a:t>
+            </a:r>
+            <a:endParaRPr b="0" lang="en-US" sz="1000" spc="-1" strike="noStrike">
+              <a:latin typeface="Times New Roman"/>
+            </a:endParaRPr>
+          </a:p>
+          <a:p>
+            <a:r>
+              <a:rPr b="0" lang="en-US" sz="1000" spc="-1" strike="noStrike">
+                <a:latin typeface="Times New Roman"/>
+              </a:rPr>
+              <a:t>                      </a:t>
+            </a:r>
+            <a:r>
+              <a:rPr b="0" lang="en-US" sz="1000" spc="-1" strike="noStrike">
+                <a:latin typeface="Times New Roman"/>
+              </a:rPr>
+              <a:t>&lt;&lt; "  sizeof (vs):     " &lt;&lt; sizeof (vs)           &lt;&lt; '\n'</a:t>
+            </a:r>
+            <a:endParaRPr b="0" lang="en-US" sz="1000" spc="-1" strike="noStrike">
+              <a:latin typeface="Times New Roman"/>
+            </a:endParaRPr>
+          </a:p>
+          <a:p>
+            <a:r>
+              <a:rPr b="0" lang="en-US" sz="1000" spc="-1" strike="noStrike">
+                <a:latin typeface="Times New Roman"/>
+              </a:rPr>
+              <a:t>                      </a:t>
+            </a:r>
+            <a:r>
+              <a:rPr b="0" lang="en-US" sz="1000" spc="-1" strike="noStrike">
+                <a:latin typeface="Times New Roman"/>
+              </a:rPr>
+              <a:t>&lt;&lt; "  Maximum size:    " &lt;&lt; vs.max_size ()        &lt;&lt; "\n\n";</a:t>
+            </a:r>
+            <a:endParaRPr b="0" lang="en-US" sz="1000" spc="-1" strike="noStrike">
+              <a:latin typeface="Times New Roman"/>
+            </a:endParaRPr>
+          </a:p>
+          <a:p>
+            <a:endParaRPr b="0" lang="en-US" sz="1000" spc="-1" strike="noStrike">
+              <a:latin typeface="Times New Roman"/>
+            </a:endParaRPr>
+          </a:p>
+          <a:p>
+            <a:r>
+              <a:rPr b="0" lang="en-US" sz="1000" spc="-1" strike="noStrike">
+                <a:latin typeface="Times New Roman"/>
+              </a:rPr>
+              <a:t>       </a:t>
+            </a:r>
+            <a:r>
+              <a:rPr b="1" lang="en-US" sz="1000" spc="-1" strike="noStrike">
+                <a:solidFill>
+                  <a:srgbClr val="ff0000"/>
+                </a:solidFill>
+                <a:latin typeface="Times New Roman"/>
+              </a:rPr>
+              <a:t> </a:t>
+            </a:r>
+            <a:r>
+              <a:rPr b="1" lang="en-US" sz="1000" spc="-1" strike="noStrike">
+                <a:solidFill>
+                  <a:srgbClr val="ff0000"/>
+                </a:solidFill>
+                <a:latin typeface="Times New Roman"/>
+              </a:rPr>
+              <a:t>SpHeapBuffer&lt;small_vector&lt;int&gt;&gt;</a:t>
+            </a:r>
+            <a:r>
+              <a:rPr b="0" lang="en-US" sz="1000" spc="-1" strike="noStrike">
+                <a:latin typeface="Times New Roman"/>
+              </a:rPr>
+              <a:t> heapBuffer;</a:t>
+            </a:r>
+            <a:endParaRPr b="0" lang="en-US" sz="1000" spc="-1" strike="noStrike">
+              <a:latin typeface="Times New Roman"/>
+            </a:endParaRPr>
+          </a:p>
+          <a:p>
+            <a:endParaRPr b="0" lang="en-US" sz="1000" spc="-1" strike="noStrike">
+              <a:latin typeface="Times New Roman"/>
+            </a:endParaRPr>
+          </a:p>
+          <a:p>
+            <a:r>
+              <a:rPr b="0" lang="en-US" sz="1000" spc="-1" strike="noStrike">
+                <a:latin typeface="Times New Roman"/>
+              </a:rPr>
+              <a:t>        </a:t>
+            </a:r>
+            <a:r>
+              <a:rPr b="0" lang="en-US" sz="1000" spc="-1" strike="noStrike">
+                <a:latin typeface="Times New Roman"/>
+              </a:rPr>
+              <a:t>int valueN=0; int valueM=0;</a:t>
+            </a:r>
+            <a:endParaRPr b="0" lang="en-US" sz="1000" spc="-1" strike="noStrike">
+              <a:latin typeface="Times New Roman"/>
+            </a:endParaRPr>
+          </a:p>
+          <a:p>
+            <a:endParaRPr b="0" lang="en-US" sz="1000" spc="-1" strike="noStrike">
+              <a:latin typeface="Times New Roman"/>
+            </a:endParaRPr>
+          </a:p>
+          <a:p>
+            <a:r>
+              <a:rPr b="0" lang="en-US" sz="1000" spc="-1" strike="noStrike">
+                <a:latin typeface="Times New Roman"/>
+              </a:rPr>
+              <a:t>        </a:t>
+            </a:r>
+            <a:r>
+              <a:rPr b="0" lang="en-US" sz="1000" spc="-1" strike="noStrike">
+                <a:latin typeface="Times New Roman"/>
+              </a:rPr>
+              <a:t>for(int idx = 0 ; idx &lt; 6 ; ++idx){</a:t>
+            </a:r>
+            <a:endParaRPr b="0" lang="en-US" sz="1000" spc="-1" strike="noStrike">
+              <a:latin typeface="Times New Roman"/>
+            </a:endParaRPr>
+          </a:p>
+          <a:p>
+            <a:r>
+              <a:rPr b="0" lang="en-US" sz="1000" spc="-1" strike="noStrike">
+                <a:latin typeface="Times New Roman"/>
+              </a:rPr>
+              <a:t>            </a:t>
+            </a:r>
+            <a:r>
+              <a:rPr b="0" lang="en-US" sz="1000" spc="-1" strike="noStrike">
+                <a:latin typeface="Times New Roman"/>
+              </a:rPr>
+              <a:t>auto vectorBuffer = heapBuffer.getNewBuffer();</a:t>
+            </a:r>
+            <a:endParaRPr b="0" lang="en-US" sz="1000" spc="-1" strike="noStrike">
+              <a:latin typeface="Times New Roman"/>
+            </a:endParaRPr>
+          </a:p>
+          <a:p>
+            <a:endParaRPr b="0" lang="en-US" sz="1000" spc="-1" strike="noStrike">
+              <a:latin typeface="Times New Roman"/>
+            </a:endParaRPr>
+          </a:p>
+          <a:p>
+            <a:r>
+              <a:rPr b="0" lang="en-US" sz="1000" spc="-1" strike="noStrike">
+                <a:latin typeface="Times New Roman"/>
+              </a:rPr>
+              <a:t>            </a:t>
+            </a:r>
+            <a:r>
+              <a:rPr b="1" lang="en-US" sz="1000" spc="-1" strike="noStrike">
+                <a:latin typeface="Times New Roman"/>
+              </a:rPr>
+              <a:t>My_Runtime2.task</a:t>
+            </a:r>
+            <a:r>
+              <a:rPr b="0" lang="en-US" sz="1000" spc="-1" strike="noStrike">
+                <a:latin typeface="Times New Roman"/>
+              </a:rPr>
+              <a:t>(</a:t>
+            </a:r>
+            <a:r>
+              <a:rPr b="1" lang="en-US" sz="1000" spc="-1" strike="noStrike">
+                <a:solidFill>
+                  <a:srgbClr val="ff0000"/>
+                </a:solidFill>
+                <a:latin typeface="Times New Roman"/>
+              </a:rPr>
+              <a:t>SpWrite</a:t>
+            </a:r>
+            <a:r>
+              <a:rPr b="0" lang="en-US" sz="1000" spc="-1" strike="noStrike">
+                <a:latin typeface="Times New Roman"/>
+              </a:rPr>
+              <a:t>( vectorBuffer.getDataDep()) ,</a:t>
+            </a:r>
+            <a:endParaRPr b="0" lang="en-US" sz="1000" spc="-1" strike="noStrike">
+              <a:latin typeface="Times New Roman"/>
+            </a:endParaRPr>
+          </a:p>
+          <a:p>
+            <a:endParaRPr b="0" lang="en-US" sz="1000" spc="-1" strike="noStrike">
+              <a:latin typeface="Times New Roman"/>
+            </a:endParaRPr>
+          </a:p>
+          <a:p>
+            <a:pPr marL="360000">
+              <a:lnSpc>
+                <a:spcPct val="100000"/>
+              </a:lnSpc>
+              <a:buNone/>
+            </a:pPr>
+            <a:r>
+              <a:rPr b="0" lang="en-US" sz="1000" spc="-1" strike="noStrike">
+                <a:latin typeface="Times New Roman"/>
+              </a:rPr>
+              <a:t>            </a:t>
+            </a:r>
+            <a:r>
+              <a:rPr b="1" lang="en-US" sz="1000" spc="-1" strike="noStrike">
+                <a:solidFill>
+                  <a:srgbClr val="158466"/>
+                </a:solidFill>
+                <a:latin typeface="Times New Roman"/>
+              </a:rPr>
+              <a:t>[&amp;]</a:t>
+            </a:r>
+            <a:r>
+              <a:rPr b="0" lang="en-US" sz="1000" spc="-1" strike="noStrike">
+                <a:latin typeface="Times New Roman"/>
+              </a:rPr>
+              <a:t>(SpDataBuffer&lt;small_vector&lt;int&gt;&gt; ) </a:t>
+            </a:r>
+            <a:r>
+              <a:rPr b="1" i="1" lang="en-US" sz="1000" spc="-1" strike="noStrike">
+                <a:latin typeface="Times New Roman"/>
+              </a:rPr>
+              <a:t>mutable</a:t>
+            </a:r>
+            <a:endParaRPr b="0" lang="en-US" sz="1000" spc="-1" strike="noStrike">
+              <a:latin typeface="Times New Roman"/>
+              <a:ea typeface="Microsoft YaHei"/>
+            </a:endParaRPr>
+          </a:p>
+          <a:p>
+            <a:pPr marL="360000">
+              <a:lnSpc>
+                <a:spcPct val="100000"/>
+              </a:lnSpc>
+              <a:buNone/>
+            </a:pPr>
+            <a:r>
+              <a:rPr b="0" lang="en-US" sz="1000" spc="-1" strike="noStrike">
+                <a:latin typeface="Times New Roman"/>
+              </a:rPr>
+              <a:t>            </a:t>
+            </a:r>
+            <a:r>
+              <a:rPr b="0" lang="en-US" sz="1000" spc="-1" strike="noStrike">
+                <a:latin typeface="Times New Roman"/>
+              </a:rPr>
+              <a:t>{</a:t>
+            </a:r>
+            <a:endParaRPr b="0" lang="en-US" sz="1000" spc="-1" strike="noStrike">
+              <a:latin typeface="Times New Roman"/>
+              <a:ea typeface="Microsoft YaHei"/>
+            </a:endParaRPr>
+          </a:p>
+          <a:p>
+            <a:pPr marL="360000">
+              <a:lnSpc>
+                <a:spcPct val="100000"/>
+              </a:lnSpc>
+              <a:buNone/>
+            </a:pPr>
+            <a:r>
+              <a:rPr b="0" lang="en-US" sz="1000" spc="-1" strike="noStrike">
+                <a:latin typeface="Times New Roman"/>
+              </a:rPr>
+              <a:t>                </a:t>
+            </a:r>
+            <a:r>
+              <a:rPr b="0" lang="en-US" sz="1000" spc="-1" strike="noStrike">
+                <a:latin typeface="Times New Roman"/>
+              </a:rPr>
+              <a:t>valueN=idx;  </a:t>
+            </a:r>
+            <a:endParaRPr b="0" lang="en-US" sz="1000" spc="-1" strike="noStrike">
+              <a:latin typeface="Times New Roman"/>
+              <a:ea typeface="Microsoft YaHei"/>
+            </a:endParaRPr>
+          </a:p>
+          <a:p>
+            <a:pPr marL="360000">
+              <a:lnSpc>
+                <a:spcPct val="100000"/>
+              </a:lnSpc>
+              <a:buNone/>
+            </a:pPr>
+            <a:r>
+              <a:rPr b="0" lang="en-US" sz="1000" spc="-1" strike="noStrike">
+                <a:latin typeface="Times New Roman"/>
+              </a:rPr>
+              <a:t>                </a:t>
+            </a:r>
+            <a:r>
+              <a:rPr b="0" lang="en-US" sz="1000" spc="-1" strike="noStrike">
+                <a:latin typeface="Times New Roman"/>
+              </a:rPr>
+              <a:t>usleep(1000);</a:t>
+            </a:r>
+            <a:endParaRPr b="0" lang="en-US" sz="1000" spc="-1" strike="noStrike">
+              <a:latin typeface="Times New Roman"/>
+              <a:ea typeface="Microsoft YaHei"/>
+            </a:endParaRPr>
+          </a:p>
+          <a:p>
+            <a:pPr marL="360000">
+              <a:lnSpc>
+                <a:spcPct val="100000"/>
+              </a:lnSpc>
+              <a:buNone/>
+            </a:pPr>
+            <a:r>
+              <a:rPr b="0" lang="en-US" sz="1000" spc="-1" strike="noStrike">
+                <a:latin typeface="Times New Roman"/>
+              </a:rPr>
+              <a:t>            </a:t>
+            </a:r>
+            <a:r>
+              <a:rPr b="0" lang="en-US" sz="1000" spc="-1" strike="noStrike">
+                <a:latin typeface="Times New Roman"/>
+              </a:rPr>
+              <a:t>}</a:t>
+            </a:r>
+            <a:endParaRPr b="0" lang="en-US" sz="1000" spc="-1" strike="noStrike">
+              <a:latin typeface="Times New Roman"/>
+              <a:ea typeface="Microsoft YaHei"/>
+            </a:endParaRPr>
+          </a:p>
+          <a:p>
+            <a:endParaRPr b="0" lang="en-US" sz="1000" spc="-1" strike="noStrike">
+              <a:latin typeface="Times New Roman"/>
+            </a:endParaRPr>
+          </a:p>
+          <a:p>
+            <a:r>
+              <a:rPr b="0" lang="en-US" sz="1000" spc="-1" strike="noStrike">
+                <a:latin typeface="Times New Roman"/>
+              </a:rPr>
+              <a:t>            </a:t>
+            </a:r>
+            <a:r>
+              <a:rPr b="0" lang="en-US" sz="1000" spc="-1" strike="noStrike">
+                <a:latin typeface="Times New Roman"/>
+              </a:rPr>
+              <a:t>)</a:t>
+            </a:r>
+            <a:r>
+              <a:rPr b="1" lang="en-US" sz="1000" spc="-1" strike="noStrike">
+                <a:latin typeface="Times New Roman"/>
+              </a:rPr>
+              <a:t>.setTaskName</a:t>
+            </a:r>
+            <a:r>
+              <a:rPr b="0" lang="en-US" sz="1000" spc="-1" strike="noStrike">
+                <a:latin typeface="Times New Roman"/>
+              </a:rPr>
+              <a:t>("Write Vector Buffer");</a:t>
+            </a:r>
+            <a:endParaRPr b="0" lang="en-US" sz="1000" spc="-1" strike="noStrike">
+              <a:latin typeface="Times New Roman"/>
+            </a:endParaRPr>
+          </a:p>
+          <a:p>
+            <a:r>
+              <a:rPr b="0" lang="en-US" sz="1000" spc="-1" strike="noStrike">
+                <a:latin typeface="Times New Roman"/>
+              </a:rPr>
+              <a:t>            </a:t>
+            </a:r>
+            <a:endParaRPr b="0" lang="en-US" sz="1000" spc="-1" strike="noStrike">
+              <a:latin typeface="Times New Roman"/>
+            </a:endParaRPr>
+          </a:p>
+          <a:p>
+            <a:r>
+              <a:rPr b="0" lang="en-US" sz="1000" spc="-1" strike="noStrike">
+                <a:latin typeface="Times New Roman"/>
+              </a:rPr>
+              <a:t>          </a:t>
+            </a:r>
+            <a:endParaRPr b="0" lang="en-US" sz="1000" spc="-1" strike="noStrike">
+              <a:latin typeface="Times New Roman"/>
+            </a:endParaRPr>
+          </a:p>
+        </p:txBody>
+      </p:sp>
+      <p:sp>
+        <p:nvSpPr>
+          <p:cNvPr id="115" name=""/>
+          <p:cNvSpPr txBox="1"/>
+          <p:nvPr/>
+        </p:nvSpPr>
+        <p:spPr>
+          <a:xfrm>
+            <a:off x="3960000" y="1332000"/>
+            <a:ext cx="4860000" cy="3960000"/>
+          </a:xfrm>
+          <a:prstGeom prst="rect">
+            <a:avLst/>
+          </a:prstGeom>
+          <a:noFill/>
+          <a:ln w="0">
+            <a:noFill/>
+          </a:ln>
+        </p:spPr>
+        <p:txBody>
+          <a:bodyPr lIns="90000" rIns="90000" tIns="45000" bIns="45000" anchor="t">
+            <a:noAutofit/>
+          </a:bodyPr>
+          <a:p>
+            <a:r>
+              <a:rPr b="0" lang="en-US" sz="1000" spc="-1" strike="noStrike">
+                <a:latin typeface="Times New Roman"/>
+              </a:rPr>
+              <a:t>            </a:t>
+            </a:r>
+            <a:r>
+              <a:rPr b="0" lang="en-US" sz="1000" spc="-1" strike="noStrike">
+                <a:latin typeface="Times New Roman"/>
+              </a:rPr>
+              <a:t>for(int idxSub = 0 ; idxSub &lt; 2 ; ++idxSub){</a:t>
+            </a:r>
+            <a:endParaRPr b="0" lang="en-US" sz="1000" spc="-1" strike="noStrike">
+              <a:latin typeface="Times New Roman"/>
+            </a:endParaRPr>
+          </a:p>
+          <a:p>
+            <a:r>
+              <a:rPr b="0" lang="en-US" sz="1000" spc="-1" strike="noStrike">
+                <a:latin typeface="Times New Roman"/>
+              </a:rPr>
+              <a:t>                </a:t>
+            </a:r>
+            <a:r>
+              <a:rPr b="1" lang="en-US" sz="1000" spc="-1" strike="noStrike">
+                <a:latin typeface="Times New Roman"/>
+              </a:rPr>
+              <a:t>My_Runtime2.task</a:t>
+            </a:r>
+            <a:r>
+              <a:rPr b="0" lang="en-US" sz="1000" spc="-1" strike="noStrike">
+                <a:latin typeface="Times New Roman"/>
+              </a:rPr>
+              <a:t>(</a:t>
+            </a:r>
+            <a:r>
+              <a:rPr b="1" lang="en-US" sz="1000" spc="-1" strike="noStrike">
+                <a:latin typeface="Times New Roman"/>
+              </a:rPr>
+              <a:t>SpRead</a:t>
+            </a:r>
+            <a:r>
+              <a:rPr b="0" lang="en-US" sz="1000" spc="-1" strike="noStrike">
+                <a:latin typeface="Times New Roman"/>
+              </a:rPr>
+              <a:t>( vectorBuffer.getDataDep() ),</a:t>
+            </a:r>
+            <a:endParaRPr b="0" lang="en-US" sz="1000" spc="-1" strike="noStrike">
+              <a:latin typeface="Times New Roman"/>
+            </a:endParaRPr>
+          </a:p>
+          <a:p>
+            <a:r>
+              <a:rPr b="0" lang="en-US" sz="1000" spc="-1" strike="noStrike">
+                <a:latin typeface="Times New Roman"/>
+              </a:rPr>
+              <a:t>                   </a:t>
+            </a:r>
+            <a:endParaRPr b="0" lang="en-US" sz="1000" spc="-1" strike="noStrike">
+              <a:latin typeface="Times New Roman"/>
+            </a:endParaRPr>
+          </a:p>
+          <a:p>
+            <a:r>
+              <a:rPr b="0" lang="en-US" sz="1000" spc="-1" strike="noStrike">
+                <a:latin typeface="Times New Roman"/>
+              </a:rPr>
+              <a:t> </a:t>
+            </a:r>
+            <a:r>
+              <a:rPr b="0" lang="en-US" sz="1000" spc="-1" strike="noStrike">
+                <a:latin typeface="Times New Roman"/>
+              </a:rPr>
+              <a:t>	</a:t>
+            </a:r>
+            <a:r>
+              <a:rPr b="1" lang="en-US" sz="1000" spc="-1" strike="noStrike">
+                <a:solidFill>
+                  <a:srgbClr val="158466"/>
+                </a:solidFill>
+                <a:latin typeface="Times New Roman"/>
+              </a:rPr>
+              <a:t>[=] </a:t>
+            </a:r>
+            <a:r>
+              <a:rPr b="0" lang="en-US" sz="1000" spc="-1" strike="noStrike">
+                <a:latin typeface="Times New Roman"/>
+              </a:rPr>
+              <a:t>(const SpDataBuffer&lt;small_vector&lt;int&gt;&gt;)</a:t>
+            </a:r>
+            <a:endParaRPr b="0" lang="en-US" sz="1000" spc="-1" strike="noStrike">
+              <a:latin typeface="Times New Roman"/>
+            </a:endParaRPr>
+          </a:p>
+          <a:p>
+            <a:r>
+              <a:rPr b="0" lang="en-US" sz="1000" spc="-1" strike="noStrike">
+                <a:latin typeface="Times New Roman"/>
+              </a:rPr>
+              <a:t>                    </a:t>
+            </a:r>
+            <a:r>
+              <a:rPr b="0" lang="en-US" sz="1000" spc="-1" strike="noStrike">
+                <a:latin typeface="Times New Roman"/>
+              </a:rPr>
+              <a:t>	</a:t>
+            </a:r>
+            <a:r>
+              <a:rPr b="0" lang="en-US" sz="1000" spc="-1" strike="noStrike">
+                <a:latin typeface="Times New Roman"/>
+              </a:rPr>
+              <a:t>{</a:t>
+            </a:r>
+            <a:endParaRPr b="0" lang="en-US" sz="1000" spc="-1" strike="noStrike">
+              <a:latin typeface="Times New Roman"/>
+            </a:endParaRPr>
+          </a:p>
+          <a:p>
+            <a:r>
+              <a:rPr b="0" lang="en-US" sz="1000" spc="-1" strike="noStrike">
+                <a:latin typeface="Times New Roman"/>
+              </a:rPr>
+              <a:t>                              …</a:t>
+            </a:r>
+            <a:r>
+              <a:rPr b="0" lang="en-US" sz="1000" spc="-1" strike="noStrike">
+                <a:latin typeface="Times New Roman"/>
+              </a:rPr>
+              <a:t>.</a:t>
+            </a:r>
+            <a:endParaRPr b="0" lang="en-US" sz="1000" spc="-1" strike="noStrike">
+              <a:latin typeface="Times New Roman"/>
+            </a:endParaRPr>
+          </a:p>
+          <a:p>
+            <a:r>
+              <a:rPr b="0" lang="en-US" sz="1000" spc="-1" strike="noStrike">
+                <a:latin typeface="Times New Roman"/>
+              </a:rPr>
+              <a:t>                        </a:t>
+            </a:r>
+            <a:r>
+              <a:rPr b="0" lang="en-US" sz="1000" spc="-1" strike="noStrike">
+                <a:latin typeface="Times New Roman"/>
+              </a:rPr>
+              <a:t>	</a:t>
+            </a:r>
+            <a:r>
+              <a:rPr b="0" lang="en-US" sz="1000" spc="-1" strike="noStrike">
+                <a:latin typeface="Times New Roman"/>
+              </a:rPr>
+              <a:t>  </a:t>
+            </a:r>
+            <a:r>
+              <a:rPr b="0" lang="en-US" sz="1000" spc="-1" strike="noStrike">
+                <a:latin typeface="Times New Roman"/>
+              </a:rPr>
+              <a:t>usleep(2000);</a:t>
+            </a:r>
+            <a:endParaRPr b="0" lang="en-US" sz="1000" spc="-1" strike="noStrike">
+              <a:latin typeface="Times New Roman"/>
+            </a:endParaRPr>
+          </a:p>
+          <a:p>
+            <a:r>
+              <a:rPr b="0" lang="en-US" sz="1000" spc="-1" strike="noStrike">
+                <a:latin typeface="Times New Roman"/>
+              </a:rPr>
+              <a:t>                    </a:t>
+            </a:r>
+            <a:r>
+              <a:rPr b="0" lang="en-US" sz="1000" spc="-1" strike="noStrike">
+                <a:latin typeface="Times New Roman"/>
+              </a:rPr>
+              <a:t>	</a:t>
+            </a:r>
+            <a:r>
+              <a:rPr b="0" lang="en-US" sz="1000" spc="-1" strike="noStrike">
+                <a:latin typeface="Times New Roman"/>
+              </a:rPr>
+              <a:t>}</a:t>
+            </a:r>
+            <a:endParaRPr b="0" lang="en-US" sz="1000" spc="-1" strike="noStrike">
+              <a:latin typeface="Times New Roman"/>
+            </a:endParaRPr>
+          </a:p>
+          <a:p>
+            <a:r>
+              <a:rPr b="0" lang="en-US" sz="1000" spc="-1" strike="noStrike">
+                <a:latin typeface="Times New Roman"/>
+              </a:rPr>
+              <a:t>                 </a:t>
+            </a:r>
+            <a:r>
+              <a:rPr b="0" lang="en-US" sz="1000" spc="-1" strike="noStrike">
+                <a:latin typeface="Times New Roman"/>
+              </a:rPr>
+              <a:t>)</a:t>
+            </a:r>
+            <a:r>
+              <a:rPr b="1" lang="en-US" sz="1000" spc="-1" strike="noStrike">
+                <a:latin typeface="Times New Roman"/>
+              </a:rPr>
+              <a:t>.setTaskName</a:t>
+            </a:r>
+            <a:r>
+              <a:rPr b="0" lang="en-US" sz="1000" spc="-1" strike="noStrike">
+                <a:latin typeface="Times New Roman"/>
+              </a:rPr>
+              <a:t>("Read Vector Buffer");</a:t>
+            </a:r>
+            <a:endParaRPr b="0" lang="en-US" sz="1000" spc="-1" strike="noStrike">
+              <a:latin typeface="Times New Roman"/>
+            </a:endParaRPr>
+          </a:p>
+          <a:p>
+            <a:r>
+              <a:rPr b="0" lang="en-US" sz="1000" spc="-1" strike="noStrike">
+                <a:latin typeface="Times New Roman"/>
+              </a:rPr>
+              <a:t>            </a:t>
+            </a:r>
+            <a:r>
+              <a:rPr b="0" lang="en-US" sz="1000" spc="-1" strike="noStrike">
+                <a:latin typeface="Times New Roman"/>
+              </a:rPr>
+              <a:t>} //End For idxSub    </a:t>
+            </a:r>
+            <a:endParaRPr b="0" lang="en-US" sz="1000" spc="-1" strike="noStrike">
+              <a:latin typeface="Times New Roman"/>
+            </a:endParaRPr>
+          </a:p>
+          <a:p>
+            <a:r>
+              <a:rPr b="0" lang="en-US" sz="1000" spc="-1" strike="noStrike">
+                <a:latin typeface="Times New Roman"/>
+              </a:rPr>
+              <a:t>        </a:t>
+            </a:r>
+            <a:r>
+              <a:rPr b="0" lang="en-US" sz="1000" spc="-1" strike="noStrike">
+                <a:latin typeface="Times New Roman"/>
+              </a:rPr>
+              <a:t>} //End For idx</a:t>
+            </a:r>
+            <a:endParaRPr b="0" lang="en-US" sz="1000" spc="-1" strike="noStrike">
+              <a:latin typeface="Times New Roman"/>
+            </a:endParaRPr>
+          </a:p>
+          <a:p>
+            <a:endParaRPr b="0" lang="en-US" sz="1000" spc="-1" strike="noStrike">
+              <a:latin typeface="Times New Roman"/>
+            </a:endParaRPr>
+          </a:p>
+          <a:p>
+            <a:r>
+              <a:rPr b="0" lang="en-US" sz="1000" spc="-1" strike="noStrike">
+                <a:latin typeface="Times New Roman"/>
+              </a:rPr>
+              <a:t>   </a:t>
+            </a:r>
+            <a:r>
+              <a:rPr b="1" lang="en-US" sz="1000" spc="-1" strike="noStrike">
+                <a:latin typeface="Times New Roman"/>
+              </a:rPr>
+              <a:t>     </a:t>
+            </a:r>
+            <a:r>
+              <a:rPr b="1" lang="en-US" sz="1000" spc="-1" strike="noStrike">
+                <a:latin typeface="Times New Roman"/>
+              </a:rPr>
+              <a:t>My_Runtime2.waitAllTasks</a:t>
+            </a:r>
+            <a:r>
+              <a:rPr b="0" lang="en-US" sz="1000" spc="-1" strike="noStrike">
+                <a:latin typeface="Times New Roman"/>
+              </a:rPr>
+              <a:t>();</a:t>
+            </a:r>
+            <a:endParaRPr b="0" lang="en-US" sz="1000" spc="-1" strike="noStrike">
+              <a:latin typeface="Times New Roman"/>
+            </a:endParaRPr>
+          </a:p>
+          <a:p>
+            <a:r>
+              <a:rPr b="0" lang="en-US" sz="1000" spc="-1" strike="noStrike">
+                <a:latin typeface="Times New Roman"/>
+              </a:rPr>
+              <a:t>       </a:t>
+            </a:r>
+            <a:r>
+              <a:rPr b="1" lang="en-US" sz="1000" spc="-1" strike="noStrike">
+                <a:latin typeface="Times New Roman"/>
+              </a:rPr>
+              <a:t> </a:t>
+            </a:r>
+            <a:r>
+              <a:rPr b="1" lang="en-US" sz="1000" spc="-1" strike="noStrike">
+                <a:latin typeface="Times New Roman"/>
+              </a:rPr>
+              <a:t>My_Runtime2.stopAllThreads</a:t>
+            </a:r>
+            <a:r>
+              <a:rPr b="0" lang="en-US" sz="1000" spc="-1" strike="noStrike">
+                <a:latin typeface="Times New Roman"/>
+              </a:rPr>
+              <a:t>();</a:t>
+            </a:r>
+            <a:endParaRPr b="0" lang="en-US" sz="1000" spc="-1" strike="noStrike">
+              <a:latin typeface="Times New Roman"/>
+            </a:endParaRPr>
+          </a:p>
+          <a:p>
+            <a:r>
+              <a:rPr b="0" lang="en-US" sz="1000" spc="-1" strike="noStrike">
+                <a:latin typeface="Times New Roman"/>
+              </a:rPr>
+              <a:t>       </a:t>
+            </a:r>
+            <a:r>
+              <a:rPr b="1" lang="en-US" sz="1000" spc="-1" strike="noStrike">
+                <a:latin typeface="Times New Roman"/>
+              </a:rPr>
+              <a:t> </a:t>
+            </a:r>
+            <a:r>
+              <a:rPr b="1" lang="en-US" sz="1000" spc="-1" strike="noStrike">
+                <a:latin typeface="Times New Roman"/>
+              </a:rPr>
+              <a:t>My_Runtime2.generateDot</a:t>
+            </a:r>
+            <a:r>
+              <a:rPr b="0" lang="en-US" sz="1000" spc="-1" strike="noStrike">
+                <a:latin typeface="Times New Roman"/>
+              </a:rPr>
+              <a:t>("Result.dot",true);</a:t>
+            </a:r>
+            <a:endParaRPr b="0" lang="en-US" sz="1000" spc="-1" strike="noStrike">
+              <a:latin typeface="Times New Roman"/>
+            </a:endParaRPr>
+          </a:p>
+          <a:p>
+            <a:r>
+              <a:rPr b="0" lang="en-US" sz="1000" spc="-1" strike="noStrike">
+                <a:latin typeface="Times New Roman"/>
+              </a:rPr>
+              <a:t>        </a:t>
+            </a:r>
+            <a:r>
+              <a:rPr b="1" lang="en-US" sz="1000" spc="-1" strike="noStrike">
+                <a:latin typeface="Times New Roman"/>
+              </a:rPr>
+              <a:t>My_Runtime2.generateTrace</a:t>
+            </a:r>
+            <a:r>
+              <a:rPr b="0" lang="en-US" sz="1000" spc="-1" strike="noStrike">
+                <a:latin typeface="Times New Roman"/>
+              </a:rPr>
+              <a:t>("Result.svg");</a:t>
+            </a:r>
+            <a:endParaRPr b="0" lang="en-US" sz="1000" spc="-1" strike="noStrike">
+              <a:latin typeface="Times New Roman"/>
+            </a:endParaRPr>
+          </a:p>
+          <a:p>
+            <a:r>
+              <a:rPr b="0" lang="en-US" sz="1000" spc="-1" strike="noStrike">
+                <a:latin typeface="Times New Roman"/>
+              </a:rPr>
+              <a:t>    </a:t>
+            </a:r>
+            <a:r>
+              <a:rPr b="0" lang="en-US" sz="1000" spc="-1" strike="noStrike">
+                <a:latin typeface="Times New Roman"/>
+              </a:rPr>
+              <a:t>}</a:t>
+            </a:r>
+            <a:endParaRPr b="0" lang="en-US" sz="1000" spc="-1" strike="noStrike">
+              <a:latin typeface="Times New Roman"/>
+            </a:endParaRPr>
+          </a:p>
+        </p:txBody>
+      </p:sp>
+      <p:pic>
+        <p:nvPicPr>
+          <p:cNvPr id="116" name="" descr=""/>
+          <p:cNvPicPr/>
+          <p:nvPr/>
+        </p:nvPicPr>
+        <p:blipFill>
+          <a:blip r:embed="rId2"/>
+          <a:stretch/>
+        </p:blipFill>
+        <p:spPr>
+          <a:xfrm>
+            <a:off x="6948000" y="2744640"/>
+            <a:ext cx="3106800" cy="2552760"/>
+          </a:xfrm>
+          <a:prstGeom prst="rect">
+            <a:avLst/>
+          </a:prstGeom>
+          <a:ln w="0">
+            <a:noFill/>
+          </a:ln>
+        </p:spPr>
+      </p:pic>
+      <p:sp>
+        <p:nvSpPr>
+          <p:cNvPr id="117" name=""/>
+          <p:cNvSpPr txBox="1"/>
+          <p:nvPr/>
+        </p:nvSpPr>
+        <p:spPr>
+          <a:xfrm>
+            <a:off x="6984000" y="2505600"/>
+            <a:ext cx="1080000" cy="230400"/>
+          </a:xfrm>
+          <a:prstGeom prst="rect">
+            <a:avLst/>
+          </a:prstGeom>
+          <a:noFill/>
+          <a:ln w="0">
+            <a:noFill/>
+          </a:ln>
+        </p:spPr>
+        <p:txBody>
+          <a:bodyPr lIns="90000" rIns="90000" tIns="45000" bIns="45000" anchor="t">
+            <a:noAutofit/>
+          </a:bodyPr>
+          <a:p>
+            <a:r>
+              <a:rPr b="1" lang="en-US" sz="1000" spc="-1" strike="noStrike">
+                <a:latin typeface="Times New Roman"/>
+              </a:rPr>
+              <a:t>Result.svg</a:t>
+            </a:r>
+            <a:endParaRPr b="1" lang="en-US" sz="1000" spc="-1" strike="noStrike">
+              <a:latin typeface="Times New Roman"/>
             </a:endParaRPr>
           </a:p>
         </p:txBody>
@@ -6255,7 +10084,7 @@
               </a:rPr>
               <a:t>Parallel Programming: Overview</a:t>
             </a:r>
-            <a:endParaRPr b="0" lang="fr-CH" sz="2700" spc="-1" strike="noStrike">
+            <a:endParaRPr b="0" lang="en-US" sz="2700" spc="-1" strike="noStrike">
               <a:latin typeface="Arial"/>
             </a:endParaRPr>
           </a:p>
@@ -6401,7 +10230,7 @@
               </a:rPr>
               <a:t>PECX </a:t>
             </a:r>
-            <a:endParaRPr b="0" lang="fr-CH" sz="1600" spc="-1" strike="noStrike">
+            <a:endParaRPr b="0" lang="en-US" sz="1600" spc="-1" strike="noStrike">
               <a:latin typeface="Arial"/>
             </a:endParaRPr>
           </a:p>
@@ -6428,7 +10257,7 @@
               </a:rPr>
               <a:t>What is SPECX ?</a:t>
             </a:r>
-            <a:endParaRPr b="0" lang="fr-CH" sz="1400" spc="-1" strike="noStrike">
+            <a:endParaRPr b="0" lang="en-US" sz="1400" spc="-1" strike="noStrike">
               <a:latin typeface="Arial"/>
             </a:endParaRPr>
           </a:p>
@@ -6455,7 +10284,7 @@
               </a:rPr>
               <a:t>Runtime Interface</a:t>
             </a:r>
-            <a:endParaRPr b="0" lang="fr-CH" sz="1400" spc="-1" strike="noStrike">
+            <a:endParaRPr b="0" lang="en-US" sz="1400" spc="-1" strike="noStrike">
               <a:latin typeface="Arial"/>
             </a:endParaRPr>
           </a:p>
@@ -6482,7 +10311,7 @@
               </a:rPr>
               <a:t>Data Dependency Interface</a:t>
             </a:r>
-            <a:endParaRPr b="0" lang="fr-CH" sz="1400" spc="-1" strike="noStrike">
+            <a:endParaRPr b="0" lang="en-US" sz="1400" spc="-1" strike="noStrike">
               <a:latin typeface="Arial"/>
             </a:endParaRPr>
           </a:p>
@@ -6509,7 +10338,7 @@
               </a:rPr>
               <a:t>Task Viewer Interface </a:t>
             </a:r>
-            <a:endParaRPr b="0" lang="fr-CH" sz="1400" spc="-1" strike="noStrike">
+            <a:endParaRPr b="0" lang="en-US" sz="1400" spc="-1" strike="noStrike">
               <a:latin typeface="Arial"/>
             </a:endParaRPr>
           </a:p>
@@ -6536,7 +10365,7 @@
               </a:rPr>
               <a:t>Future Developments</a:t>
             </a:r>
-            <a:endParaRPr b="0" lang="fr-CH" sz="1400" spc="-1" strike="noStrike">
+            <a:endParaRPr b="0" lang="en-US" sz="1400" spc="-1" strike="noStrike">
               <a:latin typeface="Arial"/>
             </a:endParaRPr>
           </a:p>
@@ -6593,7 +10422,7 @@
               </a:rPr>
               <a:t>xamples</a:t>
             </a:r>
-            <a:endParaRPr b="0" lang="fr-CH" sz="1400" spc="-1" strike="noStrike">
+            <a:endParaRPr b="0" lang="en-US" sz="1400" spc="-1" strike="noStrike">
               <a:latin typeface="Arial"/>
             </a:endParaRPr>
           </a:p>
@@ -6610,7 +10439,7 @@
                 <a:tab algn="l" pos="0"/>
               </a:tabLst>
             </a:pPr>
-            <a:endParaRPr b="0" lang="fr-CH" sz="1400" spc="-1" strike="noStrike">
+            <a:endParaRPr b="0" lang="en-US" sz="1400" spc="-1" strike="noStrike">
               <a:latin typeface="Arial"/>
             </a:endParaRPr>
           </a:p>
@@ -6627,7 +10456,7 @@
                 <a:tab algn="l" pos="0"/>
               </a:tabLst>
             </a:pPr>
-            <a:endParaRPr b="0" lang="fr-CH" sz="1600" spc="-1" strike="noStrike">
+            <a:endParaRPr b="0" lang="en-US" sz="1600" spc="-1" strike="noStrike">
               <a:latin typeface="Arial"/>
             </a:endParaRPr>
           </a:p>
@@ -6644,7 +10473,7 @@
                 <a:tab algn="l" pos="0"/>
               </a:tabLst>
             </a:pPr>
-            <a:endParaRPr b="0" lang="fr-CH" sz="1600" spc="-1" strike="noStrike">
+            <a:endParaRPr b="0" lang="en-US" sz="1600" spc="-1" strike="noStrike">
               <a:latin typeface="Arial"/>
             </a:endParaRPr>
           </a:p>
@@ -6661,7 +10490,7 @@
                 <a:tab algn="l" pos="0"/>
               </a:tabLst>
             </a:pPr>
-            <a:endParaRPr b="0" lang="fr-CH" sz="2000" spc="-1" strike="noStrike">
+            <a:endParaRPr b="0" lang="en-US" sz="2000" spc="-1" strike="noStrike">
               <a:latin typeface="Arial"/>
             </a:endParaRPr>
           </a:p>
@@ -6678,7 +10507,7 @@
                 <a:tab algn="l" pos="0"/>
               </a:tabLst>
             </a:pPr>
-            <a:endParaRPr b="0" lang="fr-CH" sz="2000" spc="-1" strike="noStrike">
+            <a:endParaRPr b="0" lang="en-US" sz="2000" spc="-1" strike="noStrike">
               <a:latin typeface="Arial"/>
             </a:endParaRPr>
           </a:p>
@@ -6695,7 +10524,7 @@
                 <a:tab algn="l" pos="0"/>
               </a:tabLst>
             </a:pPr>
-            <a:endParaRPr b="0" lang="fr-CH" sz="2000" spc="-1" strike="noStrike">
+            <a:endParaRPr b="0" lang="en-US" sz="2000" spc="-1" strike="noStrike">
               <a:latin typeface="Arial"/>
             </a:endParaRPr>
           </a:p>
@@ -6712,7 +10541,7 @@
                 <a:tab algn="l" pos="0"/>
               </a:tabLst>
             </a:pPr>
-            <a:endParaRPr b="0" lang="fr-CH" sz="1600" spc="-1" strike="noStrike">
+            <a:endParaRPr b="0" lang="en-US" sz="1600" spc="-1" strike="noStrike">
               <a:latin typeface="Arial"/>
             </a:endParaRPr>
           </a:p>
@@ -6729,7 +10558,7 @@
                 <a:tab algn="l" pos="0"/>
               </a:tabLst>
             </a:pPr>
-            <a:endParaRPr b="0" lang="fr-CH" sz="1600" spc="-1" strike="noStrike">
+            <a:endParaRPr b="0" lang="en-US" sz="1600" spc="-1" strike="noStrike">
               <a:latin typeface="Arial"/>
             </a:endParaRPr>
           </a:p>
@@ -6746,7 +10575,7 @@
                 <a:tab algn="l" pos="0"/>
               </a:tabLst>
             </a:pPr>
-            <a:endParaRPr b="0" lang="fr-CH" sz="1400" spc="-1" strike="noStrike">
+            <a:endParaRPr b="0" lang="en-US" sz="1400" spc="-1" strike="noStrike">
               <a:latin typeface="Arial"/>
             </a:endParaRPr>
           </a:p>
@@ -6763,7 +10592,7 @@
                 <a:tab algn="l" pos="0"/>
               </a:tabLst>
             </a:pPr>
-            <a:endParaRPr b="0" lang="fr-CH" sz="1400" spc="-1" strike="noStrike">
+            <a:endParaRPr b="0" lang="en-US" sz="1400" spc="-1" strike="noStrike">
               <a:latin typeface="Arial"/>
             </a:endParaRPr>
           </a:p>
@@ -6897,7 +10726,7 @@
               </a:rPr>
               <a:t>OAL</a:t>
             </a:r>
-            <a:endParaRPr b="0" lang="fr-CH" sz="2000" spc="-1" strike="noStrike">
+            <a:endParaRPr b="0" lang="en-US" sz="2000" spc="-1" strike="noStrike">
               <a:latin typeface="Arial"/>
             </a:endParaRPr>
           </a:p>
@@ -6965,7 +10794,7 @@
               </a:rPr>
               <a:t>ESSION 6/6</a:t>
             </a:r>
-            <a:endParaRPr b="0" lang="fr-CH" sz="1600" spc="-1" strike="noStrike">
+            <a:endParaRPr b="0" lang="en-US" sz="1600" spc="-1" strike="noStrike">
               <a:latin typeface="Arial"/>
             </a:endParaRPr>
           </a:p>
@@ -6982,7 +10811,7 @@
                 <a:tab algn="l" pos="0"/>
               </a:tabLst>
             </a:pPr>
-            <a:endParaRPr b="0" lang="fr-CH" sz="2000" spc="-1" strike="noStrike">
+            <a:endParaRPr b="0" lang="en-US" sz="2000" spc="-1" strike="noStrike">
               <a:latin typeface="Arial"/>
             </a:endParaRPr>
           </a:p>
@@ -6999,7 +10828,7 @@
                 <a:tab algn="l" pos="0"/>
               </a:tabLst>
             </a:pPr>
-            <a:endParaRPr b="0" lang="fr-CH" sz="2000" spc="-1" strike="noStrike">
+            <a:endParaRPr b="0" lang="en-US" sz="2000" spc="-1" strike="noStrike">
               <a:latin typeface="Arial"/>
             </a:endParaRPr>
           </a:p>
@@ -7016,7 +10845,7 @@
                 <a:tab algn="l" pos="0"/>
               </a:tabLst>
             </a:pPr>
-            <a:endParaRPr b="0" lang="fr-CH" sz="1600" spc="-1" strike="noStrike">
+            <a:endParaRPr b="0" lang="en-US" sz="1600" spc="-1" strike="noStrike">
               <a:latin typeface="Arial"/>
             </a:endParaRPr>
           </a:p>
@@ -7033,7 +10862,7 @@
                 <a:tab algn="l" pos="0"/>
               </a:tabLst>
             </a:pPr>
-            <a:endParaRPr b="0" lang="fr-CH" sz="1600" spc="-1" strike="noStrike">
+            <a:endParaRPr b="0" lang="en-US" sz="1600" spc="-1" strike="noStrike">
               <a:latin typeface="Arial"/>
             </a:endParaRPr>
           </a:p>
@@ -7050,7 +10879,7 @@
                 <a:tab algn="l" pos="0"/>
               </a:tabLst>
             </a:pPr>
-            <a:endParaRPr b="0" lang="fr-CH" sz="1400" spc="-1" strike="noStrike">
+            <a:endParaRPr b="0" lang="en-US" sz="1400" spc="-1" strike="noStrike">
               <a:latin typeface="Arial"/>
             </a:endParaRPr>
           </a:p>
@@ -7067,7 +10896,2168 @@
                 <a:tab algn="l" pos="0"/>
               </a:tabLst>
             </a:pPr>
-            <a:endParaRPr b="0" lang="fr-CH" sz="1400" spc="-1" strike="noStrike">
+            <a:endParaRPr b="0" lang="en-US" sz="1400" spc="-1" strike="noStrike">
+              <a:latin typeface="Arial"/>
+            </a:endParaRPr>
+          </a:p>
+        </p:txBody>
+      </p:sp>
+    </p:spTree>
+  </p:cSld>
+  <mc:AlternateContent>
+    <mc:Choice Requires="p14">
+      <p:transition spd="slow" p14:dur="2000"/>
+    </mc:Choice>
+    <mc:Fallback>
+      <p:transition spd="slow"/>
+    </mc:Fallback>
+  </mc:AlternateContent>
+</p:sld>
+</file>
+
+<file path=ppt/slides/slide20.xml><?xml version="1.0" encoding="utf-8"?>
+<p:sld xmlns:a="http://schemas.openxmlformats.org/drawingml/2006/main" xmlns:p="http://schemas.openxmlformats.org/presentationml/2006/main" xmlns:r="http://schemas.openxmlformats.org/officeDocument/2006/relationships" xmlns:p14="http://schemas.microsoft.com/office/powerpoint/2010/main" xmlns:p15="http://schemas.microsoft.com/office/powerpoint/2012/main" xmlns:mc="http://schemas.openxmlformats.org/markup-compatibility/2006">
+  <p:cSld>
+    <p:spTree>
+      <p:nvGrpSpPr>
+        <p:cNvPr id="1" name=""/>
+        <p:cNvGrpSpPr/>
+        <p:nvPr/>
+      </p:nvGrpSpPr>
+      <p:grpSpPr>
+        <a:xfrm>
+          <a:off x="0" y="0"/>
+          <a:ext cx="0" cy="0"/>
+          <a:chOff x="0" y="0"/>
+          <a:chExt cx="0" cy="0"/>
+        </a:xfrm>
+      </p:grpSpPr>
+      <p:sp>
+        <p:nvSpPr>
+          <p:cNvPr id="118" name="PlaceHolder 18"/>
+          <p:cNvSpPr/>
+          <p:nvPr/>
+        </p:nvSpPr>
+        <p:spPr>
+          <a:xfrm>
+            <a:off x="333360" y="227160"/>
+            <a:ext cx="9354600" cy="713520"/>
+          </a:xfrm>
+          <a:prstGeom prst="rect">
+            <a:avLst/>
+          </a:prstGeom>
+          <a:noFill/>
+          <a:ln w="0">
+            <a:noFill/>
+          </a:ln>
+        </p:spPr>
+        <p:style>
+          <a:lnRef idx="0"/>
+          <a:fillRef idx="0"/>
+          <a:effectRef idx="0"/>
+          <a:fontRef idx="minor"/>
+        </p:style>
+        <p:txBody>
+          <a:bodyPr lIns="0" rIns="0" tIns="0" bIns="0" anchor="ctr">
+            <a:noAutofit/>
+          </a:bodyPr>
+          <a:p>
+            <a:pPr>
+              <a:lnSpc>
+                <a:spcPct val="100000"/>
+              </a:lnSpc>
+              <a:buNone/>
+              <a:tabLst>
+                <a:tab algn="l" pos="0"/>
+              </a:tabLst>
+            </a:pPr>
+            <a:r>
+              <a:rPr b="1" lang="en-US" sz="2700" spc="-1" strike="noStrike">
+                <a:solidFill>
+                  <a:srgbClr val="ffffff"/>
+                </a:solidFill>
+                <a:latin typeface="Source Sans Pro Black"/>
+                <a:ea typeface="DejaVu Sans"/>
+              </a:rPr>
+              <a:t>SPECX: Exemple with promise  </a:t>
+            </a:r>
+            <a:endParaRPr b="0" lang="en-US" sz="2700" spc="-1" strike="noStrike">
+              <a:latin typeface="Arial"/>
+            </a:endParaRPr>
+          </a:p>
+        </p:txBody>
+      </p:sp>
+      <p:pic>
+        <p:nvPicPr>
+          <p:cNvPr id="119" name="" descr=""/>
+          <p:cNvPicPr/>
+          <p:nvPr/>
+        </p:nvPicPr>
+        <p:blipFill>
+          <a:blip r:embed="rId1"/>
+          <a:stretch/>
+        </p:blipFill>
+        <p:spPr>
+          <a:xfrm>
+            <a:off x="8973360" y="62280"/>
+            <a:ext cx="1015560" cy="1015560"/>
+          </a:xfrm>
+          <a:prstGeom prst="rect">
+            <a:avLst/>
+          </a:prstGeom>
+          <a:ln w="0">
+            <a:noFill/>
+          </a:ln>
+        </p:spPr>
+      </p:pic>
+      <p:sp>
+        <p:nvSpPr>
+          <p:cNvPr id="120" name=""/>
+          <p:cNvSpPr txBox="1"/>
+          <p:nvPr/>
+        </p:nvSpPr>
+        <p:spPr>
+          <a:xfrm>
+            <a:off x="180000" y="1224000"/>
+            <a:ext cx="5400000" cy="4291560"/>
+          </a:xfrm>
+          <a:prstGeom prst="rect">
+            <a:avLst/>
+          </a:prstGeom>
+          <a:noFill/>
+          <a:ln w="0">
+            <a:noFill/>
+          </a:ln>
+        </p:spPr>
+        <p:txBody>
+          <a:bodyPr lIns="90000" rIns="90000" tIns="45000" bIns="45000" anchor="t">
+            <a:noAutofit/>
+          </a:bodyPr>
+          <a:p>
+            <a:r>
+              <a:rPr b="0" lang="en-US" sz="1000" spc="-1" strike="noStrike">
+                <a:latin typeface="Times New Roman"/>
+              </a:rPr>
+              <a:t>    </a:t>
+            </a:r>
+            <a:r>
+              <a:rPr b="0" lang="en-US" sz="1000" spc="-1" strike="noStrike">
+                <a:latin typeface="Times New Roman"/>
+              </a:rPr>
+              <a:t>{</a:t>
+            </a:r>
+            <a:endParaRPr b="0" lang="en-US" sz="1000" spc="-1" strike="noStrike">
+              <a:latin typeface="Times New Roman"/>
+            </a:endParaRPr>
+          </a:p>
+          <a:p>
+            <a:r>
+              <a:rPr b="0" lang="en-US" sz="1000" spc="-1" strike="noStrike">
+                <a:latin typeface="Times New Roman"/>
+              </a:rPr>
+              <a:t>        </a:t>
+            </a:r>
+            <a:r>
+              <a:rPr b="0" lang="en-US" sz="1000" spc="-1" strike="noStrike">
+                <a:latin typeface="Times New Roman"/>
+              </a:rPr>
+              <a:t>NumThreads=2;</a:t>
+            </a:r>
+            <a:endParaRPr b="0" lang="en-US" sz="1000" spc="-1" strike="noStrike">
+              <a:latin typeface="Times New Roman"/>
+            </a:endParaRPr>
+          </a:p>
+          <a:p>
+            <a:r>
+              <a:rPr b="0" lang="en-US" sz="1000" spc="-1" strike="noStrike">
+                <a:latin typeface="Times New Roman"/>
+              </a:rPr>
+              <a:t>        </a:t>
+            </a:r>
+            <a:r>
+              <a:rPr b="1" lang="en-US" sz="1000" spc="-1" strike="noStrike">
+                <a:solidFill>
+                  <a:srgbClr val="bf0041"/>
+                </a:solidFill>
+                <a:latin typeface="Times New Roman"/>
+              </a:rPr>
+              <a:t>SpRuntime</a:t>
+            </a:r>
+            <a:r>
+              <a:rPr b="0" lang="en-US" sz="1000" spc="-1" strike="noStrike">
+                <a:latin typeface="Times New Roman"/>
+              </a:rPr>
+              <a:t> My_Runtime3(NumThreads); </a:t>
+            </a:r>
+            <a:endParaRPr b="0" lang="en-US" sz="1000" spc="-1" strike="noStrike">
+              <a:latin typeface="Times New Roman"/>
+            </a:endParaRPr>
+          </a:p>
+          <a:p>
+            <a:endParaRPr b="0" lang="en-US" sz="1000" spc="-1" strike="noStrike">
+              <a:latin typeface="Times New Roman"/>
+            </a:endParaRPr>
+          </a:p>
+          <a:p>
+            <a:r>
+              <a:rPr b="0" lang="en-US" sz="1000" spc="-1" strike="noStrike">
+                <a:solidFill>
+                  <a:srgbClr val="666666"/>
+                </a:solidFill>
+                <a:latin typeface="Times New Roman"/>
+              </a:rPr>
+              <a:t>        </a:t>
+            </a:r>
+            <a:r>
+              <a:rPr b="0" lang="en-US" sz="1000" spc="-1" strike="noStrike">
+                <a:solidFill>
+                  <a:srgbClr val="666666"/>
+                </a:solidFill>
+                <a:latin typeface="Times New Roman"/>
+              </a:rPr>
+              <a:t>//SpRuntime&lt;SpSpeculativeModel::SP_MODEL_2&gt; My_Runtime3;</a:t>
+            </a:r>
+            <a:endParaRPr b="0" lang="en-US" sz="1000" spc="-1" strike="noStrike">
+              <a:latin typeface="Times New Roman"/>
+            </a:endParaRPr>
+          </a:p>
+          <a:p>
+            <a:r>
+              <a:rPr b="0" lang="en-US" sz="1000" spc="-1" strike="noStrike">
+                <a:solidFill>
+                  <a:srgbClr val="666666"/>
+                </a:solidFill>
+                <a:latin typeface="Times New Roman"/>
+              </a:rPr>
+              <a:t>        </a:t>
+            </a:r>
+            <a:r>
+              <a:rPr b="0" lang="en-US" sz="1000" spc="-1" strike="noStrike">
+                <a:solidFill>
+                  <a:srgbClr val="666666"/>
+                </a:solidFill>
+                <a:latin typeface="Times New Roman"/>
+              </a:rPr>
+              <a:t>//cout&lt;&lt;":"&lt;&lt;My_Runtime3.getValue()&lt;&lt;"\n";</a:t>
+            </a:r>
+            <a:endParaRPr b="0" lang="en-US" sz="1000" spc="-1" strike="noStrike">
+              <a:latin typeface="Times New Roman"/>
+            </a:endParaRPr>
+          </a:p>
+          <a:p>
+            <a:endParaRPr b="0" lang="en-US" sz="1000" spc="-1" strike="noStrike">
+              <a:latin typeface="Times New Roman"/>
+            </a:endParaRPr>
+          </a:p>
+          <a:p>
+            <a:r>
+              <a:rPr b="1" lang="en-US" sz="1000" spc="-1" strike="noStrike">
+                <a:latin typeface="Times New Roman"/>
+              </a:rPr>
+              <a:t>        </a:t>
+            </a:r>
+            <a:r>
+              <a:rPr b="1" lang="en-US" sz="1000" spc="-1" strike="noStrike">
+                <a:latin typeface="Times New Roman"/>
+              </a:rPr>
+              <a:t>My_Runtime3.setSpeculationTes</a:t>
+            </a:r>
+            <a:r>
+              <a:rPr b="0" lang="en-US" sz="1000" spc="-1" strike="noStrike">
+                <a:latin typeface="Times New Roman"/>
+              </a:rPr>
+              <a:t>t(</a:t>
+            </a:r>
+            <a:endParaRPr b="0" lang="en-US" sz="1000" spc="-1" strike="noStrike">
+              <a:latin typeface="Times New Roman"/>
+            </a:endParaRPr>
+          </a:p>
+          <a:p>
+            <a:r>
+              <a:rPr b="0" lang="en-US" sz="1000" spc="-1" strike="noStrike">
+                <a:latin typeface="Times New Roman"/>
+              </a:rPr>
+              <a:t>           </a:t>
+            </a:r>
+            <a:r>
+              <a:rPr b="1" lang="en-US" sz="1000" spc="-1" strike="noStrike">
+                <a:solidFill>
+                  <a:srgbClr val="158466"/>
+                </a:solidFill>
+                <a:latin typeface="Times New Roman"/>
+              </a:rPr>
+              <a:t> </a:t>
+            </a:r>
+            <a:r>
+              <a:rPr b="1" lang="en-US" sz="1000" spc="-1" strike="noStrike">
+                <a:solidFill>
+                  <a:srgbClr val="158466"/>
+                </a:solidFill>
+                <a:latin typeface="Times New Roman"/>
+              </a:rPr>
+              <a:t>[]</a:t>
+            </a:r>
+            <a:r>
+              <a:rPr b="0" lang="en-US" sz="1000" spc="-1" strike="noStrike">
+                <a:latin typeface="Times New Roman"/>
+              </a:rPr>
+              <a:t> (const int /*inNbReadyTasks*/, </a:t>
+            </a:r>
+            <a:endParaRPr b="0" lang="en-US" sz="1000" spc="-1" strike="noStrike">
+              <a:latin typeface="Times New Roman"/>
+            </a:endParaRPr>
+          </a:p>
+          <a:p>
+            <a:r>
+              <a:rPr b="0" lang="en-US" sz="1000" spc="-1" strike="noStrike">
+                <a:latin typeface="Times New Roman"/>
+              </a:rPr>
+              <a:t>                </a:t>
+            </a:r>
+            <a:r>
+              <a:rPr b="0" lang="en-US" sz="1000" spc="-1" strike="noStrike">
+                <a:latin typeface="Times New Roman"/>
+              </a:rPr>
+              <a:t>const SpProbability&amp; /*inProbability*/) -&gt; bool</a:t>
+            </a:r>
+            <a:endParaRPr b="0" lang="en-US" sz="1000" spc="-1" strike="noStrike">
+              <a:latin typeface="Times New Roman"/>
+            </a:endParaRPr>
+          </a:p>
+          <a:p>
+            <a:r>
+              <a:rPr b="0" lang="en-US" sz="1000" spc="-1" strike="noStrike">
+                <a:latin typeface="Times New Roman"/>
+              </a:rPr>
+              <a:t>            </a:t>
+            </a:r>
+            <a:r>
+              <a:rPr b="0" lang="en-US" sz="1000" spc="-1" strike="noStrike">
+                <a:latin typeface="Times New Roman"/>
+              </a:rPr>
+              <a:t>{</a:t>
+            </a:r>
+            <a:endParaRPr b="0" lang="en-US" sz="1000" spc="-1" strike="noStrike">
+              <a:latin typeface="Times New Roman"/>
+            </a:endParaRPr>
+          </a:p>
+          <a:p>
+            <a:r>
+              <a:rPr b="0" lang="en-US" sz="1000" spc="-1" strike="noStrike">
+                <a:latin typeface="Times New Roman"/>
+              </a:rPr>
+              <a:t>               </a:t>
+            </a:r>
+            <a:r>
+              <a:rPr b="0" lang="en-US" sz="1000" spc="-1" strike="noStrike">
+                <a:solidFill>
+                  <a:srgbClr val="666666"/>
+                </a:solidFill>
+                <a:latin typeface="Times New Roman"/>
+              </a:rPr>
+              <a:t> </a:t>
+            </a:r>
+            <a:r>
+              <a:rPr b="0" lang="en-US" sz="1000" spc="-1" strike="noStrike">
+                <a:solidFill>
+                  <a:srgbClr val="666666"/>
+                </a:solidFill>
+                <a:latin typeface="Times New Roman"/>
+              </a:rPr>
+              <a:t>// Always speculate</a:t>
+            </a:r>
+            <a:endParaRPr b="0" lang="en-US" sz="1000" spc="-1" strike="noStrike">
+              <a:latin typeface="Times New Roman"/>
+            </a:endParaRPr>
+          </a:p>
+          <a:p>
+            <a:r>
+              <a:rPr b="0" lang="en-US" sz="1000" spc="-1" strike="noStrike">
+                <a:latin typeface="Times New Roman"/>
+              </a:rPr>
+              <a:t>                </a:t>
+            </a:r>
+            <a:r>
+              <a:rPr b="0" lang="en-US" sz="1000" spc="-1" strike="noStrike">
+                <a:latin typeface="Times New Roman"/>
+              </a:rPr>
+              <a:t>return true;</a:t>
+            </a:r>
+            <a:endParaRPr b="0" lang="en-US" sz="1000" spc="-1" strike="noStrike">
+              <a:latin typeface="Times New Roman"/>
+            </a:endParaRPr>
+          </a:p>
+          <a:p>
+            <a:r>
+              <a:rPr b="0" lang="en-US" sz="1000" spc="-1" strike="noStrike">
+                <a:latin typeface="Times New Roman"/>
+              </a:rPr>
+              <a:t>            </a:t>
+            </a:r>
+            <a:r>
+              <a:rPr b="0" lang="en-US" sz="1000" spc="-1" strike="noStrike">
+                <a:latin typeface="Times New Roman"/>
+              </a:rPr>
+              <a:t>} </a:t>
+            </a:r>
+            <a:endParaRPr b="0" lang="en-US" sz="1000" spc="-1" strike="noStrike">
+              <a:latin typeface="Times New Roman"/>
+            </a:endParaRPr>
+          </a:p>
+          <a:p>
+            <a:r>
+              <a:rPr b="0" lang="en-US" sz="1000" spc="-1" strike="noStrike">
+                <a:latin typeface="Times New Roman"/>
+              </a:rPr>
+              <a:t>        </a:t>
+            </a:r>
+            <a:r>
+              <a:rPr b="0" lang="en-US" sz="1000" spc="-1" strike="noStrike">
+                <a:latin typeface="Times New Roman"/>
+              </a:rPr>
+              <a:t>);</a:t>
+            </a:r>
+            <a:endParaRPr b="0" lang="en-US" sz="1000" spc="-1" strike="noStrike">
+              <a:latin typeface="Times New Roman"/>
+            </a:endParaRPr>
+          </a:p>
+          <a:p>
+            <a:endParaRPr b="0" lang="en-US" sz="1000" spc="-1" strike="noStrike">
+              <a:latin typeface="Times New Roman"/>
+            </a:endParaRPr>
+          </a:p>
+          <a:p>
+            <a:r>
+              <a:rPr b="0" lang="en-US" sz="1000" spc="-1" strike="noStrike">
+                <a:latin typeface="Times New Roman"/>
+              </a:rPr>
+              <a:t>        </a:t>
+            </a:r>
+            <a:r>
+              <a:rPr b="0" lang="en-US" sz="1000" spc="-1" strike="noStrike">
+                <a:latin typeface="Times New Roman"/>
+              </a:rPr>
+              <a:t>int val = 0;</a:t>
+            </a:r>
+            <a:endParaRPr b="0" lang="en-US" sz="1000" spc="-1" strike="noStrike">
+              <a:latin typeface="Times New Roman"/>
+            </a:endParaRPr>
+          </a:p>
+          <a:p>
+            <a:r>
+              <a:rPr b="0" lang="en-US" sz="1000" spc="-1" strike="noStrike">
+                <a:latin typeface="Times New Roman"/>
+              </a:rPr>
+              <a:t>       </a:t>
+            </a:r>
+            <a:r>
+              <a:rPr b="1" lang="en-US" sz="1000" spc="-1" strike="noStrike">
+                <a:latin typeface="Times New Roman"/>
+              </a:rPr>
+              <a:t> </a:t>
+            </a:r>
+            <a:r>
+              <a:rPr b="1" lang="en-US" sz="1000" spc="-1" strike="noStrike">
+                <a:latin typeface="Times New Roman"/>
+              </a:rPr>
+              <a:t>std::promise&lt;int&gt;</a:t>
+            </a:r>
+            <a:r>
+              <a:rPr b="0" lang="en-US" sz="1000" spc="-1" strike="noStrike">
+                <a:latin typeface="Times New Roman"/>
+              </a:rPr>
+              <a:t> promise3;</a:t>
+            </a:r>
+            <a:r>
+              <a:rPr b="0" lang="en-US" sz="1000" spc="-1" strike="noStrike">
+                <a:solidFill>
+                  <a:srgbClr val="666666"/>
+                </a:solidFill>
+                <a:latin typeface="Times New Roman"/>
+              </a:rPr>
+              <a:t> //the promise that append thread must fulfill.</a:t>
+            </a:r>
+            <a:endParaRPr b="0" lang="en-US" sz="1000" spc="-1" strike="noStrike">
+              <a:latin typeface="Times New Roman"/>
+            </a:endParaRPr>
+          </a:p>
+          <a:p>
+            <a:endParaRPr b="0" lang="en-US" sz="1000" spc="-1" strike="noStrike">
+              <a:latin typeface="Times New Roman"/>
+            </a:endParaRPr>
+          </a:p>
+          <a:p>
+            <a:r>
+              <a:rPr b="0" lang="en-US" sz="1000" spc="-1" strike="noStrike">
+                <a:latin typeface="Times New Roman"/>
+              </a:rPr>
+              <a:t>         </a:t>
+            </a:r>
+            <a:r>
+              <a:rPr b="1" lang="en-US" sz="1000" spc="-1" strike="noStrike">
+                <a:latin typeface="Times New Roman"/>
+              </a:rPr>
+              <a:t>My_Runtime3.task</a:t>
+            </a:r>
+            <a:r>
+              <a:rPr b="0" lang="en-US" sz="1000" spc="-1" strike="noStrike">
+                <a:latin typeface="Times New Roman"/>
+              </a:rPr>
+              <a:t>( SpRead(val),</a:t>
+            </a:r>
+            <a:endParaRPr b="0" lang="en-US" sz="1000" spc="-1" strike="noStrike">
+              <a:latin typeface="Times New Roman"/>
+            </a:endParaRPr>
+          </a:p>
+          <a:p>
+            <a:r>
+              <a:rPr b="0" lang="en-US" sz="1000" spc="-1" strike="noStrike">
+                <a:latin typeface="Times New Roman"/>
+              </a:rPr>
+              <a:t>             </a:t>
+            </a:r>
+            <a:endParaRPr b="0" lang="en-US" sz="1000" spc="-1" strike="noStrike">
+              <a:latin typeface="Times New Roman"/>
+            </a:endParaRPr>
+          </a:p>
+          <a:p>
+            <a:r>
+              <a:rPr b="0" lang="en-US" sz="1000" spc="-1" strike="noStrike">
+                <a:latin typeface="Times New Roman"/>
+              </a:rPr>
+              <a:t>           </a:t>
+            </a:r>
+            <a:r>
+              <a:rPr b="1" lang="en-US" sz="1000" spc="-1" strike="noStrike">
+                <a:solidFill>
+                  <a:srgbClr val="158466"/>
+                </a:solidFill>
+                <a:latin typeface="Times New Roman"/>
+              </a:rPr>
+              <a:t> </a:t>
+            </a:r>
+            <a:r>
+              <a:rPr b="1" lang="en-US" sz="1000" spc="-1" strike="noStrike">
+                <a:solidFill>
+                  <a:srgbClr val="158466"/>
+                </a:solidFill>
+                <a:latin typeface="Times New Roman"/>
+              </a:rPr>
+              <a:t>[&amp;promise3]</a:t>
+            </a:r>
+            <a:r>
+              <a:rPr b="0" lang="en-US" sz="1000" spc="-1" strike="noStrike">
+                <a:latin typeface="Times New Roman"/>
+              </a:rPr>
+              <a:t> (const int&amp; /*valParam*/)</a:t>
+            </a:r>
+            <a:endParaRPr b="0" lang="en-US" sz="1000" spc="-1" strike="noStrike">
+              <a:latin typeface="Times New Roman"/>
+            </a:endParaRPr>
+          </a:p>
+          <a:p>
+            <a:r>
+              <a:rPr b="0" lang="en-US" sz="1000" spc="-1" strike="noStrike">
+                <a:latin typeface="Times New Roman"/>
+              </a:rPr>
+              <a:t>            </a:t>
+            </a:r>
+            <a:r>
+              <a:rPr b="0" lang="en-US" sz="1000" spc="-1" strike="noStrike">
+                <a:latin typeface="Times New Roman"/>
+              </a:rPr>
+              <a:t>{</a:t>
+            </a:r>
+            <a:endParaRPr b="0" lang="en-US" sz="1000" spc="-1" strike="noStrike">
+              <a:latin typeface="Times New Roman"/>
+            </a:endParaRPr>
+          </a:p>
+          <a:p>
+            <a:r>
+              <a:rPr b="0" lang="en-US" sz="1000" spc="-1" strike="noStrike">
+                <a:latin typeface="Times New Roman"/>
+              </a:rPr>
+              <a:t>                </a:t>
+            </a:r>
+            <a:r>
+              <a:rPr b="0" lang="en-US" sz="1000" spc="-1" strike="noStrike">
+                <a:latin typeface="Times New Roman"/>
+              </a:rPr>
+              <a:t>usleep(100);</a:t>
+            </a:r>
+            <a:endParaRPr b="0" lang="en-US" sz="1000" spc="-1" strike="noStrike">
+              <a:latin typeface="Times New Roman"/>
+            </a:endParaRPr>
+          </a:p>
+          <a:p>
+            <a:r>
+              <a:rPr b="0" lang="en-US" sz="1000" spc="-1" strike="noStrike">
+                <a:latin typeface="Times New Roman"/>
+              </a:rPr>
+              <a:t>                </a:t>
+            </a:r>
+            <a:r>
+              <a:rPr b="1" lang="en-US" sz="1000" spc="-1" strike="noStrike">
+                <a:latin typeface="Times New Roman"/>
+              </a:rPr>
+              <a:t>promise3.get_future().get(); </a:t>
+            </a:r>
+            <a:r>
+              <a:rPr b="1" lang="en-US" sz="1000" spc="-1" strike="noStrike">
+                <a:solidFill>
+                  <a:srgbClr val="666666"/>
+                </a:solidFill>
+                <a:latin typeface="Times New Roman"/>
+              </a:rPr>
+              <a:t>//</a:t>
+            </a:r>
+            <a:r>
+              <a:rPr b="0" lang="en-US" sz="1000" spc="-1" strike="noStrike">
+                <a:solidFill>
+                  <a:srgbClr val="666666"/>
+                </a:solidFill>
+                <a:latin typeface="Times New Roman"/>
+              </a:rPr>
+              <a:t>Returns a future object that has the same associated</a:t>
+            </a:r>
+            <a:endParaRPr b="0" lang="en-US" sz="1000" spc="-1" strike="noStrike">
+              <a:latin typeface="Times New Roman"/>
+            </a:endParaRPr>
+          </a:p>
+          <a:p>
+            <a:r>
+              <a:rPr b="0" lang="en-US" sz="1000" spc="-1" strike="noStrike">
+                <a:solidFill>
+                  <a:srgbClr val="666666"/>
+                </a:solidFill>
+                <a:latin typeface="Times New Roman"/>
+              </a:rPr>
+              <a:t>                                                                </a:t>
+            </a:r>
+            <a:r>
+              <a:rPr b="0" lang="en-US" sz="1000" spc="-1" strike="noStrike">
+                <a:solidFill>
+                  <a:srgbClr val="666666"/>
+                </a:solidFill>
+                <a:latin typeface="Times New Roman"/>
+              </a:rPr>
+              <a:t>//asynchronous state as this promise object.</a:t>
+            </a:r>
+            <a:endParaRPr b="0" lang="en-US" sz="1000" spc="-1" strike="noStrike">
+              <a:latin typeface="Times New Roman"/>
+            </a:endParaRPr>
+          </a:p>
+          <a:p>
+            <a:r>
+              <a:rPr b="0" lang="en-US" sz="1000" spc="-1" strike="noStrike">
+                <a:latin typeface="Times New Roman"/>
+              </a:rPr>
+              <a:t>            </a:t>
+            </a:r>
+            <a:r>
+              <a:rPr b="0" lang="en-US" sz="1000" spc="-1" strike="noStrike">
+                <a:latin typeface="Times New Roman"/>
+              </a:rPr>
+              <a:t>}</a:t>
+            </a:r>
+            <a:endParaRPr b="0" lang="en-US" sz="1000" spc="-1" strike="noStrike">
+              <a:latin typeface="Times New Roman"/>
+            </a:endParaRPr>
+          </a:p>
+          <a:p>
+            <a:r>
+              <a:rPr b="0" lang="en-US" sz="1000" spc="-1" strike="noStrike">
+                <a:latin typeface="Times New Roman"/>
+              </a:rPr>
+              <a:t>        </a:t>
+            </a:r>
+            <a:r>
+              <a:rPr b="0" lang="en-US" sz="1000" spc="-1" strike="noStrike">
+                <a:latin typeface="Times New Roman"/>
+              </a:rPr>
+              <a:t>)</a:t>
+            </a:r>
+            <a:r>
+              <a:rPr b="1" lang="en-US" sz="1000" spc="-1" strike="noStrike">
+                <a:latin typeface="Times New Roman"/>
+              </a:rPr>
+              <a:t>.setTaskName</a:t>
+            </a:r>
+            <a:r>
+              <a:rPr b="0" lang="en-US" sz="1000" spc="-1" strike="noStrike">
+                <a:latin typeface="Times New Roman"/>
+              </a:rPr>
+              <a:t>("First task");</a:t>
+            </a:r>
+            <a:endParaRPr b="0" lang="en-US" sz="1000" spc="-1" strike="noStrike">
+              <a:latin typeface="Times New Roman"/>
+            </a:endParaRPr>
+          </a:p>
+        </p:txBody>
+      </p:sp>
+      <p:sp>
+        <p:nvSpPr>
+          <p:cNvPr id="121" name=""/>
+          <p:cNvSpPr txBox="1"/>
+          <p:nvPr/>
+        </p:nvSpPr>
+        <p:spPr>
+          <a:xfrm>
+            <a:off x="5688000" y="1500480"/>
+            <a:ext cx="4104000" cy="3251520"/>
+          </a:xfrm>
+          <a:prstGeom prst="rect">
+            <a:avLst/>
+          </a:prstGeom>
+          <a:noFill/>
+          <a:ln w="0">
+            <a:noFill/>
+          </a:ln>
+        </p:spPr>
+        <p:txBody>
+          <a:bodyPr lIns="90000" rIns="90000" tIns="45000" bIns="45000" anchor="t">
+            <a:noAutofit/>
+          </a:bodyPr>
+          <a:p>
+            <a:r>
+              <a:rPr b="0" lang="en-US" sz="1000" spc="-1" strike="noStrike">
+                <a:latin typeface="Times New Roman"/>
+              </a:rPr>
+              <a:t>       </a:t>
+            </a:r>
+            <a:r>
+              <a:rPr b="0" lang="en-US" sz="1000" spc="-1" strike="noStrike">
+                <a:latin typeface="Times New Roman"/>
+              </a:rPr>
+              <a:t>for(int idx = 0; idx &lt; 1; idx++) {</a:t>
+            </a:r>
+            <a:endParaRPr b="0" lang="en-US" sz="1000" spc="-1" strike="noStrike">
+              <a:latin typeface="Times New Roman"/>
+            </a:endParaRPr>
+          </a:p>
+          <a:p>
+            <a:pPr>
+              <a:lnSpc>
+                <a:spcPct val="100000"/>
+              </a:lnSpc>
+              <a:buNone/>
+            </a:pPr>
+            <a:r>
+              <a:rPr b="0" lang="en-US" sz="1000" spc="-1" strike="noStrike">
+                <a:latin typeface="Times New Roman"/>
+              </a:rPr>
+              <a:t>          </a:t>
+            </a:r>
+            <a:r>
+              <a:rPr b="1" lang="en-US" sz="1000" spc="-1" strike="noStrike">
+                <a:latin typeface="Times New Roman"/>
+              </a:rPr>
+              <a:t>My_Runtime3.task</a:t>
+            </a:r>
+            <a:r>
+              <a:rPr b="0" lang="en-US" sz="1000" spc="-1" strike="noStrike">
+                <a:latin typeface="Times New Roman"/>
+              </a:rPr>
+              <a:t>(</a:t>
+            </a:r>
+            <a:r>
+              <a:rPr b="1" lang="en-US" sz="1000" spc="-1" strike="noStrike">
+                <a:solidFill>
+                  <a:srgbClr val="ff0000"/>
+                </a:solidFill>
+                <a:latin typeface="Times New Roman"/>
+              </a:rPr>
+              <a:t> SpWrite</a:t>
+            </a:r>
+            <a:r>
+              <a:rPr b="0" lang="en-US" sz="1000" spc="-1" strike="noStrike">
+                <a:latin typeface="Times New Roman"/>
+              </a:rPr>
+              <a:t>(val), </a:t>
+            </a:r>
+            <a:endParaRPr b="0" lang="en-US" sz="1000" spc="-1" strike="noStrike">
+              <a:latin typeface="Times New Roman"/>
+            </a:endParaRPr>
+          </a:p>
+          <a:p>
+            <a:pPr>
+              <a:lnSpc>
+                <a:spcPct val="100000"/>
+              </a:lnSpc>
+              <a:buNone/>
+            </a:pPr>
+            <a:r>
+              <a:rPr b="0" lang="en-US" sz="1000" spc="-1" strike="noStrike">
+                <a:latin typeface="Times New Roman"/>
+              </a:rPr>
+              <a:t>              </a:t>
+            </a:r>
+            <a:r>
+              <a:rPr b="1" lang="en-US" sz="1000" spc="-1" strike="noStrike">
+                <a:solidFill>
+                  <a:srgbClr val="158466"/>
+                </a:solidFill>
+                <a:latin typeface="Times New Roman"/>
+              </a:rPr>
+              <a:t>[ ]</a:t>
+            </a:r>
+            <a:r>
+              <a:rPr b="0" lang="en-US" sz="1000" spc="-1" strike="noStrike">
+                <a:latin typeface="Times New Roman"/>
+              </a:rPr>
+              <a:t> (int&amp; valParam)  </a:t>
+            </a:r>
+            <a:endParaRPr b="0" lang="en-US" sz="1000" spc="-1" strike="noStrike">
+              <a:latin typeface="Times New Roman"/>
+            </a:endParaRPr>
+          </a:p>
+          <a:p>
+            <a:pPr>
+              <a:lnSpc>
+                <a:spcPct val="100000"/>
+              </a:lnSpc>
+              <a:buNone/>
+            </a:pPr>
+            <a:r>
+              <a:rPr b="0" lang="en-US" sz="1000" spc="-1" strike="noStrike">
+                <a:latin typeface="Times New Roman"/>
+              </a:rPr>
+              <a:t>              </a:t>
+            </a:r>
+            <a:r>
+              <a:rPr b="0" lang="en-US" sz="1000" spc="-1" strike="noStrike">
+                <a:latin typeface="Times New Roman"/>
+              </a:rPr>
+              <a:t>{</a:t>
+            </a:r>
+            <a:endParaRPr b="0" lang="en-US" sz="1000" spc="-1" strike="noStrike">
+              <a:latin typeface="Times New Roman"/>
+            </a:endParaRPr>
+          </a:p>
+          <a:p>
+            <a:pPr>
+              <a:lnSpc>
+                <a:spcPct val="100000"/>
+              </a:lnSpc>
+              <a:buNone/>
+            </a:pPr>
+            <a:r>
+              <a:rPr b="0" lang="en-US" sz="1000" spc="-1" strike="noStrike">
+                <a:latin typeface="Times New Roman"/>
+              </a:rPr>
+              <a:t>                </a:t>
+            </a:r>
+            <a:r>
+              <a:rPr b="0" lang="en-US" sz="1000" spc="-1" strike="noStrike">
+                <a:latin typeface="Times New Roman"/>
+              </a:rPr>
+              <a:t>cout&lt;&lt;"CTRL Val in certain task="&lt;&lt;valParam&lt;&lt;"\n";</a:t>
+            </a:r>
+            <a:endParaRPr b="0" lang="en-US" sz="1000" spc="-1" strike="noStrike">
+              <a:latin typeface="Times New Roman"/>
+            </a:endParaRPr>
+          </a:p>
+          <a:p>
+            <a:pPr>
+              <a:lnSpc>
+                <a:spcPct val="100000"/>
+              </a:lnSpc>
+              <a:buNone/>
+            </a:pPr>
+            <a:r>
+              <a:rPr b="0" lang="en-US" sz="1000" spc="-1" strike="noStrike">
+                <a:latin typeface="Times New Roman"/>
+              </a:rPr>
+              <a:t>                </a:t>
+            </a:r>
+            <a:r>
+              <a:rPr b="0" lang="en-US" sz="1000" spc="-1" strike="noStrike">
+                <a:latin typeface="Times New Roman"/>
+              </a:rPr>
+              <a:t>usleep(500);</a:t>
+            </a:r>
+            <a:endParaRPr b="0" lang="en-US" sz="1000" spc="-1" strike="noStrike">
+              <a:latin typeface="Times New Roman"/>
+            </a:endParaRPr>
+          </a:p>
+          <a:p>
+            <a:pPr>
+              <a:lnSpc>
+                <a:spcPct val="100000"/>
+              </a:lnSpc>
+              <a:buNone/>
+            </a:pPr>
+            <a:r>
+              <a:rPr b="0" lang="en-US" sz="1000" spc="-1" strike="noStrike">
+                <a:latin typeface="Times New Roman"/>
+              </a:rPr>
+              <a:t>              </a:t>
+            </a:r>
+            <a:r>
+              <a:rPr b="0" lang="en-US" sz="1000" spc="-1" strike="noStrike">
+                <a:latin typeface="Times New Roman"/>
+              </a:rPr>
+              <a:t>}</a:t>
+            </a:r>
+            <a:endParaRPr b="0" lang="en-US" sz="1000" spc="-1" strike="noStrike">
+              <a:latin typeface="Times New Roman"/>
+            </a:endParaRPr>
+          </a:p>
+          <a:p>
+            <a:pPr>
+              <a:lnSpc>
+                <a:spcPct val="100000"/>
+              </a:lnSpc>
+              <a:buNone/>
+            </a:pPr>
+            <a:r>
+              <a:rPr b="0" lang="en-US" sz="1000" spc="-1" strike="noStrike">
+                <a:latin typeface="Times New Roman"/>
+              </a:rPr>
+              <a:t>          </a:t>
+            </a:r>
+            <a:r>
+              <a:rPr b="0" lang="en-US" sz="1000" spc="-1" strike="noStrike">
+                <a:latin typeface="Times New Roman"/>
+              </a:rPr>
+              <a:t>)</a:t>
+            </a:r>
+            <a:r>
+              <a:rPr b="1" lang="en-US" sz="1000" spc="-1" strike="noStrike">
+                <a:latin typeface="Times New Roman"/>
+              </a:rPr>
+              <a:t>.setTaskName</a:t>
+            </a:r>
+            <a:r>
+              <a:rPr b="0" lang="en-US" sz="1000" spc="-1" strike="noStrike">
+                <a:latin typeface="Times New Roman"/>
+              </a:rPr>
+              <a:t>("Certain task -- " + std::to_string(idx));</a:t>
+            </a:r>
+            <a:endParaRPr b="0" lang="en-US" sz="1000" spc="-1" strike="noStrike">
+              <a:latin typeface="Times New Roman"/>
+            </a:endParaRPr>
+          </a:p>
+          <a:p>
+            <a:pPr>
+              <a:lnSpc>
+                <a:spcPct val="100000"/>
+              </a:lnSpc>
+              <a:buNone/>
+            </a:pPr>
+            <a:r>
+              <a:rPr b="0" lang="en-US" sz="1000" spc="-1" strike="noStrike">
+                <a:latin typeface="Times New Roman"/>
+              </a:rPr>
+              <a:t>        </a:t>
+            </a:r>
+            <a:r>
+              <a:rPr b="0" lang="en-US" sz="1000" spc="-1" strike="noStrike">
+                <a:latin typeface="Times New Roman"/>
+              </a:rPr>
+              <a:t>}</a:t>
+            </a:r>
+            <a:endParaRPr b="0" lang="en-US" sz="1000" spc="-1" strike="noStrike">
+              <a:latin typeface="Times New Roman"/>
+            </a:endParaRPr>
+          </a:p>
+          <a:p>
+            <a:pPr>
+              <a:lnSpc>
+                <a:spcPct val="100000"/>
+              </a:lnSpc>
+              <a:buNone/>
+            </a:pPr>
+            <a:endParaRPr b="0" lang="en-US" sz="1000" spc="-1" strike="noStrike">
+              <a:latin typeface="Times New Roman"/>
+            </a:endParaRPr>
+          </a:p>
+          <a:p>
+            <a:pPr>
+              <a:lnSpc>
+                <a:spcPct val="100000"/>
+              </a:lnSpc>
+              <a:buNone/>
+            </a:pPr>
+            <a:r>
+              <a:rPr b="0" lang="en-US" sz="1000" spc="-1" strike="noStrike">
+                <a:latin typeface="Times New Roman"/>
+              </a:rPr>
+              <a:t>        </a:t>
+            </a:r>
+            <a:r>
+              <a:rPr b="0" lang="en-US" sz="1000" spc="-1" strike="noStrike">
+                <a:latin typeface="Times New Roman"/>
+              </a:rPr>
+              <a:t>const int nbUncertainTasks = 6;</a:t>
+            </a:r>
+            <a:endParaRPr b="0" lang="en-US" sz="1000" spc="-1" strike="noStrike">
+              <a:latin typeface="Times New Roman"/>
+            </a:endParaRPr>
+          </a:p>
+          <a:p>
+            <a:endParaRPr b="0" lang="en-US" sz="1000" spc="-1" strike="noStrike">
+              <a:latin typeface="Times New Roman"/>
+            </a:endParaRPr>
+          </a:p>
+          <a:p>
+            <a:r>
+              <a:rPr b="0" lang="en-US" sz="1000" spc="-1" strike="noStrike">
+                <a:latin typeface="Times New Roman"/>
+              </a:rPr>
+              <a:t>        </a:t>
+            </a:r>
+            <a:r>
+              <a:rPr b="0" lang="en-US" sz="1000" spc="-1" strike="noStrike">
+                <a:latin typeface="Times New Roman"/>
+              </a:rPr>
+              <a:t>for(int idx = 0 ; idx &lt; nbUncertainTasks ; ++idx){</a:t>
+            </a:r>
+            <a:endParaRPr b="0" lang="en-US" sz="1000" spc="-1" strike="noStrike">
+              <a:latin typeface="Times New Roman"/>
+            </a:endParaRPr>
+          </a:p>
+          <a:p>
+            <a:r>
+              <a:rPr b="0" lang="en-US" sz="1000" spc="-1" strike="noStrike">
+                <a:latin typeface="Times New Roman"/>
+              </a:rPr>
+              <a:t>           </a:t>
+            </a:r>
+            <a:r>
+              <a:rPr b="1" lang="en-US" sz="1000" spc="-1" strike="noStrike">
+                <a:latin typeface="Times New Roman"/>
+              </a:rPr>
+              <a:t> </a:t>
+            </a:r>
+            <a:r>
+              <a:rPr b="1" lang="en-US" sz="1000" spc="-1" strike="noStrike">
+                <a:latin typeface="Times New Roman"/>
+              </a:rPr>
+              <a:t>My_Runtime3.task</a:t>
+            </a:r>
+            <a:r>
+              <a:rPr b="0" lang="en-US" sz="1000" spc="-1" strike="noStrike">
+                <a:latin typeface="Times New Roman"/>
+              </a:rPr>
+              <a:t>( </a:t>
+            </a:r>
+            <a:r>
+              <a:rPr b="1" lang="en-US" sz="1000" spc="-1" strike="noStrike">
+                <a:solidFill>
+                  <a:srgbClr val="ff0000"/>
+                </a:solidFill>
+                <a:latin typeface="Times New Roman"/>
+              </a:rPr>
+              <a:t>SpPotentialWrite</a:t>
+            </a:r>
+            <a:r>
+              <a:rPr b="0" lang="en-US" sz="1000" spc="-1" strike="noStrike">
+                <a:latin typeface="Times New Roman"/>
+              </a:rPr>
+              <a:t>(val), </a:t>
+            </a:r>
+            <a:endParaRPr b="0" lang="en-US" sz="1000" spc="-1" strike="noStrike">
+              <a:latin typeface="Times New Roman"/>
+            </a:endParaRPr>
+          </a:p>
+          <a:p>
+            <a:r>
+              <a:rPr b="0" lang="en-US" sz="1000" spc="-1" strike="noStrike">
+                <a:latin typeface="Times New Roman"/>
+              </a:rPr>
+              <a:t>              </a:t>
+            </a:r>
+            <a:r>
+              <a:rPr b="1" lang="en-US" sz="1000" spc="-1" strike="noStrike">
+                <a:solidFill>
+                  <a:srgbClr val="158466"/>
+                </a:solidFill>
+                <a:latin typeface="Times New Roman"/>
+              </a:rPr>
+              <a:t> </a:t>
+            </a:r>
+            <a:r>
+              <a:rPr b="1" lang="en-US" sz="1000" spc="-1" strike="noStrike">
+                <a:solidFill>
+                  <a:srgbClr val="158466"/>
+                </a:solidFill>
+                <a:latin typeface="Times New Roman"/>
+              </a:rPr>
+              <a:t>[ ] </a:t>
+            </a:r>
+            <a:r>
+              <a:rPr b="0" lang="en-US" sz="1000" spc="-1" strike="noStrike">
+                <a:latin typeface="Times New Roman"/>
+              </a:rPr>
+              <a:t>(int&amp; valParam) -&gt; bool</a:t>
+            </a:r>
+            <a:endParaRPr b="0" lang="en-US" sz="1000" spc="-1" strike="noStrike">
+              <a:latin typeface="Times New Roman"/>
+            </a:endParaRPr>
+          </a:p>
+          <a:p>
+            <a:r>
+              <a:rPr b="0" lang="en-US" sz="1000" spc="-1" strike="noStrike">
+                <a:latin typeface="Times New Roman"/>
+              </a:rPr>
+              <a:t>                </a:t>
+            </a:r>
+            <a:r>
+              <a:rPr b="0" lang="en-US" sz="1000" spc="-1" strike="noStrike">
+                <a:latin typeface="Times New Roman"/>
+              </a:rPr>
+              <a:t>{</a:t>
+            </a:r>
+            <a:endParaRPr b="0" lang="en-US" sz="1000" spc="-1" strike="noStrike">
+              <a:latin typeface="Times New Roman"/>
+            </a:endParaRPr>
+          </a:p>
+          <a:p>
+            <a:r>
+              <a:rPr b="0" lang="en-US" sz="1000" spc="-1" strike="noStrike">
+                <a:latin typeface="Times New Roman"/>
+              </a:rPr>
+              <a:t>                   </a:t>
+            </a:r>
+            <a:r>
+              <a:rPr b="0" lang="en-US" sz="1000" spc="-1" strike="noStrike">
+                <a:latin typeface="Times New Roman"/>
+              </a:rPr>
+              <a:t>usleep(1000);</a:t>
+            </a:r>
+            <a:endParaRPr b="0" lang="en-US" sz="1000" spc="-1" strike="noStrike">
+              <a:latin typeface="Times New Roman"/>
+            </a:endParaRPr>
+          </a:p>
+          <a:p>
+            <a:r>
+              <a:rPr b="0" lang="en-US" sz="1000" spc="-1" strike="noStrike">
+                <a:latin typeface="Times New Roman"/>
+              </a:rPr>
+              <a:t>                   </a:t>
+            </a:r>
+            <a:r>
+              <a:rPr b="0" lang="en-US" sz="1000" spc="-1" strike="noStrike">
+                <a:latin typeface="Times New Roman"/>
+              </a:rPr>
+              <a:t>return true;</a:t>
+            </a:r>
+            <a:endParaRPr b="0" lang="en-US" sz="1000" spc="-1" strike="noStrike">
+              <a:latin typeface="Times New Roman"/>
+            </a:endParaRPr>
+          </a:p>
+          <a:p>
+            <a:r>
+              <a:rPr b="0" lang="en-US" sz="1000" spc="-1" strike="noStrike">
+                <a:latin typeface="Times New Roman"/>
+              </a:rPr>
+              <a:t>                </a:t>
+            </a:r>
+            <a:r>
+              <a:rPr b="0" lang="en-US" sz="1000" spc="-1" strike="noStrike">
+                <a:latin typeface="Times New Roman"/>
+              </a:rPr>
+              <a:t>}</a:t>
+            </a:r>
+            <a:endParaRPr b="0" lang="en-US" sz="1000" spc="-1" strike="noStrike">
+              <a:latin typeface="Times New Roman"/>
+            </a:endParaRPr>
+          </a:p>
+          <a:p>
+            <a:r>
+              <a:rPr b="0" lang="en-US" sz="1000" spc="-1" strike="noStrike">
+                <a:latin typeface="Times New Roman"/>
+              </a:rPr>
+              <a:t>            </a:t>
+            </a:r>
+            <a:r>
+              <a:rPr b="0" lang="en-US" sz="1000" spc="-1" strike="noStrike">
+                <a:latin typeface="Times New Roman"/>
+              </a:rPr>
+              <a:t>)</a:t>
+            </a:r>
+            <a:r>
+              <a:rPr b="1" lang="en-US" sz="1000" spc="-1" strike="noStrike">
+                <a:latin typeface="Times New Roman"/>
+              </a:rPr>
+              <a:t>.setTaskNam</a:t>
+            </a:r>
+            <a:r>
+              <a:rPr b="0" lang="en-US" sz="1000" spc="-1" strike="noStrike">
+                <a:latin typeface="Times New Roman"/>
+              </a:rPr>
+              <a:t>e("Uncertain task -- " + std::to_string(idx));</a:t>
+            </a:r>
+            <a:endParaRPr b="0" lang="en-US" sz="1000" spc="-1" strike="noStrike">
+              <a:latin typeface="Times New Roman"/>
+            </a:endParaRPr>
+          </a:p>
+          <a:p>
+            <a:r>
+              <a:rPr b="0" lang="en-US" sz="1000" spc="-1" strike="noStrike">
+                <a:latin typeface="Times New Roman"/>
+              </a:rPr>
+              <a:t>        </a:t>
+            </a:r>
+            <a:r>
+              <a:rPr b="0" lang="en-US" sz="1000" spc="-1" strike="noStrike">
+                <a:latin typeface="Times New Roman"/>
+              </a:rPr>
+              <a:t>}</a:t>
+            </a:r>
+            <a:endParaRPr b="0" lang="en-US" sz="1000" spc="-1" strike="noStrike">
+              <a:latin typeface="Times New Roman"/>
+            </a:endParaRPr>
+          </a:p>
+          <a:p>
+            <a:endParaRPr b="0" lang="en-US" sz="1000" spc="-1" strike="noStrike">
+              <a:latin typeface="Times New Roman"/>
+            </a:endParaRPr>
+          </a:p>
+        </p:txBody>
+      </p:sp>
+    </p:spTree>
+  </p:cSld>
+  <mc:AlternateContent>
+    <mc:Choice Requires="p14">
+      <p:transition spd="slow" p14:dur="2000"/>
+    </mc:Choice>
+    <mc:Fallback>
+      <p:transition spd="slow"/>
+    </mc:Fallback>
+  </mc:AlternateContent>
+</p:sld>
+</file>
+
+<file path=ppt/slides/slide21.xml><?xml version="1.0" encoding="utf-8"?>
+<p:sld xmlns:a="http://schemas.openxmlformats.org/drawingml/2006/main" xmlns:p="http://schemas.openxmlformats.org/presentationml/2006/main" xmlns:r="http://schemas.openxmlformats.org/officeDocument/2006/relationships" xmlns:p14="http://schemas.microsoft.com/office/powerpoint/2010/main" xmlns:p15="http://schemas.microsoft.com/office/powerpoint/2012/main" xmlns:mc="http://schemas.openxmlformats.org/markup-compatibility/2006">
+  <p:cSld>
+    <p:spTree>
+      <p:nvGrpSpPr>
+        <p:cNvPr id="1" name=""/>
+        <p:cNvGrpSpPr/>
+        <p:nvPr/>
+      </p:nvGrpSpPr>
+      <p:grpSpPr>
+        <a:xfrm>
+          <a:off x="0" y="0"/>
+          <a:ext cx="0" cy="0"/>
+          <a:chOff x="0" y="0"/>
+          <a:chExt cx="0" cy="0"/>
+        </a:xfrm>
+      </p:grpSpPr>
+      <p:pic>
+        <p:nvPicPr>
+          <p:cNvPr id="122" name="" descr=""/>
+          <p:cNvPicPr/>
+          <p:nvPr/>
+        </p:nvPicPr>
+        <p:blipFill>
+          <a:blip r:embed="rId1"/>
+          <a:stretch/>
+        </p:blipFill>
+        <p:spPr>
+          <a:xfrm>
+            <a:off x="4140000" y="1562400"/>
+            <a:ext cx="5727960" cy="3636000"/>
+          </a:xfrm>
+          <a:prstGeom prst="rect">
+            <a:avLst/>
+          </a:prstGeom>
+          <a:ln w="0">
+            <a:noFill/>
+          </a:ln>
+        </p:spPr>
+      </p:pic>
+      <p:sp>
+        <p:nvSpPr>
+          <p:cNvPr id="123" name=""/>
+          <p:cNvSpPr txBox="1"/>
+          <p:nvPr/>
+        </p:nvSpPr>
+        <p:spPr>
+          <a:xfrm>
+            <a:off x="180000" y="1368000"/>
+            <a:ext cx="3960000" cy="3731400"/>
+          </a:xfrm>
+          <a:prstGeom prst="rect">
+            <a:avLst/>
+          </a:prstGeom>
+          <a:noFill/>
+          <a:ln w="0">
+            <a:noFill/>
+          </a:ln>
+        </p:spPr>
+        <p:txBody>
+          <a:bodyPr lIns="90000" rIns="90000" tIns="45000" bIns="45000" anchor="t">
+            <a:noAutofit/>
+          </a:bodyPr>
+          <a:p>
+            <a:pPr>
+              <a:lnSpc>
+                <a:spcPct val="100000"/>
+              </a:lnSpc>
+              <a:buNone/>
+            </a:pPr>
+            <a:r>
+              <a:rPr b="1" lang="en-US" sz="1000" spc="-1" strike="noStrike">
+                <a:latin typeface="Times New Roman"/>
+              </a:rPr>
+              <a:t>My_Runtime3.task(SpWrite(val), </a:t>
+            </a:r>
+            <a:endParaRPr b="0" lang="en-US" sz="1000" spc="-1" strike="noStrike">
+              <a:latin typeface="Times New Roman"/>
+            </a:endParaRPr>
+          </a:p>
+          <a:p>
+            <a:pPr>
+              <a:lnSpc>
+                <a:spcPct val="100000"/>
+              </a:lnSpc>
+              <a:buNone/>
+            </a:pPr>
+            <a:r>
+              <a:rPr b="1" lang="en-US" sz="1000" spc="-1" strike="noStrike">
+                <a:latin typeface="Times New Roman"/>
+              </a:rPr>
+              <a:t>            </a:t>
+            </a:r>
+            <a:r>
+              <a:rPr b="1" lang="en-US" sz="1000" spc="-1" strike="noStrike">
+                <a:solidFill>
+                  <a:srgbClr val="158466"/>
+                </a:solidFill>
+                <a:latin typeface="Times New Roman"/>
+              </a:rPr>
+              <a:t>  </a:t>
+            </a:r>
+            <a:r>
+              <a:rPr b="1" lang="en-US" sz="1000" spc="-1" strike="noStrike">
+                <a:solidFill>
+                  <a:srgbClr val="158466"/>
+                </a:solidFill>
+                <a:latin typeface="Times New Roman"/>
+              </a:rPr>
+              <a:t>[ ]</a:t>
+            </a:r>
+            <a:r>
+              <a:rPr b="1" lang="en-US" sz="1000" spc="-1" strike="noStrike">
+                <a:latin typeface="Times New Roman"/>
+              </a:rPr>
+              <a:t> ([[maybe_unused]] int&amp; valParam)</a:t>
+            </a:r>
+            <a:endParaRPr b="0" lang="en-US" sz="1000" spc="-1" strike="noStrike">
+              <a:latin typeface="Times New Roman"/>
+            </a:endParaRPr>
+          </a:p>
+          <a:p>
+            <a:pPr>
+              <a:lnSpc>
+                <a:spcPct val="100000"/>
+              </a:lnSpc>
+              <a:buNone/>
+            </a:pPr>
+            <a:r>
+              <a:rPr b="1" lang="en-US" sz="1000" spc="-1" strike="noStrike">
+                <a:latin typeface="Times New Roman"/>
+              </a:rPr>
+              <a:t>              </a:t>
+            </a:r>
+            <a:r>
+              <a:rPr b="1" lang="en-US" sz="1000" spc="-1" strike="noStrike">
+                <a:latin typeface="Times New Roman"/>
+              </a:rPr>
+              <a:t>{</a:t>
+            </a:r>
+            <a:endParaRPr b="0" lang="en-US" sz="1000" spc="-1" strike="noStrike">
+              <a:latin typeface="Times New Roman"/>
+            </a:endParaRPr>
+          </a:p>
+          <a:p>
+            <a:pPr>
+              <a:lnSpc>
+                <a:spcPct val="100000"/>
+              </a:lnSpc>
+              <a:buNone/>
+            </a:pPr>
+            <a:r>
+              <a:rPr b="1" lang="en-US" sz="1000" spc="-1" strike="noStrike">
+                <a:latin typeface="Times New Roman"/>
+              </a:rPr>
+              <a:t>                </a:t>
+            </a:r>
+            <a:r>
+              <a:rPr b="1" lang="en-US" sz="1000" spc="-1" strike="noStrike">
+                <a:latin typeface="Times New Roman"/>
+              </a:rPr>
+              <a:t>usleep(2000);</a:t>
+            </a:r>
+            <a:endParaRPr b="0" lang="en-US" sz="1000" spc="-1" strike="noStrike">
+              <a:latin typeface="Times New Roman"/>
+            </a:endParaRPr>
+          </a:p>
+          <a:p>
+            <a:pPr>
+              <a:lnSpc>
+                <a:spcPct val="100000"/>
+              </a:lnSpc>
+              <a:buNone/>
+            </a:pPr>
+            <a:r>
+              <a:rPr b="1" lang="en-US" sz="1000" spc="-1" strike="noStrike">
+                <a:latin typeface="Times New Roman"/>
+              </a:rPr>
+              <a:t>              </a:t>
+            </a:r>
+            <a:r>
+              <a:rPr b="1" lang="en-US" sz="1000" spc="-1" strike="noStrike">
+                <a:latin typeface="Times New Roman"/>
+              </a:rPr>
+              <a:t>}</a:t>
+            </a:r>
+            <a:endParaRPr b="0" lang="en-US" sz="1000" spc="-1" strike="noStrike">
+              <a:latin typeface="Times New Roman"/>
+            </a:endParaRPr>
+          </a:p>
+          <a:p>
+            <a:pPr>
+              <a:lnSpc>
+                <a:spcPct val="100000"/>
+              </a:lnSpc>
+              <a:buNone/>
+            </a:pPr>
+            <a:r>
+              <a:rPr b="1" lang="en-US" sz="1000" spc="-1" strike="noStrike">
+                <a:latin typeface="Times New Roman"/>
+              </a:rPr>
+              <a:t>        </a:t>
+            </a:r>
+            <a:r>
+              <a:rPr b="1" lang="en-US" sz="1000" spc="-1" strike="noStrike">
+                <a:latin typeface="Times New Roman"/>
+              </a:rPr>
+              <a:t>).setTaskName</a:t>
+            </a:r>
+            <a:r>
+              <a:rPr b="1" lang="en-US" sz="1000" spc="-1" strike="noStrike">
+                <a:latin typeface="Times New Roman"/>
+              </a:rPr>
+              <a:t>("Last-task");}</a:t>
+            </a:r>
+            <a:endParaRPr b="0" lang="en-US" sz="1000" spc="-1" strike="noStrike">
+              <a:latin typeface="Times New Roman"/>
+            </a:endParaRPr>
+          </a:p>
+          <a:p>
+            <a:endParaRPr b="0" lang="en-US" sz="1000" spc="-1" strike="noStrike">
+              <a:latin typeface="Times New Roman"/>
+            </a:endParaRPr>
+          </a:p>
+          <a:p>
+            <a:endParaRPr b="0" lang="en-US" sz="1000" spc="-1" strike="noStrike">
+              <a:latin typeface="Times New Roman"/>
+            </a:endParaRPr>
+          </a:p>
+          <a:p>
+            <a:r>
+              <a:rPr b="1" lang="en-US" sz="1000" spc="-1" strike="noStrike">
+                <a:latin typeface="Times New Roman"/>
+              </a:rPr>
+              <a:t>promise3.set_value(0);  // </a:t>
+            </a:r>
+            <a:r>
+              <a:rPr b="0" lang="en-US" sz="1000" spc="-1" strike="noStrike">
+                <a:solidFill>
+                  <a:srgbClr val="666666"/>
+                </a:solidFill>
+                <a:latin typeface="Times New Roman"/>
+              </a:rPr>
+              <a:t>This operation acquired a single mutex associated with the promise object when updating the promise object. </a:t>
+            </a:r>
+            <a:endParaRPr b="0" lang="en-US" sz="1000" spc="-1" strike="noStrike">
+              <a:latin typeface="Times New Roman"/>
+            </a:endParaRPr>
+          </a:p>
+          <a:p>
+            <a:pPr algn="just">
+              <a:buNone/>
+            </a:pPr>
+            <a:endParaRPr b="0" lang="en-US" sz="1000" spc="-1" strike="noStrike">
+              <a:latin typeface="Times New Roman"/>
+            </a:endParaRPr>
+          </a:p>
+          <a:p>
+            <a:pPr algn="just">
+              <a:buNone/>
+            </a:pPr>
+            <a:r>
+              <a:rPr b="0" lang="en-US" sz="1000" spc="-1" strike="noStrike">
+                <a:solidFill>
+                  <a:srgbClr val="666666"/>
+                </a:solidFill>
+                <a:latin typeface="Times New Roman"/>
+              </a:rPr>
+              <a:t>An exception is thrown if there is no shared state or if the shared state already stores a value or an exception. Calls to this function don't introduce data races with calls to get_future (so they don't need to synchronize with each other).</a:t>
+            </a:r>
+            <a:endParaRPr b="0" lang="en-US" sz="1000" spc="-1" strike="noStrike">
+              <a:latin typeface="Times New Roman"/>
+            </a:endParaRPr>
+          </a:p>
+          <a:p>
+            <a:endParaRPr b="0" lang="en-US" sz="1000" spc="-1" strike="noStrike">
+              <a:latin typeface="Times New Roman"/>
+            </a:endParaRPr>
+          </a:p>
+          <a:p>
+            <a:r>
+              <a:rPr b="1" lang="en-US" sz="1000" spc="-1" strike="noStrike">
+                <a:latin typeface="Times New Roman"/>
+              </a:rPr>
+              <a:t>My_Runtime3.waitAllTasks</a:t>
+            </a:r>
+            <a:r>
+              <a:rPr b="0" lang="en-US" sz="1000" spc="-1" strike="noStrike">
+                <a:latin typeface="Times New Roman"/>
+              </a:rPr>
+              <a:t>();</a:t>
+            </a:r>
+            <a:endParaRPr b="0" lang="en-US" sz="1000" spc="-1" strike="noStrike">
+              <a:latin typeface="Times New Roman"/>
+            </a:endParaRPr>
+          </a:p>
+          <a:p>
+            <a:r>
+              <a:rPr b="1" lang="en-US" sz="1000" spc="-1" strike="noStrike">
+                <a:latin typeface="Times New Roman"/>
+              </a:rPr>
+              <a:t>My_Runtime3.generateDot</a:t>
+            </a:r>
+            <a:r>
+              <a:rPr b="0" lang="en-US" sz="1000" spc="-1" strike="noStrike">
+                <a:latin typeface="Times New Roman"/>
+              </a:rPr>
+              <a:t>("Result.dot",true);</a:t>
+            </a:r>
+            <a:endParaRPr b="0" lang="en-US" sz="1000" spc="-1" strike="noStrike">
+              <a:latin typeface="Times New Roman"/>
+            </a:endParaRPr>
+          </a:p>
+          <a:p>
+            <a:r>
+              <a:rPr b="1" lang="en-US" sz="1000" spc="-1" strike="noStrike">
+                <a:latin typeface="Times New Roman"/>
+              </a:rPr>
+              <a:t>My_Runtime3.generateTrace</a:t>
+            </a:r>
+            <a:r>
+              <a:rPr b="0" lang="en-US" sz="1000" spc="-1" strike="noStrike">
+                <a:latin typeface="Times New Roman"/>
+              </a:rPr>
+              <a:t>("Result.svg");</a:t>
+            </a:r>
+            <a:endParaRPr b="0" lang="en-US" sz="1000" spc="-1" strike="noStrike">
+              <a:latin typeface="Times New Roman"/>
+            </a:endParaRPr>
+          </a:p>
+          <a:p>
+            <a:endParaRPr b="0" lang="en-US" sz="1000" spc="-1" strike="noStrike">
+              <a:latin typeface="Times New Roman"/>
+            </a:endParaRPr>
+          </a:p>
+          <a:p>
+            <a:r>
+              <a:rPr b="0" lang="en-US" sz="1000" spc="-1" strike="noStrike">
+                <a:latin typeface="Times New Roman"/>
+              </a:rPr>
+              <a:t>}</a:t>
+            </a:r>
+            <a:endParaRPr b="0" lang="en-US" sz="1000" spc="-1" strike="noStrike">
+              <a:latin typeface="Times New Roman"/>
+            </a:endParaRPr>
+          </a:p>
+          <a:p>
+            <a:endParaRPr b="0" lang="en-US" sz="1000" spc="-1" strike="noStrike">
+              <a:latin typeface="Times New Roman"/>
+            </a:endParaRPr>
+          </a:p>
+          <a:p>
+            <a:endParaRPr b="0" lang="en-US" sz="1000" spc="-1" strike="noStrike">
+              <a:latin typeface="Times New Roman"/>
+            </a:endParaRPr>
+          </a:p>
+        </p:txBody>
+      </p:sp>
+      <p:sp>
+        <p:nvSpPr>
+          <p:cNvPr id="124" name=""/>
+          <p:cNvSpPr txBox="1"/>
+          <p:nvPr/>
+        </p:nvSpPr>
+        <p:spPr>
+          <a:xfrm>
+            <a:off x="4212000" y="1332000"/>
+            <a:ext cx="1080000" cy="230400"/>
+          </a:xfrm>
+          <a:prstGeom prst="rect">
+            <a:avLst/>
+          </a:prstGeom>
+          <a:noFill/>
+          <a:ln w="0">
+            <a:noFill/>
+          </a:ln>
+        </p:spPr>
+        <p:txBody>
+          <a:bodyPr lIns="90000" rIns="90000" tIns="45000" bIns="45000" anchor="t">
+            <a:noAutofit/>
+          </a:bodyPr>
+          <a:p>
+            <a:r>
+              <a:rPr b="1" lang="en-US" sz="1000" spc="-1" strike="noStrike">
+                <a:latin typeface="Times New Roman"/>
+              </a:rPr>
+              <a:t>Result.svg</a:t>
+            </a:r>
+            <a:endParaRPr b="1" lang="en-US" sz="1000" spc="-1" strike="noStrike">
+              <a:latin typeface="Times New Roman"/>
+            </a:endParaRPr>
+          </a:p>
+        </p:txBody>
+      </p:sp>
+    </p:spTree>
+  </p:cSld>
+  <mc:AlternateContent>
+    <mc:Choice Requires="p14">
+      <p:transition spd="slow" p14:dur="2000"/>
+    </mc:Choice>
+    <mc:Fallback>
+      <p:transition spd="slow"/>
+    </mc:Fallback>
+  </mc:AlternateContent>
+</p:sld>
+</file>
+
+<file path=ppt/slides/slide22.xml><?xml version="1.0" encoding="utf-8"?>
+<p:sld xmlns:a="http://schemas.openxmlformats.org/drawingml/2006/main" xmlns:p="http://schemas.openxmlformats.org/presentationml/2006/main" xmlns:r="http://schemas.openxmlformats.org/officeDocument/2006/relationships" xmlns:p14="http://schemas.microsoft.com/office/powerpoint/2010/main" xmlns:p15="http://schemas.microsoft.com/office/powerpoint/2012/main" xmlns:mc="http://schemas.openxmlformats.org/markup-compatibility/2006">
+  <p:cSld>
+    <p:spTree>
+      <p:nvGrpSpPr>
+        <p:cNvPr id="1" name=""/>
+        <p:cNvGrpSpPr/>
+        <p:nvPr/>
+      </p:nvGrpSpPr>
+      <p:grpSpPr>
+        <a:xfrm>
+          <a:off x="0" y="0"/>
+          <a:ext cx="0" cy="0"/>
+          <a:chOff x="0" y="0"/>
+          <a:chExt cx="0" cy="0"/>
+        </a:xfrm>
+      </p:grpSpPr>
+      <p:sp>
+        <p:nvSpPr>
+          <p:cNvPr id="125" name="PlaceHolder 1"/>
+          <p:cNvSpPr>
+            <a:spLocks noGrp="1"/>
+          </p:cNvSpPr>
+          <p:nvPr>
+            <p:ph type="title"/>
+          </p:nvPr>
+        </p:nvSpPr>
+        <p:spPr>
+          <a:xfrm>
+            <a:off x="360000" y="225720"/>
+            <a:ext cx="9354600" cy="713520"/>
+          </a:xfrm>
+          <a:prstGeom prst="rect">
+            <a:avLst/>
+          </a:prstGeom>
+          <a:noFill/>
+          <a:ln w="0">
+            <a:noFill/>
+          </a:ln>
+        </p:spPr>
+        <p:txBody>
+          <a:bodyPr lIns="0" rIns="0" tIns="0" bIns="0" anchor="ctr">
+            <a:noAutofit/>
+          </a:bodyPr>
+          <a:p>
+            <a:pPr>
+              <a:lnSpc>
+                <a:spcPct val="100000"/>
+              </a:lnSpc>
+              <a:buNone/>
+              <a:tabLst>
+                <a:tab algn="l" pos="0"/>
+              </a:tabLst>
+            </a:pPr>
+            <a:r>
+              <a:rPr b="1" lang="en-US" sz="2700" spc="-1" strike="noStrike">
+                <a:solidFill>
+                  <a:srgbClr val="ffffff"/>
+                </a:solidFill>
+                <a:latin typeface="Source Sans Pro Black"/>
+              </a:rPr>
+              <a:t>SPECX</a:t>
+            </a:r>
+            <a:endParaRPr b="0" lang="en-US" sz="2700" spc="-1" strike="noStrike">
+              <a:latin typeface="Arial"/>
+            </a:endParaRPr>
+          </a:p>
+        </p:txBody>
+      </p:sp>
+      <p:sp>
+        <p:nvSpPr>
+          <p:cNvPr id="126" name="PlaceHolder 2"/>
+          <p:cNvSpPr>
+            <a:spLocks noGrp="1"/>
+          </p:cNvSpPr>
+          <p:nvPr>
+            <p:ph/>
+          </p:nvPr>
+        </p:nvSpPr>
+        <p:spPr>
+          <a:xfrm>
+            <a:off x="360000" y="1548000"/>
+            <a:ext cx="9360000" cy="3600000"/>
+          </a:xfrm>
+          <a:prstGeom prst="rect">
+            <a:avLst/>
+          </a:prstGeom>
+          <a:noFill/>
+          <a:ln w="0">
+            <a:noFill/>
+          </a:ln>
+        </p:spPr>
+        <p:txBody>
+          <a:bodyPr lIns="0" rIns="0" tIns="0" bIns="0" anchor="t">
+            <a:normAutofit/>
+          </a:bodyPr>
+          <a:p>
+            <a:pPr marL="432000">
+              <a:lnSpc>
+                <a:spcPct val="100000"/>
+              </a:lnSpc>
+              <a:spcAft>
+                <a:spcPts val="1057"/>
+              </a:spcAft>
+              <a:buNone/>
+              <a:tabLst>
+                <a:tab algn="l" pos="0"/>
+              </a:tabLst>
+            </a:pPr>
+            <a:r>
+              <a:rPr b="1" lang="en-US" sz="2000" spc="-1" strike="noStrike">
+                <a:solidFill>
+                  <a:srgbClr val="2c3e50"/>
+                </a:solidFill>
+                <a:latin typeface="Arial"/>
+              </a:rPr>
+              <a:t>Future developments</a:t>
+            </a:r>
+            <a:endParaRPr b="0" lang="en-US" sz="2000" spc="-1" strike="noStrike">
+              <a:latin typeface="Arial"/>
+            </a:endParaRPr>
+          </a:p>
+          <a:p>
+            <a:pPr marL="432000">
+              <a:lnSpc>
+                <a:spcPct val="100000"/>
+              </a:lnSpc>
+              <a:spcAft>
+                <a:spcPts val="1057"/>
+              </a:spcAft>
+              <a:buNone/>
+              <a:tabLst>
+                <a:tab algn="l" pos="0"/>
+              </a:tabLst>
+            </a:pPr>
+            <a:endParaRPr b="0" lang="en-US" sz="2000" spc="-1" strike="noStrike">
+              <a:latin typeface="Arial"/>
+            </a:endParaRPr>
+          </a:p>
+          <a:p>
+            <a:pPr marL="720000" indent="-324000">
+              <a:lnSpc>
+                <a:spcPct val="100000"/>
+              </a:lnSpc>
+              <a:spcAft>
+                <a:spcPts val="1057"/>
+              </a:spcAft>
+              <a:buClr>
+                <a:srgbClr val="2c3e50"/>
+              </a:buClr>
+              <a:buSzPct val="45000"/>
+              <a:buFont typeface="Wingdings" charset="2"/>
+              <a:buChar char=""/>
+              <a:tabLst>
+                <a:tab algn="l" pos="0"/>
+              </a:tabLst>
+            </a:pPr>
+            <a:r>
+              <a:rPr b="0" lang="en-US" sz="1400" spc="-1" strike="noStrike">
+                <a:solidFill>
+                  <a:srgbClr val="2c3e50"/>
+                </a:solidFill>
+                <a:latin typeface="Times New Roman"/>
+              </a:rPr>
+              <a:t>The main objective is to reduce the calculation times, </a:t>
+            </a:r>
+            <a:endParaRPr b="0" lang="en-US" sz="1400" spc="-1" strike="noStrike">
+              <a:latin typeface="Arial"/>
+            </a:endParaRPr>
+          </a:p>
+          <a:p>
+            <a:pPr marL="720000" indent="-324000">
+              <a:lnSpc>
+                <a:spcPct val="100000"/>
+              </a:lnSpc>
+              <a:spcAft>
+                <a:spcPts val="1057"/>
+              </a:spcAft>
+              <a:buClr>
+                <a:srgbClr val="2c3e50"/>
+              </a:buClr>
+              <a:buSzPct val="45000"/>
+              <a:buFont typeface="Wingdings" charset="2"/>
+              <a:buChar char=""/>
+              <a:tabLst>
+                <a:tab algn="l" pos="0"/>
+              </a:tabLst>
+            </a:pPr>
+            <a:r>
+              <a:rPr b="0" lang="en-US" sz="1400" spc="-1" strike="noStrike">
+                <a:solidFill>
+                  <a:srgbClr val="2c3e50"/>
+                </a:solidFill>
+                <a:latin typeface="Times New Roman"/>
+              </a:rPr>
+              <a:t>To manage the use of the different calculation resources, the different typical workloads, in particular in the case of multicore machines equipped with several acceleration machines.</a:t>
+            </a:r>
+            <a:endParaRPr b="0" lang="en-US" sz="1400" spc="-1" strike="noStrike">
+              <a:latin typeface="Arial"/>
+            </a:endParaRPr>
+          </a:p>
+          <a:p>
+            <a:pPr marL="720000" indent="-324000">
+              <a:lnSpc>
+                <a:spcPct val="100000"/>
+              </a:lnSpc>
+              <a:spcAft>
+                <a:spcPts val="1057"/>
+              </a:spcAft>
+              <a:buClr>
+                <a:srgbClr val="2c3e50"/>
+              </a:buClr>
+              <a:buSzPct val="45000"/>
+              <a:buFont typeface="Wingdings" charset="2"/>
+              <a:buChar char=""/>
+              <a:tabLst>
+                <a:tab algn="l" pos="0"/>
+              </a:tabLst>
+            </a:pPr>
+            <a:r>
+              <a:rPr b="0" lang="en-US" sz="1400" spc="-1" strike="noStrike">
+                <a:solidFill>
+                  <a:srgbClr val="000000"/>
+                </a:solidFill>
+                <a:latin typeface="Times New Roman"/>
+              </a:rPr>
+              <a:t>Plan to separate thread management from execution. </a:t>
+            </a:r>
+            <a:r>
+              <a:rPr b="0" lang="en-US" sz="1400" spc="-1" strike="noStrike">
+                <a:latin typeface="Times New Roman"/>
+                <a:ea typeface="Microsoft YaHei"/>
+              </a:rPr>
+              <a:t>To change the prototype of the predicate, to be able to consider additional data or different to make the decision.</a:t>
+            </a:r>
+            <a:endParaRPr b="0" lang="en-US" sz="1400" spc="-1" strike="noStrike">
+              <a:latin typeface="Arial"/>
+            </a:endParaRPr>
+          </a:p>
+          <a:p>
+            <a:pPr marL="720000" indent="-324000">
+              <a:lnSpc>
+                <a:spcPct val="100000"/>
+              </a:lnSpc>
+              <a:spcAft>
+                <a:spcPts val="1057"/>
+              </a:spcAft>
+              <a:buClr>
+                <a:srgbClr val="2c3e50"/>
+              </a:buClr>
+              <a:buSzPct val="45000"/>
+              <a:buFont typeface="Wingdings" charset="2"/>
+              <a:buChar char=""/>
+              <a:tabLst>
+                <a:tab algn="l" pos="0"/>
+              </a:tabLst>
+            </a:pPr>
+            <a:r>
+              <a:rPr b="0" lang="en-US" sz="1400" spc="-1" strike="noStrike">
+                <a:latin typeface="Times New Roman"/>
+                <a:ea typeface="Microsoft YaHei"/>
+              </a:rPr>
+              <a:t>Develop decision graphs to optimize available hybrid resources (CPU, GPU, GPGPU, TPU,...) to increase computational speed for given problems.</a:t>
+            </a:r>
+            <a:endParaRPr b="0" lang="en-US" sz="1400" spc="-1" strike="noStrike">
+              <a:latin typeface="Arial"/>
+            </a:endParaRPr>
+          </a:p>
+          <a:p>
+            <a:pPr marL="720000" indent="-324000">
+              <a:lnSpc>
+                <a:spcPct val="100000"/>
+              </a:lnSpc>
+              <a:spcAft>
+                <a:spcPts val="1057"/>
+              </a:spcAft>
+              <a:buClr>
+                <a:srgbClr val="2c3e50"/>
+              </a:buClr>
+              <a:buSzPct val="45000"/>
+              <a:buFont typeface="Wingdings" charset="2"/>
+              <a:buChar char=""/>
+              <a:tabLst>
+                <a:tab algn="l" pos="0"/>
+              </a:tabLst>
+            </a:pPr>
+            <a:r>
+              <a:rPr b="0" lang="en-US" sz="1400" spc="-1" strike="noStrike">
+                <a:latin typeface="Times New Roman"/>
+                <a:ea typeface="Microsoft YaHei"/>
+              </a:rPr>
+              <a:t>To provide effective and high -performance tools to the user.</a:t>
+            </a:r>
+            <a:endParaRPr b="0" lang="en-US" sz="1400" spc="-1" strike="noStrike">
+              <a:latin typeface="Arial"/>
+            </a:endParaRPr>
+          </a:p>
+          <a:p>
+            <a:pPr marL="432000">
+              <a:lnSpc>
+                <a:spcPct val="100000"/>
+              </a:lnSpc>
+              <a:spcAft>
+                <a:spcPts val="1057"/>
+              </a:spcAft>
+              <a:buNone/>
+              <a:tabLst>
+                <a:tab algn="l" pos="0"/>
+              </a:tabLst>
+            </a:pPr>
+            <a:r>
+              <a:rPr b="0" lang="en-US" sz="1400" spc="-1" strike="noStrike">
+                <a:solidFill>
+                  <a:srgbClr val="2c3e50"/>
+                </a:solidFill>
+                <a:latin typeface="Times New Roman"/>
+                <a:ea typeface="Microsoft YaHei"/>
+              </a:rPr>
+              <a:t> </a:t>
+            </a:r>
+            <a:endParaRPr b="0" lang="en-US" sz="1400" spc="-1" strike="noStrike">
+              <a:latin typeface="Arial"/>
+            </a:endParaRPr>
+          </a:p>
+        </p:txBody>
+      </p:sp>
+      <p:pic>
+        <p:nvPicPr>
+          <p:cNvPr id="127" name="" descr=""/>
+          <p:cNvPicPr/>
+          <p:nvPr/>
+        </p:nvPicPr>
+        <p:blipFill>
+          <a:blip r:embed="rId1"/>
+          <a:stretch/>
+        </p:blipFill>
+        <p:spPr>
+          <a:xfrm>
+            <a:off x="7055280" y="4106880"/>
+            <a:ext cx="2302200" cy="930600"/>
+          </a:xfrm>
+          <a:prstGeom prst="rect">
+            <a:avLst/>
+          </a:prstGeom>
+          <a:ln w="0">
+            <a:noFill/>
+          </a:ln>
+        </p:spPr>
+      </p:pic>
+    </p:spTree>
+  </p:cSld>
+  <mc:AlternateContent>
+    <mc:Choice Requires="p14">
+      <p:transition spd="slow" p14:dur="2000"/>
+    </mc:Choice>
+    <mc:Fallback>
+      <p:transition spd="slow"/>
+    </mc:Fallback>
+  </mc:AlternateContent>
+</p:sld>
+</file>
+
+<file path=ppt/slides/slide23.xml><?xml version="1.0" encoding="utf-8"?>
+<p:sld xmlns:a="http://schemas.openxmlformats.org/drawingml/2006/main" xmlns:p="http://schemas.openxmlformats.org/presentationml/2006/main" xmlns:r="http://schemas.openxmlformats.org/officeDocument/2006/relationships" xmlns:p14="http://schemas.microsoft.com/office/powerpoint/2010/main" xmlns:p15="http://schemas.microsoft.com/office/powerpoint/2012/main" xmlns:mc="http://schemas.openxmlformats.org/markup-compatibility/2006">
+  <p:cSld>
+    <p:spTree>
+      <p:nvGrpSpPr>
+        <p:cNvPr id="1" name=""/>
+        <p:cNvGrpSpPr/>
+        <p:nvPr/>
+      </p:nvGrpSpPr>
+      <p:grpSpPr>
+        <a:xfrm>
+          <a:off x="0" y="0"/>
+          <a:ext cx="0" cy="0"/>
+          <a:chOff x="0" y="0"/>
+          <a:chExt cx="0" cy="0"/>
+        </a:xfrm>
+      </p:grpSpPr>
+      <p:pic>
+        <p:nvPicPr>
+          <p:cNvPr id="128" name="" descr=""/>
+          <p:cNvPicPr/>
+          <p:nvPr/>
+        </p:nvPicPr>
+        <p:blipFill>
+          <a:blip r:embed="rId1"/>
+          <a:stretch/>
+        </p:blipFill>
+        <p:spPr>
+          <a:xfrm>
+            <a:off x="7943760" y="4543200"/>
+            <a:ext cx="1878840" cy="838080"/>
+          </a:xfrm>
+          <a:prstGeom prst="rect">
+            <a:avLst/>
+          </a:prstGeom>
+          <a:ln w="10800">
+            <a:noFill/>
+          </a:ln>
+        </p:spPr>
+      </p:pic>
+      <p:pic>
+        <p:nvPicPr>
+          <p:cNvPr id="129" name="" descr=""/>
+          <p:cNvPicPr/>
+          <p:nvPr/>
+        </p:nvPicPr>
+        <p:blipFill>
+          <a:blip r:embed="rId2"/>
+          <a:stretch/>
+        </p:blipFill>
+        <p:spPr>
+          <a:xfrm>
+            <a:off x="2120400" y="2340000"/>
+            <a:ext cx="1476000" cy="1819080"/>
+          </a:xfrm>
+          <a:prstGeom prst="rect">
+            <a:avLst/>
+          </a:prstGeom>
+          <a:ln w="0">
+            <a:noFill/>
+          </a:ln>
+        </p:spPr>
+      </p:pic>
+      <p:sp>
+        <p:nvSpPr>
+          <p:cNvPr id="130" name=""/>
+          <p:cNvSpPr/>
+          <p:nvPr/>
+        </p:nvSpPr>
+        <p:spPr>
+          <a:xfrm>
+            <a:off x="4174560" y="3054960"/>
+            <a:ext cx="3201840" cy="361440"/>
+          </a:xfrm>
+          <a:custGeom>
+            <a:avLst/>
+            <a:gdLst/>
+            <a:ahLst/>
+            <a:rect l="l" t="t" r="r" b="b"/>
+            <a:pathLst>
+              <a:path w="21600" h="21600">
+                <a:moveTo>
+                  <a:pt x="0" y="0"/>
+                </a:moveTo>
+                <a:lnTo>
+                  <a:pt x="21600" y="0"/>
+                </a:lnTo>
+                <a:lnTo>
+                  <a:pt x="21600" y="21600"/>
+                </a:lnTo>
+                <a:lnTo>
+                  <a:pt x="0" y="21600"/>
+                </a:lnTo>
+                <a:lnTo>
+                  <a:pt x="0" y="0"/>
+                </a:lnTo>
+                <a:close/>
+              </a:path>
+            </a:pathLst>
+          </a:custGeom>
+          <a:noFill/>
+          <a:ln w="0">
+            <a:noFill/>
+          </a:ln>
+        </p:spPr>
+        <p:style>
+          <a:lnRef idx="0"/>
+          <a:fillRef idx="0"/>
+          <a:effectRef idx="0"/>
+          <a:fontRef idx="minor"/>
+        </p:style>
+        <p:txBody>
+          <a:bodyPr wrap="none" lIns="90000" rIns="90000" tIns="45000" bIns="45000" anchor="t">
+            <a:noAutofit/>
+          </a:bodyPr>
+          <a:p>
+            <a:pPr>
+              <a:lnSpc>
+                <a:spcPct val="100000"/>
+              </a:lnSpc>
+              <a:buNone/>
+              <a:tabLst>
+                <a:tab algn="l" pos="0"/>
+                <a:tab algn="l" pos="457200"/>
+                <a:tab algn="l" pos="914400"/>
+                <a:tab algn="l" pos="1371600"/>
+                <a:tab algn="l" pos="1828800"/>
+                <a:tab algn="l" pos="2286000"/>
+                <a:tab algn="l" pos="2743200"/>
+                <a:tab algn="l" pos="3200400"/>
+                <a:tab algn="l" pos="3657600"/>
+                <a:tab algn="l" pos="4114800"/>
+                <a:tab algn="l" pos="4572000"/>
+                <a:tab algn="l" pos="5029200"/>
+                <a:tab algn="l" pos="5486400"/>
+                <a:tab algn="l" pos="5943600"/>
+                <a:tab algn="l" pos="6400800"/>
+                <a:tab algn="l" pos="6858000"/>
+                <a:tab algn="l" pos="7315200"/>
+                <a:tab algn="l" pos="7772400"/>
+                <a:tab algn="l" pos="8229600"/>
+                <a:tab algn="l" pos="8686800"/>
+                <a:tab algn="l" pos="9144000"/>
+                <a:tab algn="l" pos="9601200"/>
+                <a:tab algn="l" pos="10058400"/>
+                <a:tab algn="l" pos="10515600"/>
+              </a:tabLst>
+            </a:pPr>
+            <a:r>
+              <a:rPr b="0" lang="en-US" sz="1800" spc="-1" strike="noStrike">
+                <a:solidFill>
+                  <a:srgbClr val="000000"/>
+                </a:solidFill>
+                <a:latin typeface="Arial"/>
+                <a:ea typeface="源ノ角ゴシック Normal"/>
+              </a:rPr>
+              <a:t>Thank you for your attention !</a:t>
+            </a:r>
+            <a:endParaRPr b="0" lang="en-US" sz="1800" spc="-1" strike="noStrike">
               <a:latin typeface="Arial"/>
             </a:endParaRPr>
           </a:p>
@@ -7182,7 +13172,7 @@
               </a:rPr>
               <a:t>PECX?</a:t>
             </a:r>
-            <a:endParaRPr b="0" lang="fr-CH" sz="2200" spc="-1" strike="noStrike">
+            <a:endParaRPr b="0" lang="en-US" sz="2200" spc="-1" strike="noStrike">
               <a:latin typeface="Arial"/>
             </a:endParaRPr>
           </a:p>
@@ -7206,7 +13196,7 @@
               </a:rPr>
               <a:t>양</a:t>
             </a:r>
-            <a:endParaRPr b="0" lang="fr-CH" sz="2200" spc="-1" strike="noStrike">
+            <a:endParaRPr b="0" lang="en-US" sz="2200" spc="-1" strike="noStrike">
               <a:latin typeface="Arial"/>
             </a:endParaRPr>
           </a:p>
@@ -7220,7 +13210,7 @@
               </a:spcAft>
               <a:buNone/>
             </a:pPr>
-            <a:endParaRPr b="0" lang="fr-CH" sz="2000" spc="-1" strike="noStrike">
+            <a:endParaRPr b="0" lang="en-US" sz="2000" spc="-1" strike="noStrike">
               <a:latin typeface="Arial"/>
             </a:endParaRPr>
           </a:p>
@@ -7371,7 +13361,7 @@
               </a:rPr>
               <a:t>SPECX</a:t>
             </a:r>
-            <a:endParaRPr b="0" lang="fr-CH" sz="2700" spc="-1" strike="noStrike">
+            <a:endParaRPr b="0" lang="en-US" sz="2700" spc="-1" strike="noStrike">
               <a:latin typeface="Arial"/>
             </a:endParaRPr>
           </a:p>
@@ -7435,7 +13425,7 @@
               </a:rPr>
               <a:t> </a:t>
             </a:r>
-            <a:endParaRPr b="0" lang="fr-CH" sz="1400" spc="-1" strike="noStrike">
+            <a:endParaRPr b="0" lang="en-US" sz="1400" spc="-1" strike="noStrike">
               <a:latin typeface="Arial"/>
             </a:endParaRPr>
           </a:p>
@@ -7466,7 +13456,7 @@
               </a:rPr>
               <a:t>Shares many similarities with StarPU.</a:t>
             </a:r>
-            <a:endParaRPr b="0" lang="fr-CH" sz="1600" spc="-1" strike="noStrike">
+            <a:endParaRPr b="0" lang="en-US" sz="1600" spc="-1" strike="noStrike">
               <a:latin typeface="Arial"/>
             </a:endParaRPr>
           </a:p>
@@ -7497,7 +13487,7 @@
               </a:rPr>
               <a:t>Written in modern C++ (20). </a:t>
             </a:r>
-            <a:endParaRPr b="0" lang="fr-CH" sz="1600" spc="-1" strike="noStrike">
+            <a:endParaRPr b="0" lang="en-US" sz="1600" spc="-1" strike="noStrike">
               <a:latin typeface="Arial"/>
             </a:endParaRPr>
           </a:p>
@@ -7528,7 +13518,7 @@
               </a:rPr>
               <a:t>Task-based execution system. </a:t>
             </a:r>
-            <a:endParaRPr b="0" lang="fr-CH" sz="1600" spc="-1" strike="noStrike">
+            <a:endParaRPr b="0" lang="en-US" sz="1600" spc="-1" strike="noStrike">
               <a:latin typeface="Arial"/>
             </a:endParaRPr>
           </a:p>
@@ -7559,7 +13549,7 @@
               </a:rPr>
               <a:t>Able to also support speculative execution, which is the ability to execute tasks ahead of time if others are unsure about changing the data.</a:t>
             </a:r>
-            <a:endParaRPr b="0" lang="fr-CH" sz="1600" spc="-1" strike="noStrike">
+            <a:endParaRPr b="0" lang="en-US" sz="1600" spc="-1" strike="noStrike">
               <a:latin typeface="Arial"/>
             </a:endParaRPr>
           </a:p>
@@ -7634,7 +13624,7 @@
               </a:rPr>
               <a:t> </a:t>
             </a:r>
-            <a:endParaRPr b="0" lang="fr-CH" sz="1400" spc="-1" strike="noStrike">
+            <a:endParaRPr b="0" lang="en-US" sz="1400" spc="-1" strike="noStrike">
               <a:latin typeface="Arial"/>
             </a:endParaRPr>
           </a:p>
@@ -7663,7 +13653,7 @@
               </a:rPr>
               <a:t>StarPU is a task scheduling library for hybrid architectures.</a:t>
             </a:r>
-            <a:endParaRPr b="0" lang="fr-CH" sz="1600" spc="-1" strike="noStrike">
+            <a:endParaRPr b="0" lang="en-US" sz="1600" spc="-1" strike="noStrike">
               <a:latin typeface="Arial"/>
             </a:endParaRPr>
           </a:p>
@@ -7692,7 +13682,7 @@
               </a:rPr>
               <a:t>Design systems in which applications are distributed across the machine, feeding all available resources into parallel tasks.</a:t>
             </a:r>
-            <a:endParaRPr b="0" lang="fr-CH" sz="1600" spc="-1" strike="noStrike">
+            <a:endParaRPr b="0" lang="en-US" sz="1600" spc="-1" strike="noStrike">
               <a:latin typeface="Arial"/>
             </a:endParaRPr>
           </a:p>
@@ -7721,7 +13711,7 @@
               </a:rPr>
               <a:t>Optimized heterogeneous scheduling, cluster communication, data transfers and replication between main memory and discrete memories</a:t>
             </a:r>
-            <a:endParaRPr b="0" lang="fr-CH" sz="1600" spc="-1" strike="noStrike">
+            <a:endParaRPr b="0" lang="en-US" sz="1600" spc="-1" strike="noStrike">
               <a:latin typeface="Arial"/>
             </a:endParaRPr>
           </a:p>
@@ -7826,7 +13816,7 @@
               </a:rPr>
               <a:t>SPECX</a:t>
             </a:r>
-            <a:endParaRPr b="0" lang="fr-CH" sz="2700" spc="-1" strike="noStrike">
+            <a:endParaRPr b="0" lang="en-US" sz="2700" spc="-1" strike="noStrike">
               <a:latin typeface="Arial"/>
             </a:endParaRPr>
           </a:p>
@@ -7890,7 +13880,7 @@
               </a:rPr>
               <a:t>orkflow</a:t>
             </a:r>
-            <a:endParaRPr b="0" lang="fr-CH" sz="1600" spc="-1" strike="noStrike">
+            <a:endParaRPr b="0" lang="en-US" sz="1600" spc="-1" strike="noStrike">
               <a:latin typeface="Arial"/>
             </a:endParaRPr>
           </a:p>
@@ -7907,7 +13897,7 @@
                 <a:tab algn="l" pos="0"/>
               </a:tabLst>
             </a:pPr>
-            <a:endParaRPr b="0" lang="fr-CH" sz="1000" spc="-1" strike="noStrike">
+            <a:endParaRPr b="0" lang="en-US" sz="1000" spc="-1" strike="noStrike">
               <a:latin typeface="Arial"/>
             </a:endParaRPr>
           </a:p>
@@ -7942,7 +13932,7 @@
               </a:rPr>
               <a:t>Provides functionality for creating tasks, task graphs and generating traces. Can be used to specify speculation model.</a:t>
             </a:r>
-            <a:endParaRPr b="0" lang="fr-CH" sz="1300" spc="-1" strike="noStrike">
+            <a:endParaRPr b="0" lang="en-US" sz="1300" spc="-1" strike="noStrike">
               <a:latin typeface="Arial"/>
             </a:endParaRPr>
           </a:p>
@@ -7959,7 +13949,7 @@
                 <a:tab algn="l" pos="0"/>
               </a:tabLst>
             </a:pPr>
-            <a:endParaRPr b="0" lang="fr-CH" sz="1000" spc="-1" strike="noStrike">
+            <a:endParaRPr b="0" lang="en-US" sz="1000" spc="-1" strike="noStrike">
               <a:latin typeface="Arial"/>
             </a:endParaRPr>
           </a:p>
@@ -7994,7 +13984,7 @@
               </a:rPr>
               <a:t> Forms a collection of objects that can be used to express data dependencies. Also provides wrapper objects that can be used to specify whether a given callable should be considered CPU or GPU code.</a:t>
             </a:r>
-            <a:endParaRPr b="0" lang="fr-CH" sz="1300" spc="-1" strike="noStrike">
+            <a:endParaRPr b="0" lang="en-US" sz="1300" spc="-1" strike="noStrike">
               <a:latin typeface="Arial"/>
             </a:endParaRPr>
           </a:p>
@@ -8011,7 +14001,7 @@
                 <a:tab algn="l" pos="0"/>
               </a:tabLst>
             </a:pPr>
-            <a:endParaRPr b="0" lang="fr-CH" sz="1000" spc="-1" strike="noStrike">
+            <a:endParaRPr b="0" lang="en-US" sz="1000" spc="-1" strike="noStrike">
               <a:latin typeface="Arial"/>
             </a:endParaRPr>
           </a:p>
@@ -8046,7 +14036,7 @@
               </a:rPr>
               <a:t> Specifies the ways to interact with the task object.</a:t>
             </a:r>
-            <a:endParaRPr b="0" lang="fr-CH" sz="1300" spc="-1" strike="noStrike">
+            <a:endParaRPr b="0" lang="en-US" sz="1300" spc="-1" strike="noStrike">
               <a:latin typeface="Arial"/>
             </a:endParaRPr>
           </a:p>
@@ -8157,7 +14147,7 @@
               </a:rPr>
               <a:t>SPECX: Runtime Interface</a:t>
             </a:r>
-            <a:endParaRPr b="0" lang="fr-CH" sz="2700" spc="-1" strike="noStrike">
+            <a:endParaRPr b="0" lang="en-US" sz="2700" spc="-1" strike="noStrike">
               <a:latin typeface="Arial"/>
             </a:endParaRPr>
           </a:p>
@@ -8234,7 +14224,7 @@
               </a:rPr>
               <a:t> provides task creation, task graph and trace generation facilities.</a:t>
             </a:r>
-            <a:endParaRPr b="0" lang="fr-CH" sz="1400" spc="-1" strike="noStrike">
+            <a:endParaRPr b="0" lang="en-US" sz="1400" spc="-1" strike="noStrike">
               <a:latin typeface="Arial"/>
             </a:endParaRPr>
           </a:p>
@@ -8250,7 +14240,7 @@
               <a:buFont typeface="Wingdings" charset="2"/>
               <a:buChar char=""/>
             </a:pPr>
-            <a:endParaRPr b="0" lang="fr-CH" sz="1400" spc="-1" strike="noStrike">
+            <a:endParaRPr b="0" lang="en-US" sz="1400" spc="-1" strike="noStrike">
               <a:latin typeface="Arial"/>
             </a:endParaRPr>
           </a:p>
@@ -8276,7 +14266,7 @@
               </a:rPr>
               <a:t>Can be used to specify which speculation model you want to use.</a:t>
             </a:r>
-            <a:endParaRPr b="0" lang="fr-CH" sz="1400" spc="-1" strike="noStrike">
+            <a:endParaRPr b="0" lang="en-US" sz="1400" spc="-1" strike="noStrike">
               <a:latin typeface="Arial"/>
             </a:endParaRPr>
           </a:p>
@@ -8292,7 +14282,7 @@
               <a:buFont typeface="Wingdings" charset="2"/>
               <a:buChar char=""/>
             </a:pPr>
-            <a:endParaRPr b="0" lang="fr-CH" sz="1400" spc="-1" strike="noStrike">
+            <a:endParaRPr b="0" lang="en-US" sz="1400" spc="-1" strike="noStrike">
               <a:latin typeface="Arial"/>
             </a:endParaRPr>
           </a:p>
@@ -8318,7 +14308,7 @@
               </a:rPr>
               <a:t>The runtime's constructor takes as a parameter the number of threads it should spawn.</a:t>
             </a:r>
-            <a:endParaRPr b="0" lang="fr-CH" sz="1400" spc="-1" strike="noStrike">
+            <a:endParaRPr b="0" lang="en-US" sz="1400" spc="-1" strike="noStrike">
               <a:latin typeface="Arial"/>
             </a:endParaRPr>
           </a:p>
@@ -8334,7 +14324,7 @@
               <a:buFont typeface="Wingdings" charset="2"/>
               <a:buChar char=""/>
             </a:pPr>
-            <a:endParaRPr b="0" lang="fr-CH" sz="1400" spc="-1" strike="noStrike">
+            <a:endParaRPr b="0" lang="en-US" sz="1400" spc="-1" strike="noStrike">
               <a:latin typeface="Arial"/>
             </a:endParaRPr>
           </a:p>
@@ -8350,7 +14340,7 @@
               <a:buFont typeface="Wingdings" charset="2"/>
               <a:buChar char=""/>
             </a:pPr>
-            <a:endParaRPr b="0" lang="fr-CH" sz="1400" spc="-1" strike="noStrike">
+            <a:endParaRPr b="0" lang="en-US" sz="1400" spc="-1" strike="noStrike">
               <a:latin typeface="Arial"/>
             </a:endParaRPr>
           </a:p>
@@ -8366,7 +14356,7 @@
               <a:buFont typeface="Wingdings" charset="2"/>
               <a:buChar char=""/>
             </a:pPr>
-            <a:endParaRPr b="0" lang="fr-CH" sz="1400" spc="-1" strike="noStrike">
+            <a:endParaRPr b="0" lang="en-US" sz="1400" spc="-1" strike="noStrike">
               <a:latin typeface="Arial"/>
             </a:endParaRPr>
           </a:p>
@@ -8407,7 +14397,7 @@
               </a:rPr>
               <a:t> environment variable.</a:t>
             </a:r>
-            <a:endParaRPr b="0" lang="fr-CH" sz="1400" spc="-1" strike="noStrike">
+            <a:endParaRPr b="0" lang="en-US" sz="1400" spc="-1" strike="noStrike">
               <a:latin typeface="Arial"/>
             </a:endParaRPr>
           </a:p>
@@ -8492,7 +14482,7 @@
               </a:rPr>
               <a:t>SPECX: Runtime Interface</a:t>
             </a:r>
-            <a:endParaRPr b="0" lang="fr-CH" sz="2700" spc="-1" strike="noStrike">
+            <a:endParaRPr b="0" lang="en-US" sz="2700" spc="-1" strike="noStrike">
               <a:latin typeface="Arial"/>
             </a:endParaRPr>
           </a:p>
@@ -8564,7 +14554,7 @@
               </a:rPr>
               <a:t> parameter specifies a priority for the task. </a:t>
             </a:r>
-            <a:endParaRPr b="0" lang="fr-CH" sz="1400" spc="-1" strike="noStrike">
+            <a:endParaRPr b="0" lang="en-US" sz="1400" spc="-1" strike="noStrike">
               <a:latin typeface="Arial"/>
             </a:endParaRPr>
           </a:p>
@@ -8575,7 +14565,7 @@
               </a:lnSpc>
               <a:buNone/>
             </a:pPr>
-            <a:endParaRPr b="0" lang="fr-CH" sz="1400" spc="-1" strike="noStrike">
+            <a:endParaRPr b="0" lang="en-US" sz="1400" spc="-1" strike="noStrike">
               <a:latin typeface="Arial"/>
             </a:endParaRPr>
           </a:p>
@@ -8616,7 +14606,7 @@
               </a:rPr>
               <a:t> parameter is an object used to specify the probability with which the task may write to its maybe-written data dependencies. </a:t>
             </a:r>
-            <a:endParaRPr b="0" lang="fr-CH" sz="1400" spc="-1" strike="noStrike">
+            <a:endParaRPr b="0" lang="en-US" sz="1400" spc="-1" strike="noStrike">
               <a:latin typeface="Arial"/>
             </a:endParaRPr>
           </a:p>
@@ -8659,7 +14649,7 @@
               <a:buNone/>
             </a:pPr>
             <a:r>
-              <a:rPr b="0" lang="fr-CH" sz="1400" spc="-1" strike="noStrike">
+              <a:rPr b="0" lang="en-US" sz="1400" spc="-1" strike="noStrike">
                 <a:solidFill>
                   <a:srgbClr val="000000"/>
                 </a:solidFill>
@@ -8669,7 +14659,7 @@
               <a:t>auto </a:t>
             </a:r>
             <a:r>
-              <a:rPr b="1" lang="fr-CH" sz="1400" spc="-1" strike="noStrike">
+              <a:rPr b="1" lang="en-US" sz="1400" spc="-1" strike="noStrike">
                 <a:solidFill>
                   <a:srgbClr val="000000"/>
                 </a:solidFill>
@@ -8679,7 +14669,7 @@
               <a:t>task</a:t>
             </a:r>
             <a:r>
-              <a:rPr b="0" lang="fr-CH" sz="1400" spc="-1" strike="noStrike">
+              <a:rPr b="0" lang="en-US" sz="1400" spc="-1" strike="noStrike">
                 <a:solidFill>
                   <a:srgbClr val="000000"/>
                 </a:solidFill>
@@ -8689,7 +14679,7 @@
               <a:t>([optional] </a:t>
             </a:r>
             <a:r>
-              <a:rPr b="1" lang="fr-CH" sz="1400" spc="-1" strike="noStrike">
+              <a:rPr b="1" lang="en-US" sz="1400" spc="-1" strike="noStrike">
                 <a:solidFill>
                   <a:srgbClr val="2a6099"/>
                 </a:solidFill>
@@ -8699,7 +14689,7 @@
               <a:t>SpPriority</a:t>
             </a:r>
             <a:r>
-              <a:rPr b="0" lang="fr-CH" sz="1400" spc="-1" strike="noStrike">
+              <a:rPr b="0" lang="en-US" sz="1400" spc="-1" strike="noStrike">
                 <a:solidFill>
                   <a:srgbClr val="000000"/>
                 </a:solidFill>
@@ -8709,7 +14699,7 @@
               <a:t> </a:t>
             </a:r>
             <a:r>
-              <a:rPr b="0" lang="fr-CH" sz="1400" spc="-1" strike="noStrike">
+              <a:rPr b="0" lang="en-US" sz="1400" spc="-1" strike="noStrike">
                 <a:solidFill>
                   <a:srgbClr val="158466"/>
                 </a:solidFill>
@@ -8719,7 +14709,7 @@
               <a:t>inPriority</a:t>
             </a:r>
             <a:r>
-              <a:rPr b="0" lang="fr-CH" sz="1400" spc="-1" strike="noStrike">
+              <a:rPr b="0" lang="en-US" sz="1400" spc="-1" strike="noStrike">
                 <a:solidFill>
                   <a:srgbClr val="000000"/>
                 </a:solidFill>
@@ -8729,7 +14719,7 @@
               <a:t>, [optional]</a:t>
             </a:r>
             <a:r>
-              <a:rPr b="1" lang="fr-CH" sz="1400" spc="-1" strike="noStrike">
+              <a:rPr b="1" lang="en-US" sz="1400" spc="-1" strike="noStrike">
                 <a:solidFill>
                   <a:srgbClr val="2a6099"/>
                 </a:solidFill>
@@ -8739,7 +14729,7 @@
               <a:t> SpProbability</a:t>
             </a:r>
             <a:r>
-              <a:rPr b="0" lang="fr-CH" sz="1400" spc="-1" strike="noStrike">
+              <a:rPr b="0" lang="en-US" sz="1400" spc="-1" strike="noStrike">
                 <a:solidFill>
                   <a:srgbClr val="158466"/>
                 </a:solidFill>
@@ -8749,7 +14739,7 @@
               <a:t> inProbabilit</a:t>
             </a:r>
             <a:r>
-              <a:rPr b="0" lang="fr-CH" sz="1400" spc="-1" strike="noStrike">
+              <a:rPr b="0" lang="en-US" sz="1400" spc="-1" strike="noStrike">
                 <a:solidFill>
                   <a:srgbClr val="000000"/>
                 </a:solidFill>
@@ -8758,7 +14748,7 @@
               </a:rPr>
               <a:t>y,</a:t>
             </a:r>
-            <a:endParaRPr b="0" lang="fr-CH" sz="1400" spc="-1" strike="noStrike">
+            <a:endParaRPr b="0" lang="en-US" sz="1400" spc="-1" strike="noStrike">
               <a:latin typeface="Arial"/>
             </a:endParaRPr>
           </a:p>
@@ -8770,7 +14760,7 @@
               <a:buNone/>
             </a:pPr>
             <a:r>
-              <a:rPr b="0" lang="fr-CH" sz="1400" spc="-1" strike="noStrike">
+              <a:rPr b="0" lang="en-US" sz="1400" spc="-1" strike="noStrike">
                 <a:solidFill>
                   <a:srgbClr val="000000"/>
                 </a:solidFill>
@@ -8780,7 +14770,7 @@
               <a:t>[optional] &lt;DataDependencyTy&gt; do..., &lt;CallableTy&gt; c)</a:t>
             </a:r>
             <a:r>
-              <a:rPr b="1" lang="fr-CH" sz="1400" spc="-1" strike="noStrike">
+              <a:rPr b="1" lang="en-US" sz="1400" spc="-1" strike="noStrike">
                 <a:solidFill>
                   <a:srgbClr val="ff0000"/>
                 </a:solidFill>
@@ -8789,7 +14779,7 @@
               </a:rPr>
               <a:t> (1)</a:t>
             </a:r>
-            <a:endParaRPr b="0" lang="fr-CH" sz="1400" spc="-1" strike="noStrike">
+            <a:endParaRPr b="0" lang="en-US" sz="1400" spc="-1" strike="noStrike">
               <a:latin typeface="Arial"/>
             </a:endParaRPr>
           </a:p>
@@ -8800,7 +14790,7 @@
               </a:lnSpc>
               <a:buNone/>
             </a:pPr>
-            <a:endParaRPr b="0" lang="fr-CH" sz="1400" spc="-1" strike="noStrike">
+            <a:endParaRPr b="0" lang="en-US" sz="1400" spc="-1" strike="noStrike">
               <a:latin typeface="Arial"/>
             </a:endParaRPr>
           </a:p>
@@ -8812,7 +14802,7 @@
               <a:buNone/>
             </a:pPr>
             <a:r>
-              <a:rPr b="0" lang="fr-CH" sz="1400" spc="-1" strike="noStrike">
+              <a:rPr b="0" lang="en-US" sz="1400" spc="-1" strike="noStrike">
                 <a:solidFill>
                   <a:srgbClr val="000000"/>
                 </a:solidFill>
@@ -8822,7 +14812,7 @@
               <a:t>auto </a:t>
             </a:r>
             <a:r>
-              <a:rPr b="1" lang="fr-CH" sz="1400" spc="-1" strike="noStrike">
+              <a:rPr b="1" lang="en-US" sz="1400" spc="-1" strike="noStrike">
                 <a:solidFill>
                   <a:srgbClr val="000000"/>
                 </a:solidFill>
@@ -8832,7 +14822,7 @@
               <a:t>task</a:t>
             </a:r>
             <a:r>
-              <a:rPr b="0" lang="fr-CH" sz="1400" spc="-1" strike="noStrike">
+              <a:rPr b="0" lang="en-US" sz="1400" spc="-1" strike="noStrike">
                 <a:solidFill>
                   <a:srgbClr val="000000"/>
                 </a:solidFill>
@@ -8842,7 +14832,7 @@
               <a:t>([optional] </a:t>
             </a:r>
             <a:r>
-              <a:rPr b="1" lang="fr-CH" sz="1400" spc="-1" strike="noStrike">
+              <a:rPr b="1" lang="en-US" sz="1400" spc="-1" strike="noStrike">
                 <a:solidFill>
                   <a:srgbClr val="2a6099"/>
                 </a:solidFill>
@@ -8852,7 +14842,7 @@
               <a:t>SpPriority</a:t>
             </a:r>
             <a:r>
-              <a:rPr b="0" lang="fr-CH" sz="1400" spc="-1" strike="noStrike">
+              <a:rPr b="0" lang="en-US" sz="1400" spc="-1" strike="noStrike">
                 <a:solidFill>
                   <a:srgbClr val="158466"/>
                 </a:solidFill>
@@ -8862,7 +14852,7 @@
               <a:t> inPriority</a:t>
             </a:r>
             <a:r>
-              <a:rPr b="0" lang="fr-CH" sz="1400" spc="-1" strike="noStrike">
+              <a:rPr b="0" lang="en-US" sz="1400" spc="-1" strike="noStrike">
                 <a:solidFill>
                   <a:srgbClr val="000000"/>
                 </a:solidFill>
@@ -8872,7 +14862,7 @@
               <a:t>, [optional]</a:t>
             </a:r>
             <a:r>
-              <a:rPr b="1" lang="fr-CH" sz="1400" spc="-1" strike="noStrike">
+              <a:rPr b="1" lang="en-US" sz="1400" spc="-1" strike="noStrike">
                 <a:solidFill>
                   <a:srgbClr val="2a6099"/>
                 </a:solidFill>
@@ -8882,7 +14872,7 @@
               <a:t> SpProbability</a:t>
             </a:r>
             <a:r>
-              <a:rPr b="0" lang="fr-CH" sz="1400" spc="-1" strike="noStrike">
+              <a:rPr b="0" lang="en-US" sz="1400" spc="-1" strike="noStrike">
                 <a:solidFill>
                   <a:srgbClr val="158466"/>
                 </a:solidFill>
@@ -8892,7 +14882,7 @@
               <a:t> inProbability</a:t>
             </a:r>
             <a:r>
-              <a:rPr b="0" lang="fr-CH" sz="1400" spc="-1" strike="noStrike">
+              <a:rPr b="0" lang="en-US" sz="1400" spc="-1" strike="noStrike">
                 <a:solidFill>
                   <a:srgbClr val="000000"/>
                 </a:solidFill>
@@ -8901,7 +14891,7 @@
               </a:rPr>
               <a:t>,</a:t>
             </a:r>
-            <a:endParaRPr b="0" lang="fr-CH" sz="1400" spc="-1" strike="noStrike">
+            <a:endParaRPr b="0" lang="en-US" sz="1400" spc="-1" strike="noStrike">
               <a:latin typeface="Arial"/>
             </a:endParaRPr>
           </a:p>
@@ -8913,7 +14903,7 @@
               <a:buNone/>
             </a:pPr>
             <a:r>
-              <a:rPr b="0" lang="fr-CH" sz="1400" spc="-1" strike="noStrike">
+              <a:rPr b="0" lang="en-US" sz="1400" spc="-1" strike="noStrike">
                 <a:solidFill>
                   <a:srgbClr val="000000"/>
                 </a:solidFill>
@@ -8923,7 +14913,7 @@
               <a:t>[optional] &lt;DataDependencyTy&gt; do..., </a:t>
             </a:r>
             <a:r>
-              <a:rPr b="1" lang="fr-CH" sz="1400" spc="-1" strike="noStrike">
+              <a:rPr b="1" lang="en-US" sz="1400" spc="-1" strike="noStrike">
                 <a:solidFill>
                   <a:srgbClr val="2a6099"/>
                 </a:solidFill>
@@ -8933,7 +14923,7 @@
               <a:t>SpCpuCode</a:t>
             </a:r>
             <a:r>
-              <a:rPr b="0" lang="fr-CH" sz="1400" spc="-1" strike="noStrike">
+              <a:rPr b="0" lang="en-US" sz="1400" spc="-1" strike="noStrike">
                 <a:solidFill>
                   <a:srgbClr val="000000"/>
                 </a:solidFill>
@@ -8943,7 +14933,7 @@
               <a:t>(&lt;CallableTy&gt; c1), [optional]</a:t>
             </a:r>
             <a:r>
-              <a:rPr b="1" lang="fr-CH" sz="1400" spc="-1" strike="noStrike">
+              <a:rPr b="1" lang="en-US" sz="1400" spc="-1" strike="noStrike">
                 <a:solidFill>
                   <a:srgbClr val="2a6099"/>
                 </a:solidFill>
@@ -8953,7 +14943,7 @@
               <a:t> SpGpuCode</a:t>
             </a:r>
             <a:r>
-              <a:rPr b="0" lang="fr-CH" sz="1400" spc="-1" strike="noStrike">
+              <a:rPr b="0" lang="en-US" sz="1400" spc="-1" strike="noStrike">
                 <a:solidFill>
                   <a:srgbClr val="000000"/>
                 </a:solidFill>
@@ -8963,7 +14953,7 @@
               <a:t>(&lt;CallableTy&gt; c2)) </a:t>
             </a:r>
             <a:r>
-              <a:rPr b="1" lang="fr-CH" sz="1400" spc="-1" strike="noStrike">
+              <a:rPr b="1" lang="en-US" sz="1400" spc="-1" strike="noStrike">
                 <a:solidFill>
                   <a:srgbClr val="ff0000"/>
                 </a:solidFill>
@@ -8972,7 +14962,7 @@
               </a:rPr>
               <a:t>(2)</a:t>
             </a:r>
-            <a:endParaRPr b="0" lang="fr-CH" sz="1400" spc="-1" strike="noStrike">
+            <a:endParaRPr b="0" lang="en-US" sz="1400" spc="-1" strike="noStrike">
               <a:latin typeface="Arial"/>
             </a:endParaRPr>
           </a:p>
@@ -9024,7 +15014,7 @@
               </a:rPr>
               <a:t>This method creates a new task and injects it into the runtime. </a:t>
             </a:r>
-            <a:endParaRPr b="0" lang="fr-CH" sz="1400" spc="-1" strike="noStrike">
+            <a:endParaRPr b="0" lang="en-US" sz="1400" spc="-1" strike="noStrike">
               <a:latin typeface="Arial"/>
             </a:endParaRPr>
           </a:p>
@@ -9086,7 +15076,7 @@
               </a:rPr>
               <a:t> the callable is passed as is to the task call. It will implicitly be interpreted by the runtime as CPU code.</a:t>
             </a:r>
-            <a:endParaRPr b="0" lang="fr-CH" sz="1400" spc="-1" strike="noStrike">
+            <a:endParaRPr b="0" lang="en-US" sz="1400" spc="-1" strike="noStrike">
               <a:latin typeface="Arial"/>
             </a:endParaRPr>
           </a:p>
@@ -9097,7 +15087,7 @@
               </a:lnSpc>
               <a:buNone/>
             </a:pPr>
-            <a:endParaRPr b="0" lang="fr-CH" sz="1400" spc="-1" strike="noStrike">
+            <a:endParaRPr b="0" lang="en-US" sz="1400" spc="-1" strike="noStrike">
               <a:latin typeface="Arial"/>
             </a:endParaRPr>
           </a:p>
@@ -9128,7 +15118,7 @@
               </a:rPr>
               <a:t> the callable c1 is explicitly tagged as CPU code by being wrapped inside a SpCpuCode object.</a:t>
             </a:r>
-            <a:endParaRPr b="0" lang="fr-CH" sz="1400" spc="-1" strike="noStrike">
+            <a:endParaRPr b="0" lang="en-US" sz="1400" spc="-1" strike="noStrike">
               <a:latin typeface="Arial"/>
             </a:endParaRPr>
           </a:p>
@@ -9139,7 +15129,7 @@
               </a:lnSpc>
               <a:buNone/>
             </a:pPr>
-            <a:endParaRPr b="0" lang="fr-CH" sz="1400" spc="-1" strike="noStrike">
+            <a:endParaRPr b="0" lang="en-US" sz="1400" spc="-1" strike="noStrike">
               <a:latin typeface="Arial"/>
             </a:endParaRPr>
           </a:p>
@@ -9180,7 +15170,7 @@
               </a:rPr>
               <a:t> additionally permits the user to provide a GPU version of the code </a:t>
             </a:r>
-            <a:endParaRPr b="0" lang="fr-CH" sz="1400" spc="-1" strike="noStrike">
+            <a:endParaRPr b="0" lang="en-US" sz="1400" spc="-1" strike="noStrike">
               <a:latin typeface="Arial"/>
             </a:endParaRPr>
           </a:p>
@@ -9191,7 +15181,7 @@
               </a:lnSpc>
               <a:buNone/>
             </a:pPr>
-            <a:endParaRPr b="0" lang="fr-CH" sz="1400" spc="-1" strike="noStrike">
+            <a:endParaRPr b="0" lang="en-US" sz="1400" spc="-1" strike="noStrike">
               <a:latin typeface="Arial"/>
             </a:endParaRPr>
           </a:p>
@@ -9212,7 +15202,7 @@
               </a:rPr>
               <a:t>.</a:t>
             </a:r>
-            <a:endParaRPr b="0" lang="fr-CH" sz="1400" spc="-1" strike="noStrike">
+            <a:endParaRPr b="0" lang="en-US" sz="1400" spc="-1" strike="noStrike">
               <a:latin typeface="Arial"/>
             </a:endParaRPr>
           </a:p>
@@ -9297,7 +15287,7 @@
               </a:rPr>
               <a:t>SPECX: Runtime Interface</a:t>
             </a:r>
-            <a:endParaRPr b="0" lang="fr-CH" sz="2700" spc="-1" strike="noStrike">
+            <a:endParaRPr b="0" lang="en-US" sz="2700" spc="-1" strike="noStrike">
               <a:latin typeface="Arial"/>
             </a:endParaRPr>
           </a:p>
@@ -9340,7 +15330,7 @@
               <a:buNone/>
             </a:pPr>
             <a:r>
-              <a:rPr b="1" lang="fr-CH" sz="1400" spc="-1" strike="noStrike">
+              <a:rPr b="1" lang="en-US" sz="1400" spc="-1" strike="noStrike">
                 <a:solidFill>
                   <a:srgbClr val="158466"/>
                 </a:solidFill>
@@ -9350,7 +15340,7 @@
               <a:t>Type1</a:t>
             </a:r>
             <a:r>
-              <a:rPr b="0" lang="fr-CH" sz="1400" spc="-1" strike="noStrike">
+              <a:rPr b="0" lang="en-US" sz="1400" spc="-1" strike="noStrike">
                 <a:solidFill>
                   <a:srgbClr val="000000"/>
                 </a:solidFill>
@@ -9360,7 +15350,7 @@
               <a:t> v1; </a:t>
             </a:r>
             <a:r>
-              <a:rPr b="1" lang="fr-CH" sz="1400" spc="-1" strike="noStrike">
+              <a:rPr b="1" lang="en-US" sz="1400" spc="-1" strike="noStrike">
                 <a:solidFill>
                   <a:srgbClr val="158466"/>
                 </a:solidFill>
@@ -9370,7 +15360,7 @@
               <a:t>Type2</a:t>
             </a:r>
             <a:r>
-              <a:rPr b="0" lang="fr-CH" sz="1400" spc="-1" strike="noStrike">
+              <a:rPr b="0" lang="en-US" sz="1400" spc="-1" strike="noStrike">
                 <a:solidFill>
                   <a:srgbClr val="000000"/>
                 </a:solidFill>
@@ -9379,7 +15369,7 @@
               </a:rPr>
               <a:t> v2;</a:t>
             </a:r>
-            <a:endParaRPr b="0" lang="fr-CH" sz="1400" spc="-1" strike="noStrike">
+            <a:endParaRPr b="0" lang="en-US" sz="1400" spc="-1" strike="noStrike">
               <a:latin typeface="Arial"/>
             </a:endParaRPr>
           </a:p>
@@ -9391,7 +15381,7 @@
               <a:buNone/>
             </a:pPr>
             <a:r>
-              <a:rPr b="0" lang="fr-CH" sz="1400" spc="-1" strike="noStrike">
+              <a:rPr b="0" lang="en-US" sz="1400" spc="-1" strike="noStrike">
                 <a:solidFill>
                   <a:srgbClr val="000000"/>
                 </a:solidFill>
@@ -9400,7 +15390,7 @@
               </a:rPr>
               <a:t> </a:t>
             </a:r>
-            <a:endParaRPr b="0" lang="fr-CH" sz="1400" spc="-1" strike="noStrike">
+            <a:endParaRPr b="0" lang="en-US" sz="1400" spc="-1" strike="noStrike">
               <a:latin typeface="Arial"/>
             </a:endParaRPr>
           </a:p>
@@ -9412,7 +15402,7 @@
               <a:buNone/>
             </a:pPr>
             <a:r>
-              <a:rPr b="1" lang="fr-CH" sz="1400" spc="-1" strike="noStrike">
+              <a:rPr b="1" lang="en-US" sz="1400" spc="-1" strike="noStrike">
                 <a:solidFill>
                   <a:srgbClr val="ff0000"/>
                 </a:solidFill>
@@ -9422,7 +15412,7 @@
               <a:t>runtime.task</a:t>
             </a:r>
             <a:r>
-              <a:rPr b="0" lang="fr-CH" sz="1400" spc="-1" strike="noStrike">
+              <a:rPr b="0" lang="en-US" sz="1400" spc="-1" strike="noStrike">
                 <a:solidFill>
                   <a:srgbClr val="000000"/>
                 </a:solidFill>
@@ -9432,7 +15422,7 @@
               <a:t> ( </a:t>
             </a:r>
             <a:r>
-              <a:rPr b="1" lang="fr-CH" sz="1400" spc="-1" strike="noStrike">
+              <a:rPr b="1" lang="en-US" sz="1400" spc="-1" strike="noStrike">
                 <a:solidFill>
                   <a:srgbClr val="2a6099"/>
                 </a:solidFill>
@@ -9442,7 +15432,7 @@
               <a:t>SpRead</a:t>
             </a:r>
             <a:r>
-              <a:rPr b="0" lang="fr-CH" sz="1400" spc="-1" strike="noStrike">
+              <a:rPr b="0" lang="en-US" sz="1400" spc="-1" strike="noStrike">
                 <a:solidFill>
                   <a:srgbClr val="000000"/>
                 </a:solidFill>
@@ -9452,7 +15442,7 @@
               <a:t>(v1), </a:t>
             </a:r>
             <a:r>
-              <a:rPr b="1" lang="fr-CH" sz="1400" spc="-1" strike="noStrike">
+              <a:rPr b="1" lang="en-US" sz="1400" spc="-1" strike="noStrike">
                 <a:solidFill>
                   <a:srgbClr val="2a6099"/>
                 </a:solidFill>
@@ -9462,7 +15452,7 @@
               <a:t>SpWrite</a:t>
             </a:r>
             <a:r>
-              <a:rPr b="0" lang="fr-CH" sz="1400" spc="-1" strike="noStrike">
+              <a:rPr b="0" lang="en-US" sz="1400" spc="-1" strike="noStrike">
                 <a:solidFill>
                   <a:srgbClr val="000000"/>
                 </a:solidFill>
@@ -9471,7 +15461,7 @@
               </a:rPr>
               <a:t>(v2),       </a:t>
             </a:r>
-            <a:endParaRPr b="0" lang="fr-CH" sz="1400" spc="-1" strike="noStrike">
+            <a:endParaRPr b="0" lang="en-US" sz="1400" spc="-1" strike="noStrike">
               <a:latin typeface="Arial"/>
             </a:endParaRPr>
           </a:p>
@@ -9483,7 +15473,7 @@
               <a:buNone/>
             </a:pPr>
             <a:r>
-              <a:rPr b="1" lang="fr-CH" sz="1400" spc="-1" strike="noStrike">
+              <a:rPr b="1" lang="en-US" sz="1400" spc="-1" strike="noStrike">
                 <a:solidFill>
                   <a:srgbClr val="000000"/>
                 </a:solidFill>
@@ -9493,7 +15483,7 @@
               <a:t>[ ] </a:t>
             </a:r>
             <a:r>
-              <a:rPr b="0" lang="fr-CH" sz="1400" spc="-1" strike="noStrike">
+              <a:rPr b="0" lang="en-US" sz="1400" spc="-1" strike="noStrike">
                 <a:solidFill>
                   <a:srgbClr val="000000"/>
                 </a:solidFill>
@@ -9503,7 +15493,7 @@
               <a:t>(</a:t>
             </a:r>
             <a:r>
-              <a:rPr b="1" lang="fr-CH" sz="1400" spc="-1" strike="noStrike">
+              <a:rPr b="1" lang="en-US" sz="1400" spc="-1" strike="noStrike">
                 <a:solidFill>
                   <a:srgbClr val="158466"/>
                 </a:solidFill>
@@ -9513,7 +15503,7 @@
               <a:t>const Type1</a:t>
             </a:r>
             <a:r>
-              <a:rPr b="0" lang="fr-CH" sz="1400" spc="-1" strike="noStrike">
+              <a:rPr b="0" lang="en-US" sz="1400" spc="-1" strike="noStrike">
                 <a:solidFill>
                   <a:srgbClr val="000000"/>
                 </a:solidFill>
@@ -9523,7 +15513,7 @@
               <a:t> &amp;paramV1, </a:t>
             </a:r>
             <a:r>
-              <a:rPr b="1" lang="fr-CH" sz="1400" spc="-1" strike="noStrike">
+              <a:rPr b="1" lang="en-US" sz="1400" spc="-1" strike="noStrike">
                 <a:solidFill>
                   <a:srgbClr val="158466"/>
                 </a:solidFill>
@@ -9533,7 +15523,7 @@
               <a:t>Type2</a:t>
             </a:r>
             <a:r>
-              <a:rPr b="0" lang="fr-CH" sz="1400" spc="-1" strike="noStrike">
+              <a:rPr b="0" lang="en-US" sz="1400" spc="-1" strike="noStrike">
                 <a:solidFill>
                   <a:srgbClr val="000000"/>
                 </a:solidFill>
@@ -9542,7 +15532,7 @@
               </a:rPr>
               <a:t> &amp;paramV2) </a:t>
             </a:r>
-            <a:endParaRPr b="0" lang="fr-CH" sz="1400" spc="-1" strike="noStrike">
+            <a:endParaRPr b="0" lang="en-US" sz="1400" spc="-1" strike="noStrike">
               <a:latin typeface="Arial"/>
               <a:ea typeface="Microsoft YaHei"/>
             </a:endParaRPr>
@@ -9555,7 +15545,7 @@
               <a:buNone/>
             </a:pPr>
             <a:r>
-              <a:rPr b="0" lang="fr-CH" sz="1400" spc="-1" strike="noStrike">
+              <a:rPr b="0" lang="en-US" sz="1400" spc="-1" strike="noStrike">
                 <a:solidFill>
                   <a:srgbClr val="000000"/>
                 </a:solidFill>
@@ -9564,7 +15554,7 @@
               </a:rPr>
               <a:t>{</a:t>
             </a:r>
-            <a:endParaRPr b="0" lang="fr-CH" sz="1400" spc="-1" strike="noStrike">
+            <a:endParaRPr b="0" lang="en-US" sz="1400" spc="-1" strike="noStrike">
               <a:latin typeface="Arial"/>
               <a:ea typeface="Microsoft YaHei"/>
             </a:endParaRPr>
@@ -9577,7 +15567,7 @@
               <a:buNone/>
             </a:pPr>
             <a:r>
-              <a:rPr b="0" lang="fr-CH" sz="1400" spc="-1" strike="noStrike">
+              <a:rPr b="0" lang="en-US" sz="1400" spc="-1" strike="noStrike">
                 <a:solidFill>
                   <a:srgbClr val="000000"/>
                 </a:solidFill>
@@ -9587,7 +15577,7 @@
               <a:t>    </a:t>
             </a:r>
             <a:r>
-              <a:rPr b="0" lang="fr-CH" sz="1400" spc="-1" strike="noStrike">
+              <a:rPr b="0" lang="en-US" sz="1400" spc="-1" strike="noStrike">
                 <a:solidFill>
                   <a:srgbClr val="000000"/>
                 </a:solidFill>
@@ -9596,7 +15586,7 @@
               </a:rPr>
               <a:t>If (paramV1.test()) { paramV2.set(1); } else { paramV2.set(2); }</a:t>
             </a:r>
-            <a:endParaRPr b="0" lang="fr-CH" sz="1400" spc="-1" strike="noStrike">
+            <a:endParaRPr b="0" lang="en-US" sz="1400" spc="-1" strike="noStrike">
               <a:latin typeface="Arial"/>
               <a:ea typeface="Microsoft YaHei"/>
             </a:endParaRPr>
@@ -9609,7 +15599,7 @@
               <a:buNone/>
             </a:pPr>
             <a:r>
-              <a:rPr b="0" lang="fr-CH" sz="1400" spc="-1" strike="noStrike">
+              <a:rPr b="0" lang="en-US" sz="1400" spc="-1" strike="noStrike">
                 <a:solidFill>
                   <a:srgbClr val="000000"/>
                 </a:solidFill>
@@ -9618,7 +15608,7 @@
               </a:rPr>
               <a:t>}</a:t>
             </a:r>
-            <a:endParaRPr b="0" lang="fr-CH" sz="1400" spc="-1" strike="noStrike">
+            <a:endParaRPr b="0" lang="en-US" sz="1400" spc="-1" strike="noStrike">
               <a:latin typeface="Arial"/>
               <a:ea typeface="Microsoft YaHei"/>
             </a:endParaRPr>
@@ -9631,7 +15621,7 @@
               <a:buNone/>
             </a:pPr>
             <a:r>
-              <a:rPr b="0" lang="fr-CH" sz="1400" spc="-1" strike="noStrike">
+              <a:rPr b="0" lang="en-US" sz="1400" spc="-1" strike="noStrike">
                 <a:solidFill>
                   <a:srgbClr val="000000"/>
                 </a:solidFill>
@@ -9640,7 +15630,7 @@
               </a:rPr>
               <a:t>); </a:t>
             </a:r>
-            <a:endParaRPr b="0" lang="fr-CH" sz="1400" spc="-1" strike="noStrike">
+            <a:endParaRPr b="0" lang="en-US" sz="1400" spc="-1" strike="noStrike">
               <a:latin typeface="Arial"/>
             </a:endParaRPr>
           </a:p>
@@ -9717,7 +15707,7 @@
               </a:rPr>
               <a:t>data dependency object should be declared const. </a:t>
             </a:r>
-            <a:endParaRPr b="0" lang="fr-CH" sz="1400" spc="-1" strike="noStrike">
+            <a:endParaRPr b="0" lang="en-US" sz="1400" spc="-1" strike="noStrike">
               <a:latin typeface="Arial"/>
             </a:endParaRPr>
           </a:p>
@@ -9733,7 +15723,7 @@
               <a:buFont typeface="Wingdings" charset="2"/>
               <a:buChar char=""/>
             </a:pPr>
-            <a:endParaRPr b="0" lang="fr-CH" sz="1400" spc="-1" strike="noStrike">
+            <a:endParaRPr b="0" lang="en-US" sz="1400" spc="-1" strike="noStrike">
               <a:latin typeface="Arial"/>
             </a:endParaRPr>
           </a:p>
@@ -9759,7 +15749,7 @@
               </a:rPr>
               <a:t>Code inside the callable must be referring to parameter names rather than the original variable names. </a:t>
             </a:r>
-            <a:endParaRPr b="0" lang="fr-CH" sz="1400" spc="-1" strike="noStrike">
+            <a:endParaRPr b="0" lang="en-US" sz="1400" spc="-1" strike="noStrike">
               <a:latin typeface="Arial"/>
             </a:endParaRPr>
           </a:p>
@@ -9775,7 +15765,7 @@
               <a:buFont typeface="Wingdings" charset="2"/>
               <a:buChar char=""/>
             </a:pPr>
-            <a:endParaRPr b="0" lang="fr-CH" sz="1400" spc="-1" strike="noStrike">
+            <a:endParaRPr b="0" lang="en-US" sz="1400" spc="-1" strike="noStrike">
               <a:latin typeface="Arial"/>
             </a:endParaRPr>
           </a:p>
@@ -9801,7 +15791,7 @@
               </a:rPr>
               <a:t>In the example given above, code in the lambda body is referring to the names paramV1 and paramV2 to refer to v1 and v2 data values rather than v1 and v2. </a:t>
             </a:r>
-            <a:endParaRPr b="0" lang="fr-CH" sz="1400" spc="-1" strike="noStrike">
+            <a:endParaRPr b="0" lang="en-US" sz="1400" spc="-1" strike="noStrike">
               <a:latin typeface="Arial"/>
             </a:endParaRPr>
           </a:p>
@@ -9817,7 +15807,7 @@
               <a:buFont typeface="Wingdings" charset="2"/>
               <a:buChar char=""/>
             </a:pPr>
-            <a:endParaRPr b="0" lang="fr-CH" sz="1400" spc="-1" strike="noStrike">
+            <a:endParaRPr b="0" lang="en-US" sz="1400" spc="-1" strike="noStrike">
               <a:latin typeface="Arial"/>
             </a:endParaRPr>
           </a:p>
@@ -9843,7 +15833,7 @@
               </a:rPr>
               <a:t>You should not capture v1 and v2 by reference and work with v1 and v2 directly.</a:t>
             </a:r>
-            <a:endParaRPr b="0" lang="fr-CH" sz="1400" spc="-1" strike="noStrike">
+            <a:endParaRPr b="0" lang="en-US" sz="1400" spc="-1" strike="noStrike">
               <a:latin typeface="Arial"/>
             </a:endParaRPr>
           </a:p>
@@ -9885,7 +15875,7 @@
               </a:rPr>
               <a:t>.</a:t>
             </a:r>
-            <a:endParaRPr b="0" lang="fr-CH" sz="1400" spc="-1" strike="noStrike">
+            <a:endParaRPr b="0" lang="en-US" sz="1400" spc="-1" strike="noStrike">
               <a:latin typeface="Times New Roman"/>
             </a:endParaRPr>
           </a:p>
@@ -9993,7 +15983,7 @@
               </a:rPr>
               <a:t>SPECX: Runtime Interface</a:t>
             </a:r>
-            <a:endParaRPr b="0" lang="fr-CH" sz="2700" spc="-1" strike="noStrike">
+            <a:endParaRPr b="0" lang="en-US" sz="2700" spc="-1" strike="noStrike">
               <a:latin typeface="Arial"/>
             </a:endParaRPr>
           </a:p>
@@ -10036,7 +16026,7 @@
               <a:buNone/>
             </a:pPr>
             <a:r>
-              <a:rPr b="0" lang="fr-CH" sz="1400" spc="-1" strike="noStrike">
+              <a:rPr b="0" lang="en-US" sz="1400" spc="-1" strike="noStrike">
                 <a:solidFill>
                   <a:srgbClr val="000000"/>
                 </a:solidFill>
@@ -10046,7 +16036,7 @@
               <a:t>void </a:t>
             </a:r>
             <a:r>
-              <a:rPr b="1" lang="fr-CH" sz="1400" spc="-1" strike="noStrike">
+              <a:rPr b="1" lang="en-US" sz="1400" spc="-1" strike="noStrike">
                 <a:solidFill>
                   <a:srgbClr val="2a6099"/>
                 </a:solidFill>
@@ -10056,7 +16046,7 @@
               <a:t>setSpeculationTest</a:t>
             </a:r>
             <a:r>
-              <a:rPr b="0" lang="fr-CH" sz="1400" spc="-1" strike="noStrike">
+              <a:rPr b="0" lang="en-US" sz="1400" spc="-1" strike="noStrike">
                 <a:solidFill>
                   <a:srgbClr val="000000"/>
                 </a:solidFill>
@@ -10065,7 +16055,7 @@
               </a:rPr>
               <a:t>(std::function&lt;bool(int,const SpProbability&amp;)&gt; inFormula)</a:t>
             </a:r>
-            <a:endParaRPr b="0" lang="fr-CH" sz="1400" spc="-1" strike="noStrike">
+            <a:endParaRPr b="0" lang="en-US" sz="1400" spc="-1" strike="noStrike">
               <a:latin typeface="Arial"/>
             </a:endParaRPr>
           </a:p>
@@ -10117,7 +16107,7 @@
               </a:rPr>
               <a:t>This method sets a predicate function that will be called by the runtime whenever a speculative task is ready to be put in the queue of ready tasks . </a:t>
             </a:r>
-            <a:endParaRPr b="0" lang="fr-CH" sz="1400" spc="-1" strike="noStrike">
+            <a:endParaRPr b="0" lang="en-US" sz="1400" spc="-1" strike="noStrike">
               <a:latin typeface="Arial"/>
             </a:endParaRPr>
           </a:p>
@@ -10128,7 +16118,7 @@
               </a:lnSpc>
               <a:buNone/>
             </a:pPr>
-            <a:endParaRPr b="0" lang="fr-CH" sz="1400" spc="-1" strike="noStrike">
+            <a:endParaRPr b="0" lang="en-US" sz="1400" spc="-1" strike="noStrike">
               <a:latin typeface="Arial"/>
             </a:endParaRPr>
           </a:p>
@@ -10149,7 +16139,7 @@
               </a:rPr>
               <a:t>The predicate returns a boolean. Reciprocally a return value of false means the speculative task and all of its dependent speculative tasks should be disabled.</a:t>
             </a:r>
-            <a:endParaRPr b="0" lang="fr-CH" sz="1400" spc="-1" strike="noStrike">
+            <a:endParaRPr b="0" lang="en-US" sz="1400" spc="-1" strike="noStrike">
               <a:latin typeface="Arial"/>
             </a:endParaRPr>
           </a:p>
@@ -10201,7 +16191,7 @@
               </a:rPr>
               <a:t>If no speculation test is set in the runtime, the default behavior is that a speculative task and all its dependent speculative tasks will only be enabled if at the time the predicate is called no other tasks are ready to run.</a:t>
             </a:r>
-            <a:endParaRPr b="0" lang="fr-CH" sz="1400" spc="-1" strike="noStrike">
+            <a:endParaRPr b="0" lang="en-US" sz="1400" spc="-1" strike="noStrike">
               <a:latin typeface="Arial"/>
             </a:endParaRPr>
           </a:p>
